--- a/Presentation.pptx
+++ b/Presentation.pptx
@@ -5,7 +5,7 @@
     <p:sldMasterId id="2147483648" r:id="rId1"/>
   </p:sldMasterIdLst>
   <p:notesMasterIdLst>
-    <p:notesMasterId r:id="rId33"/>
+    <p:notesMasterId r:id="rId39"/>
   </p:notesMasterIdLst>
   <p:sldIdLst>
     <p:sldId id="256" r:id="rId2"/>
@@ -39,6 +39,12 @@
     <p:sldId id="286" r:id="rId30"/>
     <p:sldId id="287" r:id="rId31"/>
     <p:sldId id="288" r:id="rId32"/>
+    <p:sldId id="290" r:id="rId33"/>
+    <p:sldId id="289" r:id="rId34"/>
+    <p:sldId id="291" r:id="rId35"/>
+    <p:sldId id="292" r:id="rId36"/>
+    <p:sldId id="293" r:id="rId37"/>
+    <p:sldId id="294" r:id="rId38"/>
   </p:sldIdLst>
   <p:sldSz cx="12192000" cy="6858000"/>
   <p:notesSz cx="6858000" cy="9144000"/>
@@ -1298,7 +1304,7 @@
           <a:p>
             <a:fld id="{72D23B30-5EA5-4E58-83A2-CD0A58FE814B}" type="datetimeFigureOut">
               <a:rPr lang="en-US" smtClean="0"/>
-              <a:t>10/8/2021</a:t>
+              <a:t>10/22/2021</a:t>
             </a:fld>
             <a:endParaRPr lang="en-US"/>
           </a:p>
@@ -2060,7 +2066,7 @@
           <a:p>
             <a:fld id="{7450D965-15E4-4F4F-B21E-11DDA7A2EA91}" type="datetimeFigureOut">
               <a:rPr lang="en-US" smtClean="0"/>
-              <a:t>10/8/2021</a:t>
+              <a:t>10/22/2021</a:t>
             </a:fld>
             <a:endParaRPr lang="en-US" dirty="0"/>
           </a:p>
@@ -2258,7 +2264,7 @@
           <a:p>
             <a:fld id="{7450D965-15E4-4F4F-B21E-11DDA7A2EA91}" type="datetimeFigureOut">
               <a:rPr lang="en-US" smtClean="0"/>
-              <a:t>10/8/2021</a:t>
+              <a:t>10/22/2021</a:t>
             </a:fld>
             <a:endParaRPr lang="en-US" dirty="0"/>
           </a:p>
@@ -2466,7 +2472,7 @@
           <a:p>
             <a:fld id="{7450D965-15E4-4F4F-B21E-11DDA7A2EA91}" type="datetimeFigureOut">
               <a:rPr lang="en-US" smtClean="0"/>
-              <a:t>10/8/2021</a:t>
+              <a:t>10/22/2021</a:t>
             </a:fld>
             <a:endParaRPr lang="en-US" dirty="0"/>
           </a:p>
@@ -2664,7 +2670,7 @@
           <a:p>
             <a:fld id="{7450D965-15E4-4F4F-B21E-11DDA7A2EA91}" type="datetimeFigureOut">
               <a:rPr lang="en-US" smtClean="0"/>
-              <a:t>10/8/2021</a:t>
+              <a:t>10/22/2021</a:t>
             </a:fld>
             <a:endParaRPr lang="en-US" dirty="0"/>
           </a:p>
@@ -2939,7 +2945,7 @@
           <a:p>
             <a:fld id="{7450D965-15E4-4F4F-B21E-11DDA7A2EA91}" type="datetimeFigureOut">
               <a:rPr lang="en-US" smtClean="0"/>
-              <a:t>10/8/2021</a:t>
+              <a:t>10/22/2021</a:t>
             </a:fld>
             <a:endParaRPr lang="en-US" dirty="0"/>
           </a:p>
@@ -3204,7 +3210,7 @@
           <a:p>
             <a:fld id="{7450D965-15E4-4F4F-B21E-11DDA7A2EA91}" type="datetimeFigureOut">
               <a:rPr lang="en-US" smtClean="0"/>
-              <a:t>10/8/2021</a:t>
+              <a:t>10/22/2021</a:t>
             </a:fld>
             <a:endParaRPr lang="en-US" dirty="0"/>
           </a:p>
@@ -3616,7 +3622,7 @@
           <a:p>
             <a:fld id="{7450D965-15E4-4F4F-B21E-11DDA7A2EA91}" type="datetimeFigureOut">
               <a:rPr lang="en-US" smtClean="0"/>
-              <a:t>10/8/2021</a:t>
+              <a:t>10/22/2021</a:t>
             </a:fld>
             <a:endParaRPr lang="en-US" dirty="0"/>
           </a:p>
@@ -3757,7 +3763,7 @@
           <a:p>
             <a:fld id="{7450D965-15E4-4F4F-B21E-11DDA7A2EA91}" type="datetimeFigureOut">
               <a:rPr lang="en-US" smtClean="0"/>
-              <a:t>10/8/2021</a:t>
+              <a:t>10/22/2021</a:t>
             </a:fld>
             <a:endParaRPr lang="en-US" dirty="0"/>
           </a:p>
@@ -3870,7 +3876,7 @@
           <a:p>
             <a:fld id="{7450D965-15E4-4F4F-B21E-11DDA7A2EA91}" type="datetimeFigureOut">
               <a:rPr lang="en-US" smtClean="0"/>
-              <a:t>10/8/2021</a:t>
+              <a:t>10/22/2021</a:t>
             </a:fld>
             <a:endParaRPr lang="en-US" dirty="0"/>
           </a:p>
@@ -4181,7 +4187,7 @@
           <a:p>
             <a:fld id="{7450D965-15E4-4F4F-B21E-11DDA7A2EA91}" type="datetimeFigureOut">
               <a:rPr lang="en-US" smtClean="0"/>
-              <a:t>10/8/2021</a:t>
+              <a:t>10/22/2021</a:t>
             </a:fld>
             <a:endParaRPr lang="en-US" dirty="0"/>
           </a:p>
@@ -4469,7 +4475,7 @@
           <a:p>
             <a:fld id="{7450D965-15E4-4F4F-B21E-11DDA7A2EA91}" type="datetimeFigureOut">
               <a:rPr lang="en-US" smtClean="0"/>
-              <a:t>10/8/2021</a:t>
+              <a:t>10/22/2021</a:t>
             </a:fld>
             <a:endParaRPr lang="en-US" dirty="0"/>
           </a:p>
@@ -4710,7 +4716,7 @@
           <a:p>
             <a:fld id="{7450D965-15E4-4F4F-B21E-11DDA7A2EA91}" type="datetimeFigureOut">
               <a:rPr lang="en-US" smtClean="0"/>
-              <a:t>10/8/2021</a:t>
+              <a:t>10/22/2021</a:t>
             </a:fld>
             <a:endParaRPr lang="en-US" dirty="0"/>
           </a:p>
@@ -10707,8 +10713,8 @@
           </a:p>
         </p:txBody>
       </p:sp>
-      <mc:AlternateContent xmlns:mc="http://schemas.openxmlformats.org/markup-compatibility/2006">
-        <mc:Choice xmlns:a14="http://schemas.microsoft.com/office/drawing/2010/main" Requires="a14">
+      <mc:AlternateContent xmlns:mc="http://schemas.openxmlformats.org/markup-compatibility/2006" xmlns:a14="http://schemas.microsoft.com/office/drawing/2010/main">
+        <mc:Choice Requires="a14">
           <p:sp>
             <p:nvSpPr>
               <p:cNvPr id="3" name="Content Placeholder 2">
@@ -10940,7 +10946,7 @@
             </p:txBody>
           </p:sp>
         </mc:Choice>
-        <mc:Fallback>
+        <mc:Fallback xmlns="">
           <p:sp>
             <p:nvSpPr>
               <p:cNvPr id="3" name="Content Placeholder 2">
@@ -11124,6 +11130,1660 @@
     <p:extLst>
       <p:ext uri="{BB962C8B-B14F-4D97-AF65-F5344CB8AC3E}">
         <p14:creationId xmlns:p14="http://schemas.microsoft.com/office/powerpoint/2010/main" val="85470835"/>
+      </p:ext>
+    </p:extLst>
+  </p:cSld>
+  <p:clrMapOvr>
+    <a:masterClrMapping/>
+  </p:clrMapOvr>
+</p:sld>
+</file>
+
+<file path=ppt/slides/slide32.xml><?xml version="1.0" encoding="utf-8"?>
+<p:sld xmlns:a="http://schemas.openxmlformats.org/drawingml/2006/main" xmlns:r="http://schemas.openxmlformats.org/officeDocument/2006/relationships" xmlns:p="http://schemas.openxmlformats.org/presentationml/2006/main">
+  <p:cSld>
+    <p:spTree>
+      <p:nvGrpSpPr>
+        <p:cNvPr id="1" name=""/>
+        <p:cNvGrpSpPr/>
+        <p:nvPr/>
+      </p:nvGrpSpPr>
+      <p:grpSpPr>
+        <a:xfrm>
+          <a:off x="0" y="0"/>
+          <a:ext cx="0" cy="0"/>
+          <a:chOff x="0" y="0"/>
+          <a:chExt cx="0" cy="0"/>
+        </a:xfrm>
+      </p:grpSpPr>
+      <p:sp>
+        <p:nvSpPr>
+          <p:cNvPr id="2" name="Title 1">
+            <a:extLst>
+              <a:ext uri="{FF2B5EF4-FFF2-40B4-BE49-F238E27FC236}">
+                <a16:creationId xmlns:a16="http://schemas.microsoft.com/office/drawing/2014/main" id="{D41AE899-2611-451E-9D0E-2F7CD1B1DC00}"/>
+              </a:ext>
+            </a:extLst>
+          </p:cNvPr>
+          <p:cNvSpPr>
+            <a:spLocks noGrp="1"/>
+          </p:cNvSpPr>
+          <p:nvPr>
+            <p:ph type="title"/>
+          </p:nvPr>
+        </p:nvSpPr>
+        <p:spPr/>
+        <p:txBody>
+          <a:bodyPr/>
+          <a:lstStyle/>
+          <a:p>
+            <a:r>
+              <a:rPr lang="en-US" b="1" dirty="0">
+                <a:effectLst>
+                  <a:outerShdw blurRad="38100" dist="38100" dir="2700000" algn="tl">
+                    <a:srgbClr val="000000">
+                      <a:alpha val="43137"/>
+                    </a:srgbClr>
+                  </a:outerShdw>
+                </a:effectLst>
+              </a:rPr>
+              <a:t>Statistics problem with a stick</a:t>
+            </a:r>
+          </a:p>
+        </p:txBody>
+      </p:sp>
+      <p:sp>
+        <p:nvSpPr>
+          <p:cNvPr id="8" name="TextBox 7">
+            <a:extLst>
+              <a:ext uri="{FF2B5EF4-FFF2-40B4-BE49-F238E27FC236}">
+                <a16:creationId xmlns:a16="http://schemas.microsoft.com/office/drawing/2014/main" id="{9251100B-53AA-4628-8778-C2CEBA0623F5}"/>
+              </a:ext>
+            </a:extLst>
+          </p:cNvPr>
+          <p:cNvSpPr txBox="1"/>
+          <p:nvPr/>
+        </p:nvSpPr>
+        <p:spPr>
+          <a:xfrm>
+            <a:off x="5915892" y="1796905"/>
+            <a:ext cx="5742708" cy="4708981"/>
+          </a:xfrm>
+          <a:prstGeom prst="rect">
+            <a:avLst/>
+          </a:prstGeom>
+          <a:noFill/>
+        </p:spPr>
+        <p:txBody>
+          <a:bodyPr wrap="square" rtlCol="0">
+            <a:spAutoFit/>
+          </a:bodyPr>
+          <a:lstStyle/>
+          <a:p>
+            <a:r>
+              <a:rPr lang="en-US" sz="2500" dirty="0"/>
+              <a:t>Points on the stick are our subject of interest</a:t>
+            </a:r>
+          </a:p>
+          <a:p>
+            <a:endParaRPr lang="en-US" sz="2500" dirty="0"/>
+          </a:p>
+          <a:p>
+            <a:pPr marL="342900" indent="-342900">
+              <a:buFont typeface="Arial" panose="020B0604020202020204" pitchFamily="34" charset="0"/>
+              <a:buChar char="•"/>
+            </a:pPr>
+            <a:r>
+              <a:rPr lang="en-US" sz="2500" dirty="0"/>
+              <a:t>What is the sample space?</a:t>
+            </a:r>
+          </a:p>
+          <a:p>
+            <a:pPr marL="342900" indent="-342900">
+              <a:buFont typeface="Arial" panose="020B0604020202020204" pitchFamily="34" charset="0"/>
+              <a:buChar char="•"/>
+            </a:pPr>
+            <a:r>
+              <a:rPr lang="en-US" sz="2500" dirty="0"/>
+              <a:t>What is the size of the sample space?</a:t>
+            </a:r>
+          </a:p>
+          <a:p>
+            <a:pPr marL="342900" indent="-342900">
+              <a:buFont typeface="Arial" panose="020B0604020202020204" pitchFamily="34" charset="0"/>
+              <a:buChar char="•"/>
+            </a:pPr>
+            <a:r>
+              <a:rPr lang="en-US" sz="2500" dirty="0"/>
+              <a:t>Can you define an event in the sample space?</a:t>
+            </a:r>
+          </a:p>
+          <a:p>
+            <a:pPr marL="342900" indent="-342900">
+              <a:buFont typeface="Arial" panose="020B0604020202020204" pitchFamily="34" charset="0"/>
+              <a:buChar char="•"/>
+            </a:pPr>
+            <a:r>
+              <a:rPr lang="en-US" sz="2500" dirty="0"/>
+              <a:t>Can you randomly select a single random point A on the stick?</a:t>
+            </a:r>
+          </a:p>
+          <a:p>
+            <a:pPr marL="342900" indent="-342900">
+              <a:buFont typeface="Arial" panose="020B0604020202020204" pitchFamily="34" charset="0"/>
+              <a:buChar char="•"/>
+            </a:pPr>
+            <a:r>
+              <a:rPr lang="en-US" sz="2500" dirty="0"/>
+              <a:t>P(A) = ?</a:t>
+            </a:r>
+          </a:p>
+          <a:p>
+            <a:pPr marL="342900" indent="-342900">
+              <a:buFont typeface="Arial" panose="020B0604020202020204" pitchFamily="34" charset="0"/>
+              <a:buChar char="•"/>
+            </a:pPr>
+            <a:r>
+              <a:rPr lang="en-US" sz="2500" dirty="0"/>
+              <a:t>What is the probability that A is on the stick</a:t>
+            </a:r>
+          </a:p>
+        </p:txBody>
+      </p:sp>
+      <p:sp>
+        <p:nvSpPr>
+          <p:cNvPr id="9" name="Content Placeholder 8">
+            <a:extLst>
+              <a:ext uri="{FF2B5EF4-FFF2-40B4-BE49-F238E27FC236}">
+                <a16:creationId xmlns:a16="http://schemas.microsoft.com/office/drawing/2014/main" id="{4A45299A-931D-4192-BDFB-3F4DAA07C801}"/>
+              </a:ext>
+            </a:extLst>
+          </p:cNvPr>
+          <p:cNvSpPr>
+            <a:spLocks noGrp="1"/>
+          </p:cNvSpPr>
+          <p:nvPr>
+            <p:ph idx="1"/>
+          </p:nvPr>
+        </p:nvSpPr>
+        <p:spPr>
+          <a:xfrm>
+            <a:off x="838200" y="1825625"/>
+            <a:ext cx="4897582" cy="4351338"/>
+          </a:xfrm>
+        </p:spPr>
+        <p:txBody>
+          <a:bodyPr/>
+          <a:lstStyle/>
+          <a:p>
+            <a:endParaRPr lang="en-US" dirty="0"/>
+          </a:p>
+        </p:txBody>
+      </p:sp>
+      <p:sp>
+        <p:nvSpPr>
+          <p:cNvPr id="10" name="Rectangle 9">
+            <a:extLst>
+              <a:ext uri="{FF2B5EF4-FFF2-40B4-BE49-F238E27FC236}">
+                <a16:creationId xmlns:a16="http://schemas.microsoft.com/office/drawing/2014/main" id="{95BE09E7-2CFD-499D-83B7-43B4BB33F8DC}"/>
+              </a:ext>
+            </a:extLst>
+          </p:cNvPr>
+          <p:cNvSpPr/>
+          <p:nvPr/>
+        </p:nvSpPr>
+        <p:spPr>
+          <a:xfrm>
+            <a:off x="1018309" y="3158836"/>
+            <a:ext cx="4218709" cy="103909"/>
+          </a:xfrm>
+          <a:prstGeom prst="rect">
+            <a:avLst/>
+          </a:prstGeom>
+        </p:spPr>
+        <p:style>
+          <a:lnRef idx="2">
+            <a:schemeClr val="accent1">
+              <a:shade val="50000"/>
+            </a:schemeClr>
+          </a:lnRef>
+          <a:fillRef idx="1">
+            <a:schemeClr val="accent1"/>
+          </a:fillRef>
+          <a:effectRef idx="0">
+            <a:schemeClr val="accent1"/>
+          </a:effectRef>
+          <a:fontRef idx="minor">
+            <a:schemeClr val="lt1"/>
+          </a:fontRef>
+        </p:style>
+        <p:txBody>
+          <a:bodyPr rtlCol="0" anchor="ctr"/>
+          <a:lstStyle/>
+          <a:p>
+            <a:pPr algn="ctr"/>
+            <a:endParaRPr lang="en-US"/>
+          </a:p>
+        </p:txBody>
+      </p:sp>
+      <p:sp>
+        <p:nvSpPr>
+          <p:cNvPr id="12" name="Left Brace 11">
+            <a:extLst>
+              <a:ext uri="{FF2B5EF4-FFF2-40B4-BE49-F238E27FC236}">
+                <a16:creationId xmlns:a16="http://schemas.microsoft.com/office/drawing/2014/main" id="{3778E62F-9072-4F4B-A400-CB96B17148A6}"/>
+              </a:ext>
+            </a:extLst>
+          </p:cNvPr>
+          <p:cNvSpPr/>
+          <p:nvPr/>
+        </p:nvSpPr>
+        <p:spPr>
+          <a:xfrm rot="5400000">
+            <a:off x="2857500" y="690994"/>
+            <a:ext cx="540328" cy="4218709"/>
+          </a:xfrm>
+          <a:prstGeom prst="leftBrace">
+            <a:avLst>
+              <a:gd name="adj1" fmla="val 0"/>
+              <a:gd name="adj2" fmla="val 50000"/>
+            </a:avLst>
+          </a:prstGeom>
+        </p:spPr>
+        <p:style>
+          <a:lnRef idx="1">
+            <a:schemeClr val="accent1"/>
+          </a:lnRef>
+          <a:fillRef idx="0">
+            <a:schemeClr val="accent1"/>
+          </a:fillRef>
+          <a:effectRef idx="0">
+            <a:schemeClr val="accent1"/>
+          </a:effectRef>
+          <a:fontRef idx="minor">
+            <a:schemeClr val="tx1"/>
+          </a:fontRef>
+        </p:style>
+        <p:txBody>
+          <a:bodyPr rtlCol="0" anchor="ctr"/>
+          <a:lstStyle/>
+          <a:p>
+            <a:pPr algn="ctr"/>
+            <a:endParaRPr lang="en-US"/>
+          </a:p>
+        </p:txBody>
+      </p:sp>
+      <p:sp>
+        <p:nvSpPr>
+          <p:cNvPr id="14" name="TextBox 13">
+            <a:extLst>
+              <a:ext uri="{FF2B5EF4-FFF2-40B4-BE49-F238E27FC236}">
+                <a16:creationId xmlns:a16="http://schemas.microsoft.com/office/drawing/2014/main" id="{6BD836E6-C0F4-4919-AC84-7962E1BB4D11}"/>
+              </a:ext>
+            </a:extLst>
+          </p:cNvPr>
+          <p:cNvSpPr txBox="1"/>
+          <p:nvPr/>
+        </p:nvSpPr>
+        <p:spPr>
+          <a:xfrm>
+            <a:off x="2774373" y="2236486"/>
+            <a:ext cx="1007918" cy="369332"/>
+          </a:xfrm>
+          <a:prstGeom prst="rect">
+            <a:avLst/>
+          </a:prstGeom>
+          <a:noFill/>
+        </p:spPr>
+        <p:txBody>
+          <a:bodyPr wrap="square" rtlCol="0">
+            <a:spAutoFit/>
+          </a:bodyPr>
+          <a:lstStyle/>
+          <a:p>
+            <a:r>
+              <a:rPr lang="en-US" dirty="0"/>
+              <a:t>1 Unit</a:t>
+            </a:r>
+          </a:p>
+        </p:txBody>
+      </p:sp>
+    </p:spTree>
+    <p:extLst>
+      <p:ext uri="{BB962C8B-B14F-4D97-AF65-F5344CB8AC3E}">
+        <p14:creationId xmlns:p14="http://schemas.microsoft.com/office/powerpoint/2010/main" val="874618858"/>
+      </p:ext>
+    </p:extLst>
+  </p:cSld>
+  <p:clrMapOvr>
+    <a:masterClrMapping/>
+  </p:clrMapOvr>
+</p:sld>
+</file>
+
+<file path=ppt/slides/slide33.xml><?xml version="1.0" encoding="utf-8"?>
+<p:sld xmlns:a="http://schemas.openxmlformats.org/drawingml/2006/main" xmlns:r="http://schemas.openxmlformats.org/officeDocument/2006/relationships" xmlns:p="http://schemas.openxmlformats.org/presentationml/2006/main">
+  <p:cSld>
+    <p:spTree>
+      <p:nvGrpSpPr>
+        <p:cNvPr id="1" name=""/>
+        <p:cNvGrpSpPr/>
+        <p:nvPr/>
+      </p:nvGrpSpPr>
+      <p:grpSpPr>
+        <a:xfrm>
+          <a:off x="0" y="0"/>
+          <a:ext cx="0" cy="0"/>
+          <a:chOff x="0" y="0"/>
+          <a:chExt cx="0" cy="0"/>
+        </a:xfrm>
+      </p:grpSpPr>
+      <p:sp>
+        <p:nvSpPr>
+          <p:cNvPr id="2" name="Title 1">
+            <a:extLst>
+              <a:ext uri="{FF2B5EF4-FFF2-40B4-BE49-F238E27FC236}">
+                <a16:creationId xmlns:a16="http://schemas.microsoft.com/office/drawing/2014/main" id="{D41AE899-2611-451E-9D0E-2F7CD1B1DC00}"/>
+              </a:ext>
+            </a:extLst>
+          </p:cNvPr>
+          <p:cNvSpPr>
+            <a:spLocks noGrp="1"/>
+          </p:cNvSpPr>
+          <p:nvPr>
+            <p:ph type="title"/>
+          </p:nvPr>
+        </p:nvSpPr>
+        <p:spPr/>
+        <p:txBody>
+          <a:bodyPr/>
+          <a:lstStyle/>
+          <a:p>
+            <a:r>
+              <a:rPr lang="en-US" b="1" dirty="0">
+                <a:effectLst>
+                  <a:outerShdw blurRad="38100" dist="38100" dir="2700000" algn="tl">
+                    <a:srgbClr val="000000">
+                      <a:alpha val="43137"/>
+                    </a:srgbClr>
+                  </a:outerShdw>
+                </a:effectLst>
+              </a:rPr>
+              <a:t>Statistics problem with a stick</a:t>
+            </a:r>
+          </a:p>
+        </p:txBody>
+      </p:sp>
+      <p:sp>
+        <p:nvSpPr>
+          <p:cNvPr id="8" name="TextBox 7">
+            <a:extLst>
+              <a:ext uri="{FF2B5EF4-FFF2-40B4-BE49-F238E27FC236}">
+                <a16:creationId xmlns:a16="http://schemas.microsoft.com/office/drawing/2014/main" id="{9251100B-53AA-4628-8778-C2CEBA0623F5}"/>
+              </a:ext>
+            </a:extLst>
+          </p:cNvPr>
+          <p:cNvSpPr txBox="1"/>
+          <p:nvPr/>
+        </p:nvSpPr>
+        <p:spPr>
+          <a:xfrm>
+            <a:off x="6224155" y="1796905"/>
+            <a:ext cx="5334000" cy="3554819"/>
+          </a:xfrm>
+          <a:prstGeom prst="rect">
+            <a:avLst/>
+          </a:prstGeom>
+          <a:noFill/>
+        </p:spPr>
+        <p:txBody>
+          <a:bodyPr wrap="square" rtlCol="0">
+            <a:spAutoFit/>
+          </a:bodyPr>
+          <a:lstStyle/>
+          <a:p>
+            <a:r>
+              <a:rPr lang="en-US" sz="2500" dirty="0"/>
+              <a:t>Let us replace the stick with a number line</a:t>
+            </a:r>
+          </a:p>
+          <a:p>
+            <a:endParaRPr lang="en-US" sz="2500" dirty="0"/>
+          </a:p>
+          <a:p>
+            <a:pPr marL="342900" indent="-342900">
+              <a:buFont typeface="Arial" panose="020B0604020202020204" pitchFamily="34" charset="0"/>
+              <a:buChar char="•"/>
+            </a:pPr>
+            <a:r>
+              <a:rPr lang="en-US" sz="2500" dirty="0"/>
+              <a:t>What is the sample space?</a:t>
+            </a:r>
+          </a:p>
+          <a:p>
+            <a:pPr marL="342900" indent="-342900">
+              <a:buFont typeface="Arial" panose="020B0604020202020204" pitchFamily="34" charset="0"/>
+              <a:buChar char="•"/>
+            </a:pPr>
+            <a:r>
+              <a:rPr lang="en-US" sz="2500" dirty="0"/>
+              <a:t>What is the size of the sample space</a:t>
+            </a:r>
+          </a:p>
+          <a:p>
+            <a:pPr marL="342900" indent="-342900">
+              <a:buFont typeface="Arial" panose="020B0604020202020204" pitchFamily="34" charset="0"/>
+              <a:buChar char="•"/>
+            </a:pPr>
+            <a:r>
+              <a:rPr lang="en-US" sz="2500" dirty="0"/>
+              <a:t>Can you randomly select a point A on an interval?</a:t>
+            </a:r>
+          </a:p>
+          <a:p>
+            <a:pPr marL="342900" indent="-342900">
+              <a:buFont typeface="Arial" panose="020B0604020202020204" pitchFamily="34" charset="0"/>
+              <a:buChar char="•"/>
+            </a:pPr>
+            <a:r>
+              <a:rPr lang="en-US" sz="2500" dirty="0"/>
+              <a:t>P(A &lt; 0.5) = ?</a:t>
+            </a:r>
+          </a:p>
+          <a:p>
+            <a:pPr marL="342900" indent="-342900">
+              <a:buFont typeface="Arial" panose="020B0604020202020204" pitchFamily="34" charset="0"/>
+              <a:buChar char="•"/>
+            </a:pPr>
+            <a:r>
+              <a:rPr lang="en-US" sz="2500" dirty="0"/>
+              <a:t>P (A &gt; 0.5) = ?</a:t>
+            </a:r>
+          </a:p>
+        </p:txBody>
+      </p:sp>
+      <p:pic>
+        <p:nvPicPr>
+          <p:cNvPr id="3" name="Content Placeholder 2">
+            <a:extLst>
+              <a:ext uri="{FF2B5EF4-FFF2-40B4-BE49-F238E27FC236}">
+                <a16:creationId xmlns:a16="http://schemas.microsoft.com/office/drawing/2014/main" id="{11C43F32-7A04-496D-B984-A8C2953E02A7}"/>
+              </a:ext>
+            </a:extLst>
+          </p:cNvPr>
+          <p:cNvPicPr>
+            <a:picLocks noGrp="1" noChangeAspect="1"/>
+          </p:cNvPicPr>
+          <p:nvPr>
+            <p:ph idx="1"/>
+          </p:nvPr>
+        </p:nvPicPr>
+        <p:blipFill rotWithShape="1">
+          <a:blip r:embed="rId2"/>
+          <a:srcRect t="12490" b="71988"/>
+          <a:stretch/>
+        </p:blipFill>
+        <p:spPr>
+          <a:xfrm>
+            <a:off x="633845" y="2369127"/>
+            <a:ext cx="5447022" cy="976746"/>
+          </a:xfrm>
+          <a:prstGeom prst="rect">
+            <a:avLst/>
+          </a:prstGeom>
+        </p:spPr>
+      </p:pic>
+      <p:sp>
+        <p:nvSpPr>
+          <p:cNvPr id="14" name="TextBox 13">
+            <a:extLst>
+              <a:ext uri="{FF2B5EF4-FFF2-40B4-BE49-F238E27FC236}">
+                <a16:creationId xmlns:a16="http://schemas.microsoft.com/office/drawing/2014/main" id="{6BD836E6-C0F4-4919-AC84-7962E1BB4D11}"/>
+              </a:ext>
+            </a:extLst>
+          </p:cNvPr>
+          <p:cNvSpPr txBox="1"/>
+          <p:nvPr/>
+        </p:nvSpPr>
+        <p:spPr>
+          <a:xfrm>
+            <a:off x="2774373" y="2236486"/>
+            <a:ext cx="1007918" cy="369332"/>
+          </a:xfrm>
+          <a:prstGeom prst="rect">
+            <a:avLst/>
+          </a:prstGeom>
+          <a:noFill/>
+        </p:spPr>
+        <p:txBody>
+          <a:bodyPr wrap="square" rtlCol="0">
+            <a:spAutoFit/>
+          </a:bodyPr>
+          <a:lstStyle/>
+          <a:p>
+            <a:r>
+              <a:rPr lang="en-US" dirty="0"/>
+              <a:t>1 Unit</a:t>
+            </a:r>
+          </a:p>
+        </p:txBody>
+      </p:sp>
+      <p:sp>
+        <p:nvSpPr>
+          <p:cNvPr id="4" name="Rectangle 3">
+            <a:extLst>
+              <a:ext uri="{FF2B5EF4-FFF2-40B4-BE49-F238E27FC236}">
+                <a16:creationId xmlns:a16="http://schemas.microsoft.com/office/drawing/2014/main" id="{C2D04A82-DD27-4B2C-8D44-7173E04A3A75}"/>
+              </a:ext>
+            </a:extLst>
+          </p:cNvPr>
+          <p:cNvSpPr/>
+          <p:nvPr/>
+        </p:nvSpPr>
+        <p:spPr>
+          <a:xfrm>
+            <a:off x="1241263" y="2877133"/>
+            <a:ext cx="1927966" cy="426027"/>
+          </a:xfrm>
+          <a:prstGeom prst="rect">
+            <a:avLst/>
+          </a:prstGeom>
+          <a:solidFill>
+            <a:schemeClr val="bg1"/>
+          </a:solidFill>
+          <a:ln>
+            <a:solidFill>
+              <a:schemeClr val="bg1"/>
+            </a:solidFill>
+          </a:ln>
+        </p:spPr>
+        <p:style>
+          <a:lnRef idx="2">
+            <a:schemeClr val="accent1">
+              <a:shade val="50000"/>
+            </a:schemeClr>
+          </a:lnRef>
+          <a:fillRef idx="1">
+            <a:schemeClr val="accent1"/>
+          </a:fillRef>
+          <a:effectRef idx="0">
+            <a:schemeClr val="accent1"/>
+          </a:effectRef>
+          <a:fontRef idx="minor">
+            <a:schemeClr val="lt1"/>
+          </a:fontRef>
+        </p:style>
+        <p:txBody>
+          <a:bodyPr rtlCol="0" anchor="ctr"/>
+          <a:lstStyle/>
+          <a:p>
+            <a:pPr algn="ctr"/>
+            <a:endParaRPr lang="en-US"/>
+          </a:p>
+        </p:txBody>
+      </p:sp>
+      <p:sp>
+        <p:nvSpPr>
+          <p:cNvPr id="11" name="Rectangle 10">
+            <a:extLst>
+              <a:ext uri="{FF2B5EF4-FFF2-40B4-BE49-F238E27FC236}">
+                <a16:creationId xmlns:a16="http://schemas.microsoft.com/office/drawing/2014/main" id="{622FA94F-A395-4E52-B31B-251935AFB6AC}"/>
+              </a:ext>
+            </a:extLst>
+          </p:cNvPr>
+          <p:cNvSpPr/>
+          <p:nvPr/>
+        </p:nvSpPr>
+        <p:spPr>
+          <a:xfrm>
+            <a:off x="3589609" y="2884621"/>
+            <a:ext cx="1927966" cy="426027"/>
+          </a:xfrm>
+          <a:prstGeom prst="rect">
+            <a:avLst/>
+          </a:prstGeom>
+          <a:solidFill>
+            <a:schemeClr val="bg1"/>
+          </a:solidFill>
+          <a:ln>
+            <a:solidFill>
+              <a:schemeClr val="bg1"/>
+            </a:solidFill>
+          </a:ln>
+        </p:spPr>
+        <p:style>
+          <a:lnRef idx="2">
+            <a:schemeClr val="accent1">
+              <a:shade val="50000"/>
+            </a:schemeClr>
+          </a:lnRef>
+          <a:fillRef idx="1">
+            <a:schemeClr val="accent1"/>
+          </a:fillRef>
+          <a:effectRef idx="0">
+            <a:schemeClr val="accent1"/>
+          </a:effectRef>
+          <a:fontRef idx="minor">
+            <a:schemeClr val="lt1"/>
+          </a:fontRef>
+        </p:style>
+        <p:txBody>
+          <a:bodyPr rtlCol="0" anchor="ctr"/>
+          <a:lstStyle/>
+          <a:p>
+            <a:pPr algn="ctr"/>
+            <a:endParaRPr lang="en-US"/>
+          </a:p>
+        </p:txBody>
+      </p:sp>
+    </p:spTree>
+    <p:extLst>
+      <p:ext uri="{BB962C8B-B14F-4D97-AF65-F5344CB8AC3E}">
+        <p14:creationId xmlns:p14="http://schemas.microsoft.com/office/powerpoint/2010/main" val="2369420731"/>
+      </p:ext>
+    </p:extLst>
+  </p:cSld>
+  <p:clrMapOvr>
+    <a:masterClrMapping/>
+  </p:clrMapOvr>
+</p:sld>
+</file>
+
+<file path=ppt/slides/slide34.xml><?xml version="1.0" encoding="utf-8"?>
+<p:sld xmlns:a="http://schemas.openxmlformats.org/drawingml/2006/main" xmlns:r="http://schemas.openxmlformats.org/officeDocument/2006/relationships" xmlns:p="http://schemas.openxmlformats.org/presentationml/2006/main">
+  <p:cSld>
+    <p:spTree>
+      <p:nvGrpSpPr>
+        <p:cNvPr id="1" name=""/>
+        <p:cNvGrpSpPr/>
+        <p:nvPr/>
+      </p:nvGrpSpPr>
+      <p:grpSpPr>
+        <a:xfrm>
+          <a:off x="0" y="0"/>
+          <a:ext cx="0" cy="0"/>
+          <a:chOff x="0" y="0"/>
+          <a:chExt cx="0" cy="0"/>
+        </a:xfrm>
+      </p:grpSpPr>
+      <p:sp>
+        <p:nvSpPr>
+          <p:cNvPr id="2" name="Title 1">
+            <a:extLst>
+              <a:ext uri="{FF2B5EF4-FFF2-40B4-BE49-F238E27FC236}">
+                <a16:creationId xmlns:a16="http://schemas.microsoft.com/office/drawing/2014/main" id="{D41AE899-2611-451E-9D0E-2F7CD1B1DC00}"/>
+              </a:ext>
+            </a:extLst>
+          </p:cNvPr>
+          <p:cNvSpPr>
+            <a:spLocks noGrp="1"/>
+          </p:cNvSpPr>
+          <p:nvPr>
+            <p:ph type="title"/>
+          </p:nvPr>
+        </p:nvSpPr>
+        <p:spPr/>
+        <p:txBody>
+          <a:bodyPr/>
+          <a:lstStyle/>
+          <a:p>
+            <a:r>
+              <a:rPr lang="en-US" b="1" dirty="0">
+                <a:effectLst>
+                  <a:outerShdw blurRad="38100" dist="38100" dir="2700000" algn="tl">
+                    <a:srgbClr val="000000">
+                      <a:alpha val="43137"/>
+                    </a:srgbClr>
+                  </a:outerShdw>
+                </a:effectLst>
+              </a:rPr>
+              <a:t>Statistics problem with a stick</a:t>
+            </a:r>
+          </a:p>
+        </p:txBody>
+      </p:sp>
+      <p:sp>
+        <p:nvSpPr>
+          <p:cNvPr id="8" name="TextBox 7">
+            <a:extLst>
+              <a:ext uri="{FF2B5EF4-FFF2-40B4-BE49-F238E27FC236}">
+                <a16:creationId xmlns:a16="http://schemas.microsoft.com/office/drawing/2014/main" id="{9251100B-53AA-4628-8778-C2CEBA0623F5}"/>
+              </a:ext>
+            </a:extLst>
+          </p:cNvPr>
+          <p:cNvSpPr txBox="1"/>
+          <p:nvPr/>
+        </p:nvSpPr>
+        <p:spPr>
+          <a:xfrm>
+            <a:off x="6224155" y="1796905"/>
+            <a:ext cx="5334000" cy="3554819"/>
+          </a:xfrm>
+          <a:prstGeom prst="rect">
+            <a:avLst/>
+          </a:prstGeom>
+          <a:noFill/>
+        </p:spPr>
+        <p:txBody>
+          <a:bodyPr wrap="square" rtlCol="0">
+            <a:spAutoFit/>
+          </a:bodyPr>
+          <a:lstStyle/>
+          <a:p>
+            <a:r>
+              <a:rPr lang="en-US" sz="2500" dirty="0"/>
+              <a:t>Let us divide the number line into more equal part</a:t>
+            </a:r>
+          </a:p>
+          <a:p>
+            <a:endParaRPr lang="en-US" sz="2500" dirty="0"/>
+          </a:p>
+          <a:p>
+            <a:pPr marL="342900" indent="-342900">
+              <a:buFont typeface="Arial" panose="020B0604020202020204" pitchFamily="34" charset="0"/>
+              <a:buChar char="•"/>
+            </a:pPr>
+            <a:r>
+              <a:rPr lang="en-US" sz="2500" dirty="0"/>
+              <a:t>What is the sample space?</a:t>
+            </a:r>
+          </a:p>
+          <a:p>
+            <a:pPr marL="342900" indent="-342900">
+              <a:buFont typeface="Arial" panose="020B0604020202020204" pitchFamily="34" charset="0"/>
+              <a:buChar char="•"/>
+            </a:pPr>
+            <a:r>
+              <a:rPr lang="en-US" sz="2500" dirty="0"/>
+              <a:t>What is the size of the sample space</a:t>
+            </a:r>
+          </a:p>
+          <a:p>
+            <a:pPr marL="342900" indent="-342900">
+              <a:buFont typeface="Arial" panose="020B0604020202020204" pitchFamily="34" charset="0"/>
+              <a:buChar char="•"/>
+            </a:pPr>
+            <a:r>
+              <a:rPr lang="en-US" sz="2500" dirty="0"/>
+              <a:t>P(0.1 &lt;A &lt; 0.2) = ?</a:t>
+            </a:r>
+          </a:p>
+          <a:p>
+            <a:pPr marL="342900" indent="-342900">
+              <a:buFont typeface="Arial" panose="020B0604020202020204" pitchFamily="34" charset="0"/>
+              <a:buChar char="•"/>
+            </a:pPr>
+            <a:r>
+              <a:rPr lang="en-US" sz="2500" dirty="0"/>
+              <a:t>P (0.6 &lt; A &lt; 0.7) = ?</a:t>
+            </a:r>
+          </a:p>
+          <a:p>
+            <a:pPr marL="342900" indent="-342900">
+              <a:buFont typeface="Arial" panose="020B0604020202020204" pitchFamily="34" charset="0"/>
+              <a:buChar char="•"/>
+            </a:pPr>
+            <a:r>
+              <a:rPr lang="en-US" sz="2500" dirty="0"/>
+              <a:t>What is needed to determine the probability of a point in an interval?</a:t>
+            </a:r>
+          </a:p>
+        </p:txBody>
+      </p:sp>
+      <p:pic>
+        <p:nvPicPr>
+          <p:cNvPr id="3" name="Content Placeholder 2">
+            <a:extLst>
+              <a:ext uri="{FF2B5EF4-FFF2-40B4-BE49-F238E27FC236}">
+                <a16:creationId xmlns:a16="http://schemas.microsoft.com/office/drawing/2014/main" id="{11C43F32-7A04-496D-B984-A8C2953E02A7}"/>
+              </a:ext>
+            </a:extLst>
+          </p:cNvPr>
+          <p:cNvPicPr>
+            <a:picLocks noGrp="1" noChangeAspect="1"/>
+          </p:cNvPicPr>
+          <p:nvPr>
+            <p:ph idx="1"/>
+          </p:nvPr>
+        </p:nvPicPr>
+        <p:blipFill rotWithShape="1">
+          <a:blip r:embed="rId2"/>
+          <a:srcRect t="12490" b="71988"/>
+          <a:stretch/>
+        </p:blipFill>
+        <p:spPr>
+          <a:xfrm>
+            <a:off x="633845" y="2369127"/>
+            <a:ext cx="5447022" cy="976746"/>
+          </a:xfrm>
+          <a:prstGeom prst="rect">
+            <a:avLst/>
+          </a:prstGeom>
+        </p:spPr>
+      </p:pic>
+      <p:sp>
+        <p:nvSpPr>
+          <p:cNvPr id="14" name="TextBox 13">
+            <a:extLst>
+              <a:ext uri="{FF2B5EF4-FFF2-40B4-BE49-F238E27FC236}">
+                <a16:creationId xmlns:a16="http://schemas.microsoft.com/office/drawing/2014/main" id="{6BD836E6-C0F4-4919-AC84-7962E1BB4D11}"/>
+              </a:ext>
+            </a:extLst>
+          </p:cNvPr>
+          <p:cNvSpPr txBox="1"/>
+          <p:nvPr/>
+        </p:nvSpPr>
+        <p:spPr>
+          <a:xfrm>
+            <a:off x="2774373" y="2236486"/>
+            <a:ext cx="1007918" cy="369332"/>
+          </a:xfrm>
+          <a:prstGeom prst="rect">
+            <a:avLst/>
+          </a:prstGeom>
+          <a:noFill/>
+        </p:spPr>
+        <p:txBody>
+          <a:bodyPr wrap="square" rtlCol="0">
+            <a:spAutoFit/>
+          </a:bodyPr>
+          <a:lstStyle/>
+          <a:p>
+            <a:r>
+              <a:rPr lang="en-US" dirty="0"/>
+              <a:t>1 Unit</a:t>
+            </a:r>
+          </a:p>
+        </p:txBody>
+      </p:sp>
+    </p:spTree>
+    <p:extLst>
+      <p:ext uri="{BB962C8B-B14F-4D97-AF65-F5344CB8AC3E}">
+        <p14:creationId xmlns:p14="http://schemas.microsoft.com/office/powerpoint/2010/main" val="100866463"/>
+      </p:ext>
+    </p:extLst>
+  </p:cSld>
+  <p:clrMapOvr>
+    <a:masterClrMapping/>
+  </p:clrMapOvr>
+</p:sld>
+</file>
+
+<file path=ppt/slides/slide35.xml><?xml version="1.0" encoding="utf-8"?>
+<p:sld xmlns:a="http://schemas.openxmlformats.org/drawingml/2006/main" xmlns:r="http://schemas.openxmlformats.org/officeDocument/2006/relationships" xmlns:p="http://schemas.openxmlformats.org/presentationml/2006/main">
+  <p:cSld>
+    <p:spTree>
+      <p:nvGrpSpPr>
+        <p:cNvPr id="1" name=""/>
+        <p:cNvGrpSpPr/>
+        <p:nvPr/>
+      </p:nvGrpSpPr>
+      <p:grpSpPr>
+        <a:xfrm>
+          <a:off x="0" y="0"/>
+          <a:ext cx="0" cy="0"/>
+          <a:chOff x="0" y="0"/>
+          <a:chExt cx="0" cy="0"/>
+        </a:xfrm>
+      </p:grpSpPr>
+      <p:sp>
+        <p:nvSpPr>
+          <p:cNvPr id="2" name="Title 1">
+            <a:extLst>
+              <a:ext uri="{FF2B5EF4-FFF2-40B4-BE49-F238E27FC236}">
+                <a16:creationId xmlns:a16="http://schemas.microsoft.com/office/drawing/2014/main" id="{D41AE899-2611-451E-9D0E-2F7CD1B1DC00}"/>
+              </a:ext>
+            </a:extLst>
+          </p:cNvPr>
+          <p:cNvSpPr>
+            <a:spLocks noGrp="1"/>
+          </p:cNvSpPr>
+          <p:nvPr>
+            <p:ph type="title"/>
+          </p:nvPr>
+        </p:nvSpPr>
+        <p:spPr/>
+        <p:txBody>
+          <a:bodyPr/>
+          <a:lstStyle/>
+          <a:p>
+            <a:r>
+              <a:rPr lang="en-US" b="1" dirty="0">
+                <a:effectLst>
+                  <a:outerShdw blurRad="38100" dist="38100" dir="2700000" algn="tl">
+                    <a:srgbClr val="000000">
+                      <a:alpha val="43137"/>
+                    </a:srgbClr>
+                  </a:outerShdw>
+                </a:effectLst>
+              </a:rPr>
+              <a:t>Statistics problem with a stick</a:t>
+            </a:r>
+          </a:p>
+        </p:txBody>
+      </p:sp>
+      <p:sp>
+        <p:nvSpPr>
+          <p:cNvPr id="8" name="TextBox 7">
+            <a:extLst>
+              <a:ext uri="{FF2B5EF4-FFF2-40B4-BE49-F238E27FC236}">
+                <a16:creationId xmlns:a16="http://schemas.microsoft.com/office/drawing/2014/main" id="{9251100B-53AA-4628-8778-C2CEBA0623F5}"/>
+              </a:ext>
+            </a:extLst>
+          </p:cNvPr>
+          <p:cNvSpPr txBox="1"/>
+          <p:nvPr/>
+        </p:nvSpPr>
+        <p:spPr>
+          <a:xfrm>
+            <a:off x="6224155" y="1796905"/>
+            <a:ext cx="5334000" cy="2785378"/>
+          </a:xfrm>
+          <a:prstGeom prst="rect">
+            <a:avLst/>
+          </a:prstGeom>
+          <a:noFill/>
+        </p:spPr>
+        <p:txBody>
+          <a:bodyPr wrap="square" rtlCol="0">
+            <a:spAutoFit/>
+          </a:bodyPr>
+          <a:lstStyle/>
+          <a:p>
+            <a:r>
+              <a:rPr lang="en-US" sz="2500" dirty="0"/>
+              <a:t>You can prove that the probability of a point in an interval is 1/10. </a:t>
+            </a:r>
+          </a:p>
+          <a:p>
+            <a:endParaRPr lang="en-US" sz="2500" dirty="0"/>
+          </a:p>
+          <a:p>
+            <a:pPr marL="342900" indent="-342900">
+              <a:buFont typeface="Arial" panose="020B0604020202020204" pitchFamily="34" charset="0"/>
+              <a:buChar char="•"/>
+            </a:pPr>
+            <a:r>
+              <a:rPr lang="en-US" sz="2500" dirty="0"/>
+              <a:t>You can prove that mathematically using the definitions and assumptions of probability</a:t>
+            </a:r>
+          </a:p>
+          <a:p>
+            <a:pPr marL="342900" indent="-342900">
+              <a:buFont typeface="Arial" panose="020B0604020202020204" pitchFamily="34" charset="0"/>
+              <a:buChar char="•"/>
+            </a:pPr>
+            <a:r>
+              <a:rPr lang="en-US" sz="2500" dirty="0"/>
+              <a:t>You can see that by simulation also</a:t>
+            </a:r>
+          </a:p>
+        </p:txBody>
+      </p:sp>
+      <p:pic>
+        <p:nvPicPr>
+          <p:cNvPr id="3" name="Content Placeholder 2">
+            <a:extLst>
+              <a:ext uri="{FF2B5EF4-FFF2-40B4-BE49-F238E27FC236}">
+                <a16:creationId xmlns:a16="http://schemas.microsoft.com/office/drawing/2014/main" id="{11C43F32-7A04-496D-B984-A8C2953E02A7}"/>
+              </a:ext>
+            </a:extLst>
+          </p:cNvPr>
+          <p:cNvPicPr>
+            <a:picLocks noGrp="1" noChangeAspect="1"/>
+          </p:cNvPicPr>
+          <p:nvPr>
+            <p:ph idx="1"/>
+          </p:nvPr>
+        </p:nvPicPr>
+        <p:blipFill rotWithShape="1">
+          <a:blip r:embed="rId2"/>
+          <a:srcRect t="12490" b="71988"/>
+          <a:stretch/>
+        </p:blipFill>
+        <p:spPr>
+          <a:xfrm>
+            <a:off x="633845" y="2369127"/>
+            <a:ext cx="5447022" cy="976746"/>
+          </a:xfrm>
+          <a:prstGeom prst="rect">
+            <a:avLst/>
+          </a:prstGeom>
+        </p:spPr>
+      </p:pic>
+      <p:sp>
+        <p:nvSpPr>
+          <p:cNvPr id="14" name="TextBox 13">
+            <a:extLst>
+              <a:ext uri="{FF2B5EF4-FFF2-40B4-BE49-F238E27FC236}">
+                <a16:creationId xmlns:a16="http://schemas.microsoft.com/office/drawing/2014/main" id="{6BD836E6-C0F4-4919-AC84-7962E1BB4D11}"/>
+              </a:ext>
+            </a:extLst>
+          </p:cNvPr>
+          <p:cNvSpPr txBox="1"/>
+          <p:nvPr/>
+        </p:nvSpPr>
+        <p:spPr>
+          <a:xfrm>
+            <a:off x="2774373" y="2236486"/>
+            <a:ext cx="1007918" cy="369332"/>
+          </a:xfrm>
+          <a:prstGeom prst="rect">
+            <a:avLst/>
+          </a:prstGeom>
+          <a:noFill/>
+        </p:spPr>
+        <p:txBody>
+          <a:bodyPr wrap="square" rtlCol="0">
+            <a:spAutoFit/>
+          </a:bodyPr>
+          <a:lstStyle/>
+          <a:p>
+            <a:r>
+              <a:rPr lang="en-US" dirty="0"/>
+              <a:t>1 Unit</a:t>
+            </a:r>
+          </a:p>
+        </p:txBody>
+      </p:sp>
+    </p:spTree>
+    <p:extLst>
+      <p:ext uri="{BB962C8B-B14F-4D97-AF65-F5344CB8AC3E}">
+        <p14:creationId xmlns:p14="http://schemas.microsoft.com/office/powerpoint/2010/main" val="627653653"/>
+      </p:ext>
+    </p:extLst>
+  </p:cSld>
+  <p:clrMapOvr>
+    <a:masterClrMapping/>
+  </p:clrMapOvr>
+</p:sld>
+</file>
+
+<file path=ppt/slides/slide36.xml><?xml version="1.0" encoding="utf-8"?>
+<p:sld xmlns:a="http://schemas.openxmlformats.org/drawingml/2006/main" xmlns:r="http://schemas.openxmlformats.org/officeDocument/2006/relationships" xmlns:p="http://schemas.openxmlformats.org/presentationml/2006/main">
+  <p:cSld>
+    <p:spTree>
+      <p:nvGrpSpPr>
+        <p:cNvPr id="1" name=""/>
+        <p:cNvGrpSpPr/>
+        <p:nvPr/>
+      </p:nvGrpSpPr>
+      <p:grpSpPr>
+        <a:xfrm>
+          <a:off x="0" y="0"/>
+          <a:ext cx="0" cy="0"/>
+          <a:chOff x="0" y="0"/>
+          <a:chExt cx="0" cy="0"/>
+        </a:xfrm>
+      </p:grpSpPr>
+      <p:sp>
+        <p:nvSpPr>
+          <p:cNvPr id="2" name="Title 1">
+            <a:extLst>
+              <a:ext uri="{FF2B5EF4-FFF2-40B4-BE49-F238E27FC236}">
+                <a16:creationId xmlns:a16="http://schemas.microsoft.com/office/drawing/2014/main" id="{D41AE899-2611-451E-9D0E-2F7CD1B1DC00}"/>
+              </a:ext>
+            </a:extLst>
+          </p:cNvPr>
+          <p:cNvSpPr>
+            <a:spLocks noGrp="1"/>
+          </p:cNvSpPr>
+          <p:nvPr>
+            <p:ph type="title"/>
+          </p:nvPr>
+        </p:nvSpPr>
+        <p:spPr/>
+        <p:txBody>
+          <a:bodyPr/>
+          <a:lstStyle/>
+          <a:p>
+            <a:r>
+              <a:rPr lang="en-US" b="1" dirty="0">
+                <a:effectLst>
+                  <a:outerShdw blurRad="38100" dist="38100" dir="2700000" algn="tl">
+                    <a:srgbClr val="000000">
+                      <a:alpha val="43137"/>
+                    </a:srgbClr>
+                  </a:outerShdw>
+                </a:effectLst>
+              </a:rPr>
+              <a:t>Statistics problem with a stick</a:t>
+            </a:r>
+          </a:p>
+        </p:txBody>
+      </p:sp>
+      <p:sp>
+        <p:nvSpPr>
+          <p:cNvPr id="8" name="TextBox 7">
+            <a:extLst>
+              <a:ext uri="{FF2B5EF4-FFF2-40B4-BE49-F238E27FC236}">
+                <a16:creationId xmlns:a16="http://schemas.microsoft.com/office/drawing/2014/main" id="{9251100B-53AA-4628-8778-C2CEBA0623F5}"/>
+              </a:ext>
+            </a:extLst>
+          </p:cNvPr>
+          <p:cNvSpPr txBox="1"/>
+          <p:nvPr/>
+        </p:nvSpPr>
+        <p:spPr>
+          <a:xfrm>
+            <a:off x="6224155" y="1796905"/>
+            <a:ext cx="5334000" cy="4708981"/>
+          </a:xfrm>
+          <a:prstGeom prst="rect">
+            <a:avLst/>
+          </a:prstGeom>
+          <a:noFill/>
+        </p:spPr>
+        <p:txBody>
+          <a:bodyPr wrap="square" rtlCol="0">
+            <a:spAutoFit/>
+          </a:bodyPr>
+          <a:lstStyle/>
+          <a:p>
+            <a:r>
+              <a:rPr lang="en-US" sz="2500" dirty="0"/>
+              <a:t>Suppose 10 bulbs were set in each of the interval (1:10). When you switch, a machine randomly generates a number [0,1]. The bulb lights if the number is in the corresponding interval.</a:t>
+            </a:r>
+          </a:p>
+          <a:p>
+            <a:endParaRPr lang="en-US" sz="2500" dirty="0"/>
+          </a:p>
+          <a:p>
+            <a:r>
+              <a:rPr lang="en-US" sz="2500" dirty="0"/>
+              <a:t>P(Bulb 10 will light) = ?</a:t>
+            </a:r>
+          </a:p>
+          <a:p>
+            <a:endParaRPr lang="en-US" sz="2500" dirty="0"/>
+          </a:p>
+          <a:p>
+            <a:r>
+              <a:rPr lang="en-US" sz="2500" dirty="0"/>
+              <a:t>Interpret the probability of lighting a bulb</a:t>
+            </a:r>
+          </a:p>
+          <a:p>
+            <a:endParaRPr lang="en-US" sz="2500" dirty="0"/>
+          </a:p>
+          <a:p>
+            <a:r>
+              <a:rPr lang="en-US" sz="2500" dirty="0"/>
+              <a:t>Give a similar example from your book </a:t>
+            </a:r>
+          </a:p>
+        </p:txBody>
+      </p:sp>
+      <p:pic>
+        <p:nvPicPr>
+          <p:cNvPr id="3" name="Content Placeholder 2">
+            <a:extLst>
+              <a:ext uri="{FF2B5EF4-FFF2-40B4-BE49-F238E27FC236}">
+                <a16:creationId xmlns:a16="http://schemas.microsoft.com/office/drawing/2014/main" id="{11C43F32-7A04-496D-B984-A8C2953E02A7}"/>
+              </a:ext>
+            </a:extLst>
+          </p:cNvPr>
+          <p:cNvPicPr>
+            <a:picLocks noGrp="1" noChangeAspect="1"/>
+          </p:cNvPicPr>
+          <p:nvPr>
+            <p:ph idx="1"/>
+          </p:nvPr>
+        </p:nvPicPr>
+        <p:blipFill rotWithShape="1">
+          <a:blip r:embed="rId2"/>
+          <a:srcRect t="12490" b="71988"/>
+          <a:stretch/>
+        </p:blipFill>
+        <p:spPr>
+          <a:xfrm>
+            <a:off x="633845" y="2369127"/>
+            <a:ext cx="5447022" cy="976746"/>
+          </a:xfrm>
+          <a:prstGeom prst="rect">
+            <a:avLst/>
+          </a:prstGeom>
+        </p:spPr>
+      </p:pic>
+      <p:pic>
+        <p:nvPicPr>
+          <p:cNvPr id="5" name="Picture 4">
+            <a:extLst>
+              <a:ext uri="{FF2B5EF4-FFF2-40B4-BE49-F238E27FC236}">
+                <a16:creationId xmlns:a16="http://schemas.microsoft.com/office/drawing/2014/main" id="{70DF5111-4336-4439-A308-31D090AEE51A}"/>
+              </a:ext>
+            </a:extLst>
+          </p:cNvPr>
+          <p:cNvPicPr>
+            <a:picLocks noChangeAspect="1"/>
+          </p:cNvPicPr>
+          <p:nvPr/>
+        </p:nvPicPr>
+        <p:blipFill rotWithShape="1">
+          <a:blip r:embed="rId3"/>
+          <a:srcRect l="22223" t="8191" r="21745" b="8570"/>
+          <a:stretch/>
+        </p:blipFill>
+        <p:spPr>
+          <a:xfrm>
+            <a:off x="1068977" y="2102264"/>
+            <a:ext cx="359278" cy="533726"/>
+          </a:xfrm>
+          <a:prstGeom prst="rect">
+            <a:avLst/>
+          </a:prstGeom>
+        </p:spPr>
+      </p:pic>
+      <p:pic>
+        <p:nvPicPr>
+          <p:cNvPr id="9" name="Picture 8">
+            <a:extLst>
+              <a:ext uri="{FF2B5EF4-FFF2-40B4-BE49-F238E27FC236}">
+                <a16:creationId xmlns:a16="http://schemas.microsoft.com/office/drawing/2014/main" id="{22B70315-7C0B-4664-A4EA-17E88B6E25B0}"/>
+              </a:ext>
+            </a:extLst>
+          </p:cNvPr>
+          <p:cNvPicPr>
+            <a:picLocks noChangeAspect="1"/>
+          </p:cNvPicPr>
+          <p:nvPr/>
+        </p:nvPicPr>
+        <p:blipFill rotWithShape="1">
+          <a:blip r:embed="rId3"/>
+          <a:srcRect l="22223" t="8191" r="21745" b="8570"/>
+          <a:stretch/>
+        </p:blipFill>
+        <p:spPr>
+          <a:xfrm>
+            <a:off x="1571543" y="2102264"/>
+            <a:ext cx="359278" cy="533726"/>
+          </a:xfrm>
+          <a:prstGeom prst="rect">
+            <a:avLst/>
+          </a:prstGeom>
+        </p:spPr>
+      </p:pic>
+      <p:pic>
+        <p:nvPicPr>
+          <p:cNvPr id="10" name="Picture 9">
+            <a:extLst>
+              <a:ext uri="{FF2B5EF4-FFF2-40B4-BE49-F238E27FC236}">
+                <a16:creationId xmlns:a16="http://schemas.microsoft.com/office/drawing/2014/main" id="{A3F51188-4ABF-40EA-AF94-2267C633FC65}"/>
+              </a:ext>
+            </a:extLst>
+          </p:cNvPr>
+          <p:cNvPicPr>
+            <a:picLocks noChangeAspect="1"/>
+          </p:cNvPicPr>
+          <p:nvPr/>
+        </p:nvPicPr>
+        <p:blipFill rotWithShape="1">
+          <a:blip r:embed="rId3"/>
+          <a:srcRect l="22223" t="8191" r="21745" b="8570"/>
+          <a:stretch/>
+        </p:blipFill>
+        <p:spPr>
+          <a:xfrm>
+            <a:off x="2074109" y="2102264"/>
+            <a:ext cx="359278" cy="533726"/>
+          </a:xfrm>
+          <a:prstGeom prst="rect">
+            <a:avLst/>
+          </a:prstGeom>
+        </p:spPr>
+      </p:pic>
+      <p:pic>
+        <p:nvPicPr>
+          <p:cNvPr id="11" name="Picture 10">
+            <a:extLst>
+              <a:ext uri="{FF2B5EF4-FFF2-40B4-BE49-F238E27FC236}">
+                <a16:creationId xmlns:a16="http://schemas.microsoft.com/office/drawing/2014/main" id="{7602BE2B-EC1F-41F1-B831-6BD69CD0031F}"/>
+              </a:ext>
+            </a:extLst>
+          </p:cNvPr>
+          <p:cNvPicPr>
+            <a:picLocks noChangeAspect="1"/>
+          </p:cNvPicPr>
+          <p:nvPr/>
+        </p:nvPicPr>
+        <p:blipFill rotWithShape="1">
+          <a:blip r:embed="rId3"/>
+          <a:srcRect l="22223" t="8191" r="21745" b="8570"/>
+          <a:stretch/>
+        </p:blipFill>
+        <p:spPr>
+          <a:xfrm>
+            <a:off x="2492575" y="2093951"/>
+            <a:ext cx="359278" cy="533726"/>
+          </a:xfrm>
+          <a:prstGeom prst="rect">
+            <a:avLst/>
+          </a:prstGeom>
+        </p:spPr>
+      </p:pic>
+      <p:pic>
+        <p:nvPicPr>
+          <p:cNvPr id="12" name="Picture 11">
+            <a:extLst>
+              <a:ext uri="{FF2B5EF4-FFF2-40B4-BE49-F238E27FC236}">
+                <a16:creationId xmlns:a16="http://schemas.microsoft.com/office/drawing/2014/main" id="{52389220-A53B-4A17-99F7-BCBA0505AFB2}"/>
+              </a:ext>
+            </a:extLst>
+          </p:cNvPr>
+          <p:cNvPicPr>
+            <a:picLocks noChangeAspect="1"/>
+          </p:cNvPicPr>
+          <p:nvPr/>
+        </p:nvPicPr>
+        <p:blipFill rotWithShape="1">
+          <a:blip r:embed="rId3"/>
+          <a:srcRect l="22223" t="8191" r="21745" b="8570"/>
+          <a:stretch/>
+        </p:blipFill>
+        <p:spPr>
+          <a:xfrm>
+            <a:off x="2953117" y="2102264"/>
+            <a:ext cx="359278" cy="533726"/>
+          </a:xfrm>
+          <a:prstGeom prst="rect">
+            <a:avLst/>
+          </a:prstGeom>
+        </p:spPr>
+      </p:pic>
+      <p:pic>
+        <p:nvPicPr>
+          <p:cNvPr id="13" name="Picture 12">
+            <a:extLst>
+              <a:ext uri="{FF2B5EF4-FFF2-40B4-BE49-F238E27FC236}">
+                <a16:creationId xmlns:a16="http://schemas.microsoft.com/office/drawing/2014/main" id="{B7F71C49-C145-45CE-9B47-438FDA5C9973}"/>
+              </a:ext>
+            </a:extLst>
+          </p:cNvPr>
+          <p:cNvPicPr>
+            <a:picLocks noChangeAspect="1"/>
+          </p:cNvPicPr>
+          <p:nvPr/>
+        </p:nvPicPr>
+        <p:blipFill rotWithShape="1">
+          <a:blip r:embed="rId3"/>
+          <a:srcRect l="22223" t="8191" r="21745" b="8570"/>
+          <a:stretch/>
+        </p:blipFill>
+        <p:spPr>
+          <a:xfrm>
+            <a:off x="3391084" y="2107014"/>
+            <a:ext cx="359278" cy="533726"/>
+          </a:xfrm>
+          <a:prstGeom prst="rect">
+            <a:avLst/>
+          </a:prstGeom>
+        </p:spPr>
+      </p:pic>
+      <p:pic>
+        <p:nvPicPr>
+          <p:cNvPr id="15" name="Picture 14">
+            <a:extLst>
+              <a:ext uri="{FF2B5EF4-FFF2-40B4-BE49-F238E27FC236}">
+                <a16:creationId xmlns:a16="http://schemas.microsoft.com/office/drawing/2014/main" id="{8405ADE2-34B7-4FBE-AB7A-BDA06590AFFE}"/>
+              </a:ext>
+            </a:extLst>
+          </p:cNvPr>
+          <p:cNvPicPr>
+            <a:picLocks noChangeAspect="1"/>
+          </p:cNvPicPr>
+          <p:nvPr/>
+        </p:nvPicPr>
+        <p:blipFill rotWithShape="1">
+          <a:blip r:embed="rId3"/>
+          <a:srcRect l="22223" t="8191" r="21745" b="8570"/>
+          <a:stretch/>
+        </p:blipFill>
+        <p:spPr>
+          <a:xfrm>
+            <a:off x="3869921" y="2093951"/>
+            <a:ext cx="359278" cy="533726"/>
+          </a:xfrm>
+          <a:prstGeom prst="rect">
+            <a:avLst/>
+          </a:prstGeom>
+        </p:spPr>
+      </p:pic>
+      <p:pic>
+        <p:nvPicPr>
+          <p:cNvPr id="16" name="Picture 15">
+            <a:extLst>
+              <a:ext uri="{FF2B5EF4-FFF2-40B4-BE49-F238E27FC236}">
+                <a16:creationId xmlns:a16="http://schemas.microsoft.com/office/drawing/2014/main" id="{88DBB316-6487-4C72-BF71-A22993C721B4}"/>
+              </a:ext>
+            </a:extLst>
+          </p:cNvPr>
+          <p:cNvPicPr>
+            <a:picLocks noChangeAspect="1"/>
+          </p:cNvPicPr>
+          <p:nvPr/>
+        </p:nvPicPr>
+        <p:blipFill rotWithShape="1">
+          <a:blip r:embed="rId3"/>
+          <a:srcRect l="22223" t="8191" r="21745" b="8570"/>
+          <a:stretch/>
+        </p:blipFill>
+        <p:spPr>
+          <a:xfrm>
+            <a:off x="4361895" y="2107014"/>
+            <a:ext cx="359278" cy="533726"/>
+          </a:xfrm>
+          <a:prstGeom prst="rect">
+            <a:avLst/>
+          </a:prstGeom>
+        </p:spPr>
+      </p:pic>
+      <p:pic>
+        <p:nvPicPr>
+          <p:cNvPr id="17" name="Picture 16">
+            <a:extLst>
+              <a:ext uri="{FF2B5EF4-FFF2-40B4-BE49-F238E27FC236}">
+                <a16:creationId xmlns:a16="http://schemas.microsoft.com/office/drawing/2014/main" id="{D8546E6B-E27E-4018-8FD6-23AA5D87D7A6}"/>
+              </a:ext>
+            </a:extLst>
+          </p:cNvPr>
+          <p:cNvPicPr>
+            <a:picLocks noChangeAspect="1"/>
+          </p:cNvPicPr>
+          <p:nvPr/>
+        </p:nvPicPr>
+        <p:blipFill rotWithShape="1">
+          <a:blip r:embed="rId3"/>
+          <a:srcRect l="22223" t="8191" r="21745" b="8570"/>
+          <a:stretch/>
+        </p:blipFill>
+        <p:spPr>
+          <a:xfrm>
+            <a:off x="4859745" y="2102264"/>
+            <a:ext cx="359278" cy="533726"/>
+          </a:xfrm>
+          <a:prstGeom prst="rect">
+            <a:avLst/>
+          </a:prstGeom>
+        </p:spPr>
+      </p:pic>
+      <p:pic>
+        <p:nvPicPr>
+          <p:cNvPr id="18" name="Picture 17">
+            <a:extLst>
+              <a:ext uri="{FF2B5EF4-FFF2-40B4-BE49-F238E27FC236}">
+                <a16:creationId xmlns:a16="http://schemas.microsoft.com/office/drawing/2014/main" id="{47548482-6871-44FF-B971-CDE364778C5C}"/>
+              </a:ext>
+            </a:extLst>
+          </p:cNvPr>
+          <p:cNvPicPr>
+            <a:picLocks noChangeAspect="1"/>
+          </p:cNvPicPr>
+          <p:nvPr/>
+        </p:nvPicPr>
+        <p:blipFill rotWithShape="1">
+          <a:blip r:embed="rId3"/>
+          <a:srcRect l="22223" t="8191" r="21745" b="8570"/>
+          <a:stretch/>
+        </p:blipFill>
+        <p:spPr>
+          <a:xfrm>
+            <a:off x="5355331" y="2102264"/>
+            <a:ext cx="359278" cy="533726"/>
+          </a:xfrm>
+          <a:prstGeom prst="rect">
+            <a:avLst/>
+          </a:prstGeom>
+        </p:spPr>
+      </p:pic>
+      <p:sp>
+        <p:nvSpPr>
+          <p:cNvPr id="6" name="TextBox 5">
+            <a:extLst>
+              <a:ext uri="{FF2B5EF4-FFF2-40B4-BE49-F238E27FC236}">
+                <a16:creationId xmlns:a16="http://schemas.microsoft.com/office/drawing/2014/main" id="{A4AC7CA9-724C-4D05-9D7C-31E2EAD33B1F}"/>
+              </a:ext>
+            </a:extLst>
+          </p:cNvPr>
+          <p:cNvSpPr txBox="1"/>
+          <p:nvPr/>
+        </p:nvSpPr>
+        <p:spPr>
+          <a:xfrm>
+            <a:off x="1068977" y="2103126"/>
+            <a:ext cx="4788920" cy="369331"/>
+          </a:xfrm>
+          <a:prstGeom prst="rect">
+            <a:avLst/>
+          </a:prstGeom>
+          <a:noFill/>
+        </p:spPr>
+        <p:txBody>
+          <a:bodyPr wrap="square" rtlCol="0">
+            <a:spAutoFit/>
+          </a:bodyPr>
+          <a:lstStyle/>
+          <a:p>
+            <a:r>
+              <a:rPr lang="en-US" dirty="0"/>
+              <a:t>1       2       3       4       5      6      7       8        9      10</a:t>
+            </a:r>
+          </a:p>
+        </p:txBody>
+      </p:sp>
+    </p:spTree>
+    <p:extLst>
+      <p:ext uri="{BB962C8B-B14F-4D97-AF65-F5344CB8AC3E}">
+        <p14:creationId xmlns:p14="http://schemas.microsoft.com/office/powerpoint/2010/main" val="2656353795"/>
+      </p:ext>
+    </p:extLst>
+  </p:cSld>
+  <p:clrMapOvr>
+    <a:masterClrMapping/>
+  </p:clrMapOvr>
+</p:sld>
+</file>
+
+<file path=ppt/slides/slide37.xml><?xml version="1.0" encoding="utf-8"?>
+<p:sld xmlns:a="http://schemas.openxmlformats.org/drawingml/2006/main" xmlns:r="http://schemas.openxmlformats.org/officeDocument/2006/relationships" xmlns:p="http://schemas.openxmlformats.org/presentationml/2006/main">
+  <p:cSld>
+    <p:spTree>
+      <p:nvGrpSpPr>
+        <p:cNvPr id="1" name=""/>
+        <p:cNvGrpSpPr/>
+        <p:nvPr/>
+      </p:nvGrpSpPr>
+      <p:grpSpPr>
+        <a:xfrm>
+          <a:off x="0" y="0"/>
+          <a:ext cx="0" cy="0"/>
+          <a:chOff x="0" y="0"/>
+          <a:chExt cx="0" cy="0"/>
+        </a:xfrm>
+      </p:grpSpPr>
+      <p:sp>
+        <p:nvSpPr>
+          <p:cNvPr id="2" name="Title 1">
+            <a:extLst>
+              <a:ext uri="{FF2B5EF4-FFF2-40B4-BE49-F238E27FC236}">
+                <a16:creationId xmlns:a16="http://schemas.microsoft.com/office/drawing/2014/main" id="{D41AE899-2611-451E-9D0E-2F7CD1B1DC00}"/>
+              </a:ext>
+            </a:extLst>
+          </p:cNvPr>
+          <p:cNvSpPr>
+            <a:spLocks noGrp="1"/>
+          </p:cNvSpPr>
+          <p:nvPr>
+            <p:ph type="title"/>
+          </p:nvPr>
+        </p:nvSpPr>
+        <p:spPr/>
+        <p:txBody>
+          <a:bodyPr/>
+          <a:lstStyle/>
+          <a:p>
+            <a:r>
+              <a:rPr lang="en-US" b="1" dirty="0">
+                <a:effectLst>
+                  <a:outerShdw blurRad="38100" dist="38100" dir="2700000" algn="tl">
+                    <a:srgbClr val="000000">
+                      <a:alpha val="43137"/>
+                    </a:srgbClr>
+                  </a:outerShdw>
+                </a:effectLst>
+              </a:rPr>
+              <a:t>Take home messages</a:t>
+            </a:r>
+          </a:p>
+        </p:txBody>
+      </p:sp>
+      <p:sp>
+        <p:nvSpPr>
+          <p:cNvPr id="8" name="TextBox 7">
+            <a:extLst>
+              <a:ext uri="{FF2B5EF4-FFF2-40B4-BE49-F238E27FC236}">
+                <a16:creationId xmlns:a16="http://schemas.microsoft.com/office/drawing/2014/main" id="{9251100B-53AA-4628-8778-C2CEBA0623F5}"/>
+              </a:ext>
+            </a:extLst>
+          </p:cNvPr>
+          <p:cNvSpPr txBox="1"/>
+          <p:nvPr/>
+        </p:nvSpPr>
+        <p:spPr>
+          <a:xfrm>
+            <a:off x="914400" y="1796905"/>
+            <a:ext cx="10643755" cy="1631216"/>
+          </a:xfrm>
+          <a:prstGeom prst="rect">
+            <a:avLst/>
+          </a:prstGeom>
+          <a:noFill/>
+        </p:spPr>
+        <p:txBody>
+          <a:bodyPr wrap="square" rtlCol="0">
+            <a:spAutoFit/>
+          </a:bodyPr>
+          <a:lstStyle/>
+          <a:p>
+            <a:r>
+              <a:rPr lang="en-US" sz="2500" dirty="0"/>
+              <a:t>In the discrete countable space calculating probability is easier</a:t>
+            </a:r>
+          </a:p>
+          <a:p>
+            <a:endParaRPr lang="en-US" sz="2500" dirty="0"/>
+          </a:p>
+          <a:p>
+            <a:r>
+              <a:rPr lang="en-US" sz="2500" dirty="0"/>
+              <a:t>All discrete set can be generalized by the continuous uncountable set if we know the range of the set.</a:t>
+            </a:r>
+          </a:p>
+        </p:txBody>
+      </p:sp>
+    </p:spTree>
+    <p:extLst>
+      <p:ext uri="{BB962C8B-B14F-4D97-AF65-F5344CB8AC3E}">
+        <p14:creationId xmlns:p14="http://schemas.microsoft.com/office/powerpoint/2010/main" val="2426664324"/>
       </p:ext>
     </p:extLst>
   </p:cSld>

--- a/Presentation.pptx
+++ b/Presentation.pptx
@@ -5,7 +5,7 @@
     <p:sldMasterId id="2147483648" r:id="rId1"/>
   </p:sldMasterIdLst>
   <p:notesMasterIdLst>
-    <p:notesMasterId r:id="rId39"/>
+    <p:notesMasterId r:id="rId43"/>
   </p:notesMasterIdLst>
   <p:sldIdLst>
     <p:sldId id="256" r:id="rId2"/>
@@ -45,6 +45,10 @@
     <p:sldId id="292" r:id="rId36"/>
     <p:sldId id="293" r:id="rId37"/>
     <p:sldId id="294" r:id="rId38"/>
+    <p:sldId id="295" r:id="rId39"/>
+    <p:sldId id="296" r:id="rId40"/>
+    <p:sldId id="297" r:id="rId41"/>
+    <p:sldId id="298" r:id="rId42"/>
   </p:sldIdLst>
   <p:sldSz cx="12192000" cy="6858000"/>
   <p:notesSz cx="6858000" cy="9144000"/>
@@ -1304,7 +1308,7 @@
           <a:p>
             <a:fld id="{72D23B30-5EA5-4E58-83A2-CD0A58FE814B}" type="datetimeFigureOut">
               <a:rPr lang="en-US" smtClean="0"/>
-              <a:t>10/22/2021</a:t>
+              <a:t>11/12/2021</a:t>
             </a:fld>
             <a:endParaRPr lang="en-US"/>
           </a:p>
@@ -1919,6 +1923,90 @@
 </p:notes>
 </file>
 
+<file path=ppt/notesSlides/notesSlide5.xml><?xml version="1.0" encoding="utf-8"?>
+<p:notes xmlns:a="http://schemas.openxmlformats.org/drawingml/2006/main" xmlns:r="http://schemas.openxmlformats.org/officeDocument/2006/relationships" xmlns:p="http://schemas.openxmlformats.org/presentationml/2006/main">
+  <p:cSld>
+    <p:spTree>
+      <p:nvGrpSpPr>
+        <p:cNvPr id="1" name=""/>
+        <p:cNvGrpSpPr/>
+        <p:nvPr/>
+      </p:nvGrpSpPr>
+      <p:grpSpPr>
+        <a:xfrm>
+          <a:off x="0" y="0"/>
+          <a:ext cx="0" cy="0"/>
+          <a:chOff x="0" y="0"/>
+          <a:chExt cx="0" cy="0"/>
+        </a:xfrm>
+      </p:grpSpPr>
+      <p:sp>
+        <p:nvSpPr>
+          <p:cNvPr id="2" name="Slide Image Placeholder 1"/>
+          <p:cNvSpPr>
+            <a:spLocks noGrp="1" noRot="1" noChangeAspect="1"/>
+          </p:cNvSpPr>
+          <p:nvPr>
+            <p:ph type="sldImg"/>
+          </p:nvPr>
+        </p:nvSpPr>
+        <p:spPr/>
+      </p:sp>
+      <p:sp>
+        <p:nvSpPr>
+          <p:cNvPr id="3" name="Notes Placeholder 2"/>
+          <p:cNvSpPr>
+            <a:spLocks noGrp="1"/>
+          </p:cNvSpPr>
+          <p:nvPr>
+            <p:ph type="body" idx="1"/>
+          </p:nvPr>
+        </p:nvSpPr>
+        <p:spPr/>
+        <p:txBody>
+          <a:bodyPr/>
+          <a:lstStyle/>
+          <a:p>
+            <a:endParaRPr lang="en-US" dirty="0"/>
+          </a:p>
+        </p:txBody>
+      </p:sp>
+      <p:sp>
+        <p:nvSpPr>
+          <p:cNvPr id="4" name="Slide Number Placeholder 3"/>
+          <p:cNvSpPr>
+            <a:spLocks noGrp="1"/>
+          </p:cNvSpPr>
+          <p:nvPr>
+            <p:ph type="sldNum" sz="quarter" idx="5"/>
+          </p:nvPr>
+        </p:nvSpPr>
+        <p:spPr/>
+        <p:txBody>
+          <a:bodyPr/>
+          <a:lstStyle/>
+          <a:p>
+            <a:fld id="{50DC9317-0BDC-4676-B9E2-3588343CB944}" type="slidenum">
+              <a:rPr lang="en-US" smtClean="0"/>
+              <a:t>38</a:t>
+            </a:fld>
+            <a:endParaRPr lang="en-US"/>
+          </a:p>
+        </p:txBody>
+      </p:sp>
+    </p:spTree>
+    <p:extLst>
+      <p:ext uri="{BB962C8B-B14F-4D97-AF65-F5344CB8AC3E}">
+        <p14:creationId xmlns:p14="http://schemas.microsoft.com/office/powerpoint/2010/main" val="548976496"/>
+      </p:ext>
+    </p:extLst>
+  </p:cSld>
+  <p:clrMapOvr>
+    <a:masterClrMapping/>
+  </p:clrMapOvr>
+</p:notes>
+</file>
+
 <file path=ppt/slideLayouts/slideLayout1.xml><?xml version="1.0" encoding="utf-8"?>
 <p:sldLayout xmlns:a="http://schemas.openxmlformats.org/drawingml/2006/main" xmlns:r="http://schemas.openxmlformats.org/officeDocument/2006/relationships" xmlns:p="http://schemas.openxmlformats.org/presentationml/2006/main" type="title" preserve="1">
   <p:cSld name="Title Slide">
@@ -2066,7 +2154,7 @@
           <a:p>
             <a:fld id="{7450D965-15E4-4F4F-B21E-11DDA7A2EA91}" type="datetimeFigureOut">
               <a:rPr lang="en-US" smtClean="0"/>
-              <a:t>10/22/2021</a:t>
+              <a:t>11/12/2021</a:t>
             </a:fld>
             <a:endParaRPr lang="en-US" dirty="0"/>
           </a:p>
@@ -2264,7 +2352,7 @@
           <a:p>
             <a:fld id="{7450D965-15E4-4F4F-B21E-11DDA7A2EA91}" type="datetimeFigureOut">
               <a:rPr lang="en-US" smtClean="0"/>
-              <a:t>10/22/2021</a:t>
+              <a:t>11/12/2021</a:t>
             </a:fld>
             <a:endParaRPr lang="en-US" dirty="0"/>
           </a:p>
@@ -2472,7 +2560,7 @@
           <a:p>
             <a:fld id="{7450D965-15E4-4F4F-B21E-11DDA7A2EA91}" type="datetimeFigureOut">
               <a:rPr lang="en-US" smtClean="0"/>
-              <a:t>10/22/2021</a:t>
+              <a:t>11/12/2021</a:t>
             </a:fld>
             <a:endParaRPr lang="en-US" dirty="0"/>
           </a:p>
@@ -2670,7 +2758,7 @@
           <a:p>
             <a:fld id="{7450D965-15E4-4F4F-B21E-11DDA7A2EA91}" type="datetimeFigureOut">
               <a:rPr lang="en-US" smtClean="0"/>
-              <a:t>10/22/2021</a:t>
+              <a:t>11/12/2021</a:t>
             </a:fld>
             <a:endParaRPr lang="en-US" dirty="0"/>
           </a:p>
@@ -2945,7 +3033,7 @@
           <a:p>
             <a:fld id="{7450D965-15E4-4F4F-B21E-11DDA7A2EA91}" type="datetimeFigureOut">
               <a:rPr lang="en-US" smtClean="0"/>
-              <a:t>10/22/2021</a:t>
+              <a:t>11/12/2021</a:t>
             </a:fld>
             <a:endParaRPr lang="en-US" dirty="0"/>
           </a:p>
@@ -3210,7 +3298,7 @@
           <a:p>
             <a:fld id="{7450D965-15E4-4F4F-B21E-11DDA7A2EA91}" type="datetimeFigureOut">
               <a:rPr lang="en-US" smtClean="0"/>
-              <a:t>10/22/2021</a:t>
+              <a:t>11/12/2021</a:t>
             </a:fld>
             <a:endParaRPr lang="en-US" dirty="0"/>
           </a:p>
@@ -3622,7 +3710,7 @@
           <a:p>
             <a:fld id="{7450D965-15E4-4F4F-B21E-11DDA7A2EA91}" type="datetimeFigureOut">
               <a:rPr lang="en-US" smtClean="0"/>
-              <a:t>10/22/2021</a:t>
+              <a:t>11/12/2021</a:t>
             </a:fld>
             <a:endParaRPr lang="en-US" dirty="0"/>
           </a:p>
@@ -3763,7 +3851,7 @@
           <a:p>
             <a:fld id="{7450D965-15E4-4F4F-B21E-11DDA7A2EA91}" type="datetimeFigureOut">
               <a:rPr lang="en-US" smtClean="0"/>
-              <a:t>10/22/2021</a:t>
+              <a:t>11/12/2021</a:t>
             </a:fld>
             <a:endParaRPr lang="en-US" dirty="0"/>
           </a:p>
@@ -3876,7 +3964,7 @@
           <a:p>
             <a:fld id="{7450D965-15E4-4F4F-B21E-11DDA7A2EA91}" type="datetimeFigureOut">
               <a:rPr lang="en-US" smtClean="0"/>
-              <a:t>10/22/2021</a:t>
+              <a:t>11/12/2021</a:t>
             </a:fld>
             <a:endParaRPr lang="en-US" dirty="0"/>
           </a:p>
@@ -4187,7 +4275,7 @@
           <a:p>
             <a:fld id="{7450D965-15E4-4F4F-B21E-11DDA7A2EA91}" type="datetimeFigureOut">
               <a:rPr lang="en-US" smtClean="0"/>
-              <a:t>10/22/2021</a:t>
+              <a:t>11/12/2021</a:t>
             </a:fld>
             <a:endParaRPr lang="en-US" dirty="0"/>
           </a:p>
@@ -4475,7 +4563,7 @@
           <a:p>
             <a:fld id="{7450D965-15E4-4F4F-B21E-11DDA7A2EA91}" type="datetimeFigureOut">
               <a:rPr lang="en-US" smtClean="0"/>
-              <a:t>10/22/2021</a:t>
+              <a:t>11/12/2021</a:t>
             </a:fld>
             <a:endParaRPr lang="en-US" dirty="0"/>
           </a:p>
@@ -4716,7 +4804,7 @@
           <a:p>
             <a:fld id="{7450D965-15E4-4F4F-B21E-11DDA7A2EA91}" type="datetimeFigureOut">
               <a:rPr lang="en-US" smtClean="0"/>
-              <a:t>10/22/2021</a:t>
+              <a:t>11/12/2021</a:t>
             </a:fld>
             <a:endParaRPr lang="en-US" dirty="0"/>
           </a:p>
@@ -12793,6 +12881,340 @@
 </p:sld>
 </file>
 
+<file path=ppt/slides/slide38.xml><?xml version="1.0" encoding="utf-8"?>
+<p:sld xmlns:a="http://schemas.openxmlformats.org/drawingml/2006/main" xmlns:r="http://schemas.openxmlformats.org/officeDocument/2006/relationships" xmlns:p="http://schemas.openxmlformats.org/presentationml/2006/main">
+  <p:cSld>
+    <p:spTree>
+      <p:nvGrpSpPr>
+        <p:cNvPr id="1" name=""/>
+        <p:cNvGrpSpPr/>
+        <p:nvPr/>
+      </p:nvGrpSpPr>
+      <p:grpSpPr>
+        <a:xfrm>
+          <a:off x="0" y="0"/>
+          <a:ext cx="0" cy="0"/>
+          <a:chOff x="0" y="0"/>
+          <a:chExt cx="0" cy="0"/>
+        </a:xfrm>
+      </p:grpSpPr>
+      <p:sp>
+        <p:nvSpPr>
+          <p:cNvPr id="2" name="Title 1">
+            <a:extLst>
+              <a:ext uri="{FF2B5EF4-FFF2-40B4-BE49-F238E27FC236}">
+                <a16:creationId xmlns:a16="http://schemas.microsoft.com/office/drawing/2014/main" id="{D41AE899-2611-451E-9D0E-2F7CD1B1DC00}"/>
+              </a:ext>
+            </a:extLst>
+          </p:cNvPr>
+          <p:cNvSpPr>
+            <a:spLocks noGrp="1"/>
+          </p:cNvSpPr>
+          <p:nvPr>
+            <p:ph type="title"/>
+          </p:nvPr>
+        </p:nvSpPr>
+        <p:spPr/>
+        <p:txBody>
+          <a:bodyPr/>
+          <a:lstStyle/>
+          <a:p>
+            <a:r>
+              <a:rPr lang="en-US" b="1" dirty="0">
+                <a:effectLst>
+                  <a:outerShdw blurRad="38100" dist="38100" dir="2700000" algn="tl">
+                    <a:srgbClr val="000000">
+                      <a:alpha val="43137"/>
+                    </a:srgbClr>
+                  </a:outerShdw>
+                </a:effectLst>
+              </a:rPr>
+              <a:t>Probability Application in Research</a:t>
+            </a:r>
+          </a:p>
+        </p:txBody>
+      </p:sp>
+      <p:pic>
+        <p:nvPicPr>
+          <p:cNvPr id="4" name="Picture 3">
+            <a:extLst>
+              <a:ext uri="{FF2B5EF4-FFF2-40B4-BE49-F238E27FC236}">
+                <a16:creationId xmlns:a16="http://schemas.microsoft.com/office/drawing/2014/main" id="{60B256A1-4CF2-462A-9DB0-BF67DF7D0527}"/>
+              </a:ext>
+            </a:extLst>
+          </p:cNvPr>
+          <p:cNvPicPr>
+            <a:picLocks noChangeAspect="1"/>
+          </p:cNvPicPr>
+          <p:nvPr/>
+        </p:nvPicPr>
+        <p:blipFill rotWithShape="1">
+          <a:blip r:embed="rId3"/>
+          <a:srcRect l="35993" r="36694"/>
+          <a:stretch/>
+        </p:blipFill>
+        <p:spPr>
+          <a:xfrm>
+            <a:off x="2992581" y="1514041"/>
+            <a:ext cx="3855431" cy="1199736"/>
+          </a:xfrm>
+          <a:prstGeom prst="rect">
+            <a:avLst/>
+          </a:prstGeom>
+        </p:spPr>
+      </p:pic>
+      <p:sp>
+        <p:nvSpPr>
+          <p:cNvPr id="3" name="TextBox 2">
+            <a:extLst>
+              <a:ext uri="{FF2B5EF4-FFF2-40B4-BE49-F238E27FC236}">
+                <a16:creationId xmlns:a16="http://schemas.microsoft.com/office/drawing/2014/main" id="{6B839D25-F03D-4180-81B0-8BF960196751}"/>
+              </a:ext>
+            </a:extLst>
+          </p:cNvPr>
+          <p:cNvSpPr txBox="1"/>
+          <p:nvPr/>
+        </p:nvSpPr>
+        <p:spPr>
+          <a:xfrm>
+            <a:off x="838201" y="2888672"/>
+            <a:ext cx="10820400" cy="3913059"/>
+          </a:xfrm>
+          <a:prstGeom prst="rect">
+            <a:avLst/>
+          </a:prstGeom>
+          <a:noFill/>
+        </p:spPr>
+        <p:txBody>
+          <a:bodyPr wrap="square" rtlCol="0">
+            <a:spAutoFit/>
+          </a:bodyPr>
+          <a:lstStyle/>
+          <a:p>
+            <a:pPr marL="342900" indent="-342900">
+              <a:lnSpc>
+                <a:spcPct val="150000"/>
+              </a:lnSpc>
+              <a:buFont typeface="Arial" panose="020B0604020202020204" pitchFamily="34" charset="0"/>
+              <a:buChar char="•"/>
+            </a:pPr>
+            <a:r>
+              <a:rPr lang="en-US" sz="2400" i="1" dirty="0"/>
+              <a:t>E</a:t>
+            </a:r>
+            <a:r>
+              <a:rPr lang="en-US" sz="2400" dirty="0"/>
+              <a:t> is an event</a:t>
+            </a:r>
+          </a:p>
+          <a:p>
+            <a:pPr marL="342900" indent="-342900">
+              <a:lnSpc>
+                <a:spcPct val="150000"/>
+              </a:lnSpc>
+              <a:buFont typeface="Arial" panose="020B0604020202020204" pitchFamily="34" charset="0"/>
+              <a:buChar char="•"/>
+            </a:pPr>
+            <a:r>
+              <a:rPr lang="en-US" sz="2400" i="1" dirty="0"/>
+              <a:t>n</a:t>
+            </a:r>
+            <a:r>
+              <a:rPr lang="en-US" sz="2400" dirty="0"/>
+              <a:t> is the number of repetition of an experiment or a single realization of an experiment with n experimental units</a:t>
+            </a:r>
+          </a:p>
+          <a:p>
+            <a:pPr marL="342900" indent="-342900">
+              <a:lnSpc>
+                <a:spcPct val="150000"/>
+              </a:lnSpc>
+              <a:buFont typeface="Arial" panose="020B0604020202020204" pitchFamily="34" charset="0"/>
+              <a:buChar char="•"/>
+            </a:pPr>
+            <a:r>
+              <a:rPr lang="en-US" sz="2400" dirty="0"/>
+              <a:t>In research we are interested to know the probability of an outcome in a population. </a:t>
+            </a:r>
+          </a:p>
+          <a:p>
+            <a:pPr marL="342900" indent="-342900">
+              <a:lnSpc>
+                <a:spcPct val="150000"/>
+              </a:lnSpc>
+              <a:buFont typeface="Arial" panose="020B0604020202020204" pitchFamily="34" charset="0"/>
+              <a:buChar char="•"/>
+            </a:pPr>
+            <a:r>
+              <a:rPr lang="en-US" sz="2400" dirty="0"/>
+              <a:t>The collection of all experimental units may be considered as the population</a:t>
+            </a:r>
+          </a:p>
+          <a:p>
+            <a:pPr marL="342900" indent="-342900">
+              <a:lnSpc>
+                <a:spcPct val="150000"/>
+              </a:lnSpc>
+              <a:buFont typeface="Arial" panose="020B0604020202020204" pitchFamily="34" charset="0"/>
+              <a:buChar char="•"/>
+            </a:pPr>
+            <a:r>
+              <a:rPr lang="en-US" sz="2400" dirty="0"/>
+              <a:t>For example, Children in Bangladesh  </a:t>
+            </a:r>
+          </a:p>
+        </p:txBody>
+      </p:sp>
+    </p:spTree>
+    <p:extLst>
+      <p:ext uri="{BB962C8B-B14F-4D97-AF65-F5344CB8AC3E}">
+        <p14:creationId xmlns:p14="http://schemas.microsoft.com/office/powerpoint/2010/main" val="3075870077"/>
+      </p:ext>
+    </p:extLst>
+  </p:cSld>
+  <p:clrMapOvr>
+    <a:masterClrMapping/>
+  </p:clrMapOvr>
+</p:sld>
+</file>
+
+<file path=ppt/slides/slide39.xml><?xml version="1.0" encoding="utf-8"?>
+<p:sld xmlns:a="http://schemas.openxmlformats.org/drawingml/2006/main" xmlns:r="http://schemas.openxmlformats.org/officeDocument/2006/relationships" xmlns:p="http://schemas.openxmlformats.org/presentationml/2006/main">
+  <p:cSld>
+    <p:spTree>
+      <p:nvGrpSpPr>
+        <p:cNvPr id="1" name=""/>
+        <p:cNvGrpSpPr/>
+        <p:nvPr/>
+      </p:nvGrpSpPr>
+      <p:grpSpPr>
+        <a:xfrm>
+          <a:off x="0" y="0"/>
+          <a:ext cx="0" cy="0"/>
+          <a:chOff x="0" y="0"/>
+          <a:chExt cx="0" cy="0"/>
+        </a:xfrm>
+      </p:grpSpPr>
+      <p:sp>
+        <p:nvSpPr>
+          <p:cNvPr id="2" name="Title 1">
+            <a:extLst>
+              <a:ext uri="{FF2B5EF4-FFF2-40B4-BE49-F238E27FC236}">
+                <a16:creationId xmlns:a16="http://schemas.microsoft.com/office/drawing/2014/main" id="{D41AE899-2611-451E-9D0E-2F7CD1B1DC00}"/>
+              </a:ext>
+            </a:extLst>
+          </p:cNvPr>
+          <p:cNvSpPr>
+            <a:spLocks noGrp="1"/>
+          </p:cNvSpPr>
+          <p:nvPr>
+            <p:ph type="title"/>
+          </p:nvPr>
+        </p:nvSpPr>
+        <p:spPr/>
+        <p:txBody>
+          <a:bodyPr/>
+          <a:lstStyle/>
+          <a:p>
+            <a:r>
+              <a:rPr lang="en-US" b="1" dirty="0">
+                <a:effectLst>
+                  <a:outerShdw blurRad="38100" dist="38100" dir="2700000" algn="tl">
+                    <a:srgbClr val="000000">
+                      <a:alpha val="43137"/>
+                    </a:srgbClr>
+                  </a:outerShdw>
+                </a:effectLst>
+              </a:rPr>
+              <a:t>Probability Application in Research</a:t>
+            </a:r>
+          </a:p>
+        </p:txBody>
+      </p:sp>
+      <p:sp>
+        <p:nvSpPr>
+          <p:cNvPr id="3" name="TextBox 2">
+            <a:extLst>
+              <a:ext uri="{FF2B5EF4-FFF2-40B4-BE49-F238E27FC236}">
+                <a16:creationId xmlns:a16="http://schemas.microsoft.com/office/drawing/2014/main" id="{6B839D25-F03D-4180-81B0-8BF960196751}"/>
+              </a:ext>
+            </a:extLst>
+          </p:cNvPr>
+          <p:cNvSpPr txBox="1"/>
+          <p:nvPr/>
+        </p:nvSpPr>
+        <p:spPr>
+          <a:xfrm>
+            <a:off x="938645" y="1690688"/>
+            <a:ext cx="10314709" cy="5262979"/>
+          </a:xfrm>
+          <a:prstGeom prst="rect">
+            <a:avLst/>
+          </a:prstGeom>
+          <a:noFill/>
+        </p:spPr>
+        <p:txBody>
+          <a:bodyPr wrap="square" rtlCol="0">
+            <a:spAutoFit/>
+          </a:bodyPr>
+          <a:lstStyle/>
+          <a:p>
+            <a:r>
+              <a:rPr lang="en-US" sz="2400" dirty="0"/>
+              <a:t>We define an event such as a child is malnourished (E). </a:t>
+            </a:r>
+          </a:p>
+          <a:p>
+            <a:endParaRPr lang="en-US" sz="2400" dirty="0"/>
+          </a:p>
+          <a:p>
+            <a:r>
+              <a:rPr lang="en-US" sz="2400" dirty="0"/>
+              <a:t>There exists the true probability of the malnourished child in the population. We do not know the true probability.</a:t>
+            </a:r>
+          </a:p>
+          <a:p>
+            <a:endParaRPr lang="en-US" sz="2400" dirty="0"/>
+          </a:p>
+          <a:p>
+            <a:r>
+              <a:rPr lang="en-US" sz="2400" dirty="0"/>
+              <a:t>To estimate the probability, we need an n number of experiment at a time. Record n(E) and n. Then estimate the probability. </a:t>
+            </a:r>
+          </a:p>
+          <a:p>
+            <a:endParaRPr lang="en-US" sz="2400" dirty="0"/>
+          </a:p>
+          <a:p>
+            <a:r>
+              <a:rPr lang="en-US" sz="2400" dirty="0"/>
+              <a:t>If we could conduct the experiment for the total population, that could provide us the true probability of the event. However,</a:t>
+            </a:r>
+          </a:p>
+          <a:p>
+            <a:endParaRPr lang="en-US" sz="2400" dirty="0"/>
+          </a:p>
+          <a:p>
+            <a:r>
+              <a:rPr lang="en-US" sz="2400" dirty="0"/>
+              <a:t>We do not have access to the whole population. So, we choose n that us sufficiently large could provide use the reasonable estimate of the true probability</a:t>
+            </a:r>
+          </a:p>
+        </p:txBody>
+      </p:sp>
+    </p:spTree>
+    <p:extLst>
+      <p:ext uri="{BB962C8B-B14F-4D97-AF65-F5344CB8AC3E}">
+        <p14:creationId xmlns:p14="http://schemas.microsoft.com/office/powerpoint/2010/main" val="747512846"/>
+      </p:ext>
+    </p:extLst>
+  </p:cSld>
+  <p:clrMapOvr>
+    <a:masterClrMapping/>
+  </p:clrMapOvr>
+</p:sld>
+</file>
+
 <file path=ppt/slides/slide4.xml><?xml version="1.0" encoding="utf-8"?>
 <p:sld xmlns:a="http://schemas.openxmlformats.org/drawingml/2006/main" xmlns:r="http://schemas.openxmlformats.org/officeDocument/2006/relationships" xmlns:p="http://schemas.openxmlformats.org/presentationml/2006/main">
   <p:cSld>
@@ -12940,6 +13362,277 @@
     <p:extLst>
       <p:ext uri="{BB962C8B-B14F-4D97-AF65-F5344CB8AC3E}">
         <p14:creationId xmlns:p14="http://schemas.microsoft.com/office/powerpoint/2010/main" val="3017822985"/>
+      </p:ext>
+    </p:extLst>
+  </p:cSld>
+  <p:clrMapOvr>
+    <a:masterClrMapping/>
+  </p:clrMapOvr>
+</p:sld>
+</file>
+
+<file path=ppt/slides/slide40.xml><?xml version="1.0" encoding="utf-8"?>
+<p:sld xmlns:a="http://schemas.openxmlformats.org/drawingml/2006/main" xmlns:r="http://schemas.openxmlformats.org/officeDocument/2006/relationships" xmlns:p="http://schemas.openxmlformats.org/presentationml/2006/main">
+  <p:cSld>
+    <p:spTree>
+      <p:nvGrpSpPr>
+        <p:cNvPr id="1" name=""/>
+        <p:cNvGrpSpPr/>
+        <p:nvPr/>
+      </p:nvGrpSpPr>
+      <p:grpSpPr>
+        <a:xfrm>
+          <a:off x="0" y="0"/>
+          <a:ext cx="0" cy="0"/>
+          <a:chOff x="0" y="0"/>
+          <a:chExt cx="0" cy="0"/>
+        </a:xfrm>
+      </p:grpSpPr>
+      <p:sp>
+        <p:nvSpPr>
+          <p:cNvPr id="2" name="Title 1">
+            <a:extLst>
+              <a:ext uri="{FF2B5EF4-FFF2-40B4-BE49-F238E27FC236}">
+                <a16:creationId xmlns:a16="http://schemas.microsoft.com/office/drawing/2014/main" id="{D41AE899-2611-451E-9D0E-2F7CD1B1DC00}"/>
+              </a:ext>
+            </a:extLst>
+          </p:cNvPr>
+          <p:cNvSpPr>
+            <a:spLocks noGrp="1"/>
+          </p:cNvSpPr>
+          <p:nvPr>
+            <p:ph type="title"/>
+          </p:nvPr>
+        </p:nvSpPr>
+        <p:spPr/>
+        <p:txBody>
+          <a:bodyPr/>
+          <a:lstStyle/>
+          <a:p>
+            <a:r>
+              <a:rPr lang="en-US" b="1" dirty="0">
+                <a:effectLst>
+                  <a:outerShdw blurRad="38100" dist="38100" dir="2700000" algn="tl">
+                    <a:srgbClr val="000000">
+                      <a:alpha val="43137"/>
+                    </a:srgbClr>
+                  </a:outerShdw>
+                </a:effectLst>
+              </a:rPr>
+              <a:t>Prediction with probability</a:t>
+            </a:r>
+          </a:p>
+        </p:txBody>
+      </p:sp>
+      <p:sp>
+        <p:nvSpPr>
+          <p:cNvPr id="3" name="TextBox 2">
+            <a:extLst>
+              <a:ext uri="{FF2B5EF4-FFF2-40B4-BE49-F238E27FC236}">
+                <a16:creationId xmlns:a16="http://schemas.microsoft.com/office/drawing/2014/main" id="{6B839D25-F03D-4180-81B0-8BF960196751}"/>
+              </a:ext>
+            </a:extLst>
+          </p:cNvPr>
+          <p:cNvSpPr txBox="1"/>
+          <p:nvPr/>
+        </p:nvSpPr>
+        <p:spPr>
+          <a:xfrm>
+            <a:off x="938645" y="1690688"/>
+            <a:ext cx="10314709" cy="3046988"/>
+          </a:xfrm>
+          <a:prstGeom prst="rect">
+            <a:avLst/>
+          </a:prstGeom>
+          <a:noFill/>
+        </p:spPr>
+        <p:txBody>
+          <a:bodyPr wrap="square" rtlCol="0">
+            <a:spAutoFit/>
+          </a:bodyPr>
+          <a:lstStyle/>
+          <a:p>
+            <a:r>
+              <a:rPr lang="en-US" sz="2400" dirty="0"/>
+              <a:t>Estimate of probability provides a valuable information about the population, </a:t>
+            </a:r>
+            <a:r>
+              <a:rPr lang="en-US" sz="2400" b="1" dirty="0"/>
+              <a:t>not about the sample space</a:t>
+            </a:r>
+          </a:p>
+          <a:p>
+            <a:endParaRPr lang="en-US" sz="2400" dirty="0"/>
+          </a:p>
+          <a:p>
+            <a:r>
+              <a:rPr lang="en-US" sz="2400" dirty="0"/>
+              <a:t>Using the probability, we can predict the nourishment status of an unknown children or a group of unknown children within that population</a:t>
+            </a:r>
+          </a:p>
+          <a:p>
+            <a:endParaRPr lang="en-US" sz="2400" dirty="0"/>
+          </a:p>
+          <a:p>
+            <a:r>
+              <a:rPr lang="en-US" sz="2400" dirty="0"/>
+              <a:t>For example, Suppose the probability of malnourished children in Bangladesh was estimated is 0.29 (Based on finite number of experiment). </a:t>
+            </a:r>
+          </a:p>
+        </p:txBody>
+      </p:sp>
+    </p:spTree>
+    <p:extLst>
+      <p:ext uri="{BB962C8B-B14F-4D97-AF65-F5344CB8AC3E}">
+        <p14:creationId xmlns:p14="http://schemas.microsoft.com/office/powerpoint/2010/main" val="1082933659"/>
+      </p:ext>
+    </p:extLst>
+  </p:cSld>
+  <p:clrMapOvr>
+    <a:masterClrMapping/>
+  </p:clrMapOvr>
+</p:sld>
+</file>
+
+<file path=ppt/slides/slide41.xml><?xml version="1.0" encoding="utf-8"?>
+<p:sld xmlns:a="http://schemas.openxmlformats.org/drawingml/2006/main" xmlns:r="http://schemas.openxmlformats.org/officeDocument/2006/relationships" xmlns:p="http://schemas.openxmlformats.org/presentationml/2006/main">
+  <p:cSld>
+    <p:spTree>
+      <p:nvGrpSpPr>
+        <p:cNvPr id="1" name=""/>
+        <p:cNvGrpSpPr/>
+        <p:nvPr/>
+      </p:nvGrpSpPr>
+      <p:grpSpPr>
+        <a:xfrm>
+          <a:off x="0" y="0"/>
+          <a:ext cx="0" cy="0"/>
+          <a:chOff x="0" y="0"/>
+          <a:chExt cx="0" cy="0"/>
+        </a:xfrm>
+      </p:grpSpPr>
+      <p:sp>
+        <p:nvSpPr>
+          <p:cNvPr id="2" name="Title 1">
+            <a:extLst>
+              <a:ext uri="{FF2B5EF4-FFF2-40B4-BE49-F238E27FC236}">
+                <a16:creationId xmlns:a16="http://schemas.microsoft.com/office/drawing/2014/main" id="{D41AE899-2611-451E-9D0E-2F7CD1B1DC00}"/>
+              </a:ext>
+            </a:extLst>
+          </p:cNvPr>
+          <p:cNvSpPr>
+            <a:spLocks noGrp="1"/>
+          </p:cNvSpPr>
+          <p:nvPr>
+            <p:ph type="title"/>
+          </p:nvPr>
+        </p:nvSpPr>
+        <p:spPr/>
+        <p:txBody>
+          <a:bodyPr/>
+          <a:lstStyle/>
+          <a:p>
+            <a:r>
+              <a:rPr lang="en-US" b="1" dirty="0">
+                <a:effectLst>
+                  <a:outerShdw blurRad="38100" dist="38100" dir="2700000" algn="tl">
+                    <a:srgbClr val="000000">
+                      <a:alpha val="43137"/>
+                    </a:srgbClr>
+                  </a:outerShdw>
+                </a:effectLst>
+              </a:rPr>
+              <a:t>Prediction with probability</a:t>
+            </a:r>
+          </a:p>
+        </p:txBody>
+      </p:sp>
+      <p:sp>
+        <p:nvSpPr>
+          <p:cNvPr id="3" name="TextBox 2">
+            <a:extLst>
+              <a:ext uri="{FF2B5EF4-FFF2-40B4-BE49-F238E27FC236}">
+                <a16:creationId xmlns:a16="http://schemas.microsoft.com/office/drawing/2014/main" id="{6B839D25-F03D-4180-81B0-8BF960196751}"/>
+              </a:ext>
+            </a:extLst>
+          </p:cNvPr>
+          <p:cNvSpPr txBox="1"/>
+          <p:nvPr/>
+        </p:nvSpPr>
+        <p:spPr>
+          <a:xfrm>
+            <a:off x="938645" y="1690688"/>
+            <a:ext cx="10314709" cy="4524315"/>
+          </a:xfrm>
+          <a:prstGeom prst="rect">
+            <a:avLst/>
+          </a:prstGeom>
+          <a:noFill/>
+        </p:spPr>
+        <p:txBody>
+          <a:bodyPr wrap="square" rtlCol="0">
+            <a:spAutoFit/>
+          </a:bodyPr>
+          <a:lstStyle/>
+          <a:p>
+            <a:pPr marL="342900" indent="-342900">
+              <a:buFont typeface="Arial" panose="020B0604020202020204" pitchFamily="34" charset="0"/>
+              <a:buChar char="•"/>
+            </a:pPr>
+            <a:r>
+              <a:rPr lang="en-US" sz="2400" dirty="0"/>
+              <a:t>For example, Suppose the probability of malnourished children in Bangladesh was estimated is 0.29 (Based on finite number of experiment). </a:t>
+            </a:r>
+          </a:p>
+          <a:p>
+            <a:pPr marL="342900" indent="-342900">
+              <a:buFont typeface="Arial" panose="020B0604020202020204" pitchFamily="34" charset="0"/>
+              <a:buChar char="•"/>
+            </a:pPr>
+            <a:endParaRPr lang="en-US" sz="2400" dirty="0"/>
+          </a:p>
+          <a:p>
+            <a:r>
+              <a:rPr lang="en-US" sz="2400" dirty="0"/>
+              <a:t>Prediction: </a:t>
+            </a:r>
+          </a:p>
+          <a:p>
+            <a:pPr marL="342900" indent="-342900">
+              <a:buFont typeface="Arial" panose="020B0604020202020204" pitchFamily="34" charset="0"/>
+              <a:buChar char="•"/>
+            </a:pPr>
+            <a:r>
+              <a:rPr lang="en-US" sz="2400" dirty="0"/>
+              <a:t>Approximately 29% children of Bangladesh is malnourished</a:t>
+            </a:r>
+          </a:p>
+          <a:p>
+            <a:pPr marL="342900" indent="-342900">
+              <a:buFont typeface="Arial" panose="020B0604020202020204" pitchFamily="34" charset="0"/>
+              <a:buChar char="•"/>
+            </a:pPr>
+            <a:r>
+              <a:rPr lang="en-US" sz="2400" dirty="0"/>
+              <a:t>If we draw a random sample of 100 children from Bangladesh and predict 71% to nourished and 29% to malnourished and randomly assign them to the observed 100 children should provide the best prediction.</a:t>
+            </a:r>
+          </a:p>
+          <a:p>
+            <a:pPr marL="342900" indent="-342900">
+              <a:buFont typeface="Arial" panose="020B0604020202020204" pitchFamily="34" charset="0"/>
+              <a:buChar char="•"/>
+            </a:pPr>
+            <a:r>
+              <a:rPr lang="en-US" sz="2400" dirty="0"/>
+              <a:t>You can predict you can use the binomial model with the malnourished (success) probability of 0.29. This is the fundamental thought of Logistic regression which is a machine learning method commonly used for classification and causal inference.</a:t>
+            </a:r>
+          </a:p>
+        </p:txBody>
+      </p:sp>
+    </p:spTree>
+    <p:extLst>
+      <p:ext uri="{BB962C8B-B14F-4D97-AF65-F5344CB8AC3E}">
+        <p14:creationId xmlns:p14="http://schemas.microsoft.com/office/powerpoint/2010/main" val="707378268"/>
       </p:ext>
     </p:extLst>
   </p:cSld>

--- a/Presentation.pptx
+++ b/Presentation.pptx
@@ -1308,7 +1308,7 @@
           <a:p>
             <a:fld id="{72D23B30-5EA5-4E58-83A2-CD0A58FE814B}" type="datetimeFigureOut">
               <a:rPr lang="en-US" smtClean="0"/>
-              <a:t>11/12/2021</a:t>
+              <a:t>11/26/2021</a:t>
             </a:fld>
             <a:endParaRPr lang="en-US"/>
           </a:p>
@@ -2154,7 +2154,7 @@
           <a:p>
             <a:fld id="{7450D965-15E4-4F4F-B21E-11DDA7A2EA91}" type="datetimeFigureOut">
               <a:rPr lang="en-US" smtClean="0"/>
-              <a:t>11/12/2021</a:t>
+              <a:t>11/26/2021</a:t>
             </a:fld>
             <a:endParaRPr lang="en-US" dirty="0"/>
           </a:p>
@@ -2352,7 +2352,7 @@
           <a:p>
             <a:fld id="{7450D965-15E4-4F4F-B21E-11DDA7A2EA91}" type="datetimeFigureOut">
               <a:rPr lang="en-US" smtClean="0"/>
-              <a:t>11/12/2021</a:t>
+              <a:t>11/26/2021</a:t>
             </a:fld>
             <a:endParaRPr lang="en-US" dirty="0"/>
           </a:p>
@@ -2560,7 +2560,7 @@
           <a:p>
             <a:fld id="{7450D965-15E4-4F4F-B21E-11DDA7A2EA91}" type="datetimeFigureOut">
               <a:rPr lang="en-US" smtClean="0"/>
-              <a:t>11/12/2021</a:t>
+              <a:t>11/26/2021</a:t>
             </a:fld>
             <a:endParaRPr lang="en-US" dirty="0"/>
           </a:p>
@@ -2758,7 +2758,7 @@
           <a:p>
             <a:fld id="{7450D965-15E4-4F4F-B21E-11DDA7A2EA91}" type="datetimeFigureOut">
               <a:rPr lang="en-US" smtClean="0"/>
-              <a:t>11/12/2021</a:t>
+              <a:t>11/26/2021</a:t>
             </a:fld>
             <a:endParaRPr lang="en-US" dirty="0"/>
           </a:p>
@@ -3033,7 +3033,7 @@
           <a:p>
             <a:fld id="{7450D965-15E4-4F4F-B21E-11DDA7A2EA91}" type="datetimeFigureOut">
               <a:rPr lang="en-US" smtClean="0"/>
-              <a:t>11/12/2021</a:t>
+              <a:t>11/26/2021</a:t>
             </a:fld>
             <a:endParaRPr lang="en-US" dirty="0"/>
           </a:p>
@@ -3298,7 +3298,7 @@
           <a:p>
             <a:fld id="{7450D965-15E4-4F4F-B21E-11DDA7A2EA91}" type="datetimeFigureOut">
               <a:rPr lang="en-US" smtClean="0"/>
-              <a:t>11/12/2021</a:t>
+              <a:t>11/26/2021</a:t>
             </a:fld>
             <a:endParaRPr lang="en-US" dirty="0"/>
           </a:p>
@@ -3710,7 +3710,7 @@
           <a:p>
             <a:fld id="{7450D965-15E4-4F4F-B21E-11DDA7A2EA91}" type="datetimeFigureOut">
               <a:rPr lang="en-US" smtClean="0"/>
-              <a:t>11/12/2021</a:t>
+              <a:t>11/26/2021</a:t>
             </a:fld>
             <a:endParaRPr lang="en-US" dirty="0"/>
           </a:p>
@@ -3851,7 +3851,7 @@
           <a:p>
             <a:fld id="{7450D965-15E4-4F4F-B21E-11DDA7A2EA91}" type="datetimeFigureOut">
               <a:rPr lang="en-US" smtClean="0"/>
-              <a:t>11/12/2021</a:t>
+              <a:t>11/26/2021</a:t>
             </a:fld>
             <a:endParaRPr lang="en-US" dirty="0"/>
           </a:p>
@@ -3964,7 +3964,7 @@
           <a:p>
             <a:fld id="{7450D965-15E4-4F4F-B21E-11DDA7A2EA91}" type="datetimeFigureOut">
               <a:rPr lang="en-US" smtClean="0"/>
-              <a:t>11/12/2021</a:t>
+              <a:t>11/26/2021</a:t>
             </a:fld>
             <a:endParaRPr lang="en-US" dirty="0"/>
           </a:p>
@@ -4275,7 +4275,7 @@
           <a:p>
             <a:fld id="{7450D965-15E4-4F4F-B21E-11DDA7A2EA91}" type="datetimeFigureOut">
               <a:rPr lang="en-US" smtClean="0"/>
-              <a:t>11/12/2021</a:t>
+              <a:t>11/26/2021</a:t>
             </a:fld>
             <a:endParaRPr lang="en-US" dirty="0"/>
           </a:p>
@@ -4563,7 +4563,7 @@
           <a:p>
             <a:fld id="{7450D965-15E4-4F4F-B21E-11DDA7A2EA91}" type="datetimeFigureOut">
               <a:rPr lang="en-US" smtClean="0"/>
-              <a:t>11/12/2021</a:t>
+              <a:t>11/26/2021</a:t>
             </a:fld>
             <a:endParaRPr lang="en-US" dirty="0"/>
           </a:p>
@@ -4804,7 +4804,7 @@
           <a:p>
             <a:fld id="{7450D965-15E4-4F4F-B21E-11DDA7A2EA91}" type="datetimeFigureOut">
               <a:rPr lang="en-US" smtClean="0"/>
-              <a:t>11/12/2021</a:t>
+              <a:t>11/26/2021</a:t>
             </a:fld>
             <a:endParaRPr lang="en-US" dirty="0"/>
           </a:p>
@@ -12978,7 +12978,7 @@
         <p:spPr>
           <a:xfrm>
             <a:off x="838201" y="2888672"/>
-            <a:ext cx="10820400" cy="3913059"/>
+            <a:ext cx="10820400" cy="3251403"/>
           </a:xfrm>
           <a:prstGeom prst="rect">
             <a:avLst/>
@@ -12991,75 +12991,173 @@
           </a:bodyPr>
           <a:lstStyle/>
           <a:p>
-            <a:pPr marL="342900" indent="-342900">
+            <a:pPr marL="342900" marR="0" lvl="0" indent="-342900">
               <a:lnSpc>
-                <a:spcPct val="150000"/>
+                <a:spcPct val="107000"/>
               </a:lnSpc>
+              <a:spcBef>
+                <a:spcPts val="0"/>
+              </a:spcBef>
+              <a:spcAft>
+                <a:spcPts val="800"/>
+              </a:spcAft>
               <a:buFont typeface="Arial" panose="020B0604020202020204" pitchFamily="34" charset="0"/>
               <a:buChar char="•"/>
+              <a:tabLst>
+                <a:tab pos="457200" algn="l"/>
+              </a:tabLst>
             </a:pPr>
             <a:r>
-              <a:rPr lang="en-US" sz="2400" i="1" dirty="0"/>
+              <a:rPr lang="en-US" sz="2400" i="1" dirty="0">
+                <a:effectLst/>
+                <a:latin typeface="Calibri" panose="020F0502020204030204" pitchFamily="34" charset="0"/>
+                <a:ea typeface="Calibri" panose="020F0502020204030204" pitchFamily="34" charset="0"/>
+                <a:cs typeface="Times New Roman" panose="02020603050405020304" pitchFamily="18" charset="0"/>
+              </a:rPr>
               <a:t>E</a:t>
             </a:r>
             <a:r>
-              <a:rPr lang="en-US" sz="2400" dirty="0"/>
+              <a:rPr lang="en-US" sz="2400" dirty="0">
+                <a:effectLst/>
+                <a:latin typeface="Calibri" panose="020F0502020204030204" pitchFamily="34" charset="0"/>
+                <a:ea typeface="Calibri" panose="020F0502020204030204" pitchFamily="34" charset="0"/>
+                <a:cs typeface="Times New Roman" panose="02020603050405020304" pitchFamily="18" charset="0"/>
+              </a:rPr>
               <a:t> is an event</a:t>
             </a:r>
           </a:p>
           <a:p>
-            <a:pPr marL="342900" indent="-342900">
+            <a:pPr marL="342900" marR="0" lvl="0" indent="-342900">
               <a:lnSpc>
-                <a:spcPct val="150000"/>
+                <a:spcPct val="107000"/>
               </a:lnSpc>
+              <a:spcBef>
+                <a:spcPts val="0"/>
+              </a:spcBef>
+              <a:spcAft>
+                <a:spcPts val="800"/>
+              </a:spcAft>
               <a:buFont typeface="Arial" panose="020B0604020202020204" pitchFamily="34" charset="0"/>
               <a:buChar char="•"/>
+              <a:tabLst>
+                <a:tab pos="457200" algn="l"/>
+              </a:tabLst>
             </a:pPr>
             <a:r>
-              <a:rPr lang="en-US" sz="2400" i="1" dirty="0"/>
+              <a:rPr lang="en-US" sz="2400" i="1" dirty="0">
+                <a:effectLst/>
+                <a:latin typeface="Calibri" panose="020F0502020204030204" pitchFamily="34" charset="0"/>
+                <a:ea typeface="Calibri" panose="020F0502020204030204" pitchFamily="34" charset="0"/>
+                <a:cs typeface="Times New Roman" panose="02020603050405020304" pitchFamily="18" charset="0"/>
+              </a:rPr>
               <a:t>n</a:t>
             </a:r>
             <a:r>
-              <a:rPr lang="en-US" sz="2400" dirty="0"/>
-              <a:t> is the number of repetition of an experiment or a single realization of an experiment with n experimental units</a:t>
-            </a:r>
-          </a:p>
-          <a:p>
-            <a:pPr marL="342900" indent="-342900">
+              <a:rPr lang="en-US" sz="2400" dirty="0">
+                <a:effectLst/>
+                <a:latin typeface="Calibri" panose="020F0502020204030204" pitchFamily="34" charset="0"/>
+                <a:ea typeface="Calibri" panose="020F0502020204030204" pitchFamily="34" charset="0"/>
+                <a:cs typeface="Times New Roman" panose="02020603050405020304" pitchFamily="18" charset="0"/>
+              </a:rPr>
+              <a:t> is the number of repetitions of an experiment or a single realization of an experiment with n experimental units</a:t>
+            </a:r>
+          </a:p>
+          <a:p>
+            <a:pPr marL="342900" marR="0" lvl="0" indent="-342900">
               <a:lnSpc>
-                <a:spcPct val="150000"/>
+                <a:spcPct val="107000"/>
               </a:lnSpc>
+              <a:spcBef>
+                <a:spcPts val="0"/>
+              </a:spcBef>
+              <a:spcAft>
+                <a:spcPts val="800"/>
+              </a:spcAft>
               <a:buFont typeface="Arial" panose="020B0604020202020204" pitchFamily="34" charset="0"/>
               <a:buChar char="•"/>
+              <a:tabLst>
+                <a:tab pos="457200" algn="l"/>
+              </a:tabLst>
             </a:pPr>
             <a:r>
-              <a:rPr lang="en-US" sz="2400" dirty="0"/>
-              <a:t>In research we are interested to know the probability of an outcome in a population. </a:t>
-            </a:r>
-          </a:p>
-          <a:p>
-            <a:pPr marL="342900" indent="-342900">
+              <a:rPr lang="en-US" sz="2400" dirty="0">
+                <a:effectLst/>
+                <a:latin typeface="Calibri" panose="020F0502020204030204" pitchFamily="34" charset="0"/>
+                <a:ea typeface="Calibri" panose="020F0502020204030204" pitchFamily="34" charset="0"/>
+                <a:cs typeface="Times New Roman" panose="02020603050405020304" pitchFamily="18" charset="0"/>
+              </a:rPr>
+              <a:t>In research, we are interested to know the probability of an outcome in a </a:t>
+            </a:r>
+            <a:r>
+              <a:rPr lang="en-US" sz="2400" b="1" dirty="0">
+                <a:effectLst/>
+                <a:latin typeface="Calibri" panose="020F0502020204030204" pitchFamily="34" charset="0"/>
+                <a:ea typeface="Calibri" panose="020F0502020204030204" pitchFamily="34" charset="0"/>
+                <a:cs typeface="Times New Roman" panose="02020603050405020304" pitchFamily="18" charset="0"/>
+              </a:rPr>
+              <a:t>population</a:t>
+            </a:r>
+            <a:r>
+              <a:rPr lang="en-US" sz="2400" dirty="0">
+                <a:effectLst/>
+                <a:latin typeface="Calibri" panose="020F0502020204030204" pitchFamily="34" charset="0"/>
+                <a:ea typeface="Calibri" panose="020F0502020204030204" pitchFamily="34" charset="0"/>
+                <a:cs typeface="Times New Roman" panose="02020603050405020304" pitchFamily="18" charset="0"/>
+              </a:rPr>
+              <a:t>. </a:t>
+            </a:r>
+          </a:p>
+          <a:p>
+            <a:pPr marL="342900" marR="0" lvl="0" indent="-342900">
               <a:lnSpc>
-                <a:spcPct val="150000"/>
+                <a:spcPct val="107000"/>
               </a:lnSpc>
+              <a:spcBef>
+                <a:spcPts val="0"/>
+              </a:spcBef>
+              <a:spcAft>
+                <a:spcPts val="800"/>
+              </a:spcAft>
               <a:buFont typeface="Arial" panose="020B0604020202020204" pitchFamily="34" charset="0"/>
               <a:buChar char="•"/>
+              <a:tabLst>
+                <a:tab pos="457200" algn="l"/>
+              </a:tabLst>
             </a:pPr>
             <a:r>
-              <a:rPr lang="en-US" sz="2400" dirty="0"/>
+              <a:rPr lang="en-US" sz="2400" dirty="0">
+                <a:effectLst/>
+                <a:latin typeface="Calibri" panose="020F0502020204030204" pitchFamily="34" charset="0"/>
+                <a:ea typeface="Calibri" panose="020F0502020204030204" pitchFamily="34" charset="0"/>
+                <a:cs typeface="Times New Roman" panose="02020603050405020304" pitchFamily="18" charset="0"/>
+              </a:rPr>
               <a:t>The collection of all experimental units may be considered as the population</a:t>
             </a:r>
           </a:p>
           <a:p>
-            <a:pPr marL="342900" indent="-342900">
+            <a:pPr marL="342900" marR="0" lvl="0" indent="-342900">
               <a:lnSpc>
-                <a:spcPct val="150000"/>
+                <a:spcPct val="107000"/>
               </a:lnSpc>
+              <a:spcBef>
+                <a:spcPts val="0"/>
+              </a:spcBef>
+              <a:spcAft>
+                <a:spcPts val="800"/>
+              </a:spcAft>
               <a:buFont typeface="Arial" panose="020B0604020202020204" pitchFamily="34" charset="0"/>
               <a:buChar char="•"/>
+              <a:tabLst>
+                <a:tab pos="457200" algn="l"/>
+              </a:tabLst>
             </a:pPr>
             <a:r>
-              <a:rPr lang="en-US" sz="2400" dirty="0"/>
+              <a:rPr lang="en-US" sz="2400" dirty="0">
+                <a:effectLst/>
+                <a:latin typeface="Calibri" panose="020F0502020204030204" pitchFamily="34" charset="0"/>
+                <a:ea typeface="Calibri" panose="020F0502020204030204" pitchFamily="34" charset="0"/>
+                <a:cs typeface="Times New Roman" panose="02020603050405020304" pitchFamily="18" charset="0"/>
+              </a:rPr>
               <a:t>For example, Children in Bangladesh  </a:t>
             </a:r>
           </a:p>
@@ -13146,7 +13244,7 @@
         <p:spPr>
           <a:xfrm>
             <a:off x="938645" y="1690688"/>
-            <a:ext cx="10314709" cy="5262979"/>
+            <a:ext cx="10314709" cy="4031873"/>
           </a:xfrm>
           <a:prstGeom prst="rect">
             <a:avLst/>
@@ -13159,45 +13257,123 @@
           </a:bodyPr>
           <a:lstStyle/>
           <a:p>
+            <a:pPr marL="342900" indent="-342900">
+              <a:spcBef>
+                <a:spcPts val="600"/>
+              </a:spcBef>
+              <a:spcAft>
+                <a:spcPts val="600"/>
+              </a:spcAft>
+              <a:buFont typeface="Arial" panose="020B0604020202020204" pitchFamily="34" charset="0"/>
+              <a:buChar char="•"/>
+            </a:pPr>
             <a:r>
               <a:rPr lang="en-US" sz="2400" dirty="0"/>
-              <a:t>We define an event such as a child is malnourished (E). </a:t>
-            </a:r>
-          </a:p>
-          <a:p>
-            <a:endParaRPr lang="en-US" sz="2400" dirty="0"/>
-          </a:p>
-          <a:p>
+              <a:t>We define an event such as a child being malnourished (</a:t>
+            </a:r>
+            <a:r>
+              <a:rPr lang="en-US" sz="2400" i="1" dirty="0"/>
+              <a:t>E</a:t>
+            </a:r>
             <a:r>
               <a:rPr lang="en-US" sz="2400" dirty="0"/>
-              <a:t>There exists the true probability of the malnourished child in the population. We do not know the true probability.</a:t>
-            </a:r>
-          </a:p>
-          <a:p>
-            <a:endParaRPr lang="en-US" sz="2400" dirty="0"/>
-          </a:p>
-          <a:p>
+              <a:t>). </a:t>
+            </a:r>
+          </a:p>
+          <a:p>
+            <a:pPr marL="342900" indent="-342900">
+              <a:spcBef>
+                <a:spcPts val="600"/>
+              </a:spcBef>
+              <a:spcAft>
+                <a:spcPts val="600"/>
+              </a:spcAft>
+              <a:buFont typeface="Arial" panose="020B0604020202020204" pitchFamily="34" charset="0"/>
+              <a:buChar char="•"/>
+            </a:pPr>
             <a:r>
               <a:rPr lang="en-US" sz="2400" dirty="0"/>
-              <a:t>To estimate the probability, we need an n number of experiment at a time. Record n(E) and n. Then estimate the probability. </a:t>
-            </a:r>
-          </a:p>
-          <a:p>
-            <a:endParaRPr lang="en-US" sz="2400" dirty="0"/>
-          </a:p>
-          <a:p>
+              <a:t>There exists a true probability of the malnourished child in the </a:t>
+            </a:r>
+            <a:r>
+              <a:rPr lang="en-US" sz="2400" b="1" dirty="0"/>
+              <a:t>population</a:t>
+            </a:r>
             <a:r>
               <a:rPr lang="en-US" sz="2400" dirty="0"/>
-              <a:t>If we could conduct the experiment for the total population, that could provide us the true probability of the event. However,</a:t>
-            </a:r>
-          </a:p>
-          <a:p>
-            <a:endParaRPr lang="en-US" sz="2400" dirty="0"/>
-          </a:p>
-          <a:p>
+              <a:t>. We do not know the true probability.</a:t>
+            </a:r>
+          </a:p>
+          <a:p>
+            <a:pPr marL="342900" indent="-342900">
+              <a:spcBef>
+                <a:spcPts val="600"/>
+              </a:spcBef>
+              <a:spcAft>
+                <a:spcPts val="600"/>
+              </a:spcAft>
+              <a:buFont typeface="Arial" panose="020B0604020202020204" pitchFamily="34" charset="0"/>
+              <a:buChar char="•"/>
+            </a:pPr>
             <a:r>
               <a:rPr lang="en-US" sz="2400" dirty="0"/>
-              <a:t>We do not have access to the whole population. So, we choose n that us sufficiently large could provide use the reasonable estimate of the true probability</a:t>
+              <a:t>To estimate the probability, we need an n number of the experiment at a time. Record </a:t>
+            </a:r>
+            <a:r>
+              <a:rPr lang="en-US" sz="2400" i="1" dirty="0"/>
+              <a:t>n(E)</a:t>
+            </a:r>
+            <a:r>
+              <a:rPr lang="en-US" sz="2400" dirty="0"/>
+              <a:t> and </a:t>
+            </a:r>
+            <a:r>
+              <a:rPr lang="en-US" sz="2400" i="1" dirty="0"/>
+              <a:t>n</a:t>
+            </a:r>
+            <a:r>
+              <a:rPr lang="en-US" sz="2400" dirty="0"/>
+              <a:t>. </a:t>
+            </a:r>
+          </a:p>
+          <a:p>
+            <a:pPr marL="342900" indent="-342900">
+              <a:spcBef>
+                <a:spcPts val="600"/>
+              </a:spcBef>
+              <a:spcAft>
+                <a:spcPts val="600"/>
+              </a:spcAft>
+              <a:buFont typeface="Arial" panose="020B0604020202020204" pitchFamily="34" charset="0"/>
+              <a:buChar char="•"/>
+            </a:pPr>
+            <a:r>
+              <a:rPr lang="en-US" sz="2400" dirty="0"/>
+              <a:t>If we could experiment on the total population, that could provide us with the true probability of the event. However,</a:t>
+            </a:r>
+          </a:p>
+          <a:p>
+            <a:pPr marL="342900" indent="-342900">
+              <a:spcBef>
+                <a:spcPts val="600"/>
+              </a:spcBef>
+              <a:spcAft>
+                <a:spcPts val="600"/>
+              </a:spcAft>
+              <a:buFont typeface="Arial" panose="020B0604020202020204" pitchFamily="34" charset="0"/>
+              <a:buChar char="•"/>
+            </a:pPr>
+            <a:r>
+              <a:rPr lang="en-US" sz="2400" dirty="0"/>
+              <a:t>We do not have access to the whole population. So, we choose a sufficiently large </a:t>
+            </a:r>
+            <a:r>
+              <a:rPr lang="en-US" sz="2400" i="1" dirty="0"/>
+              <a:t>n</a:t>
+            </a:r>
+            <a:r>
+              <a:rPr lang="en-US" sz="2400" dirty="0"/>
+              <a:t> could provide use the reasonable estimate of the true probability</a:t>
             </a:r>
           </a:p>
         </p:txBody>
@@ -13454,11 +13630,7 @@
           <a:p>
             <a:r>
               <a:rPr lang="en-US" sz="2400" dirty="0"/>
-              <a:t>Estimate of probability provides a valuable information about the population, </a:t>
-            </a:r>
-            <a:r>
-              <a:rPr lang="en-US" sz="2400" b="1" dirty="0"/>
-              <a:t>not about the sample space</a:t>
+              <a:t>An estimate of probability provides a piece of valuable information about the population, not about the sample space.</a:t>
             </a:r>
           </a:p>
           <a:p>
@@ -13467,7 +13639,7 @@
           <a:p>
             <a:r>
               <a:rPr lang="en-US" sz="2400" dirty="0"/>
-              <a:t>Using the probability, we can predict the nourishment status of an unknown children or a group of unknown children within that population</a:t>
+              <a:t>Using the probability, we can predict the nourishment status of an unknown child or a group of unknown children within that population</a:t>
             </a:r>
           </a:p>
           <a:p>
@@ -13476,7 +13648,7 @@
           <a:p>
             <a:r>
               <a:rPr lang="en-US" sz="2400" dirty="0"/>
-              <a:t>For example, Suppose the probability of malnourished children in Bangladesh was estimated is 0.29 (Based on finite number of experiment). </a:t>
+              <a:t>For example, Suppose the probability of malnourished children in Bangladesh was estimated is 0.29 (Based on a finite number of the experiment).</a:t>
             </a:r>
           </a:p>
         </p:txBody>
@@ -13561,8 +13733,8 @@
         </p:nvSpPr>
         <p:spPr>
           <a:xfrm>
-            <a:off x="938645" y="1690688"/>
-            <a:ext cx="10314709" cy="4524315"/>
+            <a:off x="938645" y="1524432"/>
+            <a:ext cx="10314709" cy="5227265"/>
           </a:xfrm>
           <a:prstGeom prst="rect">
             <a:avLst/>
@@ -13575,55 +13747,129 @@
           </a:bodyPr>
           <a:lstStyle/>
           <a:p>
-            <a:pPr marL="342900" indent="-342900">
+            <a:pPr marL="342900" marR="0" indent="-342900">
+              <a:lnSpc>
+                <a:spcPct val="107000"/>
+              </a:lnSpc>
+              <a:spcBef>
+                <a:spcPts val="0"/>
+              </a:spcBef>
+              <a:spcAft>
+                <a:spcPts val="800"/>
+              </a:spcAft>
               <a:buFont typeface="Arial" panose="020B0604020202020204" pitchFamily="34" charset="0"/>
               <a:buChar char="•"/>
             </a:pPr>
             <a:r>
-              <a:rPr lang="en-US" sz="2400" dirty="0"/>
-              <a:t>For example, Suppose the probability of malnourished children in Bangladesh was estimated is 0.29 (Based on finite number of experiment). </a:t>
-            </a:r>
-          </a:p>
-          <a:p>
-            <a:pPr marL="342900" indent="-342900">
+              <a:rPr lang="en-US" sz="2400" dirty="0">
+                <a:effectLst/>
+                <a:latin typeface="Calibri" panose="020F0502020204030204" pitchFamily="34" charset="0"/>
+                <a:ea typeface="Calibri" panose="020F0502020204030204" pitchFamily="34" charset="0"/>
+                <a:cs typeface="Times New Roman" panose="02020603050405020304" pitchFamily="18" charset="0"/>
+              </a:rPr>
+              <a:t> For example, Suppose the probability of malnourished children in Bangladesh was estimated as 0.29 (Based on a finite number of experiments). </a:t>
+            </a:r>
+          </a:p>
+          <a:p>
+            <a:pPr marL="0" marR="0">
+              <a:lnSpc>
+                <a:spcPct val="107000"/>
+              </a:lnSpc>
+              <a:spcBef>
+                <a:spcPts val="0"/>
+              </a:spcBef>
+              <a:spcAft>
+                <a:spcPts val="800"/>
+              </a:spcAft>
+            </a:pPr>
+            <a:r>
+              <a:rPr lang="en-US" sz="2400" b="1" dirty="0">
+                <a:effectLst/>
+                <a:latin typeface="Calibri" panose="020F0502020204030204" pitchFamily="34" charset="0"/>
+                <a:ea typeface="Calibri" panose="020F0502020204030204" pitchFamily="34" charset="0"/>
+                <a:cs typeface="Times New Roman" panose="02020603050405020304" pitchFamily="18" charset="0"/>
+              </a:rPr>
+              <a:t>Prediction: </a:t>
+            </a:r>
+          </a:p>
+          <a:p>
+            <a:pPr marL="342900" marR="0" lvl="0" indent="-342900">
+              <a:lnSpc>
+                <a:spcPct val="107000"/>
+              </a:lnSpc>
+              <a:spcBef>
+                <a:spcPts val="0"/>
+              </a:spcBef>
+              <a:spcAft>
+                <a:spcPts val="800"/>
+              </a:spcAft>
               <a:buFont typeface="Arial" panose="020B0604020202020204" pitchFamily="34" charset="0"/>
               <a:buChar char="•"/>
+              <a:tabLst>
+                <a:tab pos="457200" algn="l"/>
+              </a:tabLst>
             </a:pPr>
-            <a:endParaRPr lang="en-US" sz="2400" dirty="0"/>
-          </a:p>
-          <a:p>
-            <a:r>
-              <a:rPr lang="en-US" sz="2400" dirty="0"/>
-              <a:t>Prediction: </a:t>
-            </a:r>
-          </a:p>
-          <a:p>
-            <a:pPr marL="342900" indent="-342900">
+            <a:r>
+              <a:rPr lang="en-US" sz="2400" dirty="0">
+                <a:effectLst/>
+                <a:latin typeface="Calibri" panose="020F0502020204030204" pitchFamily="34" charset="0"/>
+                <a:ea typeface="Calibri" panose="020F0502020204030204" pitchFamily="34" charset="0"/>
+                <a:cs typeface="Times New Roman" panose="02020603050405020304" pitchFamily="18" charset="0"/>
+              </a:rPr>
+              <a:t>Approximately 29% of children of Bangladesh are malnourished</a:t>
+            </a:r>
+          </a:p>
+          <a:p>
+            <a:pPr marL="342900" marR="0" lvl="0" indent="-342900">
+              <a:lnSpc>
+                <a:spcPct val="107000"/>
+              </a:lnSpc>
+              <a:spcBef>
+                <a:spcPts val="0"/>
+              </a:spcBef>
+              <a:spcAft>
+                <a:spcPts val="800"/>
+              </a:spcAft>
               <a:buFont typeface="Arial" panose="020B0604020202020204" pitchFamily="34" charset="0"/>
               <a:buChar char="•"/>
+              <a:tabLst>
+                <a:tab pos="457200" algn="l"/>
+              </a:tabLst>
             </a:pPr>
             <a:r>
-              <a:rPr lang="en-US" sz="2400" dirty="0"/>
-              <a:t>Approximately 29% children of Bangladesh is malnourished</a:t>
-            </a:r>
-          </a:p>
-          <a:p>
-            <a:pPr marL="342900" indent="-342900">
+              <a:rPr lang="en-US" sz="2400" dirty="0">
+                <a:effectLst/>
+                <a:latin typeface="Calibri" panose="020F0502020204030204" pitchFamily="34" charset="0"/>
+                <a:ea typeface="Calibri" panose="020F0502020204030204" pitchFamily="34" charset="0"/>
+                <a:cs typeface="Times New Roman" panose="02020603050405020304" pitchFamily="18" charset="0"/>
+              </a:rPr>
+              <a:t>If we draw a random sample of 100 children from Bangladesh and predict 71% to be nourished and 29% to malnourished and randomly assign them to the observed 100 children should provide the best prediction among the other univariate prediction methods.</a:t>
+            </a:r>
+          </a:p>
+          <a:p>
+            <a:pPr marL="342900" marR="0" lvl="0" indent="-342900">
+              <a:lnSpc>
+                <a:spcPct val="107000"/>
+              </a:lnSpc>
+              <a:spcBef>
+                <a:spcPts val="0"/>
+              </a:spcBef>
+              <a:spcAft>
+                <a:spcPts val="800"/>
+              </a:spcAft>
               <a:buFont typeface="Arial" panose="020B0604020202020204" pitchFamily="34" charset="0"/>
               <a:buChar char="•"/>
+              <a:tabLst>
+                <a:tab pos="457200" algn="l"/>
+              </a:tabLst>
             </a:pPr>
             <a:r>
-              <a:rPr lang="en-US" sz="2400" dirty="0"/>
-              <a:t>If we draw a random sample of 100 children from Bangladesh and predict 71% to nourished and 29% to malnourished and randomly assign them to the observed 100 children should provide the best prediction.</a:t>
-            </a:r>
-          </a:p>
-          <a:p>
-            <a:pPr marL="342900" indent="-342900">
-              <a:buFont typeface="Arial" panose="020B0604020202020204" pitchFamily="34" charset="0"/>
-              <a:buChar char="•"/>
-            </a:pPr>
-            <a:r>
-              <a:rPr lang="en-US" sz="2400" dirty="0"/>
+              <a:rPr lang="en-US" sz="2400" dirty="0">
+                <a:effectLst/>
+                <a:latin typeface="Calibri" panose="020F0502020204030204" pitchFamily="34" charset="0"/>
+                <a:ea typeface="Calibri" panose="020F0502020204030204" pitchFamily="34" charset="0"/>
+                <a:cs typeface="Times New Roman" panose="02020603050405020304" pitchFamily="18" charset="0"/>
+              </a:rPr>
               <a:t>You can predict you can use the binomial model with the malnourished (success) probability of 0.29. This is the fundamental thought of Logistic regression which is a machine learning method commonly used for classification and causal inference.</a:t>
             </a:r>
           </a:p>

--- a/Presentation.pptx
+++ b/Presentation.pptx
@@ -5,7 +5,7 @@
     <p:sldMasterId id="2147483648" r:id="rId1"/>
   </p:sldMasterIdLst>
   <p:notesMasterIdLst>
-    <p:notesMasterId r:id="rId43"/>
+    <p:notesMasterId r:id="rId46"/>
   </p:notesMasterIdLst>
   <p:sldIdLst>
     <p:sldId id="256" r:id="rId2"/>
@@ -49,6 +49,9 @@
     <p:sldId id="296" r:id="rId40"/>
     <p:sldId id="297" r:id="rId41"/>
     <p:sldId id="298" r:id="rId42"/>
+    <p:sldId id="299" r:id="rId43"/>
+    <p:sldId id="300" r:id="rId44"/>
+    <p:sldId id="301" r:id="rId45"/>
   </p:sldIdLst>
   <p:sldSz cx="12192000" cy="6858000"/>
   <p:notesSz cx="6858000" cy="9144000"/>
@@ -1308,7 +1311,7 @@
           <a:p>
             <a:fld id="{72D23B30-5EA5-4E58-83A2-CD0A58FE814B}" type="datetimeFigureOut">
               <a:rPr lang="en-US" smtClean="0"/>
-              <a:t>11/26/2021</a:t>
+              <a:t>2/11/2022</a:t>
             </a:fld>
             <a:endParaRPr lang="en-US"/>
           </a:p>
@@ -2154,7 +2157,7 @@
           <a:p>
             <a:fld id="{7450D965-15E4-4F4F-B21E-11DDA7A2EA91}" type="datetimeFigureOut">
               <a:rPr lang="en-US" smtClean="0"/>
-              <a:t>11/26/2021</a:t>
+              <a:t>2/11/2022</a:t>
             </a:fld>
             <a:endParaRPr lang="en-US" dirty="0"/>
           </a:p>
@@ -2352,7 +2355,7 @@
           <a:p>
             <a:fld id="{7450D965-15E4-4F4F-B21E-11DDA7A2EA91}" type="datetimeFigureOut">
               <a:rPr lang="en-US" smtClean="0"/>
-              <a:t>11/26/2021</a:t>
+              <a:t>2/11/2022</a:t>
             </a:fld>
             <a:endParaRPr lang="en-US" dirty="0"/>
           </a:p>
@@ -2560,7 +2563,7 @@
           <a:p>
             <a:fld id="{7450D965-15E4-4F4F-B21E-11DDA7A2EA91}" type="datetimeFigureOut">
               <a:rPr lang="en-US" smtClean="0"/>
-              <a:t>11/26/2021</a:t>
+              <a:t>2/11/2022</a:t>
             </a:fld>
             <a:endParaRPr lang="en-US" dirty="0"/>
           </a:p>
@@ -2758,7 +2761,7 @@
           <a:p>
             <a:fld id="{7450D965-15E4-4F4F-B21E-11DDA7A2EA91}" type="datetimeFigureOut">
               <a:rPr lang="en-US" smtClean="0"/>
-              <a:t>11/26/2021</a:t>
+              <a:t>2/11/2022</a:t>
             </a:fld>
             <a:endParaRPr lang="en-US" dirty="0"/>
           </a:p>
@@ -3033,7 +3036,7 @@
           <a:p>
             <a:fld id="{7450D965-15E4-4F4F-B21E-11DDA7A2EA91}" type="datetimeFigureOut">
               <a:rPr lang="en-US" smtClean="0"/>
-              <a:t>11/26/2021</a:t>
+              <a:t>2/11/2022</a:t>
             </a:fld>
             <a:endParaRPr lang="en-US" dirty="0"/>
           </a:p>
@@ -3298,7 +3301,7 @@
           <a:p>
             <a:fld id="{7450D965-15E4-4F4F-B21E-11DDA7A2EA91}" type="datetimeFigureOut">
               <a:rPr lang="en-US" smtClean="0"/>
-              <a:t>11/26/2021</a:t>
+              <a:t>2/11/2022</a:t>
             </a:fld>
             <a:endParaRPr lang="en-US" dirty="0"/>
           </a:p>
@@ -3710,7 +3713,7 @@
           <a:p>
             <a:fld id="{7450D965-15E4-4F4F-B21E-11DDA7A2EA91}" type="datetimeFigureOut">
               <a:rPr lang="en-US" smtClean="0"/>
-              <a:t>11/26/2021</a:t>
+              <a:t>2/11/2022</a:t>
             </a:fld>
             <a:endParaRPr lang="en-US" dirty="0"/>
           </a:p>
@@ -3851,7 +3854,7 @@
           <a:p>
             <a:fld id="{7450D965-15E4-4F4F-B21E-11DDA7A2EA91}" type="datetimeFigureOut">
               <a:rPr lang="en-US" smtClean="0"/>
-              <a:t>11/26/2021</a:t>
+              <a:t>2/11/2022</a:t>
             </a:fld>
             <a:endParaRPr lang="en-US" dirty="0"/>
           </a:p>
@@ -3964,7 +3967,7 @@
           <a:p>
             <a:fld id="{7450D965-15E4-4F4F-B21E-11DDA7A2EA91}" type="datetimeFigureOut">
               <a:rPr lang="en-US" smtClean="0"/>
-              <a:t>11/26/2021</a:t>
+              <a:t>2/11/2022</a:t>
             </a:fld>
             <a:endParaRPr lang="en-US" dirty="0"/>
           </a:p>
@@ -4275,7 +4278,7 @@
           <a:p>
             <a:fld id="{7450D965-15E4-4F4F-B21E-11DDA7A2EA91}" type="datetimeFigureOut">
               <a:rPr lang="en-US" smtClean="0"/>
-              <a:t>11/26/2021</a:t>
+              <a:t>2/11/2022</a:t>
             </a:fld>
             <a:endParaRPr lang="en-US" dirty="0"/>
           </a:p>
@@ -4563,7 +4566,7 @@
           <a:p>
             <a:fld id="{7450D965-15E4-4F4F-B21E-11DDA7A2EA91}" type="datetimeFigureOut">
               <a:rPr lang="en-US" smtClean="0"/>
-              <a:t>11/26/2021</a:t>
+              <a:t>2/11/2022</a:t>
             </a:fld>
             <a:endParaRPr lang="en-US" dirty="0"/>
           </a:p>
@@ -4804,7 +4807,7 @@
           <a:p>
             <a:fld id="{7450D965-15E4-4F4F-B21E-11DDA7A2EA91}" type="datetimeFigureOut">
               <a:rPr lang="en-US" smtClean="0"/>
-              <a:t>11/26/2021</a:t>
+              <a:t>2/11/2022</a:t>
             </a:fld>
             <a:endParaRPr lang="en-US" dirty="0"/>
           </a:p>
@@ -13888,6 +13891,1529 @@
 </p:sld>
 </file>
 
+<file path=ppt/slides/slide42.xml><?xml version="1.0" encoding="utf-8"?>
+<p:sld xmlns:a="http://schemas.openxmlformats.org/drawingml/2006/main" xmlns:r="http://schemas.openxmlformats.org/officeDocument/2006/relationships" xmlns:p="http://schemas.openxmlformats.org/presentationml/2006/main">
+  <p:cSld>
+    <p:spTree>
+      <p:nvGrpSpPr>
+        <p:cNvPr id="1" name=""/>
+        <p:cNvGrpSpPr/>
+        <p:nvPr/>
+      </p:nvGrpSpPr>
+      <p:grpSpPr>
+        <a:xfrm>
+          <a:off x="0" y="0"/>
+          <a:ext cx="0" cy="0"/>
+          <a:chOff x="0" y="0"/>
+          <a:chExt cx="0" cy="0"/>
+        </a:xfrm>
+      </p:grpSpPr>
+      <p:sp>
+        <p:nvSpPr>
+          <p:cNvPr id="2" name="Title 1">
+            <a:extLst>
+              <a:ext uri="{FF2B5EF4-FFF2-40B4-BE49-F238E27FC236}">
+                <a16:creationId xmlns:a16="http://schemas.microsoft.com/office/drawing/2014/main" id="{2C181566-D0E4-4B3E-B03F-E5B12AD395DA}"/>
+              </a:ext>
+            </a:extLst>
+          </p:cNvPr>
+          <p:cNvSpPr>
+            <a:spLocks noGrp="1"/>
+          </p:cNvSpPr>
+          <p:nvPr>
+            <p:ph type="title"/>
+          </p:nvPr>
+        </p:nvSpPr>
+        <p:spPr/>
+        <p:txBody>
+          <a:bodyPr vert="horz" lIns="91440" tIns="45720" rIns="91440" bIns="45720" rtlCol="0" anchor="ctr">
+            <a:normAutofit/>
+          </a:bodyPr>
+          <a:lstStyle/>
+          <a:p>
+            <a:r>
+              <a:rPr lang="en-US" b="1" dirty="0">
+                <a:effectLst>
+                  <a:outerShdw blurRad="38100" dist="38100" dir="2700000" algn="tl">
+                    <a:srgbClr val="000000">
+                      <a:alpha val="43137"/>
+                    </a:srgbClr>
+                  </a:outerShdw>
+                </a:effectLst>
+              </a:rPr>
+              <a:t>Probability Recap	</a:t>
+            </a:r>
+          </a:p>
+        </p:txBody>
+      </p:sp>
+      <p:sp>
+        <p:nvSpPr>
+          <p:cNvPr id="3" name="Content Placeholder 2">
+            <a:extLst>
+              <a:ext uri="{FF2B5EF4-FFF2-40B4-BE49-F238E27FC236}">
+                <a16:creationId xmlns:a16="http://schemas.microsoft.com/office/drawing/2014/main" id="{E4C9C4C4-EBF5-4A2C-A7D7-6D205D92F30A}"/>
+              </a:ext>
+            </a:extLst>
+          </p:cNvPr>
+          <p:cNvSpPr>
+            <a:spLocks noGrp="1"/>
+          </p:cNvSpPr>
+          <p:nvPr>
+            <p:ph sz="half" idx="1"/>
+          </p:nvPr>
+        </p:nvSpPr>
+        <p:spPr/>
+        <p:txBody>
+          <a:bodyPr/>
+          <a:lstStyle/>
+          <a:p>
+            <a:pPr marL="0" indent="0">
+              <a:buNone/>
+            </a:pPr>
+            <a:r>
+              <a:rPr lang="en-US" dirty="0"/>
+              <a:t>If you draw a ball randomly from the box. </a:t>
+            </a:r>
+          </a:p>
+          <a:p>
+            <a:pPr lvl="1"/>
+            <a:r>
+              <a:rPr lang="en-US" dirty="0"/>
+              <a:t>What is the probability of selecting the red ball</a:t>
+            </a:r>
+          </a:p>
+          <a:p>
+            <a:pPr lvl="1"/>
+            <a:r>
+              <a:rPr lang="en-US" dirty="0"/>
+              <a:t>What is your experiment</a:t>
+            </a:r>
+          </a:p>
+          <a:p>
+            <a:pPr lvl="1"/>
+            <a:r>
+              <a:rPr lang="en-US" dirty="0"/>
+              <a:t>What is the sample space </a:t>
+            </a:r>
+          </a:p>
+          <a:p>
+            <a:pPr lvl="1"/>
+            <a:r>
+              <a:rPr lang="en-US" dirty="0"/>
+              <a:t>What is the guarantee that your probability estimate is consistent</a:t>
+            </a:r>
+          </a:p>
+          <a:p>
+            <a:endParaRPr lang="en-US" dirty="0"/>
+          </a:p>
+        </p:txBody>
+      </p:sp>
+      <p:pic>
+        <p:nvPicPr>
+          <p:cNvPr id="6" name="Content Placeholder 5" descr="Chart, bubble chart&#10;&#10;Description automatically generated">
+            <a:extLst>
+              <a:ext uri="{FF2B5EF4-FFF2-40B4-BE49-F238E27FC236}">
+                <a16:creationId xmlns:a16="http://schemas.microsoft.com/office/drawing/2014/main" id="{0F479387-EFF7-4F21-9821-6E7E5BC8E921}"/>
+              </a:ext>
+            </a:extLst>
+          </p:cNvPr>
+          <p:cNvPicPr>
+            <a:picLocks noGrp="1" noChangeAspect="1"/>
+          </p:cNvPicPr>
+          <p:nvPr>
+            <p:ph sz="half" idx="2"/>
+          </p:nvPr>
+        </p:nvPicPr>
+        <p:blipFill rotWithShape="1">
+          <a:blip r:embed="rId2">
+            <a:extLst>
+              <a:ext uri="{28A0092B-C50C-407E-A947-70E740481C1C}">
+                <a14:useLocalDpi xmlns:a14="http://schemas.microsoft.com/office/drawing/2010/main" val="0"/>
+              </a:ext>
+            </a:extLst>
+          </a:blip>
+          <a:srcRect r="6307"/>
+          <a:stretch/>
+        </p:blipFill>
+        <p:spPr>
+          <a:xfrm>
+            <a:off x="6757416" y="1957748"/>
+            <a:ext cx="3623102" cy="3819977"/>
+          </a:xfrm>
+          <a:ln w="38100">
+            <a:solidFill>
+              <a:schemeClr val="tx1"/>
+            </a:solidFill>
+          </a:ln>
+        </p:spPr>
+      </p:pic>
+    </p:spTree>
+    <p:extLst>
+      <p:ext uri="{BB962C8B-B14F-4D97-AF65-F5344CB8AC3E}">
+        <p14:creationId xmlns:p14="http://schemas.microsoft.com/office/powerpoint/2010/main" val="2939293473"/>
+      </p:ext>
+    </p:extLst>
+  </p:cSld>
+  <p:clrMapOvr>
+    <a:masterClrMapping/>
+  </p:clrMapOvr>
+</p:sld>
+</file>
+
+<file path=ppt/slides/slide43.xml><?xml version="1.0" encoding="utf-8"?>
+<p:sld xmlns:a="http://schemas.openxmlformats.org/drawingml/2006/main" xmlns:r="http://schemas.openxmlformats.org/officeDocument/2006/relationships" xmlns:p="http://schemas.openxmlformats.org/presentationml/2006/main">
+  <p:cSld>
+    <p:spTree>
+      <p:nvGrpSpPr>
+        <p:cNvPr id="1" name=""/>
+        <p:cNvGrpSpPr/>
+        <p:nvPr/>
+      </p:nvGrpSpPr>
+      <p:grpSpPr>
+        <a:xfrm>
+          <a:off x="0" y="0"/>
+          <a:ext cx="0" cy="0"/>
+          <a:chOff x="0" y="0"/>
+          <a:chExt cx="0" cy="0"/>
+        </a:xfrm>
+      </p:grpSpPr>
+      <p:sp>
+        <p:nvSpPr>
+          <p:cNvPr id="2" name="Title 1">
+            <a:extLst>
+              <a:ext uri="{FF2B5EF4-FFF2-40B4-BE49-F238E27FC236}">
+                <a16:creationId xmlns:a16="http://schemas.microsoft.com/office/drawing/2014/main" id="{88A9195F-B0F6-4219-AA7C-AF36EB30B6DA}"/>
+              </a:ext>
+            </a:extLst>
+          </p:cNvPr>
+          <p:cNvSpPr>
+            <a:spLocks noGrp="1"/>
+          </p:cNvSpPr>
+          <p:nvPr>
+            <p:ph type="title"/>
+          </p:nvPr>
+        </p:nvSpPr>
+        <p:spPr/>
+        <p:txBody>
+          <a:bodyPr vert="horz" lIns="91440" tIns="45720" rIns="91440" bIns="45720" rtlCol="0" anchor="ctr">
+            <a:normAutofit/>
+          </a:bodyPr>
+          <a:lstStyle/>
+          <a:p>
+            <a:r>
+              <a:rPr lang="en-US" b="1" dirty="0">
+                <a:effectLst>
+                  <a:outerShdw blurRad="38100" dist="38100" dir="2700000" algn="tl">
+                    <a:srgbClr val="000000">
+                      <a:alpha val="43137"/>
+                    </a:srgbClr>
+                  </a:outerShdw>
+                </a:effectLst>
+              </a:rPr>
+              <a:t>A twist in probability</a:t>
+            </a:r>
+          </a:p>
+        </p:txBody>
+      </p:sp>
+      <p:pic>
+        <p:nvPicPr>
+          <p:cNvPr id="6" name="Content Placeholder 5" descr="Background pattern&#10;&#10;Description automatically generated">
+            <a:extLst>
+              <a:ext uri="{FF2B5EF4-FFF2-40B4-BE49-F238E27FC236}">
+                <a16:creationId xmlns:a16="http://schemas.microsoft.com/office/drawing/2014/main" id="{1C311B5F-073D-4D73-A104-169B26491138}"/>
+              </a:ext>
+            </a:extLst>
+          </p:cNvPr>
+          <p:cNvPicPr>
+            <a:picLocks noGrp="1" noChangeAspect="1"/>
+          </p:cNvPicPr>
+          <p:nvPr>
+            <p:ph sz="half" idx="1"/>
+          </p:nvPr>
+        </p:nvPicPr>
+        <p:blipFill>
+          <a:blip r:embed="rId2">
+            <a:extLst>
+              <a:ext uri="{28A0092B-C50C-407E-A947-70E740481C1C}">
+                <a14:useLocalDpi xmlns:a14="http://schemas.microsoft.com/office/drawing/2010/main" val="0"/>
+              </a:ext>
+            </a:extLst>
+          </a:blip>
+          <a:stretch>
+            <a:fillRect/>
+          </a:stretch>
+        </p:blipFill>
+        <p:spPr>
+          <a:xfrm rot="5400000">
+            <a:off x="6008807" y="2292715"/>
+            <a:ext cx="2912076" cy="2145259"/>
+          </a:xfrm>
+          <a:noFill/>
+          <a:ln w="38100">
+            <a:solidFill>
+              <a:schemeClr val="tx1"/>
+            </a:solidFill>
+          </a:ln>
+        </p:spPr>
+      </p:pic>
+      <p:pic>
+        <p:nvPicPr>
+          <p:cNvPr id="9" name="Content Placeholder 8">
+            <a:extLst>
+              <a:ext uri="{FF2B5EF4-FFF2-40B4-BE49-F238E27FC236}">
+                <a16:creationId xmlns:a16="http://schemas.microsoft.com/office/drawing/2014/main" id="{4F5C9EFF-2372-444A-AD37-730C3F1290E5}"/>
+              </a:ext>
+            </a:extLst>
+          </p:cNvPr>
+          <p:cNvPicPr>
+            <a:picLocks noGrp="1" noChangeAspect="1"/>
+          </p:cNvPicPr>
+          <p:nvPr>
+            <p:ph sz="half" idx="2"/>
+          </p:nvPr>
+        </p:nvPicPr>
+        <p:blipFill>
+          <a:blip r:embed="rId3"/>
+          <a:stretch>
+            <a:fillRect/>
+          </a:stretch>
+        </p:blipFill>
+        <p:spPr>
+          <a:xfrm>
+            <a:off x="8702468" y="1857351"/>
+            <a:ext cx="2519713" cy="3026376"/>
+          </a:xfrm>
+          <a:prstGeom prst="rect">
+            <a:avLst/>
+          </a:prstGeom>
+        </p:spPr>
+      </p:pic>
+      <p:sp>
+        <p:nvSpPr>
+          <p:cNvPr id="10" name="Content Placeholder 2">
+            <a:extLst>
+              <a:ext uri="{FF2B5EF4-FFF2-40B4-BE49-F238E27FC236}">
+                <a16:creationId xmlns:a16="http://schemas.microsoft.com/office/drawing/2014/main" id="{8D9EF7B9-25C6-41B6-BC1C-A8BEFBD5155E}"/>
+              </a:ext>
+            </a:extLst>
+          </p:cNvPr>
+          <p:cNvSpPr txBox="1">
+            <a:spLocks/>
+          </p:cNvSpPr>
+          <p:nvPr/>
+        </p:nvSpPr>
+        <p:spPr>
+          <a:xfrm>
+            <a:off x="342900" y="1825625"/>
+            <a:ext cx="5288973" cy="4351338"/>
+          </a:xfrm>
+          <a:prstGeom prst="rect">
+            <a:avLst/>
+          </a:prstGeom>
+        </p:spPr>
+        <p:txBody>
+          <a:bodyPr vert="horz" lIns="91440" tIns="45720" rIns="91440" bIns="45720" rtlCol="0">
+            <a:normAutofit/>
+          </a:bodyPr>
+          <a:lstStyle>
+            <a:lvl1pPr marL="228600" indent="-228600" algn="l" defTabSz="914400" rtl="0" eaLnBrk="1" latinLnBrk="0" hangingPunct="1">
+              <a:lnSpc>
+                <a:spcPct val="90000"/>
+              </a:lnSpc>
+              <a:spcBef>
+                <a:spcPts val="1000"/>
+              </a:spcBef>
+              <a:buFont typeface="Arial" panose="020B0604020202020204" pitchFamily="34" charset="0"/>
+              <a:buChar char="•"/>
+              <a:defRPr sz="2800" kern="1200">
+                <a:solidFill>
+                  <a:schemeClr val="tx1"/>
+                </a:solidFill>
+                <a:latin typeface="+mn-lt"/>
+                <a:ea typeface="+mn-ea"/>
+                <a:cs typeface="+mn-cs"/>
+              </a:defRPr>
+            </a:lvl1pPr>
+            <a:lvl2pPr marL="685800" indent="-228600" algn="l" defTabSz="914400" rtl="0" eaLnBrk="1" latinLnBrk="0" hangingPunct="1">
+              <a:lnSpc>
+                <a:spcPct val="90000"/>
+              </a:lnSpc>
+              <a:spcBef>
+                <a:spcPts val="500"/>
+              </a:spcBef>
+              <a:buFont typeface="Arial" panose="020B0604020202020204" pitchFamily="34" charset="0"/>
+              <a:buChar char="•"/>
+              <a:defRPr sz="2400" kern="1200">
+                <a:solidFill>
+                  <a:schemeClr val="tx1"/>
+                </a:solidFill>
+                <a:latin typeface="+mn-lt"/>
+                <a:ea typeface="+mn-ea"/>
+                <a:cs typeface="+mn-cs"/>
+              </a:defRPr>
+            </a:lvl2pPr>
+            <a:lvl3pPr marL="1143000" indent="-228600" algn="l" defTabSz="914400" rtl="0" eaLnBrk="1" latinLnBrk="0" hangingPunct="1">
+              <a:lnSpc>
+                <a:spcPct val="90000"/>
+              </a:lnSpc>
+              <a:spcBef>
+                <a:spcPts val="500"/>
+              </a:spcBef>
+              <a:buFont typeface="Arial" panose="020B0604020202020204" pitchFamily="34" charset="0"/>
+              <a:buChar char="•"/>
+              <a:defRPr sz="2000" kern="1200">
+                <a:solidFill>
+                  <a:schemeClr val="tx1"/>
+                </a:solidFill>
+                <a:latin typeface="+mn-lt"/>
+                <a:ea typeface="+mn-ea"/>
+                <a:cs typeface="+mn-cs"/>
+              </a:defRPr>
+            </a:lvl3pPr>
+            <a:lvl4pPr marL="1600200" indent="-228600" algn="l" defTabSz="914400" rtl="0" eaLnBrk="1" latinLnBrk="0" hangingPunct="1">
+              <a:lnSpc>
+                <a:spcPct val="90000"/>
+              </a:lnSpc>
+              <a:spcBef>
+                <a:spcPts val="500"/>
+              </a:spcBef>
+              <a:buFont typeface="Arial" panose="020B0604020202020204" pitchFamily="34" charset="0"/>
+              <a:buChar char="•"/>
+              <a:defRPr sz="1800" kern="1200">
+                <a:solidFill>
+                  <a:schemeClr val="tx1"/>
+                </a:solidFill>
+                <a:latin typeface="+mn-lt"/>
+                <a:ea typeface="+mn-ea"/>
+                <a:cs typeface="+mn-cs"/>
+              </a:defRPr>
+            </a:lvl4pPr>
+            <a:lvl5pPr marL="2057400" indent="-228600" algn="l" defTabSz="914400" rtl="0" eaLnBrk="1" latinLnBrk="0" hangingPunct="1">
+              <a:lnSpc>
+                <a:spcPct val="90000"/>
+              </a:lnSpc>
+              <a:spcBef>
+                <a:spcPts val="500"/>
+              </a:spcBef>
+              <a:buFont typeface="Arial" panose="020B0604020202020204" pitchFamily="34" charset="0"/>
+              <a:buChar char="•"/>
+              <a:defRPr sz="1800" kern="1200">
+                <a:solidFill>
+                  <a:schemeClr val="tx1"/>
+                </a:solidFill>
+                <a:latin typeface="+mn-lt"/>
+                <a:ea typeface="+mn-ea"/>
+                <a:cs typeface="+mn-cs"/>
+              </a:defRPr>
+            </a:lvl5pPr>
+            <a:lvl6pPr marL="2514600" indent="-228600" algn="l" defTabSz="914400" rtl="0" eaLnBrk="1" latinLnBrk="0" hangingPunct="1">
+              <a:lnSpc>
+                <a:spcPct val="90000"/>
+              </a:lnSpc>
+              <a:spcBef>
+                <a:spcPts val="500"/>
+              </a:spcBef>
+              <a:buFont typeface="Arial" panose="020B0604020202020204" pitchFamily="34" charset="0"/>
+              <a:buChar char="•"/>
+              <a:defRPr sz="1800" kern="1200">
+                <a:solidFill>
+                  <a:schemeClr val="tx1"/>
+                </a:solidFill>
+                <a:latin typeface="+mn-lt"/>
+                <a:ea typeface="+mn-ea"/>
+                <a:cs typeface="+mn-cs"/>
+              </a:defRPr>
+            </a:lvl6pPr>
+            <a:lvl7pPr marL="2971800" indent="-228600" algn="l" defTabSz="914400" rtl="0" eaLnBrk="1" latinLnBrk="0" hangingPunct="1">
+              <a:lnSpc>
+                <a:spcPct val="90000"/>
+              </a:lnSpc>
+              <a:spcBef>
+                <a:spcPts val="500"/>
+              </a:spcBef>
+              <a:buFont typeface="Arial" panose="020B0604020202020204" pitchFamily="34" charset="0"/>
+              <a:buChar char="•"/>
+              <a:defRPr sz="1800" kern="1200">
+                <a:solidFill>
+                  <a:schemeClr val="tx1"/>
+                </a:solidFill>
+                <a:latin typeface="+mn-lt"/>
+                <a:ea typeface="+mn-ea"/>
+                <a:cs typeface="+mn-cs"/>
+              </a:defRPr>
+            </a:lvl7pPr>
+            <a:lvl8pPr marL="3429000" indent="-228600" algn="l" defTabSz="914400" rtl="0" eaLnBrk="1" latinLnBrk="0" hangingPunct="1">
+              <a:lnSpc>
+                <a:spcPct val="90000"/>
+              </a:lnSpc>
+              <a:spcBef>
+                <a:spcPts val="500"/>
+              </a:spcBef>
+              <a:buFont typeface="Arial" panose="020B0604020202020204" pitchFamily="34" charset="0"/>
+              <a:buChar char="•"/>
+              <a:defRPr sz="1800" kern="1200">
+                <a:solidFill>
+                  <a:schemeClr val="tx1"/>
+                </a:solidFill>
+                <a:latin typeface="+mn-lt"/>
+                <a:ea typeface="+mn-ea"/>
+                <a:cs typeface="+mn-cs"/>
+              </a:defRPr>
+            </a:lvl8pPr>
+            <a:lvl9pPr marL="3886200" indent="-228600" algn="l" defTabSz="914400" rtl="0" eaLnBrk="1" latinLnBrk="0" hangingPunct="1">
+              <a:lnSpc>
+                <a:spcPct val="90000"/>
+              </a:lnSpc>
+              <a:spcBef>
+                <a:spcPts val="500"/>
+              </a:spcBef>
+              <a:buFont typeface="Arial" panose="020B0604020202020204" pitchFamily="34" charset="0"/>
+              <a:buChar char="•"/>
+              <a:defRPr sz="1800" kern="1200">
+                <a:solidFill>
+                  <a:schemeClr val="tx1"/>
+                </a:solidFill>
+                <a:latin typeface="+mn-lt"/>
+                <a:ea typeface="+mn-ea"/>
+                <a:cs typeface="+mn-cs"/>
+              </a:defRPr>
+            </a:lvl9pPr>
+          </a:lstStyle>
+          <a:p>
+            <a:pPr marL="0" indent="0">
+              <a:buFont typeface="Arial" panose="020B0604020202020204" pitchFamily="34" charset="0"/>
+              <a:buNone/>
+            </a:pPr>
+            <a:r>
+              <a:rPr lang="en-US" dirty="0"/>
+              <a:t>Now we have two boxes. If you draw a ball randomly from a box. </a:t>
+            </a:r>
+          </a:p>
+          <a:p>
+            <a:pPr lvl="1"/>
+            <a:r>
+              <a:rPr lang="en-US" dirty="0"/>
+              <a:t>What is the probability of selecting the red ball</a:t>
+            </a:r>
+          </a:p>
+          <a:p>
+            <a:pPr lvl="1"/>
+            <a:r>
+              <a:rPr lang="en-US" dirty="0"/>
+              <a:t>What is your experiment</a:t>
+            </a:r>
+          </a:p>
+          <a:p>
+            <a:pPr lvl="1"/>
+            <a:r>
+              <a:rPr lang="en-US" dirty="0"/>
+              <a:t>What is the sample space </a:t>
+            </a:r>
+          </a:p>
+          <a:p>
+            <a:pPr lvl="1"/>
+            <a:r>
+              <a:rPr lang="en-US" dirty="0"/>
+              <a:t>What is the guarantee that your probability estimate is consistent</a:t>
+            </a:r>
+          </a:p>
+          <a:p>
+            <a:endParaRPr lang="en-US" dirty="0"/>
+          </a:p>
+        </p:txBody>
+      </p:sp>
+    </p:spTree>
+    <p:extLst>
+      <p:ext uri="{BB962C8B-B14F-4D97-AF65-F5344CB8AC3E}">
+        <p14:creationId xmlns:p14="http://schemas.microsoft.com/office/powerpoint/2010/main" val="2690990171"/>
+      </p:ext>
+    </p:extLst>
+  </p:cSld>
+  <p:clrMapOvr>
+    <a:masterClrMapping/>
+  </p:clrMapOvr>
+</p:sld>
+</file>
+
+<file path=ppt/slides/slide44.xml><?xml version="1.0" encoding="utf-8"?>
+<p:sld xmlns:a="http://schemas.openxmlformats.org/drawingml/2006/main" xmlns:r="http://schemas.openxmlformats.org/officeDocument/2006/relationships" xmlns:p="http://schemas.openxmlformats.org/presentationml/2006/main">
+  <p:cSld>
+    <p:spTree>
+      <p:nvGrpSpPr>
+        <p:cNvPr id="1" name=""/>
+        <p:cNvGrpSpPr/>
+        <p:nvPr/>
+      </p:nvGrpSpPr>
+      <p:grpSpPr>
+        <a:xfrm>
+          <a:off x="0" y="0"/>
+          <a:ext cx="0" cy="0"/>
+          <a:chOff x="0" y="0"/>
+          <a:chExt cx="0" cy="0"/>
+        </a:xfrm>
+      </p:grpSpPr>
+      <p:sp>
+        <p:nvSpPr>
+          <p:cNvPr id="2" name="Title 1">
+            <a:extLst>
+              <a:ext uri="{FF2B5EF4-FFF2-40B4-BE49-F238E27FC236}">
+                <a16:creationId xmlns:a16="http://schemas.microsoft.com/office/drawing/2014/main" id="{88A9195F-B0F6-4219-AA7C-AF36EB30B6DA}"/>
+              </a:ext>
+            </a:extLst>
+          </p:cNvPr>
+          <p:cNvSpPr>
+            <a:spLocks noGrp="1"/>
+          </p:cNvSpPr>
+          <p:nvPr>
+            <p:ph type="title"/>
+          </p:nvPr>
+        </p:nvSpPr>
+        <p:spPr/>
+        <p:txBody>
+          <a:bodyPr vert="horz" lIns="91440" tIns="45720" rIns="91440" bIns="45720" rtlCol="0" anchor="ctr">
+            <a:normAutofit/>
+          </a:bodyPr>
+          <a:lstStyle/>
+          <a:p>
+            <a:r>
+              <a:rPr lang="en-US" b="1" dirty="0">
+                <a:effectLst>
+                  <a:outerShdw blurRad="38100" dist="38100" dir="2700000" algn="tl">
+                    <a:srgbClr val="000000">
+                      <a:alpha val="43137"/>
+                    </a:srgbClr>
+                  </a:outerShdw>
+                </a:effectLst>
+              </a:rPr>
+              <a:t>A twist in probability</a:t>
+            </a:r>
+          </a:p>
+        </p:txBody>
+      </p:sp>
+      <p:pic>
+        <p:nvPicPr>
+          <p:cNvPr id="6" name="Content Placeholder 5" descr="Background pattern&#10;&#10;Description automatically generated">
+            <a:extLst>
+              <a:ext uri="{FF2B5EF4-FFF2-40B4-BE49-F238E27FC236}">
+                <a16:creationId xmlns:a16="http://schemas.microsoft.com/office/drawing/2014/main" id="{1C311B5F-073D-4D73-A104-169B26491138}"/>
+              </a:ext>
+            </a:extLst>
+          </p:cNvPr>
+          <p:cNvPicPr>
+            <a:picLocks noGrp="1" noChangeAspect="1"/>
+          </p:cNvPicPr>
+          <p:nvPr>
+            <p:ph sz="half" idx="1"/>
+          </p:nvPr>
+        </p:nvPicPr>
+        <p:blipFill>
+          <a:blip r:embed="rId2">
+            <a:extLst>
+              <a:ext uri="{28A0092B-C50C-407E-A947-70E740481C1C}">
+                <a14:useLocalDpi xmlns:a14="http://schemas.microsoft.com/office/drawing/2010/main" val="0"/>
+              </a:ext>
+            </a:extLst>
+          </a:blip>
+          <a:stretch>
+            <a:fillRect/>
+          </a:stretch>
+        </p:blipFill>
+        <p:spPr>
+          <a:xfrm rot="5400000">
+            <a:off x="7604092" y="1331458"/>
+            <a:ext cx="1278335" cy="941720"/>
+          </a:xfrm>
+          <a:noFill/>
+          <a:ln w="38100">
+            <a:solidFill>
+              <a:schemeClr val="tx1"/>
+            </a:solidFill>
+          </a:ln>
+        </p:spPr>
+      </p:pic>
+      <p:pic>
+        <p:nvPicPr>
+          <p:cNvPr id="9" name="Content Placeholder 8">
+            <a:extLst>
+              <a:ext uri="{FF2B5EF4-FFF2-40B4-BE49-F238E27FC236}">
+                <a16:creationId xmlns:a16="http://schemas.microsoft.com/office/drawing/2014/main" id="{4F5C9EFF-2372-444A-AD37-730C3F1290E5}"/>
+              </a:ext>
+            </a:extLst>
+          </p:cNvPr>
+          <p:cNvPicPr>
+            <a:picLocks noGrp="1" noChangeAspect="1"/>
+          </p:cNvPicPr>
+          <p:nvPr>
+            <p:ph sz="half" idx="2"/>
+          </p:nvPr>
+        </p:nvPicPr>
+        <p:blipFill>
+          <a:blip r:embed="rId3"/>
+          <a:stretch>
+            <a:fillRect/>
+          </a:stretch>
+        </p:blipFill>
+        <p:spPr>
+          <a:xfrm>
+            <a:off x="8900348" y="1161369"/>
+            <a:ext cx="1106097" cy="1328511"/>
+          </a:xfrm>
+          <a:prstGeom prst="rect">
+            <a:avLst/>
+          </a:prstGeom>
+        </p:spPr>
+      </p:pic>
+      <p:sp>
+        <p:nvSpPr>
+          <p:cNvPr id="10" name="Content Placeholder 2">
+            <a:extLst>
+              <a:ext uri="{FF2B5EF4-FFF2-40B4-BE49-F238E27FC236}">
+                <a16:creationId xmlns:a16="http://schemas.microsoft.com/office/drawing/2014/main" id="{8D9EF7B9-25C6-41B6-BC1C-A8BEFBD5155E}"/>
+              </a:ext>
+            </a:extLst>
+          </p:cNvPr>
+          <p:cNvSpPr txBox="1">
+            <a:spLocks/>
+          </p:cNvSpPr>
+          <p:nvPr/>
+        </p:nvSpPr>
+        <p:spPr>
+          <a:xfrm>
+            <a:off x="342900" y="1825625"/>
+            <a:ext cx="5288973" cy="4351338"/>
+          </a:xfrm>
+          <a:prstGeom prst="rect">
+            <a:avLst/>
+          </a:prstGeom>
+        </p:spPr>
+        <p:txBody>
+          <a:bodyPr vert="horz" lIns="91440" tIns="45720" rIns="91440" bIns="45720" rtlCol="0">
+            <a:normAutofit/>
+          </a:bodyPr>
+          <a:lstStyle>
+            <a:lvl1pPr marL="228600" indent="-228600" algn="l" defTabSz="914400" rtl="0" eaLnBrk="1" latinLnBrk="0" hangingPunct="1">
+              <a:lnSpc>
+                <a:spcPct val="90000"/>
+              </a:lnSpc>
+              <a:spcBef>
+                <a:spcPts val="1000"/>
+              </a:spcBef>
+              <a:buFont typeface="Arial" panose="020B0604020202020204" pitchFamily="34" charset="0"/>
+              <a:buChar char="•"/>
+              <a:defRPr sz="2800" kern="1200">
+                <a:solidFill>
+                  <a:schemeClr val="tx1"/>
+                </a:solidFill>
+                <a:latin typeface="+mn-lt"/>
+                <a:ea typeface="+mn-ea"/>
+                <a:cs typeface="+mn-cs"/>
+              </a:defRPr>
+            </a:lvl1pPr>
+            <a:lvl2pPr marL="685800" indent="-228600" algn="l" defTabSz="914400" rtl="0" eaLnBrk="1" latinLnBrk="0" hangingPunct="1">
+              <a:lnSpc>
+                <a:spcPct val="90000"/>
+              </a:lnSpc>
+              <a:spcBef>
+                <a:spcPts val="500"/>
+              </a:spcBef>
+              <a:buFont typeface="Arial" panose="020B0604020202020204" pitchFamily="34" charset="0"/>
+              <a:buChar char="•"/>
+              <a:defRPr sz="2400" kern="1200">
+                <a:solidFill>
+                  <a:schemeClr val="tx1"/>
+                </a:solidFill>
+                <a:latin typeface="+mn-lt"/>
+                <a:ea typeface="+mn-ea"/>
+                <a:cs typeface="+mn-cs"/>
+              </a:defRPr>
+            </a:lvl2pPr>
+            <a:lvl3pPr marL="1143000" indent="-228600" algn="l" defTabSz="914400" rtl="0" eaLnBrk="1" latinLnBrk="0" hangingPunct="1">
+              <a:lnSpc>
+                <a:spcPct val="90000"/>
+              </a:lnSpc>
+              <a:spcBef>
+                <a:spcPts val="500"/>
+              </a:spcBef>
+              <a:buFont typeface="Arial" panose="020B0604020202020204" pitchFamily="34" charset="0"/>
+              <a:buChar char="•"/>
+              <a:defRPr sz="2000" kern="1200">
+                <a:solidFill>
+                  <a:schemeClr val="tx1"/>
+                </a:solidFill>
+                <a:latin typeface="+mn-lt"/>
+                <a:ea typeface="+mn-ea"/>
+                <a:cs typeface="+mn-cs"/>
+              </a:defRPr>
+            </a:lvl3pPr>
+            <a:lvl4pPr marL="1600200" indent="-228600" algn="l" defTabSz="914400" rtl="0" eaLnBrk="1" latinLnBrk="0" hangingPunct="1">
+              <a:lnSpc>
+                <a:spcPct val="90000"/>
+              </a:lnSpc>
+              <a:spcBef>
+                <a:spcPts val="500"/>
+              </a:spcBef>
+              <a:buFont typeface="Arial" panose="020B0604020202020204" pitchFamily="34" charset="0"/>
+              <a:buChar char="•"/>
+              <a:defRPr sz="1800" kern="1200">
+                <a:solidFill>
+                  <a:schemeClr val="tx1"/>
+                </a:solidFill>
+                <a:latin typeface="+mn-lt"/>
+                <a:ea typeface="+mn-ea"/>
+                <a:cs typeface="+mn-cs"/>
+              </a:defRPr>
+            </a:lvl4pPr>
+            <a:lvl5pPr marL="2057400" indent="-228600" algn="l" defTabSz="914400" rtl="0" eaLnBrk="1" latinLnBrk="0" hangingPunct="1">
+              <a:lnSpc>
+                <a:spcPct val="90000"/>
+              </a:lnSpc>
+              <a:spcBef>
+                <a:spcPts val="500"/>
+              </a:spcBef>
+              <a:buFont typeface="Arial" panose="020B0604020202020204" pitchFamily="34" charset="0"/>
+              <a:buChar char="•"/>
+              <a:defRPr sz="1800" kern="1200">
+                <a:solidFill>
+                  <a:schemeClr val="tx1"/>
+                </a:solidFill>
+                <a:latin typeface="+mn-lt"/>
+                <a:ea typeface="+mn-ea"/>
+                <a:cs typeface="+mn-cs"/>
+              </a:defRPr>
+            </a:lvl5pPr>
+            <a:lvl6pPr marL="2514600" indent="-228600" algn="l" defTabSz="914400" rtl="0" eaLnBrk="1" latinLnBrk="0" hangingPunct="1">
+              <a:lnSpc>
+                <a:spcPct val="90000"/>
+              </a:lnSpc>
+              <a:spcBef>
+                <a:spcPts val="500"/>
+              </a:spcBef>
+              <a:buFont typeface="Arial" panose="020B0604020202020204" pitchFamily="34" charset="0"/>
+              <a:buChar char="•"/>
+              <a:defRPr sz="1800" kern="1200">
+                <a:solidFill>
+                  <a:schemeClr val="tx1"/>
+                </a:solidFill>
+                <a:latin typeface="+mn-lt"/>
+                <a:ea typeface="+mn-ea"/>
+                <a:cs typeface="+mn-cs"/>
+              </a:defRPr>
+            </a:lvl6pPr>
+            <a:lvl7pPr marL="2971800" indent="-228600" algn="l" defTabSz="914400" rtl="0" eaLnBrk="1" latinLnBrk="0" hangingPunct="1">
+              <a:lnSpc>
+                <a:spcPct val="90000"/>
+              </a:lnSpc>
+              <a:spcBef>
+                <a:spcPts val="500"/>
+              </a:spcBef>
+              <a:buFont typeface="Arial" panose="020B0604020202020204" pitchFamily="34" charset="0"/>
+              <a:buChar char="•"/>
+              <a:defRPr sz="1800" kern="1200">
+                <a:solidFill>
+                  <a:schemeClr val="tx1"/>
+                </a:solidFill>
+                <a:latin typeface="+mn-lt"/>
+                <a:ea typeface="+mn-ea"/>
+                <a:cs typeface="+mn-cs"/>
+              </a:defRPr>
+            </a:lvl7pPr>
+            <a:lvl8pPr marL="3429000" indent="-228600" algn="l" defTabSz="914400" rtl="0" eaLnBrk="1" latinLnBrk="0" hangingPunct="1">
+              <a:lnSpc>
+                <a:spcPct val="90000"/>
+              </a:lnSpc>
+              <a:spcBef>
+                <a:spcPts val="500"/>
+              </a:spcBef>
+              <a:buFont typeface="Arial" panose="020B0604020202020204" pitchFamily="34" charset="0"/>
+              <a:buChar char="•"/>
+              <a:defRPr sz="1800" kern="1200">
+                <a:solidFill>
+                  <a:schemeClr val="tx1"/>
+                </a:solidFill>
+                <a:latin typeface="+mn-lt"/>
+                <a:ea typeface="+mn-ea"/>
+                <a:cs typeface="+mn-cs"/>
+              </a:defRPr>
+            </a:lvl8pPr>
+            <a:lvl9pPr marL="3886200" indent="-228600" algn="l" defTabSz="914400" rtl="0" eaLnBrk="1" latinLnBrk="0" hangingPunct="1">
+              <a:lnSpc>
+                <a:spcPct val="90000"/>
+              </a:lnSpc>
+              <a:spcBef>
+                <a:spcPts val="500"/>
+              </a:spcBef>
+              <a:buFont typeface="Arial" panose="020B0604020202020204" pitchFamily="34" charset="0"/>
+              <a:buChar char="•"/>
+              <a:defRPr sz="1800" kern="1200">
+                <a:solidFill>
+                  <a:schemeClr val="tx1"/>
+                </a:solidFill>
+                <a:latin typeface="+mn-lt"/>
+                <a:ea typeface="+mn-ea"/>
+                <a:cs typeface="+mn-cs"/>
+              </a:defRPr>
+            </a:lvl9pPr>
+          </a:lstStyle>
+          <a:p>
+            <a:pPr marL="0" indent="0">
+              <a:buFont typeface="Arial" panose="020B0604020202020204" pitchFamily="34" charset="0"/>
+              <a:buNone/>
+            </a:pPr>
+            <a:r>
+              <a:rPr lang="en-US" dirty="0"/>
+              <a:t>Now we have two boxes. If you draw a ball randomly from a box. </a:t>
+            </a:r>
+          </a:p>
+          <a:p>
+            <a:pPr lvl="1"/>
+            <a:r>
+              <a:rPr lang="en-US" dirty="0"/>
+              <a:t>What is the probability of selecting the red ball</a:t>
+            </a:r>
+          </a:p>
+          <a:p>
+            <a:pPr lvl="1"/>
+            <a:r>
+              <a:rPr lang="en-US" dirty="0"/>
+              <a:t>What is your experiment</a:t>
+            </a:r>
+          </a:p>
+          <a:p>
+            <a:pPr lvl="1"/>
+            <a:r>
+              <a:rPr lang="en-US" dirty="0"/>
+              <a:t>What is the sample space </a:t>
+            </a:r>
+          </a:p>
+          <a:p>
+            <a:pPr lvl="1"/>
+            <a:r>
+              <a:rPr lang="en-US" dirty="0"/>
+              <a:t>What is the guarantee that your probability estimate is consistent</a:t>
+            </a:r>
+          </a:p>
+          <a:p>
+            <a:endParaRPr lang="en-US" dirty="0"/>
+          </a:p>
+        </p:txBody>
+      </p:sp>
+      <p:graphicFrame>
+        <p:nvGraphicFramePr>
+          <p:cNvPr id="3" name="Table 2">
+            <a:extLst>
+              <a:ext uri="{FF2B5EF4-FFF2-40B4-BE49-F238E27FC236}">
+                <a16:creationId xmlns:a16="http://schemas.microsoft.com/office/drawing/2014/main" id="{09306CFF-90DF-44ED-9463-708B7D789DE1}"/>
+              </a:ext>
+            </a:extLst>
+          </p:cNvPr>
+          <p:cNvGraphicFramePr>
+            <a:graphicFrameLocks noGrp="1"/>
+          </p:cNvGraphicFramePr>
+          <p:nvPr>
+            <p:extLst>
+              <p:ext uri="{D42A27DB-BD31-4B8C-83A1-F6EECF244321}">
+                <p14:modId xmlns:p14="http://schemas.microsoft.com/office/powerpoint/2010/main" val="698177185"/>
+              </p:ext>
+            </p:extLst>
+          </p:nvPr>
+        </p:nvGraphicFramePr>
+        <p:xfrm>
+          <a:off x="6560129" y="2878282"/>
+          <a:ext cx="4984171" cy="2180844"/>
+        </p:xfrm>
+        <a:graphic>
+          <a:graphicData uri="http://schemas.openxmlformats.org/drawingml/2006/table">
+            <a:tbl>
+              <a:tblPr firstRow="1" firstCol="1" bandRow="1">
+                <a:tableStyleId>{5C22544A-7EE6-4342-B048-85BDC9FD1C3A}</a:tableStyleId>
+              </a:tblPr>
+              <a:tblGrid>
+                <a:gridCol w="1004149">
+                  <a:extLst>
+                    <a:ext uri="{9D8B030D-6E8A-4147-A177-3AD203B41FA5}">
+                      <a16:colId xmlns:a16="http://schemas.microsoft.com/office/drawing/2014/main" val="2109389154"/>
+                    </a:ext>
+                  </a:extLst>
+                </a:gridCol>
+                <a:gridCol w="1440917">
+                  <a:extLst>
+                    <a:ext uri="{9D8B030D-6E8A-4147-A177-3AD203B41FA5}">
+                      <a16:colId xmlns:a16="http://schemas.microsoft.com/office/drawing/2014/main" val="1733817181"/>
+                    </a:ext>
+                  </a:extLst>
+                </a:gridCol>
+                <a:gridCol w="1692736">
+                  <a:extLst>
+                    <a:ext uri="{9D8B030D-6E8A-4147-A177-3AD203B41FA5}">
+                      <a16:colId xmlns:a16="http://schemas.microsoft.com/office/drawing/2014/main" val="4123298980"/>
+                    </a:ext>
+                  </a:extLst>
+                </a:gridCol>
+                <a:gridCol w="846369">
+                  <a:extLst>
+                    <a:ext uri="{9D8B030D-6E8A-4147-A177-3AD203B41FA5}">
+                      <a16:colId xmlns:a16="http://schemas.microsoft.com/office/drawing/2014/main" val="960453157"/>
+                    </a:ext>
+                  </a:extLst>
+                </a:gridCol>
+              </a:tblGrid>
+              <a:tr h="514350">
+                <a:tc>
+                  <a:txBody>
+                    <a:bodyPr/>
+                    <a:lstStyle/>
+                    <a:p>
+                      <a:pPr marL="0" marR="0">
+                        <a:lnSpc>
+                          <a:spcPct val="107000"/>
+                        </a:lnSpc>
+                        <a:spcBef>
+                          <a:spcPts val="0"/>
+                        </a:spcBef>
+                        <a:spcAft>
+                          <a:spcPts val="0"/>
+                        </a:spcAft>
+                      </a:pPr>
+                      <a:r>
+                        <a:rPr lang="en-US" sz="2000">
+                          <a:effectLst/>
+                        </a:rPr>
+                        <a:t> </a:t>
+                      </a:r>
+                      <a:endParaRPr lang="en-US" sz="2000">
+                        <a:effectLst/>
+                        <a:latin typeface="Calibri" panose="020F0502020204030204" pitchFamily="34" charset="0"/>
+                        <a:ea typeface="Calibri" panose="020F0502020204030204" pitchFamily="34" charset="0"/>
+                        <a:cs typeface="Times New Roman" panose="02020603050405020304" pitchFamily="18" charset="0"/>
+                      </a:endParaRPr>
+                    </a:p>
+                  </a:txBody>
+                  <a:tcPr marL="68580" marR="68580" marT="0" marB="0"/>
+                </a:tc>
+                <a:tc>
+                  <a:txBody>
+                    <a:bodyPr/>
+                    <a:lstStyle/>
+                    <a:p>
+                      <a:pPr marL="0" marR="0">
+                        <a:lnSpc>
+                          <a:spcPct val="107000"/>
+                        </a:lnSpc>
+                        <a:spcBef>
+                          <a:spcPts val="0"/>
+                        </a:spcBef>
+                        <a:spcAft>
+                          <a:spcPts val="0"/>
+                        </a:spcAft>
+                      </a:pPr>
+                      <a:r>
+                        <a:rPr lang="en-US" sz="2000">
+                          <a:effectLst/>
+                        </a:rPr>
+                        <a:t># Red Balls</a:t>
+                      </a:r>
+                      <a:endParaRPr lang="en-US" sz="2000">
+                        <a:effectLst/>
+                        <a:latin typeface="Calibri" panose="020F0502020204030204" pitchFamily="34" charset="0"/>
+                        <a:ea typeface="Calibri" panose="020F0502020204030204" pitchFamily="34" charset="0"/>
+                        <a:cs typeface="Times New Roman" panose="02020603050405020304" pitchFamily="18" charset="0"/>
+                      </a:endParaRPr>
+                    </a:p>
+                  </a:txBody>
+                  <a:tcPr marL="68580" marR="68580" marT="0" marB="0"/>
+                </a:tc>
+                <a:tc>
+                  <a:txBody>
+                    <a:bodyPr/>
+                    <a:lstStyle/>
+                    <a:p>
+                      <a:pPr marL="0" marR="0">
+                        <a:lnSpc>
+                          <a:spcPct val="107000"/>
+                        </a:lnSpc>
+                        <a:spcBef>
+                          <a:spcPts val="0"/>
+                        </a:spcBef>
+                        <a:spcAft>
+                          <a:spcPts val="0"/>
+                        </a:spcAft>
+                      </a:pPr>
+                      <a:r>
+                        <a:rPr lang="en-US" sz="2000">
+                          <a:effectLst/>
+                        </a:rPr>
+                        <a:t># Non-red Balls</a:t>
+                      </a:r>
+                      <a:endParaRPr lang="en-US" sz="2000">
+                        <a:effectLst/>
+                        <a:latin typeface="Calibri" panose="020F0502020204030204" pitchFamily="34" charset="0"/>
+                        <a:ea typeface="Calibri" panose="020F0502020204030204" pitchFamily="34" charset="0"/>
+                        <a:cs typeface="Times New Roman" panose="02020603050405020304" pitchFamily="18" charset="0"/>
+                      </a:endParaRPr>
+                    </a:p>
+                  </a:txBody>
+                  <a:tcPr marL="68580" marR="68580" marT="0" marB="0"/>
+                </a:tc>
+                <a:tc>
+                  <a:txBody>
+                    <a:bodyPr/>
+                    <a:lstStyle/>
+                    <a:p>
+                      <a:pPr marL="0" marR="0">
+                        <a:lnSpc>
+                          <a:spcPct val="107000"/>
+                        </a:lnSpc>
+                        <a:spcBef>
+                          <a:spcPts val="0"/>
+                        </a:spcBef>
+                        <a:spcAft>
+                          <a:spcPts val="0"/>
+                        </a:spcAft>
+                      </a:pPr>
+                      <a:r>
+                        <a:rPr lang="en-US" sz="2000">
+                          <a:effectLst/>
+                        </a:rPr>
+                        <a:t>Total</a:t>
+                      </a:r>
+                      <a:endParaRPr lang="en-US" sz="2000">
+                        <a:effectLst/>
+                        <a:latin typeface="Calibri" panose="020F0502020204030204" pitchFamily="34" charset="0"/>
+                        <a:ea typeface="Calibri" panose="020F0502020204030204" pitchFamily="34" charset="0"/>
+                        <a:cs typeface="Times New Roman" panose="02020603050405020304" pitchFamily="18" charset="0"/>
+                      </a:endParaRPr>
+                    </a:p>
+                  </a:txBody>
+                  <a:tcPr marL="68580" marR="68580" marT="0" marB="0"/>
+                </a:tc>
+                <a:extLst>
+                  <a:ext uri="{0D108BD9-81ED-4DB2-BD59-A6C34878D82A}">
+                    <a16:rowId xmlns:a16="http://schemas.microsoft.com/office/drawing/2014/main" val="1485660106"/>
+                  </a:ext>
+                </a:extLst>
+              </a:tr>
+              <a:tr h="514350">
+                <a:tc>
+                  <a:txBody>
+                    <a:bodyPr/>
+                    <a:lstStyle/>
+                    <a:p>
+                      <a:pPr marL="0" marR="0">
+                        <a:lnSpc>
+                          <a:spcPct val="107000"/>
+                        </a:lnSpc>
+                        <a:spcBef>
+                          <a:spcPts val="0"/>
+                        </a:spcBef>
+                        <a:spcAft>
+                          <a:spcPts val="0"/>
+                        </a:spcAft>
+                      </a:pPr>
+                      <a:r>
+                        <a:rPr lang="en-US" sz="2000">
+                          <a:effectLst/>
+                        </a:rPr>
+                        <a:t>Box 1</a:t>
+                      </a:r>
+                      <a:endParaRPr lang="en-US" sz="2000">
+                        <a:effectLst/>
+                        <a:latin typeface="Calibri" panose="020F0502020204030204" pitchFamily="34" charset="0"/>
+                        <a:ea typeface="Calibri" panose="020F0502020204030204" pitchFamily="34" charset="0"/>
+                        <a:cs typeface="Times New Roman" panose="02020603050405020304" pitchFamily="18" charset="0"/>
+                      </a:endParaRPr>
+                    </a:p>
+                  </a:txBody>
+                  <a:tcPr marL="68580" marR="68580" marT="0" marB="0"/>
+                </a:tc>
+                <a:tc>
+                  <a:txBody>
+                    <a:bodyPr/>
+                    <a:lstStyle/>
+                    <a:p>
+                      <a:pPr marL="0" marR="0">
+                        <a:lnSpc>
+                          <a:spcPct val="107000"/>
+                        </a:lnSpc>
+                        <a:spcBef>
+                          <a:spcPts val="0"/>
+                        </a:spcBef>
+                        <a:spcAft>
+                          <a:spcPts val="0"/>
+                        </a:spcAft>
+                      </a:pPr>
+                      <a:r>
+                        <a:rPr lang="en-US" sz="2000">
+                          <a:effectLst/>
+                        </a:rPr>
+                        <a:t>4</a:t>
+                      </a:r>
+                      <a:endParaRPr lang="en-US" sz="2000">
+                        <a:effectLst/>
+                        <a:latin typeface="Calibri" panose="020F0502020204030204" pitchFamily="34" charset="0"/>
+                        <a:ea typeface="Calibri" panose="020F0502020204030204" pitchFamily="34" charset="0"/>
+                        <a:cs typeface="Times New Roman" panose="02020603050405020304" pitchFamily="18" charset="0"/>
+                      </a:endParaRPr>
+                    </a:p>
+                  </a:txBody>
+                  <a:tcPr marL="68580" marR="68580" marT="0" marB="0"/>
+                </a:tc>
+                <a:tc>
+                  <a:txBody>
+                    <a:bodyPr/>
+                    <a:lstStyle/>
+                    <a:p>
+                      <a:pPr marL="0" marR="0">
+                        <a:lnSpc>
+                          <a:spcPct val="107000"/>
+                        </a:lnSpc>
+                        <a:spcBef>
+                          <a:spcPts val="0"/>
+                        </a:spcBef>
+                        <a:spcAft>
+                          <a:spcPts val="0"/>
+                        </a:spcAft>
+                      </a:pPr>
+                      <a:r>
+                        <a:rPr lang="en-US" sz="2000">
+                          <a:effectLst/>
+                        </a:rPr>
+                        <a:t>8</a:t>
+                      </a:r>
+                      <a:endParaRPr lang="en-US" sz="2000">
+                        <a:effectLst/>
+                        <a:latin typeface="Calibri" panose="020F0502020204030204" pitchFamily="34" charset="0"/>
+                        <a:ea typeface="Calibri" panose="020F0502020204030204" pitchFamily="34" charset="0"/>
+                        <a:cs typeface="Times New Roman" panose="02020603050405020304" pitchFamily="18" charset="0"/>
+                      </a:endParaRPr>
+                    </a:p>
+                  </a:txBody>
+                  <a:tcPr marL="68580" marR="68580" marT="0" marB="0"/>
+                </a:tc>
+                <a:tc>
+                  <a:txBody>
+                    <a:bodyPr/>
+                    <a:lstStyle/>
+                    <a:p>
+                      <a:pPr marL="0" marR="0">
+                        <a:lnSpc>
+                          <a:spcPct val="107000"/>
+                        </a:lnSpc>
+                        <a:spcBef>
+                          <a:spcPts val="0"/>
+                        </a:spcBef>
+                        <a:spcAft>
+                          <a:spcPts val="0"/>
+                        </a:spcAft>
+                      </a:pPr>
+                      <a:r>
+                        <a:rPr lang="en-US" sz="2000">
+                          <a:effectLst/>
+                        </a:rPr>
+                        <a:t>12</a:t>
+                      </a:r>
+                      <a:endParaRPr lang="en-US" sz="2000">
+                        <a:effectLst/>
+                        <a:latin typeface="Calibri" panose="020F0502020204030204" pitchFamily="34" charset="0"/>
+                        <a:ea typeface="Calibri" panose="020F0502020204030204" pitchFamily="34" charset="0"/>
+                        <a:cs typeface="Times New Roman" panose="02020603050405020304" pitchFamily="18" charset="0"/>
+                      </a:endParaRPr>
+                    </a:p>
+                  </a:txBody>
+                  <a:tcPr marL="68580" marR="68580" marT="0" marB="0"/>
+                </a:tc>
+                <a:extLst>
+                  <a:ext uri="{0D108BD9-81ED-4DB2-BD59-A6C34878D82A}">
+                    <a16:rowId xmlns:a16="http://schemas.microsoft.com/office/drawing/2014/main" val="3951188926"/>
+                  </a:ext>
+                </a:extLst>
+              </a:tr>
+              <a:tr h="514350">
+                <a:tc>
+                  <a:txBody>
+                    <a:bodyPr/>
+                    <a:lstStyle/>
+                    <a:p>
+                      <a:pPr marL="0" marR="0">
+                        <a:lnSpc>
+                          <a:spcPct val="107000"/>
+                        </a:lnSpc>
+                        <a:spcBef>
+                          <a:spcPts val="0"/>
+                        </a:spcBef>
+                        <a:spcAft>
+                          <a:spcPts val="0"/>
+                        </a:spcAft>
+                      </a:pPr>
+                      <a:r>
+                        <a:rPr lang="en-US" sz="2000">
+                          <a:effectLst/>
+                        </a:rPr>
+                        <a:t>Box 2</a:t>
+                      </a:r>
+                      <a:endParaRPr lang="en-US" sz="2000">
+                        <a:effectLst/>
+                        <a:latin typeface="Calibri" panose="020F0502020204030204" pitchFamily="34" charset="0"/>
+                        <a:ea typeface="Calibri" panose="020F0502020204030204" pitchFamily="34" charset="0"/>
+                        <a:cs typeface="Times New Roman" panose="02020603050405020304" pitchFamily="18" charset="0"/>
+                      </a:endParaRPr>
+                    </a:p>
+                  </a:txBody>
+                  <a:tcPr marL="68580" marR="68580" marT="0" marB="0"/>
+                </a:tc>
+                <a:tc>
+                  <a:txBody>
+                    <a:bodyPr/>
+                    <a:lstStyle/>
+                    <a:p>
+                      <a:pPr marL="0" marR="0">
+                        <a:lnSpc>
+                          <a:spcPct val="107000"/>
+                        </a:lnSpc>
+                        <a:spcBef>
+                          <a:spcPts val="0"/>
+                        </a:spcBef>
+                        <a:spcAft>
+                          <a:spcPts val="0"/>
+                        </a:spcAft>
+                      </a:pPr>
+                      <a:r>
+                        <a:rPr lang="en-US" sz="2000">
+                          <a:effectLst/>
+                        </a:rPr>
+                        <a:t>1</a:t>
+                      </a:r>
+                      <a:endParaRPr lang="en-US" sz="2000">
+                        <a:effectLst/>
+                        <a:latin typeface="Calibri" panose="020F0502020204030204" pitchFamily="34" charset="0"/>
+                        <a:ea typeface="Calibri" panose="020F0502020204030204" pitchFamily="34" charset="0"/>
+                        <a:cs typeface="Times New Roman" panose="02020603050405020304" pitchFamily="18" charset="0"/>
+                      </a:endParaRPr>
+                    </a:p>
+                  </a:txBody>
+                  <a:tcPr marL="68580" marR="68580" marT="0" marB="0"/>
+                </a:tc>
+                <a:tc>
+                  <a:txBody>
+                    <a:bodyPr/>
+                    <a:lstStyle/>
+                    <a:p>
+                      <a:pPr marL="0" marR="0">
+                        <a:lnSpc>
+                          <a:spcPct val="107000"/>
+                        </a:lnSpc>
+                        <a:spcBef>
+                          <a:spcPts val="0"/>
+                        </a:spcBef>
+                        <a:spcAft>
+                          <a:spcPts val="0"/>
+                        </a:spcAft>
+                      </a:pPr>
+                      <a:r>
+                        <a:rPr lang="en-US" sz="2000">
+                          <a:effectLst/>
+                        </a:rPr>
+                        <a:t>6</a:t>
+                      </a:r>
+                      <a:endParaRPr lang="en-US" sz="2000">
+                        <a:effectLst/>
+                        <a:latin typeface="Calibri" panose="020F0502020204030204" pitchFamily="34" charset="0"/>
+                        <a:ea typeface="Calibri" panose="020F0502020204030204" pitchFamily="34" charset="0"/>
+                        <a:cs typeface="Times New Roman" panose="02020603050405020304" pitchFamily="18" charset="0"/>
+                      </a:endParaRPr>
+                    </a:p>
+                  </a:txBody>
+                  <a:tcPr marL="68580" marR="68580" marT="0" marB="0"/>
+                </a:tc>
+                <a:tc>
+                  <a:txBody>
+                    <a:bodyPr/>
+                    <a:lstStyle/>
+                    <a:p>
+                      <a:pPr marL="0" marR="0">
+                        <a:lnSpc>
+                          <a:spcPct val="107000"/>
+                        </a:lnSpc>
+                        <a:spcBef>
+                          <a:spcPts val="0"/>
+                        </a:spcBef>
+                        <a:spcAft>
+                          <a:spcPts val="0"/>
+                        </a:spcAft>
+                      </a:pPr>
+                      <a:r>
+                        <a:rPr lang="en-US" sz="2000">
+                          <a:effectLst/>
+                        </a:rPr>
+                        <a:t>7</a:t>
+                      </a:r>
+                      <a:endParaRPr lang="en-US" sz="2000">
+                        <a:effectLst/>
+                        <a:latin typeface="Calibri" panose="020F0502020204030204" pitchFamily="34" charset="0"/>
+                        <a:ea typeface="Calibri" panose="020F0502020204030204" pitchFamily="34" charset="0"/>
+                        <a:cs typeface="Times New Roman" panose="02020603050405020304" pitchFamily="18" charset="0"/>
+                      </a:endParaRPr>
+                    </a:p>
+                  </a:txBody>
+                  <a:tcPr marL="68580" marR="68580" marT="0" marB="0"/>
+                </a:tc>
+                <a:extLst>
+                  <a:ext uri="{0D108BD9-81ED-4DB2-BD59-A6C34878D82A}">
+                    <a16:rowId xmlns:a16="http://schemas.microsoft.com/office/drawing/2014/main" val="3971933486"/>
+                  </a:ext>
+                </a:extLst>
+              </a:tr>
+              <a:tr h="514350">
+                <a:tc>
+                  <a:txBody>
+                    <a:bodyPr/>
+                    <a:lstStyle/>
+                    <a:p>
+                      <a:pPr marL="0" marR="0">
+                        <a:lnSpc>
+                          <a:spcPct val="107000"/>
+                        </a:lnSpc>
+                        <a:spcBef>
+                          <a:spcPts val="0"/>
+                        </a:spcBef>
+                        <a:spcAft>
+                          <a:spcPts val="0"/>
+                        </a:spcAft>
+                      </a:pPr>
+                      <a:r>
+                        <a:rPr lang="en-US" sz="2000">
+                          <a:effectLst/>
+                        </a:rPr>
+                        <a:t>Total</a:t>
+                      </a:r>
+                      <a:endParaRPr lang="en-US" sz="2000">
+                        <a:effectLst/>
+                        <a:latin typeface="Calibri" panose="020F0502020204030204" pitchFamily="34" charset="0"/>
+                        <a:ea typeface="Calibri" panose="020F0502020204030204" pitchFamily="34" charset="0"/>
+                        <a:cs typeface="Times New Roman" panose="02020603050405020304" pitchFamily="18" charset="0"/>
+                      </a:endParaRPr>
+                    </a:p>
+                  </a:txBody>
+                  <a:tcPr marL="68580" marR="68580" marT="0" marB="0"/>
+                </a:tc>
+                <a:tc>
+                  <a:txBody>
+                    <a:bodyPr/>
+                    <a:lstStyle/>
+                    <a:p>
+                      <a:pPr marL="0" marR="0">
+                        <a:lnSpc>
+                          <a:spcPct val="107000"/>
+                        </a:lnSpc>
+                        <a:spcBef>
+                          <a:spcPts val="0"/>
+                        </a:spcBef>
+                        <a:spcAft>
+                          <a:spcPts val="0"/>
+                        </a:spcAft>
+                      </a:pPr>
+                      <a:r>
+                        <a:rPr lang="en-US" sz="2000">
+                          <a:effectLst/>
+                        </a:rPr>
+                        <a:t>5</a:t>
+                      </a:r>
+                      <a:endParaRPr lang="en-US" sz="2000">
+                        <a:effectLst/>
+                        <a:latin typeface="Calibri" panose="020F0502020204030204" pitchFamily="34" charset="0"/>
+                        <a:ea typeface="Calibri" panose="020F0502020204030204" pitchFamily="34" charset="0"/>
+                        <a:cs typeface="Times New Roman" panose="02020603050405020304" pitchFamily="18" charset="0"/>
+                      </a:endParaRPr>
+                    </a:p>
+                  </a:txBody>
+                  <a:tcPr marL="68580" marR="68580" marT="0" marB="0"/>
+                </a:tc>
+                <a:tc>
+                  <a:txBody>
+                    <a:bodyPr/>
+                    <a:lstStyle/>
+                    <a:p>
+                      <a:pPr marL="0" marR="0">
+                        <a:lnSpc>
+                          <a:spcPct val="107000"/>
+                        </a:lnSpc>
+                        <a:spcBef>
+                          <a:spcPts val="0"/>
+                        </a:spcBef>
+                        <a:spcAft>
+                          <a:spcPts val="0"/>
+                        </a:spcAft>
+                      </a:pPr>
+                      <a:r>
+                        <a:rPr lang="en-US" sz="2000">
+                          <a:effectLst/>
+                        </a:rPr>
+                        <a:t>14</a:t>
+                      </a:r>
+                      <a:endParaRPr lang="en-US" sz="2000">
+                        <a:effectLst/>
+                        <a:latin typeface="Calibri" panose="020F0502020204030204" pitchFamily="34" charset="0"/>
+                        <a:ea typeface="Calibri" panose="020F0502020204030204" pitchFamily="34" charset="0"/>
+                        <a:cs typeface="Times New Roman" panose="02020603050405020304" pitchFamily="18" charset="0"/>
+                      </a:endParaRPr>
+                    </a:p>
+                  </a:txBody>
+                  <a:tcPr marL="68580" marR="68580" marT="0" marB="0"/>
+                </a:tc>
+                <a:tc>
+                  <a:txBody>
+                    <a:bodyPr/>
+                    <a:lstStyle/>
+                    <a:p>
+                      <a:pPr marL="0" marR="0">
+                        <a:lnSpc>
+                          <a:spcPct val="107000"/>
+                        </a:lnSpc>
+                        <a:spcBef>
+                          <a:spcPts val="0"/>
+                        </a:spcBef>
+                        <a:spcAft>
+                          <a:spcPts val="0"/>
+                        </a:spcAft>
+                      </a:pPr>
+                      <a:r>
+                        <a:rPr lang="en-US" sz="2000" dirty="0">
+                          <a:effectLst/>
+                        </a:rPr>
+                        <a:t>19</a:t>
+                      </a:r>
+                      <a:endParaRPr lang="en-US" sz="2000" dirty="0">
+                        <a:effectLst/>
+                        <a:latin typeface="Calibri" panose="020F0502020204030204" pitchFamily="34" charset="0"/>
+                        <a:ea typeface="Calibri" panose="020F0502020204030204" pitchFamily="34" charset="0"/>
+                        <a:cs typeface="Times New Roman" panose="02020603050405020304" pitchFamily="18" charset="0"/>
+                      </a:endParaRPr>
+                    </a:p>
+                  </a:txBody>
+                  <a:tcPr marL="68580" marR="68580" marT="0" marB="0"/>
+                </a:tc>
+                <a:extLst>
+                  <a:ext uri="{0D108BD9-81ED-4DB2-BD59-A6C34878D82A}">
+                    <a16:rowId xmlns:a16="http://schemas.microsoft.com/office/drawing/2014/main" val="4099107566"/>
+                  </a:ext>
+                </a:extLst>
+              </a:tr>
+            </a:tbl>
+          </a:graphicData>
+        </a:graphic>
+      </p:graphicFrame>
+    </p:spTree>
+    <p:extLst>
+      <p:ext uri="{BB962C8B-B14F-4D97-AF65-F5344CB8AC3E}">
+        <p14:creationId xmlns:p14="http://schemas.microsoft.com/office/powerpoint/2010/main" val="2242430784"/>
+      </p:ext>
+    </p:extLst>
+  </p:cSld>
+  <p:clrMapOvr>
+    <a:masterClrMapping/>
+  </p:clrMapOvr>
+</p:sld>
+</file>
+
 <file path=ppt/slides/slide5.xml><?xml version="1.0" encoding="utf-8"?>
 <p:sld xmlns:a="http://schemas.openxmlformats.org/drawingml/2006/main" xmlns:r="http://schemas.openxmlformats.org/officeDocument/2006/relationships" xmlns:p="http://schemas.openxmlformats.org/presentationml/2006/main">
   <p:cSld>

--- a/Presentation.pptx
+++ b/Presentation.pptx
@@ -5,7 +5,7 @@
     <p:sldMasterId id="2147483648" r:id="rId1"/>
   </p:sldMasterIdLst>
   <p:notesMasterIdLst>
-    <p:notesMasterId r:id="rId46"/>
+    <p:notesMasterId r:id="rId48"/>
   </p:notesMasterIdLst>
   <p:sldIdLst>
     <p:sldId id="256" r:id="rId2"/>
@@ -52,6 +52,8 @@
     <p:sldId id="299" r:id="rId43"/>
     <p:sldId id="300" r:id="rId44"/>
     <p:sldId id="301" r:id="rId45"/>
+    <p:sldId id="302" r:id="rId46"/>
+    <p:sldId id="303" r:id="rId47"/>
   </p:sldIdLst>
   <p:sldSz cx="12192000" cy="6858000"/>
   <p:notesSz cx="6858000" cy="9144000"/>
@@ -1311,7 +1313,7 @@
           <a:p>
             <a:fld id="{72D23B30-5EA5-4E58-83A2-CD0A58FE814B}" type="datetimeFigureOut">
               <a:rPr lang="en-US" smtClean="0"/>
-              <a:t>2/11/2022</a:t>
+              <a:t>4/8/2022</a:t>
             </a:fld>
             <a:endParaRPr lang="en-US"/>
           </a:p>
@@ -2157,7 +2159,7 @@
           <a:p>
             <a:fld id="{7450D965-15E4-4F4F-B21E-11DDA7A2EA91}" type="datetimeFigureOut">
               <a:rPr lang="en-US" smtClean="0"/>
-              <a:t>2/11/2022</a:t>
+              <a:t>4/8/2022</a:t>
             </a:fld>
             <a:endParaRPr lang="en-US" dirty="0"/>
           </a:p>
@@ -2355,7 +2357,7 @@
           <a:p>
             <a:fld id="{7450D965-15E4-4F4F-B21E-11DDA7A2EA91}" type="datetimeFigureOut">
               <a:rPr lang="en-US" smtClean="0"/>
-              <a:t>2/11/2022</a:t>
+              <a:t>4/8/2022</a:t>
             </a:fld>
             <a:endParaRPr lang="en-US" dirty="0"/>
           </a:p>
@@ -2563,7 +2565,7 @@
           <a:p>
             <a:fld id="{7450D965-15E4-4F4F-B21E-11DDA7A2EA91}" type="datetimeFigureOut">
               <a:rPr lang="en-US" smtClean="0"/>
-              <a:t>2/11/2022</a:t>
+              <a:t>4/8/2022</a:t>
             </a:fld>
             <a:endParaRPr lang="en-US" dirty="0"/>
           </a:p>
@@ -2761,7 +2763,7 @@
           <a:p>
             <a:fld id="{7450D965-15E4-4F4F-B21E-11DDA7A2EA91}" type="datetimeFigureOut">
               <a:rPr lang="en-US" smtClean="0"/>
-              <a:t>2/11/2022</a:t>
+              <a:t>4/8/2022</a:t>
             </a:fld>
             <a:endParaRPr lang="en-US" dirty="0"/>
           </a:p>
@@ -3036,7 +3038,7 @@
           <a:p>
             <a:fld id="{7450D965-15E4-4F4F-B21E-11DDA7A2EA91}" type="datetimeFigureOut">
               <a:rPr lang="en-US" smtClean="0"/>
-              <a:t>2/11/2022</a:t>
+              <a:t>4/8/2022</a:t>
             </a:fld>
             <a:endParaRPr lang="en-US" dirty="0"/>
           </a:p>
@@ -3301,7 +3303,7 @@
           <a:p>
             <a:fld id="{7450D965-15E4-4F4F-B21E-11DDA7A2EA91}" type="datetimeFigureOut">
               <a:rPr lang="en-US" smtClean="0"/>
-              <a:t>2/11/2022</a:t>
+              <a:t>4/8/2022</a:t>
             </a:fld>
             <a:endParaRPr lang="en-US" dirty="0"/>
           </a:p>
@@ -3713,7 +3715,7 @@
           <a:p>
             <a:fld id="{7450D965-15E4-4F4F-B21E-11DDA7A2EA91}" type="datetimeFigureOut">
               <a:rPr lang="en-US" smtClean="0"/>
-              <a:t>2/11/2022</a:t>
+              <a:t>4/8/2022</a:t>
             </a:fld>
             <a:endParaRPr lang="en-US" dirty="0"/>
           </a:p>
@@ -3854,7 +3856,7 @@
           <a:p>
             <a:fld id="{7450D965-15E4-4F4F-B21E-11DDA7A2EA91}" type="datetimeFigureOut">
               <a:rPr lang="en-US" smtClean="0"/>
-              <a:t>2/11/2022</a:t>
+              <a:t>4/8/2022</a:t>
             </a:fld>
             <a:endParaRPr lang="en-US" dirty="0"/>
           </a:p>
@@ -3967,7 +3969,7 @@
           <a:p>
             <a:fld id="{7450D965-15E4-4F4F-B21E-11DDA7A2EA91}" type="datetimeFigureOut">
               <a:rPr lang="en-US" smtClean="0"/>
-              <a:t>2/11/2022</a:t>
+              <a:t>4/8/2022</a:t>
             </a:fld>
             <a:endParaRPr lang="en-US" dirty="0"/>
           </a:p>
@@ -4278,7 +4280,7 @@
           <a:p>
             <a:fld id="{7450D965-15E4-4F4F-B21E-11DDA7A2EA91}" type="datetimeFigureOut">
               <a:rPr lang="en-US" smtClean="0"/>
-              <a:t>2/11/2022</a:t>
+              <a:t>4/8/2022</a:t>
             </a:fld>
             <a:endParaRPr lang="en-US" dirty="0"/>
           </a:p>
@@ -4566,7 +4568,7 @@
           <a:p>
             <a:fld id="{7450D965-15E4-4F4F-B21E-11DDA7A2EA91}" type="datetimeFigureOut">
               <a:rPr lang="en-US" smtClean="0"/>
-              <a:t>2/11/2022</a:t>
+              <a:t>4/8/2022</a:t>
             </a:fld>
             <a:endParaRPr lang="en-US" dirty="0"/>
           </a:p>
@@ -4807,7 +4809,7 @@
           <a:p>
             <a:fld id="{7450D965-15E4-4F4F-B21E-11DDA7A2EA91}" type="datetimeFigureOut">
               <a:rPr lang="en-US" smtClean="0"/>
-              <a:t>2/11/2022</a:t>
+              <a:t>4/8/2022</a:t>
             </a:fld>
             <a:endParaRPr lang="en-US" dirty="0"/>
           </a:p>
@@ -14875,12 +14877,12 @@
                         </a:spcAft>
                       </a:pPr>
                       <a:r>
-                        <a:rPr lang="en-US" sz="2000">
+                        <a:rPr lang="en-US" sz="2000" dirty="0">
                           <a:effectLst/>
                         </a:rPr>
                         <a:t> </a:t>
                       </a:r>
-                      <a:endParaRPr lang="en-US" sz="2000">
+                      <a:endParaRPr lang="en-US" sz="2000" dirty="0">
                         <a:effectLst/>
                         <a:latin typeface="Calibri" panose="020F0502020204030204" pitchFamily="34" charset="0"/>
                         <a:ea typeface="Calibri" panose="020F0502020204030204" pitchFamily="34" charset="0"/>
@@ -15405,6 +15407,2513 @@
     <p:extLst>
       <p:ext uri="{BB962C8B-B14F-4D97-AF65-F5344CB8AC3E}">
         <p14:creationId xmlns:p14="http://schemas.microsoft.com/office/powerpoint/2010/main" val="2242430784"/>
+      </p:ext>
+    </p:extLst>
+  </p:cSld>
+  <p:clrMapOvr>
+    <a:masterClrMapping/>
+  </p:clrMapOvr>
+</p:sld>
+</file>
+
+<file path=ppt/slides/slide45.xml><?xml version="1.0" encoding="utf-8"?>
+<p:sld xmlns:a="http://schemas.openxmlformats.org/drawingml/2006/main" xmlns:r="http://schemas.openxmlformats.org/officeDocument/2006/relationships" xmlns:p="http://schemas.openxmlformats.org/presentationml/2006/main">
+  <p:cSld>
+    <p:spTree>
+      <p:nvGrpSpPr>
+        <p:cNvPr id="1" name=""/>
+        <p:cNvGrpSpPr/>
+        <p:nvPr/>
+      </p:nvGrpSpPr>
+      <p:grpSpPr>
+        <a:xfrm>
+          <a:off x="0" y="0"/>
+          <a:ext cx="0" cy="0"/>
+          <a:chOff x="0" y="0"/>
+          <a:chExt cx="0" cy="0"/>
+        </a:xfrm>
+      </p:grpSpPr>
+      <p:sp>
+        <p:nvSpPr>
+          <p:cNvPr id="2" name="Title 1">
+            <a:extLst>
+              <a:ext uri="{FF2B5EF4-FFF2-40B4-BE49-F238E27FC236}">
+                <a16:creationId xmlns:a16="http://schemas.microsoft.com/office/drawing/2014/main" id="{B9B16C32-1676-4F4D-8A5F-DE24F3ACD8BB}"/>
+              </a:ext>
+            </a:extLst>
+          </p:cNvPr>
+          <p:cNvSpPr>
+            <a:spLocks noGrp="1"/>
+          </p:cNvSpPr>
+          <p:nvPr>
+            <p:ph type="title"/>
+          </p:nvPr>
+        </p:nvSpPr>
+        <p:spPr/>
+        <p:txBody>
+          <a:bodyPr/>
+          <a:lstStyle/>
+          <a:p>
+            <a:r>
+              <a:rPr lang="en-US" b="1" dirty="0"/>
+              <a:t>Conditional probability</a:t>
+            </a:r>
+          </a:p>
+        </p:txBody>
+      </p:sp>
+      <p:sp>
+        <p:nvSpPr>
+          <p:cNvPr id="3" name="Content Placeholder 2">
+            <a:extLst>
+              <a:ext uri="{FF2B5EF4-FFF2-40B4-BE49-F238E27FC236}">
+                <a16:creationId xmlns:a16="http://schemas.microsoft.com/office/drawing/2014/main" id="{65AB1647-B51A-40A5-8050-170A2B9D59E4}"/>
+              </a:ext>
+            </a:extLst>
+          </p:cNvPr>
+          <p:cNvSpPr>
+            <a:spLocks noGrp="1"/>
+          </p:cNvSpPr>
+          <p:nvPr>
+            <p:ph sz="half" idx="1"/>
+          </p:nvPr>
+        </p:nvSpPr>
+        <p:spPr/>
+        <p:txBody>
+          <a:bodyPr>
+            <a:normAutofit/>
+          </a:bodyPr>
+          <a:lstStyle/>
+          <a:p>
+            <a:r>
+              <a:rPr lang="en-US" dirty="0"/>
+              <a:t>Suppose there was an experiment</a:t>
+            </a:r>
+          </a:p>
+          <a:p>
+            <a:r>
+              <a:rPr lang="en-US" dirty="0"/>
+              <a:t>Suppose an event is defined jointly on two outcomes (two dimensional), </a:t>
+            </a:r>
+          </a:p>
+          <a:p>
+            <a:pPr marL="0" indent="0">
+              <a:buNone/>
+            </a:pPr>
+            <a:r>
+              <a:rPr lang="en-US" dirty="0"/>
+              <a:t>Say, they are </a:t>
+            </a:r>
+          </a:p>
+          <a:p>
+            <a:pPr lvl="1"/>
+            <a:r>
+              <a:rPr lang="en-US" dirty="0"/>
+              <a:t>A = {vacation, sickness}</a:t>
+            </a:r>
+          </a:p>
+          <a:p>
+            <a:pPr lvl="1"/>
+            <a:r>
+              <a:rPr lang="en-US" dirty="0"/>
+              <a:t>B = {s, m, t, w, t}</a:t>
+            </a:r>
+          </a:p>
+          <a:p>
+            <a:r>
+              <a:rPr lang="en-US" dirty="0"/>
+              <a:t>Employees are the experimental units</a:t>
+            </a:r>
+          </a:p>
+          <a:p>
+            <a:endParaRPr lang="en-US" dirty="0"/>
+          </a:p>
+        </p:txBody>
+      </p:sp>
+      <mc:AlternateContent xmlns:mc="http://schemas.openxmlformats.org/markup-compatibility/2006">
+        <mc:Choice xmlns:a14="http://schemas.microsoft.com/office/drawing/2010/main" Requires="a14">
+          <p:sp>
+            <p:nvSpPr>
+              <p:cNvPr id="4" name="Content Placeholder 3">
+                <a:extLst>
+                  <a:ext uri="{FF2B5EF4-FFF2-40B4-BE49-F238E27FC236}">
+                    <a16:creationId xmlns:a16="http://schemas.microsoft.com/office/drawing/2014/main" id="{C58BD091-A297-4727-95E9-73C659DBE1A9}"/>
+                  </a:ext>
+                </a:extLst>
+              </p:cNvPr>
+              <p:cNvSpPr>
+                <a:spLocks noGrp="1"/>
+              </p:cNvSpPr>
+              <p:nvPr>
+                <p:ph sz="half" idx="2"/>
+              </p:nvPr>
+            </p:nvSpPr>
+            <p:spPr/>
+            <p:txBody>
+              <a:bodyPr>
+                <a:normAutofit/>
+              </a:bodyPr>
+              <a:lstStyle/>
+              <a:p>
+                <a:r>
+                  <a:rPr lang="en-US" dirty="0"/>
+                  <a:t>An employee take a leave </a:t>
+                </a:r>
+              </a:p>
+              <a:p>
+                <a:pPr lvl="1"/>
+                <a14:m>
+                  <m:oMath xmlns:m="http://schemas.openxmlformats.org/officeDocument/2006/math">
+                    <m:r>
+                      <a:rPr lang="en-US" i="1" dirty="0" smtClean="0">
+                        <a:latin typeface="Cambria Math" panose="02040503050406030204" pitchFamily="18" charset="0"/>
+                      </a:rPr>
+                      <m:t>𝑃</m:t>
+                    </m:r>
+                    <m:d>
+                      <m:dPr>
+                        <m:ctrlPr>
+                          <a:rPr lang="en-US" i="1" dirty="0" smtClean="0">
+                            <a:latin typeface="Cambria Math" panose="02040503050406030204" pitchFamily="18" charset="0"/>
+                          </a:rPr>
+                        </m:ctrlPr>
+                      </m:dPr>
+                      <m:e>
+                        <m:r>
+                          <a:rPr lang="en-US" i="1" dirty="0" smtClean="0">
+                            <a:latin typeface="Cambria Math" panose="02040503050406030204" pitchFamily="18" charset="0"/>
+                          </a:rPr>
+                          <m:t>𝐵</m:t>
+                        </m:r>
+                        <m:r>
+                          <a:rPr lang="en-US" i="1" dirty="0" smtClean="0">
+                            <a:latin typeface="Cambria Math" panose="02040503050406030204" pitchFamily="18" charset="0"/>
+                          </a:rPr>
+                          <m:t>=</m:t>
+                        </m:r>
+                        <m:r>
+                          <a:rPr lang="en-US" b="0" i="1" dirty="0" smtClean="0">
+                            <a:latin typeface="Cambria Math" panose="02040503050406030204" pitchFamily="18" charset="0"/>
+                          </a:rPr>
+                          <m:t>𝑠</m:t>
+                        </m:r>
+                      </m:e>
+                    </m:d>
+                  </m:oMath>
+                </a14:m>
+                <a:endParaRPr lang="en-US" dirty="0"/>
+              </a:p>
+              <a:p>
+                <a:pPr lvl="1"/>
+                <a14:m>
+                  <m:oMath xmlns:m="http://schemas.openxmlformats.org/officeDocument/2006/math">
+                    <m:r>
+                      <a:rPr lang="en-US" i="1" dirty="0" smtClean="0">
+                        <a:latin typeface="Cambria Math" panose="02040503050406030204" pitchFamily="18" charset="0"/>
+                      </a:rPr>
+                      <m:t>𝑃</m:t>
+                    </m:r>
+                    <m:d>
+                      <m:dPr>
+                        <m:ctrlPr>
+                          <a:rPr lang="en-US" i="1" dirty="0" smtClean="0">
+                            <a:latin typeface="Cambria Math" panose="02040503050406030204" pitchFamily="18" charset="0"/>
+                          </a:rPr>
+                        </m:ctrlPr>
+                      </m:dPr>
+                      <m:e>
+                        <m:r>
+                          <m:rPr>
+                            <m:sty m:val="p"/>
+                          </m:rPr>
+                          <a:rPr lang="en-US" b="0" i="0" dirty="0" smtClean="0">
+                            <a:latin typeface="Cambria Math" panose="02040503050406030204" pitchFamily="18" charset="0"/>
+                          </a:rPr>
+                          <m:t>A</m:t>
+                        </m:r>
+                        <m:r>
+                          <a:rPr lang="en-US" b="0" i="0" dirty="0" smtClean="0">
+                            <a:latin typeface="Cambria Math" panose="02040503050406030204" pitchFamily="18" charset="0"/>
+                          </a:rPr>
+                          <m:t>=</m:t>
+                        </m:r>
+                        <m:r>
+                          <m:rPr>
+                            <m:nor/>
+                          </m:rPr>
+                          <a:rPr lang="en-US" dirty="0"/>
+                          <m:t>vacation</m:t>
+                        </m:r>
+                      </m:e>
+                    </m:d>
+                  </m:oMath>
+                </a14:m>
+                <a:endParaRPr lang="en-US" dirty="0"/>
+              </a:p>
+              <a:p>
+                <a:pPr lvl="1"/>
+                <a14:m>
+                  <m:oMath xmlns:m="http://schemas.openxmlformats.org/officeDocument/2006/math">
+                    <m:r>
+                      <a:rPr lang="en-US" i="1" dirty="0" smtClean="0">
+                        <a:latin typeface="Cambria Math" panose="02040503050406030204" pitchFamily="18" charset="0"/>
+                      </a:rPr>
+                      <m:t>𝑃</m:t>
+                    </m:r>
+                    <m:r>
+                      <a:rPr lang="en-US" i="1" dirty="0">
+                        <a:latin typeface="Cambria Math" panose="02040503050406030204" pitchFamily="18" charset="0"/>
+                      </a:rPr>
+                      <m:t> </m:t>
+                    </m:r>
+                    <m:r>
+                      <a:rPr lang="en-US" i="1" dirty="0" smtClean="0">
+                        <a:latin typeface="Cambria Math" panose="02040503050406030204" pitchFamily="18" charset="0"/>
+                      </a:rPr>
+                      <m:t>(</m:t>
+                    </m:r>
+                    <m:r>
+                      <a:rPr lang="en-US" i="1" dirty="0" smtClean="0">
+                        <a:latin typeface="Cambria Math" panose="02040503050406030204" pitchFamily="18" charset="0"/>
+                      </a:rPr>
+                      <m:t>𝐴</m:t>
+                    </m:r>
+                    <m:r>
+                      <a:rPr lang="en-US" i="1" dirty="0">
+                        <a:latin typeface="Cambria Math" panose="02040503050406030204" pitchFamily="18" charset="0"/>
+                      </a:rPr>
+                      <m:t> </m:t>
+                    </m:r>
+                    <m:r>
+                      <a:rPr lang="en-US" i="1" dirty="0" smtClean="0">
+                        <a:latin typeface="Cambria Math" panose="02040503050406030204" pitchFamily="18" charset="0"/>
+                      </a:rPr>
+                      <m:t>=</m:t>
+                    </m:r>
+                    <m:r>
+                      <m:rPr>
+                        <m:nor/>
+                      </m:rPr>
+                      <a:rPr lang="en-US" b="0" i="0" dirty="0" smtClean="0"/>
+                      <m:t>Sick</m:t>
+                    </m:r>
+                    <m:r>
+                      <a:rPr lang="en-US" i="1" dirty="0" smtClean="0">
+                        <a:latin typeface="Cambria Math" panose="02040503050406030204" pitchFamily="18" charset="0"/>
+                      </a:rPr>
+                      <m:t>|</m:t>
+                    </m:r>
+                    <m:r>
+                      <a:rPr lang="en-US" i="1" dirty="0" smtClean="0">
+                        <a:latin typeface="Cambria Math" panose="02040503050406030204" pitchFamily="18" charset="0"/>
+                      </a:rPr>
+                      <m:t>𝐵</m:t>
+                    </m:r>
+                    <m:r>
+                      <a:rPr lang="en-US" i="1" dirty="0">
+                        <a:latin typeface="Cambria Math" panose="02040503050406030204" pitchFamily="18" charset="0"/>
+                      </a:rPr>
+                      <m:t> </m:t>
+                    </m:r>
+                    <m:r>
+                      <a:rPr lang="en-US" i="1" dirty="0" smtClean="0">
+                        <a:latin typeface="Cambria Math" panose="02040503050406030204" pitchFamily="18" charset="0"/>
+                      </a:rPr>
+                      <m:t>=</m:t>
+                    </m:r>
+                    <m:r>
+                      <a:rPr lang="en-US" b="0" i="1" dirty="0" smtClean="0">
+                        <a:latin typeface="Cambria Math" panose="02040503050406030204" pitchFamily="18" charset="0"/>
+                      </a:rPr>
+                      <m:t>𝑓</m:t>
+                    </m:r>
+                    <m:r>
+                      <a:rPr lang="en-US" i="1" dirty="0" smtClean="0">
+                        <a:latin typeface="Cambria Math" panose="02040503050406030204" pitchFamily="18" charset="0"/>
+                      </a:rPr>
+                      <m:t>)</m:t>
+                    </m:r>
+                  </m:oMath>
+                </a14:m>
+                <a:endParaRPr lang="en-US" dirty="0"/>
+              </a:p>
+              <a:p>
+                <a:pPr lvl="1"/>
+                <a14:m>
+                  <m:oMath xmlns:m="http://schemas.openxmlformats.org/officeDocument/2006/math">
+                    <m:r>
+                      <a:rPr lang="en-US" i="1" dirty="0" smtClean="0">
+                        <a:latin typeface="Cambria Math" panose="02040503050406030204" pitchFamily="18" charset="0"/>
+                      </a:rPr>
+                      <m:t>𝑃</m:t>
+                    </m:r>
+                    <m:r>
+                      <a:rPr lang="en-US" i="1" dirty="0">
+                        <a:latin typeface="Cambria Math" panose="02040503050406030204" pitchFamily="18" charset="0"/>
+                      </a:rPr>
+                      <m:t> </m:t>
+                    </m:r>
+                    <m:r>
+                      <a:rPr lang="en-US" i="1" dirty="0" smtClean="0">
+                        <a:latin typeface="Cambria Math" panose="02040503050406030204" pitchFamily="18" charset="0"/>
+                      </a:rPr>
+                      <m:t>(</m:t>
+                    </m:r>
+                    <m:r>
+                      <a:rPr lang="en-US" i="1" dirty="0" smtClean="0">
+                        <a:latin typeface="Cambria Math" panose="02040503050406030204" pitchFamily="18" charset="0"/>
+                      </a:rPr>
+                      <m:t>𝐴</m:t>
+                    </m:r>
+                    <m:r>
+                      <a:rPr lang="en-US" i="1" dirty="0">
+                        <a:latin typeface="Cambria Math" panose="02040503050406030204" pitchFamily="18" charset="0"/>
+                      </a:rPr>
+                      <m:t> </m:t>
+                    </m:r>
+                    <m:r>
+                      <a:rPr lang="en-US" i="1" dirty="0" smtClean="0">
+                        <a:latin typeface="Cambria Math" panose="02040503050406030204" pitchFamily="18" charset="0"/>
+                      </a:rPr>
+                      <m:t>=</m:t>
+                    </m:r>
+                    <m:r>
+                      <m:rPr>
+                        <m:nor/>
+                      </m:rPr>
+                      <a:rPr lang="en-US" dirty="0"/>
+                      <m:t>vacation</m:t>
+                    </m:r>
+                    <m:r>
+                      <a:rPr lang="en-US" i="1" dirty="0" smtClean="0">
+                        <a:latin typeface="Cambria Math" panose="02040503050406030204" pitchFamily="18" charset="0"/>
+                      </a:rPr>
+                      <m:t>|</m:t>
+                    </m:r>
+                    <m:r>
+                      <a:rPr lang="en-US" i="1" dirty="0" smtClean="0">
+                        <a:latin typeface="Cambria Math" panose="02040503050406030204" pitchFamily="18" charset="0"/>
+                      </a:rPr>
+                      <m:t>𝐵</m:t>
+                    </m:r>
+                    <m:r>
+                      <a:rPr lang="en-US" i="1" dirty="0">
+                        <a:latin typeface="Cambria Math" panose="02040503050406030204" pitchFamily="18" charset="0"/>
+                      </a:rPr>
+                      <m:t> </m:t>
+                    </m:r>
+                    <m:r>
+                      <a:rPr lang="en-US" i="1" dirty="0" smtClean="0">
+                        <a:latin typeface="Cambria Math" panose="02040503050406030204" pitchFamily="18" charset="0"/>
+                      </a:rPr>
+                      <m:t>=</m:t>
+                    </m:r>
+                    <m:r>
+                      <a:rPr lang="en-US" b="0" i="1" dirty="0" smtClean="0">
+                        <a:latin typeface="Cambria Math" panose="02040503050406030204" pitchFamily="18" charset="0"/>
+                      </a:rPr>
+                      <m:t>𝑤</m:t>
+                    </m:r>
+                    <m:r>
+                      <a:rPr lang="en-US" i="1" dirty="0" smtClean="0">
+                        <a:latin typeface="Cambria Math" panose="02040503050406030204" pitchFamily="18" charset="0"/>
+                      </a:rPr>
+                      <m:t>)</m:t>
+                    </m:r>
+                  </m:oMath>
+                </a14:m>
+                <a:endParaRPr lang="en-US" dirty="0"/>
+              </a:p>
+              <a:p>
+                <a:pPr lvl="1"/>
+                <a:r>
+                  <a:rPr lang="en-US" dirty="0"/>
+                  <a:t>Sample space</a:t>
+                </a:r>
+              </a:p>
+              <a:p>
+                <a:pPr lvl="1"/>
+                <a:endParaRPr lang="en-US" dirty="0"/>
+              </a:p>
+              <a:p>
+                <a:pPr lvl="1"/>
+                <a:endParaRPr lang="en-US" dirty="0"/>
+              </a:p>
+              <a:p>
+                <a:endParaRPr lang="en-US" dirty="0"/>
+              </a:p>
+            </p:txBody>
+          </p:sp>
+        </mc:Choice>
+        <mc:Fallback>
+          <p:sp>
+            <p:nvSpPr>
+              <p:cNvPr id="4" name="Content Placeholder 3">
+                <a:extLst>
+                  <a:ext uri="{FF2B5EF4-FFF2-40B4-BE49-F238E27FC236}">
+                    <a16:creationId xmlns:a16="http://schemas.microsoft.com/office/drawing/2014/main" id="{C58BD091-A297-4727-95E9-73C659DBE1A9}"/>
+                  </a:ext>
+                </a:extLst>
+              </p:cNvPr>
+              <p:cNvSpPr>
+                <a:spLocks noGrp="1" noRot="1" noChangeAspect="1" noMove="1" noResize="1" noEditPoints="1" noAdjustHandles="1" noChangeArrowheads="1" noChangeShapeType="1" noTextEdit="1"/>
+              </p:cNvSpPr>
+              <p:nvPr>
+                <p:ph sz="half" idx="2"/>
+              </p:nvPr>
+            </p:nvSpPr>
+            <p:spPr>
+              <a:blipFill>
+                <a:blip r:embed="rId2"/>
+                <a:stretch>
+                  <a:fillRect l="-2118" t="-2241"/>
+                </a:stretch>
+              </a:blipFill>
+            </p:spPr>
+            <p:txBody>
+              <a:bodyPr/>
+              <a:lstStyle/>
+              <a:p>
+                <a:r>
+                  <a:rPr lang="en-US">
+                    <a:noFill/>
+                  </a:rPr>
+                  <a:t> </a:t>
+                </a:r>
+              </a:p>
+            </p:txBody>
+          </p:sp>
+        </mc:Fallback>
+      </mc:AlternateContent>
+      <p:graphicFrame>
+        <p:nvGraphicFramePr>
+          <p:cNvPr id="5" name="Table 4">
+            <a:extLst>
+              <a:ext uri="{FF2B5EF4-FFF2-40B4-BE49-F238E27FC236}">
+                <a16:creationId xmlns:a16="http://schemas.microsoft.com/office/drawing/2014/main" id="{F6EBB0E9-6564-45F0-891A-2AF4C18D3943}"/>
+              </a:ext>
+            </a:extLst>
+          </p:cNvPr>
+          <p:cNvGraphicFramePr>
+            <a:graphicFrameLocks noGrp="1"/>
+          </p:cNvGraphicFramePr>
+          <p:nvPr>
+            <p:extLst>
+              <p:ext uri="{D42A27DB-BD31-4B8C-83A1-F6EECF244321}">
+                <p14:modId xmlns:p14="http://schemas.microsoft.com/office/powerpoint/2010/main" val="292410592"/>
+              </p:ext>
+            </p:extLst>
+          </p:nvPr>
+        </p:nvGraphicFramePr>
+        <p:xfrm>
+          <a:off x="6969125" y="4356101"/>
+          <a:ext cx="4215591" cy="1285080"/>
+        </p:xfrm>
+        <a:graphic>
+          <a:graphicData uri="http://schemas.openxmlformats.org/drawingml/2006/table">
+            <a:tbl>
+              <a:tblPr firstRow="1" firstCol="1" bandRow="1">
+                <a:tableStyleId>{5C22544A-7EE6-4342-B048-85BDC9FD1C3A}</a:tableStyleId>
+              </a:tblPr>
+              <a:tblGrid>
+                <a:gridCol w="1330485">
+                  <a:extLst>
+                    <a:ext uri="{9D8B030D-6E8A-4147-A177-3AD203B41FA5}">
+                      <a16:colId xmlns:a16="http://schemas.microsoft.com/office/drawing/2014/main" val="3815507231"/>
+                    </a:ext>
+                  </a:extLst>
+                </a:gridCol>
+                <a:gridCol w="539491">
+                  <a:extLst>
+                    <a:ext uri="{9D8B030D-6E8A-4147-A177-3AD203B41FA5}">
+                      <a16:colId xmlns:a16="http://schemas.microsoft.com/office/drawing/2014/main" val="868678256"/>
+                    </a:ext>
+                  </a:extLst>
+                </a:gridCol>
+                <a:gridCol w="510823">
+                  <a:extLst>
+                    <a:ext uri="{9D8B030D-6E8A-4147-A177-3AD203B41FA5}">
+                      <a16:colId xmlns:a16="http://schemas.microsoft.com/office/drawing/2014/main" val="1722231425"/>
+                    </a:ext>
+                  </a:extLst>
+                </a:gridCol>
+                <a:gridCol w="427423">
+                  <a:extLst>
+                    <a:ext uri="{9D8B030D-6E8A-4147-A177-3AD203B41FA5}">
+                      <a16:colId xmlns:a16="http://schemas.microsoft.com/office/drawing/2014/main" val="2826149802"/>
+                    </a:ext>
+                  </a:extLst>
+                </a:gridCol>
+                <a:gridCol w="487367">
+                  <a:extLst>
+                    <a:ext uri="{9D8B030D-6E8A-4147-A177-3AD203B41FA5}">
+                      <a16:colId xmlns:a16="http://schemas.microsoft.com/office/drawing/2014/main" val="2243864817"/>
+                    </a:ext>
+                  </a:extLst>
+                </a:gridCol>
+                <a:gridCol w="450879">
+                  <a:extLst>
+                    <a:ext uri="{9D8B030D-6E8A-4147-A177-3AD203B41FA5}">
+                      <a16:colId xmlns:a16="http://schemas.microsoft.com/office/drawing/2014/main" val="2420872766"/>
+                    </a:ext>
+                  </a:extLst>
+                </a:gridCol>
+                <a:gridCol w="469123">
+                  <a:extLst>
+                    <a:ext uri="{9D8B030D-6E8A-4147-A177-3AD203B41FA5}">
+                      <a16:colId xmlns:a16="http://schemas.microsoft.com/office/drawing/2014/main" val="1569765191"/>
+                    </a:ext>
+                  </a:extLst>
+                </a:gridCol>
+              </a:tblGrid>
+              <a:tr h="435269">
+                <a:tc>
+                  <a:txBody>
+                    <a:bodyPr/>
+                    <a:lstStyle/>
+                    <a:p>
+                      <a:pPr marL="0" marR="0">
+                        <a:lnSpc>
+                          <a:spcPct val="107000"/>
+                        </a:lnSpc>
+                        <a:spcBef>
+                          <a:spcPts val="0"/>
+                        </a:spcBef>
+                        <a:spcAft>
+                          <a:spcPts val="0"/>
+                        </a:spcAft>
+                      </a:pPr>
+                      <a:r>
+                        <a:rPr lang="en-US" sz="1600">
+                          <a:effectLst/>
+                        </a:rPr>
+                        <a:t> </a:t>
+                      </a:r>
+                      <a:endParaRPr lang="en-US" sz="1600">
+                        <a:effectLst/>
+                        <a:latin typeface="Calibri" panose="020F0502020204030204" pitchFamily="34" charset="0"/>
+                        <a:ea typeface="Calibri" panose="020F0502020204030204" pitchFamily="34" charset="0"/>
+                        <a:cs typeface="Times New Roman" panose="02020603050405020304" pitchFamily="18" charset="0"/>
+                      </a:endParaRPr>
+                    </a:p>
+                  </a:txBody>
+                  <a:tcPr marL="68580" marR="68580" marT="0" marB="0" anchor="ctr"/>
+                </a:tc>
+                <a:tc>
+                  <a:txBody>
+                    <a:bodyPr/>
+                    <a:lstStyle/>
+                    <a:p>
+                      <a:pPr marL="0" marR="0">
+                        <a:lnSpc>
+                          <a:spcPct val="107000"/>
+                        </a:lnSpc>
+                        <a:spcBef>
+                          <a:spcPts val="0"/>
+                        </a:spcBef>
+                        <a:spcAft>
+                          <a:spcPts val="0"/>
+                        </a:spcAft>
+                      </a:pPr>
+                      <a:r>
+                        <a:rPr lang="en-US" sz="1600">
+                          <a:effectLst/>
+                        </a:rPr>
+                        <a:t>s</a:t>
+                      </a:r>
+                      <a:endParaRPr lang="en-US" sz="1600">
+                        <a:effectLst/>
+                        <a:latin typeface="Calibri" panose="020F0502020204030204" pitchFamily="34" charset="0"/>
+                        <a:ea typeface="Calibri" panose="020F0502020204030204" pitchFamily="34" charset="0"/>
+                        <a:cs typeface="Times New Roman" panose="02020603050405020304" pitchFamily="18" charset="0"/>
+                      </a:endParaRPr>
+                    </a:p>
+                  </a:txBody>
+                  <a:tcPr marL="68580" marR="68580" marT="0" marB="0" anchor="ctr"/>
+                </a:tc>
+                <a:tc>
+                  <a:txBody>
+                    <a:bodyPr/>
+                    <a:lstStyle/>
+                    <a:p>
+                      <a:pPr marL="0" marR="0">
+                        <a:lnSpc>
+                          <a:spcPct val="107000"/>
+                        </a:lnSpc>
+                        <a:spcBef>
+                          <a:spcPts val="0"/>
+                        </a:spcBef>
+                        <a:spcAft>
+                          <a:spcPts val="0"/>
+                        </a:spcAft>
+                      </a:pPr>
+                      <a:r>
+                        <a:rPr lang="en-US" sz="1600">
+                          <a:effectLst/>
+                        </a:rPr>
+                        <a:t>m</a:t>
+                      </a:r>
+                      <a:endParaRPr lang="en-US" sz="1600">
+                        <a:effectLst/>
+                        <a:latin typeface="Calibri" panose="020F0502020204030204" pitchFamily="34" charset="0"/>
+                        <a:ea typeface="Calibri" panose="020F0502020204030204" pitchFamily="34" charset="0"/>
+                        <a:cs typeface="Times New Roman" panose="02020603050405020304" pitchFamily="18" charset="0"/>
+                      </a:endParaRPr>
+                    </a:p>
+                  </a:txBody>
+                  <a:tcPr marL="68580" marR="68580" marT="0" marB="0" anchor="ctr"/>
+                </a:tc>
+                <a:tc>
+                  <a:txBody>
+                    <a:bodyPr/>
+                    <a:lstStyle/>
+                    <a:p>
+                      <a:pPr marL="0" marR="0">
+                        <a:lnSpc>
+                          <a:spcPct val="107000"/>
+                        </a:lnSpc>
+                        <a:spcBef>
+                          <a:spcPts val="0"/>
+                        </a:spcBef>
+                        <a:spcAft>
+                          <a:spcPts val="0"/>
+                        </a:spcAft>
+                      </a:pPr>
+                      <a:r>
+                        <a:rPr lang="en-US" sz="1600">
+                          <a:effectLst/>
+                        </a:rPr>
+                        <a:t>t</a:t>
+                      </a:r>
+                      <a:endParaRPr lang="en-US" sz="1600">
+                        <a:effectLst/>
+                        <a:latin typeface="Calibri" panose="020F0502020204030204" pitchFamily="34" charset="0"/>
+                        <a:ea typeface="Calibri" panose="020F0502020204030204" pitchFamily="34" charset="0"/>
+                        <a:cs typeface="Times New Roman" panose="02020603050405020304" pitchFamily="18" charset="0"/>
+                      </a:endParaRPr>
+                    </a:p>
+                  </a:txBody>
+                  <a:tcPr marL="68580" marR="68580" marT="0" marB="0" anchor="ctr"/>
+                </a:tc>
+                <a:tc>
+                  <a:txBody>
+                    <a:bodyPr/>
+                    <a:lstStyle/>
+                    <a:p>
+                      <a:pPr marL="0" marR="0">
+                        <a:lnSpc>
+                          <a:spcPct val="107000"/>
+                        </a:lnSpc>
+                        <a:spcBef>
+                          <a:spcPts val="0"/>
+                        </a:spcBef>
+                        <a:spcAft>
+                          <a:spcPts val="0"/>
+                        </a:spcAft>
+                      </a:pPr>
+                      <a:r>
+                        <a:rPr lang="en-US" sz="1600">
+                          <a:effectLst/>
+                        </a:rPr>
+                        <a:t>w</a:t>
+                      </a:r>
+                      <a:endParaRPr lang="en-US" sz="1600">
+                        <a:effectLst/>
+                        <a:latin typeface="Calibri" panose="020F0502020204030204" pitchFamily="34" charset="0"/>
+                        <a:ea typeface="Calibri" panose="020F0502020204030204" pitchFamily="34" charset="0"/>
+                        <a:cs typeface="Times New Roman" panose="02020603050405020304" pitchFamily="18" charset="0"/>
+                      </a:endParaRPr>
+                    </a:p>
+                  </a:txBody>
+                  <a:tcPr marL="68580" marR="68580" marT="0" marB="0" anchor="ctr"/>
+                </a:tc>
+                <a:tc>
+                  <a:txBody>
+                    <a:bodyPr/>
+                    <a:lstStyle/>
+                    <a:p>
+                      <a:pPr marL="0" marR="0">
+                        <a:lnSpc>
+                          <a:spcPct val="107000"/>
+                        </a:lnSpc>
+                        <a:spcBef>
+                          <a:spcPts val="0"/>
+                        </a:spcBef>
+                        <a:spcAft>
+                          <a:spcPts val="0"/>
+                        </a:spcAft>
+                      </a:pPr>
+                      <a:r>
+                        <a:rPr lang="en-US" sz="1600">
+                          <a:effectLst/>
+                        </a:rPr>
+                        <a:t>t</a:t>
+                      </a:r>
+                      <a:endParaRPr lang="en-US" sz="1600">
+                        <a:effectLst/>
+                        <a:latin typeface="Calibri" panose="020F0502020204030204" pitchFamily="34" charset="0"/>
+                        <a:ea typeface="Calibri" panose="020F0502020204030204" pitchFamily="34" charset="0"/>
+                        <a:cs typeface="Times New Roman" panose="02020603050405020304" pitchFamily="18" charset="0"/>
+                      </a:endParaRPr>
+                    </a:p>
+                  </a:txBody>
+                  <a:tcPr marL="68580" marR="68580" marT="0" marB="0" anchor="ctr"/>
+                </a:tc>
+                <a:tc>
+                  <a:txBody>
+                    <a:bodyPr/>
+                    <a:lstStyle/>
+                    <a:p>
+                      <a:pPr marL="0" marR="0">
+                        <a:lnSpc>
+                          <a:spcPct val="107000"/>
+                        </a:lnSpc>
+                        <a:spcBef>
+                          <a:spcPts val="0"/>
+                        </a:spcBef>
+                        <a:spcAft>
+                          <a:spcPts val="0"/>
+                        </a:spcAft>
+                      </a:pPr>
+                      <a:r>
+                        <a:rPr lang="en-US" sz="1600">
+                          <a:effectLst/>
+                        </a:rPr>
+                        <a:t>f</a:t>
+                      </a:r>
+                      <a:endParaRPr lang="en-US" sz="1600">
+                        <a:effectLst/>
+                        <a:latin typeface="Calibri" panose="020F0502020204030204" pitchFamily="34" charset="0"/>
+                        <a:ea typeface="Calibri" panose="020F0502020204030204" pitchFamily="34" charset="0"/>
+                        <a:cs typeface="Times New Roman" panose="02020603050405020304" pitchFamily="18" charset="0"/>
+                      </a:endParaRPr>
+                    </a:p>
+                  </a:txBody>
+                  <a:tcPr marL="68580" marR="68580" marT="0" marB="0" anchor="ctr"/>
+                </a:tc>
+                <a:extLst>
+                  <a:ext uri="{0D108BD9-81ED-4DB2-BD59-A6C34878D82A}">
+                    <a16:rowId xmlns:a16="http://schemas.microsoft.com/office/drawing/2014/main" val="2817872155"/>
+                  </a:ext>
+                </a:extLst>
+              </a:tr>
+              <a:tr h="414542">
+                <a:tc>
+                  <a:txBody>
+                    <a:bodyPr/>
+                    <a:lstStyle/>
+                    <a:p>
+                      <a:pPr marL="0" marR="0">
+                        <a:lnSpc>
+                          <a:spcPct val="107000"/>
+                        </a:lnSpc>
+                        <a:spcBef>
+                          <a:spcPts val="0"/>
+                        </a:spcBef>
+                        <a:spcAft>
+                          <a:spcPts val="0"/>
+                        </a:spcAft>
+                      </a:pPr>
+                      <a:r>
+                        <a:rPr lang="en-US" sz="1600">
+                          <a:effectLst/>
+                        </a:rPr>
+                        <a:t>Vacation</a:t>
+                      </a:r>
+                      <a:endParaRPr lang="en-US" sz="1600">
+                        <a:effectLst/>
+                        <a:latin typeface="Calibri" panose="020F0502020204030204" pitchFamily="34" charset="0"/>
+                        <a:ea typeface="Calibri" panose="020F0502020204030204" pitchFamily="34" charset="0"/>
+                        <a:cs typeface="Times New Roman" panose="02020603050405020304" pitchFamily="18" charset="0"/>
+                      </a:endParaRPr>
+                    </a:p>
+                  </a:txBody>
+                  <a:tcPr marL="68580" marR="68580" marT="0" marB="0"/>
+                </a:tc>
+                <a:tc>
+                  <a:txBody>
+                    <a:bodyPr/>
+                    <a:lstStyle/>
+                    <a:p>
+                      <a:pPr marL="0" marR="0">
+                        <a:lnSpc>
+                          <a:spcPct val="107000"/>
+                        </a:lnSpc>
+                        <a:spcBef>
+                          <a:spcPts val="0"/>
+                        </a:spcBef>
+                        <a:spcAft>
+                          <a:spcPts val="0"/>
+                        </a:spcAft>
+                      </a:pPr>
+                      <a:r>
+                        <a:rPr lang="en-US" sz="1600">
+                          <a:effectLst/>
+                        </a:rPr>
+                        <a:t> </a:t>
+                      </a:r>
+                      <a:endParaRPr lang="en-US" sz="1600">
+                        <a:effectLst/>
+                        <a:latin typeface="Calibri" panose="020F0502020204030204" pitchFamily="34" charset="0"/>
+                        <a:ea typeface="Calibri" panose="020F0502020204030204" pitchFamily="34" charset="0"/>
+                        <a:cs typeface="Times New Roman" panose="02020603050405020304" pitchFamily="18" charset="0"/>
+                      </a:endParaRPr>
+                    </a:p>
+                  </a:txBody>
+                  <a:tcPr marL="68580" marR="68580" marT="0" marB="0" anchor="ctr"/>
+                </a:tc>
+                <a:tc>
+                  <a:txBody>
+                    <a:bodyPr/>
+                    <a:lstStyle/>
+                    <a:p>
+                      <a:pPr marL="0" marR="0">
+                        <a:lnSpc>
+                          <a:spcPct val="107000"/>
+                        </a:lnSpc>
+                        <a:spcBef>
+                          <a:spcPts val="0"/>
+                        </a:spcBef>
+                        <a:spcAft>
+                          <a:spcPts val="0"/>
+                        </a:spcAft>
+                      </a:pPr>
+                      <a:r>
+                        <a:rPr lang="en-US" sz="1600">
+                          <a:effectLst/>
+                        </a:rPr>
+                        <a:t> </a:t>
+                      </a:r>
+                      <a:endParaRPr lang="en-US" sz="1600">
+                        <a:effectLst/>
+                        <a:latin typeface="Calibri" panose="020F0502020204030204" pitchFamily="34" charset="0"/>
+                        <a:ea typeface="Calibri" panose="020F0502020204030204" pitchFamily="34" charset="0"/>
+                        <a:cs typeface="Times New Roman" panose="02020603050405020304" pitchFamily="18" charset="0"/>
+                      </a:endParaRPr>
+                    </a:p>
+                  </a:txBody>
+                  <a:tcPr marL="68580" marR="68580" marT="0" marB="0" anchor="ctr"/>
+                </a:tc>
+                <a:tc>
+                  <a:txBody>
+                    <a:bodyPr/>
+                    <a:lstStyle/>
+                    <a:p>
+                      <a:pPr marL="0" marR="0">
+                        <a:lnSpc>
+                          <a:spcPct val="107000"/>
+                        </a:lnSpc>
+                        <a:spcBef>
+                          <a:spcPts val="0"/>
+                        </a:spcBef>
+                        <a:spcAft>
+                          <a:spcPts val="0"/>
+                        </a:spcAft>
+                      </a:pPr>
+                      <a:r>
+                        <a:rPr lang="en-US" sz="1600">
+                          <a:effectLst/>
+                        </a:rPr>
+                        <a:t> </a:t>
+                      </a:r>
+                      <a:endParaRPr lang="en-US" sz="1600">
+                        <a:effectLst/>
+                        <a:latin typeface="Calibri" panose="020F0502020204030204" pitchFamily="34" charset="0"/>
+                        <a:ea typeface="Calibri" panose="020F0502020204030204" pitchFamily="34" charset="0"/>
+                        <a:cs typeface="Times New Roman" panose="02020603050405020304" pitchFamily="18" charset="0"/>
+                      </a:endParaRPr>
+                    </a:p>
+                  </a:txBody>
+                  <a:tcPr marL="68580" marR="68580" marT="0" marB="0" anchor="ctr"/>
+                </a:tc>
+                <a:tc>
+                  <a:txBody>
+                    <a:bodyPr/>
+                    <a:lstStyle/>
+                    <a:p>
+                      <a:pPr marL="0" marR="0">
+                        <a:lnSpc>
+                          <a:spcPct val="107000"/>
+                        </a:lnSpc>
+                        <a:spcBef>
+                          <a:spcPts val="0"/>
+                        </a:spcBef>
+                        <a:spcAft>
+                          <a:spcPts val="0"/>
+                        </a:spcAft>
+                      </a:pPr>
+                      <a:r>
+                        <a:rPr lang="en-US" sz="1600">
+                          <a:effectLst/>
+                        </a:rPr>
+                        <a:t> </a:t>
+                      </a:r>
+                      <a:endParaRPr lang="en-US" sz="1600">
+                        <a:effectLst/>
+                        <a:latin typeface="Calibri" panose="020F0502020204030204" pitchFamily="34" charset="0"/>
+                        <a:ea typeface="Calibri" panose="020F0502020204030204" pitchFamily="34" charset="0"/>
+                        <a:cs typeface="Times New Roman" panose="02020603050405020304" pitchFamily="18" charset="0"/>
+                      </a:endParaRPr>
+                    </a:p>
+                  </a:txBody>
+                  <a:tcPr marL="68580" marR="68580" marT="0" marB="0" anchor="ctr"/>
+                </a:tc>
+                <a:tc>
+                  <a:txBody>
+                    <a:bodyPr/>
+                    <a:lstStyle/>
+                    <a:p>
+                      <a:pPr marL="0" marR="0">
+                        <a:lnSpc>
+                          <a:spcPct val="107000"/>
+                        </a:lnSpc>
+                        <a:spcBef>
+                          <a:spcPts val="0"/>
+                        </a:spcBef>
+                        <a:spcAft>
+                          <a:spcPts val="0"/>
+                        </a:spcAft>
+                      </a:pPr>
+                      <a:r>
+                        <a:rPr lang="en-US" sz="1600">
+                          <a:effectLst/>
+                        </a:rPr>
+                        <a:t> </a:t>
+                      </a:r>
+                      <a:endParaRPr lang="en-US" sz="1600">
+                        <a:effectLst/>
+                        <a:latin typeface="Calibri" panose="020F0502020204030204" pitchFamily="34" charset="0"/>
+                        <a:ea typeface="Calibri" panose="020F0502020204030204" pitchFamily="34" charset="0"/>
+                        <a:cs typeface="Times New Roman" panose="02020603050405020304" pitchFamily="18" charset="0"/>
+                      </a:endParaRPr>
+                    </a:p>
+                  </a:txBody>
+                  <a:tcPr marL="68580" marR="68580" marT="0" marB="0" anchor="ctr"/>
+                </a:tc>
+                <a:tc>
+                  <a:txBody>
+                    <a:bodyPr/>
+                    <a:lstStyle/>
+                    <a:p>
+                      <a:pPr marL="0" marR="0">
+                        <a:lnSpc>
+                          <a:spcPct val="107000"/>
+                        </a:lnSpc>
+                        <a:spcBef>
+                          <a:spcPts val="0"/>
+                        </a:spcBef>
+                        <a:spcAft>
+                          <a:spcPts val="0"/>
+                        </a:spcAft>
+                      </a:pPr>
+                      <a:r>
+                        <a:rPr lang="en-US" sz="1600">
+                          <a:effectLst/>
+                        </a:rPr>
+                        <a:t> </a:t>
+                      </a:r>
+                      <a:endParaRPr lang="en-US" sz="1600">
+                        <a:effectLst/>
+                        <a:latin typeface="Calibri" panose="020F0502020204030204" pitchFamily="34" charset="0"/>
+                        <a:ea typeface="Calibri" panose="020F0502020204030204" pitchFamily="34" charset="0"/>
+                        <a:cs typeface="Times New Roman" panose="02020603050405020304" pitchFamily="18" charset="0"/>
+                      </a:endParaRPr>
+                    </a:p>
+                  </a:txBody>
+                  <a:tcPr marL="68580" marR="68580" marT="0" marB="0" anchor="ctr"/>
+                </a:tc>
+                <a:extLst>
+                  <a:ext uri="{0D108BD9-81ED-4DB2-BD59-A6C34878D82A}">
+                    <a16:rowId xmlns:a16="http://schemas.microsoft.com/office/drawing/2014/main" val="1656714142"/>
+                  </a:ext>
+                </a:extLst>
+              </a:tr>
+              <a:tr h="435269">
+                <a:tc>
+                  <a:txBody>
+                    <a:bodyPr/>
+                    <a:lstStyle/>
+                    <a:p>
+                      <a:pPr marL="0" marR="0">
+                        <a:lnSpc>
+                          <a:spcPct val="107000"/>
+                        </a:lnSpc>
+                        <a:spcBef>
+                          <a:spcPts val="0"/>
+                        </a:spcBef>
+                        <a:spcAft>
+                          <a:spcPts val="0"/>
+                        </a:spcAft>
+                      </a:pPr>
+                      <a:r>
+                        <a:rPr lang="en-US" sz="1600">
+                          <a:effectLst/>
+                        </a:rPr>
+                        <a:t>Sick</a:t>
+                      </a:r>
+                      <a:endParaRPr lang="en-US" sz="1600">
+                        <a:effectLst/>
+                        <a:latin typeface="Calibri" panose="020F0502020204030204" pitchFamily="34" charset="0"/>
+                        <a:ea typeface="Calibri" panose="020F0502020204030204" pitchFamily="34" charset="0"/>
+                        <a:cs typeface="Times New Roman" panose="02020603050405020304" pitchFamily="18" charset="0"/>
+                      </a:endParaRPr>
+                    </a:p>
+                  </a:txBody>
+                  <a:tcPr marL="68580" marR="68580" marT="0" marB="0" anchor="ctr"/>
+                </a:tc>
+                <a:tc>
+                  <a:txBody>
+                    <a:bodyPr/>
+                    <a:lstStyle/>
+                    <a:p>
+                      <a:pPr marL="0" marR="0">
+                        <a:lnSpc>
+                          <a:spcPct val="107000"/>
+                        </a:lnSpc>
+                        <a:spcBef>
+                          <a:spcPts val="0"/>
+                        </a:spcBef>
+                        <a:spcAft>
+                          <a:spcPts val="0"/>
+                        </a:spcAft>
+                      </a:pPr>
+                      <a:r>
+                        <a:rPr lang="en-US" sz="1600">
+                          <a:effectLst/>
+                        </a:rPr>
+                        <a:t> </a:t>
+                      </a:r>
+                      <a:endParaRPr lang="en-US" sz="1600">
+                        <a:effectLst/>
+                        <a:latin typeface="Calibri" panose="020F0502020204030204" pitchFamily="34" charset="0"/>
+                        <a:ea typeface="Calibri" panose="020F0502020204030204" pitchFamily="34" charset="0"/>
+                        <a:cs typeface="Times New Roman" panose="02020603050405020304" pitchFamily="18" charset="0"/>
+                      </a:endParaRPr>
+                    </a:p>
+                  </a:txBody>
+                  <a:tcPr marL="68580" marR="68580" marT="0" marB="0" anchor="ctr"/>
+                </a:tc>
+                <a:tc>
+                  <a:txBody>
+                    <a:bodyPr/>
+                    <a:lstStyle/>
+                    <a:p>
+                      <a:pPr marL="0" marR="0">
+                        <a:lnSpc>
+                          <a:spcPct val="107000"/>
+                        </a:lnSpc>
+                        <a:spcBef>
+                          <a:spcPts val="0"/>
+                        </a:spcBef>
+                        <a:spcAft>
+                          <a:spcPts val="0"/>
+                        </a:spcAft>
+                      </a:pPr>
+                      <a:r>
+                        <a:rPr lang="en-US" sz="1600">
+                          <a:effectLst/>
+                        </a:rPr>
+                        <a:t> </a:t>
+                      </a:r>
+                      <a:endParaRPr lang="en-US" sz="1600">
+                        <a:effectLst/>
+                        <a:latin typeface="Calibri" panose="020F0502020204030204" pitchFamily="34" charset="0"/>
+                        <a:ea typeface="Calibri" panose="020F0502020204030204" pitchFamily="34" charset="0"/>
+                        <a:cs typeface="Times New Roman" panose="02020603050405020304" pitchFamily="18" charset="0"/>
+                      </a:endParaRPr>
+                    </a:p>
+                  </a:txBody>
+                  <a:tcPr marL="68580" marR="68580" marT="0" marB="0" anchor="ctr"/>
+                </a:tc>
+                <a:tc>
+                  <a:txBody>
+                    <a:bodyPr/>
+                    <a:lstStyle/>
+                    <a:p>
+                      <a:pPr marL="0" marR="0">
+                        <a:lnSpc>
+                          <a:spcPct val="107000"/>
+                        </a:lnSpc>
+                        <a:spcBef>
+                          <a:spcPts val="0"/>
+                        </a:spcBef>
+                        <a:spcAft>
+                          <a:spcPts val="0"/>
+                        </a:spcAft>
+                      </a:pPr>
+                      <a:r>
+                        <a:rPr lang="en-US" sz="1600">
+                          <a:effectLst/>
+                        </a:rPr>
+                        <a:t> </a:t>
+                      </a:r>
+                      <a:endParaRPr lang="en-US" sz="1600">
+                        <a:effectLst/>
+                        <a:latin typeface="Calibri" panose="020F0502020204030204" pitchFamily="34" charset="0"/>
+                        <a:ea typeface="Calibri" panose="020F0502020204030204" pitchFamily="34" charset="0"/>
+                        <a:cs typeface="Times New Roman" panose="02020603050405020304" pitchFamily="18" charset="0"/>
+                      </a:endParaRPr>
+                    </a:p>
+                  </a:txBody>
+                  <a:tcPr marL="68580" marR="68580" marT="0" marB="0" anchor="ctr"/>
+                </a:tc>
+                <a:tc>
+                  <a:txBody>
+                    <a:bodyPr/>
+                    <a:lstStyle/>
+                    <a:p>
+                      <a:pPr marL="0" marR="0">
+                        <a:lnSpc>
+                          <a:spcPct val="107000"/>
+                        </a:lnSpc>
+                        <a:spcBef>
+                          <a:spcPts val="0"/>
+                        </a:spcBef>
+                        <a:spcAft>
+                          <a:spcPts val="0"/>
+                        </a:spcAft>
+                      </a:pPr>
+                      <a:r>
+                        <a:rPr lang="en-US" sz="1600">
+                          <a:effectLst/>
+                        </a:rPr>
+                        <a:t> </a:t>
+                      </a:r>
+                      <a:endParaRPr lang="en-US" sz="1600">
+                        <a:effectLst/>
+                        <a:latin typeface="Calibri" panose="020F0502020204030204" pitchFamily="34" charset="0"/>
+                        <a:ea typeface="Calibri" panose="020F0502020204030204" pitchFamily="34" charset="0"/>
+                        <a:cs typeface="Times New Roman" panose="02020603050405020304" pitchFamily="18" charset="0"/>
+                      </a:endParaRPr>
+                    </a:p>
+                  </a:txBody>
+                  <a:tcPr marL="68580" marR="68580" marT="0" marB="0" anchor="ctr"/>
+                </a:tc>
+                <a:tc>
+                  <a:txBody>
+                    <a:bodyPr/>
+                    <a:lstStyle/>
+                    <a:p>
+                      <a:pPr marL="0" marR="0">
+                        <a:lnSpc>
+                          <a:spcPct val="107000"/>
+                        </a:lnSpc>
+                        <a:spcBef>
+                          <a:spcPts val="0"/>
+                        </a:spcBef>
+                        <a:spcAft>
+                          <a:spcPts val="0"/>
+                        </a:spcAft>
+                      </a:pPr>
+                      <a:r>
+                        <a:rPr lang="en-US" sz="1600">
+                          <a:effectLst/>
+                        </a:rPr>
+                        <a:t> </a:t>
+                      </a:r>
+                      <a:endParaRPr lang="en-US" sz="1600">
+                        <a:effectLst/>
+                        <a:latin typeface="Calibri" panose="020F0502020204030204" pitchFamily="34" charset="0"/>
+                        <a:ea typeface="Calibri" panose="020F0502020204030204" pitchFamily="34" charset="0"/>
+                        <a:cs typeface="Times New Roman" panose="02020603050405020304" pitchFamily="18" charset="0"/>
+                      </a:endParaRPr>
+                    </a:p>
+                  </a:txBody>
+                  <a:tcPr marL="68580" marR="68580" marT="0" marB="0" anchor="ctr"/>
+                </a:tc>
+                <a:tc>
+                  <a:txBody>
+                    <a:bodyPr/>
+                    <a:lstStyle/>
+                    <a:p>
+                      <a:pPr marL="0" marR="0">
+                        <a:lnSpc>
+                          <a:spcPct val="107000"/>
+                        </a:lnSpc>
+                        <a:spcBef>
+                          <a:spcPts val="0"/>
+                        </a:spcBef>
+                        <a:spcAft>
+                          <a:spcPts val="0"/>
+                        </a:spcAft>
+                      </a:pPr>
+                      <a:r>
+                        <a:rPr lang="en-US" sz="1600" dirty="0">
+                          <a:effectLst/>
+                        </a:rPr>
+                        <a:t> </a:t>
+                      </a:r>
+                      <a:endParaRPr lang="en-US" sz="1600" dirty="0">
+                        <a:effectLst/>
+                        <a:latin typeface="Calibri" panose="020F0502020204030204" pitchFamily="34" charset="0"/>
+                        <a:ea typeface="Calibri" panose="020F0502020204030204" pitchFamily="34" charset="0"/>
+                        <a:cs typeface="Times New Roman" panose="02020603050405020304" pitchFamily="18" charset="0"/>
+                      </a:endParaRPr>
+                    </a:p>
+                  </a:txBody>
+                  <a:tcPr marL="68580" marR="68580" marT="0" marB="0" anchor="ctr"/>
+                </a:tc>
+                <a:extLst>
+                  <a:ext uri="{0D108BD9-81ED-4DB2-BD59-A6C34878D82A}">
+                    <a16:rowId xmlns:a16="http://schemas.microsoft.com/office/drawing/2014/main" val="721026111"/>
+                  </a:ext>
+                </a:extLst>
+              </a:tr>
+            </a:tbl>
+          </a:graphicData>
+        </a:graphic>
+      </p:graphicFrame>
+    </p:spTree>
+    <p:extLst>
+      <p:ext uri="{BB962C8B-B14F-4D97-AF65-F5344CB8AC3E}">
+        <p14:creationId xmlns:p14="http://schemas.microsoft.com/office/powerpoint/2010/main" val="3341720170"/>
+      </p:ext>
+    </p:extLst>
+  </p:cSld>
+  <p:clrMapOvr>
+    <a:masterClrMapping/>
+  </p:clrMapOvr>
+</p:sld>
+</file>
+
+<file path=ppt/slides/slide46.xml><?xml version="1.0" encoding="utf-8"?>
+<p:sld xmlns:a="http://schemas.openxmlformats.org/drawingml/2006/main" xmlns:r="http://schemas.openxmlformats.org/officeDocument/2006/relationships" xmlns:p="http://schemas.openxmlformats.org/presentationml/2006/main">
+  <p:cSld>
+    <p:spTree>
+      <p:nvGrpSpPr>
+        <p:cNvPr id="1" name=""/>
+        <p:cNvGrpSpPr/>
+        <p:nvPr/>
+      </p:nvGrpSpPr>
+      <p:grpSpPr>
+        <a:xfrm>
+          <a:off x="0" y="0"/>
+          <a:ext cx="0" cy="0"/>
+          <a:chOff x="0" y="0"/>
+          <a:chExt cx="0" cy="0"/>
+        </a:xfrm>
+      </p:grpSpPr>
+      <p:sp>
+        <p:nvSpPr>
+          <p:cNvPr id="2" name="Title 1">
+            <a:extLst>
+              <a:ext uri="{FF2B5EF4-FFF2-40B4-BE49-F238E27FC236}">
+                <a16:creationId xmlns:a16="http://schemas.microsoft.com/office/drawing/2014/main" id="{B9B16C32-1676-4F4D-8A5F-DE24F3ACD8BB}"/>
+              </a:ext>
+            </a:extLst>
+          </p:cNvPr>
+          <p:cNvSpPr>
+            <a:spLocks noGrp="1"/>
+          </p:cNvSpPr>
+          <p:nvPr>
+            <p:ph type="title"/>
+          </p:nvPr>
+        </p:nvSpPr>
+        <p:spPr/>
+        <p:txBody>
+          <a:bodyPr/>
+          <a:lstStyle/>
+          <a:p>
+            <a:r>
+              <a:rPr lang="en-US" b="1" dirty="0"/>
+              <a:t>Conditional probability</a:t>
+            </a:r>
+          </a:p>
+        </p:txBody>
+      </p:sp>
+      <p:sp>
+        <p:nvSpPr>
+          <p:cNvPr id="3" name="Content Placeholder 2">
+            <a:extLst>
+              <a:ext uri="{FF2B5EF4-FFF2-40B4-BE49-F238E27FC236}">
+                <a16:creationId xmlns:a16="http://schemas.microsoft.com/office/drawing/2014/main" id="{65AB1647-B51A-40A5-8050-170A2B9D59E4}"/>
+              </a:ext>
+            </a:extLst>
+          </p:cNvPr>
+          <p:cNvSpPr>
+            <a:spLocks noGrp="1"/>
+          </p:cNvSpPr>
+          <p:nvPr>
+            <p:ph sz="half" idx="1"/>
+          </p:nvPr>
+        </p:nvSpPr>
+        <p:spPr/>
+        <p:txBody>
+          <a:bodyPr>
+            <a:normAutofit/>
+          </a:bodyPr>
+          <a:lstStyle/>
+          <a:p>
+            <a:r>
+              <a:rPr lang="en-US" dirty="0"/>
+              <a:t>How we can estimate the probability</a:t>
+            </a:r>
+          </a:p>
+          <a:p>
+            <a:r>
+              <a:rPr lang="en-US" dirty="0"/>
+              <a:t>Repeat the experiment</a:t>
+            </a:r>
+          </a:p>
+          <a:p>
+            <a:r>
+              <a:rPr lang="en-US" dirty="0"/>
+              <a:t>Let us do the pole</a:t>
+            </a:r>
+          </a:p>
+          <a:p>
+            <a:r>
+              <a:rPr lang="en-US" dirty="0"/>
+              <a:t>We will decide randomly who will go for vacation/who need to see a doctor</a:t>
+            </a:r>
+          </a:p>
+          <a:p>
+            <a:r>
+              <a:rPr lang="en-US" dirty="0"/>
+              <a:t>Respond the pole</a:t>
+            </a:r>
+          </a:p>
+          <a:p>
+            <a:endParaRPr lang="en-US" dirty="0"/>
+          </a:p>
+        </p:txBody>
+      </p:sp>
+      <mc:AlternateContent xmlns:mc="http://schemas.openxmlformats.org/markup-compatibility/2006">
+        <mc:Choice xmlns:a14="http://schemas.microsoft.com/office/drawing/2010/main" Requires="a14">
+          <p:sp>
+            <p:nvSpPr>
+              <p:cNvPr id="4" name="Content Placeholder 3">
+                <a:extLst>
+                  <a:ext uri="{FF2B5EF4-FFF2-40B4-BE49-F238E27FC236}">
+                    <a16:creationId xmlns:a16="http://schemas.microsoft.com/office/drawing/2014/main" id="{C58BD091-A297-4727-95E9-73C659DBE1A9}"/>
+                  </a:ext>
+                </a:extLst>
+              </p:cNvPr>
+              <p:cNvSpPr>
+                <a:spLocks noGrp="1"/>
+              </p:cNvSpPr>
+              <p:nvPr>
+                <p:ph sz="half" idx="2"/>
+              </p:nvPr>
+            </p:nvSpPr>
+            <p:spPr/>
+            <p:txBody>
+              <a:bodyPr>
+                <a:normAutofit/>
+              </a:bodyPr>
+              <a:lstStyle/>
+              <a:p>
+                <a:r>
+                  <a:rPr lang="en-US" dirty="0"/>
+                  <a:t>Now estimate the probability</a:t>
+                </a:r>
+              </a:p>
+              <a:p>
+                <a:pPr lvl="1"/>
+                <a14:m>
+                  <m:oMath xmlns:m="http://schemas.openxmlformats.org/officeDocument/2006/math">
+                    <m:r>
+                      <a:rPr lang="en-US" i="1" dirty="0" smtClean="0">
+                        <a:latin typeface="Cambria Math" panose="02040503050406030204" pitchFamily="18" charset="0"/>
+                      </a:rPr>
+                      <m:t>𝑃</m:t>
+                    </m:r>
+                    <m:d>
+                      <m:dPr>
+                        <m:ctrlPr>
+                          <a:rPr lang="en-US" i="1" dirty="0" smtClean="0">
+                            <a:latin typeface="Cambria Math" panose="02040503050406030204" pitchFamily="18" charset="0"/>
+                          </a:rPr>
+                        </m:ctrlPr>
+                      </m:dPr>
+                      <m:e>
+                        <m:r>
+                          <a:rPr lang="en-US" i="1" dirty="0" smtClean="0">
+                            <a:latin typeface="Cambria Math" panose="02040503050406030204" pitchFamily="18" charset="0"/>
+                          </a:rPr>
+                          <m:t>𝐵</m:t>
+                        </m:r>
+                        <m:r>
+                          <a:rPr lang="en-US" i="1" dirty="0" smtClean="0">
+                            <a:latin typeface="Cambria Math" panose="02040503050406030204" pitchFamily="18" charset="0"/>
+                          </a:rPr>
+                          <m:t>=</m:t>
+                        </m:r>
+                        <m:r>
+                          <a:rPr lang="en-US" b="0" i="1" dirty="0" smtClean="0">
+                            <a:latin typeface="Cambria Math" panose="02040503050406030204" pitchFamily="18" charset="0"/>
+                          </a:rPr>
+                          <m:t>𝑠</m:t>
+                        </m:r>
+                      </m:e>
+                    </m:d>
+                  </m:oMath>
+                </a14:m>
+                <a:endParaRPr lang="en-US" dirty="0"/>
+              </a:p>
+              <a:p>
+                <a:pPr lvl="1"/>
+                <a14:m>
+                  <m:oMath xmlns:m="http://schemas.openxmlformats.org/officeDocument/2006/math">
+                    <m:r>
+                      <a:rPr lang="en-US" i="1" dirty="0" smtClean="0">
+                        <a:latin typeface="Cambria Math" panose="02040503050406030204" pitchFamily="18" charset="0"/>
+                      </a:rPr>
+                      <m:t>𝑃</m:t>
+                    </m:r>
+                    <m:d>
+                      <m:dPr>
+                        <m:ctrlPr>
+                          <a:rPr lang="en-US" i="1" dirty="0" smtClean="0">
+                            <a:latin typeface="Cambria Math" panose="02040503050406030204" pitchFamily="18" charset="0"/>
+                          </a:rPr>
+                        </m:ctrlPr>
+                      </m:dPr>
+                      <m:e>
+                        <m:r>
+                          <m:rPr>
+                            <m:sty m:val="p"/>
+                          </m:rPr>
+                          <a:rPr lang="en-US" b="0" i="0" dirty="0" smtClean="0">
+                            <a:latin typeface="Cambria Math" panose="02040503050406030204" pitchFamily="18" charset="0"/>
+                          </a:rPr>
+                          <m:t>A</m:t>
+                        </m:r>
+                        <m:r>
+                          <a:rPr lang="en-US" b="0" i="0" dirty="0" smtClean="0">
+                            <a:latin typeface="Cambria Math" panose="02040503050406030204" pitchFamily="18" charset="0"/>
+                          </a:rPr>
+                          <m:t>=</m:t>
+                        </m:r>
+                        <m:r>
+                          <m:rPr>
+                            <m:nor/>
+                          </m:rPr>
+                          <a:rPr lang="en-US" dirty="0"/>
+                          <m:t>vacation</m:t>
+                        </m:r>
+                      </m:e>
+                    </m:d>
+                  </m:oMath>
+                </a14:m>
+                <a:endParaRPr lang="en-US" dirty="0"/>
+              </a:p>
+              <a:p>
+                <a:pPr lvl="1"/>
+                <a14:m>
+                  <m:oMath xmlns:m="http://schemas.openxmlformats.org/officeDocument/2006/math">
+                    <m:r>
+                      <a:rPr lang="en-US" i="1" dirty="0" smtClean="0">
+                        <a:latin typeface="Cambria Math" panose="02040503050406030204" pitchFamily="18" charset="0"/>
+                      </a:rPr>
+                      <m:t>𝑃</m:t>
+                    </m:r>
+                    <m:r>
+                      <a:rPr lang="en-US" i="1" dirty="0">
+                        <a:latin typeface="Cambria Math" panose="02040503050406030204" pitchFamily="18" charset="0"/>
+                      </a:rPr>
+                      <m:t> </m:t>
+                    </m:r>
+                    <m:r>
+                      <a:rPr lang="en-US" i="1" dirty="0" smtClean="0">
+                        <a:latin typeface="Cambria Math" panose="02040503050406030204" pitchFamily="18" charset="0"/>
+                      </a:rPr>
+                      <m:t>(</m:t>
+                    </m:r>
+                    <m:r>
+                      <a:rPr lang="en-US" i="1" dirty="0" smtClean="0">
+                        <a:latin typeface="Cambria Math" panose="02040503050406030204" pitchFamily="18" charset="0"/>
+                      </a:rPr>
+                      <m:t>𝐴</m:t>
+                    </m:r>
+                    <m:r>
+                      <a:rPr lang="en-US" i="1" dirty="0">
+                        <a:latin typeface="Cambria Math" panose="02040503050406030204" pitchFamily="18" charset="0"/>
+                      </a:rPr>
+                      <m:t> </m:t>
+                    </m:r>
+                    <m:r>
+                      <a:rPr lang="en-US" i="1" dirty="0" smtClean="0">
+                        <a:latin typeface="Cambria Math" panose="02040503050406030204" pitchFamily="18" charset="0"/>
+                      </a:rPr>
+                      <m:t>=</m:t>
+                    </m:r>
+                    <m:r>
+                      <m:rPr>
+                        <m:nor/>
+                      </m:rPr>
+                      <a:rPr lang="en-US" b="0" i="0" dirty="0" smtClean="0"/>
+                      <m:t>Sick</m:t>
+                    </m:r>
+                    <m:r>
+                      <a:rPr lang="en-US" i="1" dirty="0" smtClean="0">
+                        <a:latin typeface="Cambria Math" panose="02040503050406030204" pitchFamily="18" charset="0"/>
+                      </a:rPr>
+                      <m:t>|</m:t>
+                    </m:r>
+                    <m:r>
+                      <a:rPr lang="en-US" i="1" dirty="0" smtClean="0">
+                        <a:latin typeface="Cambria Math" panose="02040503050406030204" pitchFamily="18" charset="0"/>
+                      </a:rPr>
+                      <m:t>𝐵</m:t>
+                    </m:r>
+                    <m:r>
+                      <a:rPr lang="en-US" i="1" dirty="0">
+                        <a:latin typeface="Cambria Math" panose="02040503050406030204" pitchFamily="18" charset="0"/>
+                      </a:rPr>
+                      <m:t> </m:t>
+                    </m:r>
+                    <m:r>
+                      <a:rPr lang="en-US" i="1" dirty="0" smtClean="0">
+                        <a:latin typeface="Cambria Math" panose="02040503050406030204" pitchFamily="18" charset="0"/>
+                      </a:rPr>
+                      <m:t>=</m:t>
+                    </m:r>
+                    <m:r>
+                      <a:rPr lang="en-US" b="0" i="1" dirty="0" smtClean="0">
+                        <a:latin typeface="Cambria Math" panose="02040503050406030204" pitchFamily="18" charset="0"/>
+                      </a:rPr>
+                      <m:t>𝑓</m:t>
+                    </m:r>
+                    <m:r>
+                      <a:rPr lang="en-US" i="1" dirty="0" smtClean="0">
+                        <a:latin typeface="Cambria Math" panose="02040503050406030204" pitchFamily="18" charset="0"/>
+                      </a:rPr>
+                      <m:t>)</m:t>
+                    </m:r>
+                  </m:oMath>
+                </a14:m>
+                <a:endParaRPr lang="en-US" dirty="0"/>
+              </a:p>
+              <a:p>
+                <a:pPr lvl="1"/>
+                <a14:m>
+                  <m:oMath xmlns:m="http://schemas.openxmlformats.org/officeDocument/2006/math">
+                    <m:r>
+                      <a:rPr lang="en-US" i="1" dirty="0" smtClean="0">
+                        <a:latin typeface="Cambria Math" panose="02040503050406030204" pitchFamily="18" charset="0"/>
+                      </a:rPr>
+                      <m:t>𝑃</m:t>
+                    </m:r>
+                    <m:r>
+                      <a:rPr lang="en-US" i="1" dirty="0">
+                        <a:latin typeface="Cambria Math" panose="02040503050406030204" pitchFamily="18" charset="0"/>
+                      </a:rPr>
+                      <m:t> </m:t>
+                    </m:r>
+                    <m:r>
+                      <a:rPr lang="en-US" i="1" dirty="0" smtClean="0">
+                        <a:latin typeface="Cambria Math" panose="02040503050406030204" pitchFamily="18" charset="0"/>
+                      </a:rPr>
+                      <m:t>(</m:t>
+                    </m:r>
+                    <m:r>
+                      <a:rPr lang="en-US" i="1" dirty="0" smtClean="0">
+                        <a:latin typeface="Cambria Math" panose="02040503050406030204" pitchFamily="18" charset="0"/>
+                      </a:rPr>
+                      <m:t>𝐴</m:t>
+                    </m:r>
+                    <m:r>
+                      <a:rPr lang="en-US" i="1" dirty="0">
+                        <a:latin typeface="Cambria Math" panose="02040503050406030204" pitchFamily="18" charset="0"/>
+                      </a:rPr>
+                      <m:t> </m:t>
+                    </m:r>
+                    <m:r>
+                      <a:rPr lang="en-US" i="1" dirty="0" smtClean="0">
+                        <a:latin typeface="Cambria Math" panose="02040503050406030204" pitchFamily="18" charset="0"/>
+                      </a:rPr>
+                      <m:t>=</m:t>
+                    </m:r>
+                    <m:r>
+                      <m:rPr>
+                        <m:nor/>
+                      </m:rPr>
+                      <a:rPr lang="en-US" dirty="0"/>
+                      <m:t>vacation</m:t>
+                    </m:r>
+                    <m:r>
+                      <a:rPr lang="en-US" i="1" dirty="0" smtClean="0">
+                        <a:latin typeface="Cambria Math" panose="02040503050406030204" pitchFamily="18" charset="0"/>
+                      </a:rPr>
+                      <m:t>|</m:t>
+                    </m:r>
+                    <m:r>
+                      <a:rPr lang="en-US" i="1" dirty="0" smtClean="0">
+                        <a:latin typeface="Cambria Math" panose="02040503050406030204" pitchFamily="18" charset="0"/>
+                      </a:rPr>
+                      <m:t>𝐵</m:t>
+                    </m:r>
+                    <m:r>
+                      <a:rPr lang="en-US" i="1" dirty="0">
+                        <a:latin typeface="Cambria Math" panose="02040503050406030204" pitchFamily="18" charset="0"/>
+                      </a:rPr>
+                      <m:t> </m:t>
+                    </m:r>
+                    <m:r>
+                      <a:rPr lang="en-US" i="1" dirty="0" smtClean="0">
+                        <a:latin typeface="Cambria Math" panose="02040503050406030204" pitchFamily="18" charset="0"/>
+                      </a:rPr>
+                      <m:t>=</m:t>
+                    </m:r>
+                    <m:r>
+                      <a:rPr lang="en-US" b="0" i="1" dirty="0" smtClean="0">
+                        <a:latin typeface="Cambria Math" panose="02040503050406030204" pitchFamily="18" charset="0"/>
+                      </a:rPr>
+                      <m:t>𝑤</m:t>
+                    </m:r>
+                    <m:r>
+                      <a:rPr lang="en-US" i="1" dirty="0" smtClean="0">
+                        <a:latin typeface="Cambria Math" panose="02040503050406030204" pitchFamily="18" charset="0"/>
+                      </a:rPr>
+                      <m:t>)</m:t>
+                    </m:r>
+                  </m:oMath>
+                </a14:m>
+                <a:endParaRPr lang="en-US" dirty="0"/>
+              </a:p>
+              <a:p>
+                <a:pPr lvl="1"/>
+                <a:r>
+                  <a:rPr lang="en-US" dirty="0"/>
+                  <a:t>Sample space</a:t>
+                </a:r>
+              </a:p>
+              <a:p>
+                <a:pPr lvl="1"/>
+                <a:endParaRPr lang="en-US" dirty="0"/>
+              </a:p>
+              <a:p>
+                <a:pPr lvl="1"/>
+                <a:endParaRPr lang="en-US" dirty="0"/>
+              </a:p>
+              <a:p>
+                <a:endParaRPr lang="en-US" dirty="0"/>
+              </a:p>
+            </p:txBody>
+          </p:sp>
+        </mc:Choice>
+        <mc:Fallback>
+          <p:sp>
+            <p:nvSpPr>
+              <p:cNvPr id="4" name="Content Placeholder 3">
+                <a:extLst>
+                  <a:ext uri="{FF2B5EF4-FFF2-40B4-BE49-F238E27FC236}">
+                    <a16:creationId xmlns:a16="http://schemas.microsoft.com/office/drawing/2014/main" id="{C58BD091-A297-4727-95E9-73C659DBE1A9}"/>
+                  </a:ext>
+                </a:extLst>
+              </p:cNvPr>
+              <p:cNvSpPr>
+                <a:spLocks noGrp="1" noRot="1" noChangeAspect="1" noMove="1" noResize="1" noEditPoints="1" noAdjustHandles="1" noChangeArrowheads="1" noChangeShapeType="1" noTextEdit="1"/>
+              </p:cNvSpPr>
+              <p:nvPr>
+                <p:ph sz="half" idx="2"/>
+              </p:nvPr>
+            </p:nvSpPr>
+            <p:spPr>
+              <a:blipFill>
+                <a:blip r:embed="rId2"/>
+                <a:stretch>
+                  <a:fillRect l="-2118" t="-2241"/>
+                </a:stretch>
+              </a:blipFill>
+            </p:spPr>
+            <p:txBody>
+              <a:bodyPr/>
+              <a:lstStyle/>
+              <a:p>
+                <a:r>
+                  <a:rPr lang="en-US">
+                    <a:noFill/>
+                  </a:rPr>
+                  <a:t> </a:t>
+                </a:r>
+              </a:p>
+            </p:txBody>
+          </p:sp>
+        </mc:Fallback>
+      </mc:AlternateContent>
+      <p:graphicFrame>
+        <p:nvGraphicFramePr>
+          <p:cNvPr id="5" name="Table 4">
+            <a:extLst>
+              <a:ext uri="{FF2B5EF4-FFF2-40B4-BE49-F238E27FC236}">
+                <a16:creationId xmlns:a16="http://schemas.microsoft.com/office/drawing/2014/main" id="{F6EBB0E9-6564-45F0-891A-2AF4C18D3943}"/>
+              </a:ext>
+            </a:extLst>
+          </p:cNvPr>
+          <p:cNvGraphicFramePr>
+            <a:graphicFrameLocks noGrp="1"/>
+          </p:cNvGraphicFramePr>
+          <p:nvPr>
+            <p:extLst>
+              <p:ext uri="{D42A27DB-BD31-4B8C-83A1-F6EECF244321}">
+                <p14:modId xmlns:p14="http://schemas.microsoft.com/office/powerpoint/2010/main" val="1635099392"/>
+              </p:ext>
+            </p:extLst>
+          </p:nvPr>
+        </p:nvGraphicFramePr>
+        <p:xfrm>
+          <a:off x="6445250" y="4333875"/>
+          <a:ext cx="4215591" cy="1285080"/>
+        </p:xfrm>
+        <a:graphic>
+          <a:graphicData uri="http://schemas.openxmlformats.org/drawingml/2006/table">
+            <a:tbl>
+              <a:tblPr firstRow="1" firstCol="1" bandRow="1">
+                <a:tableStyleId>{5C22544A-7EE6-4342-B048-85BDC9FD1C3A}</a:tableStyleId>
+              </a:tblPr>
+              <a:tblGrid>
+                <a:gridCol w="1330485">
+                  <a:extLst>
+                    <a:ext uri="{9D8B030D-6E8A-4147-A177-3AD203B41FA5}">
+                      <a16:colId xmlns:a16="http://schemas.microsoft.com/office/drawing/2014/main" val="3815507231"/>
+                    </a:ext>
+                  </a:extLst>
+                </a:gridCol>
+                <a:gridCol w="539491">
+                  <a:extLst>
+                    <a:ext uri="{9D8B030D-6E8A-4147-A177-3AD203B41FA5}">
+                      <a16:colId xmlns:a16="http://schemas.microsoft.com/office/drawing/2014/main" val="868678256"/>
+                    </a:ext>
+                  </a:extLst>
+                </a:gridCol>
+                <a:gridCol w="510823">
+                  <a:extLst>
+                    <a:ext uri="{9D8B030D-6E8A-4147-A177-3AD203B41FA5}">
+                      <a16:colId xmlns:a16="http://schemas.microsoft.com/office/drawing/2014/main" val="1722231425"/>
+                    </a:ext>
+                  </a:extLst>
+                </a:gridCol>
+                <a:gridCol w="427423">
+                  <a:extLst>
+                    <a:ext uri="{9D8B030D-6E8A-4147-A177-3AD203B41FA5}">
+                      <a16:colId xmlns:a16="http://schemas.microsoft.com/office/drawing/2014/main" val="2826149802"/>
+                    </a:ext>
+                  </a:extLst>
+                </a:gridCol>
+                <a:gridCol w="487367">
+                  <a:extLst>
+                    <a:ext uri="{9D8B030D-6E8A-4147-A177-3AD203B41FA5}">
+                      <a16:colId xmlns:a16="http://schemas.microsoft.com/office/drawing/2014/main" val="2243864817"/>
+                    </a:ext>
+                  </a:extLst>
+                </a:gridCol>
+                <a:gridCol w="450879">
+                  <a:extLst>
+                    <a:ext uri="{9D8B030D-6E8A-4147-A177-3AD203B41FA5}">
+                      <a16:colId xmlns:a16="http://schemas.microsoft.com/office/drawing/2014/main" val="2420872766"/>
+                    </a:ext>
+                  </a:extLst>
+                </a:gridCol>
+                <a:gridCol w="469123">
+                  <a:extLst>
+                    <a:ext uri="{9D8B030D-6E8A-4147-A177-3AD203B41FA5}">
+                      <a16:colId xmlns:a16="http://schemas.microsoft.com/office/drawing/2014/main" val="1569765191"/>
+                    </a:ext>
+                  </a:extLst>
+                </a:gridCol>
+              </a:tblGrid>
+              <a:tr h="435269">
+                <a:tc>
+                  <a:txBody>
+                    <a:bodyPr/>
+                    <a:lstStyle/>
+                    <a:p>
+                      <a:pPr marL="0" marR="0">
+                        <a:lnSpc>
+                          <a:spcPct val="107000"/>
+                        </a:lnSpc>
+                        <a:spcBef>
+                          <a:spcPts val="0"/>
+                        </a:spcBef>
+                        <a:spcAft>
+                          <a:spcPts val="0"/>
+                        </a:spcAft>
+                      </a:pPr>
+                      <a:r>
+                        <a:rPr lang="en-US" sz="1600">
+                          <a:effectLst/>
+                        </a:rPr>
+                        <a:t> </a:t>
+                      </a:r>
+                      <a:endParaRPr lang="en-US" sz="1600">
+                        <a:effectLst/>
+                        <a:latin typeface="Calibri" panose="020F0502020204030204" pitchFamily="34" charset="0"/>
+                        <a:ea typeface="Calibri" panose="020F0502020204030204" pitchFamily="34" charset="0"/>
+                        <a:cs typeface="Times New Roman" panose="02020603050405020304" pitchFamily="18" charset="0"/>
+                      </a:endParaRPr>
+                    </a:p>
+                  </a:txBody>
+                  <a:tcPr marL="68580" marR="68580" marT="0" marB="0" anchor="ctr"/>
+                </a:tc>
+                <a:tc>
+                  <a:txBody>
+                    <a:bodyPr/>
+                    <a:lstStyle/>
+                    <a:p>
+                      <a:pPr marL="0" marR="0">
+                        <a:lnSpc>
+                          <a:spcPct val="107000"/>
+                        </a:lnSpc>
+                        <a:spcBef>
+                          <a:spcPts val="0"/>
+                        </a:spcBef>
+                        <a:spcAft>
+                          <a:spcPts val="0"/>
+                        </a:spcAft>
+                      </a:pPr>
+                      <a:r>
+                        <a:rPr lang="en-US" sz="1600" dirty="0">
+                          <a:effectLst/>
+                        </a:rPr>
+                        <a:t>s</a:t>
+                      </a:r>
+                      <a:endParaRPr lang="en-US" sz="1600" dirty="0">
+                        <a:effectLst/>
+                        <a:latin typeface="Calibri" panose="020F0502020204030204" pitchFamily="34" charset="0"/>
+                        <a:ea typeface="Calibri" panose="020F0502020204030204" pitchFamily="34" charset="0"/>
+                        <a:cs typeface="Times New Roman" panose="02020603050405020304" pitchFamily="18" charset="0"/>
+                      </a:endParaRPr>
+                    </a:p>
+                  </a:txBody>
+                  <a:tcPr marL="68580" marR="68580" marT="0" marB="0" anchor="ctr"/>
+                </a:tc>
+                <a:tc>
+                  <a:txBody>
+                    <a:bodyPr/>
+                    <a:lstStyle/>
+                    <a:p>
+                      <a:pPr marL="0" marR="0">
+                        <a:lnSpc>
+                          <a:spcPct val="107000"/>
+                        </a:lnSpc>
+                        <a:spcBef>
+                          <a:spcPts val="0"/>
+                        </a:spcBef>
+                        <a:spcAft>
+                          <a:spcPts val="0"/>
+                        </a:spcAft>
+                      </a:pPr>
+                      <a:r>
+                        <a:rPr lang="en-US" sz="1600" dirty="0">
+                          <a:effectLst/>
+                        </a:rPr>
+                        <a:t>m</a:t>
+                      </a:r>
+                      <a:endParaRPr lang="en-US" sz="1600" dirty="0">
+                        <a:effectLst/>
+                        <a:latin typeface="Calibri" panose="020F0502020204030204" pitchFamily="34" charset="0"/>
+                        <a:ea typeface="Calibri" panose="020F0502020204030204" pitchFamily="34" charset="0"/>
+                        <a:cs typeface="Times New Roman" panose="02020603050405020304" pitchFamily="18" charset="0"/>
+                      </a:endParaRPr>
+                    </a:p>
+                  </a:txBody>
+                  <a:tcPr marL="68580" marR="68580" marT="0" marB="0" anchor="ctr"/>
+                </a:tc>
+                <a:tc>
+                  <a:txBody>
+                    <a:bodyPr/>
+                    <a:lstStyle/>
+                    <a:p>
+                      <a:pPr marL="0" marR="0">
+                        <a:lnSpc>
+                          <a:spcPct val="107000"/>
+                        </a:lnSpc>
+                        <a:spcBef>
+                          <a:spcPts val="0"/>
+                        </a:spcBef>
+                        <a:spcAft>
+                          <a:spcPts val="0"/>
+                        </a:spcAft>
+                      </a:pPr>
+                      <a:r>
+                        <a:rPr lang="en-US" sz="1600">
+                          <a:effectLst/>
+                        </a:rPr>
+                        <a:t>t</a:t>
+                      </a:r>
+                      <a:endParaRPr lang="en-US" sz="1600">
+                        <a:effectLst/>
+                        <a:latin typeface="Calibri" panose="020F0502020204030204" pitchFamily="34" charset="0"/>
+                        <a:ea typeface="Calibri" panose="020F0502020204030204" pitchFamily="34" charset="0"/>
+                        <a:cs typeface="Times New Roman" panose="02020603050405020304" pitchFamily="18" charset="0"/>
+                      </a:endParaRPr>
+                    </a:p>
+                  </a:txBody>
+                  <a:tcPr marL="68580" marR="68580" marT="0" marB="0" anchor="ctr"/>
+                </a:tc>
+                <a:tc>
+                  <a:txBody>
+                    <a:bodyPr/>
+                    <a:lstStyle/>
+                    <a:p>
+                      <a:pPr marL="0" marR="0">
+                        <a:lnSpc>
+                          <a:spcPct val="107000"/>
+                        </a:lnSpc>
+                        <a:spcBef>
+                          <a:spcPts val="0"/>
+                        </a:spcBef>
+                        <a:spcAft>
+                          <a:spcPts val="0"/>
+                        </a:spcAft>
+                      </a:pPr>
+                      <a:r>
+                        <a:rPr lang="en-US" sz="1600">
+                          <a:effectLst/>
+                        </a:rPr>
+                        <a:t>w</a:t>
+                      </a:r>
+                      <a:endParaRPr lang="en-US" sz="1600">
+                        <a:effectLst/>
+                        <a:latin typeface="Calibri" panose="020F0502020204030204" pitchFamily="34" charset="0"/>
+                        <a:ea typeface="Calibri" panose="020F0502020204030204" pitchFamily="34" charset="0"/>
+                        <a:cs typeface="Times New Roman" panose="02020603050405020304" pitchFamily="18" charset="0"/>
+                      </a:endParaRPr>
+                    </a:p>
+                  </a:txBody>
+                  <a:tcPr marL="68580" marR="68580" marT="0" marB="0" anchor="ctr"/>
+                </a:tc>
+                <a:tc>
+                  <a:txBody>
+                    <a:bodyPr/>
+                    <a:lstStyle/>
+                    <a:p>
+                      <a:pPr marL="0" marR="0">
+                        <a:lnSpc>
+                          <a:spcPct val="107000"/>
+                        </a:lnSpc>
+                        <a:spcBef>
+                          <a:spcPts val="0"/>
+                        </a:spcBef>
+                        <a:spcAft>
+                          <a:spcPts val="0"/>
+                        </a:spcAft>
+                      </a:pPr>
+                      <a:r>
+                        <a:rPr lang="en-US" sz="1600">
+                          <a:effectLst/>
+                        </a:rPr>
+                        <a:t>t</a:t>
+                      </a:r>
+                      <a:endParaRPr lang="en-US" sz="1600">
+                        <a:effectLst/>
+                        <a:latin typeface="Calibri" panose="020F0502020204030204" pitchFamily="34" charset="0"/>
+                        <a:ea typeface="Calibri" panose="020F0502020204030204" pitchFamily="34" charset="0"/>
+                        <a:cs typeface="Times New Roman" panose="02020603050405020304" pitchFamily="18" charset="0"/>
+                      </a:endParaRPr>
+                    </a:p>
+                  </a:txBody>
+                  <a:tcPr marL="68580" marR="68580" marT="0" marB="0" anchor="ctr"/>
+                </a:tc>
+                <a:tc>
+                  <a:txBody>
+                    <a:bodyPr/>
+                    <a:lstStyle/>
+                    <a:p>
+                      <a:pPr marL="0" marR="0">
+                        <a:lnSpc>
+                          <a:spcPct val="107000"/>
+                        </a:lnSpc>
+                        <a:spcBef>
+                          <a:spcPts val="0"/>
+                        </a:spcBef>
+                        <a:spcAft>
+                          <a:spcPts val="0"/>
+                        </a:spcAft>
+                      </a:pPr>
+                      <a:r>
+                        <a:rPr lang="en-US" sz="1600">
+                          <a:effectLst/>
+                        </a:rPr>
+                        <a:t>f</a:t>
+                      </a:r>
+                      <a:endParaRPr lang="en-US" sz="1600">
+                        <a:effectLst/>
+                        <a:latin typeface="Calibri" panose="020F0502020204030204" pitchFamily="34" charset="0"/>
+                        <a:ea typeface="Calibri" panose="020F0502020204030204" pitchFamily="34" charset="0"/>
+                        <a:cs typeface="Times New Roman" panose="02020603050405020304" pitchFamily="18" charset="0"/>
+                      </a:endParaRPr>
+                    </a:p>
+                  </a:txBody>
+                  <a:tcPr marL="68580" marR="68580" marT="0" marB="0" anchor="ctr"/>
+                </a:tc>
+                <a:extLst>
+                  <a:ext uri="{0D108BD9-81ED-4DB2-BD59-A6C34878D82A}">
+                    <a16:rowId xmlns:a16="http://schemas.microsoft.com/office/drawing/2014/main" val="2817872155"/>
+                  </a:ext>
+                </a:extLst>
+              </a:tr>
+              <a:tr h="414542">
+                <a:tc>
+                  <a:txBody>
+                    <a:bodyPr/>
+                    <a:lstStyle/>
+                    <a:p>
+                      <a:pPr marL="0" marR="0">
+                        <a:lnSpc>
+                          <a:spcPct val="107000"/>
+                        </a:lnSpc>
+                        <a:spcBef>
+                          <a:spcPts val="0"/>
+                        </a:spcBef>
+                        <a:spcAft>
+                          <a:spcPts val="0"/>
+                        </a:spcAft>
+                      </a:pPr>
+                      <a:r>
+                        <a:rPr lang="en-US" sz="1600">
+                          <a:effectLst/>
+                        </a:rPr>
+                        <a:t>Vacation</a:t>
+                      </a:r>
+                      <a:endParaRPr lang="en-US" sz="1600">
+                        <a:effectLst/>
+                        <a:latin typeface="Calibri" panose="020F0502020204030204" pitchFamily="34" charset="0"/>
+                        <a:ea typeface="Calibri" panose="020F0502020204030204" pitchFamily="34" charset="0"/>
+                        <a:cs typeface="Times New Roman" panose="02020603050405020304" pitchFamily="18" charset="0"/>
+                      </a:endParaRPr>
+                    </a:p>
+                  </a:txBody>
+                  <a:tcPr marL="68580" marR="68580" marT="0" marB="0"/>
+                </a:tc>
+                <a:tc>
+                  <a:txBody>
+                    <a:bodyPr/>
+                    <a:lstStyle/>
+                    <a:p>
+                      <a:pPr marL="0" marR="0">
+                        <a:lnSpc>
+                          <a:spcPct val="107000"/>
+                        </a:lnSpc>
+                        <a:spcBef>
+                          <a:spcPts val="0"/>
+                        </a:spcBef>
+                        <a:spcAft>
+                          <a:spcPts val="0"/>
+                        </a:spcAft>
+                      </a:pPr>
+                      <a:r>
+                        <a:rPr lang="en-US" sz="1600" dirty="0">
+                          <a:effectLst/>
+                        </a:rPr>
+                        <a:t> </a:t>
+                      </a:r>
+                      <a:endParaRPr lang="en-US" sz="1600" dirty="0">
+                        <a:effectLst/>
+                        <a:latin typeface="Calibri" panose="020F0502020204030204" pitchFamily="34" charset="0"/>
+                        <a:ea typeface="Calibri" panose="020F0502020204030204" pitchFamily="34" charset="0"/>
+                        <a:cs typeface="Times New Roman" panose="02020603050405020304" pitchFamily="18" charset="0"/>
+                      </a:endParaRPr>
+                    </a:p>
+                  </a:txBody>
+                  <a:tcPr marL="68580" marR="68580" marT="0" marB="0" anchor="ctr"/>
+                </a:tc>
+                <a:tc>
+                  <a:txBody>
+                    <a:bodyPr/>
+                    <a:lstStyle/>
+                    <a:p>
+                      <a:pPr marL="0" marR="0">
+                        <a:lnSpc>
+                          <a:spcPct val="107000"/>
+                        </a:lnSpc>
+                        <a:spcBef>
+                          <a:spcPts val="0"/>
+                        </a:spcBef>
+                        <a:spcAft>
+                          <a:spcPts val="0"/>
+                        </a:spcAft>
+                      </a:pPr>
+                      <a:r>
+                        <a:rPr lang="en-US" sz="1600">
+                          <a:effectLst/>
+                        </a:rPr>
+                        <a:t> </a:t>
+                      </a:r>
+                      <a:endParaRPr lang="en-US" sz="1600">
+                        <a:effectLst/>
+                        <a:latin typeface="Calibri" panose="020F0502020204030204" pitchFamily="34" charset="0"/>
+                        <a:ea typeface="Calibri" panose="020F0502020204030204" pitchFamily="34" charset="0"/>
+                        <a:cs typeface="Times New Roman" panose="02020603050405020304" pitchFamily="18" charset="0"/>
+                      </a:endParaRPr>
+                    </a:p>
+                  </a:txBody>
+                  <a:tcPr marL="68580" marR="68580" marT="0" marB="0" anchor="ctr"/>
+                </a:tc>
+                <a:tc>
+                  <a:txBody>
+                    <a:bodyPr/>
+                    <a:lstStyle/>
+                    <a:p>
+                      <a:pPr marL="0" marR="0">
+                        <a:lnSpc>
+                          <a:spcPct val="107000"/>
+                        </a:lnSpc>
+                        <a:spcBef>
+                          <a:spcPts val="0"/>
+                        </a:spcBef>
+                        <a:spcAft>
+                          <a:spcPts val="0"/>
+                        </a:spcAft>
+                      </a:pPr>
+                      <a:r>
+                        <a:rPr lang="en-US" sz="1600">
+                          <a:effectLst/>
+                        </a:rPr>
+                        <a:t> </a:t>
+                      </a:r>
+                      <a:endParaRPr lang="en-US" sz="1600">
+                        <a:effectLst/>
+                        <a:latin typeface="Calibri" panose="020F0502020204030204" pitchFamily="34" charset="0"/>
+                        <a:ea typeface="Calibri" panose="020F0502020204030204" pitchFamily="34" charset="0"/>
+                        <a:cs typeface="Times New Roman" panose="02020603050405020304" pitchFamily="18" charset="0"/>
+                      </a:endParaRPr>
+                    </a:p>
+                  </a:txBody>
+                  <a:tcPr marL="68580" marR="68580" marT="0" marB="0" anchor="ctr"/>
+                </a:tc>
+                <a:tc>
+                  <a:txBody>
+                    <a:bodyPr/>
+                    <a:lstStyle/>
+                    <a:p>
+                      <a:pPr marL="0" marR="0">
+                        <a:lnSpc>
+                          <a:spcPct val="107000"/>
+                        </a:lnSpc>
+                        <a:spcBef>
+                          <a:spcPts val="0"/>
+                        </a:spcBef>
+                        <a:spcAft>
+                          <a:spcPts val="0"/>
+                        </a:spcAft>
+                      </a:pPr>
+                      <a:r>
+                        <a:rPr lang="en-US" sz="1600">
+                          <a:effectLst/>
+                        </a:rPr>
+                        <a:t> </a:t>
+                      </a:r>
+                      <a:endParaRPr lang="en-US" sz="1600">
+                        <a:effectLst/>
+                        <a:latin typeface="Calibri" panose="020F0502020204030204" pitchFamily="34" charset="0"/>
+                        <a:ea typeface="Calibri" panose="020F0502020204030204" pitchFamily="34" charset="0"/>
+                        <a:cs typeface="Times New Roman" panose="02020603050405020304" pitchFamily="18" charset="0"/>
+                      </a:endParaRPr>
+                    </a:p>
+                  </a:txBody>
+                  <a:tcPr marL="68580" marR="68580" marT="0" marB="0" anchor="ctr"/>
+                </a:tc>
+                <a:tc>
+                  <a:txBody>
+                    <a:bodyPr/>
+                    <a:lstStyle/>
+                    <a:p>
+                      <a:pPr marL="0" marR="0">
+                        <a:lnSpc>
+                          <a:spcPct val="107000"/>
+                        </a:lnSpc>
+                        <a:spcBef>
+                          <a:spcPts val="0"/>
+                        </a:spcBef>
+                        <a:spcAft>
+                          <a:spcPts val="0"/>
+                        </a:spcAft>
+                      </a:pPr>
+                      <a:r>
+                        <a:rPr lang="en-US" sz="1600">
+                          <a:effectLst/>
+                        </a:rPr>
+                        <a:t> </a:t>
+                      </a:r>
+                      <a:endParaRPr lang="en-US" sz="1600">
+                        <a:effectLst/>
+                        <a:latin typeface="Calibri" panose="020F0502020204030204" pitchFamily="34" charset="0"/>
+                        <a:ea typeface="Calibri" panose="020F0502020204030204" pitchFamily="34" charset="0"/>
+                        <a:cs typeface="Times New Roman" panose="02020603050405020304" pitchFamily="18" charset="0"/>
+                      </a:endParaRPr>
+                    </a:p>
+                  </a:txBody>
+                  <a:tcPr marL="68580" marR="68580" marT="0" marB="0" anchor="ctr"/>
+                </a:tc>
+                <a:tc>
+                  <a:txBody>
+                    <a:bodyPr/>
+                    <a:lstStyle/>
+                    <a:p>
+                      <a:pPr marL="0" marR="0">
+                        <a:lnSpc>
+                          <a:spcPct val="107000"/>
+                        </a:lnSpc>
+                        <a:spcBef>
+                          <a:spcPts val="0"/>
+                        </a:spcBef>
+                        <a:spcAft>
+                          <a:spcPts val="0"/>
+                        </a:spcAft>
+                      </a:pPr>
+                      <a:r>
+                        <a:rPr lang="en-US" sz="1600">
+                          <a:effectLst/>
+                        </a:rPr>
+                        <a:t> </a:t>
+                      </a:r>
+                      <a:endParaRPr lang="en-US" sz="1600">
+                        <a:effectLst/>
+                        <a:latin typeface="Calibri" panose="020F0502020204030204" pitchFamily="34" charset="0"/>
+                        <a:ea typeface="Calibri" panose="020F0502020204030204" pitchFamily="34" charset="0"/>
+                        <a:cs typeface="Times New Roman" panose="02020603050405020304" pitchFamily="18" charset="0"/>
+                      </a:endParaRPr>
+                    </a:p>
+                  </a:txBody>
+                  <a:tcPr marL="68580" marR="68580" marT="0" marB="0" anchor="ctr"/>
+                </a:tc>
+                <a:extLst>
+                  <a:ext uri="{0D108BD9-81ED-4DB2-BD59-A6C34878D82A}">
+                    <a16:rowId xmlns:a16="http://schemas.microsoft.com/office/drawing/2014/main" val="1656714142"/>
+                  </a:ext>
+                </a:extLst>
+              </a:tr>
+              <a:tr h="435269">
+                <a:tc>
+                  <a:txBody>
+                    <a:bodyPr/>
+                    <a:lstStyle/>
+                    <a:p>
+                      <a:pPr marL="0" marR="0">
+                        <a:lnSpc>
+                          <a:spcPct val="107000"/>
+                        </a:lnSpc>
+                        <a:spcBef>
+                          <a:spcPts val="0"/>
+                        </a:spcBef>
+                        <a:spcAft>
+                          <a:spcPts val="0"/>
+                        </a:spcAft>
+                      </a:pPr>
+                      <a:r>
+                        <a:rPr lang="en-US" sz="1600">
+                          <a:effectLst/>
+                        </a:rPr>
+                        <a:t>Sick</a:t>
+                      </a:r>
+                      <a:endParaRPr lang="en-US" sz="1600">
+                        <a:effectLst/>
+                        <a:latin typeface="Calibri" panose="020F0502020204030204" pitchFamily="34" charset="0"/>
+                        <a:ea typeface="Calibri" panose="020F0502020204030204" pitchFamily="34" charset="0"/>
+                        <a:cs typeface="Times New Roman" panose="02020603050405020304" pitchFamily="18" charset="0"/>
+                      </a:endParaRPr>
+                    </a:p>
+                  </a:txBody>
+                  <a:tcPr marL="68580" marR="68580" marT="0" marB="0" anchor="ctr"/>
+                </a:tc>
+                <a:tc>
+                  <a:txBody>
+                    <a:bodyPr/>
+                    <a:lstStyle/>
+                    <a:p>
+                      <a:pPr marL="0" marR="0">
+                        <a:lnSpc>
+                          <a:spcPct val="107000"/>
+                        </a:lnSpc>
+                        <a:spcBef>
+                          <a:spcPts val="0"/>
+                        </a:spcBef>
+                        <a:spcAft>
+                          <a:spcPts val="0"/>
+                        </a:spcAft>
+                      </a:pPr>
+                      <a:r>
+                        <a:rPr lang="en-US" sz="1600">
+                          <a:effectLst/>
+                        </a:rPr>
+                        <a:t> </a:t>
+                      </a:r>
+                      <a:endParaRPr lang="en-US" sz="1600">
+                        <a:effectLst/>
+                        <a:latin typeface="Calibri" panose="020F0502020204030204" pitchFamily="34" charset="0"/>
+                        <a:ea typeface="Calibri" panose="020F0502020204030204" pitchFamily="34" charset="0"/>
+                        <a:cs typeface="Times New Roman" panose="02020603050405020304" pitchFamily="18" charset="0"/>
+                      </a:endParaRPr>
+                    </a:p>
+                  </a:txBody>
+                  <a:tcPr marL="68580" marR="68580" marT="0" marB="0" anchor="ctr"/>
+                </a:tc>
+                <a:tc>
+                  <a:txBody>
+                    <a:bodyPr/>
+                    <a:lstStyle/>
+                    <a:p>
+                      <a:pPr marL="0" marR="0">
+                        <a:lnSpc>
+                          <a:spcPct val="107000"/>
+                        </a:lnSpc>
+                        <a:spcBef>
+                          <a:spcPts val="0"/>
+                        </a:spcBef>
+                        <a:spcAft>
+                          <a:spcPts val="0"/>
+                        </a:spcAft>
+                      </a:pPr>
+                      <a:r>
+                        <a:rPr lang="en-US" sz="1600">
+                          <a:effectLst/>
+                        </a:rPr>
+                        <a:t> </a:t>
+                      </a:r>
+                      <a:endParaRPr lang="en-US" sz="1600">
+                        <a:effectLst/>
+                        <a:latin typeface="Calibri" panose="020F0502020204030204" pitchFamily="34" charset="0"/>
+                        <a:ea typeface="Calibri" panose="020F0502020204030204" pitchFamily="34" charset="0"/>
+                        <a:cs typeface="Times New Roman" panose="02020603050405020304" pitchFamily="18" charset="0"/>
+                      </a:endParaRPr>
+                    </a:p>
+                  </a:txBody>
+                  <a:tcPr marL="68580" marR="68580" marT="0" marB="0" anchor="ctr"/>
+                </a:tc>
+                <a:tc>
+                  <a:txBody>
+                    <a:bodyPr/>
+                    <a:lstStyle/>
+                    <a:p>
+                      <a:pPr marL="0" marR="0">
+                        <a:lnSpc>
+                          <a:spcPct val="107000"/>
+                        </a:lnSpc>
+                        <a:spcBef>
+                          <a:spcPts val="0"/>
+                        </a:spcBef>
+                        <a:spcAft>
+                          <a:spcPts val="0"/>
+                        </a:spcAft>
+                      </a:pPr>
+                      <a:r>
+                        <a:rPr lang="en-US" sz="1600">
+                          <a:effectLst/>
+                        </a:rPr>
+                        <a:t> </a:t>
+                      </a:r>
+                      <a:endParaRPr lang="en-US" sz="1600">
+                        <a:effectLst/>
+                        <a:latin typeface="Calibri" panose="020F0502020204030204" pitchFamily="34" charset="0"/>
+                        <a:ea typeface="Calibri" panose="020F0502020204030204" pitchFamily="34" charset="0"/>
+                        <a:cs typeface="Times New Roman" panose="02020603050405020304" pitchFamily="18" charset="0"/>
+                      </a:endParaRPr>
+                    </a:p>
+                  </a:txBody>
+                  <a:tcPr marL="68580" marR="68580" marT="0" marB="0" anchor="ctr"/>
+                </a:tc>
+                <a:tc>
+                  <a:txBody>
+                    <a:bodyPr/>
+                    <a:lstStyle/>
+                    <a:p>
+                      <a:pPr marL="0" marR="0">
+                        <a:lnSpc>
+                          <a:spcPct val="107000"/>
+                        </a:lnSpc>
+                        <a:spcBef>
+                          <a:spcPts val="0"/>
+                        </a:spcBef>
+                        <a:spcAft>
+                          <a:spcPts val="0"/>
+                        </a:spcAft>
+                      </a:pPr>
+                      <a:r>
+                        <a:rPr lang="en-US" sz="1600">
+                          <a:effectLst/>
+                        </a:rPr>
+                        <a:t> </a:t>
+                      </a:r>
+                      <a:endParaRPr lang="en-US" sz="1600">
+                        <a:effectLst/>
+                        <a:latin typeface="Calibri" panose="020F0502020204030204" pitchFamily="34" charset="0"/>
+                        <a:ea typeface="Calibri" panose="020F0502020204030204" pitchFamily="34" charset="0"/>
+                        <a:cs typeface="Times New Roman" panose="02020603050405020304" pitchFamily="18" charset="0"/>
+                      </a:endParaRPr>
+                    </a:p>
+                  </a:txBody>
+                  <a:tcPr marL="68580" marR="68580" marT="0" marB="0" anchor="ctr"/>
+                </a:tc>
+                <a:tc>
+                  <a:txBody>
+                    <a:bodyPr/>
+                    <a:lstStyle/>
+                    <a:p>
+                      <a:pPr marL="0" marR="0">
+                        <a:lnSpc>
+                          <a:spcPct val="107000"/>
+                        </a:lnSpc>
+                        <a:spcBef>
+                          <a:spcPts val="0"/>
+                        </a:spcBef>
+                        <a:spcAft>
+                          <a:spcPts val="0"/>
+                        </a:spcAft>
+                      </a:pPr>
+                      <a:r>
+                        <a:rPr lang="en-US" sz="1600">
+                          <a:effectLst/>
+                        </a:rPr>
+                        <a:t> </a:t>
+                      </a:r>
+                      <a:endParaRPr lang="en-US" sz="1600">
+                        <a:effectLst/>
+                        <a:latin typeface="Calibri" panose="020F0502020204030204" pitchFamily="34" charset="0"/>
+                        <a:ea typeface="Calibri" panose="020F0502020204030204" pitchFamily="34" charset="0"/>
+                        <a:cs typeface="Times New Roman" panose="02020603050405020304" pitchFamily="18" charset="0"/>
+                      </a:endParaRPr>
+                    </a:p>
+                  </a:txBody>
+                  <a:tcPr marL="68580" marR="68580" marT="0" marB="0" anchor="ctr"/>
+                </a:tc>
+                <a:tc>
+                  <a:txBody>
+                    <a:bodyPr/>
+                    <a:lstStyle/>
+                    <a:p>
+                      <a:pPr marL="0" marR="0">
+                        <a:lnSpc>
+                          <a:spcPct val="107000"/>
+                        </a:lnSpc>
+                        <a:spcBef>
+                          <a:spcPts val="0"/>
+                        </a:spcBef>
+                        <a:spcAft>
+                          <a:spcPts val="0"/>
+                        </a:spcAft>
+                      </a:pPr>
+                      <a:r>
+                        <a:rPr lang="en-US" sz="1600" dirty="0">
+                          <a:effectLst/>
+                        </a:rPr>
+                        <a:t> </a:t>
+                      </a:r>
+                      <a:endParaRPr lang="en-US" sz="1600" dirty="0">
+                        <a:effectLst/>
+                        <a:latin typeface="Calibri" panose="020F0502020204030204" pitchFamily="34" charset="0"/>
+                        <a:ea typeface="Calibri" panose="020F0502020204030204" pitchFamily="34" charset="0"/>
+                        <a:cs typeface="Times New Roman" panose="02020603050405020304" pitchFamily="18" charset="0"/>
+                      </a:endParaRPr>
+                    </a:p>
+                  </a:txBody>
+                  <a:tcPr marL="68580" marR="68580" marT="0" marB="0" anchor="ctr"/>
+                </a:tc>
+                <a:extLst>
+                  <a:ext uri="{0D108BD9-81ED-4DB2-BD59-A6C34878D82A}">
+                    <a16:rowId xmlns:a16="http://schemas.microsoft.com/office/drawing/2014/main" val="721026111"/>
+                  </a:ext>
+                </a:extLst>
+              </a:tr>
+            </a:tbl>
+          </a:graphicData>
+        </a:graphic>
+      </p:graphicFrame>
+    </p:spTree>
+    <p:extLst>
+      <p:ext uri="{BB962C8B-B14F-4D97-AF65-F5344CB8AC3E}">
+        <p14:creationId xmlns:p14="http://schemas.microsoft.com/office/powerpoint/2010/main" val="4204163933"/>
       </p:ext>
     </p:extLst>
   </p:cSld>

--- a/Presentation.pptx
+++ b/Presentation.pptx
@@ -5,7 +5,7 @@
     <p:sldMasterId id="2147483648" r:id="rId1"/>
   </p:sldMasterIdLst>
   <p:notesMasterIdLst>
-    <p:notesMasterId r:id="rId48"/>
+    <p:notesMasterId r:id="rId49"/>
   </p:notesMasterIdLst>
   <p:sldIdLst>
     <p:sldId id="256" r:id="rId2"/>
@@ -53,7 +53,8 @@
     <p:sldId id="300" r:id="rId44"/>
     <p:sldId id="301" r:id="rId45"/>
     <p:sldId id="302" r:id="rId46"/>
-    <p:sldId id="303" r:id="rId47"/>
+    <p:sldId id="304" r:id="rId47"/>
+    <p:sldId id="303" r:id="rId48"/>
   </p:sldIdLst>
   <p:sldSz cx="12192000" cy="6858000"/>
   <p:notesSz cx="6858000" cy="9144000"/>
@@ -1313,7 +1314,7 @@
           <a:p>
             <a:fld id="{72D23B30-5EA5-4E58-83A2-CD0A58FE814B}" type="datetimeFigureOut">
               <a:rPr lang="en-US" smtClean="0"/>
-              <a:t>4/8/2022</a:t>
+              <a:t>4/9/2022</a:t>
             </a:fld>
             <a:endParaRPr lang="en-US"/>
           </a:p>
@@ -2159,7 +2160,7 @@
           <a:p>
             <a:fld id="{7450D965-15E4-4F4F-B21E-11DDA7A2EA91}" type="datetimeFigureOut">
               <a:rPr lang="en-US" smtClean="0"/>
-              <a:t>4/8/2022</a:t>
+              <a:t>4/9/2022</a:t>
             </a:fld>
             <a:endParaRPr lang="en-US" dirty="0"/>
           </a:p>
@@ -2357,7 +2358,7 @@
           <a:p>
             <a:fld id="{7450D965-15E4-4F4F-B21E-11DDA7A2EA91}" type="datetimeFigureOut">
               <a:rPr lang="en-US" smtClean="0"/>
-              <a:t>4/8/2022</a:t>
+              <a:t>4/9/2022</a:t>
             </a:fld>
             <a:endParaRPr lang="en-US" dirty="0"/>
           </a:p>
@@ -2565,7 +2566,7 @@
           <a:p>
             <a:fld id="{7450D965-15E4-4F4F-B21E-11DDA7A2EA91}" type="datetimeFigureOut">
               <a:rPr lang="en-US" smtClean="0"/>
-              <a:t>4/8/2022</a:t>
+              <a:t>4/9/2022</a:t>
             </a:fld>
             <a:endParaRPr lang="en-US" dirty="0"/>
           </a:p>
@@ -2763,7 +2764,7 @@
           <a:p>
             <a:fld id="{7450D965-15E4-4F4F-B21E-11DDA7A2EA91}" type="datetimeFigureOut">
               <a:rPr lang="en-US" smtClean="0"/>
-              <a:t>4/8/2022</a:t>
+              <a:t>4/9/2022</a:t>
             </a:fld>
             <a:endParaRPr lang="en-US" dirty="0"/>
           </a:p>
@@ -3038,7 +3039,7 @@
           <a:p>
             <a:fld id="{7450D965-15E4-4F4F-B21E-11DDA7A2EA91}" type="datetimeFigureOut">
               <a:rPr lang="en-US" smtClean="0"/>
-              <a:t>4/8/2022</a:t>
+              <a:t>4/9/2022</a:t>
             </a:fld>
             <a:endParaRPr lang="en-US" dirty="0"/>
           </a:p>
@@ -3303,7 +3304,7 @@
           <a:p>
             <a:fld id="{7450D965-15E4-4F4F-B21E-11DDA7A2EA91}" type="datetimeFigureOut">
               <a:rPr lang="en-US" smtClean="0"/>
-              <a:t>4/8/2022</a:t>
+              <a:t>4/9/2022</a:t>
             </a:fld>
             <a:endParaRPr lang="en-US" dirty="0"/>
           </a:p>
@@ -3715,7 +3716,7 @@
           <a:p>
             <a:fld id="{7450D965-15E4-4F4F-B21E-11DDA7A2EA91}" type="datetimeFigureOut">
               <a:rPr lang="en-US" smtClean="0"/>
-              <a:t>4/8/2022</a:t>
+              <a:t>4/9/2022</a:t>
             </a:fld>
             <a:endParaRPr lang="en-US" dirty="0"/>
           </a:p>
@@ -3856,7 +3857,7 @@
           <a:p>
             <a:fld id="{7450D965-15E4-4F4F-B21E-11DDA7A2EA91}" type="datetimeFigureOut">
               <a:rPr lang="en-US" smtClean="0"/>
-              <a:t>4/8/2022</a:t>
+              <a:t>4/9/2022</a:t>
             </a:fld>
             <a:endParaRPr lang="en-US" dirty="0"/>
           </a:p>
@@ -3969,7 +3970,7 @@
           <a:p>
             <a:fld id="{7450D965-15E4-4F4F-B21E-11DDA7A2EA91}" type="datetimeFigureOut">
               <a:rPr lang="en-US" smtClean="0"/>
-              <a:t>4/8/2022</a:t>
+              <a:t>4/9/2022</a:t>
             </a:fld>
             <a:endParaRPr lang="en-US" dirty="0"/>
           </a:p>
@@ -4280,7 +4281,7 @@
           <a:p>
             <a:fld id="{7450D965-15E4-4F4F-B21E-11DDA7A2EA91}" type="datetimeFigureOut">
               <a:rPr lang="en-US" smtClean="0"/>
-              <a:t>4/8/2022</a:t>
+              <a:t>4/9/2022</a:t>
             </a:fld>
             <a:endParaRPr lang="en-US" dirty="0"/>
           </a:p>
@@ -4568,7 +4569,7 @@
           <a:p>
             <a:fld id="{7450D965-15E4-4F4F-B21E-11DDA7A2EA91}" type="datetimeFigureOut">
               <a:rPr lang="en-US" smtClean="0"/>
-              <a:t>4/8/2022</a:t>
+              <a:t>4/9/2022</a:t>
             </a:fld>
             <a:endParaRPr lang="en-US" dirty="0"/>
           </a:p>
@@ -4809,7 +4810,7 @@
           <a:p>
             <a:fld id="{7450D965-15E4-4F4F-B21E-11DDA7A2EA91}" type="datetimeFigureOut">
               <a:rPr lang="en-US" smtClean="0"/>
-              <a:t>4/8/2022</a:t>
+              <a:t>4/9/2022</a:t>
             </a:fld>
             <a:endParaRPr lang="en-US" dirty="0"/>
           </a:p>
@@ -15508,14 +15509,14 @@
             <a:pPr lvl="1"/>
             <a:r>
               <a:rPr lang="en-US" dirty="0"/>
-              <a:t>A = {vacation, sickness}</a:t>
+              <a:t>Leave type = {vacation, sickness}</a:t>
             </a:r>
           </a:p>
           <a:p>
             <a:pPr lvl="1"/>
             <a:r>
               <a:rPr lang="en-US" dirty="0"/>
-              <a:t>B = {s, m, t, w, t}</a:t>
+              <a:t>Leave days = {s, m, t, w, t}</a:t>
             </a:r>
           </a:p>
           <a:p>
@@ -15579,18 +15580,6 @@
                       </m:dPr>
                       <m:e>
                         <m:r>
-                          <a:rPr lang="en-US" i="1" dirty="0" smtClean="0">
-                            <a:latin typeface="Cambria Math" panose="02040503050406030204" pitchFamily="18" charset="0"/>
-                          </a:rPr>
-                          <m:t>𝐵</m:t>
-                        </m:r>
-                        <m:r>
-                          <a:rPr lang="en-US" i="1" dirty="0" smtClean="0">
-                            <a:latin typeface="Cambria Math" panose="02040503050406030204" pitchFamily="18" charset="0"/>
-                          </a:rPr>
-                          <m:t>=</m:t>
-                        </m:r>
-                        <m:r>
                           <a:rPr lang="en-US" b="0" i="1" dirty="0" smtClean="0">
                             <a:latin typeface="Cambria Math" panose="02040503050406030204" pitchFamily="18" charset="0"/>
                           </a:rPr>
@@ -15621,21 +15610,6 @@
                         </m:ctrlPr>
                       </m:dPr>
                       <m:e>
-                        <m:r>
-                          <m:rPr>
-                            <m:sty m:val="p"/>
-                          </m:rPr>
-                          <a:rPr lang="en-US" b="0" i="0" dirty="0" smtClean="0">
-                            <a:latin typeface="Cambria Math" panose="02040503050406030204" pitchFamily="18" charset="0"/>
-                          </a:rPr>
-                          <m:t>A</m:t>
-                        </m:r>
-                        <m:r>
-                          <a:rPr lang="en-US" b="0" i="0" dirty="0" smtClean="0">
-                            <a:latin typeface="Cambria Math" panose="02040503050406030204" pitchFamily="18" charset="0"/>
-                          </a:rPr>
-                          <m:t>=</m:t>
-                        </m:r>
                         <m:r>
                           <m:rPr>
                             <m:nor/>
@@ -15672,24 +15646,6 @@
                       <m:t>(</m:t>
                     </m:r>
                     <m:r>
-                      <a:rPr lang="en-US" i="1" dirty="0" smtClean="0">
-                        <a:latin typeface="Cambria Math" panose="02040503050406030204" pitchFamily="18" charset="0"/>
-                      </a:rPr>
-                      <m:t>𝐴</m:t>
-                    </m:r>
-                    <m:r>
-                      <a:rPr lang="en-US" i="1" dirty="0">
-                        <a:latin typeface="Cambria Math" panose="02040503050406030204" pitchFamily="18" charset="0"/>
-                      </a:rPr>
-                      <m:t> </m:t>
-                    </m:r>
-                    <m:r>
-                      <a:rPr lang="en-US" i="1" dirty="0" smtClean="0">
-                        <a:latin typeface="Cambria Math" panose="02040503050406030204" pitchFamily="18" charset="0"/>
-                      </a:rPr>
-                      <m:t>=</m:t>
-                    </m:r>
-                    <m:r>
                       <m:rPr>
                         <m:nor/>
                       </m:rPr>
@@ -15701,24 +15657,6 @@
                         <a:latin typeface="Cambria Math" panose="02040503050406030204" pitchFamily="18" charset="0"/>
                       </a:rPr>
                       <m:t>|</m:t>
-                    </m:r>
-                    <m:r>
-                      <a:rPr lang="en-US" i="1" dirty="0" smtClean="0">
-                        <a:latin typeface="Cambria Math" panose="02040503050406030204" pitchFamily="18" charset="0"/>
-                      </a:rPr>
-                      <m:t>𝐵</m:t>
-                    </m:r>
-                    <m:r>
-                      <a:rPr lang="en-US" i="1" dirty="0">
-                        <a:latin typeface="Cambria Math" panose="02040503050406030204" pitchFamily="18" charset="0"/>
-                      </a:rPr>
-                      <m:t> </m:t>
-                    </m:r>
-                    <m:r>
-                      <a:rPr lang="en-US" i="1" dirty="0" smtClean="0">
-                        <a:latin typeface="Cambria Math" panose="02040503050406030204" pitchFamily="18" charset="0"/>
-                      </a:rPr>
-                      <m:t>=</m:t>
                     </m:r>
                     <m:r>
                       <a:rPr lang="en-US" b="0" i="1" dirty="0" smtClean="0">
@@ -15753,59 +15691,10 @@
                       <m:t> </m:t>
                     </m:r>
                     <m:r>
-                      <a:rPr lang="en-US" i="1" dirty="0" smtClean="0">
+                      <a:rPr lang="en-US" b="0" i="1" dirty="0" smtClean="0">
                         <a:latin typeface="Cambria Math" panose="02040503050406030204" pitchFamily="18" charset="0"/>
                       </a:rPr>
                       <m:t>(</m:t>
-                    </m:r>
-                    <m:r>
-                      <a:rPr lang="en-US" i="1" dirty="0" smtClean="0">
-                        <a:latin typeface="Cambria Math" panose="02040503050406030204" pitchFamily="18" charset="0"/>
-                      </a:rPr>
-                      <m:t>𝐴</m:t>
-                    </m:r>
-                    <m:r>
-                      <a:rPr lang="en-US" i="1" dirty="0">
-                        <a:latin typeface="Cambria Math" panose="02040503050406030204" pitchFamily="18" charset="0"/>
-                      </a:rPr>
-                      <m:t> </m:t>
-                    </m:r>
-                    <m:r>
-                      <a:rPr lang="en-US" i="1" dirty="0" smtClean="0">
-                        <a:latin typeface="Cambria Math" panose="02040503050406030204" pitchFamily="18" charset="0"/>
-                      </a:rPr>
-                      <m:t>=</m:t>
-                    </m:r>
-                    <m:r>
-                      <m:rPr>
-                        <m:nor/>
-                      </m:rPr>
-                      <a:rPr lang="en-US" dirty="0"/>
-                      <m:t>vacation</m:t>
-                    </m:r>
-                    <m:r>
-                      <a:rPr lang="en-US" i="1" dirty="0" smtClean="0">
-                        <a:latin typeface="Cambria Math" panose="02040503050406030204" pitchFamily="18" charset="0"/>
-                      </a:rPr>
-                      <m:t>|</m:t>
-                    </m:r>
-                    <m:r>
-                      <a:rPr lang="en-US" i="1" dirty="0" smtClean="0">
-                        <a:latin typeface="Cambria Math" panose="02040503050406030204" pitchFamily="18" charset="0"/>
-                      </a:rPr>
-                      <m:t>𝐵</m:t>
-                    </m:r>
-                    <m:r>
-                      <a:rPr lang="en-US" i="1" dirty="0">
-                        <a:latin typeface="Cambria Math" panose="02040503050406030204" pitchFamily="18" charset="0"/>
-                      </a:rPr>
-                      <m:t> </m:t>
-                    </m:r>
-                    <m:r>
-                      <a:rPr lang="en-US" i="1" dirty="0" smtClean="0">
-                        <a:latin typeface="Cambria Math" panose="02040503050406030204" pitchFamily="18" charset="0"/>
-                      </a:rPr>
-                      <m:t>=</m:t>
                     </m:r>
                     <m:r>
                       <a:rPr lang="en-US" b="0" i="1" dirty="0" smtClean="0">
@@ -15899,7 +15788,7 @@
           <p:nvPr>
             <p:extLst>
               <p:ext uri="{D42A27DB-BD31-4B8C-83A1-F6EECF244321}">
-                <p14:modId xmlns:p14="http://schemas.microsoft.com/office/powerpoint/2010/main" val="292410592"/>
+                <p14:modId xmlns:p14="http://schemas.microsoft.com/office/powerpoint/2010/main" val="4131201538"/>
               </p:ext>
             </p:extLst>
           </p:nvPr>
@@ -16245,13 +16134,7 @@
                           <a:spcPts val="0"/>
                         </a:spcAft>
                       </a:pPr>
-                      <a:r>
-                        <a:rPr lang="en-US" sz="1600">
-                          <a:effectLst/>
-                        </a:rPr>
-                        <a:t> </a:t>
-                      </a:r>
-                      <a:endParaRPr lang="en-US" sz="1600">
+                      <a:endParaRPr lang="en-US" sz="1600" dirty="0">
                         <a:effectLst/>
                         <a:latin typeface="Calibri" panose="020F0502020204030204" pitchFamily="34" charset="0"/>
                         <a:ea typeface="Calibri" panose="020F0502020204030204" pitchFamily="34" charset="0"/>
@@ -16277,13 +16160,7 @@
                           <a:spcPts val="0"/>
                         </a:spcAft>
                       </a:pPr>
-                      <a:r>
-                        <a:rPr lang="en-US" sz="1600">
-                          <a:effectLst/>
-                        </a:rPr>
-                        <a:t> </a:t>
-                      </a:r>
-                      <a:endParaRPr lang="en-US" sz="1600">
+                      <a:endParaRPr lang="en-US" sz="1600" dirty="0">
                         <a:effectLst/>
                         <a:latin typeface="Calibri" panose="020F0502020204030204" pitchFamily="34" charset="0"/>
                         <a:ea typeface="Calibri" panose="020F0502020204030204" pitchFamily="34" charset="0"/>
@@ -16309,13 +16186,7 @@
                           <a:spcPts val="0"/>
                         </a:spcAft>
                       </a:pPr>
-                      <a:r>
-                        <a:rPr lang="en-US" sz="1600">
-                          <a:effectLst/>
-                        </a:rPr>
-                        <a:t> </a:t>
-                      </a:r>
-                      <a:endParaRPr lang="en-US" sz="1600">
+                      <a:endParaRPr lang="en-US" sz="1600" dirty="0">
                         <a:effectLst/>
                         <a:latin typeface="Calibri" panose="020F0502020204030204" pitchFamily="34" charset="0"/>
                         <a:ea typeface="Calibri" panose="020F0502020204030204" pitchFamily="34" charset="0"/>
@@ -16341,13 +16212,7 @@
                           <a:spcPts val="0"/>
                         </a:spcAft>
                       </a:pPr>
-                      <a:r>
-                        <a:rPr lang="en-US" sz="1600">
-                          <a:effectLst/>
-                        </a:rPr>
-                        <a:t> </a:t>
-                      </a:r>
-                      <a:endParaRPr lang="en-US" sz="1600">
+                      <a:endParaRPr lang="en-US" sz="1600" dirty="0">
                         <a:effectLst/>
                         <a:latin typeface="Calibri" panose="020F0502020204030204" pitchFamily="34" charset="0"/>
                         <a:ea typeface="Calibri" panose="020F0502020204030204" pitchFamily="34" charset="0"/>
@@ -16373,13 +16238,7 @@
                           <a:spcPts val="0"/>
                         </a:spcAft>
                       </a:pPr>
-                      <a:r>
-                        <a:rPr lang="en-US" sz="1600">
-                          <a:effectLst/>
-                        </a:rPr>
-                        <a:t> </a:t>
-                      </a:r>
-                      <a:endParaRPr lang="en-US" sz="1600">
+                      <a:endParaRPr lang="en-US" sz="1600" dirty="0">
                         <a:effectLst/>
                         <a:latin typeface="Calibri" panose="020F0502020204030204" pitchFamily="34" charset="0"/>
                         <a:ea typeface="Calibri" panose="020F0502020204030204" pitchFamily="34" charset="0"/>
@@ -16405,13 +16264,7 @@
                           <a:spcPts val="0"/>
                         </a:spcAft>
                       </a:pPr>
-                      <a:r>
-                        <a:rPr lang="en-US" sz="1600">
-                          <a:effectLst/>
-                        </a:rPr>
-                        <a:t> </a:t>
-                      </a:r>
-                      <a:endParaRPr lang="en-US" sz="1600">
+                      <a:endParaRPr lang="en-US" sz="1600" dirty="0">
                         <a:effectLst/>
                         <a:latin typeface="Calibri" panose="020F0502020204030204" pitchFamily="34" charset="0"/>
                         <a:ea typeface="Calibri" panose="020F0502020204030204" pitchFamily="34" charset="0"/>
@@ -16476,13 +16329,7 @@
                           <a:spcPts val="0"/>
                         </a:spcAft>
                       </a:pPr>
-                      <a:r>
-                        <a:rPr lang="en-US" sz="1600">
-                          <a:effectLst/>
-                        </a:rPr>
-                        <a:t> </a:t>
-                      </a:r>
-                      <a:endParaRPr lang="en-US" sz="1600">
+                      <a:endParaRPr lang="en-US" sz="1600" dirty="0">
                         <a:effectLst/>
                         <a:latin typeface="Calibri" panose="020F0502020204030204" pitchFamily="34" charset="0"/>
                         <a:ea typeface="Calibri" panose="020F0502020204030204" pitchFamily="34" charset="0"/>
@@ -16508,13 +16355,7 @@
                           <a:spcPts val="0"/>
                         </a:spcAft>
                       </a:pPr>
-                      <a:r>
-                        <a:rPr lang="en-US" sz="1600">
-                          <a:effectLst/>
-                        </a:rPr>
-                        <a:t> </a:t>
-                      </a:r>
-                      <a:endParaRPr lang="en-US" sz="1600">
+                      <a:endParaRPr lang="en-US" sz="1600" dirty="0">
                         <a:effectLst/>
                         <a:latin typeface="Calibri" panose="020F0502020204030204" pitchFamily="34" charset="0"/>
                         <a:ea typeface="Calibri" panose="020F0502020204030204" pitchFamily="34" charset="0"/>
@@ -16540,13 +16381,7 @@
                           <a:spcPts val="0"/>
                         </a:spcAft>
                       </a:pPr>
-                      <a:r>
-                        <a:rPr lang="en-US" sz="1600">
-                          <a:effectLst/>
-                        </a:rPr>
-                        <a:t> </a:t>
-                      </a:r>
-                      <a:endParaRPr lang="en-US" sz="1600">
+                      <a:endParaRPr lang="en-US" sz="1600" dirty="0">
                         <a:effectLst/>
                         <a:latin typeface="Calibri" panose="020F0502020204030204" pitchFamily="34" charset="0"/>
                         <a:ea typeface="Calibri" panose="020F0502020204030204" pitchFamily="34" charset="0"/>
@@ -16572,13 +16407,7 @@
                           <a:spcPts val="0"/>
                         </a:spcAft>
                       </a:pPr>
-                      <a:r>
-                        <a:rPr lang="en-US" sz="1600">
-                          <a:effectLst/>
-                        </a:rPr>
-                        <a:t> </a:t>
-                      </a:r>
-                      <a:endParaRPr lang="en-US" sz="1600">
+                      <a:endParaRPr lang="en-US" sz="1600" dirty="0">
                         <a:effectLst/>
                         <a:latin typeface="Calibri" panose="020F0502020204030204" pitchFamily="34" charset="0"/>
                         <a:ea typeface="Calibri" panose="020F0502020204030204" pitchFamily="34" charset="0"/>
@@ -16604,13 +16433,7 @@
                           <a:spcPts val="0"/>
                         </a:spcAft>
                       </a:pPr>
-                      <a:r>
-                        <a:rPr lang="en-US" sz="1600">
-                          <a:effectLst/>
-                        </a:rPr>
-                        <a:t> </a:t>
-                      </a:r>
-                      <a:endParaRPr lang="en-US" sz="1600">
+                      <a:endParaRPr lang="en-US" sz="1600" dirty="0">
                         <a:effectLst/>
                         <a:latin typeface="Calibri" panose="020F0502020204030204" pitchFamily="34" charset="0"/>
                         <a:ea typeface="Calibri" panose="020F0502020204030204" pitchFamily="34" charset="0"/>
@@ -16636,12 +16459,6 @@
                           <a:spcPts val="0"/>
                         </a:spcAft>
                       </a:pPr>
-                      <a:r>
-                        <a:rPr lang="en-US" sz="1600" dirty="0">
-                          <a:effectLst/>
-                        </a:rPr>
-                        <a:t> </a:t>
-                      </a:r>
                       <a:endParaRPr lang="en-US" sz="1600" dirty="0">
                         <a:effectLst/>
                         <a:latin typeface="Calibri" panose="020F0502020204030204" pitchFamily="34" charset="0"/>
@@ -16777,6 +16594,930 @@
           </a:p>
         </p:txBody>
       </p:sp>
+      <p:graphicFrame>
+        <p:nvGraphicFramePr>
+          <p:cNvPr id="6" name="Content Placeholder 5">
+            <a:extLst>
+              <a:ext uri="{FF2B5EF4-FFF2-40B4-BE49-F238E27FC236}">
+                <a16:creationId xmlns:a16="http://schemas.microsoft.com/office/drawing/2014/main" id="{4420CA9D-FB94-4AB9-A5FD-BC381E26BF27}"/>
+              </a:ext>
+            </a:extLst>
+          </p:cNvPr>
+          <p:cNvGraphicFramePr>
+            <a:graphicFrameLocks noGrp="1"/>
+          </p:cNvGraphicFramePr>
+          <p:nvPr>
+            <p:ph sz="half" idx="2"/>
+            <p:extLst>
+              <p:ext uri="{D42A27DB-BD31-4B8C-83A1-F6EECF244321}">
+                <p14:modId xmlns:p14="http://schemas.microsoft.com/office/powerpoint/2010/main" val="796563535"/>
+              </p:ext>
+            </p:extLst>
+          </p:nvPr>
+        </p:nvGraphicFramePr>
+        <p:xfrm>
+          <a:off x="7848598" y="1485899"/>
+          <a:ext cx="3505200" cy="4351336"/>
+        </p:xfrm>
+        <a:graphic>
+          <a:graphicData uri="http://schemas.openxmlformats.org/drawingml/2006/table">
+            <a:tbl>
+              <a:tblPr>
+                <a:tableStyleId>{5C22544A-7EE6-4342-B048-85BDC9FD1C3A}</a:tableStyleId>
+              </a:tblPr>
+              <a:tblGrid>
+                <a:gridCol w="1168400">
+                  <a:extLst>
+                    <a:ext uri="{9D8B030D-6E8A-4147-A177-3AD203B41FA5}">
+                      <a16:colId xmlns:a16="http://schemas.microsoft.com/office/drawing/2014/main" val="3127139403"/>
+                    </a:ext>
+                  </a:extLst>
+                </a:gridCol>
+                <a:gridCol w="1168400">
+                  <a:extLst>
+                    <a:ext uri="{9D8B030D-6E8A-4147-A177-3AD203B41FA5}">
+                      <a16:colId xmlns:a16="http://schemas.microsoft.com/office/drawing/2014/main" val="2247586725"/>
+                    </a:ext>
+                  </a:extLst>
+                </a:gridCol>
+                <a:gridCol w="1168400">
+                  <a:extLst>
+                    <a:ext uri="{9D8B030D-6E8A-4147-A177-3AD203B41FA5}">
+                      <a16:colId xmlns:a16="http://schemas.microsoft.com/office/drawing/2014/main" val="600189754"/>
+                    </a:ext>
+                  </a:extLst>
+                </a:gridCol>
+              </a:tblGrid>
+              <a:tr h="395576">
+                <a:tc>
+                  <a:txBody>
+                    <a:bodyPr/>
+                    <a:lstStyle/>
+                    <a:p>
+                      <a:pPr algn="l" fontAlgn="b"/>
+                      <a:r>
+                        <a:rPr lang="en-US" sz="2000" b="1" u="none" strike="noStrike" dirty="0">
+                          <a:effectLst/>
+                        </a:rPr>
+                        <a:t>Names</a:t>
+                      </a:r>
+                      <a:endParaRPr lang="en-US" sz="2000" b="1" i="0" u="none" strike="noStrike" dirty="0">
+                        <a:solidFill>
+                          <a:srgbClr val="000000"/>
+                        </a:solidFill>
+                        <a:effectLst/>
+                        <a:latin typeface="Calibri" panose="020F0502020204030204" pitchFamily="34" charset="0"/>
+                      </a:endParaRPr>
+                    </a:p>
+                  </a:txBody>
+                  <a:tcPr marL="7620" marR="7620" marT="7620" marB="0" anchor="b"/>
+                </a:tc>
+                <a:tc>
+                  <a:txBody>
+                    <a:bodyPr/>
+                    <a:lstStyle/>
+                    <a:p>
+                      <a:pPr algn="l" fontAlgn="b"/>
+                      <a:r>
+                        <a:rPr lang="en-US" sz="2000" b="1" u="none" strike="noStrike" dirty="0">
+                          <a:effectLst/>
+                        </a:rPr>
+                        <a:t>Leave</a:t>
+                      </a:r>
+                      <a:endParaRPr lang="en-US" sz="2000" b="1" i="0" u="none" strike="noStrike" dirty="0">
+                        <a:solidFill>
+                          <a:srgbClr val="000000"/>
+                        </a:solidFill>
+                        <a:effectLst/>
+                        <a:latin typeface="Calibri" panose="020F0502020204030204" pitchFamily="34" charset="0"/>
+                      </a:endParaRPr>
+                    </a:p>
+                  </a:txBody>
+                  <a:tcPr marL="7620" marR="7620" marT="7620" marB="0" anchor="b"/>
+                </a:tc>
+                <a:tc>
+                  <a:txBody>
+                    <a:bodyPr/>
+                    <a:lstStyle/>
+                    <a:p>
+                      <a:pPr algn="l" fontAlgn="b"/>
+                      <a:r>
+                        <a:rPr lang="en-US" sz="2000" b="1" u="none" strike="noStrike" dirty="0">
+                          <a:effectLst/>
+                        </a:rPr>
+                        <a:t>Days</a:t>
+                      </a:r>
+                      <a:endParaRPr lang="en-US" sz="2000" b="1" i="0" u="none" strike="noStrike" dirty="0">
+                        <a:solidFill>
+                          <a:srgbClr val="000000"/>
+                        </a:solidFill>
+                        <a:effectLst/>
+                        <a:latin typeface="Calibri" panose="020F0502020204030204" pitchFamily="34" charset="0"/>
+                      </a:endParaRPr>
+                    </a:p>
+                  </a:txBody>
+                  <a:tcPr marL="7620" marR="7620" marT="7620" marB="0" anchor="b"/>
+                </a:tc>
+                <a:extLst>
+                  <a:ext uri="{0D108BD9-81ED-4DB2-BD59-A6C34878D82A}">
+                    <a16:rowId xmlns:a16="http://schemas.microsoft.com/office/drawing/2014/main" val="3638598624"/>
+                  </a:ext>
+                </a:extLst>
+              </a:tr>
+              <a:tr h="395576">
+                <a:tc>
+                  <a:txBody>
+                    <a:bodyPr/>
+                    <a:lstStyle/>
+                    <a:p>
+                      <a:pPr algn="l" fontAlgn="b"/>
+                      <a:r>
+                        <a:rPr lang="en-US" sz="2000" u="none" strike="noStrike" dirty="0">
+                          <a:effectLst/>
+                        </a:rPr>
+                        <a:t>Mahfuz</a:t>
+                      </a:r>
+                      <a:endParaRPr lang="en-US" sz="2000" b="0" i="0" u="none" strike="noStrike" dirty="0">
+                        <a:solidFill>
+                          <a:srgbClr val="000000"/>
+                        </a:solidFill>
+                        <a:effectLst/>
+                        <a:latin typeface="Calibri" panose="020F0502020204030204" pitchFamily="34" charset="0"/>
+                      </a:endParaRPr>
+                    </a:p>
+                  </a:txBody>
+                  <a:tcPr marL="7620" marR="7620" marT="7620" marB="0" anchor="b"/>
+                </a:tc>
+                <a:tc>
+                  <a:txBody>
+                    <a:bodyPr/>
+                    <a:lstStyle/>
+                    <a:p>
+                      <a:pPr algn="l" fontAlgn="b"/>
+                      <a:r>
+                        <a:rPr lang="en-US" sz="2000" u="none" strike="noStrike">
+                          <a:effectLst/>
+                        </a:rPr>
+                        <a:t>Vacation</a:t>
+                      </a:r>
+                      <a:endParaRPr lang="en-US" sz="2000" b="0" i="0" u="none" strike="noStrike">
+                        <a:solidFill>
+                          <a:srgbClr val="000000"/>
+                        </a:solidFill>
+                        <a:effectLst/>
+                        <a:latin typeface="Calibri" panose="020F0502020204030204" pitchFamily="34" charset="0"/>
+                      </a:endParaRPr>
+                    </a:p>
+                  </a:txBody>
+                  <a:tcPr marL="7620" marR="7620" marT="7620" marB="0" anchor="b"/>
+                </a:tc>
+                <a:tc>
+                  <a:txBody>
+                    <a:bodyPr/>
+                    <a:lstStyle/>
+                    <a:p>
+                      <a:pPr algn="l" fontAlgn="b"/>
+                      <a:endParaRPr lang="en-US" sz="2000" b="0" i="0" u="none" strike="noStrike" dirty="0">
+                        <a:solidFill>
+                          <a:srgbClr val="000000"/>
+                        </a:solidFill>
+                        <a:effectLst/>
+                        <a:latin typeface="Calibri" panose="020F0502020204030204" pitchFamily="34" charset="0"/>
+                      </a:endParaRPr>
+                    </a:p>
+                  </a:txBody>
+                  <a:tcPr marL="7620" marR="7620" marT="7620" marB="0" anchor="b"/>
+                </a:tc>
+                <a:extLst>
+                  <a:ext uri="{0D108BD9-81ED-4DB2-BD59-A6C34878D82A}">
+                    <a16:rowId xmlns:a16="http://schemas.microsoft.com/office/drawing/2014/main" val="1459430288"/>
+                  </a:ext>
+                </a:extLst>
+              </a:tr>
+              <a:tr h="395576">
+                <a:tc>
+                  <a:txBody>
+                    <a:bodyPr/>
+                    <a:lstStyle/>
+                    <a:p>
+                      <a:pPr algn="l" fontAlgn="b"/>
+                      <a:r>
+                        <a:rPr lang="en-US" sz="2000" u="none" strike="noStrike" dirty="0" err="1">
+                          <a:effectLst/>
+                        </a:rPr>
+                        <a:t>sujaul</a:t>
+                      </a:r>
+                      <a:endParaRPr lang="en-US" sz="2000" b="0" i="0" u="none" strike="noStrike" dirty="0">
+                        <a:solidFill>
+                          <a:srgbClr val="000000"/>
+                        </a:solidFill>
+                        <a:effectLst/>
+                        <a:latin typeface="Calibri" panose="020F0502020204030204" pitchFamily="34" charset="0"/>
+                      </a:endParaRPr>
+                    </a:p>
+                  </a:txBody>
+                  <a:tcPr marL="7620" marR="7620" marT="7620" marB="0" anchor="b"/>
+                </a:tc>
+                <a:tc>
+                  <a:txBody>
+                    <a:bodyPr/>
+                    <a:lstStyle/>
+                    <a:p>
+                      <a:pPr algn="l" fontAlgn="b"/>
+                      <a:r>
+                        <a:rPr lang="en-US" sz="2000" u="none" strike="noStrike">
+                          <a:effectLst/>
+                        </a:rPr>
+                        <a:t>sick</a:t>
+                      </a:r>
+                      <a:endParaRPr lang="en-US" sz="2000" b="0" i="0" u="none" strike="noStrike">
+                        <a:solidFill>
+                          <a:srgbClr val="000000"/>
+                        </a:solidFill>
+                        <a:effectLst/>
+                        <a:latin typeface="Calibri" panose="020F0502020204030204" pitchFamily="34" charset="0"/>
+                      </a:endParaRPr>
+                    </a:p>
+                  </a:txBody>
+                  <a:tcPr marL="7620" marR="7620" marT="7620" marB="0" anchor="b"/>
+                </a:tc>
+                <a:tc>
+                  <a:txBody>
+                    <a:bodyPr/>
+                    <a:lstStyle/>
+                    <a:p>
+                      <a:pPr algn="l" fontAlgn="b"/>
+                      <a:r>
+                        <a:rPr lang="en-US" sz="2000" b="0" i="0" u="none" strike="noStrike" dirty="0" err="1">
+                          <a:solidFill>
+                            <a:srgbClr val="000000"/>
+                          </a:solidFill>
+                          <a:effectLst/>
+                          <a:latin typeface="Calibri" panose="020F0502020204030204" pitchFamily="34" charset="0"/>
+                        </a:rPr>
+                        <a:t>th</a:t>
+                      </a:r>
+                      <a:endParaRPr lang="en-US" sz="2000" b="0" i="0" u="none" strike="noStrike" dirty="0">
+                        <a:solidFill>
+                          <a:srgbClr val="000000"/>
+                        </a:solidFill>
+                        <a:effectLst/>
+                        <a:latin typeface="Calibri" panose="020F0502020204030204" pitchFamily="34" charset="0"/>
+                      </a:endParaRPr>
+                    </a:p>
+                  </a:txBody>
+                  <a:tcPr marL="7620" marR="7620" marT="7620" marB="0" anchor="b"/>
+                </a:tc>
+                <a:extLst>
+                  <a:ext uri="{0D108BD9-81ED-4DB2-BD59-A6C34878D82A}">
+                    <a16:rowId xmlns:a16="http://schemas.microsoft.com/office/drawing/2014/main" val="628749762"/>
+                  </a:ext>
+                </a:extLst>
+              </a:tr>
+              <a:tr h="395576">
+                <a:tc>
+                  <a:txBody>
+                    <a:bodyPr/>
+                    <a:lstStyle/>
+                    <a:p>
+                      <a:pPr algn="l" fontAlgn="b"/>
+                      <a:r>
+                        <a:rPr lang="en-US" sz="2000" b="0" i="0" u="none" strike="noStrike" dirty="0">
+                          <a:solidFill>
+                            <a:srgbClr val="000000"/>
+                          </a:solidFill>
+                          <a:effectLst/>
+                          <a:latin typeface="Calibri" panose="020F0502020204030204" pitchFamily="34" charset="0"/>
+                        </a:rPr>
+                        <a:t>Khalil</a:t>
+                      </a:r>
+                    </a:p>
+                  </a:txBody>
+                  <a:tcPr marL="7620" marR="7620" marT="7620" marB="0" anchor="b"/>
+                </a:tc>
+                <a:tc>
+                  <a:txBody>
+                    <a:bodyPr/>
+                    <a:lstStyle/>
+                    <a:p>
+                      <a:pPr algn="l" fontAlgn="b"/>
+                      <a:r>
+                        <a:rPr lang="en-US" sz="2000" u="none" strike="noStrike">
+                          <a:effectLst/>
+                        </a:rPr>
+                        <a:t>sick</a:t>
+                      </a:r>
+                      <a:endParaRPr lang="en-US" sz="2000" b="0" i="0" u="none" strike="noStrike">
+                        <a:solidFill>
+                          <a:srgbClr val="000000"/>
+                        </a:solidFill>
+                        <a:effectLst/>
+                        <a:latin typeface="Calibri" panose="020F0502020204030204" pitchFamily="34" charset="0"/>
+                      </a:endParaRPr>
+                    </a:p>
+                  </a:txBody>
+                  <a:tcPr marL="7620" marR="7620" marT="7620" marB="0" anchor="b"/>
+                </a:tc>
+                <a:tc>
+                  <a:txBody>
+                    <a:bodyPr/>
+                    <a:lstStyle/>
+                    <a:p>
+                      <a:pPr algn="l" fontAlgn="b"/>
+                      <a:r>
+                        <a:rPr lang="en-US" sz="2000" b="0" i="0" u="none" strike="noStrike" dirty="0">
+                          <a:solidFill>
+                            <a:srgbClr val="000000"/>
+                          </a:solidFill>
+                          <a:effectLst/>
+                          <a:latin typeface="Calibri" panose="020F0502020204030204" pitchFamily="34" charset="0"/>
+                        </a:rPr>
+                        <a:t>s</a:t>
+                      </a:r>
+                    </a:p>
+                  </a:txBody>
+                  <a:tcPr marL="7620" marR="7620" marT="7620" marB="0" anchor="b"/>
+                </a:tc>
+                <a:extLst>
+                  <a:ext uri="{0D108BD9-81ED-4DB2-BD59-A6C34878D82A}">
+                    <a16:rowId xmlns:a16="http://schemas.microsoft.com/office/drawing/2014/main" val="3236386579"/>
+                  </a:ext>
+                </a:extLst>
+              </a:tr>
+              <a:tr h="395576">
+                <a:tc>
+                  <a:txBody>
+                    <a:bodyPr/>
+                    <a:lstStyle/>
+                    <a:p>
+                      <a:pPr algn="l" fontAlgn="b"/>
+                      <a:r>
+                        <a:rPr lang="en-US" sz="2000" u="none" strike="noStrike" dirty="0">
+                          <a:effectLst/>
+                        </a:rPr>
+                        <a:t>Fahim</a:t>
+                      </a:r>
+                      <a:endParaRPr lang="en-US" sz="2000" b="0" i="0" u="none" strike="noStrike" dirty="0">
+                        <a:solidFill>
+                          <a:srgbClr val="000000"/>
+                        </a:solidFill>
+                        <a:effectLst/>
+                        <a:latin typeface="Calibri" panose="020F0502020204030204" pitchFamily="34" charset="0"/>
+                      </a:endParaRPr>
+                    </a:p>
+                  </a:txBody>
+                  <a:tcPr marL="7620" marR="7620" marT="7620" marB="0" anchor="b"/>
+                </a:tc>
+                <a:tc>
+                  <a:txBody>
+                    <a:bodyPr/>
+                    <a:lstStyle/>
+                    <a:p>
+                      <a:pPr algn="l" fontAlgn="b"/>
+                      <a:r>
+                        <a:rPr lang="en-US" sz="2000" u="none" strike="noStrike">
+                          <a:effectLst/>
+                        </a:rPr>
+                        <a:t>sick</a:t>
+                      </a:r>
+                      <a:endParaRPr lang="en-US" sz="2000" b="0" i="0" u="none" strike="noStrike">
+                        <a:solidFill>
+                          <a:srgbClr val="000000"/>
+                        </a:solidFill>
+                        <a:effectLst/>
+                        <a:latin typeface="Calibri" panose="020F0502020204030204" pitchFamily="34" charset="0"/>
+                      </a:endParaRPr>
+                    </a:p>
+                  </a:txBody>
+                  <a:tcPr marL="7620" marR="7620" marT="7620" marB="0" anchor="b"/>
+                </a:tc>
+                <a:tc>
+                  <a:txBody>
+                    <a:bodyPr/>
+                    <a:lstStyle/>
+                    <a:p>
+                      <a:pPr algn="l" fontAlgn="b"/>
+                      <a:r>
+                        <a:rPr lang="en-US" sz="2000" b="0" i="0" u="none" strike="noStrike" dirty="0">
+                          <a:solidFill>
+                            <a:srgbClr val="000000"/>
+                          </a:solidFill>
+                          <a:effectLst/>
+                          <a:latin typeface="Calibri" panose="020F0502020204030204" pitchFamily="34" charset="0"/>
+                        </a:rPr>
+                        <a:t>f</a:t>
+                      </a:r>
+                    </a:p>
+                  </a:txBody>
+                  <a:tcPr marL="7620" marR="7620" marT="7620" marB="0" anchor="b"/>
+                </a:tc>
+                <a:extLst>
+                  <a:ext uri="{0D108BD9-81ED-4DB2-BD59-A6C34878D82A}">
+                    <a16:rowId xmlns:a16="http://schemas.microsoft.com/office/drawing/2014/main" val="2264353333"/>
+                  </a:ext>
+                </a:extLst>
+              </a:tr>
+              <a:tr h="395576">
+                <a:tc>
+                  <a:txBody>
+                    <a:bodyPr/>
+                    <a:lstStyle/>
+                    <a:p>
+                      <a:pPr algn="l" fontAlgn="b"/>
+                      <a:r>
+                        <a:rPr lang="en-US" sz="2000" u="none" strike="noStrike" dirty="0">
+                          <a:effectLst/>
+                        </a:rPr>
+                        <a:t>Tamanna</a:t>
+                      </a:r>
+                      <a:endParaRPr lang="en-US" sz="2000" b="0" i="0" u="none" strike="noStrike" dirty="0">
+                        <a:solidFill>
+                          <a:srgbClr val="000000"/>
+                        </a:solidFill>
+                        <a:effectLst/>
+                        <a:latin typeface="Calibri" panose="020F0502020204030204" pitchFamily="34" charset="0"/>
+                      </a:endParaRPr>
+                    </a:p>
+                  </a:txBody>
+                  <a:tcPr marL="7620" marR="7620" marT="7620" marB="0" anchor="b"/>
+                </a:tc>
+                <a:tc>
+                  <a:txBody>
+                    <a:bodyPr/>
+                    <a:lstStyle/>
+                    <a:p>
+                      <a:pPr algn="l" fontAlgn="b"/>
+                      <a:r>
+                        <a:rPr lang="en-US" sz="2000" u="none" strike="noStrike">
+                          <a:effectLst/>
+                        </a:rPr>
+                        <a:t>Vacation</a:t>
+                      </a:r>
+                      <a:endParaRPr lang="en-US" sz="2000" b="0" i="0" u="none" strike="noStrike">
+                        <a:solidFill>
+                          <a:srgbClr val="000000"/>
+                        </a:solidFill>
+                        <a:effectLst/>
+                        <a:latin typeface="Calibri" panose="020F0502020204030204" pitchFamily="34" charset="0"/>
+                      </a:endParaRPr>
+                    </a:p>
+                  </a:txBody>
+                  <a:tcPr marL="7620" marR="7620" marT="7620" marB="0" anchor="b"/>
+                </a:tc>
+                <a:tc>
+                  <a:txBody>
+                    <a:bodyPr/>
+                    <a:lstStyle/>
+                    <a:p>
+                      <a:pPr algn="l" fontAlgn="b"/>
+                      <a:r>
+                        <a:rPr lang="en-US" sz="2000" b="0" i="0" u="none" strike="noStrike" dirty="0">
+                          <a:solidFill>
+                            <a:srgbClr val="000000"/>
+                          </a:solidFill>
+                          <a:effectLst/>
+                          <a:latin typeface="Calibri" panose="020F0502020204030204" pitchFamily="34" charset="0"/>
+                        </a:rPr>
+                        <a:t>m</a:t>
+                      </a:r>
+                    </a:p>
+                  </a:txBody>
+                  <a:tcPr marL="7620" marR="7620" marT="7620" marB="0" anchor="b"/>
+                </a:tc>
+                <a:extLst>
+                  <a:ext uri="{0D108BD9-81ED-4DB2-BD59-A6C34878D82A}">
+                    <a16:rowId xmlns:a16="http://schemas.microsoft.com/office/drawing/2014/main" val="26001022"/>
+                  </a:ext>
+                </a:extLst>
+              </a:tr>
+              <a:tr h="395576">
+                <a:tc>
+                  <a:txBody>
+                    <a:bodyPr/>
+                    <a:lstStyle/>
+                    <a:p>
+                      <a:pPr algn="l" fontAlgn="b"/>
+                      <a:r>
+                        <a:rPr lang="en-US" sz="2000" u="none" strike="noStrike" dirty="0" err="1">
+                          <a:effectLst/>
+                        </a:rPr>
+                        <a:t>Yeasmin</a:t>
+                      </a:r>
+                      <a:endParaRPr lang="en-US" sz="2000" b="0" i="0" u="none" strike="noStrike" dirty="0">
+                        <a:solidFill>
+                          <a:srgbClr val="000000"/>
+                        </a:solidFill>
+                        <a:effectLst/>
+                        <a:latin typeface="Calibri" panose="020F0502020204030204" pitchFamily="34" charset="0"/>
+                      </a:endParaRPr>
+                    </a:p>
+                  </a:txBody>
+                  <a:tcPr marL="7620" marR="7620" marT="7620" marB="0" anchor="b"/>
+                </a:tc>
+                <a:tc>
+                  <a:txBody>
+                    <a:bodyPr/>
+                    <a:lstStyle/>
+                    <a:p>
+                      <a:pPr algn="l" fontAlgn="b"/>
+                      <a:r>
+                        <a:rPr lang="en-US" sz="2000" u="none" strike="noStrike">
+                          <a:effectLst/>
+                        </a:rPr>
+                        <a:t>sick</a:t>
+                      </a:r>
+                      <a:endParaRPr lang="en-US" sz="2000" b="0" i="0" u="none" strike="noStrike">
+                        <a:solidFill>
+                          <a:srgbClr val="000000"/>
+                        </a:solidFill>
+                        <a:effectLst/>
+                        <a:latin typeface="Calibri" panose="020F0502020204030204" pitchFamily="34" charset="0"/>
+                      </a:endParaRPr>
+                    </a:p>
+                  </a:txBody>
+                  <a:tcPr marL="7620" marR="7620" marT="7620" marB="0" anchor="b"/>
+                </a:tc>
+                <a:tc>
+                  <a:txBody>
+                    <a:bodyPr/>
+                    <a:lstStyle/>
+                    <a:p>
+                      <a:pPr algn="l" fontAlgn="b"/>
+                      <a:r>
+                        <a:rPr lang="en-US" sz="2000" b="0" i="0" u="none" strike="noStrike" dirty="0">
+                          <a:solidFill>
+                            <a:srgbClr val="000000"/>
+                          </a:solidFill>
+                          <a:effectLst/>
+                          <a:latin typeface="Calibri" panose="020F0502020204030204" pitchFamily="34" charset="0"/>
+                        </a:rPr>
+                        <a:t>t</a:t>
+                      </a:r>
+                    </a:p>
+                  </a:txBody>
+                  <a:tcPr marL="7620" marR="7620" marT="7620" marB="0" anchor="b"/>
+                </a:tc>
+                <a:extLst>
+                  <a:ext uri="{0D108BD9-81ED-4DB2-BD59-A6C34878D82A}">
+                    <a16:rowId xmlns:a16="http://schemas.microsoft.com/office/drawing/2014/main" val="4069771239"/>
+                  </a:ext>
+                </a:extLst>
+              </a:tr>
+              <a:tr h="395576">
+                <a:tc>
+                  <a:txBody>
+                    <a:bodyPr/>
+                    <a:lstStyle/>
+                    <a:p>
+                      <a:pPr algn="l" fontAlgn="b"/>
+                      <a:r>
+                        <a:rPr lang="en-US" sz="2000" u="none" strike="noStrike" dirty="0">
+                          <a:effectLst/>
+                        </a:rPr>
+                        <a:t>Naim</a:t>
+                      </a:r>
+                      <a:endParaRPr lang="en-US" sz="2000" b="0" i="0" u="none" strike="noStrike" dirty="0">
+                        <a:solidFill>
+                          <a:srgbClr val="000000"/>
+                        </a:solidFill>
+                        <a:effectLst/>
+                        <a:latin typeface="Calibri" panose="020F0502020204030204" pitchFamily="34" charset="0"/>
+                      </a:endParaRPr>
+                    </a:p>
+                  </a:txBody>
+                  <a:tcPr marL="7620" marR="7620" marT="7620" marB="0" anchor="b"/>
+                </a:tc>
+                <a:tc>
+                  <a:txBody>
+                    <a:bodyPr/>
+                    <a:lstStyle/>
+                    <a:p>
+                      <a:pPr algn="l" fontAlgn="b"/>
+                      <a:r>
+                        <a:rPr lang="en-US" sz="2000" u="none" strike="noStrike">
+                          <a:effectLst/>
+                        </a:rPr>
+                        <a:t>Vacation</a:t>
+                      </a:r>
+                      <a:endParaRPr lang="en-US" sz="2000" b="0" i="0" u="none" strike="noStrike">
+                        <a:solidFill>
+                          <a:srgbClr val="000000"/>
+                        </a:solidFill>
+                        <a:effectLst/>
+                        <a:latin typeface="Calibri" panose="020F0502020204030204" pitchFamily="34" charset="0"/>
+                      </a:endParaRPr>
+                    </a:p>
+                  </a:txBody>
+                  <a:tcPr marL="7620" marR="7620" marT="7620" marB="0" anchor="b"/>
+                </a:tc>
+                <a:tc>
+                  <a:txBody>
+                    <a:bodyPr/>
+                    <a:lstStyle/>
+                    <a:p>
+                      <a:pPr algn="l" fontAlgn="b"/>
+                      <a:endParaRPr lang="en-US" sz="2000" b="0" i="0" u="none" strike="noStrike">
+                        <a:solidFill>
+                          <a:srgbClr val="000000"/>
+                        </a:solidFill>
+                        <a:effectLst/>
+                        <a:latin typeface="Calibri" panose="020F0502020204030204" pitchFamily="34" charset="0"/>
+                      </a:endParaRPr>
+                    </a:p>
+                  </a:txBody>
+                  <a:tcPr marL="7620" marR="7620" marT="7620" marB="0" anchor="b"/>
+                </a:tc>
+                <a:extLst>
+                  <a:ext uri="{0D108BD9-81ED-4DB2-BD59-A6C34878D82A}">
+                    <a16:rowId xmlns:a16="http://schemas.microsoft.com/office/drawing/2014/main" val="3222766874"/>
+                  </a:ext>
+                </a:extLst>
+              </a:tr>
+              <a:tr h="395576">
+                <a:tc>
+                  <a:txBody>
+                    <a:bodyPr/>
+                    <a:lstStyle/>
+                    <a:p>
+                      <a:pPr algn="l" fontAlgn="b"/>
+                      <a:r>
+                        <a:rPr lang="en-US" sz="2000" u="none" strike="noStrike" dirty="0">
+                          <a:effectLst/>
+                        </a:rPr>
+                        <a:t>Sumaiya</a:t>
+                      </a:r>
+                      <a:endParaRPr lang="en-US" sz="2000" b="0" i="0" u="none" strike="noStrike" dirty="0">
+                        <a:solidFill>
+                          <a:srgbClr val="000000"/>
+                        </a:solidFill>
+                        <a:effectLst/>
+                        <a:latin typeface="Calibri" panose="020F0502020204030204" pitchFamily="34" charset="0"/>
+                      </a:endParaRPr>
+                    </a:p>
+                  </a:txBody>
+                  <a:tcPr marL="7620" marR="7620" marT="7620" marB="0" anchor="b"/>
+                </a:tc>
+                <a:tc>
+                  <a:txBody>
+                    <a:bodyPr/>
+                    <a:lstStyle/>
+                    <a:p>
+                      <a:pPr algn="l" fontAlgn="b"/>
+                      <a:r>
+                        <a:rPr lang="en-US" sz="2000" u="none" strike="noStrike">
+                          <a:effectLst/>
+                        </a:rPr>
+                        <a:t>Vacation</a:t>
+                      </a:r>
+                      <a:endParaRPr lang="en-US" sz="2000" b="0" i="0" u="none" strike="noStrike">
+                        <a:solidFill>
+                          <a:srgbClr val="000000"/>
+                        </a:solidFill>
+                        <a:effectLst/>
+                        <a:latin typeface="Calibri" panose="020F0502020204030204" pitchFamily="34" charset="0"/>
+                      </a:endParaRPr>
+                    </a:p>
+                  </a:txBody>
+                  <a:tcPr marL="7620" marR="7620" marT="7620" marB="0" anchor="b"/>
+                </a:tc>
+                <a:tc>
+                  <a:txBody>
+                    <a:bodyPr/>
+                    <a:lstStyle/>
+                    <a:p>
+                      <a:pPr algn="l" fontAlgn="b"/>
+                      <a:r>
+                        <a:rPr lang="en-US" sz="2000" b="0" i="0" u="none" strike="noStrike" dirty="0">
+                          <a:solidFill>
+                            <a:srgbClr val="000000"/>
+                          </a:solidFill>
+                          <a:effectLst/>
+                          <a:latin typeface="Calibri" panose="020F0502020204030204" pitchFamily="34" charset="0"/>
+                        </a:rPr>
+                        <a:t>m</a:t>
+                      </a:r>
+                    </a:p>
+                  </a:txBody>
+                  <a:tcPr marL="7620" marR="7620" marT="7620" marB="0" anchor="b"/>
+                </a:tc>
+                <a:extLst>
+                  <a:ext uri="{0D108BD9-81ED-4DB2-BD59-A6C34878D82A}">
+                    <a16:rowId xmlns:a16="http://schemas.microsoft.com/office/drawing/2014/main" val="534478043"/>
+                  </a:ext>
+                </a:extLst>
+              </a:tr>
+              <a:tr h="395576">
+                <a:tc>
+                  <a:txBody>
+                    <a:bodyPr/>
+                    <a:lstStyle/>
+                    <a:p>
+                      <a:pPr algn="l" fontAlgn="b"/>
+                      <a:r>
+                        <a:rPr lang="en-US" sz="2000" u="none" strike="noStrike" dirty="0">
+                          <a:effectLst/>
+                        </a:rPr>
+                        <a:t>Raju</a:t>
+                      </a:r>
+                      <a:endParaRPr lang="en-US" sz="2000" b="0" i="0" u="none" strike="noStrike" dirty="0">
+                        <a:solidFill>
+                          <a:srgbClr val="000000"/>
+                        </a:solidFill>
+                        <a:effectLst/>
+                        <a:latin typeface="Calibri" panose="020F0502020204030204" pitchFamily="34" charset="0"/>
+                      </a:endParaRPr>
+                    </a:p>
+                  </a:txBody>
+                  <a:tcPr marL="7620" marR="7620" marT="7620" marB="0" anchor="b"/>
+                </a:tc>
+                <a:tc>
+                  <a:txBody>
+                    <a:bodyPr/>
+                    <a:lstStyle/>
+                    <a:p>
+                      <a:pPr algn="l" fontAlgn="b"/>
+                      <a:r>
+                        <a:rPr lang="en-US" sz="2000" u="none" strike="noStrike">
+                          <a:effectLst/>
+                        </a:rPr>
+                        <a:t>sick</a:t>
+                      </a:r>
+                      <a:endParaRPr lang="en-US" sz="2000" b="0" i="0" u="none" strike="noStrike">
+                        <a:solidFill>
+                          <a:srgbClr val="000000"/>
+                        </a:solidFill>
+                        <a:effectLst/>
+                        <a:latin typeface="Calibri" panose="020F0502020204030204" pitchFamily="34" charset="0"/>
+                      </a:endParaRPr>
+                    </a:p>
+                  </a:txBody>
+                  <a:tcPr marL="7620" marR="7620" marT="7620" marB="0" anchor="b"/>
+                </a:tc>
+                <a:tc>
+                  <a:txBody>
+                    <a:bodyPr/>
+                    <a:lstStyle/>
+                    <a:p>
+                      <a:pPr algn="l" fontAlgn="b"/>
+                      <a:endParaRPr lang="en-US" sz="2000" b="0" i="0" u="none" strike="noStrike">
+                        <a:solidFill>
+                          <a:srgbClr val="000000"/>
+                        </a:solidFill>
+                        <a:effectLst/>
+                        <a:latin typeface="Calibri" panose="020F0502020204030204" pitchFamily="34" charset="0"/>
+                      </a:endParaRPr>
+                    </a:p>
+                  </a:txBody>
+                  <a:tcPr marL="7620" marR="7620" marT="7620" marB="0" anchor="b"/>
+                </a:tc>
+                <a:extLst>
+                  <a:ext uri="{0D108BD9-81ED-4DB2-BD59-A6C34878D82A}">
+                    <a16:rowId xmlns:a16="http://schemas.microsoft.com/office/drawing/2014/main" val="1192052842"/>
+                  </a:ext>
+                </a:extLst>
+              </a:tr>
+              <a:tr h="395576">
+                <a:tc>
+                  <a:txBody>
+                    <a:bodyPr/>
+                    <a:lstStyle/>
+                    <a:p>
+                      <a:pPr algn="l" fontAlgn="b"/>
+                      <a:r>
+                        <a:rPr lang="en-US" sz="2000" u="none" strike="noStrike">
+                          <a:effectLst/>
+                        </a:rPr>
+                        <a:t>Sumon</a:t>
+                      </a:r>
+                      <a:endParaRPr lang="en-US" sz="2000" b="0" i="0" u="none" strike="noStrike">
+                        <a:solidFill>
+                          <a:srgbClr val="000000"/>
+                        </a:solidFill>
+                        <a:effectLst/>
+                        <a:latin typeface="Calibri" panose="020F0502020204030204" pitchFamily="34" charset="0"/>
+                      </a:endParaRPr>
+                    </a:p>
+                  </a:txBody>
+                  <a:tcPr marL="7620" marR="7620" marT="7620" marB="0" anchor="b"/>
+                </a:tc>
+                <a:tc>
+                  <a:txBody>
+                    <a:bodyPr/>
+                    <a:lstStyle/>
+                    <a:p>
+                      <a:pPr algn="l" fontAlgn="b"/>
+                      <a:r>
+                        <a:rPr lang="en-US" sz="2000" u="none" strike="noStrike">
+                          <a:effectLst/>
+                        </a:rPr>
+                        <a:t>sick</a:t>
+                      </a:r>
+                      <a:endParaRPr lang="en-US" sz="2000" b="0" i="0" u="none" strike="noStrike">
+                        <a:solidFill>
+                          <a:srgbClr val="000000"/>
+                        </a:solidFill>
+                        <a:effectLst/>
+                        <a:latin typeface="Calibri" panose="020F0502020204030204" pitchFamily="34" charset="0"/>
+                      </a:endParaRPr>
+                    </a:p>
+                  </a:txBody>
+                  <a:tcPr marL="7620" marR="7620" marT="7620" marB="0" anchor="b"/>
+                </a:tc>
+                <a:tc>
+                  <a:txBody>
+                    <a:bodyPr/>
+                    <a:lstStyle/>
+                    <a:p>
+                      <a:pPr algn="l" fontAlgn="b"/>
+                      <a:r>
+                        <a:rPr lang="en-US" sz="2000" b="0" i="0" u="none" strike="noStrike" dirty="0" err="1">
+                          <a:solidFill>
+                            <a:srgbClr val="000000"/>
+                          </a:solidFill>
+                          <a:effectLst/>
+                          <a:latin typeface="Calibri" panose="020F0502020204030204" pitchFamily="34" charset="0"/>
+                        </a:rPr>
+                        <a:t>sa</a:t>
+                      </a:r>
+                      <a:endParaRPr lang="en-US" sz="2000" b="0" i="0" u="none" strike="noStrike" dirty="0">
+                        <a:solidFill>
+                          <a:srgbClr val="000000"/>
+                        </a:solidFill>
+                        <a:effectLst/>
+                        <a:latin typeface="Calibri" panose="020F0502020204030204" pitchFamily="34" charset="0"/>
+                      </a:endParaRPr>
+                    </a:p>
+                  </a:txBody>
+                  <a:tcPr marL="7620" marR="7620" marT="7620" marB="0" anchor="b"/>
+                </a:tc>
+                <a:extLst>
+                  <a:ext uri="{0D108BD9-81ED-4DB2-BD59-A6C34878D82A}">
+                    <a16:rowId xmlns:a16="http://schemas.microsoft.com/office/drawing/2014/main" val="151060177"/>
+                  </a:ext>
+                </a:extLst>
+              </a:tr>
+            </a:tbl>
+          </a:graphicData>
+        </a:graphic>
+      </p:graphicFrame>
+    </p:spTree>
+    <p:extLst>
+      <p:ext uri="{BB962C8B-B14F-4D97-AF65-F5344CB8AC3E}">
+        <p14:creationId xmlns:p14="http://schemas.microsoft.com/office/powerpoint/2010/main" val="1954561538"/>
+      </p:ext>
+    </p:extLst>
+  </p:cSld>
+  <p:clrMapOvr>
+    <a:masterClrMapping/>
+  </p:clrMapOvr>
+</p:sld>
+</file>
+
+<file path=ppt/slides/slide47.xml><?xml version="1.0" encoding="utf-8"?>
+<p:sld xmlns:a="http://schemas.openxmlformats.org/drawingml/2006/main" xmlns:r="http://schemas.openxmlformats.org/officeDocument/2006/relationships" xmlns:p="http://schemas.openxmlformats.org/presentationml/2006/main">
+  <p:cSld>
+    <p:spTree>
+      <p:nvGrpSpPr>
+        <p:cNvPr id="1" name=""/>
+        <p:cNvGrpSpPr/>
+        <p:nvPr/>
+      </p:nvGrpSpPr>
+      <p:grpSpPr>
+        <a:xfrm>
+          <a:off x="0" y="0"/>
+          <a:ext cx="0" cy="0"/>
+          <a:chOff x="0" y="0"/>
+          <a:chExt cx="0" cy="0"/>
+        </a:xfrm>
+      </p:grpSpPr>
+      <p:sp>
+        <p:nvSpPr>
+          <p:cNvPr id="2" name="Title 1">
+            <a:extLst>
+              <a:ext uri="{FF2B5EF4-FFF2-40B4-BE49-F238E27FC236}">
+                <a16:creationId xmlns:a16="http://schemas.microsoft.com/office/drawing/2014/main" id="{B9B16C32-1676-4F4D-8A5F-DE24F3ACD8BB}"/>
+              </a:ext>
+            </a:extLst>
+          </p:cNvPr>
+          <p:cNvSpPr>
+            <a:spLocks noGrp="1"/>
+          </p:cNvSpPr>
+          <p:nvPr>
+            <p:ph type="title"/>
+          </p:nvPr>
+        </p:nvSpPr>
+        <p:spPr/>
+        <p:txBody>
+          <a:bodyPr/>
+          <a:lstStyle/>
+          <a:p>
+            <a:r>
+              <a:rPr lang="en-US" b="1" dirty="0"/>
+              <a:t>Conditional probability</a:t>
+            </a:r>
+          </a:p>
+        </p:txBody>
+      </p:sp>
       <mc:AlternateContent xmlns:mc="http://schemas.openxmlformats.org/markup-compatibility/2006">
         <mc:Choice xmlns:a14="http://schemas.microsoft.com/office/drawing/2010/main" Requires="a14">
           <p:sp>
@@ -16827,10 +17568,10 @@
                       </m:dPr>
                       <m:e>
                         <m:r>
-                          <a:rPr lang="en-US" i="1" dirty="0" smtClean="0">
+                          <a:rPr lang="en-US" b="0" i="1" dirty="0" smtClean="0">
                             <a:latin typeface="Cambria Math" panose="02040503050406030204" pitchFamily="18" charset="0"/>
                           </a:rPr>
-                          <m:t>𝐵</m:t>
+                          <m:t>𝐷𝑎𝑦</m:t>
                         </m:r>
                         <m:r>
                           <a:rPr lang="en-US" i="1" dirty="0" smtClean="0">
@@ -16842,7 +17583,7 @@
                           <a:rPr lang="en-US" b="0" i="1" dirty="0" smtClean="0">
                             <a:latin typeface="Cambria Math" panose="02040503050406030204" pitchFamily="18" charset="0"/>
                           </a:rPr>
-                          <m:t>𝑠</m:t>
+                          <m:t>𝑚</m:t>
                         </m:r>
                       </m:e>
                     </m:d>
@@ -16876,7 +17617,7 @@
                           <a:rPr lang="en-US" b="0" i="0" dirty="0" smtClean="0">
                             <a:latin typeface="Cambria Math" panose="02040503050406030204" pitchFamily="18" charset="0"/>
                           </a:rPr>
-                          <m:t>A</m:t>
+                          <m:t>Leave</m:t>
                         </m:r>
                         <m:r>
                           <a:rPr lang="en-US" b="0" i="0" dirty="0" smtClean="0">
@@ -16920,10 +17661,10 @@
                       <m:t>(</m:t>
                     </m:r>
                     <m:r>
-                      <a:rPr lang="en-US" i="1" dirty="0" smtClean="0">
+                      <a:rPr lang="en-US" b="0" i="1" dirty="0" smtClean="0">
                         <a:latin typeface="Cambria Math" panose="02040503050406030204" pitchFamily="18" charset="0"/>
                       </a:rPr>
-                      <m:t>𝐴</m:t>
+                      <m:t>𝐿𝑒𝑎𝑣𝑒</m:t>
                     </m:r>
                     <m:r>
                       <a:rPr lang="en-US" i="1" dirty="0">
@@ -16951,10 +17692,10 @@
                       <m:t>|</m:t>
                     </m:r>
                     <m:r>
-                      <a:rPr lang="en-US" i="1" dirty="0" smtClean="0">
+                      <a:rPr lang="en-US" b="0" i="1" dirty="0" smtClean="0">
                         <a:latin typeface="Cambria Math" panose="02040503050406030204" pitchFamily="18" charset="0"/>
                       </a:rPr>
-                      <m:t>𝐵</m:t>
+                      <m:t>𝐷𝑎𝑦</m:t>
                     </m:r>
                     <m:r>
                       <a:rPr lang="en-US" i="1" dirty="0">
@@ -17007,10 +17748,10 @@
                       <m:t>(</m:t>
                     </m:r>
                     <m:r>
-                      <a:rPr lang="en-US" i="1" dirty="0" smtClean="0">
+                      <a:rPr lang="en-US" b="0" i="1" dirty="0" smtClean="0">
                         <a:latin typeface="Cambria Math" panose="02040503050406030204" pitchFamily="18" charset="0"/>
                       </a:rPr>
-                      <m:t>𝐴</m:t>
+                      <m:t>𝐿𝑒𝑎𝑣𝑒</m:t>
                     </m:r>
                     <m:r>
                       <a:rPr lang="en-US" i="1" dirty="0">
@@ -17038,10 +17779,10 @@
                       <m:t>|</m:t>
                     </m:r>
                     <m:r>
-                      <a:rPr lang="en-US" i="1" dirty="0" smtClean="0">
+                      <a:rPr lang="en-US" b="0" i="1" dirty="0" smtClean="0">
                         <a:latin typeface="Cambria Math" panose="02040503050406030204" pitchFamily="18" charset="0"/>
                       </a:rPr>
-                      <m:t>𝐵</m:t>
+                      <m:t>𝐷𝑎𝑦</m:t>
                     </m:r>
                     <m:r>
                       <a:rPr lang="en-US" i="1" dirty="0">
@@ -17147,14 +17888,14 @@
           <p:nvPr>
             <p:extLst>
               <p:ext uri="{D42A27DB-BD31-4B8C-83A1-F6EECF244321}">
-                <p14:modId xmlns:p14="http://schemas.microsoft.com/office/powerpoint/2010/main" val="1635099392"/>
+                <p14:modId xmlns:p14="http://schemas.microsoft.com/office/powerpoint/2010/main" val="2102655590"/>
               </p:ext>
             </p:extLst>
           </p:nvPr>
         </p:nvGraphicFramePr>
         <p:xfrm>
           <a:off x="6445250" y="4333875"/>
-          <a:ext cx="4215591" cy="1285080"/>
+          <a:ext cx="3676100" cy="1720349"/>
         </p:xfrm>
         <a:graphic>
           <a:graphicData uri="http://schemas.openxmlformats.org/drawingml/2006/table">
@@ -17167,13 +17908,6 @@
                   <a:extLst>
                     <a:ext uri="{9D8B030D-6E8A-4147-A177-3AD203B41FA5}">
                       <a16:colId xmlns:a16="http://schemas.microsoft.com/office/drawing/2014/main" val="3815507231"/>
-                    </a:ext>
-                  </a:extLst>
-                </a:gridCol>
-                <a:gridCol w="539491">
-                  <a:extLst>
-                    <a:ext uri="{9D8B030D-6E8A-4147-A177-3AD203B41FA5}">
-                      <a16:colId xmlns:a16="http://schemas.microsoft.com/office/drawing/2014/main" val="868678256"/>
                     </a:ext>
                   </a:extLst>
                 </a:gridCol>
@@ -17237,38 +17971,6 @@
                         <a:t> </a:t>
                       </a:r>
                       <a:endParaRPr lang="en-US" sz="1600">
-                        <a:effectLst/>
-                        <a:latin typeface="Calibri" panose="020F0502020204030204" pitchFamily="34" charset="0"/>
-                        <a:ea typeface="Calibri" panose="020F0502020204030204" pitchFamily="34" charset="0"/>
-                        <a:cs typeface="Times New Roman" panose="02020603050405020304" pitchFamily="18" charset="0"/>
-                      </a:endParaRPr>
-                    </a:p>
-                  </a:txBody>
-                  <a:tcPr marL="68580" marR="68580" marT="0" marB="0" anchor="ctr"/>
-                </a:tc>
-                <a:tc>
-                  <a:txBody>
-                    <a:bodyPr/>
-                    <a:lstStyle/>
-                    <a:p>
-                      <a:pPr marL="0" marR="0">
-                        <a:lnSpc>
-                          <a:spcPct val="107000"/>
-                        </a:lnSpc>
-                        <a:spcBef>
-                          <a:spcPts val="0"/>
-                        </a:spcBef>
-                        <a:spcAft>
-                          <a:spcPts val="0"/>
-                        </a:spcAft>
-                      </a:pPr>
-                      <a:r>
-                        <a:rPr lang="en-US" sz="1600" dirty="0">
-                          <a:effectLst/>
-                        </a:rPr>
-                        <a:t>s</a:t>
-                      </a:r>
-                      <a:endParaRPr lang="en-US" sz="1600" dirty="0">
                         <a:effectLst/>
                         <a:latin typeface="Calibri" panose="020F0502020204030204" pitchFamily="34" charset="0"/>
                         <a:ea typeface="Calibri" panose="020F0502020204030204" pitchFamily="34" charset="0"/>
@@ -17423,12 +18125,12 @@
                         </a:spcAft>
                       </a:pPr>
                       <a:r>
-                        <a:rPr lang="en-US" sz="1600">
+                        <a:rPr lang="en-US" sz="1600" dirty="0">
                           <a:effectLst/>
                         </a:rPr>
                         <a:t>f</a:t>
                       </a:r>
-                      <a:endParaRPr lang="en-US" sz="1600">
+                      <a:endParaRPr lang="en-US" sz="1600" dirty="0">
                         <a:effectLst/>
                         <a:latin typeface="Calibri" panose="020F0502020204030204" pitchFamily="34" charset="0"/>
                         <a:ea typeface="Calibri" panose="020F0502020204030204" pitchFamily="34" charset="0"/>
@@ -17497,7 +18199,7 @@
                         <a:rPr lang="en-US" sz="1600" dirty="0">
                           <a:effectLst/>
                         </a:rPr>
-                        <a:t> </a:t>
+                        <a:t> 2</a:t>
                       </a:r>
                       <a:endParaRPr lang="en-US" sz="1600" dirty="0">
                         <a:effectLst/>
@@ -17526,12 +18228,12 @@
                         </a:spcAft>
                       </a:pPr>
                       <a:r>
-                        <a:rPr lang="en-US" sz="1600">
+                        <a:rPr lang="en-US" sz="1600" dirty="0">
                           <a:effectLst/>
                         </a:rPr>
-                        <a:t> </a:t>
+                        <a:t> 0</a:t>
                       </a:r>
-                      <a:endParaRPr lang="en-US" sz="1600">
+                      <a:endParaRPr lang="en-US" sz="1600" dirty="0">
                         <a:effectLst/>
                         <a:latin typeface="Calibri" panose="020F0502020204030204" pitchFamily="34" charset="0"/>
                         <a:ea typeface="Calibri" panose="020F0502020204030204" pitchFamily="34" charset="0"/>
@@ -17558,12 +18260,12 @@
                         </a:spcAft>
                       </a:pPr>
                       <a:r>
-                        <a:rPr lang="en-US" sz="1600">
+                        <a:rPr lang="en-US" sz="1600" dirty="0">
                           <a:effectLst/>
                         </a:rPr>
-                        <a:t> </a:t>
+                        <a:t> 0</a:t>
                       </a:r>
-                      <a:endParaRPr lang="en-US" sz="1600">
+                      <a:endParaRPr lang="en-US" sz="1600" dirty="0">
                         <a:effectLst/>
                         <a:latin typeface="Calibri" panose="020F0502020204030204" pitchFamily="34" charset="0"/>
                         <a:ea typeface="Calibri" panose="020F0502020204030204" pitchFamily="34" charset="0"/>
@@ -17590,12 +18292,12 @@
                         </a:spcAft>
                       </a:pPr>
                       <a:r>
-                        <a:rPr lang="en-US" sz="1600">
+                        <a:rPr lang="en-US" sz="1600" dirty="0">
                           <a:effectLst/>
                         </a:rPr>
-                        <a:t> </a:t>
+                        <a:t> 0</a:t>
                       </a:r>
-                      <a:endParaRPr lang="en-US" sz="1600">
+                      <a:endParaRPr lang="en-US" sz="1600" dirty="0">
                         <a:effectLst/>
                         <a:latin typeface="Calibri" panose="020F0502020204030204" pitchFamily="34" charset="0"/>
                         <a:ea typeface="Calibri" panose="020F0502020204030204" pitchFamily="34" charset="0"/>
@@ -17622,44 +18324,12 @@
                         </a:spcAft>
                       </a:pPr>
                       <a:r>
-                        <a:rPr lang="en-US" sz="1600">
+                        <a:rPr lang="en-US" sz="1600" dirty="0">
                           <a:effectLst/>
                         </a:rPr>
-                        <a:t> </a:t>
+                        <a:t> 0</a:t>
                       </a:r>
-                      <a:endParaRPr lang="en-US" sz="1600">
-                        <a:effectLst/>
-                        <a:latin typeface="Calibri" panose="020F0502020204030204" pitchFamily="34" charset="0"/>
-                        <a:ea typeface="Calibri" panose="020F0502020204030204" pitchFamily="34" charset="0"/>
-                        <a:cs typeface="Times New Roman" panose="02020603050405020304" pitchFamily="18" charset="0"/>
-                      </a:endParaRPr>
-                    </a:p>
-                  </a:txBody>
-                  <a:tcPr marL="68580" marR="68580" marT="0" marB="0" anchor="ctr"/>
-                </a:tc>
-                <a:tc>
-                  <a:txBody>
-                    <a:bodyPr/>
-                    <a:lstStyle/>
-                    <a:p>
-                      <a:pPr marL="0" marR="0">
-                        <a:lnSpc>
-                          <a:spcPct val="107000"/>
-                        </a:lnSpc>
-                        <a:spcBef>
-                          <a:spcPts val="0"/>
-                        </a:spcBef>
-                        <a:spcAft>
-                          <a:spcPts val="0"/>
-                        </a:spcAft>
-                      </a:pPr>
-                      <a:r>
-                        <a:rPr lang="en-US" sz="1600">
-                          <a:effectLst/>
-                        </a:rPr>
-                        <a:t> </a:t>
-                      </a:r>
-                      <a:endParaRPr lang="en-US" sz="1600">
+                      <a:endParaRPr lang="en-US" sz="1600" dirty="0">
                         <a:effectLst/>
                         <a:latin typeface="Calibri" panose="020F0502020204030204" pitchFamily="34" charset="0"/>
                         <a:ea typeface="Calibri" panose="020F0502020204030204" pitchFamily="34" charset="0"/>
@@ -17693,172 +18363,12 @@
                         </a:spcAft>
                       </a:pPr>
                       <a:r>
-                        <a:rPr lang="en-US" sz="1600">
+                        <a:rPr lang="en-US" sz="1600" dirty="0">
                           <a:effectLst/>
                         </a:rPr>
                         <a:t>Sick</a:t>
                       </a:r>
-                      <a:endParaRPr lang="en-US" sz="1600">
-                        <a:effectLst/>
-                        <a:latin typeface="Calibri" panose="020F0502020204030204" pitchFamily="34" charset="0"/>
-                        <a:ea typeface="Calibri" panose="020F0502020204030204" pitchFamily="34" charset="0"/>
-                        <a:cs typeface="Times New Roman" panose="02020603050405020304" pitchFamily="18" charset="0"/>
-                      </a:endParaRPr>
-                    </a:p>
-                  </a:txBody>
-                  <a:tcPr marL="68580" marR="68580" marT="0" marB="0" anchor="ctr"/>
-                </a:tc>
-                <a:tc>
-                  <a:txBody>
-                    <a:bodyPr/>
-                    <a:lstStyle/>
-                    <a:p>
-                      <a:pPr marL="0" marR="0">
-                        <a:lnSpc>
-                          <a:spcPct val="107000"/>
-                        </a:lnSpc>
-                        <a:spcBef>
-                          <a:spcPts val="0"/>
-                        </a:spcBef>
-                        <a:spcAft>
-                          <a:spcPts val="0"/>
-                        </a:spcAft>
-                      </a:pPr>
-                      <a:r>
-                        <a:rPr lang="en-US" sz="1600">
-                          <a:effectLst/>
-                        </a:rPr>
-                        <a:t> </a:t>
-                      </a:r>
-                      <a:endParaRPr lang="en-US" sz="1600">
-                        <a:effectLst/>
-                        <a:latin typeface="Calibri" panose="020F0502020204030204" pitchFamily="34" charset="0"/>
-                        <a:ea typeface="Calibri" panose="020F0502020204030204" pitchFamily="34" charset="0"/>
-                        <a:cs typeface="Times New Roman" panose="02020603050405020304" pitchFamily="18" charset="0"/>
-                      </a:endParaRPr>
-                    </a:p>
-                  </a:txBody>
-                  <a:tcPr marL="68580" marR="68580" marT="0" marB="0" anchor="ctr"/>
-                </a:tc>
-                <a:tc>
-                  <a:txBody>
-                    <a:bodyPr/>
-                    <a:lstStyle/>
-                    <a:p>
-                      <a:pPr marL="0" marR="0">
-                        <a:lnSpc>
-                          <a:spcPct val="107000"/>
-                        </a:lnSpc>
-                        <a:spcBef>
-                          <a:spcPts val="0"/>
-                        </a:spcBef>
-                        <a:spcAft>
-                          <a:spcPts val="0"/>
-                        </a:spcAft>
-                      </a:pPr>
-                      <a:r>
-                        <a:rPr lang="en-US" sz="1600">
-                          <a:effectLst/>
-                        </a:rPr>
-                        <a:t> </a:t>
-                      </a:r>
-                      <a:endParaRPr lang="en-US" sz="1600">
-                        <a:effectLst/>
-                        <a:latin typeface="Calibri" panose="020F0502020204030204" pitchFamily="34" charset="0"/>
-                        <a:ea typeface="Calibri" panose="020F0502020204030204" pitchFamily="34" charset="0"/>
-                        <a:cs typeface="Times New Roman" panose="02020603050405020304" pitchFamily="18" charset="0"/>
-                      </a:endParaRPr>
-                    </a:p>
-                  </a:txBody>
-                  <a:tcPr marL="68580" marR="68580" marT="0" marB="0" anchor="ctr"/>
-                </a:tc>
-                <a:tc>
-                  <a:txBody>
-                    <a:bodyPr/>
-                    <a:lstStyle/>
-                    <a:p>
-                      <a:pPr marL="0" marR="0">
-                        <a:lnSpc>
-                          <a:spcPct val="107000"/>
-                        </a:lnSpc>
-                        <a:spcBef>
-                          <a:spcPts val="0"/>
-                        </a:spcBef>
-                        <a:spcAft>
-                          <a:spcPts val="0"/>
-                        </a:spcAft>
-                      </a:pPr>
-                      <a:r>
-                        <a:rPr lang="en-US" sz="1600">
-                          <a:effectLst/>
-                        </a:rPr>
-                        <a:t> </a:t>
-                      </a:r>
-                      <a:endParaRPr lang="en-US" sz="1600">
-                        <a:effectLst/>
-                        <a:latin typeface="Calibri" panose="020F0502020204030204" pitchFamily="34" charset="0"/>
-                        <a:ea typeface="Calibri" panose="020F0502020204030204" pitchFamily="34" charset="0"/>
-                        <a:cs typeface="Times New Roman" panose="02020603050405020304" pitchFamily="18" charset="0"/>
-                      </a:endParaRPr>
-                    </a:p>
-                  </a:txBody>
-                  <a:tcPr marL="68580" marR="68580" marT="0" marB="0" anchor="ctr"/>
-                </a:tc>
-                <a:tc>
-                  <a:txBody>
-                    <a:bodyPr/>
-                    <a:lstStyle/>
-                    <a:p>
-                      <a:pPr marL="0" marR="0">
-                        <a:lnSpc>
-                          <a:spcPct val="107000"/>
-                        </a:lnSpc>
-                        <a:spcBef>
-                          <a:spcPts val="0"/>
-                        </a:spcBef>
-                        <a:spcAft>
-                          <a:spcPts val="0"/>
-                        </a:spcAft>
-                      </a:pPr>
-                      <a:r>
-                        <a:rPr lang="en-US" sz="1600">
-                          <a:effectLst/>
-                        </a:rPr>
-                        <a:t> </a:t>
-                      </a:r>
-                      <a:endParaRPr lang="en-US" sz="1600">
-                        <a:effectLst/>
-                        <a:latin typeface="Calibri" panose="020F0502020204030204" pitchFamily="34" charset="0"/>
-                        <a:ea typeface="Calibri" panose="020F0502020204030204" pitchFamily="34" charset="0"/>
-                        <a:cs typeface="Times New Roman" panose="02020603050405020304" pitchFamily="18" charset="0"/>
-                      </a:endParaRPr>
-                    </a:p>
-                  </a:txBody>
-                  <a:tcPr marL="68580" marR="68580" marT="0" marB="0" anchor="ctr"/>
-                </a:tc>
-                <a:tc>
-                  <a:txBody>
-                    <a:bodyPr/>
-                    <a:lstStyle/>
-                    <a:p>
-                      <a:pPr marL="0" marR="0">
-                        <a:lnSpc>
-                          <a:spcPct val="107000"/>
-                        </a:lnSpc>
-                        <a:spcBef>
-                          <a:spcPts val="0"/>
-                        </a:spcBef>
-                        <a:spcAft>
-                          <a:spcPts val="0"/>
-                        </a:spcAft>
-                      </a:pPr>
-                      <a:r>
-                        <a:rPr lang="en-US" sz="1600">
-                          <a:effectLst/>
-                        </a:rPr>
-                        <a:t> </a:t>
-                      </a:r>
-                      <a:endParaRPr lang="en-US" sz="1600">
+                      <a:endParaRPr lang="en-US" sz="1600" dirty="0">
                         <a:effectLst/>
                         <a:latin typeface="Calibri" panose="020F0502020204030204" pitchFamily="34" charset="0"/>
                         <a:ea typeface="Calibri" panose="020F0502020204030204" pitchFamily="34" charset="0"/>
@@ -17888,7 +18398,135 @@
                         <a:rPr lang="en-US" sz="1600" dirty="0">
                           <a:effectLst/>
                         </a:rPr>
-                        <a:t> </a:t>
+                        <a:t> 1</a:t>
+                      </a:r>
+                      <a:endParaRPr lang="en-US" sz="1600" dirty="0">
+                        <a:effectLst/>
+                        <a:latin typeface="Calibri" panose="020F0502020204030204" pitchFamily="34" charset="0"/>
+                        <a:ea typeface="Calibri" panose="020F0502020204030204" pitchFamily="34" charset="0"/>
+                        <a:cs typeface="Times New Roman" panose="02020603050405020304" pitchFamily="18" charset="0"/>
+                      </a:endParaRPr>
+                    </a:p>
+                  </a:txBody>
+                  <a:tcPr marL="68580" marR="68580" marT="0" marB="0" anchor="ctr"/>
+                </a:tc>
+                <a:tc>
+                  <a:txBody>
+                    <a:bodyPr/>
+                    <a:lstStyle/>
+                    <a:p>
+                      <a:pPr marL="0" marR="0">
+                        <a:lnSpc>
+                          <a:spcPct val="107000"/>
+                        </a:lnSpc>
+                        <a:spcBef>
+                          <a:spcPts val="0"/>
+                        </a:spcBef>
+                        <a:spcAft>
+                          <a:spcPts val="0"/>
+                        </a:spcAft>
+                      </a:pPr>
+                      <a:r>
+                        <a:rPr lang="en-US" sz="1600" dirty="0">
+                          <a:effectLst/>
+                        </a:rPr>
+                        <a:t> 0</a:t>
+                      </a:r>
+                      <a:endParaRPr lang="en-US" sz="1600" dirty="0">
+                        <a:effectLst/>
+                        <a:latin typeface="Calibri" panose="020F0502020204030204" pitchFamily="34" charset="0"/>
+                        <a:ea typeface="Calibri" panose="020F0502020204030204" pitchFamily="34" charset="0"/>
+                        <a:cs typeface="Times New Roman" panose="02020603050405020304" pitchFamily="18" charset="0"/>
+                      </a:endParaRPr>
+                    </a:p>
+                  </a:txBody>
+                  <a:tcPr marL="68580" marR="68580" marT="0" marB="0" anchor="ctr"/>
+                </a:tc>
+                <a:tc>
+                  <a:txBody>
+                    <a:bodyPr/>
+                    <a:lstStyle/>
+                    <a:p>
+                      <a:pPr marL="0" marR="0">
+                        <a:lnSpc>
+                          <a:spcPct val="107000"/>
+                        </a:lnSpc>
+                        <a:spcBef>
+                          <a:spcPts val="0"/>
+                        </a:spcBef>
+                        <a:spcAft>
+                          <a:spcPts val="0"/>
+                        </a:spcAft>
+                      </a:pPr>
+                      <a:r>
+                        <a:rPr lang="en-US" sz="1600" dirty="0">
+                          <a:effectLst/>
+                        </a:rPr>
+                        <a:t> 0</a:t>
+                      </a:r>
+                      <a:endParaRPr lang="en-US" sz="1600" dirty="0">
+                        <a:effectLst/>
+                        <a:latin typeface="Calibri" panose="020F0502020204030204" pitchFamily="34" charset="0"/>
+                        <a:ea typeface="Calibri" panose="020F0502020204030204" pitchFamily="34" charset="0"/>
+                        <a:cs typeface="Times New Roman" panose="02020603050405020304" pitchFamily="18" charset="0"/>
+                      </a:endParaRPr>
+                    </a:p>
+                  </a:txBody>
+                  <a:tcPr marL="68580" marR="68580" marT="0" marB="0" anchor="ctr"/>
+                </a:tc>
+                <a:tc>
+                  <a:txBody>
+                    <a:bodyPr/>
+                    <a:lstStyle/>
+                    <a:p>
+                      <a:pPr marL="0" marR="0">
+                        <a:lnSpc>
+                          <a:spcPct val="107000"/>
+                        </a:lnSpc>
+                        <a:spcBef>
+                          <a:spcPts val="0"/>
+                        </a:spcBef>
+                        <a:spcAft>
+                          <a:spcPts val="0"/>
+                        </a:spcAft>
+                      </a:pPr>
+                      <a:r>
+                        <a:rPr lang="en-US" sz="1600" dirty="0">
+                          <a:effectLst/>
+                        </a:rPr>
+                        <a:t> 2</a:t>
+                      </a:r>
+                      <a:endParaRPr lang="en-US" sz="1600" dirty="0">
+                        <a:effectLst/>
+                        <a:latin typeface="Calibri" panose="020F0502020204030204" pitchFamily="34" charset="0"/>
+                        <a:ea typeface="Calibri" panose="020F0502020204030204" pitchFamily="34" charset="0"/>
+                        <a:cs typeface="Times New Roman" panose="02020603050405020304" pitchFamily="18" charset="0"/>
+                      </a:endParaRPr>
+                    </a:p>
+                  </a:txBody>
+                  <a:tcPr marL="68580" marR="68580" marT="0" marB="0" anchor="ctr"/>
+                </a:tc>
+                <a:tc>
+                  <a:txBody>
+                    <a:bodyPr/>
+                    <a:lstStyle/>
+                    <a:p>
+                      <a:pPr marL="0" marR="0">
+                        <a:lnSpc>
+                          <a:spcPct val="107000"/>
+                        </a:lnSpc>
+                        <a:spcBef>
+                          <a:spcPts val="0"/>
+                        </a:spcBef>
+                        <a:spcAft>
+                          <a:spcPts val="0"/>
+                        </a:spcAft>
+                      </a:pPr>
+                      <a:r>
+                        <a:rPr lang="en-US" sz="1600" dirty="0">
+                          <a:effectLst/>
+                        </a:rPr>
+                        <a:t> 2</a:t>
                       </a:r>
                       <a:endParaRPr lang="en-US" sz="1600" dirty="0">
                         <a:effectLst/>
@@ -17903,6 +18541,1050 @@
                 <a:extLst>
                   <a:ext uri="{0D108BD9-81ED-4DB2-BD59-A6C34878D82A}">
                     <a16:rowId xmlns:a16="http://schemas.microsoft.com/office/drawing/2014/main" val="721026111"/>
+                  </a:ext>
+                </a:extLst>
+              </a:tr>
+              <a:tr h="435269">
+                <a:tc>
+                  <a:txBody>
+                    <a:bodyPr/>
+                    <a:lstStyle/>
+                    <a:p>
+                      <a:pPr marL="0" marR="0">
+                        <a:lnSpc>
+                          <a:spcPct val="107000"/>
+                        </a:lnSpc>
+                        <a:spcBef>
+                          <a:spcPts val="0"/>
+                        </a:spcBef>
+                        <a:spcAft>
+                          <a:spcPts val="0"/>
+                        </a:spcAft>
+                      </a:pPr>
+                      <a:endParaRPr lang="en-US" sz="1600" dirty="0">
+                        <a:effectLst/>
+                        <a:latin typeface="Calibri" panose="020F0502020204030204" pitchFamily="34" charset="0"/>
+                        <a:ea typeface="Calibri" panose="020F0502020204030204" pitchFamily="34" charset="0"/>
+                        <a:cs typeface="Times New Roman" panose="02020603050405020304" pitchFamily="18" charset="0"/>
+                      </a:endParaRPr>
+                    </a:p>
+                  </a:txBody>
+                  <a:tcPr marL="68580" marR="68580" marT="0" marB="0" anchor="ctr"/>
+                </a:tc>
+                <a:tc>
+                  <a:txBody>
+                    <a:bodyPr/>
+                    <a:lstStyle/>
+                    <a:p>
+                      <a:pPr marL="0" marR="0">
+                        <a:lnSpc>
+                          <a:spcPct val="107000"/>
+                        </a:lnSpc>
+                        <a:spcBef>
+                          <a:spcPts val="0"/>
+                        </a:spcBef>
+                        <a:spcAft>
+                          <a:spcPts val="0"/>
+                        </a:spcAft>
+                      </a:pPr>
+                      <a:r>
+                        <a:rPr lang="en-US" sz="1600" dirty="0">
+                          <a:effectLst/>
+                          <a:latin typeface="Calibri" panose="020F0502020204030204" pitchFamily="34" charset="0"/>
+                          <a:ea typeface="Calibri" panose="020F0502020204030204" pitchFamily="34" charset="0"/>
+                          <a:cs typeface="Times New Roman" panose="02020603050405020304" pitchFamily="18" charset="0"/>
+                        </a:rPr>
+                        <a:t>3</a:t>
+                      </a:r>
+                    </a:p>
+                  </a:txBody>
+                  <a:tcPr marL="68580" marR="68580" marT="0" marB="0" anchor="ctr"/>
+                </a:tc>
+                <a:tc>
+                  <a:txBody>
+                    <a:bodyPr/>
+                    <a:lstStyle/>
+                    <a:p>
+                      <a:pPr marL="0" marR="0">
+                        <a:lnSpc>
+                          <a:spcPct val="107000"/>
+                        </a:lnSpc>
+                        <a:spcBef>
+                          <a:spcPts val="0"/>
+                        </a:spcBef>
+                        <a:spcAft>
+                          <a:spcPts val="0"/>
+                        </a:spcAft>
+                      </a:pPr>
+                      <a:r>
+                        <a:rPr lang="en-US" sz="1600" dirty="0">
+                          <a:effectLst/>
+                          <a:latin typeface="Calibri" panose="020F0502020204030204" pitchFamily="34" charset="0"/>
+                          <a:ea typeface="Calibri" panose="020F0502020204030204" pitchFamily="34" charset="0"/>
+                          <a:cs typeface="Times New Roman" panose="02020603050405020304" pitchFamily="18" charset="0"/>
+                        </a:rPr>
+                        <a:t>0</a:t>
+                      </a:r>
+                    </a:p>
+                  </a:txBody>
+                  <a:tcPr marL="68580" marR="68580" marT="0" marB="0" anchor="ctr"/>
+                </a:tc>
+                <a:tc>
+                  <a:txBody>
+                    <a:bodyPr/>
+                    <a:lstStyle/>
+                    <a:p>
+                      <a:pPr marL="0" marR="0">
+                        <a:lnSpc>
+                          <a:spcPct val="107000"/>
+                        </a:lnSpc>
+                        <a:spcBef>
+                          <a:spcPts val="0"/>
+                        </a:spcBef>
+                        <a:spcAft>
+                          <a:spcPts val="0"/>
+                        </a:spcAft>
+                      </a:pPr>
+                      <a:r>
+                        <a:rPr lang="en-US" sz="1600" dirty="0">
+                          <a:effectLst/>
+                          <a:latin typeface="Calibri" panose="020F0502020204030204" pitchFamily="34" charset="0"/>
+                          <a:ea typeface="Calibri" panose="020F0502020204030204" pitchFamily="34" charset="0"/>
+                          <a:cs typeface="Times New Roman" panose="02020603050405020304" pitchFamily="18" charset="0"/>
+                        </a:rPr>
+                        <a:t>0</a:t>
+                      </a:r>
+                    </a:p>
+                  </a:txBody>
+                  <a:tcPr marL="68580" marR="68580" marT="0" marB="0" anchor="ctr"/>
+                </a:tc>
+                <a:tc>
+                  <a:txBody>
+                    <a:bodyPr/>
+                    <a:lstStyle/>
+                    <a:p>
+                      <a:pPr marL="0" marR="0">
+                        <a:lnSpc>
+                          <a:spcPct val="107000"/>
+                        </a:lnSpc>
+                        <a:spcBef>
+                          <a:spcPts val="0"/>
+                        </a:spcBef>
+                        <a:spcAft>
+                          <a:spcPts val="0"/>
+                        </a:spcAft>
+                      </a:pPr>
+                      <a:r>
+                        <a:rPr lang="en-US" sz="1600" dirty="0">
+                          <a:effectLst/>
+                          <a:latin typeface="Calibri" panose="020F0502020204030204" pitchFamily="34" charset="0"/>
+                          <a:ea typeface="Calibri" panose="020F0502020204030204" pitchFamily="34" charset="0"/>
+                          <a:cs typeface="Times New Roman" panose="02020603050405020304" pitchFamily="18" charset="0"/>
+                        </a:rPr>
+                        <a:t>2</a:t>
+                      </a:r>
+                    </a:p>
+                  </a:txBody>
+                  <a:tcPr marL="68580" marR="68580" marT="0" marB="0" anchor="ctr"/>
+                </a:tc>
+                <a:tc>
+                  <a:txBody>
+                    <a:bodyPr/>
+                    <a:lstStyle/>
+                    <a:p>
+                      <a:pPr marL="0" marR="0">
+                        <a:lnSpc>
+                          <a:spcPct val="107000"/>
+                        </a:lnSpc>
+                        <a:spcBef>
+                          <a:spcPts val="0"/>
+                        </a:spcBef>
+                        <a:spcAft>
+                          <a:spcPts val="0"/>
+                        </a:spcAft>
+                      </a:pPr>
+                      <a:r>
+                        <a:rPr lang="en-US" sz="1600" dirty="0">
+                          <a:effectLst/>
+                          <a:latin typeface="Calibri" panose="020F0502020204030204" pitchFamily="34" charset="0"/>
+                          <a:ea typeface="Calibri" panose="020F0502020204030204" pitchFamily="34" charset="0"/>
+                          <a:cs typeface="Times New Roman" panose="02020603050405020304" pitchFamily="18" charset="0"/>
+                        </a:rPr>
+                        <a:t>2</a:t>
+                      </a:r>
+                    </a:p>
+                  </a:txBody>
+                  <a:tcPr marL="68580" marR="68580" marT="0" marB="0" anchor="ctr"/>
+                </a:tc>
+                <a:extLst>
+                  <a:ext uri="{0D108BD9-81ED-4DB2-BD59-A6C34878D82A}">
+                    <a16:rowId xmlns:a16="http://schemas.microsoft.com/office/drawing/2014/main" val="3009123524"/>
+                  </a:ext>
+                </a:extLst>
+              </a:tr>
+            </a:tbl>
+          </a:graphicData>
+        </a:graphic>
+      </p:graphicFrame>
+      <p:graphicFrame>
+        <p:nvGraphicFramePr>
+          <p:cNvPr id="6" name="Content Placeholder 5">
+            <a:extLst>
+              <a:ext uri="{FF2B5EF4-FFF2-40B4-BE49-F238E27FC236}">
+                <a16:creationId xmlns:a16="http://schemas.microsoft.com/office/drawing/2014/main" id="{26E3D338-BCFE-4595-A89D-544A017C03F8}"/>
+              </a:ext>
+            </a:extLst>
+          </p:cNvPr>
+          <p:cNvGraphicFramePr>
+            <a:graphicFrameLocks noGrp="1"/>
+          </p:cNvGraphicFramePr>
+          <p:nvPr>
+            <p:ph sz="half" idx="1"/>
+            <p:extLst>
+              <p:ext uri="{D42A27DB-BD31-4B8C-83A1-F6EECF244321}">
+                <p14:modId xmlns:p14="http://schemas.microsoft.com/office/powerpoint/2010/main" val="3083966301"/>
+              </p:ext>
+            </p:extLst>
+          </p:nvPr>
+        </p:nvGraphicFramePr>
+        <p:xfrm>
+          <a:off x="838200" y="1825625"/>
+          <a:ext cx="3505200" cy="4351336"/>
+        </p:xfrm>
+        <a:graphic>
+          <a:graphicData uri="http://schemas.openxmlformats.org/drawingml/2006/table">
+            <a:tbl>
+              <a:tblPr>
+                <a:tableStyleId>{5C22544A-7EE6-4342-B048-85BDC9FD1C3A}</a:tableStyleId>
+              </a:tblPr>
+              <a:tblGrid>
+                <a:gridCol w="1168400">
+                  <a:extLst>
+                    <a:ext uri="{9D8B030D-6E8A-4147-A177-3AD203B41FA5}">
+                      <a16:colId xmlns:a16="http://schemas.microsoft.com/office/drawing/2014/main" val="3127139403"/>
+                    </a:ext>
+                  </a:extLst>
+                </a:gridCol>
+                <a:gridCol w="1168400">
+                  <a:extLst>
+                    <a:ext uri="{9D8B030D-6E8A-4147-A177-3AD203B41FA5}">
+                      <a16:colId xmlns:a16="http://schemas.microsoft.com/office/drawing/2014/main" val="2247586725"/>
+                    </a:ext>
+                  </a:extLst>
+                </a:gridCol>
+                <a:gridCol w="1168400">
+                  <a:extLst>
+                    <a:ext uri="{9D8B030D-6E8A-4147-A177-3AD203B41FA5}">
+                      <a16:colId xmlns:a16="http://schemas.microsoft.com/office/drawing/2014/main" val="600189754"/>
+                    </a:ext>
+                  </a:extLst>
+                </a:gridCol>
+              </a:tblGrid>
+              <a:tr h="395576">
+                <a:tc>
+                  <a:txBody>
+                    <a:bodyPr/>
+                    <a:lstStyle/>
+                    <a:p>
+                      <a:pPr algn="l" fontAlgn="b"/>
+                      <a:r>
+                        <a:rPr lang="en-US" sz="2000" b="1" u="none" strike="noStrike" dirty="0">
+                          <a:effectLst/>
+                        </a:rPr>
+                        <a:t>Names</a:t>
+                      </a:r>
+                      <a:endParaRPr lang="en-US" sz="2000" b="1" i="0" u="none" strike="noStrike" dirty="0">
+                        <a:solidFill>
+                          <a:srgbClr val="000000"/>
+                        </a:solidFill>
+                        <a:effectLst/>
+                        <a:latin typeface="Calibri" panose="020F0502020204030204" pitchFamily="34" charset="0"/>
+                      </a:endParaRPr>
+                    </a:p>
+                  </a:txBody>
+                  <a:tcPr marL="7620" marR="7620" marT="7620" marB="0" anchor="b"/>
+                </a:tc>
+                <a:tc>
+                  <a:txBody>
+                    <a:bodyPr/>
+                    <a:lstStyle/>
+                    <a:p>
+                      <a:pPr algn="l" fontAlgn="b"/>
+                      <a:r>
+                        <a:rPr lang="en-US" sz="2000" b="1" u="none" strike="noStrike" dirty="0">
+                          <a:effectLst/>
+                        </a:rPr>
+                        <a:t>Leave</a:t>
+                      </a:r>
+                      <a:endParaRPr lang="en-US" sz="2000" b="1" i="0" u="none" strike="noStrike" dirty="0">
+                        <a:solidFill>
+                          <a:srgbClr val="000000"/>
+                        </a:solidFill>
+                        <a:effectLst/>
+                        <a:latin typeface="Calibri" panose="020F0502020204030204" pitchFamily="34" charset="0"/>
+                      </a:endParaRPr>
+                    </a:p>
+                  </a:txBody>
+                  <a:tcPr marL="7620" marR="7620" marT="7620" marB="0" anchor="b"/>
+                </a:tc>
+                <a:tc>
+                  <a:txBody>
+                    <a:bodyPr/>
+                    <a:lstStyle/>
+                    <a:p>
+                      <a:pPr algn="l" fontAlgn="b"/>
+                      <a:r>
+                        <a:rPr lang="en-US" sz="2000" b="1" u="none" strike="noStrike" dirty="0">
+                          <a:effectLst/>
+                        </a:rPr>
+                        <a:t>Days</a:t>
+                      </a:r>
+                      <a:endParaRPr lang="en-US" sz="2000" b="1" i="0" u="none" strike="noStrike" dirty="0">
+                        <a:solidFill>
+                          <a:srgbClr val="000000"/>
+                        </a:solidFill>
+                        <a:effectLst/>
+                        <a:latin typeface="Calibri" panose="020F0502020204030204" pitchFamily="34" charset="0"/>
+                      </a:endParaRPr>
+                    </a:p>
+                  </a:txBody>
+                  <a:tcPr marL="7620" marR="7620" marT="7620" marB="0" anchor="b"/>
+                </a:tc>
+                <a:extLst>
+                  <a:ext uri="{0D108BD9-81ED-4DB2-BD59-A6C34878D82A}">
+                    <a16:rowId xmlns:a16="http://schemas.microsoft.com/office/drawing/2014/main" val="3638598624"/>
+                  </a:ext>
+                </a:extLst>
+              </a:tr>
+              <a:tr h="395576">
+                <a:tc>
+                  <a:txBody>
+                    <a:bodyPr/>
+                    <a:lstStyle/>
+                    <a:p>
+                      <a:pPr algn="l" fontAlgn="b"/>
+                      <a:r>
+                        <a:rPr lang="en-US" sz="2000" u="none" strike="noStrike" dirty="0">
+                          <a:effectLst/>
+                        </a:rPr>
+                        <a:t>Mahfuz</a:t>
+                      </a:r>
+                      <a:endParaRPr lang="en-US" sz="2000" b="0" i="0" u="none" strike="noStrike" dirty="0">
+                        <a:solidFill>
+                          <a:srgbClr val="000000"/>
+                        </a:solidFill>
+                        <a:effectLst/>
+                        <a:latin typeface="Calibri" panose="020F0502020204030204" pitchFamily="34" charset="0"/>
+                      </a:endParaRPr>
+                    </a:p>
+                  </a:txBody>
+                  <a:tcPr marL="7620" marR="7620" marT="7620" marB="0" anchor="b"/>
+                </a:tc>
+                <a:tc>
+                  <a:txBody>
+                    <a:bodyPr/>
+                    <a:lstStyle/>
+                    <a:p>
+                      <a:pPr algn="l" fontAlgn="b"/>
+                      <a:r>
+                        <a:rPr lang="en-US" sz="2000" u="none" strike="noStrike">
+                          <a:effectLst/>
+                        </a:rPr>
+                        <a:t>Vacation</a:t>
+                      </a:r>
+                      <a:endParaRPr lang="en-US" sz="2000" b="0" i="0" u="none" strike="noStrike">
+                        <a:solidFill>
+                          <a:srgbClr val="000000"/>
+                        </a:solidFill>
+                        <a:effectLst/>
+                        <a:latin typeface="Calibri" panose="020F0502020204030204" pitchFamily="34" charset="0"/>
+                      </a:endParaRPr>
+                    </a:p>
+                  </a:txBody>
+                  <a:tcPr marL="7620" marR="7620" marT="7620" marB="0" anchor="b"/>
+                </a:tc>
+                <a:tc>
+                  <a:txBody>
+                    <a:bodyPr/>
+                    <a:lstStyle/>
+                    <a:p>
+                      <a:pPr algn="l" fontAlgn="b"/>
+                      <a:endParaRPr lang="en-US" sz="2000" b="0" i="0" u="none" strike="noStrike" dirty="0">
+                        <a:solidFill>
+                          <a:srgbClr val="000000"/>
+                        </a:solidFill>
+                        <a:effectLst/>
+                        <a:latin typeface="Calibri" panose="020F0502020204030204" pitchFamily="34" charset="0"/>
+                      </a:endParaRPr>
+                    </a:p>
+                  </a:txBody>
+                  <a:tcPr marL="7620" marR="7620" marT="7620" marB="0" anchor="b"/>
+                </a:tc>
+                <a:extLst>
+                  <a:ext uri="{0D108BD9-81ED-4DB2-BD59-A6C34878D82A}">
+                    <a16:rowId xmlns:a16="http://schemas.microsoft.com/office/drawing/2014/main" val="1459430288"/>
+                  </a:ext>
+                </a:extLst>
+              </a:tr>
+              <a:tr h="395576">
+                <a:tc>
+                  <a:txBody>
+                    <a:bodyPr/>
+                    <a:lstStyle/>
+                    <a:p>
+                      <a:pPr algn="l" fontAlgn="b"/>
+                      <a:r>
+                        <a:rPr lang="en-US" sz="2000" u="none" strike="noStrike" dirty="0" err="1">
+                          <a:effectLst/>
+                        </a:rPr>
+                        <a:t>sujaul</a:t>
+                      </a:r>
+                      <a:endParaRPr lang="en-US" sz="2000" b="0" i="0" u="none" strike="noStrike" dirty="0">
+                        <a:solidFill>
+                          <a:srgbClr val="000000"/>
+                        </a:solidFill>
+                        <a:effectLst/>
+                        <a:latin typeface="Calibri" panose="020F0502020204030204" pitchFamily="34" charset="0"/>
+                      </a:endParaRPr>
+                    </a:p>
+                  </a:txBody>
+                  <a:tcPr marL="7620" marR="7620" marT="7620" marB="0" anchor="b"/>
+                </a:tc>
+                <a:tc>
+                  <a:txBody>
+                    <a:bodyPr/>
+                    <a:lstStyle/>
+                    <a:p>
+                      <a:pPr algn="l" fontAlgn="b"/>
+                      <a:r>
+                        <a:rPr lang="en-US" sz="2000" u="none" strike="noStrike">
+                          <a:effectLst/>
+                        </a:rPr>
+                        <a:t>sick</a:t>
+                      </a:r>
+                      <a:endParaRPr lang="en-US" sz="2000" b="0" i="0" u="none" strike="noStrike">
+                        <a:solidFill>
+                          <a:srgbClr val="000000"/>
+                        </a:solidFill>
+                        <a:effectLst/>
+                        <a:latin typeface="Calibri" panose="020F0502020204030204" pitchFamily="34" charset="0"/>
+                      </a:endParaRPr>
+                    </a:p>
+                  </a:txBody>
+                  <a:tcPr marL="7620" marR="7620" marT="7620" marB="0" anchor="b"/>
+                </a:tc>
+                <a:tc>
+                  <a:txBody>
+                    <a:bodyPr/>
+                    <a:lstStyle/>
+                    <a:p>
+                      <a:pPr algn="l" fontAlgn="b"/>
+                      <a:r>
+                        <a:rPr lang="en-US" sz="2000" b="0" i="0" u="none" strike="noStrike" dirty="0" err="1">
+                          <a:solidFill>
+                            <a:srgbClr val="000000"/>
+                          </a:solidFill>
+                          <a:effectLst/>
+                          <a:latin typeface="Calibri" panose="020F0502020204030204" pitchFamily="34" charset="0"/>
+                        </a:rPr>
+                        <a:t>th</a:t>
+                      </a:r>
+                      <a:endParaRPr lang="en-US" sz="2000" b="0" i="0" u="none" strike="noStrike" dirty="0">
+                        <a:solidFill>
+                          <a:srgbClr val="000000"/>
+                        </a:solidFill>
+                        <a:effectLst/>
+                        <a:latin typeface="Calibri" panose="020F0502020204030204" pitchFamily="34" charset="0"/>
+                      </a:endParaRPr>
+                    </a:p>
+                  </a:txBody>
+                  <a:tcPr marL="7620" marR="7620" marT="7620" marB="0" anchor="b"/>
+                </a:tc>
+                <a:extLst>
+                  <a:ext uri="{0D108BD9-81ED-4DB2-BD59-A6C34878D82A}">
+                    <a16:rowId xmlns:a16="http://schemas.microsoft.com/office/drawing/2014/main" val="628749762"/>
+                  </a:ext>
+                </a:extLst>
+              </a:tr>
+              <a:tr h="395576">
+                <a:tc>
+                  <a:txBody>
+                    <a:bodyPr/>
+                    <a:lstStyle/>
+                    <a:p>
+                      <a:pPr algn="l" fontAlgn="b"/>
+                      <a:r>
+                        <a:rPr lang="en-US" sz="2000" b="0" i="0" u="none" strike="noStrike" dirty="0">
+                          <a:solidFill>
+                            <a:srgbClr val="000000"/>
+                          </a:solidFill>
+                          <a:effectLst/>
+                          <a:latin typeface="Calibri" panose="020F0502020204030204" pitchFamily="34" charset="0"/>
+                        </a:rPr>
+                        <a:t>Khalil</a:t>
+                      </a:r>
+                    </a:p>
+                  </a:txBody>
+                  <a:tcPr marL="7620" marR="7620" marT="7620" marB="0" anchor="b"/>
+                </a:tc>
+                <a:tc>
+                  <a:txBody>
+                    <a:bodyPr/>
+                    <a:lstStyle/>
+                    <a:p>
+                      <a:pPr algn="l" fontAlgn="b"/>
+                      <a:r>
+                        <a:rPr lang="en-US" sz="2000" u="none" strike="noStrike">
+                          <a:effectLst/>
+                        </a:rPr>
+                        <a:t>sick</a:t>
+                      </a:r>
+                      <a:endParaRPr lang="en-US" sz="2000" b="0" i="0" u="none" strike="noStrike">
+                        <a:solidFill>
+                          <a:srgbClr val="000000"/>
+                        </a:solidFill>
+                        <a:effectLst/>
+                        <a:latin typeface="Calibri" panose="020F0502020204030204" pitchFamily="34" charset="0"/>
+                      </a:endParaRPr>
+                    </a:p>
+                  </a:txBody>
+                  <a:tcPr marL="7620" marR="7620" marT="7620" marB="0" anchor="b"/>
+                </a:tc>
+                <a:tc>
+                  <a:txBody>
+                    <a:bodyPr/>
+                    <a:lstStyle/>
+                    <a:p>
+                      <a:pPr algn="l" fontAlgn="b"/>
+                      <a:r>
+                        <a:rPr lang="en-US" sz="2000" b="0" i="0" u="none" strike="noStrike" dirty="0" err="1">
+                          <a:solidFill>
+                            <a:srgbClr val="000000"/>
+                          </a:solidFill>
+                          <a:effectLst/>
+                          <a:latin typeface="Calibri" panose="020F0502020204030204" pitchFamily="34" charset="0"/>
+                        </a:rPr>
+                        <a:t>th</a:t>
+                      </a:r>
+                      <a:endParaRPr lang="en-US" sz="2000" b="0" i="0" u="none" strike="noStrike" dirty="0">
+                        <a:solidFill>
+                          <a:srgbClr val="000000"/>
+                        </a:solidFill>
+                        <a:effectLst/>
+                        <a:latin typeface="Calibri" panose="020F0502020204030204" pitchFamily="34" charset="0"/>
+                      </a:endParaRPr>
+                    </a:p>
+                  </a:txBody>
+                  <a:tcPr marL="7620" marR="7620" marT="7620" marB="0" anchor="b"/>
+                </a:tc>
+                <a:extLst>
+                  <a:ext uri="{0D108BD9-81ED-4DB2-BD59-A6C34878D82A}">
+                    <a16:rowId xmlns:a16="http://schemas.microsoft.com/office/drawing/2014/main" val="3236386579"/>
+                  </a:ext>
+                </a:extLst>
+              </a:tr>
+              <a:tr h="395576">
+                <a:tc>
+                  <a:txBody>
+                    <a:bodyPr/>
+                    <a:lstStyle/>
+                    <a:p>
+                      <a:pPr algn="l" fontAlgn="b"/>
+                      <a:r>
+                        <a:rPr lang="en-US" sz="2000" u="none" strike="noStrike" dirty="0">
+                          <a:effectLst/>
+                        </a:rPr>
+                        <a:t>Fahim</a:t>
+                      </a:r>
+                      <a:endParaRPr lang="en-US" sz="2000" b="0" i="0" u="none" strike="noStrike" dirty="0">
+                        <a:solidFill>
+                          <a:srgbClr val="000000"/>
+                        </a:solidFill>
+                        <a:effectLst/>
+                        <a:latin typeface="Calibri" panose="020F0502020204030204" pitchFamily="34" charset="0"/>
+                      </a:endParaRPr>
+                    </a:p>
+                  </a:txBody>
+                  <a:tcPr marL="7620" marR="7620" marT="7620" marB="0" anchor="b"/>
+                </a:tc>
+                <a:tc>
+                  <a:txBody>
+                    <a:bodyPr/>
+                    <a:lstStyle/>
+                    <a:p>
+                      <a:pPr algn="l" fontAlgn="b"/>
+                      <a:r>
+                        <a:rPr lang="en-US" sz="2000" u="none" strike="noStrike">
+                          <a:effectLst/>
+                        </a:rPr>
+                        <a:t>sick</a:t>
+                      </a:r>
+                      <a:endParaRPr lang="en-US" sz="2000" b="0" i="0" u="none" strike="noStrike">
+                        <a:solidFill>
+                          <a:srgbClr val="000000"/>
+                        </a:solidFill>
+                        <a:effectLst/>
+                        <a:latin typeface="Calibri" panose="020F0502020204030204" pitchFamily="34" charset="0"/>
+                      </a:endParaRPr>
+                    </a:p>
+                  </a:txBody>
+                  <a:tcPr marL="7620" marR="7620" marT="7620" marB="0" anchor="b"/>
+                </a:tc>
+                <a:tc>
+                  <a:txBody>
+                    <a:bodyPr/>
+                    <a:lstStyle/>
+                    <a:p>
+                      <a:pPr algn="l" fontAlgn="b"/>
+                      <a:r>
+                        <a:rPr lang="en-US" sz="2000" b="0" i="0" u="none" strike="noStrike" dirty="0">
+                          <a:solidFill>
+                            <a:srgbClr val="000000"/>
+                          </a:solidFill>
+                          <a:effectLst/>
+                          <a:latin typeface="Calibri" panose="020F0502020204030204" pitchFamily="34" charset="0"/>
+                        </a:rPr>
+                        <a:t>f</a:t>
+                      </a:r>
+                    </a:p>
+                  </a:txBody>
+                  <a:tcPr marL="7620" marR="7620" marT="7620" marB="0" anchor="b"/>
+                </a:tc>
+                <a:extLst>
+                  <a:ext uri="{0D108BD9-81ED-4DB2-BD59-A6C34878D82A}">
+                    <a16:rowId xmlns:a16="http://schemas.microsoft.com/office/drawing/2014/main" val="2264353333"/>
+                  </a:ext>
+                </a:extLst>
+              </a:tr>
+              <a:tr h="395576">
+                <a:tc>
+                  <a:txBody>
+                    <a:bodyPr/>
+                    <a:lstStyle/>
+                    <a:p>
+                      <a:pPr algn="l" fontAlgn="b"/>
+                      <a:r>
+                        <a:rPr lang="en-US" sz="2000" u="none" strike="noStrike" dirty="0">
+                          <a:effectLst/>
+                        </a:rPr>
+                        <a:t>Tamanna</a:t>
+                      </a:r>
+                      <a:endParaRPr lang="en-US" sz="2000" b="0" i="0" u="none" strike="noStrike" dirty="0">
+                        <a:solidFill>
+                          <a:srgbClr val="000000"/>
+                        </a:solidFill>
+                        <a:effectLst/>
+                        <a:latin typeface="Calibri" panose="020F0502020204030204" pitchFamily="34" charset="0"/>
+                      </a:endParaRPr>
+                    </a:p>
+                  </a:txBody>
+                  <a:tcPr marL="7620" marR="7620" marT="7620" marB="0" anchor="b"/>
+                </a:tc>
+                <a:tc>
+                  <a:txBody>
+                    <a:bodyPr/>
+                    <a:lstStyle/>
+                    <a:p>
+                      <a:pPr algn="l" fontAlgn="b"/>
+                      <a:r>
+                        <a:rPr lang="en-US" sz="2000" u="none" strike="noStrike">
+                          <a:effectLst/>
+                        </a:rPr>
+                        <a:t>Vacation</a:t>
+                      </a:r>
+                      <a:endParaRPr lang="en-US" sz="2000" b="0" i="0" u="none" strike="noStrike">
+                        <a:solidFill>
+                          <a:srgbClr val="000000"/>
+                        </a:solidFill>
+                        <a:effectLst/>
+                        <a:latin typeface="Calibri" panose="020F0502020204030204" pitchFamily="34" charset="0"/>
+                      </a:endParaRPr>
+                    </a:p>
+                  </a:txBody>
+                  <a:tcPr marL="7620" marR="7620" marT="7620" marB="0" anchor="b"/>
+                </a:tc>
+                <a:tc>
+                  <a:txBody>
+                    <a:bodyPr/>
+                    <a:lstStyle/>
+                    <a:p>
+                      <a:pPr algn="l" fontAlgn="b"/>
+                      <a:r>
+                        <a:rPr lang="en-US" sz="2000" b="0" i="0" u="none" strike="noStrike" dirty="0">
+                          <a:solidFill>
+                            <a:srgbClr val="000000"/>
+                          </a:solidFill>
+                          <a:effectLst/>
+                          <a:latin typeface="Calibri" panose="020F0502020204030204" pitchFamily="34" charset="0"/>
+                        </a:rPr>
+                        <a:t>m</a:t>
+                      </a:r>
+                    </a:p>
+                  </a:txBody>
+                  <a:tcPr marL="7620" marR="7620" marT="7620" marB="0" anchor="b"/>
+                </a:tc>
+                <a:extLst>
+                  <a:ext uri="{0D108BD9-81ED-4DB2-BD59-A6C34878D82A}">
+                    <a16:rowId xmlns:a16="http://schemas.microsoft.com/office/drawing/2014/main" val="26001022"/>
+                  </a:ext>
+                </a:extLst>
+              </a:tr>
+              <a:tr h="395576">
+                <a:tc>
+                  <a:txBody>
+                    <a:bodyPr/>
+                    <a:lstStyle/>
+                    <a:p>
+                      <a:pPr algn="l" fontAlgn="b"/>
+                      <a:r>
+                        <a:rPr lang="en-US" sz="2000" u="none" strike="noStrike" dirty="0" err="1">
+                          <a:effectLst/>
+                        </a:rPr>
+                        <a:t>Yeasmin</a:t>
+                      </a:r>
+                      <a:endParaRPr lang="en-US" sz="2000" b="0" i="0" u="none" strike="noStrike" dirty="0">
+                        <a:solidFill>
+                          <a:srgbClr val="000000"/>
+                        </a:solidFill>
+                        <a:effectLst/>
+                        <a:latin typeface="Calibri" panose="020F0502020204030204" pitchFamily="34" charset="0"/>
+                      </a:endParaRPr>
+                    </a:p>
+                  </a:txBody>
+                  <a:tcPr marL="7620" marR="7620" marT="7620" marB="0" anchor="b"/>
+                </a:tc>
+                <a:tc>
+                  <a:txBody>
+                    <a:bodyPr/>
+                    <a:lstStyle/>
+                    <a:p>
+                      <a:pPr algn="l" fontAlgn="b"/>
+                      <a:r>
+                        <a:rPr lang="en-US" sz="2000" u="none" strike="noStrike">
+                          <a:effectLst/>
+                        </a:rPr>
+                        <a:t>sick</a:t>
+                      </a:r>
+                      <a:endParaRPr lang="en-US" sz="2000" b="0" i="0" u="none" strike="noStrike">
+                        <a:solidFill>
+                          <a:srgbClr val="000000"/>
+                        </a:solidFill>
+                        <a:effectLst/>
+                        <a:latin typeface="Calibri" panose="020F0502020204030204" pitchFamily="34" charset="0"/>
+                      </a:endParaRPr>
+                    </a:p>
+                  </a:txBody>
+                  <a:tcPr marL="7620" marR="7620" marT="7620" marB="0" anchor="b"/>
+                </a:tc>
+                <a:tc>
+                  <a:txBody>
+                    <a:bodyPr/>
+                    <a:lstStyle/>
+                    <a:p>
+                      <a:pPr algn="l" fontAlgn="b"/>
+                      <a:r>
+                        <a:rPr lang="en-US" sz="2000" b="0" i="0" u="none" strike="noStrike" dirty="0">
+                          <a:solidFill>
+                            <a:srgbClr val="000000"/>
+                          </a:solidFill>
+                          <a:effectLst/>
+                          <a:latin typeface="Calibri" panose="020F0502020204030204" pitchFamily="34" charset="0"/>
+                        </a:rPr>
+                        <a:t>f</a:t>
+                      </a:r>
+                    </a:p>
+                  </a:txBody>
+                  <a:tcPr marL="7620" marR="7620" marT="7620" marB="0" anchor="b"/>
+                </a:tc>
+                <a:extLst>
+                  <a:ext uri="{0D108BD9-81ED-4DB2-BD59-A6C34878D82A}">
+                    <a16:rowId xmlns:a16="http://schemas.microsoft.com/office/drawing/2014/main" val="4069771239"/>
+                  </a:ext>
+                </a:extLst>
+              </a:tr>
+              <a:tr h="395576">
+                <a:tc>
+                  <a:txBody>
+                    <a:bodyPr/>
+                    <a:lstStyle/>
+                    <a:p>
+                      <a:pPr algn="l" fontAlgn="b"/>
+                      <a:r>
+                        <a:rPr lang="en-US" sz="2000" u="none" strike="noStrike" dirty="0">
+                          <a:effectLst/>
+                        </a:rPr>
+                        <a:t>Naim</a:t>
+                      </a:r>
+                      <a:endParaRPr lang="en-US" sz="2000" b="0" i="0" u="none" strike="noStrike" dirty="0">
+                        <a:solidFill>
+                          <a:srgbClr val="000000"/>
+                        </a:solidFill>
+                        <a:effectLst/>
+                        <a:latin typeface="Calibri" panose="020F0502020204030204" pitchFamily="34" charset="0"/>
+                      </a:endParaRPr>
+                    </a:p>
+                  </a:txBody>
+                  <a:tcPr marL="7620" marR="7620" marT="7620" marB="0" anchor="b"/>
+                </a:tc>
+                <a:tc>
+                  <a:txBody>
+                    <a:bodyPr/>
+                    <a:lstStyle/>
+                    <a:p>
+                      <a:pPr algn="l" fontAlgn="b"/>
+                      <a:r>
+                        <a:rPr lang="en-US" sz="2000" u="none" strike="noStrike">
+                          <a:effectLst/>
+                        </a:rPr>
+                        <a:t>Vacation</a:t>
+                      </a:r>
+                      <a:endParaRPr lang="en-US" sz="2000" b="0" i="0" u="none" strike="noStrike">
+                        <a:solidFill>
+                          <a:srgbClr val="000000"/>
+                        </a:solidFill>
+                        <a:effectLst/>
+                        <a:latin typeface="Calibri" panose="020F0502020204030204" pitchFamily="34" charset="0"/>
+                      </a:endParaRPr>
+                    </a:p>
+                  </a:txBody>
+                  <a:tcPr marL="7620" marR="7620" marT="7620" marB="0" anchor="b"/>
+                </a:tc>
+                <a:tc>
+                  <a:txBody>
+                    <a:bodyPr/>
+                    <a:lstStyle/>
+                    <a:p>
+                      <a:pPr algn="l" fontAlgn="b"/>
+                      <a:endParaRPr lang="en-US" sz="2000" b="0" i="0" u="none" strike="noStrike">
+                        <a:solidFill>
+                          <a:srgbClr val="000000"/>
+                        </a:solidFill>
+                        <a:effectLst/>
+                        <a:latin typeface="Calibri" panose="020F0502020204030204" pitchFamily="34" charset="0"/>
+                      </a:endParaRPr>
+                    </a:p>
+                  </a:txBody>
+                  <a:tcPr marL="7620" marR="7620" marT="7620" marB="0" anchor="b"/>
+                </a:tc>
+                <a:extLst>
+                  <a:ext uri="{0D108BD9-81ED-4DB2-BD59-A6C34878D82A}">
+                    <a16:rowId xmlns:a16="http://schemas.microsoft.com/office/drawing/2014/main" val="3222766874"/>
+                  </a:ext>
+                </a:extLst>
+              </a:tr>
+              <a:tr h="395576">
+                <a:tc>
+                  <a:txBody>
+                    <a:bodyPr/>
+                    <a:lstStyle/>
+                    <a:p>
+                      <a:pPr algn="l" fontAlgn="b"/>
+                      <a:r>
+                        <a:rPr lang="en-US" sz="2000" u="none" strike="noStrike" dirty="0">
+                          <a:effectLst/>
+                        </a:rPr>
+                        <a:t>Sumaiya</a:t>
+                      </a:r>
+                      <a:endParaRPr lang="en-US" sz="2000" b="0" i="0" u="none" strike="noStrike" dirty="0">
+                        <a:solidFill>
+                          <a:srgbClr val="000000"/>
+                        </a:solidFill>
+                        <a:effectLst/>
+                        <a:latin typeface="Calibri" panose="020F0502020204030204" pitchFamily="34" charset="0"/>
+                      </a:endParaRPr>
+                    </a:p>
+                  </a:txBody>
+                  <a:tcPr marL="7620" marR="7620" marT="7620" marB="0" anchor="b"/>
+                </a:tc>
+                <a:tc>
+                  <a:txBody>
+                    <a:bodyPr/>
+                    <a:lstStyle/>
+                    <a:p>
+                      <a:pPr algn="l" fontAlgn="b"/>
+                      <a:r>
+                        <a:rPr lang="en-US" sz="2000" u="none" strike="noStrike">
+                          <a:effectLst/>
+                        </a:rPr>
+                        <a:t>Vacation</a:t>
+                      </a:r>
+                      <a:endParaRPr lang="en-US" sz="2000" b="0" i="0" u="none" strike="noStrike">
+                        <a:solidFill>
+                          <a:srgbClr val="000000"/>
+                        </a:solidFill>
+                        <a:effectLst/>
+                        <a:latin typeface="Calibri" panose="020F0502020204030204" pitchFamily="34" charset="0"/>
+                      </a:endParaRPr>
+                    </a:p>
+                  </a:txBody>
+                  <a:tcPr marL="7620" marR="7620" marT="7620" marB="0" anchor="b"/>
+                </a:tc>
+                <a:tc>
+                  <a:txBody>
+                    <a:bodyPr/>
+                    <a:lstStyle/>
+                    <a:p>
+                      <a:pPr algn="l" fontAlgn="b"/>
+                      <a:r>
+                        <a:rPr lang="en-US" sz="2000" b="0" i="0" u="none" strike="noStrike" dirty="0">
+                          <a:solidFill>
+                            <a:srgbClr val="000000"/>
+                          </a:solidFill>
+                          <a:effectLst/>
+                          <a:latin typeface="Calibri" panose="020F0502020204030204" pitchFamily="34" charset="0"/>
+                        </a:rPr>
+                        <a:t>m</a:t>
+                      </a:r>
+                    </a:p>
+                  </a:txBody>
+                  <a:tcPr marL="7620" marR="7620" marT="7620" marB="0" anchor="b"/>
+                </a:tc>
+                <a:extLst>
+                  <a:ext uri="{0D108BD9-81ED-4DB2-BD59-A6C34878D82A}">
+                    <a16:rowId xmlns:a16="http://schemas.microsoft.com/office/drawing/2014/main" val="534478043"/>
+                  </a:ext>
+                </a:extLst>
+              </a:tr>
+              <a:tr h="395576">
+                <a:tc>
+                  <a:txBody>
+                    <a:bodyPr/>
+                    <a:lstStyle/>
+                    <a:p>
+                      <a:pPr algn="l" fontAlgn="b"/>
+                      <a:r>
+                        <a:rPr lang="en-US" sz="2000" u="none" strike="noStrike" dirty="0">
+                          <a:effectLst/>
+                        </a:rPr>
+                        <a:t>Raju</a:t>
+                      </a:r>
+                      <a:endParaRPr lang="en-US" sz="2000" b="0" i="0" u="none" strike="noStrike" dirty="0">
+                        <a:solidFill>
+                          <a:srgbClr val="000000"/>
+                        </a:solidFill>
+                        <a:effectLst/>
+                        <a:latin typeface="Calibri" panose="020F0502020204030204" pitchFamily="34" charset="0"/>
+                      </a:endParaRPr>
+                    </a:p>
+                  </a:txBody>
+                  <a:tcPr marL="7620" marR="7620" marT="7620" marB="0" anchor="b"/>
+                </a:tc>
+                <a:tc>
+                  <a:txBody>
+                    <a:bodyPr/>
+                    <a:lstStyle/>
+                    <a:p>
+                      <a:pPr algn="l" fontAlgn="b"/>
+                      <a:r>
+                        <a:rPr lang="en-US" sz="2000" u="none" strike="noStrike">
+                          <a:effectLst/>
+                        </a:rPr>
+                        <a:t>sick</a:t>
+                      </a:r>
+                      <a:endParaRPr lang="en-US" sz="2000" b="0" i="0" u="none" strike="noStrike">
+                        <a:solidFill>
+                          <a:srgbClr val="000000"/>
+                        </a:solidFill>
+                        <a:effectLst/>
+                        <a:latin typeface="Calibri" panose="020F0502020204030204" pitchFamily="34" charset="0"/>
+                      </a:endParaRPr>
+                    </a:p>
+                  </a:txBody>
+                  <a:tcPr marL="7620" marR="7620" marT="7620" marB="0" anchor="b"/>
+                </a:tc>
+                <a:tc>
+                  <a:txBody>
+                    <a:bodyPr/>
+                    <a:lstStyle/>
+                    <a:p>
+                      <a:pPr algn="l" fontAlgn="b"/>
+                      <a:endParaRPr lang="en-US" sz="2000" b="0" i="0" u="none" strike="noStrike">
+                        <a:solidFill>
+                          <a:srgbClr val="000000"/>
+                        </a:solidFill>
+                        <a:effectLst/>
+                        <a:latin typeface="Calibri" panose="020F0502020204030204" pitchFamily="34" charset="0"/>
+                      </a:endParaRPr>
+                    </a:p>
+                  </a:txBody>
+                  <a:tcPr marL="7620" marR="7620" marT="7620" marB="0" anchor="b"/>
+                </a:tc>
+                <a:extLst>
+                  <a:ext uri="{0D108BD9-81ED-4DB2-BD59-A6C34878D82A}">
+                    <a16:rowId xmlns:a16="http://schemas.microsoft.com/office/drawing/2014/main" val="1192052842"/>
+                  </a:ext>
+                </a:extLst>
+              </a:tr>
+              <a:tr h="395576">
+                <a:tc>
+                  <a:txBody>
+                    <a:bodyPr/>
+                    <a:lstStyle/>
+                    <a:p>
+                      <a:pPr algn="l" fontAlgn="b"/>
+                      <a:r>
+                        <a:rPr lang="en-US" sz="2000" u="none" strike="noStrike">
+                          <a:effectLst/>
+                        </a:rPr>
+                        <a:t>Sumon</a:t>
+                      </a:r>
+                      <a:endParaRPr lang="en-US" sz="2000" b="0" i="0" u="none" strike="noStrike">
+                        <a:solidFill>
+                          <a:srgbClr val="000000"/>
+                        </a:solidFill>
+                        <a:effectLst/>
+                        <a:latin typeface="Calibri" panose="020F0502020204030204" pitchFamily="34" charset="0"/>
+                      </a:endParaRPr>
+                    </a:p>
+                  </a:txBody>
+                  <a:tcPr marL="7620" marR="7620" marT="7620" marB="0" anchor="b"/>
+                </a:tc>
+                <a:tc>
+                  <a:txBody>
+                    <a:bodyPr/>
+                    <a:lstStyle/>
+                    <a:p>
+                      <a:pPr algn="l" fontAlgn="b"/>
+                      <a:r>
+                        <a:rPr lang="en-US" sz="2000" u="none" strike="noStrike">
+                          <a:effectLst/>
+                        </a:rPr>
+                        <a:t>sick</a:t>
+                      </a:r>
+                      <a:endParaRPr lang="en-US" sz="2000" b="0" i="0" u="none" strike="noStrike">
+                        <a:solidFill>
+                          <a:srgbClr val="000000"/>
+                        </a:solidFill>
+                        <a:effectLst/>
+                        <a:latin typeface="Calibri" panose="020F0502020204030204" pitchFamily="34" charset="0"/>
+                      </a:endParaRPr>
+                    </a:p>
+                  </a:txBody>
+                  <a:tcPr marL="7620" marR="7620" marT="7620" marB="0" anchor="b"/>
+                </a:tc>
+                <a:tc>
+                  <a:txBody>
+                    <a:bodyPr/>
+                    <a:lstStyle/>
+                    <a:p>
+                      <a:pPr algn="l" fontAlgn="b"/>
+                      <a:r>
+                        <a:rPr lang="en-US" sz="2000" b="0" i="0" u="none" strike="noStrike" dirty="0">
+                          <a:solidFill>
+                            <a:srgbClr val="000000"/>
+                          </a:solidFill>
+                          <a:effectLst/>
+                          <a:latin typeface="Calibri" panose="020F0502020204030204" pitchFamily="34" charset="0"/>
+                        </a:rPr>
+                        <a:t>m</a:t>
+                      </a:r>
+                    </a:p>
+                  </a:txBody>
+                  <a:tcPr marL="7620" marR="7620" marT="7620" marB="0" anchor="b"/>
+                </a:tc>
+                <a:extLst>
+                  <a:ext uri="{0D108BD9-81ED-4DB2-BD59-A6C34878D82A}">
+                    <a16:rowId xmlns:a16="http://schemas.microsoft.com/office/drawing/2014/main" val="151060177"/>
                   </a:ext>
                 </a:extLst>
               </a:tr>

--- a/Presentation.pptx
+++ b/Presentation.pptx
@@ -5,7 +5,7 @@
     <p:sldMasterId id="2147483648" r:id="rId1"/>
   </p:sldMasterIdLst>
   <p:notesMasterIdLst>
-    <p:notesMasterId r:id="rId49"/>
+    <p:notesMasterId r:id="rId50"/>
   </p:notesMasterIdLst>
   <p:sldIdLst>
     <p:sldId id="256" r:id="rId2"/>
@@ -55,6 +55,7 @@
     <p:sldId id="302" r:id="rId46"/>
     <p:sldId id="304" r:id="rId47"/>
     <p:sldId id="303" r:id="rId48"/>
+    <p:sldId id="305" r:id="rId49"/>
   </p:sldIdLst>
   <p:sldSz cx="12192000" cy="6858000"/>
   <p:notesSz cx="6858000" cy="9144000"/>
@@ -164,7 +165,7 @@
 <file path=ppt/revisionInfo.xml><?xml version="1.0" encoding="utf-8"?>
 <p1510:revInfo xmlns:a="http://schemas.openxmlformats.org/drawingml/2006/main" xmlns:r="http://schemas.openxmlformats.org/officeDocument/2006/relationships" xmlns:p1510="http://schemas.microsoft.com/office/powerpoint/2015/10/main">
   <p1510:revLst>
-    <p1510:client id="{5A0AE8DC-5E21-4CD0-87CD-BB250528E0B9}" v="535" dt="2021-10-09T01:06:57.403"/>
+    <p1510:client id="{E6CCF23C-8518-47B3-BB86-EF897E1E3676}" v="37" dt="2022-04-15T18:51:09.841"/>
   </p1510:revLst>
 </p1510:revInfo>
 </file>
@@ -895,6 +896,76 @@
     </pc:docChg>
   </pc:docChgLst>
   <pc:docChgLst>
+    <pc:chgData name="Sharker, M A Yushuf" userId="9747c83c-1e77-4fa0-b0d6-b85778518449" providerId="ADAL" clId="{E6CCF23C-8518-47B3-BB86-EF897E1E3676}"/>
+    <pc:docChg chg="undo custSel addSld delSld modSld">
+      <pc:chgData name="Sharker, M A Yushuf" userId="9747c83c-1e77-4fa0-b0d6-b85778518449" providerId="ADAL" clId="{E6CCF23C-8518-47B3-BB86-EF897E1E3676}" dt="2022-04-15T18:51:09.841" v="89" actId="20577"/>
+      <pc:docMkLst>
+        <pc:docMk/>
+      </pc:docMkLst>
+      <pc:sldChg chg="addSp delSp modSp add mod">
+        <pc:chgData name="Sharker, M A Yushuf" userId="9747c83c-1e77-4fa0-b0d6-b85778518449" providerId="ADAL" clId="{E6CCF23C-8518-47B3-BB86-EF897E1E3676}" dt="2022-04-15T18:51:09.841" v="89" actId="20577"/>
+        <pc:sldMkLst>
+          <pc:docMk/>
+          <pc:sldMk cId="294194183" sldId="305"/>
+        </pc:sldMkLst>
+        <pc:spChg chg="mod">
+          <ac:chgData name="Sharker, M A Yushuf" userId="9747c83c-1e77-4fa0-b0d6-b85778518449" providerId="ADAL" clId="{E6CCF23C-8518-47B3-BB86-EF897E1E3676}" dt="2022-04-15T18:46:19.302" v="37" actId="20577"/>
+          <ac:spMkLst>
+            <pc:docMk/>
+            <pc:sldMk cId="294194183" sldId="305"/>
+            <ac:spMk id="2" creationId="{B9B16C32-1676-4F4D-8A5F-DE24F3ACD8BB}"/>
+          </ac:spMkLst>
+        </pc:spChg>
+        <pc:spChg chg="add del mod">
+          <ac:chgData name="Sharker, M A Yushuf" userId="9747c83c-1e77-4fa0-b0d6-b85778518449" providerId="ADAL" clId="{E6CCF23C-8518-47B3-BB86-EF897E1E3676}" dt="2022-04-15T18:46:46.883" v="44" actId="478"/>
+          <ac:spMkLst>
+            <pc:docMk/>
+            <pc:sldMk cId="294194183" sldId="305"/>
+            <ac:spMk id="7" creationId="{10E66EC7-478F-415E-8EEF-91BC0DE6238F}"/>
+          </ac:spMkLst>
+        </pc:spChg>
+        <pc:spChg chg="add mod">
+          <ac:chgData name="Sharker, M A Yushuf" userId="9747c83c-1e77-4fa0-b0d6-b85778518449" providerId="ADAL" clId="{E6CCF23C-8518-47B3-BB86-EF897E1E3676}" dt="2022-04-15T18:51:09.841" v="89" actId="20577"/>
+          <ac:spMkLst>
+            <pc:docMk/>
+            <pc:sldMk cId="294194183" sldId="305"/>
+            <ac:spMk id="9" creationId="{815E6C93-24D0-4ADB-8B0F-C6D241BD6C5A}"/>
+          </ac:spMkLst>
+        </pc:spChg>
+        <pc:graphicFrameChg chg="add del">
+          <ac:chgData name="Sharker, M A Yushuf" userId="9747c83c-1e77-4fa0-b0d6-b85778518449" providerId="ADAL" clId="{E6CCF23C-8518-47B3-BB86-EF897E1E3676}" dt="2022-04-15T18:46:49.336" v="45" actId="478"/>
+          <ac:graphicFrameMkLst>
+            <pc:docMk/>
+            <pc:sldMk cId="294194183" sldId="305"/>
+            <ac:graphicFrameMk id="6" creationId="{26E3D338-BCFE-4595-A89D-544A017C03F8}"/>
+          </ac:graphicFrameMkLst>
+        </pc:graphicFrameChg>
+      </pc:sldChg>
+      <pc:sldChg chg="modSp new del mod">
+        <pc:chgData name="Sharker, M A Yushuf" userId="9747c83c-1e77-4fa0-b0d6-b85778518449" providerId="ADAL" clId="{E6CCF23C-8518-47B3-BB86-EF897E1E3676}" dt="2022-04-15T18:46:05.186" v="19" actId="47"/>
+        <pc:sldMkLst>
+          <pc:docMk/>
+          <pc:sldMk cId="1024188885" sldId="305"/>
+        </pc:sldMkLst>
+        <pc:spChg chg="mod">
+          <ac:chgData name="Sharker, M A Yushuf" userId="9747c83c-1e77-4fa0-b0d6-b85778518449" providerId="ADAL" clId="{E6CCF23C-8518-47B3-BB86-EF897E1E3676}" dt="2022-04-15T18:44:47.901" v="18" actId="113"/>
+          <ac:spMkLst>
+            <pc:docMk/>
+            <pc:sldMk cId="1024188885" sldId="305"/>
+            <ac:spMk id="2" creationId="{FB395A6C-8961-4463-9C5A-6A6C2BA2626A}"/>
+          </ac:spMkLst>
+        </pc:spChg>
+      </pc:sldChg>
+      <pc:sldChg chg="add del">
+        <pc:chgData name="Sharker, M A Yushuf" userId="9747c83c-1e77-4fa0-b0d6-b85778518449" providerId="ADAL" clId="{E6CCF23C-8518-47B3-BB86-EF897E1E3676}" dt="2022-04-15T18:46:42.902" v="42"/>
+        <pc:sldMkLst>
+          <pc:docMk/>
+          <pc:sldMk cId="2884523309" sldId="306"/>
+        </pc:sldMkLst>
+      </pc:sldChg>
+    </pc:docChg>
+  </pc:docChgLst>
+  <pc:docChgLst>
     <pc:chgData name="M A Yushuf Sharker" userId="087d3bd139191a11" providerId="LiveId" clId="{5A0AE8DC-5E21-4CD0-87CD-BB250528E0B9}"/>
     <pc:docChg chg="undo redo custSel addSld modSld sldOrd">
       <pc:chgData name="M A Yushuf Sharker" userId="087d3bd139191a11" providerId="LiveId" clId="{5A0AE8DC-5E21-4CD0-87CD-BB250528E0B9}" dt="2021-10-09T01:06:57.403" v="4177" actId="313"/>
@@ -1314,7 +1385,7 @@
           <a:p>
             <a:fld id="{72D23B30-5EA5-4E58-83A2-CD0A58FE814B}" type="datetimeFigureOut">
               <a:rPr lang="en-US" smtClean="0"/>
-              <a:t>4/9/2022</a:t>
+              <a:t>4/15/2022</a:t>
             </a:fld>
             <a:endParaRPr lang="en-US"/>
           </a:p>
@@ -2160,7 +2231,7 @@
           <a:p>
             <a:fld id="{7450D965-15E4-4F4F-B21E-11DDA7A2EA91}" type="datetimeFigureOut">
               <a:rPr lang="en-US" smtClean="0"/>
-              <a:t>4/9/2022</a:t>
+              <a:t>4/15/2022</a:t>
             </a:fld>
             <a:endParaRPr lang="en-US" dirty="0"/>
           </a:p>
@@ -2358,7 +2429,7 @@
           <a:p>
             <a:fld id="{7450D965-15E4-4F4F-B21E-11DDA7A2EA91}" type="datetimeFigureOut">
               <a:rPr lang="en-US" smtClean="0"/>
-              <a:t>4/9/2022</a:t>
+              <a:t>4/15/2022</a:t>
             </a:fld>
             <a:endParaRPr lang="en-US" dirty="0"/>
           </a:p>
@@ -2566,7 +2637,7 @@
           <a:p>
             <a:fld id="{7450D965-15E4-4F4F-B21E-11DDA7A2EA91}" type="datetimeFigureOut">
               <a:rPr lang="en-US" smtClean="0"/>
-              <a:t>4/9/2022</a:t>
+              <a:t>4/15/2022</a:t>
             </a:fld>
             <a:endParaRPr lang="en-US" dirty="0"/>
           </a:p>
@@ -2764,7 +2835,7 @@
           <a:p>
             <a:fld id="{7450D965-15E4-4F4F-B21E-11DDA7A2EA91}" type="datetimeFigureOut">
               <a:rPr lang="en-US" smtClean="0"/>
-              <a:t>4/9/2022</a:t>
+              <a:t>4/15/2022</a:t>
             </a:fld>
             <a:endParaRPr lang="en-US" dirty="0"/>
           </a:p>
@@ -3039,7 +3110,7 @@
           <a:p>
             <a:fld id="{7450D965-15E4-4F4F-B21E-11DDA7A2EA91}" type="datetimeFigureOut">
               <a:rPr lang="en-US" smtClean="0"/>
-              <a:t>4/9/2022</a:t>
+              <a:t>4/15/2022</a:t>
             </a:fld>
             <a:endParaRPr lang="en-US" dirty="0"/>
           </a:p>
@@ -3304,7 +3375,7 @@
           <a:p>
             <a:fld id="{7450D965-15E4-4F4F-B21E-11DDA7A2EA91}" type="datetimeFigureOut">
               <a:rPr lang="en-US" smtClean="0"/>
-              <a:t>4/9/2022</a:t>
+              <a:t>4/15/2022</a:t>
             </a:fld>
             <a:endParaRPr lang="en-US" dirty="0"/>
           </a:p>
@@ -3716,7 +3787,7 @@
           <a:p>
             <a:fld id="{7450D965-15E4-4F4F-B21E-11DDA7A2EA91}" type="datetimeFigureOut">
               <a:rPr lang="en-US" smtClean="0"/>
-              <a:t>4/9/2022</a:t>
+              <a:t>4/15/2022</a:t>
             </a:fld>
             <a:endParaRPr lang="en-US" dirty="0"/>
           </a:p>
@@ -3857,7 +3928,7 @@
           <a:p>
             <a:fld id="{7450D965-15E4-4F4F-B21E-11DDA7A2EA91}" type="datetimeFigureOut">
               <a:rPr lang="en-US" smtClean="0"/>
-              <a:t>4/9/2022</a:t>
+              <a:t>4/15/2022</a:t>
             </a:fld>
             <a:endParaRPr lang="en-US" dirty="0"/>
           </a:p>
@@ -3970,7 +4041,7 @@
           <a:p>
             <a:fld id="{7450D965-15E4-4F4F-B21E-11DDA7A2EA91}" type="datetimeFigureOut">
               <a:rPr lang="en-US" smtClean="0"/>
-              <a:t>4/9/2022</a:t>
+              <a:t>4/15/2022</a:t>
             </a:fld>
             <a:endParaRPr lang="en-US" dirty="0"/>
           </a:p>
@@ -4281,7 +4352,7 @@
           <a:p>
             <a:fld id="{7450D965-15E4-4F4F-B21E-11DDA7A2EA91}" type="datetimeFigureOut">
               <a:rPr lang="en-US" smtClean="0"/>
-              <a:t>4/9/2022</a:t>
+              <a:t>4/15/2022</a:t>
             </a:fld>
             <a:endParaRPr lang="en-US" dirty="0"/>
           </a:p>
@@ -4569,7 +4640,7 @@
           <a:p>
             <a:fld id="{7450D965-15E4-4F4F-B21E-11DDA7A2EA91}" type="datetimeFigureOut">
               <a:rPr lang="en-US" smtClean="0"/>
-              <a:t>4/9/2022</a:t>
+              <a:t>4/15/2022</a:t>
             </a:fld>
             <a:endParaRPr lang="en-US" dirty="0"/>
           </a:p>
@@ -4810,7 +4881,7 @@
           <a:p>
             <a:fld id="{7450D965-15E4-4F4F-B21E-11DDA7A2EA91}" type="datetimeFigureOut">
               <a:rPr lang="en-US" smtClean="0"/>
-              <a:t>4/9/2022</a:t>
+              <a:t>4/15/2022</a:t>
             </a:fld>
             <a:endParaRPr lang="en-US" dirty="0"/>
           </a:p>
@@ -15530,8 +15601,8 @@
           </a:p>
         </p:txBody>
       </p:sp>
-      <mc:AlternateContent xmlns:mc="http://schemas.openxmlformats.org/markup-compatibility/2006">
-        <mc:Choice xmlns:a14="http://schemas.microsoft.com/office/drawing/2010/main" Requires="a14">
+      <mc:AlternateContent xmlns:mc="http://schemas.openxmlformats.org/markup-compatibility/2006" xmlns:a14="http://schemas.microsoft.com/office/drawing/2010/main">
+        <mc:Choice Requires="a14">
           <p:sp>
             <p:nvSpPr>
               <p:cNvPr id="4" name="Content Placeholder 3">
@@ -15733,7 +15804,7 @@
             </p:txBody>
           </p:sp>
         </mc:Choice>
-        <mc:Fallback>
+        <mc:Fallback xmlns="">
           <p:sp>
             <p:nvSpPr>
               <p:cNvPr id="4" name="Content Placeholder 3">
@@ -17518,8 +17589,8 @@
           </a:p>
         </p:txBody>
       </p:sp>
-      <mc:AlternateContent xmlns:mc="http://schemas.openxmlformats.org/markup-compatibility/2006">
-        <mc:Choice xmlns:a14="http://schemas.microsoft.com/office/drawing/2010/main" Requires="a14">
+      <mc:AlternateContent xmlns:mc="http://schemas.openxmlformats.org/markup-compatibility/2006" xmlns:a14="http://schemas.microsoft.com/office/drawing/2010/main">
+        <mc:Choice Requires="a14">
           <p:sp>
             <p:nvSpPr>
               <p:cNvPr id="4" name="Content Placeholder 3">
@@ -17833,7 +17904,7 @@
             </p:txBody>
           </p:sp>
         </mc:Choice>
-        <mc:Fallback>
+        <mc:Fallback xmlns="">
           <p:sp>
             <p:nvSpPr>
               <p:cNvPr id="4" name="Content Placeholder 3">
@@ -19605,6 +19676,1740 @@
 </p:sld>
 </file>
 
+<file path=ppt/slides/slide48.xml><?xml version="1.0" encoding="utf-8"?>
+<p:sld xmlns:a="http://schemas.openxmlformats.org/drawingml/2006/main" xmlns:r="http://schemas.openxmlformats.org/officeDocument/2006/relationships" xmlns:p="http://schemas.openxmlformats.org/presentationml/2006/main">
+  <p:cSld>
+    <p:spTree>
+      <p:nvGrpSpPr>
+        <p:cNvPr id="1" name=""/>
+        <p:cNvGrpSpPr/>
+        <p:nvPr/>
+      </p:nvGrpSpPr>
+      <p:grpSpPr>
+        <a:xfrm>
+          <a:off x="0" y="0"/>
+          <a:ext cx="0" cy="0"/>
+          <a:chOff x="0" y="0"/>
+          <a:chExt cx="0" cy="0"/>
+        </a:xfrm>
+      </p:grpSpPr>
+      <p:sp>
+        <p:nvSpPr>
+          <p:cNvPr id="2" name="Title 1">
+            <a:extLst>
+              <a:ext uri="{FF2B5EF4-FFF2-40B4-BE49-F238E27FC236}">
+                <a16:creationId xmlns:a16="http://schemas.microsoft.com/office/drawing/2014/main" id="{B9B16C32-1676-4F4D-8A5F-DE24F3ACD8BB}"/>
+              </a:ext>
+            </a:extLst>
+          </p:cNvPr>
+          <p:cNvSpPr>
+            <a:spLocks noGrp="1"/>
+          </p:cNvSpPr>
+          <p:nvPr>
+            <p:ph type="title"/>
+          </p:nvPr>
+        </p:nvSpPr>
+        <p:spPr/>
+        <p:txBody>
+          <a:bodyPr/>
+          <a:lstStyle/>
+          <a:p>
+            <a:r>
+              <a:rPr lang="en-US" b="1" dirty="0"/>
+              <a:t>Independent Event</a:t>
+            </a:r>
+          </a:p>
+        </p:txBody>
+      </p:sp>
+      <mc:AlternateContent xmlns:mc="http://schemas.openxmlformats.org/markup-compatibility/2006" xmlns:a14="http://schemas.microsoft.com/office/drawing/2010/main">
+        <mc:Choice Requires="a14">
+          <p:sp>
+            <p:nvSpPr>
+              <p:cNvPr id="4" name="Content Placeholder 3">
+                <a:extLst>
+                  <a:ext uri="{FF2B5EF4-FFF2-40B4-BE49-F238E27FC236}">
+                    <a16:creationId xmlns:a16="http://schemas.microsoft.com/office/drawing/2014/main" id="{C58BD091-A297-4727-95E9-73C659DBE1A9}"/>
+                  </a:ext>
+                </a:extLst>
+              </p:cNvPr>
+              <p:cNvSpPr>
+                <a:spLocks noGrp="1"/>
+              </p:cNvSpPr>
+              <p:nvPr>
+                <p:ph sz="half" idx="2"/>
+              </p:nvPr>
+            </p:nvSpPr>
+            <p:spPr/>
+            <p:txBody>
+              <a:bodyPr>
+                <a:normAutofit/>
+              </a:bodyPr>
+              <a:lstStyle/>
+              <a:p>
+                <a:r>
+                  <a:rPr lang="en-US" dirty="0"/>
+                  <a:t>Now estimate the probability</a:t>
+                </a:r>
+              </a:p>
+              <a:p>
+                <a:pPr lvl="1"/>
+                <a14:m>
+                  <m:oMath xmlns:m="http://schemas.openxmlformats.org/officeDocument/2006/math">
+                    <m:r>
+                      <a:rPr lang="en-US" i="1" dirty="0" smtClean="0">
+                        <a:latin typeface="Cambria Math" panose="02040503050406030204" pitchFamily="18" charset="0"/>
+                      </a:rPr>
+                      <m:t>𝑃</m:t>
+                    </m:r>
+                    <m:d>
+                      <m:dPr>
+                        <m:ctrlPr>
+                          <a:rPr lang="en-US" i="1" dirty="0" smtClean="0">
+                            <a:latin typeface="Cambria Math" panose="02040503050406030204" pitchFamily="18" charset="0"/>
+                          </a:rPr>
+                        </m:ctrlPr>
+                      </m:dPr>
+                      <m:e>
+                        <m:r>
+                          <a:rPr lang="en-US" b="0" i="1" dirty="0" smtClean="0">
+                            <a:latin typeface="Cambria Math" panose="02040503050406030204" pitchFamily="18" charset="0"/>
+                          </a:rPr>
+                          <m:t>𝐷𝑎𝑦</m:t>
+                        </m:r>
+                        <m:r>
+                          <a:rPr lang="en-US" i="1" dirty="0" smtClean="0">
+                            <a:latin typeface="Cambria Math" panose="02040503050406030204" pitchFamily="18" charset="0"/>
+                          </a:rPr>
+                          <m:t>=</m:t>
+                        </m:r>
+                        <m:r>
+                          <a:rPr lang="en-US" b="0" i="1" dirty="0" smtClean="0">
+                            <a:latin typeface="Cambria Math" panose="02040503050406030204" pitchFamily="18" charset="0"/>
+                          </a:rPr>
+                          <m:t>𝑚</m:t>
+                        </m:r>
+                      </m:e>
+                    </m:d>
+                  </m:oMath>
+                </a14:m>
+                <a:endParaRPr lang="en-US" dirty="0"/>
+              </a:p>
+              <a:p>
+                <a:pPr lvl="1"/>
+                <a14:m>
+                  <m:oMath xmlns:m="http://schemas.openxmlformats.org/officeDocument/2006/math">
+                    <m:r>
+                      <a:rPr lang="en-US" i="1" dirty="0" smtClean="0">
+                        <a:latin typeface="Cambria Math" panose="02040503050406030204" pitchFamily="18" charset="0"/>
+                      </a:rPr>
+                      <m:t>𝑃</m:t>
+                    </m:r>
+                    <m:d>
+                      <m:dPr>
+                        <m:ctrlPr>
+                          <a:rPr lang="en-US" i="1" dirty="0" smtClean="0">
+                            <a:latin typeface="Cambria Math" panose="02040503050406030204" pitchFamily="18" charset="0"/>
+                          </a:rPr>
+                        </m:ctrlPr>
+                      </m:dPr>
+                      <m:e>
+                        <m:r>
+                          <m:rPr>
+                            <m:sty m:val="p"/>
+                          </m:rPr>
+                          <a:rPr lang="en-US" b="0" i="0" dirty="0" smtClean="0">
+                            <a:latin typeface="Cambria Math" panose="02040503050406030204" pitchFamily="18" charset="0"/>
+                          </a:rPr>
+                          <m:t>Leave</m:t>
+                        </m:r>
+                        <m:r>
+                          <a:rPr lang="en-US" b="0" i="0" dirty="0" smtClean="0">
+                            <a:latin typeface="Cambria Math" panose="02040503050406030204" pitchFamily="18" charset="0"/>
+                          </a:rPr>
+                          <m:t>=</m:t>
+                        </m:r>
+                        <m:r>
+                          <m:rPr>
+                            <m:nor/>
+                          </m:rPr>
+                          <a:rPr lang="en-US" dirty="0"/>
+                          <m:t>vacation</m:t>
+                        </m:r>
+                      </m:e>
+                    </m:d>
+                  </m:oMath>
+                </a14:m>
+                <a:endParaRPr lang="en-US" dirty="0"/>
+              </a:p>
+              <a:p>
+                <a:pPr lvl="1"/>
+                <a14:m>
+                  <m:oMath xmlns:m="http://schemas.openxmlformats.org/officeDocument/2006/math">
+                    <m:r>
+                      <a:rPr lang="en-US" i="1" dirty="0" smtClean="0">
+                        <a:latin typeface="Cambria Math" panose="02040503050406030204" pitchFamily="18" charset="0"/>
+                      </a:rPr>
+                      <m:t>𝑃</m:t>
+                    </m:r>
+                    <m:r>
+                      <a:rPr lang="en-US" i="1" dirty="0">
+                        <a:latin typeface="Cambria Math" panose="02040503050406030204" pitchFamily="18" charset="0"/>
+                      </a:rPr>
+                      <m:t> </m:t>
+                    </m:r>
+                    <m:r>
+                      <a:rPr lang="en-US" i="1" dirty="0" smtClean="0">
+                        <a:latin typeface="Cambria Math" panose="02040503050406030204" pitchFamily="18" charset="0"/>
+                      </a:rPr>
+                      <m:t>(</m:t>
+                    </m:r>
+                    <m:r>
+                      <a:rPr lang="en-US" b="0" i="1" dirty="0" smtClean="0">
+                        <a:latin typeface="Cambria Math" panose="02040503050406030204" pitchFamily="18" charset="0"/>
+                      </a:rPr>
+                      <m:t>𝐿𝑒𝑎𝑣𝑒</m:t>
+                    </m:r>
+                    <m:r>
+                      <a:rPr lang="en-US" i="1" dirty="0">
+                        <a:latin typeface="Cambria Math" panose="02040503050406030204" pitchFamily="18" charset="0"/>
+                      </a:rPr>
+                      <m:t> </m:t>
+                    </m:r>
+                    <m:r>
+                      <a:rPr lang="en-US" i="1" dirty="0" smtClean="0">
+                        <a:latin typeface="Cambria Math" panose="02040503050406030204" pitchFamily="18" charset="0"/>
+                      </a:rPr>
+                      <m:t>=</m:t>
+                    </m:r>
+                    <m:r>
+                      <m:rPr>
+                        <m:nor/>
+                      </m:rPr>
+                      <a:rPr lang="en-US" b="0" i="0" dirty="0" smtClean="0"/>
+                      <m:t>Sick</m:t>
+                    </m:r>
+                    <m:r>
+                      <a:rPr lang="en-US" i="1" dirty="0" smtClean="0">
+                        <a:latin typeface="Cambria Math" panose="02040503050406030204" pitchFamily="18" charset="0"/>
+                      </a:rPr>
+                      <m:t>|</m:t>
+                    </m:r>
+                    <m:r>
+                      <a:rPr lang="en-US" b="0" i="1" dirty="0" smtClean="0">
+                        <a:latin typeface="Cambria Math" panose="02040503050406030204" pitchFamily="18" charset="0"/>
+                      </a:rPr>
+                      <m:t>𝐷𝑎𝑦</m:t>
+                    </m:r>
+                    <m:r>
+                      <a:rPr lang="en-US" i="1" dirty="0">
+                        <a:latin typeface="Cambria Math" panose="02040503050406030204" pitchFamily="18" charset="0"/>
+                      </a:rPr>
+                      <m:t> </m:t>
+                    </m:r>
+                    <m:r>
+                      <a:rPr lang="en-US" i="1" dirty="0" smtClean="0">
+                        <a:latin typeface="Cambria Math" panose="02040503050406030204" pitchFamily="18" charset="0"/>
+                      </a:rPr>
+                      <m:t>=</m:t>
+                    </m:r>
+                    <m:r>
+                      <a:rPr lang="en-US" b="0" i="1" dirty="0" smtClean="0">
+                        <a:latin typeface="Cambria Math" panose="02040503050406030204" pitchFamily="18" charset="0"/>
+                      </a:rPr>
+                      <m:t>𝑓</m:t>
+                    </m:r>
+                    <m:r>
+                      <a:rPr lang="en-US" i="1" dirty="0" smtClean="0">
+                        <a:latin typeface="Cambria Math" panose="02040503050406030204" pitchFamily="18" charset="0"/>
+                      </a:rPr>
+                      <m:t>)</m:t>
+                    </m:r>
+                  </m:oMath>
+                </a14:m>
+                <a:endParaRPr lang="en-US" dirty="0"/>
+              </a:p>
+              <a:p>
+                <a:pPr lvl="1"/>
+                <a14:m>
+                  <m:oMath xmlns:m="http://schemas.openxmlformats.org/officeDocument/2006/math">
+                    <m:r>
+                      <a:rPr lang="en-US" i="1" dirty="0" smtClean="0">
+                        <a:latin typeface="Cambria Math" panose="02040503050406030204" pitchFamily="18" charset="0"/>
+                      </a:rPr>
+                      <m:t>𝑃</m:t>
+                    </m:r>
+                    <m:r>
+                      <a:rPr lang="en-US" i="1" dirty="0">
+                        <a:latin typeface="Cambria Math" panose="02040503050406030204" pitchFamily="18" charset="0"/>
+                      </a:rPr>
+                      <m:t> </m:t>
+                    </m:r>
+                    <m:r>
+                      <a:rPr lang="en-US" i="1" dirty="0" smtClean="0">
+                        <a:latin typeface="Cambria Math" panose="02040503050406030204" pitchFamily="18" charset="0"/>
+                      </a:rPr>
+                      <m:t>(</m:t>
+                    </m:r>
+                    <m:r>
+                      <a:rPr lang="en-US" b="0" i="1" dirty="0" smtClean="0">
+                        <a:latin typeface="Cambria Math" panose="02040503050406030204" pitchFamily="18" charset="0"/>
+                      </a:rPr>
+                      <m:t>𝐿𝑒𝑎𝑣𝑒</m:t>
+                    </m:r>
+                    <m:r>
+                      <a:rPr lang="en-US" i="1" dirty="0">
+                        <a:latin typeface="Cambria Math" panose="02040503050406030204" pitchFamily="18" charset="0"/>
+                      </a:rPr>
+                      <m:t> </m:t>
+                    </m:r>
+                    <m:r>
+                      <a:rPr lang="en-US" i="1" dirty="0" smtClean="0">
+                        <a:latin typeface="Cambria Math" panose="02040503050406030204" pitchFamily="18" charset="0"/>
+                      </a:rPr>
+                      <m:t>=</m:t>
+                    </m:r>
+                    <m:r>
+                      <m:rPr>
+                        <m:nor/>
+                      </m:rPr>
+                      <a:rPr lang="en-US" dirty="0"/>
+                      <m:t>vacation</m:t>
+                    </m:r>
+                    <m:r>
+                      <a:rPr lang="en-US" i="1" dirty="0" smtClean="0">
+                        <a:latin typeface="Cambria Math" panose="02040503050406030204" pitchFamily="18" charset="0"/>
+                      </a:rPr>
+                      <m:t>|</m:t>
+                    </m:r>
+                    <m:r>
+                      <a:rPr lang="en-US" b="0" i="1" dirty="0" smtClean="0">
+                        <a:latin typeface="Cambria Math" panose="02040503050406030204" pitchFamily="18" charset="0"/>
+                      </a:rPr>
+                      <m:t>𝐷𝑎𝑦</m:t>
+                    </m:r>
+                    <m:r>
+                      <a:rPr lang="en-US" i="1" dirty="0">
+                        <a:latin typeface="Cambria Math" panose="02040503050406030204" pitchFamily="18" charset="0"/>
+                      </a:rPr>
+                      <m:t> </m:t>
+                    </m:r>
+                    <m:r>
+                      <a:rPr lang="en-US" i="1" dirty="0" smtClean="0">
+                        <a:latin typeface="Cambria Math" panose="02040503050406030204" pitchFamily="18" charset="0"/>
+                      </a:rPr>
+                      <m:t>=</m:t>
+                    </m:r>
+                    <m:r>
+                      <a:rPr lang="en-US" b="0" i="1" dirty="0" smtClean="0">
+                        <a:latin typeface="Cambria Math" panose="02040503050406030204" pitchFamily="18" charset="0"/>
+                      </a:rPr>
+                      <m:t>𝑤</m:t>
+                    </m:r>
+                    <m:r>
+                      <a:rPr lang="en-US" i="1" dirty="0" smtClean="0">
+                        <a:latin typeface="Cambria Math" panose="02040503050406030204" pitchFamily="18" charset="0"/>
+                      </a:rPr>
+                      <m:t>)</m:t>
+                    </m:r>
+                  </m:oMath>
+                </a14:m>
+                <a:endParaRPr lang="en-US" dirty="0"/>
+              </a:p>
+              <a:p>
+                <a:pPr lvl="1"/>
+                <a:r>
+                  <a:rPr lang="en-US" dirty="0"/>
+                  <a:t>Sample space</a:t>
+                </a:r>
+              </a:p>
+              <a:p>
+                <a:pPr lvl="1"/>
+                <a:endParaRPr lang="en-US" dirty="0"/>
+              </a:p>
+              <a:p>
+                <a:pPr lvl="1"/>
+                <a:endParaRPr lang="en-US" dirty="0"/>
+              </a:p>
+              <a:p>
+                <a:endParaRPr lang="en-US" dirty="0"/>
+              </a:p>
+            </p:txBody>
+          </p:sp>
+        </mc:Choice>
+        <mc:Fallback xmlns="">
+          <p:sp>
+            <p:nvSpPr>
+              <p:cNvPr id="4" name="Content Placeholder 3">
+                <a:extLst>
+                  <a:ext uri="{FF2B5EF4-FFF2-40B4-BE49-F238E27FC236}">
+                    <a16:creationId xmlns:a16="http://schemas.microsoft.com/office/drawing/2014/main" id="{C58BD091-A297-4727-95E9-73C659DBE1A9}"/>
+                  </a:ext>
+                </a:extLst>
+              </p:cNvPr>
+              <p:cNvSpPr>
+                <a:spLocks noGrp="1" noRot="1" noChangeAspect="1" noMove="1" noResize="1" noEditPoints="1" noAdjustHandles="1" noChangeArrowheads="1" noChangeShapeType="1" noTextEdit="1"/>
+              </p:cNvSpPr>
+              <p:nvPr>
+                <p:ph sz="half" idx="2"/>
+              </p:nvPr>
+            </p:nvSpPr>
+            <p:spPr>
+              <a:blipFill>
+                <a:blip r:embed="rId2"/>
+                <a:stretch>
+                  <a:fillRect l="-2118" t="-2241"/>
+                </a:stretch>
+              </a:blipFill>
+            </p:spPr>
+            <p:txBody>
+              <a:bodyPr/>
+              <a:lstStyle/>
+              <a:p>
+                <a:r>
+                  <a:rPr lang="en-US">
+                    <a:noFill/>
+                  </a:rPr>
+                  <a:t> </a:t>
+                </a:r>
+              </a:p>
+            </p:txBody>
+          </p:sp>
+        </mc:Fallback>
+      </mc:AlternateContent>
+      <p:graphicFrame>
+        <p:nvGraphicFramePr>
+          <p:cNvPr id="5" name="Table 4">
+            <a:extLst>
+              <a:ext uri="{FF2B5EF4-FFF2-40B4-BE49-F238E27FC236}">
+                <a16:creationId xmlns:a16="http://schemas.microsoft.com/office/drawing/2014/main" id="{F6EBB0E9-6564-45F0-891A-2AF4C18D3943}"/>
+              </a:ext>
+            </a:extLst>
+          </p:cNvPr>
+          <p:cNvGraphicFramePr>
+            <a:graphicFrameLocks noGrp="1"/>
+          </p:cNvGraphicFramePr>
+          <p:nvPr/>
+        </p:nvGraphicFramePr>
+        <p:xfrm>
+          <a:off x="6445250" y="4333875"/>
+          <a:ext cx="3676100" cy="1720349"/>
+        </p:xfrm>
+        <a:graphic>
+          <a:graphicData uri="http://schemas.openxmlformats.org/drawingml/2006/table">
+            <a:tbl>
+              <a:tblPr firstRow="1" firstCol="1" bandRow="1">
+                <a:tableStyleId>{5C22544A-7EE6-4342-B048-85BDC9FD1C3A}</a:tableStyleId>
+              </a:tblPr>
+              <a:tblGrid>
+                <a:gridCol w="1330485">
+                  <a:extLst>
+                    <a:ext uri="{9D8B030D-6E8A-4147-A177-3AD203B41FA5}">
+                      <a16:colId xmlns:a16="http://schemas.microsoft.com/office/drawing/2014/main" val="3815507231"/>
+                    </a:ext>
+                  </a:extLst>
+                </a:gridCol>
+                <a:gridCol w="510823">
+                  <a:extLst>
+                    <a:ext uri="{9D8B030D-6E8A-4147-A177-3AD203B41FA5}">
+                      <a16:colId xmlns:a16="http://schemas.microsoft.com/office/drawing/2014/main" val="1722231425"/>
+                    </a:ext>
+                  </a:extLst>
+                </a:gridCol>
+                <a:gridCol w="427423">
+                  <a:extLst>
+                    <a:ext uri="{9D8B030D-6E8A-4147-A177-3AD203B41FA5}">
+                      <a16:colId xmlns:a16="http://schemas.microsoft.com/office/drawing/2014/main" val="2826149802"/>
+                    </a:ext>
+                  </a:extLst>
+                </a:gridCol>
+                <a:gridCol w="487367">
+                  <a:extLst>
+                    <a:ext uri="{9D8B030D-6E8A-4147-A177-3AD203B41FA5}">
+                      <a16:colId xmlns:a16="http://schemas.microsoft.com/office/drawing/2014/main" val="2243864817"/>
+                    </a:ext>
+                  </a:extLst>
+                </a:gridCol>
+                <a:gridCol w="450879">
+                  <a:extLst>
+                    <a:ext uri="{9D8B030D-6E8A-4147-A177-3AD203B41FA5}">
+                      <a16:colId xmlns:a16="http://schemas.microsoft.com/office/drawing/2014/main" val="2420872766"/>
+                    </a:ext>
+                  </a:extLst>
+                </a:gridCol>
+                <a:gridCol w="469123">
+                  <a:extLst>
+                    <a:ext uri="{9D8B030D-6E8A-4147-A177-3AD203B41FA5}">
+                      <a16:colId xmlns:a16="http://schemas.microsoft.com/office/drawing/2014/main" val="1569765191"/>
+                    </a:ext>
+                  </a:extLst>
+                </a:gridCol>
+              </a:tblGrid>
+              <a:tr h="435269">
+                <a:tc>
+                  <a:txBody>
+                    <a:bodyPr/>
+                    <a:lstStyle/>
+                    <a:p>
+                      <a:pPr marL="0" marR="0">
+                        <a:lnSpc>
+                          <a:spcPct val="107000"/>
+                        </a:lnSpc>
+                        <a:spcBef>
+                          <a:spcPts val="0"/>
+                        </a:spcBef>
+                        <a:spcAft>
+                          <a:spcPts val="0"/>
+                        </a:spcAft>
+                      </a:pPr>
+                      <a:r>
+                        <a:rPr lang="en-US" sz="1600">
+                          <a:effectLst/>
+                        </a:rPr>
+                        <a:t> </a:t>
+                      </a:r>
+                      <a:endParaRPr lang="en-US" sz="1600">
+                        <a:effectLst/>
+                        <a:latin typeface="Calibri" panose="020F0502020204030204" pitchFamily="34" charset="0"/>
+                        <a:ea typeface="Calibri" panose="020F0502020204030204" pitchFamily="34" charset="0"/>
+                        <a:cs typeface="Times New Roman" panose="02020603050405020304" pitchFamily="18" charset="0"/>
+                      </a:endParaRPr>
+                    </a:p>
+                  </a:txBody>
+                  <a:tcPr marL="68580" marR="68580" marT="0" marB="0" anchor="ctr"/>
+                </a:tc>
+                <a:tc>
+                  <a:txBody>
+                    <a:bodyPr/>
+                    <a:lstStyle/>
+                    <a:p>
+                      <a:pPr marL="0" marR="0">
+                        <a:lnSpc>
+                          <a:spcPct val="107000"/>
+                        </a:lnSpc>
+                        <a:spcBef>
+                          <a:spcPts val="0"/>
+                        </a:spcBef>
+                        <a:spcAft>
+                          <a:spcPts val="0"/>
+                        </a:spcAft>
+                      </a:pPr>
+                      <a:r>
+                        <a:rPr lang="en-US" sz="1600" dirty="0">
+                          <a:effectLst/>
+                        </a:rPr>
+                        <a:t>m</a:t>
+                      </a:r>
+                      <a:endParaRPr lang="en-US" sz="1600" dirty="0">
+                        <a:effectLst/>
+                        <a:latin typeface="Calibri" panose="020F0502020204030204" pitchFamily="34" charset="0"/>
+                        <a:ea typeface="Calibri" panose="020F0502020204030204" pitchFamily="34" charset="0"/>
+                        <a:cs typeface="Times New Roman" panose="02020603050405020304" pitchFamily="18" charset="0"/>
+                      </a:endParaRPr>
+                    </a:p>
+                  </a:txBody>
+                  <a:tcPr marL="68580" marR="68580" marT="0" marB="0" anchor="ctr"/>
+                </a:tc>
+                <a:tc>
+                  <a:txBody>
+                    <a:bodyPr/>
+                    <a:lstStyle/>
+                    <a:p>
+                      <a:pPr marL="0" marR="0">
+                        <a:lnSpc>
+                          <a:spcPct val="107000"/>
+                        </a:lnSpc>
+                        <a:spcBef>
+                          <a:spcPts val="0"/>
+                        </a:spcBef>
+                        <a:spcAft>
+                          <a:spcPts val="0"/>
+                        </a:spcAft>
+                      </a:pPr>
+                      <a:r>
+                        <a:rPr lang="en-US" sz="1600">
+                          <a:effectLst/>
+                        </a:rPr>
+                        <a:t>t</a:t>
+                      </a:r>
+                      <a:endParaRPr lang="en-US" sz="1600">
+                        <a:effectLst/>
+                        <a:latin typeface="Calibri" panose="020F0502020204030204" pitchFamily="34" charset="0"/>
+                        <a:ea typeface="Calibri" panose="020F0502020204030204" pitchFamily="34" charset="0"/>
+                        <a:cs typeface="Times New Roman" panose="02020603050405020304" pitchFamily="18" charset="0"/>
+                      </a:endParaRPr>
+                    </a:p>
+                  </a:txBody>
+                  <a:tcPr marL="68580" marR="68580" marT="0" marB="0" anchor="ctr"/>
+                </a:tc>
+                <a:tc>
+                  <a:txBody>
+                    <a:bodyPr/>
+                    <a:lstStyle/>
+                    <a:p>
+                      <a:pPr marL="0" marR="0">
+                        <a:lnSpc>
+                          <a:spcPct val="107000"/>
+                        </a:lnSpc>
+                        <a:spcBef>
+                          <a:spcPts val="0"/>
+                        </a:spcBef>
+                        <a:spcAft>
+                          <a:spcPts val="0"/>
+                        </a:spcAft>
+                      </a:pPr>
+                      <a:r>
+                        <a:rPr lang="en-US" sz="1600">
+                          <a:effectLst/>
+                        </a:rPr>
+                        <a:t>w</a:t>
+                      </a:r>
+                      <a:endParaRPr lang="en-US" sz="1600">
+                        <a:effectLst/>
+                        <a:latin typeface="Calibri" panose="020F0502020204030204" pitchFamily="34" charset="0"/>
+                        <a:ea typeface="Calibri" panose="020F0502020204030204" pitchFamily="34" charset="0"/>
+                        <a:cs typeface="Times New Roman" panose="02020603050405020304" pitchFamily="18" charset="0"/>
+                      </a:endParaRPr>
+                    </a:p>
+                  </a:txBody>
+                  <a:tcPr marL="68580" marR="68580" marT="0" marB="0" anchor="ctr"/>
+                </a:tc>
+                <a:tc>
+                  <a:txBody>
+                    <a:bodyPr/>
+                    <a:lstStyle/>
+                    <a:p>
+                      <a:pPr marL="0" marR="0">
+                        <a:lnSpc>
+                          <a:spcPct val="107000"/>
+                        </a:lnSpc>
+                        <a:spcBef>
+                          <a:spcPts val="0"/>
+                        </a:spcBef>
+                        <a:spcAft>
+                          <a:spcPts val="0"/>
+                        </a:spcAft>
+                      </a:pPr>
+                      <a:r>
+                        <a:rPr lang="en-US" sz="1600">
+                          <a:effectLst/>
+                        </a:rPr>
+                        <a:t>t</a:t>
+                      </a:r>
+                      <a:endParaRPr lang="en-US" sz="1600">
+                        <a:effectLst/>
+                        <a:latin typeface="Calibri" panose="020F0502020204030204" pitchFamily="34" charset="0"/>
+                        <a:ea typeface="Calibri" panose="020F0502020204030204" pitchFamily="34" charset="0"/>
+                        <a:cs typeface="Times New Roman" panose="02020603050405020304" pitchFamily="18" charset="0"/>
+                      </a:endParaRPr>
+                    </a:p>
+                  </a:txBody>
+                  <a:tcPr marL="68580" marR="68580" marT="0" marB="0" anchor="ctr"/>
+                </a:tc>
+                <a:tc>
+                  <a:txBody>
+                    <a:bodyPr/>
+                    <a:lstStyle/>
+                    <a:p>
+                      <a:pPr marL="0" marR="0">
+                        <a:lnSpc>
+                          <a:spcPct val="107000"/>
+                        </a:lnSpc>
+                        <a:spcBef>
+                          <a:spcPts val="0"/>
+                        </a:spcBef>
+                        <a:spcAft>
+                          <a:spcPts val="0"/>
+                        </a:spcAft>
+                      </a:pPr>
+                      <a:r>
+                        <a:rPr lang="en-US" sz="1600" dirty="0">
+                          <a:effectLst/>
+                        </a:rPr>
+                        <a:t>f</a:t>
+                      </a:r>
+                      <a:endParaRPr lang="en-US" sz="1600" dirty="0">
+                        <a:effectLst/>
+                        <a:latin typeface="Calibri" panose="020F0502020204030204" pitchFamily="34" charset="0"/>
+                        <a:ea typeface="Calibri" panose="020F0502020204030204" pitchFamily="34" charset="0"/>
+                        <a:cs typeface="Times New Roman" panose="02020603050405020304" pitchFamily="18" charset="0"/>
+                      </a:endParaRPr>
+                    </a:p>
+                  </a:txBody>
+                  <a:tcPr marL="68580" marR="68580" marT="0" marB="0" anchor="ctr"/>
+                </a:tc>
+                <a:extLst>
+                  <a:ext uri="{0D108BD9-81ED-4DB2-BD59-A6C34878D82A}">
+                    <a16:rowId xmlns:a16="http://schemas.microsoft.com/office/drawing/2014/main" val="2817872155"/>
+                  </a:ext>
+                </a:extLst>
+              </a:tr>
+              <a:tr h="414542">
+                <a:tc>
+                  <a:txBody>
+                    <a:bodyPr/>
+                    <a:lstStyle/>
+                    <a:p>
+                      <a:pPr marL="0" marR="0">
+                        <a:lnSpc>
+                          <a:spcPct val="107000"/>
+                        </a:lnSpc>
+                        <a:spcBef>
+                          <a:spcPts val="0"/>
+                        </a:spcBef>
+                        <a:spcAft>
+                          <a:spcPts val="0"/>
+                        </a:spcAft>
+                      </a:pPr>
+                      <a:r>
+                        <a:rPr lang="en-US" sz="1600">
+                          <a:effectLst/>
+                        </a:rPr>
+                        <a:t>Vacation</a:t>
+                      </a:r>
+                      <a:endParaRPr lang="en-US" sz="1600">
+                        <a:effectLst/>
+                        <a:latin typeface="Calibri" panose="020F0502020204030204" pitchFamily="34" charset="0"/>
+                        <a:ea typeface="Calibri" panose="020F0502020204030204" pitchFamily="34" charset="0"/>
+                        <a:cs typeface="Times New Roman" panose="02020603050405020304" pitchFamily="18" charset="0"/>
+                      </a:endParaRPr>
+                    </a:p>
+                  </a:txBody>
+                  <a:tcPr marL="68580" marR="68580" marT="0" marB="0"/>
+                </a:tc>
+                <a:tc>
+                  <a:txBody>
+                    <a:bodyPr/>
+                    <a:lstStyle/>
+                    <a:p>
+                      <a:pPr marL="0" marR="0">
+                        <a:lnSpc>
+                          <a:spcPct val="107000"/>
+                        </a:lnSpc>
+                        <a:spcBef>
+                          <a:spcPts val="0"/>
+                        </a:spcBef>
+                        <a:spcAft>
+                          <a:spcPts val="0"/>
+                        </a:spcAft>
+                      </a:pPr>
+                      <a:r>
+                        <a:rPr lang="en-US" sz="1600" dirty="0">
+                          <a:effectLst/>
+                        </a:rPr>
+                        <a:t> 2</a:t>
+                      </a:r>
+                      <a:endParaRPr lang="en-US" sz="1600" dirty="0">
+                        <a:effectLst/>
+                        <a:latin typeface="Calibri" panose="020F0502020204030204" pitchFamily="34" charset="0"/>
+                        <a:ea typeface="Calibri" panose="020F0502020204030204" pitchFamily="34" charset="0"/>
+                        <a:cs typeface="Times New Roman" panose="02020603050405020304" pitchFamily="18" charset="0"/>
+                      </a:endParaRPr>
+                    </a:p>
+                  </a:txBody>
+                  <a:tcPr marL="68580" marR="68580" marT="0" marB="0" anchor="ctr"/>
+                </a:tc>
+                <a:tc>
+                  <a:txBody>
+                    <a:bodyPr/>
+                    <a:lstStyle/>
+                    <a:p>
+                      <a:pPr marL="0" marR="0">
+                        <a:lnSpc>
+                          <a:spcPct val="107000"/>
+                        </a:lnSpc>
+                        <a:spcBef>
+                          <a:spcPts val="0"/>
+                        </a:spcBef>
+                        <a:spcAft>
+                          <a:spcPts val="0"/>
+                        </a:spcAft>
+                      </a:pPr>
+                      <a:r>
+                        <a:rPr lang="en-US" sz="1600" dirty="0">
+                          <a:effectLst/>
+                        </a:rPr>
+                        <a:t> 0</a:t>
+                      </a:r>
+                      <a:endParaRPr lang="en-US" sz="1600" dirty="0">
+                        <a:effectLst/>
+                        <a:latin typeface="Calibri" panose="020F0502020204030204" pitchFamily="34" charset="0"/>
+                        <a:ea typeface="Calibri" panose="020F0502020204030204" pitchFamily="34" charset="0"/>
+                        <a:cs typeface="Times New Roman" panose="02020603050405020304" pitchFamily="18" charset="0"/>
+                      </a:endParaRPr>
+                    </a:p>
+                  </a:txBody>
+                  <a:tcPr marL="68580" marR="68580" marT="0" marB="0" anchor="ctr"/>
+                </a:tc>
+                <a:tc>
+                  <a:txBody>
+                    <a:bodyPr/>
+                    <a:lstStyle/>
+                    <a:p>
+                      <a:pPr marL="0" marR="0">
+                        <a:lnSpc>
+                          <a:spcPct val="107000"/>
+                        </a:lnSpc>
+                        <a:spcBef>
+                          <a:spcPts val="0"/>
+                        </a:spcBef>
+                        <a:spcAft>
+                          <a:spcPts val="0"/>
+                        </a:spcAft>
+                      </a:pPr>
+                      <a:r>
+                        <a:rPr lang="en-US" sz="1600" dirty="0">
+                          <a:effectLst/>
+                        </a:rPr>
+                        <a:t> 0</a:t>
+                      </a:r>
+                      <a:endParaRPr lang="en-US" sz="1600" dirty="0">
+                        <a:effectLst/>
+                        <a:latin typeface="Calibri" panose="020F0502020204030204" pitchFamily="34" charset="0"/>
+                        <a:ea typeface="Calibri" panose="020F0502020204030204" pitchFamily="34" charset="0"/>
+                        <a:cs typeface="Times New Roman" panose="02020603050405020304" pitchFamily="18" charset="0"/>
+                      </a:endParaRPr>
+                    </a:p>
+                  </a:txBody>
+                  <a:tcPr marL="68580" marR="68580" marT="0" marB="0" anchor="ctr"/>
+                </a:tc>
+                <a:tc>
+                  <a:txBody>
+                    <a:bodyPr/>
+                    <a:lstStyle/>
+                    <a:p>
+                      <a:pPr marL="0" marR="0">
+                        <a:lnSpc>
+                          <a:spcPct val="107000"/>
+                        </a:lnSpc>
+                        <a:spcBef>
+                          <a:spcPts val="0"/>
+                        </a:spcBef>
+                        <a:spcAft>
+                          <a:spcPts val="0"/>
+                        </a:spcAft>
+                      </a:pPr>
+                      <a:r>
+                        <a:rPr lang="en-US" sz="1600" dirty="0">
+                          <a:effectLst/>
+                        </a:rPr>
+                        <a:t> 0</a:t>
+                      </a:r>
+                      <a:endParaRPr lang="en-US" sz="1600" dirty="0">
+                        <a:effectLst/>
+                        <a:latin typeface="Calibri" panose="020F0502020204030204" pitchFamily="34" charset="0"/>
+                        <a:ea typeface="Calibri" panose="020F0502020204030204" pitchFamily="34" charset="0"/>
+                        <a:cs typeface="Times New Roman" panose="02020603050405020304" pitchFamily="18" charset="0"/>
+                      </a:endParaRPr>
+                    </a:p>
+                  </a:txBody>
+                  <a:tcPr marL="68580" marR="68580" marT="0" marB="0" anchor="ctr"/>
+                </a:tc>
+                <a:tc>
+                  <a:txBody>
+                    <a:bodyPr/>
+                    <a:lstStyle/>
+                    <a:p>
+                      <a:pPr marL="0" marR="0">
+                        <a:lnSpc>
+                          <a:spcPct val="107000"/>
+                        </a:lnSpc>
+                        <a:spcBef>
+                          <a:spcPts val="0"/>
+                        </a:spcBef>
+                        <a:spcAft>
+                          <a:spcPts val="0"/>
+                        </a:spcAft>
+                      </a:pPr>
+                      <a:r>
+                        <a:rPr lang="en-US" sz="1600" dirty="0">
+                          <a:effectLst/>
+                        </a:rPr>
+                        <a:t> 0</a:t>
+                      </a:r>
+                      <a:endParaRPr lang="en-US" sz="1600" dirty="0">
+                        <a:effectLst/>
+                        <a:latin typeface="Calibri" panose="020F0502020204030204" pitchFamily="34" charset="0"/>
+                        <a:ea typeface="Calibri" panose="020F0502020204030204" pitchFamily="34" charset="0"/>
+                        <a:cs typeface="Times New Roman" panose="02020603050405020304" pitchFamily="18" charset="0"/>
+                      </a:endParaRPr>
+                    </a:p>
+                  </a:txBody>
+                  <a:tcPr marL="68580" marR="68580" marT="0" marB="0" anchor="ctr"/>
+                </a:tc>
+                <a:extLst>
+                  <a:ext uri="{0D108BD9-81ED-4DB2-BD59-A6C34878D82A}">
+                    <a16:rowId xmlns:a16="http://schemas.microsoft.com/office/drawing/2014/main" val="1656714142"/>
+                  </a:ext>
+                </a:extLst>
+              </a:tr>
+              <a:tr h="435269">
+                <a:tc>
+                  <a:txBody>
+                    <a:bodyPr/>
+                    <a:lstStyle/>
+                    <a:p>
+                      <a:pPr marL="0" marR="0">
+                        <a:lnSpc>
+                          <a:spcPct val="107000"/>
+                        </a:lnSpc>
+                        <a:spcBef>
+                          <a:spcPts val="0"/>
+                        </a:spcBef>
+                        <a:spcAft>
+                          <a:spcPts val="0"/>
+                        </a:spcAft>
+                      </a:pPr>
+                      <a:r>
+                        <a:rPr lang="en-US" sz="1600" dirty="0">
+                          <a:effectLst/>
+                        </a:rPr>
+                        <a:t>Sick</a:t>
+                      </a:r>
+                      <a:endParaRPr lang="en-US" sz="1600" dirty="0">
+                        <a:effectLst/>
+                        <a:latin typeface="Calibri" panose="020F0502020204030204" pitchFamily="34" charset="0"/>
+                        <a:ea typeface="Calibri" panose="020F0502020204030204" pitchFamily="34" charset="0"/>
+                        <a:cs typeface="Times New Roman" panose="02020603050405020304" pitchFamily="18" charset="0"/>
+                      </a:endParaRPr>
+                    </a:p>
+                  </a:txBody>
+                  <a:tcPr marL="68580" marR="68580" marT="0" marB="0" anchor="ctr"/>
+                </a:tc>
+                <a:tc>
+                  <a:txBody>
+                    <a:bodyPr/>
+                    <a:lstStyle/>
+                    <a:p>
+                      <a:pPr marL="0" marR="0">
+                        <a:lnSpc>
+                          <a:spcPct val="107000"/>
+                        </a:lnSpc>
+                        <a:spcBef>
+                          <a:spcPts val="0"/>
+                        </a:spcBef>
+                        <a:spcAft>
+                          <a:spcPts val="0"/>
+                        </a:spcAft>
+                      </a:pPr>
+                      <a:r>
+                        <a:rPr lang="en-US" sz="1600" dirty="0">
+                          <a:effectLst/>
+                        </a:rPr>
+                        <a:t> 1</a:t>
+                      </a:r>
+                      <a:endParaRPr lang="en-US" sz="1600" dirty="0">
+                        <a:effectLst/>
+                        <a:latin typeface="Calibri" panose="020F0502020204030204" pitchFamily="34" charset="0"/>
+                        <a:ea typeface="Calibri" panose="020F0502020204030204" pitchFamily="34" charset="0"/>
+                        <a:cs typeface="Times New Roman" panose="02020603050405020304" pitchFamily="18" charset="0"/>
+                      </a:endParaRPr>
+                    </a:p>
+                  </a:txBody>
+                  <a:tcPr marL="68580" marR="68580" marT="0" marB="0" anchor="ctr"/>
+                </a:tc>
+                <a:tc>
+                  <a:txBody>
+                    <a:bodyPr/>
+                    <a:lstStyle/>
+                    <a:p>
+                      <a:pPr marL="0" marR="0">
+                        <a:lnSpc>
+                          <a:spcPct val="107000"/>
+                        </a:lnSpc>
+                        <a:spcBef>
+                          <a:spcPts val="0"/>
+                        </a:spcBef>
+                        <a:spcAft>
+                          <a:spcPts val="0"/>
+                        </a:spcAft>
+                      </a:pPr>
+                      <a:r>
+                        <a:rPr lang="en-US" sz="1600" dirty="0">
+                          <a:effectLst/>
+                        </a:rPr>
+                        <a:t> 0</a:t>
+                      </a:r>
+                      <a:endParaRPr lang="en-US" sz="1600" dirty="0">
+                        <a:effectLst/>
+                        <a:latin typeface="Calibri" panose="020F0502020204030204" pitchFamily="34" charset="0"/>
+                        <a:ea typeface="Calibri" panose="020F0502020204030204" pitchFamily="34" charset="0"/>
+                        <a:cs typeface="Times New Roman" panose="02020603050405020304" pitchFamily="18" charset="0"/>
+                      </a:endParaRPr>
+                    </a:p>
+                  </a:txBody>
+                  <a:tcPr marL="68580" marR="68580" marT="0" marB="0" anchor="ctr"/>
+                </a:tc>
+                <a:tc>
+                  <a:txBody>
+                    <a:bodyPr/>
+                    <a:lstStyle/>
+                    <a:p>
+                      <a:pPr marL="0" marR="0">
+                        <a:lnSpc>
+                          <a:spcPct val="107000"/>
+                        </a:lnSpc>
+                        <a:spcBef>
+                          <a:spcPts val="0"/>
+                        </a:spcBef>
+                        <a:spcAft>
+                          <a:spcPts val="0"/>
+                        </a:spcAft>
+                      </a:pPr>
+                      <a:r>
+                        <a:rPr lang="en-US" sz="1600" dirty="0">
+                          <a:effectLst/>
+                        </a:rPr>
+                        <a:t> 0</a:t>
+                      </a:r>
+                      <a:endParaRPr lang="en-US" sz="1600" dirty="0">
+                        <a:effectLst/>
+                        <a:latin typeface="Calibri" panose="020F0502020204030204" pitchFamily="34" charset="0"/>
+                        <a:ea typeface="Calibri" panose="020F0502020204030204" pitchFamily="34" charset="0"/>
+                        <a:cs typeface="Times New Roman" panose="02020603050405020304" pitchFamily="18" charset="0"/>
+                      </a:endParaRPr>
+                    </a:p>
+                  </a:txBody>
+                  <a:tcPr marL="68580" marR="68580" marT="0" marB="0" anchor="ctr"/>
+                </a:tc>
+                <a:tc>
+                  <a:txBody>
+                    <a:bodyPr/>
+                    <a:lstStyle/>
+                    <a:p>
+                      <a:pPr marL="0" marR="0">
+                        <a:lnSpc>
+                          <a:spcPct val="107000"/>
+                        </a:lnSpc>
+                        <a:spcBef>
+                          <a:spcPts val="0"/>
+                        </a:spcBef>
+                        <a:spcAft>
+                          <a:spcPts val="0"/>
+                        </a:spcAft>
+                      </a:pPr>
+                      <a:r>
+                        <a:rPr lang="en-US" sz="1600" dirty="0">
+                          <a:effectLst/>
+                        </a:rPr>
+                        <a:t> 2</a:t>
+                      </a:r>
+                      <a:endParaRPr lang="en-US" sz="1600" dirty="0">
+                        <a:effectLst/>
+                        <a:latin typeface="Calibri" panose="020F0502020204030204" pitchFamily="34" charset="0"/>
+                        <a:ea typeface="Calibri" panose="020F0502020204030204" pitchFamily="34" charset="0"/>
+                        <a:cs typeface="Times New Roman" panose="02020603050405020304" pitchFamily="18" charset="0"/>
+                      </a:endParaRPr>
+                    </a:p>
+                  </a:txBody>
+                  <a:tcPr marL="68580" marR="68580" marT="0" marB="0" anchor="ctr"/>
+                </a:tc>
+                <a:tc>
+                  <a:txBody>
+                    <a:bodyPr/>
+                    <a:lstStyle/>
+                    <a:p>
+                      <a:pPr marL="0" marR="0">
+                        <a:lnSpc>
+                          <a:spcPct val="107000"/>
+                        </a:lnSpc>
+                        <a:spcBef>
+                          <a:spcPts val="0"/>
+                        </a:spcBef>
+                        <a:spcAft>
+                          <a:spcPts val="0"/>
+                        </a:spcAft>
+                      </a:pPr>
+                      <a:r>
+                        <a:rPr lang="en-US" sz="1600" dirty="0">
+                          <a:effectLst/>
+                        </a:rPr>
+                        <a:t> 2</a:t>
+                      </a:r>
+                      <a:endParaRPr lang="en-US" sz="1600" dirty="0">
+                        <a:effectLst/>
+                        <a:latin typeface="Calibri" panose="020F0502020204030204" pitchFamily="34" charset="0"/>
+                        <a:ea typeface="Calibri" panose="020F0502020204030204" pitchFamily="34" charset="0"/>
+                        <a:cs typeface="Times New Roman" panose="02020603050405020304" pitchFamily="18" charset="0"/>
+                      </a:endParaRPr>
+                    </a:p>
+                  </a:txBody>
+                  <a:tcPr marL="68580" marR="68580" marT="0" marB="0" anchor="ctr"/>
+                </a:tc>
+                <a:extLst>
+                  <a:ext uri="{0D108BD9-81ED-4DB2-BD59-A6C34878D82A}">
+                    <a16:rowId xmlns:a16="http://schemas.microsoft.com/office/drawing/2014/main" val="721026111"/>
+                  </a:ext>
+                </a:extLst>
+              </a:tr>
+              <a:tr h="435269">
+                <a:tc>
+                  <a:txBody>
+                    <a:bodyPr/>
+                    <a:lstStyle/>
+                    <a:p>
+                      <a:pPr marL="0" marR="0">
+                        <a:lnSpc>
+                          <a:spcPct val="107000"/>
+                        </a:lnSpc>
+                        <a:spcBef>
+                          <a:spcPts val="0"/>
+                        </a:spcBef>
+                        <a:spcAft>
+                          <a:spcPts val="0"/>
+                        </a:spcAft>
+                      </a:pPr>
+                      <a:endParaRPr lang="en-US" sz="1600" dirty="0">
+                        <a:effectLst/>
+                        <a:latin typeface="Calibri" panose="020F0502020204030204" pitchFamily="34" charset="0"/>
+                        <a:ea typeface="Calibri" panose="020F0502020204030204" pitchFamily="34" charset="0"/>
+                        <a:cs typeface="Times New Roman" panose="02020603050405020304" pitchFamily="18" charset="0"/>
+                      </a:endParaRPr>
+                    </a:p>
+                  </a:txBody>
+                  <a:tcPr marL="68580" marR="68580" marT="0" marB="0" anchor="ctr"/>
+                </a:tc>
+                <a:tc>
+                  <a:txBody>
+                    <a:bodyPr/>
+                    <a:lstStyle/>
+                    <a:p>
+                      <a:pPr marL="0" marR="0">
+                        <a:lnSpc>
+                          <a:spcPct val="107000"/>
+                        </a:lnSpc>
+                        <a:spcBef>
+                          <a:spcPts val="0"/>
+                        </a:spcBef>
+                        <a:spcAft>
+                          <a:spcPts val="0"/>
+                        </a:spcAft>
+                      </a:pPr>
+                      <a:r>
+                        <a:rPr lang="en-US" sz="1600" dirty="0">
+                          <a:effectLst/>
+                          <a:latin typeface="Calibri" panose="020F0502020204030204" pitchFamily="34" charset="0"/>
+                          <a:ea typeface="Calibri" panose="020F0502020204030204" pitchFamily="34" charset="0"/>
+                          <a:cs typeface="Times New Roman" panose="02020603050405020304" pitchFamily="18" charset="0"/>
+                        </a:rPr>
+                        <a:t>3</a:t>
+                      </a:r>
+                    </a:p>
+                  </a:txBody>
+                  <a:tcPr marL="68580" marR="68580" marT="0" marB="0" anchor="ctr"/>
+                </a:tc>
+                <a:tc>
+                  <a:txBody>
+                    <a:bodyPr/>
+                    <a:lstStyle/>
+                    <a:p>
+                      <a:pPr marL="0" marR="0">
+                        <a:lnSpc>
+                          <a:spcPct val="107000"/>
+                        </a:lnSpc>
+                        <a:spcBef>
+                          <a:spcPts val="0"/>
+                        </a:spcBef>
+                        <a:spcAft>
+                          <a:spcPts val="0"/>
+                        </a:spcAft>
+                      </a:pPr>
+                      <a:r>
+                        <a:rPr lang="en-US" sz="1600" dirty="0">
+                          <a:effectLst/>
+                          <a:latin typeface="Calibri" panose="020F0502020204030204" pitchFamily="34" charset="0"/>
+                          <a:ea typeface="Calibri" panose="020F0502020204030204" pitchFamily="34" charset="0"/>
+                          <a:cs typeface="Times New Roman" panose="02020603050405020304" pitchFamily="18" charset="0"/>
+                        </a:rPr>
+                        <a:t>0</a:t>
+                      </a:r>
+                    </a:p>
+                  </a:txBody>
+                  <a:tcPr marL="68580" marR="68580" marT="0" marB="0" anchor="ctr"/>
+                </a:tc>
+                <a:tc>
+                  <a:txBody>
+                    <a:bodyPr/>
+                    <a:lstStyle/>
+                    <a:p>
+                      <a:pPr marL="0" marR="0">
+                        <a:lnSpc>
+                          <a:spcPct val="107000"/>
+                        </a:lnSpc>
+                        <a:spcBef>
+                          <a:spcPts val="0"/>
+                        </a:spcBef>
+                        <a:spcAft>
+                          <a:spcPts val="0"/>
+                        </a:spcAft>
+                      </a:pPr>
+                      <a:r>
+                        <a:rPr lang="en-US" sz="1600" dirty="0">
+                          <a:effectLst/>
+                          <a:latin typeface="Calibri" panose="020F0502020204030204" pitchFamily="34" charset="0"/>
+                          <a:ea typeface="Calibri" panose="020F0502020204030204" pitchFamily="34" charset="0"/>
+                          <a:cs typeface="Times New Roman" panose="02020603050405020304" pitchFamily="18" charset="0"/>
+                        </a:rPr>
+                        <a:t>0</a:t>
+                      </a:r>
+                    </a:p>
+                  </a:txBody>
+                  <a:tcPr marL="68580" marR="68580" marT="0" marB="0" anchor="ctr"/>
+                </a:tc>
+                <a:tc>
+                  <a:txBody>
+                    <a:bodyPr/>
+                    <a:lstStyle/>
+                    <a:p>
+                      <a:pPr marL="0" marR="0">
+                        <a:lnSpc>
+                          <a:spcPct val="107000"/>
+                        </a:lnSpc>
+                        <a:spcBef>
+                          <a:spcPts val="0"/>
+                        </a:spcBef>
+                        <a:spcAft>
+                          <a:spcPts val="0"/>
+                        </a:spcAft>
+                      </a:pPr>
+                      <a:r>
+                        <a:rPr lang="en-US" sz="1600" dirty="0">
+                          <a:effectLst/>
+                          <a:latin typeface="Calibri" panose="020F0502020204030204" pitchFamily="34" charset="0"/>
+                          <a:ea typeface="Calibri" panose="020F0502020204030204" pitchFamily="34" charset="0"/>
+                          <a:cs typeface="Times New Roman" panose="02020603050405020304" pitchFamily="18" charset="0"/>
+                        </a:rPr>
+                        <a:t>2</a:t>
+                      </a:r>
+                    </a:p>
+                  </a:txBody>
+                  <a:tcPr marL="68580" marR="68580" marT="0" marB="0" anchor="ctr"/>
+                </a:tc>
+                <a:tc>
+                  <a:txBody>
+                    <a:bodyPr/>
+                    <a:lstStyle/>
+                    <a:p>
+                      <a:pPr marL="0" marR="0">
+                        <a:lnSpc>
+                          <a:spcPct val="107000"/>
+                        </a:lnSpc>
+                        <a:spcBef>
+                          <a:spcPts val="0"/>
+                        </a:spcBef>
+                        <a:spcAft>
+                          <a:spcPts val="0"/>
+                        </a:spcAft>
+                      </a:pPr>
+                      <a:r>
+                        <a:rPr lang="en-US" sz="1600" dirty="0">
+                          <a:effectLst/>
+                          <a:latin typeface="Calibri" panose="020F0502020204030204" pitchFamily="34" charset="0"/>
+                          <a:ea typeface="Calibri" panose="020F0502020204030204" pitchFamily="34" charset="0"/>
+                          <a:cs typeface="Times New Roman" panose="02020603050405020304" pitchFamily="18" charset="0"/>
+                        </a:rPr>
+                        <a:t>2</a:t>
+                      </a:r>
+                    </a:p>
+                  </a:txBody>
+                  <a:tcPr marL="68580" marR="68580" marT="0" marB="0" anchor="ctr"/>
+                </a:tc>
+                <a:extLst>
+                  <a:ext uri="{0D108BD9-81ED-4DB2-BD59-A6C34878D82A}">
+                    <a16:rowId xmlns:a16="http://schemas.microsoft.com/office/drawing/2014/main" val="3009123524"/>
+                  </a:ext>
+                </a:extLst>
+              </a:tr>
+            </a:tbl>
+          </a:graphicData>
+        </a:graphic>
+      </p:graphicFrame>
+      <mc:AlternateContent xmlns:mc="http://schemas.openxmlformats.org/markup-compatibility/2006">
+        <mc:Choice xmlns:a14="http://schemas.microsoft.com/office/drawing/2010/main" Requires="a14">
+          <p:sp>
+            <p:nvSpPr>
+              <p:cNvPr id="9" name="Content Placeholder 8">
+                <a:extLst>
+                  <a:ext uri="{FF2B5EF4-FFF2-40B4-BE49-F238E27FC236}">
+                    <a16:creationId xmlns:a16="http://schemas.microsoft.com/office/drawing/2014/main" id="{815E6C93-24D0-4ADB-8B0F-C6D241BD6C5A}"/>
+                  </a:ext>
+                </a:extLst>
+              </p:cNvPr>
+              <p:cNvSpPr>
+                <a:spLocks noGrp="1"/>
+              </p:cNvSpPr>
+              <p:nvPr>
+                <p:ph sz="half" idx="1"/>
+              </p:nvPr>
+            </p:nvSpPr>
+            <p:spPr/>
+            <p:txBody>
+              <a:bodyPr>
+                <a:normAutofit/>
+              </a:bodyPr>
+              <a:lstStyle/>
+              <a:p>
+                <a14:m>
+                  <m:oMath xmlns:m="http://schemas.openxmlformats.org/officeDocument/2006/math">
+                    <m:r>
+                      <a:rPr lang="en-US" sz="2400" i="1" dirty="0" smtClean="0">
+                        <a:latin typeface="Cambria Math" panose="02040503050406030204" pitchFamily="18" charset="0"/>
+                      </a:rPr>
+                      <m:t>𝑃</m:t>
+                    </m:r>
+                    <m:r>
+                      <a:rPr lang="en-US" sz="2400" i="1" dirty="0">
+                        <a:latin typeface="Cambria Math" panose="02040503050406030204" pitchFamily="18" charset="0"/>
+                      </a:rPr>
+                      <m:t> </m:t>
+                    </m:r>
+                    <m:r>
+                      <a:rPr lang="en-US" sz="2400" i="1" dirty="0" smtClean="0">
+                        <a:latin typeface="Cambria Math" panose="02040503050406030204" pitchFamily="18" charset="0"/>
+                      </a:rPr>
+                      <m:t>(</m:t>
+                    </m:r>
+                    <m:r>
+                      <a:rPr lang="en-US" sz="2400" b="0" i="1" dirty="0" smtClean="0">
+                        <a:latin typeface="Cambria Math" panose="02040503050406030204" pitchFamily="18" charset="0"/>
+                      </a:rPr>
+                      <m:t>𝐿𝑒𝑎𝑣𝑒</m:t>
+                    </m:r>
+                    <m:r>
+                      <a:rPr lang="en-US" sz="2400" i="1" dirty="0">
+                        <a:latin typeface="Cambria Math" panose="02040503050406030204" pitchFamily="18" charset="0"/>
+                      </a:rPr>
+                      <m:t> </m:t>
+                    </m:r>
+                    <m:r>
+                      <a:rPr lang="en-US" sz="2400" i="1" dirty="0" smtClean="0">
+                        <a:latin typeface="Cambria Math" panose="02040503050406030204" pitchFamily="18" charset="0"/>
+                      </a:rPr>
+                      <m:t>=</m:t>
+                    </m:r>
+                    <m:r>
+                      <m:rPr>
+                        <m:nor/>
+                      </m:rPr>
+                      <a:rPr lang="en-US" sz="2400" dirty="0"/>
+                      <m:t>vacation</m:t>
+                    </m:r>
+                    <m:r>
+                      <a:rPr lang="en-US" sz="2400" b="0" i="1" dirty="0" smtClean="0">
+                        <a:latin typeface="Cambria Math" panose="02040503050406030204" pitchFamily="18" charset="0"/>
+                      </a:rPr>
+                      <m:t> &amp; </m:t>
+                    </m:r>
+                    <m:r>
+                      <a:rPr lang="en-US" sz="2400" b="0" i="1" dirty="0" smtClean="0">
+                        <a:latin typeface="Cambria Math" panose="02040503050406030204" pitchFamily="18" charset="0"/>
+                      </a:rPr>
+                      <m:t>𝐷𝑎𝑦</m:t>
+                    </m:r>
+                    <m:r>
+                      <a:rPr lang="en-US" sz="2400" i="1" dirty="0">
+                        <a:latin typeface="Cambria Math" panose="02040503050406030204" pitchFamily="18" charset="0"/>
+                      </a:rPr>
+                      <m:t> </m:t>
+                    </m:r>
+                    <m:r>
+                      <a:rPr lang="en-US" sz="2400" i="1" dirty="0" smtClean="0">
+                        <a:latin typeface="Cambria Math" panose="02040503050406030204" pitchFamily="18" charset="0"/>
+                      </a:rPr>
+                      <m:t>=</m:t>
+                    </m:r>
+                    <m:r>
+                      <a:rPr lang="en-US" sz="2400" b="0" i="1" dirty="0" smtClean="0">
+                        <a:latin typeface="Cambria Math" panose="02040503050406030204" pitchFamily="18" charset="0"/>
+                      </a:rPr>
+                      <m:t>𝑤</m:t>
+                    </m:r>
+                    <m:r>
+                      <a:rPr lang="en-US" sz="2400" i="1" dirty="0" smtClean="0">
+                        <a:latin typeface="Cambria Math" panose="02040503050406030204" pitchFamily="18" charset="0"/>
+                      </a:rPr>
+                      <m:t>)</m:t>
+                    </m:r>
+                  </m:oMath>
+                </a14:m>
+                <a:endParaRPr lang="en-US" sz="2400" dirty="0"/>
+              </a:p>
+              <a:p>
+                <a14:m>
+                  <m:oMath xmlns:m="http://schemas.openxmlformats.org/officeDocument/2006/math">
+                    <m:r>
+                      <a:rPr lang="en-US" sz="2400" i="1" dirty="0" smtClean="0">
+                        <a:latin typeface="Cambria Math" panose="02040503050406030204" pitchFamily="18" charset="0"/>
+                      </a:rPr>
+                      <m:t>𝑃</m:t>
+                    </m:r>
+                    <m:r>
+                      <a:rPr lang="en-US" sz="2400" i="1" dirty="0">
+                        <a:latin typeface="Cambria Math" panose="02040503050406030204" pitchFamily="18" charset="0"/>
+                      </a:rPr>
+                      <m:t> </m:t>
+                    </m:r>
+                    <m:d>
+                      <m:dPr>
+                        <m:ctrlPr>
+                          <a:rPr lang="en-US" sz="2400" b="0" i="1" dirty="0" smtClean="0">
+                            <a:latin typeface="Cambria Math" panose="02040503050406030204" pitchFamily="18" charset="0"/>
+                          </a:rPr>
+                        </m:ctrlPr>
+                      </m:dPr>
+                      <m:e>
+                        <m:r>
+                          <a:rPr lang="en-US" sz="2400" b="0" i="1" dirty="0" smtClean="0">
+                            <a:latin typeface="Cambria Math" panose="02040503050406030204" pitchFamily="18" charset="0"/>
+                          </a:rPr>
+                          <m:t>𝐿𝑒𝑎𝑣𝑒</m:t>
+                        </m:r>
+                        <m:r>
+                          <a:rPr lang="en-US" sz="2400" i="1" dirty="0">
+                            <a:latin typeface="Cambria Math" panose="02040503050406030204" pitchFamily="18" charset="0"/>
+                          </a:rPr>
+                          <m:t> </m:t>
+                        </m:r>
+                        <m:r>
+                          <a:rPr lang="en-US" sz="2400" i="1" dirty="0" smtClean="0">
+                            <a:latin typeface="Cambria Math" panose="02040503050406030204" pitchFamily="18" charset="0"/>
+                          </a:rPr>
+                          <m:t>=</m:t>
+                        </m:r>
+                        <m:r>
+                          <m:rPr>
+                            <m:nor/>
+                          </m:rPr>
+                          <a:rPr lang="en-US" sz="2400" dirty="0"/>
+                          <m:t>vacation</m:t>
+                        </m:r>
+                      </m:e>
+                    </m:d>
+                  </m:oMath>
+                </a14:m>
+                <a:endParaRPr lang="en-US" sz="2400" dirty="0"/>
+              </a:p>
+              <a:p>
+                <a14:m>
+                  <m:oMath xmlns:m="http://schemas.openxmlformats.org/officeDocument/2006/math">
+                    <m:r>
+                      <a:rPr lang="en-US" sz="2400" i="1" dirty="0" smtClean="0">
+                        <a:latin typeface="Cambria Math" panose="02040503050406030204" pitchFamily="18" charset="0"/>
+                      </a:rPr>
+                      <m:t>𝑃</m:t>
+                    </m:r>
+                    <m:r>
+                      <a:rPr lang="en-US" sz="2400" i="1" dirty="0">
+                        <a:latin typeface="Cambria Math" panose="02040503050406030204" pitchFamily="18" charset="0"/>
+                      </a:rPr>
+                      <m:t> </m:t>
+                    </m:r>
+                    <m:r>
+                      <a:rPr lang="en-US" sz="2400" i="1" dirty="0" smtClean="0">
+                        <a:latin typeface="Cambria Math" panose="02040503050406030204" pitchFamily="18" charset="0"/>
+                      </a:rPr>
+                      <m:t>(</m:t>
+                    </m:r>
+                    <m:r>
+                      <a:rPr lang="en-US" sz="2400" b="0" i="1" dirty="0" smtClean="0">
+                        <a:latin typeface="Cambria Math" panose="02040503050406030204" pitchFamily="18" charset="0"/>
+                      </a:rPr>
+                      <m:t>𝐷𝑎𝑦</m:t>
+                    </m:r>
+                    <m:r>
+                      <a:rPr lang="en-US" sz="2400" i="1" dirty="0">
+                        <a:latin typeface="Cambria Math" panose="02040503050406030204" pitchFamily="18" charset="0"/>
+                      </a:rPr>
+                      <m:t> </m:t>
+                    </m:r>
+                    <m:r>
+                      <a:rPr lang="en-US" sz="2400" i="1" dirty="0" smtClean="0">
+                        <a:latin typeface="Cambria Math" panose="02040503050406030204" pitchFamily="18" charset="0"/>
+                      </a:rPr>
+                      <m:t>=</m:t>
+                    </m:r>
+                    <m:r>
+                      <a:rPr lang="en-US" sz="2400" b="0" i="1" dirty="0" smtClean="0">
+                        <a:latin typeface="Cambria Math" panose="02040503050406030204" pitchFamily="18" charset="0"/>
+                      </a:rPr>
+                      <m:t>𝑤</m:t>
+                    </m:r>
+                    <m:r>
+                      <a:rPr lang="en-US" sz="2400" i="1" dirty="0" smtClean="0">
+                        <a:latin typeface="Cambria Math" panose="02040503050406030204" pitchFamily="18" charset="0"/>
+                      </a:rPr>
+                      <m:t>)</m:t>
+                    </m:r>
+                  </m:oMath>
+                </a14:m>
+                <a:endParaRPr lang="en-US" sz="2400" dirty="0"/>
+              </a:p>
+              <a:p>
+                <a:endParaRPr lang="en-US" sz="2400" dirty="0"/>
+              </a:p>
+              <a:p>
+                <a14:m>
+                  <m:oMath xmlns:m="http://schemas.openxmlformats.org/officeDocument/2006/math">
+                    <m:r>
+                      <a:rPr lang="en-US" sz="2400" i="1" dirty="0" smtClean="0">
+                        <a:latin typeface="Cambria Math" panose="02040503050406030204" pitchFamily="18" charset="0"/>
+                      </a:rPr>
+                      <m:t>𝑃</m:t>
+                    </m:r>
+                    <m:r>
+                      <a:rPr lang="en-US" sz="2400" i="1" dirty="0">
+                        <a:latin typeface="Cambria Math" panose="02040503050406030204" pitchFamily="18" charset="0"/>
+                      </a:rPr>
+                      <m:t> </m:t>
+                    </m:r>
+                    <m:r>
+                      <a:rPr lang="en-US" sz="2400" i="1" dirty="0" smtClean="0">
+                        <a:latin typeface="Cambria Math" panose="02040503050406030204" pitchFamily="18" charset="0"/>
+                      </a:rPr>
+                      <m:t>(</m:t>
+                    </m:r>
+                    <m:r>
+                      <a:rPr lang="en-US" sz="2400" b="0" i="1" dirty="0" smtClean="0">
+                        <a:latin typeface="Cambria Math" panose="02040503050406030204" pitchFamily="18" charset="0"/>
+                      </a:rPr>
+                      <m:t>𝐿𝑒𝑎𝑣𝑒</m:t>
+                    </m:r>
+                    <m:r>
+                      <a:rPr lang="en-US" sz="2400" i="1" dirty="0">
+                        <a:latin typeface="Cambria Math" panose="02040503050406030204" pitchFamily="18" charset="0"/>
+                      </a:rPr>
+                      <m:t> </m:t>
+                    </m:r>
+                    <m:r>
+                      <a:rPr lang="en-US" sz="2400" i="1" dirty="0" smtClean="0">
+                        <a:latin typeface="Cambria Math" panose="02040503050406030204" pitchFamily="18" charset="0"/>
+                      </a:rPr>
+                      <m:t>=</m:t>
+                    </m:r>
+                    <m:r>
+                      <m:rPr>
+                        <m:nor/>
+                      </m:rPr>
+                      <a:rPr lang="en-US" sz="2400" dirty="0"/>
+                      <m:t>vacation</m:t>
+                    </m:r>
+                    <m:r>
+                      <a:rPr lang="en-US" sz="2400" b="0" i="1" dirty="0" smtClean="0">
+                        <a:latin typeface="Cambria Math" panose="02040503050406030204" pitchFamily="18" charset="0"/>
+                      </a:rPr>
+                      <m:t> &amp; </m:t>
+                    </m:r>
+                    <m:r>
+                      <a:rPr lang="en-US" sz="2400" b="0" i="1" dirty="0" smtClean="0">
+                        <a:latin typeface="Cambria Math" panose="02040503050406030204" pitchFamily="18" charset="0"/>
+                      </a:rPr>
+                      <m:t>𝐷𝑎𝑦</m:t>
+                    </m:r>
+                    <m:r>
+                      <a:rPr lang="en-US" sz="2400" i="1" dirty="0">
+                        <a:latin typeface="Cambria Math" panose="02040503050406030204" pitchFamily="18" charset="0"/>
+                      </a:rPr>
+                      <m:t> </m:t>
+                    </m:r>
+                    <m:r>
+                      <a:rPr lang="en-US" sz="2400" i="1" dirty="0" smtClean="0">
+                        <a:latin typeface="Cambria Math" panose="02040503050406030204" pitchFamily="18" charset="0"/>
+                      </a:rPr>
+                      <m:t>=</m:t>
+                    </m:r>
+                    <m:r>
+                      <a:rPr lang="en-US" sz="2400" b="0" i="1" dirty="0" smtClean="0">
+                        <a:latin typeface="Cambria Math" panose="02040503050406030204" pitchFamily="18" charset="0"/>
+                      </a:rPr>
+                      <m:t>𝑚</m:t>
+                    </m:r>
+                    <m:r>
+                      <a:rPr lang="en-US" sz="2400" i="1" dirty="0" smtClean="0">
+                        <a:latin typeface="Cambria Math" panose="02040503050406030204" pitchFamily="18" charset="0"/>
+                      </a:rPr>
+                      <m:t>)</m:t>
+                    </m:r>
+                  </m:oMath>
+                </a14:m>
+                <a:endParaRPr lang="en-US" sz="2400" dirty="0"/>
+              </a:p>
+              <a:p>
+                <a14:m>
+                  <m:oMath xmlns:m="http://schemas.openxmlformats.org/officeDocument/2006/math">
+                    <m:r>
+                      <a:rPr lang="en-US" sz="2400" i="1" dirty="0" smtClean="0">
+                        <a:latin typeface="Cambria Math" panose="02040503050406030204" pitchFamily="18" charset="0"/>
+                      </a:rPr>
+                      <m:t>𝑃</m:t>
+                    </m:r>
+                    <m:r>
+                      <a:rPr lang="en-US" sz="2400" i="1" dirty="0">
+                        <a:latin typeface="Cambria Math" panose="02040503050406030204" pitchFamily="18" charset="0"/>
+                      </a:rPr>
+                      <m:t> </m:t>
+                    </m:r>
+                    <m:d>
+                      <m:dPr>
+                        <m:ctrlPr>
+                          <a:rPr lang="en-US" sz="2400" b="0" i="1" dirty="0" smtClean="0">
+                            <a:latin typeface="Cambria Math" panose="02040503050406030204" pitchFamily="18" charset="0"/>
+                          </a:rPr>
+                        </m:ctrlPr>
+                      </m:dPr>
+                      <m:e>
+                        <m:r>
+                          <a:rPr lang="en-US" sz="2400" b="0" i="1" dirty="0" smtClean="0">
+                            <a:latin typeface="Cambria Math" panose="02040503050406030204" pitchFamily="18" charset="0"/>
+                          </a:rPr>
+                          <m:t>𝐿𝑒𝑎𝑣𝑒</m:t>
+                        </m:r>
+                        <m:r>
+                          <a:rPr lang="en-US" sz="2400" i="1" dirty="0">
+                            <a:latin typeface="Cambria Math" panose="02040503050406030204" pitchFamily="18" charset="0"/>
+                          </a:rPr>
+                          <m:t> </m:t>
+                        </m:r>
+                        <m:r>
+                          <a:rPr lang="en-US" sz="2400" i="1" dirty="0" smtClean="0">
+                            <a:latin typeface="Cambria Math" panose="02040503050406030204" pitchFamily="18" charset="0"/>
+                          </a:rPr>
+                          <m:t>=</m:t>
+                        </m:r>
+                        <m:r>
+                          <m:rPr>
+                            <m:nor/>
+                          </m:rPr>
+                          <a:rPr lang="en-US" sz="2400" dirty="0"/>
+                          <m:t>vacation</m:t>
+                        </m:r>
+                      </m:e>
+                    </m:d>
+                  </m:oMath>
+                </a14:m>
+                <a:endParaRPr lang="en-US" sz="2400" dirty="0"/>
+              </a:p>
+              <a:p>
+                <a14:m>
+                  <m:oMath xmlns:m="http://schemas.openxmlformats.org/officeDocument/2006/math">
+                    <m:r>
+                      <a:rPr lang="en-US" sz="2400" i="1" dirty="0" smtClean="0">
+                        <a:latin typeface="Cambria Math" panose="02040503050406030204" pitchFamily="18" charset="0"/>
+                      </a:rPr>
+                      <m:t>𝑃</m:t>
+                    </m:r>
+                    <m:r>
+                      <a:rPr lang="en-US" sz="2400" i="1" dirty="0">
+                        <a:latin typeface="Cambria Math" panose="02040503050406030204" pitchFamily="18" charset="0"/>
+                      </a:rPr>
+                      <m:t> </m:t>
+                    </m:r>
+                    <m:r>
+                      <a:rPr lang="en-US" sz="2400" i="1" dirty="0" smtClean="0">
+                        <a:latin typeface="Cambria Math" panose="02040503050406030204" pitchFamily="18" charset="0"/>
+                      </a:rPr>
+                      <m:t>(</m:t>
+                    </m:r>
+                    <m:r>
+                      <a:rPr lang="en-US" sz="2400" b="0" i="1" dirty="0" smtClean="0">
+                        <a:latin typeface="Cambria Math" panose="02040503050406030204" pitchFamily="18" charset="0"/>
+                      </a:rPr>
+                      <m:t>𝐷𝑎𝑦</m:t>
+                    </m:r>
+                    <m:r>
+                      <a:rPr lang="en-US" sz="2400" i="1" dirty="0">
+                        <a:latin typeface="Cambria Math" panose="02040503050406030204" pitchFamily="18" charset="0"/>
+                      </a:rPr>
+                      <m:t> </m:t>
+                    </m:r>
+                    <m:r>
+                      <a:rPr lang="en-US" sz="2400" i="1" dirty="0" smtClean="0">
+                        <a:latin typeface="Cambria Math" panose="02040503050406030204" pitchFamily="18" charset="0"/>
+                      </a:rPr>
+                      <m:t>=</m:t>
+                    </m:r>
+                    <m:r>
+                      <a:rPr lang="en-US" sz="2400" b="0" i="1" dirty="0" smtClean="0">
+                        <a:latin typeface="Cambria Math" panose="02040503050406030204" pitchFamily="18" charset="0"/>
+                      </a:rPr>
+                      <m:t>𝑚</m:t>
+                    </m:r>
+                    <m:r>
+                      <a:rPr lang="en-US" sz="2400" i="1" dirty="0" smtClean="0">
+                        <a:latin typeface="Cambria Math" panose="02040503050406030204" pitchFamily="18" charset="0"/>
+                      </a:rPr>
+                      <m:t>)</m:t>
+                    </m:r>
+                  </m:oMath>
+                </a14:m>
+                <a:endParaRPr lang="en-US" sz="2400" dirty="0"/>
+              </a:p>
+              <a:p>
+                <a:endParaRPr lang="en-US" sz="2400" dirty="0"/>
+              </a:p>
+              <a:p>
+                <a:endParaRPr lang="en-US" sz="2400" dirty="0"/>
+              </a:p>
+              <a:p>
+                <a:endParaRPr lang="en-US" sz="2400" dirty="0"/>
+              </a:p>
+              <a:p>
+                <a:endParaRPr lang="en-US" sz="2400" dirty="0"/>
+              </a:p>
+            </p:txBody>
+          </p:sp>
+        </mc:Choice>
+        <mc:Fallback>
+          <p:sp>
+            <p:nvSpPr>
+              <p:cNvPr id="9" name="Content Placeholder 8">
+                <a:extLst>
+                  <a:ext uri="{FF2B5EF4-FFF2-40B4-BE49-F238E27FC236}">
+                    <a16:creationId xmlns:a16="http://schemas.microsoft.com/office/drawing/2014/main" id="{815E6C93-24D0-4ADB-8B0F-C6D241BD6C5A}"/>
+                  </a:ext>
+                </a:extLst>
+              </p:cNvPr>
+              <p:cNvSpPr>
+                <a:spLocks noGrp="1" noRot="1" noChangeAspect="1" noMove="1" noResize="1" noEditPoints="1" noAdjustHandles="1" noChangeArrowheads="1" noChangeShapeType="1" noTextEdit="1"/>
+              </p:cNvSpPr>
+              <p:nvPr>
+                <p:ph sz="half" idx="1"/>
+              </p:nvPr>
+            </p:nvSpPr>
+            <p:spPr>
+              <a:blipFill>
+                <a:blip r:embed="rId3"/>
+                <a:stretch>
+                  <a:fillRect l="-1647" t="-1541"/>
+                </a:stretch>
+              </a:blipFill>
+            </p:spPr>
+            <p:txBody>
+              <a:bodyPr/>
+              <a:lstStyle/>
+              <a:p>
+                <a:r>
+                  <a:rPr lang="en-US">
+                    <a:noFill/>
+                  </a:rPr>
+                  <a:t> </a:t>
+                </a:r>
+              </a:p>
+            </p:txBody>
+          </p:sp>
+        </mc:Fallback>
+      </mc:AlternateContent>
+    </p:spTree>
+    <p:extLst>
+      <p:ext uri="{BB962C8B-B14F-4D97-AF65-F5344CB8AC3E}">
+        <p14:creationId xmlns:p14="http://schemas.microsoft.com/office/powerpoint/2010/main" val="294194183"/>
+      </p:ext>
+    </p:extLst>
+  </p:cSld>
+  <p:clrMapOvr>
+    <a:masterClrMapping/>
+  </p:clrMapOvr>
+</p:sld>
+</file>
+
 <file path=ppt/slides/slide5.xml><?xml version="1.0" encoding="utf-8"?>
 <p:sld xmlns:a="http://schemas.openxmlformats.org/drawingml/2006/main" xmlns:r="http://schemas.openxmlformats.org/officeDocument/2006/relationships" xmlns:p="http://schemas.openxmlformats.org/presentationml/2006/main">
   <p:cSld>

--- a/Presentation.pptx
+++ b/Presentation.pptx
@@ -5,57 +5,61 @@
     <p:sldMasterId id="2147483648" r:id="rId1"/>
   </p:sldMasterIdLst>
   <p:notesMasterIdLst>
-    <p:notesMasterId r:id="rId50"/>
+    <p:notesMasterId r:id="rId54"/>
   </p:notesMasterIdLst>
   <p:sldIdLst>
-    <p:sldId id="256" r:id="rId2"/>
-    <p:sldId id="257" r:id="rId3"/>
-    <p:sldId id="259" r:id="rId4"/>
-    <p:sldId id="260" r:id="rId5"/>
-    <p:sldId id="261" r:id="rId6"/>
-    <p:sldId id="262" r:id="rId7"/>
-    <p:sldId id="258" r:id="rId8"/>
+    <p:sldId id="307" r:id="rId2"/>
+    <p:sldId id="308" r:id="rId3"/>
+    <p:sldId id="256" r:id="rId4"/>
+    <p:sldId id="257" r:id="rId5"/>
+    <p:sldId id="259" r:id="rId6"/>
+    <p:sldId id="260" r:id="rId7"/>
+    <p:sldId id="262" r:id="rId8"/>
     <p:sldId id="263" r:id="rId9"/>
     <p:sldId id="271" r:id="rId10"/>
     <p:sldId id="270" r:id="rId11"/>
     <p:sldId id="273" r:id="rId12"/>
     <p:sldId id="264" r:id="rId13"/>
-    <p:sldId id="265" r:id="rId14"/>
-    <p:sldId id="266" r:id="rId15"/>
-    <p:sldId id="272" r:id="rId16"/>
-    <p:sldId id="267" r:id="rId17"/>
-    <p:sldId id="277" r:id="rId18"/>
-    <p:sldId id="279" r:id="rId19"/>
-    <p:sldId id="274" r:id="rId20"/>
-    <p:sldId id="275" r:id="rId21"/>
-    <p:sldId id="276" r:id="rId22"/>
-    <p:sldId id="278" r:id="rId23"/>
-    <p:sldId id="281" r:id="rId24"/>
-    <p:sldId id="280" r:id="rId25"/>
-    <p:sldId id="282" r:id="rId26"/>
-    <p:sldId id="283" r:id="rId27"/>
-    <p:sldId id="284" r:id="rId28"/>
-    <p:sldId id="285" r:id="rId29"/>
-    <p:sldId id="286" r:id="rId30"/>
-    <p:sldId id="287" r:id="rId31"/>
-    <p:sldId id="288" r:id="rId32"/>
-    <p:sldId id="290" r:id="rId33"/>
-    <p:sldId id="289" r:id="rId34"/>
-    <p:sldId id="291" r:id="rId35"/>
-    <p:sldId id="292" r:id="rId36"/>
-    <p:sldId id="293" r:id="rId37"/>
-    <p:sldId id="294" r:id="rId38"/>
-    <p:sldId id="295" r:id="rId39"/>
-    <p:sldId id="296" r:id="rId40"/>
-    <p:sldId id="297" r:id="rId41"/>
-    <p:sldId id="298" r:id="rId42"/>
-    <p:sldId id="299" r:id="rId43"/>
-    <p:sldId id="300" r:id="rId44"/>
-    <p:sldId id="301" r:id="rId45"/>
-    <p:sldId id="302" r:id="rId46"/>
-    <p:sldId id="304" r:id="rId47"/>
-    <p:sldId id="303" r:id="rId48"/>
-    <p:sldId id="305" r:id="rId49"/>
+    <p:sldId id="266" r:id="rId14"/>
+    <p:sldId id="272" r:id="rId15"/>
+    <p:sldId id="267" r:id="rId16"/>
+    <p:sldId id="277" r:id="rId17"/>
+    <p:sldId id="279" r:id="rId18"/>
+    <p:sldId id="274" r:id="rId19"/>
+    <p:sldId id="275" r:id="rId20"/>
+    <p:sldId id="276" r:id="rId21"/>
+    <p:sldId id="278" r:id="rId22"/>
+    <p:sldId id="281" r:id="rId23"/>
+    <p:sldId id="280" r:id="rId24"/>
+    <p:sldId id="309" r:id="rId25"/>
+    <p:sldId id="310" r:id="rId26"/>
+    <p:sldId id="311" r:id="rId27"/>
+    <p:sldId id="312" r:id="rId28"/>
+    <p:sldId id="282" r:id="rId29"/>
+    <p:sldId id="283" r:id="rId30"/>
+    <p:sldId id="284" r:id="rId31"/>
+    <p:sldId id="313" r:id="rId32"/>
+    <p:sldId id="285" r:id="rId33"/>
+    <p:sldId id="286" r:id="rId34"/>
+    <p:sldId id="287" r:id="rId35"/>
+    <p:sldId id="288" r:id="rId36"/>
+    <p:sldId id="290" r:id="rId37"/>
+    <p:sldId id="289" r:id="rId38"/>
+    <p:sldId id="291" r:id="rId39"/>
+    <p:sldId id="292" r:id="rId40"/>
+    <p:sldId id="293" r:id="rId41"/>
+    <p:sldId id="294" r:id="rId42"/>
+    <p:sldId id="295" r:id="rId43"/>
+    <p:sldId id="296" r:id="rId44"/>
+    <p:sldId id="297" r:id="rId45"/>
+    <p:sldId id="298" r:id="rId46"/>
+    <p:sldId id="299" r:id="rId47"/>
+    <p:sldId id="300" r:id="rId48"/>
+    <p:sldId id="301" r:id="rId49"/>
+    <p:sldId id="302" r:id="rId50"/>
+    <p:sldId id="304" r:id="rId51"/>
+    <p:sldId id="303" r:id="rId52"/>
+    <p:sldId id="305" r:id="rId53"/>
   </p:sldIdLst>
   <p:sldSz cx="12192000" cy="6858000"/>
   <p:notesSz cx="6858000" cy="9144000"/>
@@ -160,14 +164,6 @@
     </p:ext>
   </p:extLst>
 </p:presentation>
-</file>
-
-<file path=ppt/revisionInfo.xml><?xml version="1.0" encoding="utf-8"?>
-<p1510:revInfo xmlns:a="http://schemas.openxmlformats.org/drawingml/2006/main" xmlns:r="http://schemas.openxmlformats.org/officeDocument/2006/relationships" xmlns:p1510="http://schemas.microsoft.com/office/powerpoint/2015/10/main">
-  <p1510:revLst>
-    <p1510:client id="{E6CCF23C-8518-47B3-BB86-EF897E1E3676}" v="37" dt="2022-04-15T18:51:09.841"/>
-  </p1510:revLst>
-</p1510:revInfo>
 </file>
 
 <file path=ppt/changesInfos/changesInfo1.xml><?xml version="1.0" encoding="utf-8"?>
@@ -1300,6 +1296,417 @@
       </pc:sldChg>
     </pc:docChg>
   </pc:docChgLst>
+  <pc:docChgLst>
+    <pc:chgData name="M A Yushuf Sharker" userId="087d3bd139191a11" providerId="LiveId" clId="{1F214490-7B8A-467B-ABB5-024C87310AFA}"/>
+    <pc:docChg chg="undo redo custSel addSld delSld modSld sldOrd">
+      <pc:chgData name="M A Yushuf Sharker" userId="087d3bd139191a11" providerId="LiveId" clId="{1F214490-7B8A-467B-ABB5-024C87310AFA}" dt="2023-03-18T14:13:36.234" v="3247" actId="20577"/>
+      <pc:docMkLst>
+        <pc:docMk/>
+      </pc:docMkLst>
+      <pc:sldChg chg="modSp mod">
+        <pc:chgData name="M A Yushuf Sharker" userId="087d3bd139191a11" providerId="LiveId" clId="{1F214490-7B8A-467B-ABB5-024C87310AFA}" dt="2023-02-10T23:14:50.774" v="1411" actId="20577"/>
+        <pc:sldMkLst>
+          <pc:docMk/>
+          <pc:sldMk cId="703595440" sldId="256"/>
+        </pc:sldMkLst>
+        <pc:spChg chg="mod">
+          <ac:chgData name="M A Yushuf Sharker" userId="087d3bd139191a11" providerId="LiveId" clId="{1F214490-7B8A-467B-ABB5-024C87310AFA}" dt="2023-02-10T23:14:50.774" v="1411" actId="20577"/>
+          <ac:spMkLst>
+            <pc:docMk/>
+            <pc:sldMk cId="703595440" sldId="256"/>
+            <ac:spMk id="3" creationId="{8AF097A1-E4EF-4455-BE16-BDF6F13C6C3F}"/>
+          </ac:spMkLst>
+        </pc:spChg>
+      </pc:sldChg>
+      <pc:sldChg chg="modSp del mod">
+        <pc:chgData name="M A Yushuf Sharker" userId="087d3bd139191a11" providerId="LiveId" clId="{1F214490-7B8A-467B-ABB5-024C87310AFA}" dt="2023-02-11T13:49:06.692" v="1547" actId="2696"/>
+        <pc:sldMkLst>
+          <pc:docMk/>
+          <pc:sldMk cId="3214870714" sldId="258"/>
+        </pc:sldMkLst>
+        <pc:spChg chg="mod">
+          <ac:chgData name="M A Yushuf Sharker" userId="087d3bd139191a11" providerId="LiveId" clId="{1F214490-7B8A-467B-ABB5-024C87310AFA}" dt="2023-02-11T13:46:35.574" v="1483" actId="21"/>
+          <ac:spMkLst>
+            <pc:docMk/>
+            <pc:sldMk cId="3214870714" sldId="258"/>
+            <ac:spMk id="3" creationId="{4EF6CE26-B55D-4911-B733-109207EA6A89}"/>
+          </ac:spMkLst>
+        </pc:spChg>
+      </pc:sldChg>
+      <pc:sldChg chg="modSp mod">
+        <pc:chgData name="M A Yushuf Sharker" userId="087d3bd139191a11" providerId="LiveId" clId="{1F214490-7B8A-467B-ABB5-024C87310AFA}" dt="2023-02-11T13:44:59.065" v="1480" actId="20577"/>
+        <pc:sldMkLst>
+          <pc:docMk/>
+          <pc:sldMk cId="3017822985" sldId="260"/>
+        </pc:sldMkLst>
+        <pc:spChg chg="mod">
+          <ac:chgData name="M A Yushuf Sharker" userId="087d3bd139191a11" providerId="LiveId" clId="{1F214490-7B8A-467B-ABB5-024C87310AFA}" dt="2023-02-11T13:43:54.088" v="1432" actId="20577"/>
+          <ac:spMkLst>
+            <pc:docMk/>
+            <pc:sldMk cId="3017822985" sldId="260"/>
+            <ac:spMk id="2" creationId="{A1B3240A-35E8-4615-918E-047C063157D9}"/>
+          </ac:spMkLst>
+        </pc:spChg>
+        <pc:spChg chg="mod">
+          <ac:chgData name="M A Yushuf Sharker" userId="087d3bd139191a11" providerId="LiveId" clId="{1F214490-7B8A-467B-ABB5-024C87310AFA}" dt="2023-02-11T13:44:59.065" v="1480" actId="20577"/>
+          <ac:spMkLst>
+            <pc:docMk/>
+            <pc:sldMk cId="3017822985" sldId="260"/>
+            <ac:spMk id="3" creationId="{4EF6CE26-B55D-4911-B733-109207EA6A89}"/>
+          </ac:spMkLst>
+        </pc:spChg>
+      </pc:sldChg>
+      <pc:sldChg chg="del">
+        <pc:chgData name="M A Yushuf Sharker" userId="087d3bd139191a11" providerId="LiveId" clId="{1F214490-7B8A-467B-ABB5-024C87310AFA}" dt="2023-02-11T13:45:06.542" v="1481" actId="2696"/>
+        <pc:sldMkLst>
+          <pc:docMk/>
+          <pc:sldMk cId="1262033501" sldId="261"/>
+        </pc:sldMkLst>
+      </pc:sldChg>
+      <pc:sldChg chg="modSp mod">
+        <pc:chgData name="M A Yushuf Sharker" userId="087d3bd139191a11" providerId="LiveId" clId="{1F214490-7B8A-467B-ABB5-024C87310AFA}" dt="2023-02-11T13:51:09.736" v="1598" actId="27636"/>
+        <pc:sldMkLst>
+          <pc:docMk/>
+          <pc:sldMk cId="2334011593" sldId="262"/>
+        </pc:sldMkLst>
+        <pc:spChg chg="mod">
+          <ac:chgData name="M A Yushuf Sharker" userId="087d3bd139191a11" providerId="LiveId" clId="{1F214490-7B8A-467B-ABB5-024C87310AFA}" dt="2023-02-11T13:51:09.736" v="1598" actId="27636"/>
+          <ac:spMkLst>
+            <pc:docMk/>
+            <pc:sldMk cId="2334011593" sldId="262"/>
+            <ac:spMk id="3" creationId="{4EF6CE26-B55D-4911-B733-109207EA6A89}"/>
+          </ac:spMkLst>
+        </pc:spChg>
+      </pc:sldChg>
+      <pc:sldChg chg="modSp mod">
+        <pc:chgData name="M A Yushuf Sharker" userId="087d3bd139191a11" providerId="LiveId" clId="{1F214490-7B8A-467B-ABB5-024C87310AFA}" dt="2023-02-18T02:46:53.907" v="2069" actId="27636"/>
+        <pc:sldMkLst>
+          <pc:docMk/>
+          <pc:sldMk cId="439521520" sldId="264"/>
+        </pc:sldMkLst>
+        <pc:spChg chg="mod">
+          <ac:chgData name="M A Yushuf Sharker" userId="087d3bd139191a11" providerId="LiveId" clId="{1F214490-7B8A-467B-ABB5-024C87310AFA}" dt="2023-02-18T02:46:53.907" v="2069" actId="27636"/>
+          <ac:spMkLst>
+            <pc:docMk/>
+            <pc:sldMk cId="439521520" sldId="264"/>
+            <ac:spMk id="3" creationId="{4EF6CE26-B55D-4911-B733-109207EA6A89}"/>
+          </ac:spMkLst>
+        </pc:spChg>
+      </pc:sldChg>
+      <pc:sldChg chg="del">
+        <pc:chgData name="M A Yushuf Sharker" userId="087d3bd139191a11" providerId="LiveId" clId="{1F214490-7B8A-467B-ABB5-024C87310AFA}" dt="2023-02-18T02:14:51.292" v="1608" actId="2696"/>
+        <pc:sldMkLst>
+          <pc:docMk/>
+          <pc:sldMk cId="2070194662" sldId="265"/>
+        </pc:sldMkLst>
+      </pc:sldChg>
+      <pc:sldChg chg="modSp mod">
+        <pc:chgData name="M A Yushuf Sharker" userId="087d3bd139191a11" providerId="LiveId" clId="{1F214490-7B8A-467B-ABB5-024C87310AFA}" dt="2023-02-18T02:32:39.007" v="1930" actId="20577"/>
+        <pc:sldMkLst>
+          <pc:docMk/>
+          <pc:sldMk cId="1477865721" sldId="270"/>
+        </pc:sldMkLst>
+        <pc:spChg chg="mod">
+          <ac:chgData name="M A Yushuf Sharker" userId="087d3bd139191a11" providerId="LiveId" clId="{1F214490-7B8A-467B-ABB5-024C87310AFA}" dt="2023-02-18T02:32:39.007" v="1930" actId="20577"/>
+          <ac:spMkLst>
+            <pc:docMk/>
+            <pc:sldMk cId="1477865721" sldId="270"/>
+            <ac:spMk id="3" creationId="{4EF6CE26-B55D-4911-B733-109207EA6A89}"/>
+          </ac:spMkLst>
+        </pc:spChg>
+      </pc:sldChg>
+      <pc:sldChg chg="addSp delSp modSp mod">
+        <pc:chgData name="M A Yushuf Sharker" userId="087d3bd139191a11" providerId="LiveId" clId="{1F214490-7B8A-467B-ABB5-024C87310AFA}" dt="2023-02-18T02:25:30.049" v="1887" actId="20577"/>
+        <pc:sldMkLst>
+          <pc:docMk/>
+          <pc:sldMk cId="1744998643" sldId="273"/>
+        </pc:sldMkLst>
+        <pc:spChg chg="mod">
+          <ac:chgData name="M A Yushuf Sharker" userId="087d3bd139191a11" providerId="LiveId" clId="{1F214490-7B8A-467B-ABB5-024C87310AFA}" dt="2023-02-18T02:19:23.251" v="1663" actId="20577"/>
+          <ac:spMkLst>
+            <pc:docMk/>
+            <pc:sldMk cId="1744998643" sldId="273"/>
+            <ac:spMk id="2" creationId="{A1B3240A-35E8-4615-918E-047C063157D9}"/>
+          </ac:spMkLst>
+        </pc:spChg>
+        <pc:spChg chg="del">
+          <ac:chgData name="M A Yushuf Sharker" userId="087d3bd139191a11" providerId="LiveId" clId="{1F214490-7B8A-467B-ABB5-024C87310AFA}" dt="2023-02-18T02:19:13.397" v="1651" actId="478"/>
+          <ac:spMkLst>
+            <pc:docMk/>
+            <pc:sldMk cId="1744998643" sldId="273"/>
+            <ac:spMk id="3" creationId="{4EF6CE26-B55D-4911-B733-109207EA6A89}"/>
+          </ac:spMkLst>
+        </pc:spChg>
+        <pc:spChg chg="add mod">
+          <ac:chgData name="M A Yushuf Sharker" userId="087d3bd139191a11" providerId="LiveId" clId="{1F214490-7B8A-467B-ABB5-024C87310AFA}" dt="2023-02-18T02:25:30.049" v="1887" actId="20577"/>
+          <ac:spMkLst>
+            <pc:docMk/>
+            <pc:sldMk cId="1744998643" sldId="273"/>
+            <ac:spMk id="5" creationId="{8197F4A8-D46D-C97E-E347-9B8D742DEB24}"/>
+          </ac:spMkLst>
+        </pc:spChg>
+      </pc:sldChg>
+      <pc:sldChg chg="modSp mod">
+        <pc:chgData name="M A Yushuf Sharker" userId="087d3bd139191a11" providerId="LiveId" clId="{1F214490-7B8A-467B-ABB5-024C87310AFA}" dt="2023-03-04T12:18:49.238" v="2122" actId="1076"/>
+        <pc:sldMkLst>
+          <pc:docMk/>
+          <pc:sldMk cId="3500216570" sldId="281"/>
+        </pc:sldMkLst>
+        <pc:spChg chg="mod">
+          <ac:chgData name="M A Yushuf Sharker" userId="087d3bd139191a11" providerId="LiveId" clId="{1F214490-7B8A-467B-ABB5-024C87310AFA}" dt="2023-03-04T12:18:49.238" v="2122" actId="1076"/>
+          <ac:spMkLst>
+            <pc:docMk/>
+            <pc:sldMk cId="3500216570" sldId="281"/>
+            <ac:spMk id="3" creationId="{BE21FBF9-29E0-4000-A59C-96CFA6200AD9}"/>
+          </ac:spMkLst>
+        </pc:spChg>
+      </pc:sldChg>
+      <pc:sldChg chg="modSp new del mod">
+        <pc:chgData name="M A Yushuf Sharker" userId="087d3bd139191a11" providerId="LiveId" clId="{1F214490-7B8A-467B-ABB5-024C87310AFA}" dt="2023-02-10T22:49:23.356" v="410" actId="2696"/>
+        <pc:sldMkLst>
+          <pc:docMk/>
+          <pc:sldMk cId="4219520593" sldId="306"/>
+        </pc:sldMkLst>
+        <pc:spChg chg="mod">
+          <ac:chgData name="M A Yushuf Sharker" userId="087d3bd139191a11" providerId="LiveId" clId="{1F214490-7B8A-467B-ABB5-024C87310AFA}" dt="2023-02-10T22:45:38.400" v="134" actId="6549"/>
+          <ac:spMkLst>
+            <pc:docMk/>
+            <pc:sldMk cId="4219520593" sldId="306"/>
+            <ac:spMk id="2" creationId="{90B82120-7B3C-C90C-CDD1-F3F46C208C7F}"/>
+          </ac:spMkLst>
+        </pc:spChg>
+        <pc:spChg chg="mod">
+          <ac:chgData name="M A Yushuf Sharker" userId="087d3bd139191a11" providerId="LiveId" clId="{1F214490-7B8A-467B-ABB5-024C87310AFA}" dt="2023-02-10T22:49:06.844" v="406" actId="21"/>
+          <ac:spMkLst>
+            <pc:docMk/>
+            <pc:sldMk cId="4219520593" sldId="306"/>
+            <ac:spMk id="3" creationId="{C384D06D-E7FC-B77A-ADB8-66A76F2B60C4}"/>
+          </ac:spMkLst>
+        </pc:spChg>
+        <pc:spChg chg="mod">
+          <ac:chgData name="M A Yushuf Sharker" userId="087d3bd139191a11" providerId="LiveId" clId="{1F214490-7B8A-467B-ABB5-024C87310AFA}" dt="2023-02-10T22:48:51.082" v="404" actId="5793"/>
+          <ac:spMkLst>
+            <pc:docMk/>
+            <pc:sldMk cId="4219520593" sldId="306"/>
+            <ac:spMk id="4" creationId="{420C5608-8352-7DC3-8977-C10B72CFA876}"/>
+          </ac:spMkLst>
+        </pc:spChg>
+      </pc:sldChg>
+      <pc:sldChg chg="modSp new del mod">
+        <pc:chgData name="M A Yushuf Sharker" userId="087d3bd139191a11" providerId="LiveId" clId="{1F214490-7B8A-467B-ABB5-024C87310AFA}" dt="2023-02-10T22:49:33.838" v="411" actId="2696"/>
+        <pc:sldMkLst>
+          <pc:docMk/>
+          <pc:sldMk cId="1052092572" sldId="307"/>
+        </pc:sldMkLst>
+        <pc:spChg chg="mod">
+          <ac:chgData name="M A Yushuf Sharker" userId="087d3bd139191a11" providerId="LiveId" clId="{1F214490-7B8A-467B-ABB5-024C87310AFA}" dt="2023-02-10T22:49:19.448" v="409" actId="20577"/>
+          <ac:spMkLst>
+            <pc:docMk/>
+            <pc:sldMk cId="1052092572" sldId="307"/>
+            <ac:spMk id="2" creationId="{43CCE8A3-BE20-CA39-0A5C-37F0AA141B58}"/>
+          </ac:spMkLst>
+        </pc:spChg>
+        <pc:spChg chg="mod">
+          <ac:chgData name="M A Yushuf Sharker" userId="087d3bd139191a11" providerId="LiveId" clId="{1F214490-7B8A-467B-ABB5-024C87310AFA}" dt="2023-02-10T22:49:09.776" v="407"/>
+          <ac:spMkLst>
+            <pc:docMk/>
+            <pc:sldMk cId="1052092572" sldId="307"/>
+            <ac:spMk id="3" creationId="{FC8B8CD2-4B0C-2C47-DF26-39B45E94C6EF}"/>
+          </ac:spMkLst>
+        </pc:spChg>
+      </pc:sldChg>
+      <pc:sldChg chg="modSp add del mod">
+        <pc:chgData name="M A Yushuf Sharker" userId="087d3bd139191a11" providerId="LiveId" clId="{1F214490-7B8A-467B-ABB5-024C87310AFA}" dt="2023-02-10T23:13:59.676" v="1392" actId="2696"/>
+        <pc:sldMkLst>
+          <pc:docMk/>
+          <pc:sldMk cId="1877433107" sldId="307"/>
+        </pc:sldMkLst>
+        <pc:spChg chg="mod">
+          <ac:chgData name="M A Yushuf Sharker" userId="087d3bd139191a11" providerId="LiveId" clId="{1F214490-7B8A-467B-ABB5-024C87310AFA}" dt="2023-02-10T23:03:51.115" v="1187" actId="313"/>
+          <ac:spMkLst>
+            <pc:docMk/>
+            <pc:sldMk cId="1877433107" sldId="307"/>
+            <ac:spMk id="3" creationId="{FC8B8CD2-4B0C-2C47-DF26-39B45E94C6EF}"/>
+          </ac:spMkLst>
+        </pc:spChg>
+      </pc:sldChg>
+      <pc:sldChg chg="modSp add mod">
+        <pc:chgData name="M A Yushuf Sharker" userId="087d3bd139191a11" providerId="LiveId" clId="{1F214490-7B8A-467B-ABB5-024C87310AFA}" dt="2023-02-11T14:46:49.027" v="1607" actId="20577"/>
+        <pc:sldMkLst>
+          <pc:docMk/>
+          <pc:sldMk cId="2992079719" sldId="307"/>
+        </pc:sldMkLst>
+        <pc:spChg chg="mod">
+          <ac:chgData name="M A Yushuf Sharker" userId="087d3bd139191a11" providerId="LiveId" clId="{1F214490-7B8A-467B-ABB5-024C87310AFA}" dt="2023-02-11T14:46:49.027" v="1607" actId="20577"/>
+          <ac:spMkLst>
+            <pc:docMk/>
+            <pc:sldMk cId="2992079719" sldId="307"/>
+            <ac:spMk id="3" creationId="{FC8B8CD2-4B0C-2C47-DF26-39B45E94C6EF}"/>
+          </ac:spMkLst>
+        </pc:spChg>
+      </pc:sldChg>
+      <pc:sldChg chg="modSp new del mod ord">
+        <pc:chgData name="M A Yushuf Sharker" userId="087d3bd139191a11" providerId="LiveId" clId="{1F214490-7B8A-467B-ABB5-024C87310AFA}" dt="2023-02-10T23:13:59.676" v="1392" actId="2696"/>
+        <pc:sldMkLst>
+          <pc:docMk/>
+          <pc:sldMk cId="661504535" sldId="308"/>
+        </pc:sldMkLst>
+        <pc:spChg chg="mod">
+          <ac:chgData name="M A Yushuf Sharker" userId="087d3bd139191a11" providerId="LiveId" clId="{1F214490-7B8A-467B-ABB5-024C87310AFA}" dt="2023-02-10T22:52:57.495" v="598" actId="20577"/>
+          <ac:spMkLst>
+            <pc:docMk/>
+            <pc:sldMk cId="661504535" sldId="308"/>
+            <ac:spMk id="2" creationId="{76A9C3EC-6ACE-3028-EDCF-AC25DB25DFFE}"/>
+          </ac:spMkLst>
+        </pc:spChg>
+        <pc:spChg chg="mod">
+          <ac:chgData name="M A Yushuf Sharker" userId="087d3bd139191a11" providerId="LiveId" clId="{1F214490-7B8A-467B-ABB5-024C87310AFA}" dt="2023-02-10T23:09:15.019" v="1388" actId="113"/>
+          <ac:spMkLst>
+            <pc:docMk/>
+            <pc:sldMk cId="661504535" sldId="308"/>
+            <ac:spMk id="3" creationId="{0A7FF5D0-E0A3-9E1B-D4E8-BD9A1C97811A}"/>
+          </ac:spMkLst>
+        </pc:spChg>
+        <pc:spChg chg="mod">
+          <ac:chgData name="M A Yushuf Sharker" userId="087d3bd139191a11" providerId="LiveId" clId="{1F214490-7B8A-467B-ABB5-024C87310AFA}" dt="2023-02-10T23:09:18.369" v="1389" actId="113"/>
+          <ac:spMkLst>
+            <pc:docMk/>
+            <pc:sldMk cId="661504535" sldId="308"/>
+            <ac:spMk id="4" creationId="{C3804E38-B9F1-57EA-6BD8-AA01C9C68421}"/>
+          </ac:spMkLst>
+        </pc:spChg>
+      </pc:sldChg>
+      <pc:sldChg chg="add">
+        <pc:chgData name="M A Yushuf Sharker" userId="087d3bd139191a11" providerId="LiveId" clId="{1F214490-7B8A-467B-ABB5-024C87310AFA}" dt="2023-02-10T23:14:03.962" v="1393"/>
+        <pc:sldMkLst>
+          <pc:docMk/>
+          <pc:sldMk cId="3873330503" sldId="308"/>
+        </pc:sldMkLst>
+      </pc:sldChg>
+      <pc:sldChg chg="new del">
+        <pc:chgData name="M A Yushuf Sharker" userId="087d3bd139191a11" providerId="LiveId" clId="{1F214490-7B8A-467B-ABB5-024C87310AFA}" dt="2023-03-18T13:15:46.358" v="2124" actId="680"/>
+        <pc:sldMkLst>
+          <pc:docMk/>
+          <pc:sldMk cId="2003743095" sldId="309"/>
+        </pc:sldMkLst>
+      </pc:sldChg>
+      <pc:sldChg chg="modSp new mod">
+        <pc:chgData name="M A Yushuf Sharker" userId="087d3bd139191a11" providerId="LiveId" clId="{1F214490-7B8A-467B-ABB5-024C87310AFA}" dt="2023-03-18T13:17:13.226" v="2173" actId="20577"/>
+        <pc:sldMkLst>
+          <pc:docMk/>
+          <pc:sldMk cId="3822312331" sldId="309"/>
+        </pc:sldMkLst>
+        <pc:spChg chg="mod">
+          <ac:chgData name="M A Yushuf Sharker" userId="087d3bd139191a11" providerId="LiveId" clId="{1F214490-7B8A-467B-ABB5-024C87310AFA}" dt="2023-03-18T13:17:13.226" v="2173" actId="20577"/>
+          <ac:spMkLst>
+            <pc:docMk/>
+            <pc:sldMk cId="3822312331" sldId="309"/>
+            <ac:spMk id="2" creationId="{80273889-3DD5-4C7C-24D0-03A6EDDF43E7}"/>
+          </ac:spMkLst>
+        </pc:spChg>
+        <pc:spChg chg="mod">
+          <ac:chgData name="M A Yushuf Sharker" userId="087d3bd139191a11" providerId="LiveId" clId="{1F214490-7B8A-467B-ABB5-024C87310AFA}" dt="2023-03-18T13:16:53.960" v="2129" actId="20577"/>
+          <ac:spMkLst>
+            <pc:docMk/>
+            <pc:sldMk cId="3822312331" sldId="309"/>
+            <ac:spMk id="3" creationId="{82E26961-2AB3-4D1B-0D69-AE5A274BE56C}"/>
+          </ac:spMkLst>
+        </pc:spChg>
+      </pc:sldChg>
+      <pc:sldChg chg="modSp new mod">
+        <pc:chgData name="M A Yushuf Sharker" userId="087d3bd139191a11" providerId="LiveId" clId="{1F214490-7B8A-467B-ABB5-024C87310AFA}" dt="2023-03-18T13:22:10.548" v="2186"/>
+        <pc:sldMkLst>
+          <pc:docMk/>
+          <pc:sldMk cId="561830207" sldId="310"/>
+        </pc:sldMkLst>
+        <pc:spChg chg="mod">
+          <ac:chgData name="M A Yushuf Sharker" userId="087d3bd139191a11" providerId="LiveId" clId="{1F214490-7B8A-467B-ABB5-024C87310AFA}" dt="2023-03-18T13:22:10.548" v="2186"/>
+          <ac:spMkLst>
+            <pc:docMk/>
+            <pc:sldMk cId="561830207" sldId="310"/>
+            <ac:spMk id="2" creationId="{970D14A1-A9FF-6251-BBAD-48CEFBFDCC31}"/>
+          </ac:spMkLst>
+        </pc:spChg>
+        <pc:spChg chg="mod">
+          <ac:chgData name="M A Yushuf Sharker" userId="087d3bd139191a11" providerId="LiveId" clId="{1F214490-7B8A-467B-ABB5-024C87310AFA}" dt="2023-03-18T13:21:58.527" v="2185" actId="27636"/>
+          <ac:spMkLst>
+            <pc:docMk/>
+            <pc:sldMk cId="561830207" sldId="310"/>
+            <ac:spMk id="3" creationId="{80085F13-8816-4298-0475-3C5D1089DFFE}"/>
+          </ac:spMkLst>
+        </pc:spChg>
+      </pc:sldChg>
+      <pc:sldChg chg="modSp new mod">
+        <pc:chgData name="M A Yushuf Sharker" userId="087d3bd139191a11" providerId="LiveId" clId="{1F214490-7B8A-467B-ABB5-024C87310AFA}" dt="2023-03-18T14:07:00.940" v="2673" actId="21"/>
+        <pc:sldMkLst>
+          <pc:docMk/>
+          <pc:sldMk cId="2278295007" sldId="311"/>
+        </pc:sldMkLst>
+        <pc:spChg chg="mod">
+          <ac:chgData name="M A Yushuf Sharker" userId="087d3bd139191a11" providerId="LiveId" clId="{1F214490-7B8A-467B-ABB5-024C87310AFA}" dt="2023-03-18T13:46:32.854" v="2196" actId="5793"/>
+          <ac:spMkLst>
+            <pc:docMk/>
+            <pc:sldMk cId="2278295007" sldId="311"/>
+            <ac:spMk id="2" creationId="{EAF62FF5-B5D0-98DD-3F37-D84AE0DC8B53}"/>
+          </ac:spMkLst>
+        </pc:spChg>
+        <pc:spChg chg="mod">
+          <ac:chgData name="M A Yushuf Sharker" userId="087d3bd139191a11" providerId="LiveId" clId="{1F214490-7B8A-467B-ABB5-024C87310AFA}" dt="2023-03-18T14:07:00.940" v="2673" actId="21"/>
+          <ac:spMkLst>
+            <pc:docMk/>
+            <pc:sldMk cId="2278295007" sldId="311"/>
+            <ac:spMk id="3" creationId="{0E95BFB4-ED8C-38CE-F8C7-C984DAD0EB34}"/>
+          </ac:spMkLst>
+        </pc:spChg>
+      </pc:sldChg>
+      <pc:sldChg chg="modSp new mod">
+        <pc:chgData name="M A Yushuf Sharker" userId="087d3bd139191a11" providerId="LiveId" clId="{1F214490-7B8A-467B-ABB5-024C87310AFA}" dt="2023-03-18T14:10:12.257" v="2967" actId="20577"/>
+        <pc:sldMkLst>
+          <pc:docMk/>
+          <pc:sldMk cId="372535322" sldId="312"/>
+        </pc:sldMkLst>
+        <pc:spChg chg="mod">
+          <ac:chgData name="M A Yushuf Sharker" userId="087d3bd139191a11" providerId="LiveId" clId="{1F214490-7B8A-467B-ABB5-024C87310AFA}" dt="2023-03-18T14:07:29.777" v="2711" actId="20577"/>
+          <ac:spMkLst>
+            <pc:docMk/>
+            <pc:sldMk cId="372535322" sldId="312"/>
+            <ac:spMk id="2" creationId="{E8553EAC-E8DD-0382-0E53-C7E27F248404}"/>
+          </ac:spMkLst>
+        </pc:spChg>
+        <pc:spChg chg="mod">
+          <ac:chgData name="M A Yushuf Sharker" userId="087d3bd139191a11" providerId="LiveId" clId="{1F214490-7B8A-467B-ABB5-024C87310AFA}" dt="2023-03-18T14:10:12.257" v="2967" actId="20577"/>
+          <ac:spMkLst>
+            <pc:docMk/>
+            <pc:sldMk cId="372535322" sldId="312"/>
+            <ac:spMk id="3" creationId="{0CE130AF-6F8A-0A65-9527-A511EE130245}"/>
+          </ac:spMkLst>
+        </pc:spChg>
+      </pc:sldChg>
+      <pc:sldChg chg="modSp new mod">
+        <pc:chgData name="M A Yushuf Sharker" userId="087d3bd139191a11" providerId="LiveId" clId="{1F214490-7B8A-467B-ABB5-024C87310AFA}" dt="2023-03-18T14:13:36.234" v="3247" actId="20577"/>
+        <pc:sldMkLst>
+          <pc:docMk/>
+          <pc:sldMk cId="891695480" sldId="313"/>
+        </pc:sldMkLst>
+        <pc:spChg chg="mod">
+          <ac:chgData name="M A Yushuf Sharker" userId="087d3bd139191a11" providerId="LiveId" clId="{1F214490-7B8A-467B-ABB5-024C87310AFA}" dt="2023-03-18T14:11:23.141" v="2981" actId="20577"/>
+          <ac:spMkLst>
+            <pc:docMk/>
+            <pc:sldMk cId="891695480" sldId="313"/>
+            <ac:spMk id="2" creationId="{789338A5-FB2A-8574-4861-13C5A5F0D129}"/>
+          </ac:spMkLst>
+        </pc:spChg>
+        <pc:spChg chg="mod">
+          <ac:chgData name="M A Yushuf Sharker" userId="087d3bd139191a11" providerId="LiveId" clId="{1F214490-7B8A-467B-ABB5-024C87310AFA}" dt="2023-03-18T14:13:36.234" v="3247" actId="20577"/>
+          <ac:spMkLst>
+            <pc:docMk/>
+            <pc:sldMk cId="891695480" sldId="313"/>
+            <ac:spMk id="3" creationId="{A0BA6F1F-D70D-3341-ED54-917B3784771F}"/>
+          </ac:spMkLst>
+        </pc:spChg>
+      </pc:sldChg>
+    </pc:docChg>
+  </pc:docChgLst>
 </pc:chgInfo>
 </file>
 
@@ -1385,7 +1792,7 @@
           <a:p>
             <a:fld id="{72D23B30-5EA5-4E58-83A2-CD0A58FE814B}" type="datetimeFigureOut">
               <a:rPr lang="en-US" smtClean="0"/>
-              <a:t>4/15/2022</a:t>
+              <a:t>3/4/2023</a:t>
             </a:fld>
             <a:endParaRPr lang="en-US"/>
           </a:p>
@@ -2065,7 +2472,7 @@
           <a:p>
             <a:fld id="{50DC9317-0BDC-4676-B9E2-3588343CB944}" type="slidenum">
               <a:rPr lang="en-US" smtClean="0"/>
-              <a:t>38</a:t>
+              <a:t>42</a:t>
             </a:fld>
             <a:endParaRPr lang="en-US"/>
           </a:p>
@@ -2231,7 +2638,7 @@
           <a:p>
             <a:fld id="{7450D965-15E4-4F4F-B21E-11DDA7A2EA91}" type="datetimeFigureOut">
               <a:rPr lang="en-US" smtClean="0"/>
-              <a:t>4/15/2022</a:t>
+              <a:t>3/4/2023</a:t>
             </a:fld>
             <a:endParaRPr lang="en-US" dirty="0"/>
           </a:p>
@@ -2429,7 +2836,7 @@
           <a:p>
             <a:fld id="{7450D965-15E4-4F4F-B21E-11DDA7A2EA91}" type="datetimeFigureOut">
               <a:rPr lang="en-US" smtClean="0"/>
-              <a:t>4/15/2022</a:t>
+              <a:t>3/4/2023</a:t>
             </a:fld>
             <a:endParaRPr lang="en-US" dirty="0"/>
           </a:p>
@@ -2637,7 +3044,7 @@
           <a:p>
             <a:fld id="{7450D965-15E4-4F4F-B21E-11DDA7A2EA91}" type="datetimeFigureOut">
               <a:rPr lang="en-US" smtClean="0"/>
-              <a:t>4/15/2022</a:t>
+              <a:t>3/4/2023</a:t>
             </a:fld>
             <a:endParaRPr lang="en-US" dirty="0"/>
           </a:p>
@@ -2835,7 +3242,7 @@
           <a:p>
             <a:fld id="{7450D965-15E4-4F4F-B21E-11DDA7A2EA91}" type="datetimeFigureOut">
               <a:rPr lang="en-US" smtClean="0"/>
-              <a:t>4/15/2022</a:t>
+              <a:t>3/4/2023</a:t>
             </a:fld>
             <a:endParaRPr lang="en-US" dirty="0"/>
           </a:p>
@@ -3110,7 +3517,7 @@
           <a:p>
             <a:fld id="{7450D965-15E4-4F4F-B21E-11DDA7A2EA91}" type="datetimeFigureOut">
               <a:rPr lang="en-US" smtClean="0"/>
-              <a:t>4/15/2022</a:t>
+              <a:t>3/4/2023</a:t>
             </a:fld>
             <a:endParaRPr lang="en-US" dirty="0"/>
           </a:p>
@@ -3375,7 +3782,7 @@
           <a:p>
             <a:fld id="{7450D965-15E4-4F4F-B21E-11DDA7A2EA91}" type="datetimeFigureOut">
               <a:rPr lang="en-US" smtClean="0"/>
-              <a:t>4/15/2022</a:t>
+              <a:t>3/4/2023</a:t>
             </a:fld>
             <a:endParaRPr lang="en-US" dirty="0"/>
           </a:p>
@@ -3787,7 +4194,7 @@
           <a:p>
             <a:fld id="{7450D965-15E4-4F4F-B21E-11DDA7A2EA91}" type="datetimeFigureOut">
               <a:rPr lang="en-US" smtClean="0"/>
-              <a:t>4/15/2022</a:t>
+              <a:t>3/4/2023</a:t>
             </a:fld>
             <a:endParaRPr lang="en-US" dirty="0"/>
           </a:p>
@@ -3928,7 +4335,7 @@
           <a:p>
             <a:fld id="{7450D965-15E4-4F4F-B21E-11DDA7A2EA91}" type="datetimeFigureOut">
               <a:rPr lang="en-US" smtClean="0"/>
-              <a:t>4/15/2022</a:t>
+              <a:t>3/4/2023</a:t>
             </a:fld>
             <a:endParaRPr lang="en-US" dirty="0"/>
           </a:p>
@@ -4041,7 +4448,7 @@
           <a:p>
             <a:fld id="{7450D965-15E4-4F4F-B21E-11DDA7A2EA91}" type="datetimeFigureOut">
               <a:rPr lang="en-US" smtClean="0"/>
-              <a:t>4/15/2022</a:t>
+              <a:t>3/4/2023</a:t>
             </a:fld>
             <a:endParaRPr lang="en-US" dirty="0"/>
           </a:p>
@@ -4352,7 +4759,7 @@
           <a:p>
             <a:fld id="{7450D965-15E4-4F4F-B21E-11DDA7A2EA91}" type="datetimeFigureOut">
               <a:rPr lang="en-US" smtClean="0"/>
-              <a:t>4/15/2022</a:t>
+              <a:t>3/4/2023</a:t>
             </a:fld>
             <a:endParaRPr lang="en-US" dirty="0"/>
           </a:p>
@@ -4640,7 +5047,7 @@
           <a:p>
             <a:fld id="{7450D965-15E4-4F4F-B21E-11DDA7A2EA91}" type="datetimeFigureOut">
               <a:rPr lang="en-US" smtClean="0"/>
-              <a:t>4/15/2022</a:t>
+              <a:t>3/4/2023</a:t>
             </a:fld>
             <a:endParaRPr lang="en-US" dirty="0"/>
           </a:p>
@@ -4881,7 +5288,7 @@
           <a:p>
             <a:fld id="{7450D965-15E4-4F4F-B21E-11DDA7A2EA91}" type="datetimeFigureOut">
               <a:rPr lang="en-US" smtClean="0"/>
-              <a:t>4/15/2022</a:t>
+              <a:t>3/4/2023</a:t>
             </a:fld>
             <a:endParaRPr lang="en-US" dirty="0"/>
           </a:p>
@@ -5303,7 +5710,7 @@
           <p:cNvPr id="2" name="Title 1">
             <a:extLst>
               <a:ext uri="{FF2B5EF4-FFF2-40B4-BE49-F238E27FC236}">
-                <a16:creationId xmlns:a16="http://schemas.microsoft.com/office/drawing/2014/main" id="{144B19F0-9902-42F1-97E6-C0EECD94D9B6}"/>
+                <a16:creationId xmlns:a16="http://schemas.microsoft.com/office/drawing/2014/main" id="{43CCE8A3-BE20-CA39-0A5C-37F0AA141B58}"/>
               </a:ext>
             </a:extLst>
           </p:cNvPr>
@@ -5311,29 +5718,27 @@
             <a:spLocks noGrp="1"/>
           </p:cNvSpPr>
           <p:nvPr>
-            <p:ph type="ctrTitle"/>
+            <p:ph type="title"/>
           </p:nvPr>
         </p:nvSpPr>
         <p:spPr/>
         <p:txBody>
-          <a:bodyPr>
-            <a:normAutofit/>
-          </a:bodyPr>
+          <a:bodyPr/>
           <a:lstStyle/>
           <a:p>
             <a:r>
-              <a:rPr lang="en-US" sz="7000" b="1" dirty="0"/>
-              <a:t>?</a:t>
+              <a:rPr lang="en-US" dirty="0"/>
+              <a:t>Objectives</a:t>
             </a:r>
           </a:p>
         </p:txBody>
       </p:sp>
       <p:sp>
         <p:nvSpPr>
-          <p:cNvPr id="3" name="Subtitle 2">
+          <p:cNvPr id="3" name="Content Placeholder 2">
             <a:extLst>
               <a:ext uri="{FF2B5EF4-FFF2-40B4-BE49-F238E27FC236}">
-                <a16:creationId xmlns:a16="http://schemas.microsoft.com/office/drawing/2014/main" id="{8AF097A1-E4EF-4455-BE16-BDF6F13C6C3F}"/>
+                <a16:creationId xmlns:a16="http://schemas.microsoft.com/office/drawing/2014/main" id="{FC8B8CD2-4B0C-2C47-DF26-39B45E94C6EF}"/>
               </a:ext>
             </a:extLst>
           </p:cNvPr>
@@ -5341,7 +5746,7 @@
             <a:spLocks noGrp="1"/>
           </p:cNvSpPr>
           <p:nvPr>
-            <p:ph type="subTitle" idx="1"/>
+            <p:ph idx="1"/>
           </p:nvPr>
         </p:nvSpPr>
         <p:spPr/>
@@ -5349,6 +5754,33 @@
           <a:bodyPr/>
           <a:lstStyle/>
           <a:p>
+            <a:r>
+              <a:rPr lang="en-US" dirty="0"/>
+              <a:t>Building statistical capacity by learning statistics, computing, and it’s application</a:t>
+            </a:r>
+          </a:p>
+          <a:p>
+            <a:r>
+              <a:rPr lang="en-US" dirty="0"/>
+              <a:t>Primarily, we will learn probability and its application in the next four months.</a:t>
+            </a:r>
+          </a:p>
+          <a:p>
+            <a:r>
+              <a:rPr lang="en-US" dirty="0"/>
+              <a:t>We will cover “A first course in Probability by Sheldon Ross” the first 5 chapters.</a:t>
+            </a:r>
+          </a:p>
+          <a:p>
+            <a:endParaRPr lang="en-US" dirty="0"/>
+          </a:p>
+          <a:p>
+            <a:r>
+              <a:rPr lang="en-US" dirty="0"/>
+              <a:t>Successful achievements of the objective would empower us to learn the advanced statistics and it’s application in research.</a:t>
+            </a:r>
+          </a:p>
+          <a:p>
             <a:endParaRPr lang="en-US" dirty="0"/>
           </a:p>
         </p:txBody>
@@ -5356,7 +5788,7 @@
     </p:spTree>
     <p:extLst>
       <p:ext uri="{BB962C8B-B14F-4D97-AF65-F5344CB8AC3E}">
-        <p14:creationId xmlns:p14="http://schemas.microsoft.com/office/powerpoint/2010/main" val="703595440"/>
+        <p14:creationId xmlns:p14="http://schemas.microsoft.com/office/powerpoint/2010/main" val="2992079719"/>
       </p:ext>
     </p:extLst>
   </p:cSld>
@@ -5505,7 +5937,7 @@
           <a:p>
             <a:r>
               <a:rPr lang="en-US" dirty="0"/>
-              <a:t>A theory is an abstract description of a system</a:t>
+              <a:t>A theory is an abstract description of a system founded on axioms</a:t>
             </a:r>
           </a:p>
         </p:txBody>
@@ -5556,24 +5988,29 @@
             <p:ph type="title"/>
           </p:nvPr>
         </p:nvSpPr>
-        <p:spPr/>
+        <p:spPr>
+          <a:xfrm>
+            <a:off x="838200" y="365125"/>
+            <a:ext cx="10988040" cy="1325563"/>
+          </a:xfrm>
+        </p:spPr>
         <p:txBody>
           <a:bodyPr/>
           <a:lstStyle/>
           <a:p>
             <a:r>
               <a:rPr lang="en-US" dirty="0"/>
-              <a:t>Example of Axioms</a:t>
+              <a:t>Homework	</a:t>
             </a:r>
           </a:p>
         </p:txBody>
       </p:sp>
       <p:sp>
         <p:nvSpPr>
-          <p:cNvPr id="3" name="Content Placeholder 2">
+          <p:cNvPr id="5" name="Content Placeholder 4">
             <a:extLst>
               <a:ext uri="{FF2B5EF4-FFF2-40B4-BE49-F238E27FC236}">
-                <a16:creationId xmlns:a16="http://schemas.microsoft.com/office/drawing/2014/main" id="{4EF6CE26-B55D-4911-B733-109207EA6A89}"/>
+                <a16:creationId xmlns:a16="http://schemas.microsoft.com/office/drawing/2014/main" id="{8197F4A8-D46D-C97E-E347-9B8D742DEB24}"/>
               </a:ext>
             </a:extLst>
           </p:cNvPr>
@@ -5584,51 +6021,27 @@
             <p:ph idx="1"/>
           </p:nvPr>
         </p:nvSpPr>
-        <p:spPr>
-          <a:xfrm>
-            <a:off x="838200" y="1454727"/>
-            <a:ext cx="10515600" cy="4810991"/>
-          </a:xfrm>
-        </p:spPr>
+        <p:spPr/>
         <p:txBody>
-          <a:bodyPr>
-            <a:normAutofit/>
-          </a:bodyPr>
+          <a:bodyPr/>
           <a:lstStyle/>
           <a:p>
             <a:r>
               <a:rPr lang="en-US" dirty="0"/>
-              <a:t>Axioms in Euclidean Geometry</a:t>
-            </a:r>
-          </a:p>
-          <a:p>
-            <a:pPr lvl="1"/>
-            <a:r>
-              <a:rPr lang="en-US"/>
-              <a:t>Point</a:t>
-            </a:r>
-            <a:endParaRPr lang="en-US" dirty="0"/>
-          </a:p>
-          <a:p>
-            <a:pPr lvl="1"/>
+              <a:t>Identify some Axioms that Euclid set for geometry that you studied in school</a:t>
+            </a:r>
+          </a:p>
+          <a:p>
             <a:r>
               <a:rPr lang="en-US" dirty="0"/>
-              <a:t>Line</a:t>
-            </a:r>
-          </a:p>
-          <a:p>
-            <a:pPr lvl="1"/>
+              <a:t>Change/omit an axiom as you like</a:t>
+            </a:r>
+          </a:p>
+          <a:p>
             <a:r>
               <a:rPr lang="en-US" dirty="0"/>
-              <a:t>Axioms</a:t>
-            </a:r>
-          </a:p>
-          <a:p>
-            <a:pPr lvl="1"/>
-            <a:endParaRPr lang="en-US" dirty="0"/>
-          </a:p>
-          <a:p>
-            <a:endParaRPr lang="en-US" dirty="0"/>
+              <a:t>Show, how the change would impact to prove a theorem</a:t>
+            </a:r>
           </a:p>
         </p:txBody>
       </p:sp>
@@ -5708,30 +6121,45 @@
         </p:nvSpPr>
         <p:spPr>
           <a:xfrm>
-            <a:off x="838200" y="1825625"/>
-            <a:ext cx="10515600" cy="4034848"/>
+            <a:off x="741680" y="1473200"/>
+            <a:ext cx="10830560" cy="4947919"/>
           </a:xfrm>
         </p:spPr>
         <p:txBody>
           <a:bodyPr>
-            <a:normAutofit/>
+            <a:normAutofit lnSpcReduction="10000"/>
           </a:bodyPr>
           <a:lstStyle/>
           <a:p>
             <a:r>
               <a:rPr lang="en-US" dirty="0"/>
-              <a:t>The approach of looking into a problem</a:t>
+              <a:t> Intuition, “an accumulation of attitudes (including beliefs and opinions) derived from experience”--R. L. WILDER</a:t>
+            </a:r>
+          </a:p>
+          <a:p>
+            <a:r>
+              <a:rPr lang="en-US" dirty="0"/>
+              <a:t>The approach of looking into a problem to solve</a:t>
             </a:r>
           </a:p>
           <a:p>
             <a:pPr lvl="1"/>
             <a:r>
               <a:rPr lang="en-US" sz="2800" dirty="0"/>
-              <a:t>Compare the set of rules in chess and geometry</a:t>
+              <a:t>Compare the set of rules in chess to win</a:t>
             </a:r>
           </a:p>
           <a:p>
             <a:pPr lvl="1"/>
+            <a:r>
+              <a:rPr lang="en-US" sz="2800" dirty="0"/>
+              <a:t>Sum of all angles of a triangle is 180 degrees</a:t>
+            </a:r>
+          </a:p>
+          <a:p>
+            <a:pPr marL="457200" lvl="1" indent="0">
+              <a:buNone/>
+            </a:pPr>
             <a:r>
               <a:rPr lang="en-US" sz="2800" dirty="0"/>
               <a:t>You will be using the rules to reach the goal or explain the system</a:t>
@@ -5753,7 +6181,7 @@
             <a:pPr lvl="1"/>
             <a:r>
               <a:rPr lang="en-US" sz="2800" dirty="0"/>
-              <a:t>The chance is 3 in 5</a:t>
+              <a:t>Probability of a smoker getting lung cancer is 0.07</a:t>
             </a:r>
           </a:p>
           <a:p>
@@ -5826,164 +6254,6 @@
           <a:p>
             <a:r>
               <a:rPr lang="en-US" dirty="0"/>
-              <a:t>Application</a:t>
-            </a:r>
-          </a:p>
-        </p:txBody>
-      </p:sp>
-      <p:sp>
-        <p:nvSpPr>
-          <p:cNvPr id="3" name="Content Placeholder 2">
-            <a:extLst>
-              <a:ext uri="{FF2B5EF4-FFF2-40B4-BE49-F238E27FC236}">
-                <a16:creationId xmlns:a16="http://schemas.microsoft.com/office/drawing/2014/main" id="{4EF6CE26-B55D-4911-B733-109207EA6A89}"/>
-              </a:ext>
-            </a:extLst>
-          </p:cNvPr>
-          <p:cNvSpPr>
-            <a:spLocks noGrp="1"/>
-          </p:cNvSpPr>
-          <p:nvPr>
-            <p:ph idx="1"/>
-          </p:nvPr>
-        </p:nvSpPr>
-        <p:spPr>
-          <a:xfrm>
-            <a:off x="838199" y="1825625"/>
-            <a:ext cx="10768445" cy="3432175"/>
-          </a:xfrm>
-        </p:spPr>
-        <p:txBody>
-          <a:bodyPr>
-            <a:normAutofit lnSpcReduction="10000"/>
-          </a:bodyPr>
-          <a:lstStyle/>
-          <a:p>
-            <a:r>
-              <a:rPr lang="en-US" dirty="0"/>
-              <a:t>The notion of rigid body is fundamental. Theory provides the framework for a rigid body</a:t>
-            </a:r>
-          </a:p>
-          <a:p>
-            <a:r>
-              <a:rPr lang="en-US" dirty="0"/>
-              <a:t>No things are rigid</a:t>
-            </a:r>
-          </a:p>
-          <a:p>
-            <a:r>
-              <a:rPr lang="en-US" dirty="0"/>
-              <a:t>We still use the rigid body theory to the non rigid objects “Consider the object is rigid” (Assumptions)</a:t>
-            </a:r>
-          </a:p>
-          <a:p>
-            <a:r>
-              <a:rPr lang="en-US" dirty="0"/>
-              <a:t>The more meet the assumptions, the more get the better approximation</a:t>
-            </a:r>
-          </a:p>
-          <a:p>
-            <a:r>
-              <a:rPr lang="en-US" dirty="0"/>
-              <a:t>In the application, the abstract model serve as a tool.</a:t>
-            </a:r>
-          </a:p>
-          <a:p>
-            <a:endParaRPr lang="en-US" dirty="0"/>
-          </a:p>
-          <a:p>
-            <a:endParaRPr lang="en-US" dirty="0"/>
-          </a:p>
-        </p:txBody>
-      </p:sp>
-      <p:sp>
-        <p:nvSpPr>
-          <p:cNvPr id="5" name="TextBox 4">
-            <a:extLst>
-              <a:ext uri="{FF2B5EF4-FFF2-40B4-BE49-F238E27FC236}">
-                <a16:creationId xmlns:a16="http://schemas.microsoft.com/office/drawing/2014/main" id="{10F59942-73A5-4C6F-A13E-68AB9B186CF9}"/>
-              </a:ext>
-            </a:extLst>
-          </p:cNvPr>
-          <p:cNvSpPr txBox="1"/>
-          <p:nvPr/>
-        </p:nvSpPr>
-        <p:spPr>
-          <a:xfrm>
-            <a:off x="838200" y="5351318"/>
-            <a:ext cx="10602191" cy="707886"/>
-          </a:xfrm>
-          <a:prstGeom prst="rect">
-            <a:avLst/>
-          </a:prstGeom>
-          <a:noFill/>
-        </p:spPr>
-        <p:txBody>
-          <a:bodyPr wrap="square" rtlCol="0">
-            <a:spAutoFit/>
-          </a:bodyPr>
-          <a:lstStyle/>
-          <a:p>
-            <a:r>
-              <a:rPr lang="en-US" sz="2000" i="1" dirty="0"/>
-              <a:t>“The manner in which mathematical theories are applied does not depend on pre-conceived ideas; it is a purposeful technique depending on, and changing with, experience”</a:t>
-            </a:r>
-          </a:p>
-        </p:txBody>
-      </p:sp>
-    </p:spTree>
-    <p:extLst>
-      <p:ext uri="{BB962C8B-B14F-4D97-AF65-F5344CB8AC3E}">
-        <p14:creationId xmlns:p14="http://schemas.microsoft.com/office/powerpoint/2010/main" val="2070194662"/>
-      </p:ext>
-    </p:extLst>
-  </p:cSld>
-  <p:clrMapOvr>
-    <a:masterClrMapping/>
-  </p:clrMapOvr>
-</p:sld>
-</file>
-
-<file path=ppt/slides/slide14.xml><?xml version="1.0" encoding="utf-8"?>
-<p:sld xmlns:a="http://schemas.openxmlformats.org/drawingml/2006/main" xmlns:r="http://schemas.openxmlformats.org/officeDocument/2006/relationships" xmlns:p="http://schemas.openxmlformats.org/presentationml/2006/main">
-  <p:cSld>
-    <p:spTree>
-      <p:nvGrpSpPr>
-        <p:cNvPr id="1" name=""/>
-        <p:cNvGrpSpPr/>
-        <p:nvPr/>
-      </p:nvGrpSpPr>
-      <p:grpSpPr>
-        <a:xfrm>
-          <a:off x="0" y="0"/>
-          <a:ext cx="0" cy="0"/>
-          <a:chOff x="0" y="0"/>
-          <a:chExt cx="0" cy="0"/>
-        </a:xfrm>
-      </p:grpSpPr>
-      <p:sp>
-        <p:nvSpPr>
-          <p:cNvPr id="2" name="Title 1">
-            <a:extLst>
-              <a:ext uri="{FF2B5EF4-FFF2-40B4-BE49-F238E27FC236}">
-                <a16:creationId xmlns:a16="http://schemas.microsoft.com/office/drawing/2014/main" id="{A1B3240A-35E8-4615-918E-047C063157D9}"/>
-              </a:ext>
-            </a:extLst>
-          </p:cNvPr>
-          <p:cNvSpPr>
-            <a:spLocks noGrp="1"/>
-          </p:cNvSpPr>
-          <p:nvPr>
-            <p:ph type="title"/>
-          </p:nvPr>
-        </p:nvSpPr>
-        <p:spPr/>
-        <p:txBody>
-          <a:bodyPr/>
-          <a:lstStyle/>
-          <a:p>
-            <a:r>
-              <a:rPr lang="en-US" dirty="0"/>
               <a:t>Probability</a:t>
             </a:r>
           </a:p>
@@ -6084,7 +6354,7 @@
 </p:sld>
 </file>
 
-<file path=ppt/slides/slide15.xml><?xml version="1.0" encoding="utf-8"?>
+<file path=ppt/slides/slide14.xml><?xml version="1.0" encoding="utf-8"?>
 <p:sld xmlns:a="http://schemas.openxmlformats.org/drawingml/2006/main" xmlns:r="http://schemas.openxmlformats.org/officeDocument/2006/relationships" xmlns:p="http://schemas.openxmlformats.org/presentationml/2006/main">
   <p:cSld>
     <p:spTree>
@@ -6577,7 +6847,7 @@
 </p:sld>
 </file>
 
-<file path=ppt/slides/slide16.xml><?xml version="1.0" encoding="utf-8"?>
+<file path=ppt/slides/slide15.xml><?xml version="1.0" encoding="utf-8"?>
 <p:sld xmlns:a="http://schemas.openxmlformats.org/drawingml/2006/main" xmlns:r="http://schemas.openxmlformats.org/officeDocument/2006/relationships" xmlns:p="http://schemas.openxmlformats.org/presentationml/2006/main">
   <p:cSld>
     <p:spTree>
@@ -7390,6 +7660,114 @@
 </p:sld>
 </file>
 
+<file path=ppt/slides/slide16.xml><?xml version="1.0" encoding="utf-8"?>
+<p:sld xmlns:a="http://schemas.openxmlformats.org/drawingml/2006/main" xmlns:r="http://schemas.openxmlformats.org/officeDocument/2006/relationships" xmlns:p="http://schemas.openxmlformats.org/presentationml/2006/main">
+  <p:cSld>
+    <p:spTree>
+      <p:nvGrpSpPr>
+        <p:cNvPr id="1" name=""/>
+        <p:cNvGrpSpPr/>
+        <p:nvPr/>
+      </p:nvGrpSpPr>
+      <p:grpSpPr>
+        <a:xfrm>
+          <a:off x="0" y="0"/>
+          <a:ext cx="0" cy="0"/>
+          <a:chOff x="0" y="0"/>
+          <a:chExt cx="0" cy="0"/>
+        </a:xfrm>
+      </p:grpSpPr>
+      <p:sp>
+        <p:nvSpPr>
+          <p:cNvPr id="2" name="Title 1">
+            <a:extLst>
+              <a:ext uri="{FF2B5EF4-FFF2-40B4-BE49-F238E27FC236}">
+                <a16:creationId xmlns:a16="http://schemas.microsoft.com/office/drawing/2014/main" id="{A1B3240A-35E8-4615-918E-047C063157D9}"/>
+              </a:ext>
+            </a:extLst>
+          </p:cNvPr>
+          <p:cNvSpPr>
+            <a:spLocks noGrp="1"/>
+          </p:cNvSpPr>
+          <p:nvPr>
+            <p:ph type="title"/>
+          </p:nvPr>
+        </p:nvSpPr>
+        <p:spPr/>
+        <p:txBody>
+          <a:bodyPr/>
+          <a:lstStyle/>
+          <a:p>
+            <a:r>
+              <a:rPr lang="en-US" dirty="0"/>
+              <a:t>Discussion on writings</a:t>
+            </a:r>
+          </a:p>
+        </p:txBody>
+      </p:sp>
+      <p:sp>
+        <p:nvSpPr>
+          <p:cNvPr id="3" name="Content Placeholder 2">
+            <a:extLst>
+              <a:ext uri="{FF2B5EF4-FFF2-40B4-BE49-F238E27FC236}">
+                <a16:creationId xmlns:a16="http://schemas.microsoft.com/office/drawing/2014/main" id="{4EF6CE26-B55D-4911-B733-109207EA6A89}"/>
+              </a:ext>
+            </a:extLst>
+          </p:cNvPr>
+          <p:cNvSpPr>
+            <a:spLocks noGrp="1"/>
+          </p:cNvSpPr>
+          <p:nvPr>
+            <p:ph idx="1"/>
+          </p:nvPr>
+        </p:nvSpPr>
+        <p:spPr>
+          <a:xfrm>
+            <a:off x="838200" y="1825625"/>
+            <a:ext cx="10515600" cy="4502439"/>
+          </a:xfrm>
+        </p:spPr>
+        <p:txBody>
+          <a:bodyPr>
+            <a:normAutofit/>
+          </a:bodyPr>
+          <a:lstStyle/>
+          <a:p>
+            <a:r>
+              <a:rPr lang="en-US" dirty="0"/>
+              <a:t>Assuming you all have submitted your assignments</a:t>
+            </a:r>
+          </a:p>
+          <a:p>
+            <a:r>
+              <a:rPr lang="en-US" dirty="0"/>
+              <a:t>Your Baseline standard</a:t>
+            </a:r>
+          </a:p>
+          <a:p>
+            <a:r>
+              <a:rPr lang="en-US" dirty="0"/>
+              <a:t>I will be sharing your writings anonymously</a:t>
+            </a:r>
+          </a:p>
+          <a:p>
+            <a:endParaRPr lang="en-US" dirty="0"/>
+          </a:p>
+        </p:txBody>
+      </p:sp>
+    </p:spTree>
+    <p:extLst>
+      <p:ext uri="{BB962C8B-B14F-4D97-AF65-F5344CB8AC3E}">
+        <p14:creationId xmlns:p14="http://schemas.microsoft.com/office/powerpoint/2010/main" val="3583003769"/>
+      </p:ext>
+    </p:extLst>
+  </p:cSld>
+  <p:clrMapOvr>
+    <a:masterClrMapping/>
+  </p:clrMapOvr>
+</p:sld>
+</file>
+
 <file path=ppt/slides/slide17.xml><?xml version="1.0" encoding="utf-8"?>
 <p:sld xmlns:a="http://schemas.openxmlformats.org/drawingml/2006/main" xmlns:r="http://schemas.openxmlformats.org/officeDocument/2006/relationships" xmlns:p="http://schemas.openxmlformats.org/presentationml/2006/main">
   <p:cSld>
@@ -7430,114 +7808,6 @@
           <a:p>
             <a:r>
               <a:rPr lang="en-US" dirty="0"/>
-              <a:t>Discussion on writings</a:t>
-            </a:r>
-          </a:p>
-        </p:txBody>
-      </p:sp>
-      <p:sp>
-        <p:nvSpPr>
-          <p:cNvPr id="3" name="Content Placeholder 2">
-            <a:extLst>
-              <a:ext uri="{FF2B5EF4-FFF2-40B4-BE49-F238E27FC236}">
-                <a16:creationId xmlns:a16="http://schemas.microsoft.com/office/drawing/2014/main" id="{4EF6CE26-B55D-4911-B733-109207EA6A89}"/>
-              </a:ext>
-            </a:extLst>
-          </p:cNvPr>
-          <p:cNvSpPr>
-            <a:spLocks noGrp="1"/>
-          </p:cNvSpPr>
-          <p:nvPr>
-            <p:ph idx="1"/>
-          </p:nvPr>
-        </p:nvSpPr>
-        <p:spPr>
-          <a:xfrm>
-            <a:off x="838200" y="1825625"/>
-            <a:ext cx="10515600" cy="4502439"/>
-          </a:xfrm>
-        </p:spPr>
-        <p:txBody>
-          <a:bodyPr>
-            <a:normAutofit/>
-          </a:bodyPr>
-          <a:lstStyle/>
-          <a:p>
-            <a:r>
-              <a:rPr lang="en-US" dirty="0"/>
-              <a:t>Assuming you all have submitted your assignments</a:t>
-            </a:r>
-          </a:p>
-          <a:p>
-            <a:r>
-              <a:rPr lang="en-US" dirty="0"/>
-              <a:t>Your Baseline standard</a:t>
-            </a:r>
-          </a:p>
-          <a:p>
-            <a:r>
-              <a:rPr lang="en-US" dirty="0"/>
-              <a:t>I will be sharing your writings anonymously</a:t>
-            </a:r>
-          </a:p>
-          <a:p>
-            <a:endParaRPr lang="en-US" dirty="0"/>
-          </a:p>
-        </p:txBody>
-      </p:sp>
-    </p:spTree>
-    <p:extLst>
-      <p:ext uri="{BB962C8B-B14F-4D97-AF65-F5344CB8AC3E}">
-        <p14:creationId xmlns:p14="http://schemas.microsoft.com/office/powerpoint/2010/main" val="3583003769"/>
-      </p:ext>
-    </p:extLst>
-  </p:cSld>
-  <p:clrMapOvr>
-    <a:masterClrMapping/>
-  </p:clrMapOvr>
-</p:sld>
-</file>
-
-<file path=ppt/slides/slide18.xml><?xml version="1.0" encoding="utf-8"?>
-<p:sld xmlns:a="http://schemas.openxmlformats.org/drawingml/2006/main" xmlns:r="http://schemas.openxmlformats.org/officeDocument/2006/relationships" xmlns:p="http://schemas.openxmlformats.org/presentationml/2006/main">
-  <p:cSld>
-    <p:spTree>
-      <p:nvGrpSpPr>
-        <p:cNvPr id="1" name=""/>
-        <p:cNvGrpSpPr/>
-        <p:nvPr/>
-      </p:nvGrpSpPr>
-      <p:grpSpPr>
-        <a:xfrm>
-          <a:off x="0" y="0"/>
-          <a:ext cx="0" cy="0"/>
-          <a:chOff x="0" y="0"/>
-          <a:chExt cx="0" cy="0"/>
-        </a:xfrm>
-      </p:grpSpPr>
-      <p:sp>
-        <p:nvSpPr>
-          <p:cNvPr id="2" name="Title 1">
-            <a:extLst>
-              <a:ext uri="{FF2B5EF4-FFF2-40B4-BE49-F238E27FC236}">
-                <a16:creationId xmlns:a16="http://schemas.microsoft.com/office/drawing/2014/main" id="{A1B3240A-35E8-4615-918E-047C063157D9}"/>
-              </a:ext>
-            </a:extLst>
-          </p:cNvPr>
-          <p:cNvSpPr>
-            <a:spLocks noGrp="1"/>
-          </p:cNvSpPr>
-          <p:nvPr>
-            <p:ph type="title"/>
-          </p:nvPr>
-        </p:nvSpPr>
-        <p:spPr/>
-        <p:txBody>
-          <a:bodyPr/>
-          <a:lstStyle/>
-          <a:p>
-            <a:r>
-              <a:rPr lang="en-US" dirty="0"/>
               <a:t>What we should ask</a:t>
             </a:r>
           </a:p>
@@ -7642,7 +7912,7 @@
 </p:sld>
 </file>
 
-<file path=ppt/slides/slide19.xml><?xml version="1.0" encoding="utf-8"?>
+<file path=ppt/slides/slide18.xml><?xml version="1.0" encoding="utf-8"?>
 <p:sld xmlns:a="http://schemas.openxmlformats.org/drawingml/2006/main" xmlns:r="http://schemas.openxmlformats.org/officeDocument/2006/relationships" xmlns:p="http://schemas.openxmlformats.org/presentationml/2006/main">
   <p:cSld>
     <p:spTree>
@@ -7919,116 +8189,7 @@
 </p:sld>
 </file>
 
-<file path=ppt/slides/slide2.xml><?xml version="1.0" encoding="utf-8"?>
-<p:sld xmlns:a="http://schemas.openxmlformats.org/drawingml/2006/main" xmlns:r="http://schemas.openxmlformats.org/officeDocument/2006/relationships" xmlns:p="http://schemas.openxmlformats.org/presentationml/2006/main">
-  <p:cSld>
-    <p:spTree>
-      <p:nvGrpSpPr>
-        <p:cNvPr id="1" name=""/>
-        <p:cNvGrpSpPr/>
-        <p:nvPr/>
-      </p:nvGrpSpPr>
-      <p:grpSpPr>
-        <a:xfrm>
-          <a:off x="0" y="0"/>
-          <a:ext cx="0" cy="0"/>
-          <a:chOff x="0" y="0"/>
-          <a:chExt cx="0" cy="0"/>
-        </a:xfrm>
-      </p:grpSpPr>
-      <p:sp>
-        <p:nvSpPr>
-          <p:cNvPr id="2" name="Title 1">
-            <a:extLst>
-              <a:ext uri="{FF2B5EF4-FFF2-40B4-BE49-F238E27FC236}">
-                <a16:creationId xmlns:a16="http://schemas.microsoft.com/office/drawing/2014/main" id="{A1B3240A-35E8-4615-918E-047C063157D9}"/>
-              </a:ext>
-            </a:extLst>
-          </p:cNvPr>
-          <p:cNvSpPr>
-            <a:spLocks noGrp="1"/>
-          </p:cNvSpPr>
-          <p:nvPr>
-            <p:ph type="title"/>
-          </p:nvPr>
-        </p:nvSpPr>
-        <p:spPr/>
-        <p:txBody>
-          <a:bodyPr/>
-          <a:lstStyle/>
-          <a:p>
-            <a:r>
-              <a:rPr lang="en-US" dirty="0"/>
-              <a:t>What is a question?</a:t>
-            </a:r>
-          </a:p>
-        </p:txBody>
-      </p:sp>
-      <p:sp>
-        <p:nvSpPr>
-          <p:cNvPr id="3" name="Content Placeholder 2">
-            <a:extLst>
-              <a:ext uri="{FF2B5EF4-FFF2-40B4-BE49-F238E27FC236}">
-                <a16:creationId xmlns:a16="http://schemas.microsoft.com/office/drawing/2014/main" id="{4EF6CE26-B55D-4911-B733-109207EA6A89}"/>
-              </a:ext>
-            </a:extLst>
-          </p:cNvPr>
-          <p:cNvSpPr>
-            <a:spLocks noGrp="1"/>
-          </p:cNvSpPr>
-          <p:nvPr>
-            <p:ph idx="1"/>
-          </p:nvPr>
-        </p:nvSpPr>
-        <p:spPr/>
-        <p:txBody>
-          <a:bodyPr/>
-          <a:lstStyle/>
-          <a:p>
-            <a:r>
-              <a:rPr lang="en-US" dirty="0"/>
-              <a:t>Interrogative expression</a:t>
-            </a:r>
-          </a:p>
-          <a:p>
-            <a:r>
-              <a:rPr lang="en-US" dirty="0"/>
-              <a:t>The foundation of knowledge</a:t>
-            </a:r>
-          </a:p>
-          <a:p>
-            <a:r>
-              <a:rPr lang="en-US" dirty="0"/>
-              <a:t>Questioning is a powerful tool to exchange ideas</a:t>
-            </a:r>
-          </a:p>
-          <a:p>
-            <a:r>
-              <a:rPr lang="en-US" dirty="0"/>
-              <a:t>What do </a:t>
-            </a:r>
-            <a:r>
-              <a:rPr lang="en-US"/>
-              <a:t>you think?</a:t>
-            </a:r>
-            <a:endParaRPr lang="en-US" dirty="0"/>
-          </a:p>
-        </p:txBody>
-      </p:sp>
-    </p:spTree>
-    <p:extLst>
-      <p:ext uri="{BB962C8B-B14F-4D97-AF65-F5344CB8AC3E}">
-        <p14:creationId xmlns:p14="http://schemas.microsoft.com/office/powerpoint/2010/main" val="1065249592"/>
-      </p:ext>
-    </p:extLst>
-  </p:cSld>
-  <p:clrMapOvr>
-    <a:masterClrMapping/>
-  </p:clrMapOvr>
-</p:sld>
-</file>
-
-<file path=ppt/slides/slide20.xml><?xml version="1.0" encoding="utf-8"?>
+<file path=ppt/slides/slide19.xml><?xml version="1.0" encoding="utf-8"?>
 <p:sld xmlns:a="http://schemas.openxmlformats.org/drawingml/2006/main" xmlns:r="http://schemas.openxmlformats.org/officeDocument/2006/relationships" xmlns:p="http://schemas.openxmlformats.org/presentationml/2006/main">
   <p:cSld>
     <p:spTree>
@@ -8516,7 +8677,166 @@
 </p:sld>
 </file>
 
-<file path=ppt/slides/slide21.xml><?xml version="1.0" encoding="utf-8"?>
+<file path=ppt/slides/slide2.xml><?xml version="1.0" encoding="utf-8"?>
+<p:sld xmlns:a="http://schemas.openxmlformats.org/drawingml/2006/main" xmlns:r="http://schemas.openxmlformats.org/officeDocument/2006/relationships" xmlns:p="http://schemas.openxmlformats.org/presentationml/2006/main">
+  <p:cSld>
+    <p:spTree>
+      <p:nvGrpSpPr>
+        <p:cNvPr id="1" name=""/>
+        <p:cNvGrpSpPr/>
+        <p:nvPr/>
+      </p:nvGrpSpPr>
+      <p:grpSpPr>
+        <a:xfrm>
+          <a:off x="0" y="0"/>
+          <a:ext cx="0" cy="0"/>
+          <a:chOff x="0" y="0"/>
+          <a:chExt cx="0" cy="0"/>
+        </a:xfrm>
+      </p:grpSpPr>
+      <p:sp>
+        <p:nvSpPr>
+          <p:cNvPr id="2" name="Title 1">
+            <a:extLst>
+              <a:ext uri="{FF2B5EF4-FFF2-40B4-BE49-F238E27FC236}">
+                <a16:creationId xmlns:a16="http://schemas.microsoft.com/office/drawing/2014/main" id="{76A9C3EC-6ACE-3028-EDCF-AC25DB25DFFE}"/>
+              </a:ext>
+            </a:extLst>
+          </p:cNvPr>
+          <p:cNvSpPr>
+            <a:spLocks noGrp="1"/>
+          </p:cNvSpPr>
+          <p:nvPr>
+            <p:ph type="title"/>
+          </p:nvPr>
+        </p:nvSpPr>
+        <p:spPr/>
+        <p:txBody>
+          <a:bodyPr/>
+          <a:lstStyle/>
+          <a:p>
+            <a:r>
+              <a:rPr lang="en-US" dirty="0"/>
+              <a:t>What we will/will not do</a:t>
+            </a:r>
+          </a:p>
+        </p:txBody>
+      </p:sp>
+      <p:sp>
+        <p:nvSpPr>
+          <p:cNvPr id="3" name="Content Placeholder 2">
+            <a:extLst>
+              <a:ext uri="{FF2B5EF4-FFF2-40B4-BE49-F238E27FC236}">
+                <a16:creationId xmlns:a16="http://schemas.microsoft.com/office/drawing/2014/main" id="{0A7FF5D0-E0A3-9E1B-D4E8-BD9A1C97811A}"/>
+              </a:ext>
+            </a:extLst>
+          </p:cNvPr>
+          <p:cNvSpPr>
+            <a:spLocks noGrp="1"/>
+          </p:cNvSpPr>
+          <p:nvPr>
+            <p:ph sz="half" idx="1"/>
+          </p:nvPr>
+        </p:nvSpPr>
+        <p:spPr/>
+        <p:txBody>
+          <a:bodyPr/>
+          <a:lstStyle/>
+          <a:p>
+            <a:pPr marL="0" indent="0">
+              <a:buNone/>
+            </a:pPr>
+            <a:r>
+              <a:rPr lang="en-US" b="1" dirty="0"/>
+              <a:t>Do</a:t>
+            </a:r>
+          </a:p>
+          <a:p>
+            <a:r>
+              <a:rPr lang="en-US" dirty="0"/>
+              <a:t>Attend meeting regularly</a:t>
+            </a:r>
+          </a:p>
+          <a:p>
+            <a:r>
+              <a:rPr lang="en-US" dirty="0"/>
+              <a:t>Take the responsibility to complete tasks. </a:t>
+            </a:r>
+          </a:p>
+          <a:p>
+            <a:r>
+              <a:rPr lang="en-US" dirty="0"/>
+              <a:t>Follow the highest possible standard for any output such as documentation and presentation</a:t>
+            </a:r>
+          </a:p>
+          <a:p>
+            <a:r>
+              <a:rPr lang="en-US" dirty="0"/>
+              <a:t>Be a leader</a:t>
+            </a:r>
+          </a:p>
+          <a:p>
+            <a:endParaRPr lang="en-US" dirty="0"/>
+          </a:p>
+        </p:txBody>
+      </p:sp>
+      <p:sp>
+        <p:nvSpPr>
+          <p:cNvPr id="4" name="Content Placeholder 3">
+            <a:extLst>
+              <a:ext uri="{FF2B5EF4-FFF2-40B4-BE49-F238E27FC236}">
+                <a16:creationId xmlns:a16="http://schemas.microsoft.com/office/drawing/2014/main" id="{C3804E38-B9F1-57EA-6BD8-AA01C9C68421}"/>
+              </a:ext>
+            </a:extLst>
+          </p:cNvPr>
+          <p:cNvSpPr>
+            <a:spLocks noGrp="1"/>
+          </p:cNvSpPr>
+          <p:nvPr>
+            <p:ph sz="half" idx="2"/>
+          </p:nvPr>
+        </p:nvSpPr>
+        <p:spPr/>
+        <p:txBody>
+          <a:bodyPr/>
+          <a:lstStyle/>
+          <a:p>
+            <a:pPr marL="0" indent="0">
+              <a:buNone/>
+            </a:pPr>
+            <a:r>
+              <a:rPr lang="en-US" b="1" dirty="0"/>
+              <a:t>Don’t </a:t>
+            </a:r>
+          </a:p>
+          <a:p>
+            <a:r>
+              <a:rPr lang="en-US" dirty="0"/>
+              <a:t>Plagiarism (0 tolerance)</a:t>
+            </a:r>
+          </a:p>
+          <a:p>
+            <a:r>
+              <a:rPr lang="en-US" dirty="0"/>
+              <a:t>No sloppy work</a:t>
+            </a:r>
+          </a:p>
+        </p:txBody>
+      </p:sp>
+    </p:spTree>
+    <p:extLst>
+      <p:ext uri="{BB962C8B-B14F-4D97-AF65-F5344CB8AC3E}">
+        <p14:creationId xmlns:p14="http://schemas.microsoft.com/office/powerpoint/2010/main" val="3873330503"/>
+      </p:ext>
+    </p:extLst>
+  </p:cSld>
+  <p:clrMapOvr>
+    <a:masterClrMapping/>
+  </p:clrMapOvr>
+</p:sld>
+</file>
+
+<file path=ppt/slides/slide20.xml><?xml version="1.0" encoding="utf-8"?>
 <p:sld xmlns:a="http://schemas.openxmlformats.org/drawingml/2006/main" xmlns:r="http://schemas.openxmlformats.org/officeDocument/2006/relationships" xmlns:p="http://schemas.openxmlformats.org/presentationml/2006/main">
   <p:cSld>
     <p:spTree>
@@ -9158,7 +9478,7 @@
 </p:sld>
 </file>
 
-<file path=ppt/slides/slide22.xml><?xml version="1.0" encoding="utf-8"?>
+<file path=ppt/slides/slide21.xml><?xml version="1.0" encoding="utf-8"?>
 <p:sld xmlns:a="http://schemas.openxmlformats.org/drawingml/2006/main" xmlns:r="http://schemas.openxmlformats.org/officeDocument/2006/relationships" xmlns:p="http://schemas.openxmlformats.org/presentationml/2006/main">
   <p:cSld>
     <p:spTree>
@@ -9266,6 +9586,151 @@
     <p:extLst>
       <p:ext uri="{BB962C8B-B14F-4D97-AF65-F5344CB8AC3E}">
         <p14:creationId xmlns:p14="http://schemas.microsoft.com/office/powerpoint/2010/main" val="3132782679"/>
+      </p:ext>
+    </p:extLst>
+  </p:cSld>
+  <p:clrMapOvr>
+    <a:masterClrMapping/>
+  </p:clrMapOvr>
+</p:sld>
+</file>
+
+<file path=ppt/slides/slide22.xml><?xml version="1.0" encoding="utf-8"?>
+<p:sld xmlns:a="http://schemas.openxmlformats.org/drawingml/2006/main" xmlns:r="http://schemas.openxmlformats.org/officeDocument/2006/relationships" xmlns:p="http://schemas.openxmlformats.org/presentationml/2006/main">
+  <p:cSld>
+    <p:spTree>
+      <p:nvGrpSpPr>
+        <p:cNvPr id="1" name=""/>
+        <p:cNvGrpSpPr/>
+        <p:nvPr/>
+      </p:nvGrpSpPr>
+      <p:grpSpPr>
+        <a:xfrm>
+          <a:off x="0" y="0"/>
+          <a:ext cx="0" cy="0"/>
+          <a:chOff x="0" y="0"/>
+          <a:chExt cx="0" cy="0"/>
+        </a:xfrm>
+      </p:grpSpPr>
+      <p:sp>
+        <p:nvSpPr>
+          <p:cNvPr id="2" name="Title 1">
+            <a:extLst>
+              <a:ext uri="{FF2B5EF4-FFF2-40B4-BE49-F238E27FC236}">
+                <a16:creationId xmlns:a16="http://schemas.microsoft.com/office/drawing/2014/main" id="{D41AE899-2611-451E-9D0E-2F7CD1B1DC00}"/>
+              </a:ext>
+            </a:extLst>
+          </p:cNvPr>
+          <p:cNvSpPr>
+            <a:spLocks noGrp="1"/>
+          </p:cNvSpPr>
+          <p:nvPr>
+            <p:ph type="title"/>
+          </p:nvPr>
+        </p:nvSpPr>
+        <p:spPr/>
+        <p:txBody>
+          <a:bodyPr/>
+          <a:lstStyle/>
+          <a:p>
+            <a:r>
+              <a:rPr lang="en-US" dirty="0"/>
+              <a:t>Probability from the experience</a:t>
+            </a:r>
+          </a:p>
+        </p:txBody>
+      </p:sp>
+      <p:sp>
+        <p:nvSpPr>
+          <p:cNvPr id="3" name="Content Placeholder 2">
+            <a:extLst>
+              <a:ext uri="{FF2B5EF4-FFF2-40B4-BE49-F238E27FC236}">
+                <a16:creationId xmlns:a16="http://schemas.microsoft.com/office/drawing/2014/main" id="{BE21FBF9-29E0-4000-A59C-96CFA6200AD9}"/>
+              </a:ext>
+            </a:extLst>
+          </p:cNvPr>
+          <p:cNvSpPr>
+            <a:spLocks noGrp="1"/>
+          </p:cNvSpPr>
+          <p:nvPr>
+            <p:ph idx="1"/>
+          </p:nvPr>
+        </p:nvSpPr>
+        <p:spPr>
+          <a:xfrm>
+            <a:off x="919480" y="1690688"/>
+            <a:ext cx="10515600" cy="4351338"/>
+          </a:xfrm>
+        </p:spPr>
+        <p:txBody>
+          <a:bodyPr>
+            <a:normAutofit lnSpcReduction="10000"/>
+          </a:bodyPr>
+          <a:lstStyle/>
+          <a:p>
+            <a:r>
+              <a:rPr lang="en-US" dirty="0"/>
+              <a:t>In real life we use probability for decision making</a:t>
+            </a:r>
+          </a:p>
+          <a:p>
+            <a:r>
+              <a:rPr lang="en-US" dirty="0"/>
+              <a:t>Suppose I do not want to get wet by rain while walking outside</a:t>
+            </a:r>
+          </a:p>
+          <a:p>
+            <a:pPr lvl="1"/>
+            <a:r>
+              <a:rPr lang="en-US" dirty="0"/>
+              <a:t>Should I carry an umbrella while going out for some time?</a:t>
+            </a:r>
+          </a:p>
+          <a:p>
+            <a:r>
+              <a:rPr lang="en-US" dirty="0"/>
+              <a:t>We play a game of chance to predict the future event</a:t>
+            </a:r>
+          </a:p>
+          <a:p>
+            <a:pPr lvl="1"/>
+            <a:r>
+              <a:rPr lang="en-US" dirty="0"/>
+              <a:t>Is there a probability of rain?</a:t>
+            </a:r>
+          </a:p>
+          <a:p>
+            <a:r>
+              <a:rPr lang="en-US" dirty="0"/>
+              <a:t>We decide now based on the prediction of the future</a:t>
+            </a:r>
+          </a:p>
+          <a:p>
+            <a:pPr lvl="1"/>
+            <a:r>
+              <a:rPr lang="en-US" dirty="0"/>
+              <a:t>I predict, there is no rain in the next two hours (based on the probability)</a:t>
+            </a:r>
+          </a:p>
+          <a:p>
+            <a:r>
+              <a:rPr lang="en-US" dirty="0"/>
+              <a:t>Success of the decision depends on how precisely we made the prediction</a:t>
+            </a:r>
+          </a:p>
+          <a:p>
+            <a:pPr lvl="1"/>
+            <a:r>
+              <a:rPr lang="en-US" dirty="0"/>
+              <a:t>Get wet/dry if prediction fails/works</a:t>
+            </a:r>
+          </a:p>
+        </p:txBody>
+      </p:sp>
+    </p:spTree>
+    <p:extLst>
+      <p:ext uri="{BB962C8B-B14F-4D97-AF65-F5344CB8AC3E}">
+        <p14:creationId xmlns:p14="http://schemas.microsoft.com/office/powerpoint/2010/main" val="3500216570"/>
       </p:ext>
     </p:extLst>
   </p:cSld>
@@ -9315,7 +9780,7 @@
           <a:p>
             <a:r>
               <a:rPr lang="en-US" dirty="0"/>
-              <a:t>Probability from the experience</a:t>
+              <a:t>Probability measurement</a:t>
             </a:r>
           </a:p>
         </p:txBody>
@@ -9338,33 +9803,12 @@
         </p:nvSpPr>
         <p:spPr/>
         <p:txBody>
-          <a:bodyPr>
-            <a:normAutofit lnSpcReduction="10000"/>
-          </a:bodyPr>
+          <a:bodyPr/>
           <a:lstStyle/>
           <a:p>
             <a:r>
               <a:rPr lang="en-US" dirty="0"/>
-              <a:t>In real life we use probability for decision making</a:t>
-            </a:r>
-          </a:p>
-          <a:p>
-            <a:r>
-              <a:rPr lang="en-US" dirty="0"/>
-              <a:t>Suppose I do not want to get wet by rain while walking outside</a:t>
-            </a:r>
-          </a:p>
-          <a:p>
-            <a:pPr lvl="1"/>
-            <a:r>
-              <a:rPr lang="en-US" dirty="0"/>
-              <a:t>Should I carry an umbrella while going out for some time?</a:t>
-            </a:r>
-          </a:p>
-          <a:p>
-            <a:r>
-              <a:rPr lang="en-US" dirty="0"/>
-              <a:t>We play a game of chance to predict the future event</a:t>
+              <a:t>We play a game of chance to predict the event</a:t>
             </a:r>
           </a:p>
           <a:p>
@@ -9377,27 +9821,25 @@
           <a:p>
             <a:r>
               <a:rPr lang="en-US" dirty="0"/>
-              <a:t>We decide now based on the prediction of the future</a:t>
-            </a:r>
-          </a:p>
-          <a:p>
-            <a:pPr lvl="1"/>
+              <a:t>The more precisely I can estimate the probability, the more chance I will win the game of prediction. </a:t>
+            </a:r>
+          </a:p>
+          <a:p>
             <a:r>
               <a:rPr lang="en-US" dirty="0"/>
-              <a:t>I predict, there is no rain in the next two hours (based on the probability)</a:t>
+              <a:t>How can we estimate the probability?</a:t>
             </a:r>
           </a:p>
           <a:p>
             <a:r>
               <a:rPr lang="en-US" dirty="0"/>
-              <a:t>Success of the decision depends on how precisely we made the prediction</a:t>
-            </a:r>
-          </a:p>
-          <a:p>
-            <a:pPr lvl="1"/>
+              <a:t>In our problem we have a sense of high probability, low probability.</a:t>
+            </a:r>
+          </a:p>
+          <a:p>
             <a:r>
               <a:rPr lang="en-US" dirty="0"/>
-              <a:t>Get wet/dry if prediction fails/works</a:t>
+              <a:t>We need a model to measure the probability precisely</a:t>
             </a:r>
           </a:p>
           <a:p>
@@ -9408,7 +9850,7 @@
     </p:spTree>
     <p:extLst>
       <p:ext uri="{BB962C8B-B14F-4D97-AF65-F5344CB8AC3E}">
-        <p14:creationId xmlns:p14="http://schemas.microsoft.com/office/powerpoint/2010/main" val="3500216570"/>
+        <p14:creationId xmlns:p14="http://schemas.microsoft.com/office/powerpoint/2010/main" val="15370302"/>
       </p:ext>
     </p:extLst>
   </p:cSld>
@@ -9440,7 +9882,7 @@
           <p:cNvPr id="2" name="Title 1">
             <a:extLst>
               <a:ext uri="{FF2B5EF4-FFF2-40B4-BE49-F238E27FC236}">
-                <a16:creationId xmlns:a16="http://schemas.microsoft.com/office/drawing/2014/main" id="{D41AE899-2611-451E-9D0E-2F7CD1B1DC00}"/>
+                <a16:creationId xmlns:a16="http://schemas.microsoft.com/office/drawing/2014/main" id="{80273889-3DD5-4C7C-24D0-03A6EDDF43E7}"/>
               </a:ext>
             </a:extLst>
           </p:cNvPr>
@@ -9458,7 +9900,7 @@
           <a:p>
             <a:r>
               <a:rPr lang="en-US" dirty="0"/>
-              <a:t>Probability measurement</a:t>
+              <a:t>Informal probability calculation</a:t>
             </a:r>
           </a:p>
         </p:txBody>
@@ -9468,7 +9910,7 @@
           <p:cNvPr id="3" name="Content Placeholder 2">
             <a:extLst>
               <a:ext uri="{FF2B5EF4-FFF2-40B4-BE49-F238E27FC236}">
-                <a16:creationId xmlns:a16="http://schemas.microsoft.com/office/drawing/2014/main" id="{BE21FBF9-29E0-4000-A59C-96CFA6200AD9}"/>
+                <a16:creationId xmlns:a16="http://schemas.microsoft.com/office/drawing/2014/main" id="{82E26961-2AB3-4D1B-0D69-AE5A274BE56C}"/>
               </a:ext>
             </a:extLst>
           </p:cNvPr>
@@ -9485,42 +9927,2855 @@
           <a:lstStyle/>
           <a:p>
             <a:r>
-              <a:rPr lang="en-US" dirty="0"/>
-              <a:t>We play a game of chance to predict the event</a:t>
-            </a:r>
-          </a:p>
-          <a:p>
-            <a:pPr lvl="1"/>
-            <a:r>
-              <a:rPr lang="en-US" dirty="0"/>
-              <a:t>Is there a probability of rain?</a:t>
-            </a:r>
-          </a:p>
-          <a:p>
-            <a:r>
-              <a:rPr lang="en-US" dirty="0"/>
-              <a:t>The more precisely I can estimate the probability, the more chance I will win the game of prediction. </a:t>
-            </a:r>
-          </a:p>
-          <a:p>
-            <a:r>
-              <a:rPr lang="en-US" dirty="0"/>
-              <a:t>How can we estimate the probability?</a:t>
-            </a:r>
-          </a:p>
-          <a:p>
-            <a:r>
-              <a:rPr lang="en-US" dirty="0"/>
-              <a:t>In our problem we have a sense of high probability, low probability.</a:t>
-            </a:r>
-          </a:p>
-          <a:p>
-            <a:r>
-              <a:rPr lang="en-US" dirty="0"/>
-              <a:t>We need a model to measure the probability precisely</a:t>
-            </a:r>
-          </a:p>
-          <a:p>
+              <a:rPr lang="en-GB" sz="1800" dirty="0" err="1">
+                <a:effectLst/>
+                <a:latin typeface="Arial Unicode MS"/>
+                <a:ea typeface="Arial Unicode MS"/>
+                <a:cs typeface="Arial Unicode MS"/>
+              </a:rPr>
+              <a:t>সকালে</a:t>
+            </a:r>
+            <a:r>
+              <a:rPr lang="en-GB" sz="1800" dirty="0">
+                <a:effectLst/>
+                <a:latin typeface="Arial Unicode MS"/>
+                <a:ea typeface="Arial Unicode MS"/>
+                <a:cs typeface="Arial Unicode MS"/>
+              </a:rPr>
+              <a:t> </a:t>
+            </a:r>
+            <a:r>
+              <a:rPr lang="en-GB" sz="1800" dirty="0" err="1">
+                <a:effectLst/>
+                <a:latin typeface="Arial Unicode MS"/>
+                <a:ea typeface="Arial Unicode MS"/>
+                <a:cs typeface="Arial Unicode MS"/>
+              </a:rPr>
+              <a:t>কলেজে</a:t>
+            </a:r>
+            <a:r>
+              <a:rPr lang="en-GB" sz="1800" dirty="0">
+                <a:effectLst/>
+                <a:latin typeface="Arial Unicode MS"/>
+                <a:ea typeface="Arial Unicode MS"/>
+                <a:cs typeface="Arial Unicode MS"/>
+              </a:rPr>
+              <a:t> </a:t>
+            </a:r>
+            <a:r>
+              <a:rPr lang="en-GB" sz="1800" dirty="0" err="1">
+                <a:effectLst/>
+                <a:latin typeface="Arial Unicode MS"/>
+                <a:ea typeface="Arial Unicode MS"/>
+                <a:cs typeface="Arial Unicode MS"/>
+              </a:rPr>
+              <a:t>যেতে</a:t>
+            </a:r>
+            <a:r>
+              <a:rPr lang="en-GB" sz="1800" dirty="0">
+                <a:effectLst/>
+                <a:latin typeface="Arial Unicode MS"/>
+                <a:ea typeface="Arial Unicode MS"/>
+                <a:cs typeface="Arial Unicode MS"/>
+              </a:rPr>
+              <a:t> </a:t>
+            </a:r>
+            <a:r>
+              <a:rPr lang="en-GB" sz="1800" dirty="0" err="1">
+                <a:effectLst/>
+                <a:latin typeface="Arial Unicode MS"/>
+                <a:ea typeface="Arial Unicode MS"/>
+                <a:cs typeface="Arial Unicode MS"/>
+              </a:rPr>
+              <a:t>হলে</a:t>
+            </a:r>
+            <a:r>
+              <a:rPr lang="en-GB" sz="1800" dirty="0">
+                <a:effectLst/>
+                <a:latin typeface="Arial Unicode MS"/>
+                <a:ea typeface="Arial Unicode MS"/>
+                <a:cs typeface="Arial Unicode MS"/>
+              </a:rPr>
+              <a:t> </a:t>
+            </a:r>
+            <a:r>
+              <a:rPr lang="en-GB" sz="1800" dirty="0" err="1">
+                <a:effectLst/>
+                <a:latin typeface="Arial Unicode MS"/>
+                <a:ea typeface="Arial Unicode MS"/>
+                <a:cs typeface="Arial Unicode MS"/>
+              </a:rPr>
+              <a:t>আব্দুল্লাহপুর</a:t>
+            </a:r>
+            <a:r>
+              <a:rPr lang="en-GB" sz="1800" dirty="0">
+                <a:effectLst/>
+                <a:latin typeface="Arial Unicode MS"/>
+                <a:ea typeface="Arial Unicode MS"/>
+                <a:cs typeface="Arial Unicode MS"/>
+              </a:rPr>
+              <a:t> </a:t>
+            </a:r>
+            <a:r>
+              <a:rPr lang="en-GB" sz="1800" dirty="0" err="1">
+                <a:effectLst/>
+                <a:latin typeface="Arial Unicode MS"/>
+                <a:ea typeface="Arial Unicode MS"/>
+                <a:cs typeface="Arial Unicode MS"/>
+              </a:rPr>
+              <a:t>হতে</a:t>
+            </a:r>
+            <a:r>
+              <a:rPr lang="en-GB" sz="1800" dirty="0">
+                <a:effectLst/>
+                <a:latin typeface="Arial Unicode MS"/>
+                <a:ea typeface="Arial Unicode MS"/>
+                <a:cs typeface="Arial Unicode MS"/>
+              </a:rPr>
+              <a:t> </a:t>
+            </a:r>
+            <a:r>
+              <a:rPr lang="en-GB" sz="1800" dirty="0" err="1">
+                <a:effectLst/>
+                <a:latin typeface="Arial Unicode MS"/>
+                <a:ea typeface="Arial Unicode MS"/>
+                <a:cs typeface="Arial Unicode MS"/>
+              </a:rPr>
+              <a:t>আমাকে</a:t>
+            </a:r>
+            <a:r>
+              <a:rPr lang="en-GB" sz="1800" dirty="0">
+                <a:effectLst/>
+                <a:latin typeface="Arial Unicode MS"/>
+                <a:ea typeface="Arial Unicode MS"/>
+                <a:cs typeface="Arial Unicode MS"/>
+              </a:rPr>
+              <a:t> </a:t>
+            </a:r>
+            <a:r>
+              <a:rPr lang="en-GB" sz="1800" dirty="0" err="1">
+                <a:effectLst/>
+                <a:latin typeface="Arial Unicode MS"/>
+                <a:ea typeface="Arial Unicode MS"/>
+                <a:cs typeface="Arial Unicode MS"/>
+              </a:rPr>
+              <a:t>বাসে</a:t>
+            </a:r>
+            <a:r>
+              <a:rPr lang="en-GB" sz="1800" dirty="0">
+                <a:effectLst/>
+                <a:latin typeface="Arial Unicode MS"/>
+                <a:ea typeface="Arial Unicode MS"/>
+                <a:cs typeface="Arial Unicode MS"/>
+              </a:rPr>
+              <a:t> </a:t>
+            </a:r>
+            <a:r>
+              <a:rPr lang="en-GB" sz="1800" dirty="0" err="1">
+                <a:effectLst/>
+                <a:latin typeface="Arial Unicode MS"/>
+                <a:ea typeface="Arial Unicode MS"/>
+                <a:cs typeface="Arial Unicode MS"/>
+              </a:rPr>
+              <a:t>উঠতে</a:t>
+            </a:r>
+            <a:r>
+              <a:rPr lang="en-GB" sz="1800" dirty="0">
+                <a:effectLst/>
+                <a:latin typeface="Arial Unicode MS"/>
+                <a:ea typeface="Arial Unicode MS"/>
+                <a:cs typeface="Arial Unicode MS"/>
+              </a:rPr>
+              <a:t> </a:t>
+            </a:r>
+            <a:r>
+              <a:rPr lang="en-GB" sz="1800" dirty="0" err="1">
+                <a:effectLst/>
+                <a:latin typeface="Arial Unicode MS"/>
+                <a:ea typeface="Arial Unicode MS"/>
+                <a:cs typeface="Arial Unicode MS"/>
+              </a:rPr>
+              <a:t>হতো</a:t>
+            </a:r>
+            <a:r>
+              <a:rPr lang="en-GB" sz="1800" dirty="0">
+                <a:effectLst/>
+                <a:latin typeface="Arial Unicode MS"/>
+                <a:ea typeface="Arial Unicode MS"/>
+                <a:cs typeface="Arial Unicode MS"/>
+              </a:rPr>
+              <a:t> </a:t>
+            </a:r>
+            <a:r>
+              <a:rPr lang="en-GB" sz="1800" dirty="0" err="1">
+                <a:effectLst/>
+                <a:latin typeface="Arial Unicode MS"/>
+                <a:ea typeface="Arial Unicode MS"/>
+                <a:cs typeface="Arial Unicode MS"/>
+              </a:rPr>
+              <a:t>আর</a:t>
+            </a:r>
+            <a:r>
+              <a:rPr lang="en-GB" sz="1800" dirty="0">
+                <a:effectLst/>
+                <a:latin typeface="Arial Unicode MS"/>
+                <a:ea typeface="Arial Unicode MS"/>
+                <a:cs typeface="Arial Unicode MS"/>
+              </a:rPr>
+              <a:t> </a:t>
+            </a:r>
+            <a:r>
+              <a:rPr lang="en-GB" sz="1800" dirty="0" err="1">
+                <a:effectLst/>
+                <a:latin typeface="Arial Unicode MS"/>
+                <a:ea typeface="Arial Unicode MS"/>
+                <a:cs typeface="Arial Unicode MS"/>
+              </a:rPr>
+              <a:t>এতে</a:t>
+            </a:r>
+            <a:r>
+              <a:rPr lang="en-GB" sz="1800" dirty="0">
+                <a:effectLst/>
+                <a:latin typeface="Arial Unicode MS"/>
+                <a:ea typeface="Arial Unicode MS"/>
+                <a:cs typeface="Arial Unicode MS"/>
+              </a:rPr>
+              <a:t> </a:t>
+            </a:r>
+            <a:r>
+              <a:rPr lang="en-GB" sz="1800" dirty="0" err="1">
+                <a:effectLst/>
+                <a:latin typeface="Arial Unicode MS"/>
+                <a:ea typeface="Arial Unicode MS"/>
+                <a:cs typeface="Arial Unicode MS"/>
+              </a:rPr>
+              <a:t>আমি</a:t>
+            </a:r>
+            <a:r>
+              <a:rPr lang="en-GB" sz="1800" dirty="0">
+                <a:effectLst/>
+                <a:latin typeface="Arial Unicode MS"/>
+                <a:ea typeface="Arial Unicode MS"/>
+                <a:cs typeface="Arial Unicode MS"/>
+              </a:rPr>
+              <a:t> </a:t>
+            </a:r>
+            <a:r>
+              <a:rPr lang="en-GB" sz="1800" dirty="0" err="1">
+                <a:effectLst/>
+                <a:latin typeface="Arial Unicode MS"/>
+                <a:ea typeface="Arial Unicode MS"/>
+                <a:cs typeface="Arial Unicode MS"/>
+              </a:rPr>
+              <a:t>কোন</a:t>
+            </a:r>
+            <a:r>
+              <a:rPr lang="en-GB" sz="1800" dirty="0">
+                <a:effectLst/>
+                <a:latin typeface="Arial Unicode MS"/>
+                <a:ea typeface="Arial Unicode MS"/>
+                <a:cs typeface="Arial Unicode MS"/>
+              </a:rPr>
+              <a:t> </a:t>
+            </a:r>
+            <a:r>
+              <a:rPr lang="en-GB" sz="1800" dirty="0" err="1">
+                <a:effectLst/>
+                <a:latin typeface="Arial Unicode MS"/>
+                <a:ea typeface="Arial Unicode MS"/>
+                <a:cs typeface="Arial Unicode MS"/>
+              </a:rPr>
+              <a:t>বাসে</a:t>
+            </a:r>
+            <a:r>
+              <a:rPr lang="en-GB" sz="1800" dirty="0">
+                <a:effectLst/>
+                <a:latin typeface="Arial Unicode MS"/>
+                <a:ea typeface="Arial Unicode MS"/>
+                <a:cs typeface="Arial Unicode MS"/>
+              </a:rPr>
+              <a:t> </a:t>
+            </a:r>
+            <a:r>
+              <a:rPr lang="en-GB" sz="1800" dirty="0" err="1">
+                <a:effectLst/>
+                <a:latin typeface="Arial Unicode MS"/>
+                <a:ea typeface="Arial Unicode MS"/>
+                <a:cs typeface="Arial Unicode MS"/>
+              </a:rPr>
+              <a:t>উঠবো</a:t>
+            </a:r>
+            <a:r>
+              <a:rPr lang="en-GB" sz="1800" dirty="0">
+                <a:effectLst/>
+                <a:latin typeface="Arial Unicode MS"/>
+                <a:ea typeface="Arial Unicode MS"/>
+                <a:cs typeface="Arial Unicode MS"/>
+              </a:rPr>
+              <a:t> </a:t>
+            </a:r>
+            <a:r>
+              <a:rPr lang="en-GB" sz="1800" dirty="0" err="1">
+                <a:effectLst/>
+                <a:latin typeface="Arial Unicode MS"/>
+                <a:ea typeface="Arial Unicode MS"/>
+                <a:cs typeface="Arial Unicode MS"/>
+              </a:rPr>
+              <a:t>তা</a:t>
+            </a:r>
+            <a:r>
+              <a:rPr lang="en-GB" sz="1800" dirty="0">
+                <a:effectLst/>
+                <a:latin typeface="Arial Unicode MS"/>
+                <a:ea typeface="Arial Unicode MS"/>
+                <a:cs typeface="Arial Unicode MS"/>
+              </a:rPr>
+              <a:t> </a:t>
+            </a:r>
+            <a:r>
+              <a:rPr lang="en-GB" sz="1800" dirty="0" err="1">
+                <a:effectLst/>
+                <a:latin typeface="Arial Unicode MS"/>
+                <a:ea typeface="Arial Unicode MS"/>
+                <a:cs typeface="Arial Unicode MS"/>
+              </a:rPr>
+              <a:t>নিয়ে</a:t>
+            </a:r>
+            <a:r>
+              <a:rPr lang="en-GB" sz="1800" dirty="0">
+                <a:effectLst/>
+                <a:latin typeface="Arial Unicode MS"/>
+                <a:ea typeface="Arial Unicode MS"/>
+                <a:cs typeface="Arial Unicode MS"/>
+              </a:rPr>
+              <a:t> </a:t>
+            </a:r>
+            <a:r>
+              <a:rPr lang="en-GB" sz="1800" dirty="0" err="1">
+                <a:effectLst/>
+                <a:latin typeface="Arial Unicode MS"/>
+                <a:ea typeface="Arial Unicode MS"/>
+                <a:cs typeface="Arial Unicode MS"/>
+              </a:rPr>
+              <a:t>সম্ভাবনা</a:t>
+            </a:r>
+            <a:r>
+              <a:rPr lang="en-GB" sz="1800" dirty="0">
+                <a:effectLst/>
+                <a:latin typeface="Arial Unicode MS"/>
+                <a:ea typeface="Arial Unicode MS"/>
+                <a:cs typeface="Arial Unicode MS"/>
+              </a:rPr>
+              <a:t> </a:t>
+            </a:r>
+            <a:r>
+              <a:rPr lang="en-GB" sz="1800" dirty="0" err="1">
+                <a:effectLst/>
+                <a:latin typeface="Arial Unicode MS"/>
+                <a:ea typeface="Arial Unicode MS"/>
+                <a:cs typeface="Arial Unicode MS"/>
+              </a:rPr>
+              <a:t>প্রয়োগের</a:t>
+            </a:r>
+            <a:r>
+              <a:rPr lang="en-GB" sz="1800" dirty="0">
+                <a:effectLst/>
+                <a:latin typeface="Arial Unicode MS"/>
+                <a:ea typeface="Arial Unicode MS"/>
+                <a:cs typeface="Arial Unicode MS"/>
+              </a:rPr>
+              <a:t> </a:t>
+            </a:r>
+            <a:r>
+              <a:rPr lang="en-GB" sz="1800" dirty="0" err="1">
+                <a:effectLst/>
+                <a:latin typeface="Arial Unicode MS"/>
+                <a:ea typeface="Arial Unicode MS"/>
+                <a:cs typeface="Arial Unicode MS"/>
+              </a:rPr>
+              <a:t>একটি</a:t>
+            </a:r>
+            <a:r>
+              <a:rPr lang="en-GB" sz="1800" dirty="0">
+                <a:effectLst/>
+                <a:latin typeface="Arial Unicode MS"/>
+                <a:ea typeface="Arial Unicode MS"/>
+                <a:cs typeface="Arial Unicode MS"/>
+              </a:rPr>
+              <a:t> </a:t>
+            </a:r>
+            <a:r>
+              <a:rPr lang="en-GB" sz="1800" dirty="0" err="1">
+                <a:effectLst/>
+                <a:latin typeface="Arial Unicode MS"/>
+                <a:ea typeface="Arial Unicode MS"/>
+                <a:cs typeface="Arial Unicode MS"/>
+              </a:rPr>
+              <a:t>ব্যাপার</a:t>
+            </a:r>
+            <a:r>
+              <a:rPr lang="en-GB" sz="1800" dirty="0">
+                <a:effectLst/>
+                <a:latin typeface="Arial Unicode MS"/>
+                <a:ea typeface="Arial Unicode MS"/>
+                <a:cs typeface="Arial Unicode MS"/>
+              </a:rPr>
+              <a:t> </a:t>
+            </a:r>
+            <a:r>
+              <a:rPr lang="en-GB" sz="1800" dirty="0" err="1">
+                <a:effectLst/>
+                <a:latin typeface="Arial Unicode MS"/>
+                <a:ea typeface="Arial Unicode MS"/>
+                <a:cs typeface="Arial Unicode MS"/>
+              </a:rPr>
+              <a:t>চলে</a:t>
+            </a:r>
+            <a:r>
+              <a:rPr lang="en-GB" sz="1800" dirty="0">
+                <a:effectLst/>
+                <a:latin typeface="Arial Unicode MS"/>
+                <a:ea typeface="Arial Unicode MS"/>
+                <a:cs typeface="Arial Unicode MS"/>
+              </a:rPr>
+              <a:t> </a:t>
+            </a:r>
+            <a:r>
+              <a:rPr lang="en-GB" sz="1800" dirty="0" err="1">
+                <a:effectLst/>
+                <a:latin typeface="Arial Unicode MS"/>
+                <a:ea typeface="Arial Unicode MS"/>
+                <a:cs typeface="Arial Unicode MS"/>
+              </a:rPr>
+              <a:t>আসে</a:t>
+            </a:r>
+            <a:r>
+              <a:rPr lang="en-GB" sz="1800" dirty="0">
+                <a:effectLst/>
+                <a:latin typeface="Arial Unicode MS"/>
+                <a:ea typeface="Arial Unicode MS"/>
+                <a:cs typeface="Arial Unicode MS"/>
+              </a:rPr>
+              <a:t>। </a:t>
+            </a:r>
+            <a:r>
+              <a:rPr lang="en-GB" sz="1800" dirty="0" err="1">
+                <a:effectLst/>
+                <a:latin typeface="Arial Unicode MS"/>
+                <a:ea typeface="Arial Unicode MS"/>
+                <a:cs typeface="Arial Unicode MS"/>
+              </a:rPr>
+              <a:t>কিন্তু</a:t>
+            </a:r>
+            <a:r>
+              <a:rPr lang="en-GB" sz="1800" dirty="0">
+                <a:effectLst/>
+                <a:latin typeface="Arial Unicode MS"/>
+                <a:ea typeface="Arial Unicode MS"/>
+                <a:cs typeface="Arial Unicode MS"/>
+              </a:rPr>
+              <a:t> ঐ </a:t>
+            </a:r>
+            <a:r>
+              <a:rPr lang="en-GB" sz="1800" dirty="0" err="1">
+                <a:effectLst/>
+                <a:latin typeface="Arial Unicode MS"/>
+                <a:ea typeface="Arial Unicode MS"/>
+                <a:cs typeface="Arial Unicode MS"/>
+              </a:rPr>
+              <a:t>সময়ে</a:t>
+            </a:r>
+            <a:r>
+              <a:rPr lang="en-GB" sz="1800" dirty="0">
+                <a:effectLst/>
+                <a:latin typeface="Arial Unicode MS"/>
+                <a:ea typeface="Arial Unicode MS"/>
+                <a:cs typeface="Arial Unicode MS"/>
+              </a:rPr>
+              <a:t> </a:t>
+            </a:r>
+            <a:r>
+              <a:rPr lang="en-GB" sz="1800" dirty="0" err="1">
+                <a:effectLst/>
+                <a:latin typeface="Arial Unicode MS"/>
+                <a:ea typeface="Arial Unicode MS"/>
+                <a:cs typeface="Arial Unicode MS"/>
+              </a:rPr>
+              <a:t>সম্ভাবনা</a:t>
+            </a:r>
+            <a:r>
+              <a:rPr lang="en-GB" sz="1800" dirty="0">
+                <a:effectLst/>
+                <a:latin typeface="Arial Unicode MS"/>
+                <a:ea typeface="Arial Unicode MS"/>
+                <a:cs typeface="Arial Unicode MS"/>
+              </a:rPr>
+              <a:t> </a:t>
+            </a:r>
+            <a:r>
+              <a:rPr lang="en-GB" sz="1800" dirty="0" err="1">
+                <a:effectLst/>
+                <a:latin typeface="Arial Unicode MS"/>
+                <a:ea typeface="Arial Unicode MS"/>
+                <a:cs typeface="Arial Unicode MS"/>
+              </a:rPr>
+              <a:t>কিন্তু</a:t>
+            </a:r>
+            <a:r>
+              <a:rPr lang="en-GB" sz="1800" dirty="0">
+                <a:effectLst/>
+                <a:latin typeface="Arial Unicode MS"/>
+                <a:ea typeface="Arial Unicode MS"/>
+                <a:cs typeface="Arial Unicode MS"/>
+              </a:rPr>
+              <a:t> </a:t>
+            </a:r>
+            <a:r>
+              <a:rPr lang="en-GB" sz="1800" dirty="0" err="1">
+                <a:effectLst/>
+                <a:latin typeface="Arial Unicode MS"/>
+                <a:ea typeface="Arial Unicode MS"/>
+                <a:cs typeface="Arial Unicode MS"/>
+              </a:rPr>
+              <a:t>আমার</a:t>
+            </a:r>
+            <a:r>
+              <a:rPr lang="en-GB" sz="1800" dirty="0">
+                <a:effectLst/>
+                <a:latin typeface="Arial Unicode MS"/>
+                <a:ea typeface="Arial Unicode MS"/>
+                <a:cs typeface="Arial Unicode MS"/>
+              </a:rPr>
+              <a:t> </a:t>
+            </a:r>
+            <a:r>
+              <a:rPr lang="en-GB" sz="1800" dirty="0" err="1">
+                <a:effectLst/>
+                <a:latin typeface="Arial Unicode MS"/>
+                <a:ea typeface="Arial Unicode MS"/>
+                <a:cs typeface="Arial Unicode MS"/>
+              </a:rPr>
+              <a:t>মাথায়</a:t>
+            </a:r>
+            <a:r>
+              <a:rPr lang="en-GB" sz="1800" dirty="0">
+                <a:effectLst/>
+                <a:latin typeface="Arial Unicode MS"/>
+                <a:ea typeface="Arial Unicode MS"/>
+                <a:cs typeface="Arial Unicode MS"/>
+              </a:rPr>
+              <a:t> </a:t>
+            </a:r>
+            <a:r>
+              <a:rPr lang="en-GB" sz="1800" dirty="0" err="1">
+                <a:effectLst/>
+                <a:latin typeface="Arial Unicode MS"/>
+                <a:ea typeface="Arial Unicode MS"/>
+                <a:cs typeface="Arial Unicode MS"/>
+              </a:rPr>
+              <a:t>নেই</a:t>
+            </a:r>
+            <a:r>
+              <a:rPr lang="en-GB" sz="1800" dirty="0">
+                <a:effectLst/>
+                <a:latin typeface="Arial Unicode MS"/>
+                <a:ea typeface="Arial Unicode MS"/>
+                <a:cs typeface="Arial Unicode MS"/>
+              </a:rPr>
+              <a:t>। </a:t>
+            </a:r>
+          </a:p>
+          <a:p>
+            <a:r>
+              <a:rPr lang="en-GB" sz="1800" dirty="0" err="1">
+                <a:effectLst/>
+                <a:latin typeface="Arial Unicode MS"/>
+                <a:ea typeface="Arial Unicode MS"/>
+                <a:cs typeface="Arial Unicode MS"/>
+              </a:rPr>
+              <a:t>তাও</a:t>
+            </a:r>
+            <a:r>
+              <a:rPr lang="en-GB" sz="1800" dirty="0">
+                <a:effectLst/>
+                <a:latin typeface="Arial Unicode MS"/>
+                <a:ea typeface="Arial Unicode MS"/>
+                <a:cs typeface="Arial Unicode MS"/>
+              </a:rPr>
+              <a:t> </a:t>
+            </a:r>
+            <a:r>
+              <a:rPr lang="en-GB" sz="1800" dirty="0" err="1">
+                <a:effectLst/>
+                <a:latin typeface="Arial Unicode MS"/>
+                <a:ea typeface="Arial Unicode MS"/>
+                <a:cs typeface="Arial Unicode MS"/>
+              </a:rPr>
+              <a:t>স্বয়ংক্রিয়ভাবে</a:t>
+            </a:r>
+            <a:r>
+              <a:rPr lang="en-GB" sz="1800" dirty="0">
+                <a:effectLst/>
+                <a:latin typeface="Arial Unicode MS"/>
+                <a:ea typeface="Arial Unicode MS"/>
+                <a:cs typeface="Arial Unicode MS"/>
+              </a:rPr>
+              <a:t> </a:t>
+            </a:r>
+            <a:r>
+              <a:rPr lang="en-GB" sz="1800" dirty="0" err="1">
+                <a:effectLst/>
+                <a:latin typeface="Arial Unicode MS"/>
+                <a:ea typeface="Arial Unicode MS"/>
+                <a:cs typeface="Arial Unicode MS"/>
+              </a:rPr>
+              <a:t>দেখা</a:t>
+            </a:r>
+            <a:r>
+              <a:rPr lang="en-GB" sz="1800" dirty="0">
+                <a:effectLst/>
+                <a:latin typeface="Arial Unicode MS"/>
+                <a:ea typeface="Arial Unicode MS"/>
+                <a:cs typeface="Arial Unicode MS"/>
+              </a:rPr>
+              <a:t> </a:t>
+            </a:r>
+            <a:r>
+              <a:rPr lang="en-GB" sz="1800" dirty="0" err="1">
+                <a:effectLst/>
+                <a:latin typeface="Arial Unicode MS"/>
+                <a:ea typeface="Arial Unicode MS"/>
+                <a:cs typeface="Arial Unicode MS"/>
+              </a:rPr>
+              <a:t>যেত</a:t>
+            </a:r>
+            <a:r>
+              <a:rPr lang="en-GB" sz="1800" dirty="0">
+                <a:effectLst/>
+                <a:latin typeface="Arial Unicode MS"/>
+                <a:ea typeface="Arial Unicode MS"/>
+                <a:cs typeface="Arial Unicode MS"/>
+              </a:rPr>
+              <a:t> </a:t>
+            </a:r>
+            <a:r>
+              <a:rPr lang="en-GB" sz="1800" dirty="0" err="1">
+                <a:effectLst/>
+                <a:latin typeface="Arial Unicode MS"/>
+                <a:ea typeface="Arial Unicode MS"/>
+                <a:cs typeface="Arial Unicode MS"/>
+              </a:rPr>
+              <a:t>যে</a:t>
+            </a:r>
+            <a:r>
+              <a:rPr lang="en-GB" sz="1800" dirty="0">
+                <a:effectLst/>
+                <a:latin typeface="Arial Unicode MS"/>
+                <a:ea typeface="Arial Unicode MS"/>
+                <a:cs typeface="Arial Unicode MS"/>
+              </a:rPr>
+              <a:t> </a:t>
+            </a:r>
+            <a:r>
+              <a:rPr lang="en-GB" sz="1800" dirty="0" err="1">
+                <a:effectLst/>
+                <a:latin typeface="Arial Unicode MS"/>
+                <a:ea typeface="Arial Unicode MS"/>
+                <a:cs typeface="Arial Unicode MS"/>
+              </a:rPr>
+              <a:t>আমি</a:t>
+            </a:r>
+            <a:r>
+              <a:rPr lang="en-GB" sz="1800" dirty="0">
+                <a:effectLst/>
+                <a:latin typeface="Arial Unicode MS"/>
+                <a:ea typeface="Arial Unicode MS"/>
+                <a:cs typeface="Arial Unicode MS"/>
+              </a:rPr>
+              <a:t> </a:t>
+            </a:r>
+            <a:r>
+              <a:rPr lang="en-GB" sz="1800" dirty="0" err="1">
+                <a:effectLst/>
+                <a:latin typeface="Arial Unicode MS"/>
+                <a:ea typeface="Arial Unicode MS"/>
+                <a:cs typeface="Arial Unicode MS"/>
+              </a:rPr>
+              <a:t>ভাবতাম</a:t>
+            </a:r>
+            <a:r>
+              <a:rPr lang="en-GB" sz="1800" dirty="0">
+                <a:effectLst/>
+                <a:latin typeface="Arial Unicode MS"/>
+                <a:ea typeface="Arial Unicode MS"/>
+                <a:cs typeface="Arial Unicode MS"/>
+              </a:rPr>
+              <a:t> </a:t>
+            </a:r>
+            <a:r>
+              <a:rPr lang="en-GB" sz="1800" dirty="0" err="1">
+                <a:effectLst/>
+                <a:latin typeface="Arial Unicode MS"/>
+                <a:ea typeface="Arial Unicode MS"/>
+                <a:cs typeface="Arial Unicode MS"/>
+              </a:rPr>
+              <a:t>বঙ্গবন্ধু</a:t>
+            </a:r>
+            <a:r>
+              <a:rPr lang="en-GB" sz="1800" dirty="0">
+                <a:effectLst/>
+                <a:latin typeface="Arial Unicode MS"/>
+                <a:ea typeface="Arial Unicode MS"/>
+                <a:cs typeface="Arial Unicode MS"/>
+              </a:rPr>
+              <a:t> </a:t>
+            </a:r>
+            <a:r>
+              <a:rPr lang="en-GB" sz="1800" dirty="0" err="1">
+                <a:effectLst/>
+                <a:latin typeface="Arial Unicode MS"/>
+                <a:ea typeface="Arial Unicode MS"/>
+                <a:cs typeface="Arial Unicode MS"/>
+              </a:rPr>
+              <a:t>বাস</a:t>
+            </a:r>
+            <a:r>
+              <a:rPr lang="en-GB" sz="1800" dirty="0">
+                <a:effectLst/>
+                <a:latin typeface="Arial Unicode MS"/>
+                <a:ea typeface="Arial Unicode MS"/>
+                <a:cs typeface="Arial Unicode MS"/>
+              </a:rPr>
+              <a:t> </a:t>
+            </a:r>
+            <a:r>
+              <a:rPr lang="en-GB" sz="1800" dirty="0" err="1">
+                <a:effectLst/>
+                <a:latin typeface="Arial Unicode MS"/>
+                <a:ea typeface="Arial Unicode MS"/>
+                <a:cs typeface="Arial Unicode MS"/>
+              </a:rPr>
+              <a:t>দিয়েও</a:t>
+            </a:r>
+            <a:r>
+              <a:rPr lang="en-GB" sz="1800" dirty="0">
+                <a:effectLst/>
+                <a:latin typeface="Arial Unicode MS"/>
+                <a:ea typeface="Arial Unicode MS"/>
+                <a:cs typeface="Arial Unicode MS"/>
+              </a:rPr>
+              <a:t> </a:t>
+            </a:r>
+            <a:r>
+              <a:rPr lang="en-GB" sz="1800" dirty="0" err="1">
+                <a:effectLst/>
+                <a:latin typeface="Arial Unicode MS"/>
+                <a:ea typeface="Arial Unicode MS"/>
+                <a:cs typeface="Arial Unicode MS"/>
+              </a:rPr>
+              <a:t>তো</a:t>
+            </a:r>
+            <a:r>
+              <a:rPr lang="en-GB" sz="1800" dirty="0">
+                <a:effectLst/>
+                <a:latin typeface="Arial Unicode MS"/>
+                <a:ea typeface="Arial Unicode MS"/>
+                <a:cs typeface="Arial Unicode MS"/>
+              </a:rPr>
+              <a:t> </a:t>
+            </a:r>
+            <a:r>
+              <a:rPr lang="en-GB" sz="1800" dirty="0" err="1">
+                <a:effectLst/>
+                <a:latin typeface="Arial Unicode MS"/>
+                <a:ea typeface="Arial Unicode MS"/>
+                <a:cs typeface="Arial Unicode MS"/>
+              </a:rPr>
+              <a:t>তেজগাঁও</a:t>
+            </a:r>
+            <a:r>
+              <a:rPr lang="en-GB" sz="1800" dirty="0">
+                <a:effectLst/>
+                <a:latin typeface="Arial Unicode MS"/>
+                <a:ea typeface="Arial Unicode MS"/>
+                <a:cs typeface="Arial Unicode MS"/>
+              </a:rPr>
+              <a:t> </a:t>
+            </a:r>
+            <a:r>
+              <a:rPr lang="en-GB" sz="1800" dirty="0" err="1">
+                <a:effectLst/>
+                <a:latin typeface="Arial Unicode MS"/>
+                <a:ea typeface="Arial Unicode MS"/>
+                <a:cs typeface="Arial Unicode MS"/>
+              </a:rPr>
+              <a:t>যাওয়া</a:t>
+            </a:r>
+            <a:r>
+              <a:rPr lang="en-GB" sz="1800" dirty="0">
+                <a:effectLst/>
+                <a:latin typeface="Arial Unicode MS"/>
+                <a:ea typeface="Arial Unicode MS"/>
+                <a:cs typeface="Arial Unicode MS"/>
+              </a:rPr>
+              <a:t> </a:t>
+            </a:r>
+            <a:r>
+              <a:rPr lang="en-GB" sz="1800" dirty="0" err="1">
+                <a:effectLst/>
+                <a:latin typeface="Arial Unicode MS"/>
+                <a:ea typeface="Arial Unicode MS"/>
+                <a:cs typeface="Arial Unicode MS"/>
+              </a:rPr>
+              <a:t>যাবে</a:t>
+            </a:r>
+            <a:r>
+              <a:rPr lang="en-GB" sz="1800" dirty="0">
+                <a:effectLst/>
+                <a:latin typeface="Arial Unicode MS"/>
+                <a:ea typeface="Arial Unicode MS"/>
+                <a:cs typeface="Arial Unicode MS"/>
+              </a:rPr>
+              <a:t> </a:t>
+            </a:r>
+            <a:r>
+              <a:rPr lang="en-GB" sz="1800" dirty="0" err="1">
+                <a:effectLst/>
+                <a:latin typeface="Arial Unicode MS"/>
+                <a:ea typeface="Arial Unicode MS"/>
+                <a:cs typeface="Arial Unicode MS"/>
+              </a:rPr>
+              <a:t>কিন্তু</a:t>
+            </a:r>
+            <a:r>
+              <a:rPr lang="en-GB" sz="1800" dirty="0">
+                <a:effectLst/>
+                <a:latin typeface="Arial Unicode MS"/>
+                <a:ea typeface="Arial Unicode MS"/>
+                <a:cs typeface="Arial Unicode MS"/>
+              </a:rPr>
+              <a:t> </a:t>
+            </a:r>
+            <a:r>
+              <a:rPr lang="en-GB" sz="1800" dirty="0" err="1">
+                <a:effectLst/>
+                <a:latin typeface="Arial Unicode MS"/>
+                <a:ea typeface="Arial Unicode MS"/>
+                <a:cs typeface="Arial Unicode MS"/>
+              </a:rPr>
+              <a:t>পূ্র্ববর্তী</a:t>
+            </a:r>
+            <a:r>
+              <a:rPr lang="en-GB" sz="1800" dirty="0">
+                <a:effectLst/>
+                <a:latin typeface="Arial Unicode MS"/>
+                <a:ea typeface="Arial Unicode MS"/>
+                <a:cs typeface="Arial Unicode MS"/>
+              </a:rPr>
+              <a:t> </a:t>
+            </a:r>
+            <a:r>
+              <a:rPr lang="en-GB" sz="1800" dirty="0" err="1">
+                <a:effectLst/>
+                <a:latin typeface="Arial Unicode MS"/>
+                <a:ea typeface="Arial Unicode MS"/>
+                <a:cs typeface="Arial Unicode MS"/>
+              </a:rPr>
+              <a:t>সময়ে</a:t>
+            </a:r>
+            <a:r>
+              <a:rPr lang="en-GB" sz="1800" dirty="0">
+                <a:effectLst/>
+                <a:latin typeface="Arial Unicode MS"/>
+                <a:ea typeface="Arial Unicode MS"/>
+                <a:cs typeface="Arial Unicode MS"/>
+              </a:rPr>
+              <a:t> </a:t>
+            </a:r>
+            <a:r>
+              <a:rPr lang="en-GB" sz="1800" dirty="0" err="1">
+                <a:effectLst/>
+                <a:latin typeface="Arial Unicode MS"/>
+                <a:ea typeface="Arial Unicode MS"/>
+                <a:cs typeface="Arial Unicode MS"/>
+              </a:rPr>
+              <a:t>এই</a:t>
+            </a:r>
+            <a:r>
+              <a:rPr lang="en-GB" sz="1800" dirty="0">
+                <a:effectLst/>
+                <a:latin typeface="Arial Unicode MS"/>
+                <a:ea typeface="Arial Unicode MS"/>
+                <a:cs typeface="Arial Unicode MS"/>
+              </a:rPr>
+              <a:t> </a:t>
+            </a:r>
+            <a:r>
+              <a:rPr lang="en-GB" sz="1800" dirty="0" err="1">
+                <a:effectLst/>
+                <a:latin typeface="Arial Unicode MS"/>
+                <a:ea typeface="Arial Unicode MS"/>
+                <a:cs typeface="Arial Unicode MS"/>
+              </a:rPr>
+              <a:t>ট্রান্সপোর্ট</a:t>
+            </a:r>
+            <a:r>
+              <a:rPr lang="en-GB" sz="1800" dirty="0">
+                <a:effectLst/>
+                <a:latin typeface="Arial Unicode MS"/>
+                <a:ea typeface="Arial Unicode MS"/>
+                <a:cs typeface="Arial Unicode MS"/>
+              </a:rPr>
+              <a:t> </a:t>
+            </a:r>
+            <a:r>
+              <a:rPr lang="en-GB" sz="1800" dirty="0" err="1">
+                <a:effectLst/>
+                <a:latin typeface="Arial Unicode MS"/>
+                <a:ea typeface="Arial Unicode MS"/>
+                <a:cs typeface="Arial Unicode MS"/>
+              </a:rPr>
+              <a:t>দিয়ে</a:t>
+            </a:r>
+            <a:r>
+              <a:rPr lang="en-GB" sz="1800" dirty="0">
+                <a:effectLst/>
+                <a:latin typeface="Arial Unicode MS"/>
+                <a:ea typeface="Arial Unicode MS"/>
+                <a:cs typeface="Arial Unicode MS"/>
+              </a:rPr>
+              <a:t> </a:t>
+            </a:r>
+            <a:r>
+              <a:rPr lang="en-GB" sz="1800" dirty="0" err="1">
+                <a:effectLst/>
+                <a:latin typeface="Arial Unicode MS"/>
+                <a:ea typeface="Arial Unicode MS"/>
+                <a:cs typeface="Arial Unicode MS"/>
+              </a:rPr>
+              <a:t>যাওয়া</a:t>
+            </a:r>
+            <a:r>
+              <a:rPr lang="en-GB" sz="1800" dirty="0">
+                <a:effectLst/>
+                <a:latin typeface="Arial Unicode MS"/>
+                <a:ea typeface="Arial Unicode MS"/>
+                <a:cs typeface="Arial Unicode MS"/>
+              </a:rPr>
+              <a:t> </a:t>
+            </a:r>
+            <a:r>
+              <a:rPr lang="en-GB" sz="1800" dirty="0" err="1">
+                <a:effectLst/>
+                <a:latin typeface="Arial Unicode MS"/>
+                <a:ea typeface="Arial Unicode MS"/>
+                <a:cs typeface="Arial Unicode MS"/>
+              </a:rPr>
+              <a:t>অভিজ্ঞতার</a:t>
+            </a:r>
+            <a:r>
+              <a:rPr lang="en-GB" sz="1800" dirty="0">
+                <a:effectLst/>
+                <a:latin typeface="Arial Unicode MS"/>
+                <a:ea typeface="Arial Unicode MS"/>
+                <a:cs typeface="Arial Unicode MS"/>
+              </a:rPr>
+              <a:t> </a:t>
+            </a:r>
+            <a:r>
+              <a:rPr lang="en-GB" sz="1800" dirty="0" err="1">
+                <a:effectLst/>
+                <a:latin typeface="Arial Unicode MS"/>
+                <a:ea typeface="Arial Unicode MS"/>
+                <a:cs typeface="Arial Unicode MS"/>
+              </a:rPr>
+              <a:t>রেকর্ড</a:t>
+            </a:r>
+            <a:r>
+              <a:rPr lang="en-GB" sz="1800" dirty="0">
+                <a:effectLst/>
+                <a:latin typeface="Arial Unicode MS"/>
+                <a:ea typeface="Arial Unicode MS"/>
+                <a:cs typeface="Arial Unicode MS"/>
+              </a:rPr>
+              <a:t> </a:t>
+            </a:r>
+            <a:r>
+              <a:rPr lang="en-GB" sz="1800" dirty="0" err="1">
+                <a:effectLst/>
+                <a:latin typeface="Arial Unicode MS"/>
+                <a:ea typeface="Arial Unicode MS"/>
+                <a:cs typeface="Arial Unicode MS"/>
+              </a:rPr>
+              <a:t>তো</a:t>
+            </a:r>
+            <a:r>
+              <a:rPr lang="en-GB" sz="1800" dirty="0">
+                <a:effectLst/>
+                <a:latin typeface="Arial Unicode MS"/>
+                <a:ea typeface="Arial Unicode MS"/>
+                <a:cs typeface="Arial Unicode MS"/>
+              </a:rPr>
+              <a:t> </a:t>
+            </a:r>
+            <a:r>
+              <a:rPr lang="en-GB" sz="1800" dirty="0" err="1">
+                <a:effectLst/>
+                <a:latin typeface="Arial Unicode MS"/>
+                <a:ea typeface="Arial Unicode MS"/>
+                <a:cs typeface="Arial Unicode MS"/>
+              </a:rPr>
+              <a:t>বেশি</a:t>
+            </a:r>
+            <a:r>
+              <a:rPr lang="en-GB" sz="1800" dirty="0">
+                <a:effectLst/>
+                <a:latin typeface="Arial Unicode MS"/>
+                <a:ea typeface="Arial Unicode MS"/>
+                <a:cs typeface="Arial Unicode MS"/>
+              </a:rPr>
+              <a:t> </a:t>
+            </a:r>
+            <a:r>
+              <a:rPr lang="en-GB" sz="1800" dirty="0" err="1">
+                <a:effectLst/>
+                <a:latin typeface="Arial Unicode MS"/>
+                <a:ea typeface="Arial Unicode MS"/>
+                <a:cs typeface="Arial Unicode MS"/>
+              </a:rPr>
+              <a:t>ভালো</a:t>
+            </a:r>
+            <a:r>
+              <a:rPr lang="en-GB" sz="1800" dirty="0">
+                <a:effectLst/>
+                <a:latin typeface="Arial Unicode MS"/>
+                <a:ea typeface="Arial Unicode MS"/>
+                <a:cs typeface="Arial Unicode MS"/>
+              </a:rPr>
+              <a:t> </a:t>
+            </a:r>
+            <a:r>
+              <a:rPr lang="en-GB" sz="1800" dirty="0" err="1">
+                <a:effectLst/>
+                <a:latin typeface="Arial Unicode MS"/>
+                <a:ea typeface="Arial Unicode MS"/>
+                <a:cs typeface="Arial Unicode MS"/>
+              </a:rPr>
+              <a:t>না</a:t>
+            </a:r>
+            <a:r>
+              <a:rPr lang="en-GB" sz="1800" dirty="0">
+                <a:effectLst/>
+                <a:latin typeface="Arial Unicode MS"/>
+                <a:ea typeface="Arial Unicode MS"/>
+                <a:cs typeface="Arial Unicode MS"/>
+              </a:rPr>
+              <a:t> </a:t>
+            </a:r>
+            <a:r>
+              <a:rPr lang="en-GB" sz="1800" dirty="0" err="1">
+                <a:effectLst/>
+                <a:latin typeface="Arial Unicode MS"/>
+                <a:ea typeface="Arial Unicode MS"/>
+                <a:cs typeface="Arial Unicode MS"/>
+              </a:rPr>
+              <a:t>তো</a:t>
+            </a:r>
+            <a:r>
+              <a:rPr lang="en-GB" sz="1800" dirty="0">
+                <a:effectLst/>
+                <a:latin typeface="Arial Unicode MS"/>
+                <a:ea typeface="Arial Unicode MS"/>
+                <a:cs typeface="Arial Unicode MS"/>
+              </a:rPr>
+              <a:t> </a:t>
+            </a:r>
+            <a:r>
+              <a:rPr lang="en-GB" sz="1800" dirty="0" err="1">
+                <a:effectLst/>
+                <a:latin typeface="Arial Unicode MS"/>
+                <a:ea typeface="Arial Unicode MS"/>
+                <a:cs typeface="Arial Unicode MS"/>
+              </a:rPr>
+              <a:t>আমি</a:t>
+            </a:r>
+            <a:r>
+              <a:rPr lang="en-GB" sz="1800" dirty="0">
+                <a:effectLst/>
+                <a:latin typeface="Arial Unicode MS"/>
+                <a:ea typeface="Arial Unicode MS"/>
+                <a:cs typeface="Arial Unicode MS"/>
+              </a:rPr>
+              <a:t> </a:t>
+            </a:r>
+            <a:r>
+              <a:rPr lang="en-GB" sz="1800" dirty="0" err="1">
+                <a:effectLst/>
+                <a:latin typeface="Arial Unicode MS"/>
+                <a:ea typeface="Arial Unicode MS"/>
+                <a:cs typeface="Arial Unicode MS"/>
+              </a:rPr>
+              <a:t>এটা</a:t>
+            </a:r>
+            <a:r>
+              <a:rPr lang="en-GB" sz="1800" dirty="0">
+                <a:effectLst/>
+                <a:latin typeface="Arial Unicode MS"/>
+                <a:ea typeface="Arial Unicode MS"/>
+                <a:cs typeface="Arial Unicode MS"/>
+              </a:rPr>
+              <a:t> </a:t>
+            </a:r>
+            <a:r>
+              <a:rPr lang="en-GB" sz="1800" dirty="0" err="1">
+                <a:effectLst/>
+                <a:latin typeface="Arial Unicode MS"/>
+                <a:ea typeface="Arial Unicode MS"/>
+                <a:cs typeface="Arial Unicode MS"/>
+              </a:rPr>
+              <a:t>দিয়ে</a:t>
+            </a:r>
+            <a:r>
+              <a:rPr lang="en-GB" sz="1800" dirty="0">
+                <a:effectLst/>
+                <a:latin typeface="Arial Unicode MS"/>
+                <a:ea typeface="Arial Unicode MS"/>
+                <a:cs typeface="Arial Unicode MS"/>
+              </a:rPr>
+              <a:t> </a:t>
+            </a:r>
+            <a:r>
+              <a:rPr lang="en-GB" sz="1800" dirty="0" err="1">
+                <a:effectLst/>
+                <a:latin typeface="Arial Unicode MS"/>
+                <a:ea typeface="Arial Unicode MS"/>
+                <a:cs typeface="Arial Unicode MS"/>
+              </a:rPr>
+              <a:t>আপাতত</a:t>
+            </a:r>
+            <a:r>
+              <a:rPr lang="en-GB" sz="1800" dirty="0">
+                <a:effectLst/>
+                <a:latin typeface="Arial Unicode MS"/>
+                <a:ea typeface="Arial Unicode MS"/>
+                <a:cs typeface="Arial Unicode MS"/>
+              </a:rPr>
+              <a:t> </a:t>
+            </a:r>
+            <a:r>
+              <a:rPr lang="en-GB" sz="1800" dirty="0" err="1">
+                <a:effectLst/>
+                <a:latin typeface="Arial Unicode MS"/>
+                <a:ea typeface="Arial Unicode MS"/>
+                <a:cs typeface="Arial Unicode MS"/>
+              </a:rPr>
+              <a:t>যাচ্ছি</a:t>
+            </a:r>
+            <a:r>
+              <a:rPr lang="en-GB" sz="1800" dirty="0">
+                <a:effectLst/>
+                <a:latin typeface="Arial Unicode MS"/>
+                <a:ea typeface="Arial Unicode MS"/>
+                <a:cs typeface="Arial Unicode MS"/>
+              </a:rPr>
+              <a:t> </a:t>
+            </a:r>
+            <a:r>
+              <a:rPr lang="en-GB" sz="1800" dirty="0" err="1">
+                <a:effectLst/>
+                <a:latin typeface="Arial Unicode MS"/>
+                <a:ea typeface="Arial Unicode MS"/>
+                <a:cs typeface="Arial Unicode MS"/>
+              </a:rPr>
+              <a:t>না</a:t>
+            </a:r>
+            <a:r>
+              <a:rPr lang="en-GB" sz="1800" dirty="0">
+                <a:effectLst/>
+                <a:latin typeface="Arial Unicode MS"/>
+                <a:ea typeface="Arial Unicode MS"/>
+                <a:cs typeface="Arial Unicode MS"/>
+              </a:rPr>
+              <a:t>। </a:t>
+            </a:r>
+            <a:r>
+              <a:rPr lang="en-GB" sz="1800" dirty="0" err="1">
+                <a:effectLst/>
+                <a:latin typeface="Arial Unicode MS"/>
+                <a:ea typeface="Arial Unicode MS"/>
+                <a:cs typeface="Arial Unicode MS"/>
+              </a:rPr>
+              <a:t>এরপর</a:t>
+            </a:r>
+            <a:r>
+              <a:rPr lang="en-GB" sz="1800" dirty="0">
+                <a:effectLst/>
+                <a:latin typeface="Arial Unicode MS"/>
+                <a:ea typeface="Arial Unicode MS"/>
+                <a:cs typeface="Arial Unicode MS"/>
+              </a:rPr>
+              <a:t> </a:t>
+            </a:r>
+            <a:r>
+              <a:rPr lang="en-GB" sz="1800" dirty="0" err="1">
+                <a:effectLst/>
+                <a:latin typeface="Arial Unicode MS"/>
+                <a:ea typeface="Arial Unicode MS"/>
+                <a:cs typeface="Arial Unicode MS"/>
+              </a:rPr>
+              <a:t>দেখলাম</a:t>
+            </a:r>
+            <a:r>
+              <a:rPr lang="en-GB" sz="1800" dirty="0">
+                <a:effectLst/>
+                <a:latin typeface="Arial Unicode MS"/>
+                <a:ea typeface="Arial Unicode MS"/>
+                <a:cs typeface="Arial Unicode MS"/>
+              </a:rPr>
+              <a:t> </a:t>
+            </a:r>
+            <a:r>
+              <a:rPr lang="en-GB" sz="1800" dirty="0" err="1">
+                <a:effectLst/>
+                <a:latin typeface="Arial Unicode MS"/>
+                <a:ea typeface="Arial Unicode MS"/>
+                <a:cs typeface="Arial Unicode MS"/>
+              </a:rPr>
+              <a:t>বিকাশ</a:t>
+            </a:r>
+            <a:r>
+              <a:rPr lang="en-GB" sz="1800" dirty="0">
+                <a:effectLst/>
+                <a:latin typeface="Arial Unicode MS"/>
+                <a:ea typeface="Arial Unicode MS"/>
+                <a:cs typeface="Arial Unicode MS"/>
+              </a:rPr>
+              <a:t> </a:t>
+            </a:r>
+            <a:r>
+              <a:rPr lang="en-GB" sz="1800" dirty="0" err="1">
+                <a:effectLst/>
+                <a:latin typeface="Arial Unicode MS"/>
+                <a:ea typeface="Arial Unicode MS"/>
+                <a:cs typeface="Arial Unicode MS"/>
+              </a:rPr>
+              <a:t>বাস</a:t>
+            </a:r>
+            <a:r>
+              <a:rPr lang="en-GB" sz="1800" dirty="0">
+                <a:effectLst/>
+                <a:latin typeface="Arial Unicode MS"/>
+                <a:ea typeface="Arial Unicode MS"/>
+                <a:cs typeface="Arial Unicode MS"/>
+              </a:rPr>
+              <a:t> </a:t>
+            </a:r>
+            <a:r>
+              <a:rPr lang="en-GB" sz="1800" dirty="0" err="1">
+                <a:effectLst/>
+                <a:latin typeface="Arial Unicode MS"/>
+                <a:ea typeface="Arial Unicode MS"/>
+                <a:cs typeface="Arial Unicode MS"/>
+              </a:rPr>
+              <a:t>কিন্তু</a:t>
+            </a:r>
+            <a:r>
+              <a:rPr lang="en-GB" sz="1800" dirty="0">
+                <a:effectLst/>
+                <a:latin typeface="Arial Unicode MS"/>
+                <a:ea typeface="Arial Unicode MS"/>
+                <a:cs typeface="Arial Unicode MS"/>
+              </a:rPr>
+              <a:t> </a:t>
+            </a:r>
+            <a:r>
+              <a:rPr lang="en-GB" sz="1800" dirty="0" err="1">
+                <a:effectLst/>
+                <a:latin typeface="Arial Unicode MS"/>
+                <a:ea typeface="Arial Unicode MS"/>
+                <a:cs typeface="Arial Unicode MS"/>
+              </a:rPr>
+              <a:t>সেই</a:t>
+            </a:r>
+            <a:r>
+              <a:rPr lang="en-GB" sz="1800" dirty="0">
+                <a:effectLst/>
+                <a:latin typeface="Arial Unicode MS"/>
+                <a:ea typeface="Arial Unicode MS"/>
+                <a:cs typeface="Arial Unicode MS"/>
+              </a:rPr>
+              <a:t> </a:t>
+            </a:r>
+            <a:r>
+              <a:rPr lang="en-GB" sz="1800" dirty="0" err="1">
+                <a:effectLst/>
+                <a:latin typeface="Arial Unicode MS"/>
+                <a:ea typeface="Arial Unicode MS"/>
+                <a:cs typeface="Arial Unicode MS"/>
+              </a:rPr>
+              <a:t>বাসের</a:t>
+            </a:r>
+            <a:r>
+              <a:rPr lang="en-GB" sz="1800" dirty="0">
+                <a:effectLst/>
+                <a:latin typeface="Arial Unicode MS"/>
+                <a:ea typeface="Arial Unicode MS"/>
+                <a:cs typeface="Arial Unicode MS"/>
+              </a:rPr>
+              <a:t> </a:t>
+            </a:r>
+            <a:r>
+              <a:rPr lang="en-GB" sz="1800" dirty="0" err="1">
+                <a:effectLst/>
+                <a:latin typeface="Arial Unicode MS"/>
+                <a:ea typeface="Arial Unicode MS"/>
+                <a:cs typeface="Arial Unicode MS"/>
+              </a:rPr>
+              <a:t>তো</a:t>
+            </a:r>
+            <a:r>
+              <a:rPr lang="en-GB" sz="1800" dirty="0">
+                <a:effectLst/>
+                <a:latin typeface="Arial Unicode MS"/>
+                <a:ea typeface="Arial Unicode MS"/>
+                <a:cs typeface="Arial Unicode MS"/>
+              </a:rPr>
+              <a:t> </a:t>
+            </a:r>
+            <a:r>
+              <a:rPr lang="en-GB" sz="1800" dirty="0" err="1">
+                <a:effectLst/>
+                <a:latin typeface="Arial Unicode MS"/>
+                <a:ea typeface="Arial Unicode MS"/>
+                <a:cs typeface="Arial Unicode MS"/>
+              </a:rPr>
+              <a:t>সব</a:t>
+            </a:r>
+            <a:r>
+              <a:rPr lang="en-GB" sz="1800" dirty="0">
+                <a:effectLst/>
+                <a:latin typeface="Arial Unicode MS"/>
+                <a:ea typeface="Arial Unicode MS"/>
+                <a:cs typeface="Arial Unicode MS"/>
+              </a:rPr>
+              <a:t> </a:t>
+            </a:r>
+            <a:r>
+              <a:rPr lang="en-GB" sz="1800" dirty="0" err="1">
+                <a:effectLst/>
+                <a:latin typeface="Arial Unicode MS"/>
+                <a:ea typeface="Arial Unicode MS"/>
+                <a:cs typeface="Arial Unicode MS"/>
+              </a:rPr>
+              <a:t>সিট</a:t>
+            </a:r>
+            <a:r>
+              <a:rPr lang="en-GB" sz="1800" dirty="0">
+                <a:effectLst/>
+                <a:latin typeface="Arial Unicode MS"/>
+                <a:ea typeface="Arial Unicode MS"/>
+                <a:cs typeface="Arial Unicode MS"/>
+              </a:rPr>
+              <a:t> </a:t>
+            </a:r>
+            <a:r>
+              <a:rPr lang="en-GB" sz="1800" dirty="0" err="1">
+                <a:effectLst/>
+                <a:latin typeface="Arial Unicode MS"/>
+                <a:ea typeface="Arial Unicode MS"/>
+                <a:cs typeface="Arial Unicode MS"/>
+              </a:rPr>
+              <a:t>ফাঁকা</a:t>
+            </a:r>
+            <a:r>
+              <a:rPr lang="en-GB" sz="1800" dirty="0">
+                <a:effectLst/>
+                <a:latin typeface="Arial Unicode MS"/>
+                <a:ea typeface="Arial Unicode MS"/>
+                <a:cs typeface="Arial Unicode MS"/>
+              </a:rPr>
+              <a:t>, </a:t>
+            </a:r>
+            <a:r>
+              <a:rPr lang="en-GB" sz="1800" dirty="0" err="1">
+                <a:effectLst/>
+                <a:latin typeface="Arial Unicode MS"/>
+                <a:ea typeface="Arial Unicode MS"/>
+                <a:cs typeface="Arial Unicode MS"/>
+              </a:rPr>
+              <a:t>এই</a:t>
+            </a:r>
+            <a:r>
+              <a:rPr lang="en-GB" sz="1800" dirty="0">
+                <a:effectLst/>
+                <a:latin typeface="Arial Unicode MS"/>
+                <a:ea typeface="Arial Unicode MS"/>
+                <a:cs typeface="Arial Unicode MS"/>
+              </a:rPr>
+              <a:t> </a:t>
+            </a:r>
+            <a:r>
+              <a:rPr lang="en-GB" sz="1800" dirty="0" err="1">
+                <a:effectLst/>
+                <a:latin typeface="Arial Unicode MS"/>
+                <a:ea typeface="Arial Unicode MS"/>
+                <a:cs typeface="Arial Unicode MS"/>
+              </a:rPr>
+              <a:t>বাসের</a:t>
+            </a:r>
+            <a:r>
+              <a:rPr lang="en-GB" sz="1800" dirty="0">
+                <a:effectLst/>
+                <a:latin typeface="Arial Unicode MS"/>
+                <a:ea typeface="Arial Unicode MS"/>
+                <a:cs typeface="Arial Unicode MS"/>
+              </a:rPr>
+              <a:t> </a:t>
+            </a:r>
+            <a:r>
+              <a:rPr lang="en-GB" sz="1800" dirty="0" err="1">
+                <a:effectLst/>
+                <a:latin typeface="Arial Unicode MS"/>
+                <a:ea typeface="Arial Unicode MS"/>
+                <a:cs typeface="Arial Unicode MS"/>
+              </a:rPr>
+              <a:t>অধিকাংশ</a:t>
+            </a:r>
+            <a:r>
+              <a:rPr lang="en-GB" sz="1800" dirty="0">
+                <a:effectLst/>
+                <a:latin typeface="Arial Unicode MS"/>
+                <a:ea typeface="Arial Unicode MS"/>
+                <a:cs typeface="Arial Unicode MS"/>
+              </a:rPr>
+              <a:t> </a:t>
+            </a:r>
+            <a:r>
+              <a:rPr lang="en-GB" sz="1800" dirty="0" err="1">
+                <a:effectLst/>
+                <a:latin typeface="Arial Unicode MS"/>
+                <a:ea typeface="Arial Unicode MS"/>
+                <a:cs typeface="Arial Unicode MS"/>
+              </a:rPr>
+              <a:t>সিটে</a:t>
+            </a:r>
+            <a:r>
+              <a:rPr lang="en-GB" sz="1800" dirty="0">
+                <a:effectLst/>
+                <a:latin typeface="Arial Unicode MS"/>
+                <a:ea typeface="Arial Unicode MS"/>
+                <a:cs typeface="Arial Unicode MS"/>
+              </a:rPr>
+              <a:t> </a:t>
+            </a:r>
+            <a:r>
+              <a:rPr lang="en-GB" sz="1800" dirty="0" err="1">
+                <a:effectLst/>
+                <a:latin typeface="Arial Unicode MS"/>
+                <a:ea typeface="Arial Unicode MS"/>
+                <a:cs typeface="Arial Unicode MS"/>
+              </a:rPr>
+              <a:t>যাত্রী</a:t>
+            </a:r>
+            <a:r>
+              <a:rPr lang="en-GB" sz="1800" dirty="0">
+                <a:effectLst/>
+                <a:latin typeface="Arial Unicode MS"/>
+                <a:ea typeface="Arial Unicode MS"/>
+                <a:cs typeface="Arial Unicode MS"/>
+              </a:rPr>
+              <a:t> </a:t>
+            </a:r>
+            <a:r>
+              <a:rPr lang="en-GB" sz="1800" dirty="0" err="1">
+                <a:effectLst/>
+                <a:latin typeface="Arial Unicode MS"/>
+                <a:ea typeface="Arial Unicode MS"/>
+                <a:cs typeface="Arial Unicode MS"/>
+              </a:rPr>
+              <a:t>নিয়ে</a:t>
+            </a:r>
+            <a:r>
+              <a:rPr lang="en-GB" sz="1800" dirty="0">
+                <a:effectLst/>
+                <a:latin typeface="Arial Unicode MS"/>
+                <a:ea typeface="Arial Unicode MS"/>
+                <a:cs typeface="Arial Unicode MS"/>
+              </a:rPr>
+              <a:t> </a:t>
+            </a:r>
+            <a:r>
+              <a:rPr lang="en-GB" sz="1800" dirty="0" err="1">
+                <a:effectLst/>
+                <a:latin typeface="Arial Unicode MS"/>
+                <a:ea typeface="Arial Unicode MS"/>
+                <a:cs typeface="Arial Unicode MS"/>
+              </a:rPr>
+              <a:t>আমাকে</a:t>
+            </a:r>
+            <a:r>
+              <a:rPr lang="en-GB" sz="1800" dirty="0">
+                <a:effectLst/>
+                <a:latin typeface="Arial Unicode MS"/>
+                <a:ea typeface="Arial Unicode MS"/>
+                <a:cs typeface="Arial Unicode MS"/>
+              </a:rPr>
+              <a:t> </a:t>
+            </a:r>
+            <a:r>
+              <a:rPr lang="en-GB" sz="1800" dirty="0" err="1">
+                <a:effectLst/>
+                <a:latin typeface="Arial Unicode MS"/>
+                <a:ea typeface="Arial Unicode MS"/>
+                <a:cs typeface="Arial Unicode MS"/>
+              </a:rPr>
+              <a:t>মনে</a:t>
+            </a:r>
+            <a:r>
+              <a:rPr lang="en-GB" sz="1800" dirty="0">
+                <a:effectLst/>
+                <a:latin typeface="Arial Unicode MS"/>
+                <a:ea typeface="Arial Unicode MS"/>
+                <a:cs typeface="Arial Unicode MS"/>
+              </a:rPr>
+              <a:t> </a:t>
+            </a:r>
+            <a:r>
+              <a:rPr lang="en-GB" sz="1800" dirty="0" err="1">
+                <a:effectLst/>
+                <a:latin typeface="Arial Unicode MS"/>
+                <a:ea typeface="Arial Unicode MS"/>
+                <a:cs typeface="Arial Unicode MS"/>
+              </a:rPr>
+              <a:t>হয়</a:t>
+            </a:r>
+            <a:r>
+              <a:rPr lang="en-GB" sz="1800" dirty="0">
+                <a:effectLst/>
+                <a:latin typeface="Arial Unicode MS"/>
+                <a:ea typeface="Arial Unicode MS"/>
+                <a:cs typeface="Arial Unicode MS"/>
+              </a:rPr>
+              <a:t> </a:t>
+            </a:r>
+            <a:r>
+              <a:rPr lang="en-GB" sz="1800" dirty="0" err="1">
+                <a:effectLst/>
+                <a:latin typeface="Arial Unicode MS"/>
+                <a:ea typeface="Arial Unicode MS"/>
+                <a:cs typeface="Arial Unicode MS"/>
+              </a:rPr>
+              <a:t>না</a:t>
+            </a:r>
+            <a:r>
+              <a:rPr lang="en-GB" sz="1800" dirty="0">
+                <a:effectLst/>
+                <a:latin typeface="Arial Unicode MS"/>
+                <a:ea typeface="Arial Unicode MS"/>
+                <a:cs typeface="Arial Unicode MS"/>
+              </a:rPr>
+              <a:t> </a:t>
+            </a:r>
+            <a:r>
+              <a:rPr lang="en-GB" sz="1800" dirty="0" err="1">
+                <a:effectLst/>
+                <a:latin typeface="Arial Unicode MS"/>
+                <a:ea typeface="Arial Unicode MS"/>
+                <a:cs typeface="Arial Unicode MS"/>
+              </a:rPr>
+              <a:t>এটি</a:t>
+            </a:r>
+            <a:r>
+              <a:rPr lang="en-GB" sz="1800" dirty="0">
+                <a:effectLst/>
+                <a:latin typeface="Arial Unicode MS"/>
+                <a:ea typeface="Arial Unicode MS"/>
+                <a:cs typeface="Arial Unicode MS"/>
+              </a:rPr>
+              <a:t> </a:t>
+            </a:r>
+            <a:r>
+              <a:rPr lang="en-GB" sz="1800" dirty="0" err="1">
+                <a:effectLst/>
+                <a:latin typeface="Arial Unicode MS"/>
+                <a:ea typeface="Arial Unicode MS"/>
+                <a:cs typeface="Arial Unicode MS"/>
+              </a:rPr>
+              <a:t>ঠিক</a:t>
+            </a:r>
+            <a:r>
+              <a:rPr lang="en-GB" sz="1800" dirty="0">
+                <a:effectLst/>
+                <a:latin typeface="Arial Unicode MS"/>
+                <a:ea typeface="Arial Unicode MS"/>
+                <a:cs typeface="Arial Unicode MS"/>
+              </a:rPr>
+              <a:t> </a:t>
+            </a:r>
+            <a:r>
+              <a:rPr lang="en-GB" sz="1800" dirty="0" err="1">
+                <a:effectLst/>
+                <a:latin typeface="Arial Unicode MS"/>
+                <a:ea typeface="Arial Unicode MS"/>
+                <a:cs typeface="Arial Unicode MS"/>
+              </a:rPr>
+              <a:t>সময়ে</a:t>
+            </a:r>
+            <a:r>
+              <a:rPr lang="en-GB" sz="1800" dirty="0">
+                <a:effectLst/>
+                <a:latin typeface="Arial Unicode MS"/>
+                <a:ea typeface="Arial Unicode MS"/>
+                <a:cs typeface="Arial Unicode MS"/>
+              </a:rPr>
+              <a:t> </a:t>
+            </a:r>
+            <a:r>
+              <a:rPr lang="en-GB" sz="1800" dirty="0" err="1">
+                <a:effectLst/>
+                <a:latin typeface="Arial Unicode MS"/>
+                <a:ea typeface="Arial Unicode MS"/>
+                <a:cs typeface="Arial Unicode MS"/>
+              </a:rPr>
+              <a:t>পৌছিয়ে</a:t>
+            </a:r>
+            <a:r>
+              <a:rPr lang="en-GB" sz="1800" dirty="0">
+                <a:effectLst/>
+                <a:latin typeface="Arial Unicode MS"/>
+                <a:ea typeface="Arial Unicode MS"/>
+                <a:cs typeface="Arial Unicode MS"/>
+              </a:rPr>
+              <a:t> </a:t>
+            </a:r>
+            <a:r>
+              <a:rPr lang="en-GB" sz="1800" dirty="0" err="1">
+                <a:effectLst/>
+                <a:latin typeface="Arial Unicode MS"/>
+                <a:ea typeface="Arial Unicode MS"/>
+                <a:cs typeface="Arial Unicode MS"/>
+              </a:rPr>
+              <a:t>দিবে</a:t>
+            </a:r>
+            <a:r>
+              <a:rPr lang="en-GB" sz="1800" dirty="0">
+                <a:effectLst/>
+                <a:latin typeface="Arial Unicode MS"/>
+                <a:ea typeface="Arial Unicode MS"/>
+                <a:cs typeface="Arial Unicode MS"/>
+              </a:rPr>
+              <a:t>! </a:t>
+            </a:r>
+            <a:r>
+              <a:rPr lang="en-GB" sz="1800" dirty="0" err="1">
+                <a:effectLst/>
+                <a:latin typeface="Arial Unicode MS"/>
+                <a:ea typeface="Arial Unicode MS"/>
+                <a:cs typeface="Arial Unicode MS"/>
+              </a:rPr>
+              <a:t>আবার</a:t>
+            </a:r>
+            <a:r>
+              <a:rPr lang="en-GB" sz="1800" dirty="0">
+                <a:effectLst/>
+                <a:latin typeface="Arial Unicode MS"/>
+                <a:ea typeface="Arial Unicode MS"/>
+                <a:cs typeface="Arial Unicode MS"/>
+              </a:rPr>
+              <a:t> </a:t>
+            </a:r>
+            <a:r>
+              <a:rPr lang="en-GB" sz="1800" dirty="0" err="1">
+                <a:effectLst/>
+                <a:latin typeface="Arial Unicode MS"/>
+                <a:ea typeface="Arial Unicode MS"/>
+                <a:cs typeface="Arial Unicode MS"/>
+              </a:rPr>
+              <a:t>দেখলাম</a:t>
+            </a:r>
+            <a:r>
+              <a:rPr lang="en-GB" sz="1800" dirty="0">
+                <a:effectLst/>
+                <a:latin typeface="Arial Unicode MS"/>
+                <a:ea typeface="Arial Unicode MS"/>
+                <a:cs typeface="Arial Unicode MS"/>
+              </a:rPr>
+              <a:t> </a:t>
+            </a:r>
+            <a:r>
+              <a:rPr lang="en-GB" sz="1800" dirty="0" err="1">
+                <a:effectLst/>
+                <a:latin typeface="Arial Unicode MS"/>
+                <a:ea typeface="Arial Unicode MS"/>
+                <a:cs typeface="Arial Unicode MS"/>
+              </a:rPr>
+              <a:t>আরেকটি</a:t>
+            </a:r>
+            <a:r>
+              <a:rPr lang="en-GB" sz="1800" dirty="0">
+                <a:effectLst/>
+                <a:latin typeface="Arial Unicode MS"/>
+                <a:ea typeface="Arial Unicode MS"/>
+                <a:cs typeface="Arial Unicode MS"/>
+              </a:rPr>
+              <a:t> </a:t>
+            </a:r>
+            <a:r>
+              <a:rPr lang="en-GB" sz="1800" dirty="0" err="1">
+                <a:effectLst/>
+                <a:latin typeface="Arial Unicode MS"/>
+                <a:ea typeface="Arial Unicode MS"/>
+                <a:cs typeface="Arial Unicode MS"/>
+              </a:rPr>
+              <a:t>বিকাশ</a:t>
+            </a:r>
+            <a:r>
+              <a:rPr lang="en-GB" sz="1800" dirty="0">
+                <a:effectLst/>
+                <a:latin typeface="Arial Unicode MS"/>
+                <a:ea typeface="Arial Unicode MS"/>
+                <a:cs typeface="Arial Unicode MS"/>
+              </a:rPr>
+              <a:t> </a:t>
+            </a:r>
+            <a:r>
+              <a:rPr lang="en-GB" sz="1800" dirty="0" err="1">
+                <a:effectLst/>
+                <a:latin typeface="Arial Unicode MS"/>
+                <a:ea typeface="Arial Unicode MS"/>
+                <a:cs typeface="Arial Unicode MS"/>
+              </a:rPr>
+              <a:t>বাস</a:t>
+            </a:r>
+            <a:r>
+              <a:rPr lang="en-GB" sz="1800" dirty="0">
+                <a:effectLst/>
+                <a:latin typeface="Arial Unicode MS"/>
+                <a:ea typeface="Arial Unicode MS"/>
+                <a:cs typeface="Arial Unicode MS"/>
+              </a:rPr>
+              <a:t> </a:t>
+            </a:r>
+            <a:r>
+              <a:rPr lang="en-GB" sz="1800" dirty="0" err="1">
+                <a:effectLst/>
+                <a:latin typeface="Arial Unicode MS"/>
+                <a:ea typeface="Arial Unicode MS"/>
+                <a:cs typeface="Arial Unicode MS"/>
+              </a:rPr>
+              <a:t>এটির</a:t>
+            </a:r>
+            <a:r>
+              <a:rPr lang="en-GB" sz="1800" dirty="0">
+                <a:effectLst/>
+                <a:latin typeface="Arial Unicode MS"/>
+                <a:ea typeface="Arial Unicode MS"/>
+                <a:cs typeface="Arial Unicode MS"/>
+              </a:rPr>
+              <a:t> </a:t>
+            </a:r>
+            <a:r>
+              <a:rPr lang="en-GB" sz="1800" dirty="0" err="1">
+                <a:effectLst/>
+                <a:latin typeface="Arial Unicode MS"/>
+                <a:ea typeface="Arial Unicode MS"/>
+                <a:cs typeface="Arial Unicode MS"/>
+              </a:rPr>
+              <a:t>আবার</a:t>
+            </a:r>
+            <a:r>
+              <a:rPr lang="en-GB" sz="1800" dirty="0">
+                <a:effectLst/>
+                <a:latin typeface="Arial Unicode MS"/>
+                <a:ea typeface="Arial Unicode MS"/>
+                <a:cs typeface="Arial Unicode MS"/>
+              </a:rPr>
+              <a:t> </a:t>
+            </a:r>
+            <a:r>
+              <a:rPr lang="en-GB" sz="1800" dirty="0" err="1">
+                <a:effectLst/>
+                <a:latin typeface="Arial Unicode MS"/>
+                <a:ea typeface="Arial Unicode MS"/>
+                <a:cs typeface="Arial Unicode MS"/>
+              </a:rPr>
+              <a:t>অধিকাংশ</a:t>
+            </a:r>
+            <a:r>
+              <a:rPr lang="en-GB" sz="1800" dirty="0">
+                <a:effectLst/>
+                <a:latin typeface="Arial Unicode MS"/>
+                <a:ea typeface="Arial Unicode MS"/>
+                <a:cs typeface="Arial Unicode MS"/>
+              </a:rPr>
+              <a:t> </a:t>
+            </a:r>
+            <a:r>
+              <a:rPr lang="en-GB" sz="1800" dirty="0" err="1">
+                <a:effectLst/>
+                <a:latin typeface="Arial Unicode MS"/>
+                <a:ea typeface="Arial Unicode MS"/>
+                <a:cs typeface="Arial Unicode MS"/>
+              </a:rPr>
+              <a:t>সিটে</a:t>
+            </a:r>
+            <a:r>
+              <a:rPr lang="en-GB" sz="1800" dirty="0">
+                <a:effectLst/>
+                <a:latin typeface="Arial Unicode MS"/>
+                <a:ea typeface="Arial Unicode MS"/>
+                <a:cs typeface="Arial Unicode MS"/>
+              </a:rPr>
+              <a:t> </a:t>
+            </a:r>
+            <a:r>
+              <a:rPr lang="en-GB" sz="1800" dirty="0" err="1">
+                <a:effectLst/>
+                <a:latin typeface="Arial Unicode MS"/>
+                <a:ea typeface="Arial Unicode MS"/>
+                <a:cs typeface="Arial Unicode MS"/>
+              </a:rPr>
+              <a:t>যাত্রী</a:t>
+            </a:r>
+            <a:r>
+              <a:rPr lang="en-GB" sz="1800" dirty="0">
+                <a:effectLst/>
+                <a:latin typeface="Arial Unicode MS"/>
+                <a:ea typeface="Arial Unicode MS"/>
+                <a:cs typeface="Arial Unicode MS"/>
+              </a:rPr>
+              <a:t> </a:t>
+            </a:r>
+            <a:r>
+              <a:rPr lang="en-GB" sz="1800" dirty="0" err="1">
+                <a:effectLst/>
+                <a:latin typeface="Arial Unicode MS"/>
+                <a:ea typeface="Arial Unicode MS"/>
+                <a:cs typeface="Arial Unicode MS"/>
+              </a:rPr>
+              <a:t>আছে</a:t>
+            </a:r>
+            <a:r>
+              <a:rPr lang="en-GB" sz="1800" dirty="0">
+                <a:effectLst/>
+                <a:latin typeface="Arial Unicode MS"/>
+                <a:ea typeface="Arial Unicode MS"/>
+                <a:cs typeface="Arial Unicode MS"/>
+              </a:rPr>
+              <a:t> </a:t>
+            </a:r>
+            <a:r>
+              <a:rPr lang="en-GB" sz="1800" dirty="0" err="1">
+                <a:effectLst/>
+                <a:latin typeface="Arial Unicode MS"/>
+                <a:ea typeface="Arial Unicode MS"/>
+                <a:cs typeface="Arial Unicode MS"/>
+              </a:rPr>
+              <a:t>তো</a:t>
+            </a:r>
+            <a:r>
+              <a:rPr lang="en-GB" sz="1800" dirty="0">
+                <a:effectLst/>
+                <a:latin typeface="Arial Unicode MS"/>
+                <a:ea typeface="Arial Unicode MS"/>
+                <a:cs typeface="Arial Unicode MS"/>
+              </a:rPr>
+              <a:t> </a:t>
+            </a:r>
+            <a:r>
+              <a:rPr lang="en-GB" sz="1800" dirty="0" err="1">
+                <a:effectLst/>
+                <a:latin typeface="Arial Unicode MS"/>
+                <a:ea typeface="Arial Unicode MS"/>
+                <a:cs typeface="Arial Unicode MS"/>
+              </a:rPr>
+              <a:t>এটি</a:t>
+            </a:r>
+            <a:r>
+              <a:rPr lang="en-GB" sz="1800" dirty="0">
+                <a:effectLst/>
+                <a:latin typeface="Arial Unicode MS"/>
+                <a:ea typeface="Arial Unicode MS"/>
+                <a:cs typeface="Arial Unicode MS"/>
+              </a:rPr>
+              <a:t> </a:t>
+            </a:r>
+            <a:r>
+              <a:rPr lang="en-GB" sz="1800" dirty="0" err="1">
+                <a:effectLst/>
+                <a:latin typeface="Arial Unicode MS"/>
+                <a:ea typeface="Arial Unicode MS"/>
+                <a:cs typeface="Arial Unicode MS"/>
+              </a:rPr>
+              <a:t>দিয়ে</a:t>
+            </a:r>
+            <a:r>
+              <a:rPr lang="en-GB" sz="1800" dirty="0">
+                <a:effectLst/>
+                <a:latin typeface="Arial Unicode MS"/>
+                <a:ea typeface="Arial Unicode MS"/>
+                <a:cs typeface="Arial Unicode MS"/>
+              </a:rPr>
+              <a:t> </a:t>
+            </a:r>
+            <a:r>
+              <a:rPr lang="en-GB" sz="1800" dirty="0" err="1">
+                <a:effectLst/>
+                <a:latin typeface="Arial Unicode MS"/>
+                <a:ea typeface="Arial Unicode MS"/>
+                <a:cs typeface="Arial Unicode MS"/>
+              </a:rPr>
+              <a:t>যাওয়া</a:t>
+            </a:r>
+            <a:r>
+              <a:rPr lang="en-GB" sz="1800" dirty="0">
+                <a:effectLst/>
+                <a:latin typeface="Arial Unicode MS"/>
+                <a:ea typeface="Arial Unicode MS"/>
+                <a:cs typeface="Arial Unicode MS"/>
+              </a:rPr>
+              <a:t> </a:t>
+            </a:r>
+            <a:r>
+              <a:rPr lang="en-GB" sz="1800" dirty="0" err="1">
+                <a:effectLst/>
+                <a:latin typeface="Arial Unicode MS"/>
+                <a:ea typeface="Arial Unicode MS"/>
+                <a:cs typeface="Arial Unicode MS"/>
+              </a:rPr>
+              <a:t>যায়</a:t>
+            </a:r>
+            <a:r>
+              <a:rPr lang="en-GB" sz="1800" dirty="0">
+                <a:effectLst/>
+                <a:latin typeface="Arial Unicode MS"/>
+                <a:ea typeface="Arial Unicode MS"/>
+                <a:cs typeface="Arial Unicode MS"/>
+              </a:rPr>
+              <a:t>। </a:t>
+            </a:r>
+            <a:r>
+              <a:rPr lang="en-GB" sz="1800" dirty="0" err="1">
+                <a:effectLst/>
+                <a:latin typeface="Arial Unicode MS"/>
+                <a:ea typeface="Arial Unicode MS"/>
+                <a:cs typeface="Arial Unicode MS"/>
+              </a:rPr>
+              <a:t>ওহ</a:t>
+            </a:r>
+            <a:r>
+              <a:rPr lang="en-GB" sz="1800" dirty="0">
+                <a:effectLst/>
+                <a:latin typeface="Arial Unicode MS"/>
+                <a:ea typeface="Arial Unicode MS"/>
+                <a:cs typeface="Arial Unicode MS"/>
+              </a:rPr>
+              <a:t> </a:t>
+            </a:r>
+            <a:r>
+              <a:rPr lang="en-GB" sz="1800" dirty="0" err="1">
+                <a:effectLst/>
+                <a:latin typeface="Arial Unicode MS"/>
+                <a:ea typeface="Arial Unicode MS"/>
+                <a:cs typeface="Arial Unicode MS"/>
+              </a:rPr>
+              <a:t>না</a:t>
+            </a:r>
+            <a:r>
+              <a:rPr lang="en-GB" sz="1800" dirty="0">
+                <a:effectLst/>
+                <a:latin typeface="Arial Unicode MS"/>
+                <a:ea typeface="Arial Unicode MS"/>
+                <a:cs typeface="Arial Unicode MS"/>
+              </a:rPr>
+              <a:t>, </a:t>
+            </a:r>
+            <a:r>
+              <a:rPr lang="en-GB" sz="1800" dirty="0" err="1">
+                <a:effectLst/>
+                <a:latin typeface="Arial Unicode MS"/>
+                <a:ea typeface="Arial Unicode MS"/>
+                <a:cs typeface="Arial Unicode MS"/>
+              </a:rPr>
+              <a:t>পেছনে</a:t>
+            </a:r>
+            <a:r>
+              <a:rPr lang="en-GB" sz="1800" dirty="0">
+                <a:effectLst/>
+                <a:latin typeface="Arial Unicode MS"/>
+                <a:ea typeface="Arial Unicode MS"/>
+                <a:cs typeface="Arial Unicode MS"/>
+              </a:rPr>
+              <a:t> </a:t>
+            </a:r>
+            <a:r>
+              <a:rPr lang="en-GB" sz="1800" dirty="0" err="1">
+                <a:effectLst/>
+                <a:latin typeface="Arial Unicode MS"/>
+                <a:ea typeface="Arial Unicode MS"/>
+                <a:cs typeface="Arial Unicode MS"/>
+              </a:rPr>
+              <a:t>তো</a:t>
+            </a:r>
+            <a:r>
+              <a:rPr lang="en-GB" sz="1800" dirty="0">
+                <a:effectLst/>
+                <a:latin typeface="Arial Unicode MS"/>
+                <a:ea typeface="Arial Unicode MS"/>
+                <a:cs typeface="Arial Unicode MS"/>
+              </a:rPr>
+              <a:t> </a:t>
+            </a:r>
+            <a:r>
+              <a:rPr lang="en-GB" sz="1800" dirty="0" err="1">
+                <a:effectLst/>
+                <a:latin typeface="Arial Unicode MS"/>
+                <a:ea typeface="Arial Unicode MS"/>
+                <a:cs typeface="Arial Unicode MS"/>
+              </a:rPr>
+              <a:t>ভি</a:t>
+            </a:r>
+            <a:r>
+              <a:rPr lang="en-GB" sz="1800" dirty="0">
+                <a:effectLst/>
+                <a:latin typeface="Arial Unicode MS"/>
+                <a:ea typeface="Arial Unicode MS"/>
+                <a:cs typeface="Arial Unicode MS"/>
+              </a:rPr>
+              <a:t> </a:t>
+            </a:r>
+            <a:r>
+              <a:rPr lang="en-GB" sz="1800" dirty="0" err="1">
+                <a:effectLst/>
+                <a:latin typeface="Arial Unicode MS"/>
+                <a:ea typeface="Arial Unicode MS"/>
+                <a:cs typeface="Arial Unicode MS"/>
+              </a:rPr>
+              <a:t>আই</a:t>
+            </a:r>
+            <a:r>
+              <a:rPr lang="en-GB" sz="1800" dirty="0">
+                <a:effectLst/>
+                <a:latin typeface="Arial Unicode MS"/>
+                <a:ea typeface="Arial Unicode MS"/>
+                <a:cs typeface="Arial Unicode MS"/>
+              </a:rPr>
+              <a:t> পি-২৭ </a:t>
+            </a:r>
+            <a:r>
+              <a:rPr lang="en-GB" sz="1800" dirty="0" err="1">
+                <a:effectLst/>
+                <a:latin typeface="Arial Unicode MS"/>
+                <a:ea typeface="Arial Unicode MS"/>
+                <a:cs typeface="Arial Unicode MS"/>
+              </a:rPr>
+              <a:t>বাস</a:t>
+            </a:r>
+            <a:r>
+              <a:rPr lang="en-GB" sz="1800" dirty="0">
+                <a:effectLst/>
+                <a:latin typeface="Arial Unicode MS"/>
+                <a:ea typeface="Arial Unicode MS"/>
+                <a:cs typeface="Arial Unicode MS"/>
+              </a:rPr>
+              <a:t> </a:t>
+            </a:r>
+            <a:r>
+              <a:rPr lang="en-GB" sz="1800" dirty="0" err="1">
+                <a:effectLst/>
+                <a:latin typeface="Arial Unicode MS"/>
+                <a:ea typeface="Arial Unicode MS"/>
+                <a:cs typeface="Arial Unicode MS"/>
+              </a:rPr>
+              <a:t>আসতেছে</a:t>
+            </a:r>
+            <a:r>
+              <a:rPr lang="en-GB" sz="1800" dirty="0">
+                <a:effectLst/>
+                <a:latin typeface="Arial Unicode MS"/>
+                <a:ea typeface="Arial Unicode MS"/>
+                <a:cs typeface="Arial Unicode MS"/>
+              </a:rPr>
+              <a:t> </a:t>
+            </a:r>
+            <a:r>
+              <a:rPr lang="en-GB" sz="1800" dirty="0" err="1">
+                <a:effectLst/>
+                <a:latin typeface="Arial Unicode MS"/>
+                <a:ea typeface="Arial Unicode MS"/>
+                <a:cs typeface="Arial Unicode MS"/>
+              </a:rPr>
+              <a:t>এই</a:t>
+            </a:r>
+            <a:r>
+              <a:rPr lang="en-GB" sz="1800" dirty="0">
+                <a:effectLst/>
+                <a:latin typeface="Arial Unicode MS"/>
+                <a:ea typeface="Arial Unicode MS"/>
+                <a:cs typeface="Arial Unicode MS"/>
+              </a:rPr>
+              <a:t> </a:t>
+            </a:r>
+            <a:r>
+              <a:rPr lang="en-GB" sz="1800" dirty="0" err="1">
+                <a:effectLst/>
+                <a:latin typeface="Arial Unicode MS"/>
+                <a:ea typeface="Arial Unicode MS"/>
+                <a:cs typeface="Arial Unicode MS"/>
+              </a:rPr>
+              <a:t>বাস</a:t>
+            </a:r>
+            <a:r>
+              <a:rPr lang="en-GB" sz="1800" dirty="0">
+                <a:effectLst/>
+                <a:latin typeface="Arial Unicode MS"/>
+                <a:ea typeface="Arial Unicode MS"/>
+                <a:cs typeface="Arial Unicode MS"/>
+              </a:rPr>
+              <a:t> </a:t>
+            </a:r>
+            <a:r>
+              <a:rPr lang="en-GB" sz="1800" dirty="0" err="1">
+                <a:effectLst/>
+                <a:latin typeface="Arial Unicode MS"/>
+                <a:ea typeface="Arial Unicode MS"/>
+                <a:cs typeface="Arial Unicode MS"/>
+              </a:rPr>
+              <a:t>দিয়ে</a:t>
+            </a:r>
+            <a:r>
+              <a:rPr lang="en-GB" sz="1800" dirty="0">
+                <a:effectLst/>
+                <a:latin typeface="Arial Unicode MS"/>
+                <a:ea typeface="Arial Unicode MS"/>
+                <a:cs typeface="Arial Unicode MS"/>
+              </a:rPr>
+              <a:t> </a:t>
+            </a:r>
+            <a:r>
+              <a:rPr lang="en-GB" sz="1800" dirty="0" err="1">
+                <a:effectLst/>
+                <a:latin typeface="Arial Unicode MS"/>
+                <a:ea typeface="Arial Unicode MS"/>
+                <a:cs typeface="Arial Unicode MS"/>
+              </a:rPr>
+              <a:t>যাওয়ার</a:t>
+            </a:r>
+            <a:r>
+              <a:rPr lang="en-GB" sz="1800" dirty="0">
+                <a:effectLst/>
+                <a:latin typeface="Arial Unicode MS"/>
+                <a:ea typeface="Arial Unicode MS"/>
+                <a:cs typeface="Arial Unicode MS"/>
+              </a:rPr>
+              <a:t> </a:t>
+            </a:r>
+            <a:r>
+              <a:rPr lang="en-GB" sz="1800" dirty="0" err="1">
+                <a:effectLst/>
+                <a:latin typeface="Arial Unicode MS"/>
+                <a:ea typeface="Arial Unicode MS"/>
+                <a:cs typeface="Arial Unicode MS"/>
+              </a:rPr>
+              <a:t>অভিজ্ঞতা</a:t>
+            </a:r>
+            <a:r>
+              <a:rPr lang="en-GB" sz="1800" dirty="0">
+                <a:effectLst/>
+                <a:latin typeface="Arial Unicode MS"/>
+                <a:ea typeface="Arial Unicode MS"/>
+                <a:cs typeface="Arial Unicode MS"/>
+              </a:rPr>
+              <a:t> </a:t>
+            </a:r>
+            <a:r>
+              <a:rPr lang="en-GB" sz="1800" dirty="0" err="1">
+                <a:effectLst/>
+                <a:latin typeface="Arial Unicode MS"/>
+                <a:ea typeface="Arial Unicode MS"/>
+                <a:cs typeface="Arial Unicode MS"/>
+              </a:rPr>
+              <a:t>যথেষ্ট</a:t>
+            </a:r>
+            <a:r>
+              <a:rPr lang="en-GB" sz="1800" dirty="0">
+                <a:effectLst/>
+                <a:latin typeface="Arial Unicode MS"/>
+                <a:ea typeface="Arial Unicode MS"/>
+                <a:cs typeface="Arial Unicode MS"/>
+              </a:rPr>
+              <a:t> </a:t>
+            </a:r>
+            <a:r>
+              <a:rPr lang="en-GB" sz="1800" dirty="0" err="1">
+                <a:effectLst/>
+                <a:latin typeface="Arial Unicode MS"/>
+                <a:ea typeface="Arial Unicode MS"/>
+                <a:cs typeface="Arial Unicode MS"/>
+              </a:rPr>
+              <a:t>ভালো</a:t>
+            </a:r>
+            <a:r>
+              <a:rPr lang="en-GB" sz="1800" dirty="0">
+                <a:effectLst/>
+                <a:latin typeface="Arial Unicode MS"/>
+                <a:ea typeface="Arial Unicode MS"/>
+                <a:cs typeface="Arial Unicode MS"/>
+              </a:rPr>
+              <a:t> </a:t>
+            </a:r>
+            <a:r>
+              <a:rPr lang="en-GB" sz="1800" dirty="0" err="1">
+                <a:effectLst/>
+                <a:latin typeface="Arial Unicode MS"/>
+                <a:ea typeface="Arial Unicode MS"/>
+                <a:cs typeface="Arial Unicode MS"/>
+              </a:rPr>
+              <a:t>আর</a:t>
+            </a:r>
+            <a:r>
+              <a:rPr lang="en-GB" sz="1800" dirty="0">
+                <a:effectLst/>
+                <a:latin typeface="Arial Unicode MS"/>
+                <a:ea typeface="Arial Unicode MS"/>
+                <a:cs typeface="Arial Unicode MS"/>
+              </a:rPr>
+              <a:t> </a:t>
+            </a:r>
+            <a:r>
+              <a:rPr lang="en-GB" sz="1800" dirty="0" err="1">
+                <a:effectLst/>
+                <a:latin typeface="Arial Unicode MS"/>
+                <a:ea typeface="Arial Unicode MS"/>
+                <a:cs typeface="Arial Unicode MS"/>
+              </a:rPr>
+              <a:t>বাসে</a:t>
+            </a:r>
+            <a:r>
+              <a:rPr lang="en-GB" sz="1800" dirty="0">
+                <a:effectLst/>
+                <a:latin typeface="Arial Unicode MS"/>
+                <a:ea typeface="Arial Unicode MS"/>
+                <a:cs typeface="Arial Unicode MS"/>
+              </a:rPr>
+              <a:t> </a:t>
+            </a:r>
+            <a:r>
+              <a:rPr lang="en-GB" sz="1800" dirty="0" err="1">
+                <a:effectLst/>
+                <a:latin typeface="Arial Unicode MS"/>
+                <a:ea typeface="Arial Unicode MS"/>
+                <a:cs typeface="Arial Unicode MS"/>
+              </a:rPr>
+              <a:t>যাত্রীও</a:t>
+            </a:r>
+            <a:r>
+              <a:rPr lang="en-GB" sz="1800" dirty="0">
+                <a:effectLst/>
+                <a:latin typeface="Arial Unicode MS"/>
+                <a:ea typeface="Arial Unicode MS"/>
+                <a:cs typeface="Arial Unicode MS"/>
+              </a:rPr>
+              <a:t> </a:t>
+            </a:r>
+            <a:r>
+              <a:rPr lang="en-GB" sz="1800" dirty="0" err="1">
+                <a:effectLst/>
+                <a:latin typeface="Arial Unicode MS"/>
+                <a:ea typeface="Arial Unicode MS"/>
+                <a:cs typeface="Arial Unicode MS"/>
+              </a:rPr>
+              <a:t>প্রায়</a:t>
+            </a:r>
+            <a:r>
+              <a:rPr lang="en-GB" sz="1800" dirty="0">
+                <a:effectLst/>
+                <a:latin typeface="Arial Unicode MS"/>
+                <a:ea typeface="Arial Unicode MS"/>
+                <a:cs typeface="Arial Unicode MS"/>
+              </a:rPr>
+              <a:t> </a:t>
+            </a:r>
+            <a:r>
+              <a:rPr lang="en-GB" sz="1800" dirty="0" err="1">
+                <a:effectLst/>
+                <a:latin typeface="Arial Unicode MS"/>
+                <a:ea typeface="Arial Unicode MS"/>
+                <a:cs typeface="Arial Unicode MS"/>
+              </a:rPr>
+              <a:t>পূর্ণ</a:t>
+            </a:r>
+            <a:r>
+              <a:rPr lang="en-GB" sz="1800" dirty="0">
+                <a:effectLst/>
+                <a:latin typeface="Arial Unicode MS"/>
+                <a:ea typeface="Arial Unicode MS"/>
+                <a:cs typeface="Arial Unicode MS"/>
+              </a:rPr>
+              <a:t>, </a:t>
+            </a:r>
+            <a:r>
+              <a:rPr lang="en-GB" sz="1800" dirty="0" err="1">
+                <a:effectLst/>
+                <a:latin typeface="Arial Unicode MS"/>
+                <a:ea typeface="Arial Unicode MS"/>
+                <a:cs typeface="Arial Unicode MS"/>
+              </a:rPr>
+              <a:t>এটি</a:t>
+            </a:r>
+            <a:r>
+              <a:rPr lang="en-GB" sz="1800" dirty="0">
+                <a:effectLst/>
+                <a:latin typeface="Arial Unicode MS"/>
+                <a:ea typeface="Arial Unicode MS"/>
+                <a:cs typeface="Arial Unicode MS"/>
+              </a:rPr>
+              <a:t> </a:t>
+            </a:r>
+            <a:r>
+              <a:rPr lang="en-GB" sz="1800" dirty="0" err="1">
+                <a:effectLst/>
+                <a:latin typeface="Arial Unicode MS"/>
+                <a:ea typeface="Arial Unicode MS"/>
+                <a:cs typeface="Arial Unicode MS"/>
+              </a:rPr>
+              <a:t>কিন্তু</a:t>
+            </a:r>
+            <a:r>
+              <a:rPr lang="en-GB" sz="1800" dirty="0">
+                <a:effectLst/>
+                <a:latin typeface="Arial Unicode MS"/>
+                <a:ea typeface="Arial Unicode MS"/>
+                <a:cs typeface="Arial Unicode MS"/>
+              </a:rPr>
+              <a:t> </a:t>
+            </a:r>
+            <a:r>
+              <a:rPr lang="en-GB" sz="1800" dirty="0" err="1">
+                <a:effectLst/>
+                <a:latin typeface="Arial Unicode MS"/>
+                <a:ea typeface="Arial Unicode MS"/>
+                <a:cs typeface="Arial Unicode MS"/>
+              </a:rPr>
+              <a:t>আবার</a:t>
+            </a:r>
+            <a:r>
+              <a:rPr lang="en-GB" sz="1800" dirty="0">
+                <a:effectLst/>
+                <a:latin typeface="Arial Unicode MS"/>
+                <a:ea typeface="Arial Unicode MS"/>
+                <a:cs typeface="Arial Unicode MS"/>
+              </a:rPr>
+              <a:t> </a:t>
+            </a:r>
+            <a:r>
+              <a:rPr lang="en-GB" sz="1800" dirty="0" err="1">
+                <a:effectLst/>
+                <a:latin typeface="Arial Unicode MS"/>
+                <a:ea typeface="Arial Unicode MS"/>
+                <a:cs typeface="Arial Unicode MS"/>
+              </a:rPr>
+              <a:t>চলন্ত</a:t>
+            </a:r>
+            <a:r>
+              <a:rPr lang="en-GB" sz="1800" dirty="0">
+                <a:effectLst/>
+                <a:latin typeface="Arial Unicode MS"/>
+                <a:ea typeface="Arial Unicode MS"/>
+                <a:cs typeface="Arial Unicode MS"/>
+              </a:rPr>
+              <a:t> </a:t>
+            </a:r>
+            <a:r>
+              <a:rPr lang="en-GB" sz="1800" dirty="0" err="1">
+                <a:effectLst/>
+                <a:latin typeface="Arial Unicode MS"/>
+                <a:ea typeface="Arial Unicode MS"/>
+                <a:cs typeface="Arial Unicode MS"/>
+              </a:rPr>
+              <a:t>অবস্থায়</a:t>
+            </a:r>
+            <a:r>
+              <a:rPr lang="en-GB" sz="1800" dirty="0">
+                <a:effectLst/>
+                <a:latin typeface="Arial Unicode MS"/>
+                <a:ea typeface="Arial Unicode MS"/>
+                <a:cs typeface="Arial Unicode MS"/>
+              </a:rPr>
+              <a:t> </a:t>
+            </a:r>
+            <a:r>
+              <a:rPr lang="en-GB" sz="1800" dirty="0" err="1">
+                <a:effectLst/>
+                <a:latin typeface="Arial Unicode MS"/>
+                <a:ea typeface="Arial Unicode MS"/>
+                <a:cs typeface="Arial Unicode MS"/>
+              </a:rPr>
+              <a:t>যাত্রী</a:t>
+            </a:r>
+            <a:r>
+              <a:rPr lang="en-GB" sz="1800" dirty="0">
+                <a:effectLst/>
+                <a:latin typeface="Arial Unicode MS"/>
+                <a:ea typeface="Arial Unicode MS"/>
+                <a:cs typeface="Arial Unicode MS"/>
+              </a:rPr>
+              <a:t> </a:t>
+            </a:r>
+            <a:r>
+              <a:rPr lang="en-GB" sz="1800" dirty="0" err="1">
+                <a:effectLst/>
+                <a:latin typeface="Arial Unicode MS"/>
+                <a:ea typeface="Arial Unicode MS"/>
+                <a:cs typeface="Arial Unicode MS"/>
+              </a:rPr>
+              <a:t>নিতে</a:t>
+            </a:r>
+            <a:r>
+              <a:rPr lang="en-GB" sz="1800" dirty="0">
+                <a:effectLst/>
+                <a:latin typeface="Arial Unicode MS"/>
+                <a:ea typeface="Arial Unicode MS"/>
+                <a:cs typeface="Arial Unicode MS"/>
+              </a:rPr>
+              <a:t> </a:t>
+            </a:r>
+            <a:r>
+              <a:rPr lang="en-GB" sz="1800" dirty="0" err="1">
+                <a:effectLst/>
+                <a:latin typeface="Arial Unicode MS"/>
+                <a:ea typeface="Arial Unicode MS"/>
+                <a:cs typeface="Arial Unicode MS"/>
+              </a:rPr>
+              <a:t>থাকে</a:t>
+            </a:r>
+            <a:r>
+              <a:rPr lang="en-GB" sz="1800" dirty="0">
+                <a:effectLst/>
+                <a:latin typeface="Arial Unicode MS"/>
+                <a:ea typeface="Arial Unicode MS"/>
+                <a:cs typeface="Arial Unicode MS"/>
+              </a:rPr>
+              <a:t> </a:t>
+            </a:r>
+            <a:r>
+              <a:rPr lang="en-GB" sz="1800" dirty="0" err="1">
+                <a:effectLst/>
+                <a:latin typeface="Arial Unicode MS"/>
+                <a:ea typeface="Arial Unicode MS"/>
+                <a:cs typeface="Arial Unicode MS"/>
+              </a:rPr>
+              <a:t>যাই</a:t>
+            </a:r>
+            <a:r>
+              <a:rPr lang="en-GB" sz="1800" dirty="0">
+                <a:effectLst/>
+                <a:latin typeface="Arial Unicode MS"/>
+                <a:ea typeface="Arial Unicode MS"/>
+                <a:cs typeface="Arial Unicode MS"/>
+              </a:rPr>
+              <a:t> </a:t>
+            </a:r>
+            <a:r>
+              <a:rPr lang="en-GB" sz="1800" dirty="0" err="1">
+                <a:effectLst/>
+                <a:latin typeface="Arial Unicode MS"/>
+                <a:ea typeface="Arial Unicode MS"/>
+                <a:cs typeface="Arial Unicode MS"/>
+              </a:rPr>
+              <a:t>হোক</a:t>
+            </a:r>
+            <a:r>
+              <a:rPr lang="en-GB" sz="1800" dirty="0">
+                <a:effectLst/>
+                <a:latin typeface="Arial Unicode MS"/>
+                <a:ea typeface="Arial Unicode MS"/>
+                <a:cs typeface="Arial Unicode MS"/>
+              </a:rPr>
+              <a:t> </a:t>
+            </a:r>
+            <a:r>
+              <a:rPr lang="en-GB" sz="1800" dirty="0" err="1">
+                <a:effectLst/>
+                <a:latin typeface="Arial Unicode MS"/>
+                <a:ea typeface="Arial Unicode MS"/>
+                <a:cs typeface="Arial Unicode MS"/>
+              </a:rPr>
+              <a:t>ঠিক</a:t>
+            </a:r>
+            <a:r>
+              <a:rPr lang="en-GB" sz="1800" dirty="0">
+                <a:effectLst/>
+                <a:latin typeface="Arial Unicode MS"/>
+                <a:ea typeface="Arial Unicode MS"/>
+                <a:cs typeface="Arial Unicode MS"/>
+              </a:rPr>
+              <a:t> </a:t>
+            </a:r>
+            <a:r>
+              <a:rPr lang="en-GB" sz="1800" dirty="0" err="1">
+                <a:effectLst/>
+                <a:latin typeface="Arial Unicode MS"/>
+                <a:ea typeface="Arial Unicode MS"/>
+                <a:cs typeface="Arial Unicode MS"/>
+              </a:rPr>
+              <a:t>সময়ে</a:t>
+            </a:r>
+            <a:r>
+              <a:rPr lang="en-GB" sz="1800" dirty="0">
+                <a:effectLst/>
+                <a:latin typeface="Arial Unicode MS"/>
+                <a:ea typeface="Arial Unicode MS"/>
+                <a:cs typeface="Arial Unicode MS"/>
+              </a:rPr>
+              <a:t> </a:t>
+            </a:r>
+            <a:r>
+              <a:rPr lang="en-GB" sz="1800" dirty="0" err="1">
+                <a:effectLst/>
+                <a:latin typeface="Arial Unicode MS"/>
+                <a:ea typeface="Arial Unicode MS"/>
+                <a:cs typeface="Arial Unicode MS"/>
+              </a:rPr>
+              <a:t>পৌছাতে</a:t>
+            </a:r>
+            <a:r>
+              <a:rPr lang="en-GB" sz="1800" dirty="0">
+                <a:effectLst/>
+                <a:latin typeface="Arial Unicode MS"/>
+                <a:ea typeface="Arial Unicode MS"/>
+                <a:cs typeface="Arial Unicode MS"/>
+              </a:rPr>
+              <a:t> </a:t>
+            </a:r>
+            <a:r>
+              <a:rPr lang="en-GB" sz="1800" dirty="0" err="1">
+                <a:effectLst/>
+                <a:latin typeface="Arial Unicode MS"/>
+                <a:ea typeface="Arial Unicode MS"/>
+                <a:cs typeface="Arial Unicode MS"/>
+              </a:rPr>
+              <a:t>সাবধানে</a:t>
+            </a:r>
+            <a:r>
+              <a:rPr lang="en-GB" sz="1800" dirty="0">
+                <a:effectLst/>
+                <a:latin typeface="Arial Unicode MS"/>
+                <a:ea typeface="Arial Unicode MS"/>
+                <a:cs typeface="Arial Unicode MS"/>
+              </a:rPr>
+              <a:t> </a:t>
+            </a:r>
+            <a:r>
+              <a:rPr lang="en-GB" sz="1800" dirty="0" err="1">
+                <a:effectLst/>
+                <a:latin typeface="Arial Unicode MS"/>
+                <a:ea typeface="Arial Unicode MS"/>
+                <a:cs typeface="Arial Unicode MS"/>
+              </a:rPr>
+              <a:t>একটু</a:t>
+            </a:r>
+            <a:r>
+              <a:rPr lang="en-GB" sz="1800" dirty="0">
+                <a:effectLst/>
+                <a:latin typeface="Arial Unicode MS"/>
+                <a:ea typeface="Arial Unicode MS"/>
+                <a:cs typeface="Arial Unicode MS"/>
+              </a:rPr>
+              <a:t> </a:t>
+            </a:r>
+            <a:r>
+              <a:rPr lang="en-GB" sz="1800" dirty="0" err="1">
+                <a:effectLst/>
+                <a:latin typeface="Arial Unicode MS"/>
+                <a:ea typeface="Arial Unicode MS"/>
+                <a:cs typeface="Arial Unicode MS"/>
+              </a:rPr>
+              <a:t>ঝুঁকি</a:t>
+            </a:r>
+            <a:r>
+              <a:rPr lang="en-GB" sz="1800" dirty="0">
+                <a:effectLst/>
+                <a:latin typeface="Arial Unicode MS"/>
+                <a:ea typeface="Arial Unicode MS"/>
+                <a:cs typeface="Arial Unicode MS"/>
+              </a:rPr>
+              <a:t> </a:t>
+            </a:r>
+            <a:r>
+              <a:rPr lang="en-GB" sz="1800" dirty="0" err="1">
+                <a:effectLst/>
+                <a:latin typeface="Arial Unicode MS"/>
+                <a:ea typeface="Arial Unicode MS"/>
+                <a:cs typeface="Arial Unicode MS"/>
+              </a:rPr>
+              <a:t>নেওয়াই</a:t>
+            </a:r>
+            <a:r>
+              <a:rPr lang="en-GB" sz="1800" dirty="0">
+                <a:effectLst/>
+                <a:latin typeface="Arial Unicode MS"/>
+                <a:ea typeface="Arial Unicode MS"/>
+                <a:cs typeface="Arial Unicode MS"/>
+              </a:rPr>
+              <a:t> </a:t>
+            </a:r>
+            <a:r>
+              <a:rPr lang="en-GB" sz="1800" dirty="0" err="1">
+                <a:effectLst/>
+                <a:latin typeface="Arial Unicode MS"/>
+                <a:ea typeface="Arial Unicode MS"/>
+                <a:cs typeface="Arial Unicode MS"/>
+              </a:rPr>
+              <a:t>যায়</a:t>
+            </a:r>
+            <a:r>
+              <a:rPr lang="en-GB" sz="1800" dirty="0">
+                <a:effectLst/>
+                <a:latin typeface="Arial Unicode MS"/>
+                <a:ea typeface="Arial Unicode MS"/>
+                <a:cs typeface="Arial Unicode MS"/>
+              </a:rPr>
+              <a:t>! </a:t>
+            </a:r>
+          </a:p>
+          <a:p>
+            <a:r>
+              <a:rPr lang="en-GB" sz="1800" dirty="0" err="1">
+                <a:effectLst/>
+                <a:latin typeface="Arial Unicode MS"/>
+                <a:ea typeface="Arial Unicode MS"/>
+                <a:cs typeface="Arial Unicode MS"/>
+              </a:rPr>
+              <a:t>ঝুকির</a:t>
+            </a:r>
+            <a:r>
+              <a:rPr lang="en-GB" sz="1800" dirty="0">
+                <a:effectLst/>
+                <a:latin typeface="Arial Unicode MS"/>
+                <a:ea typeface="Arial Unicode MS"/>
+                <a:cs typeface="Arial Unicode MS"/>
+              </a:rPr>
+              <a:t> </a:t>
+            </a:r>
+            <a:r>
+              <a:rPr lang="en-GB" sz="1800" dirty="0" err="1">
+                <a:effectLst/>
+                <a:latin typeface="Arial Unicode MS"/>
+                <a:ea typeface="Arial Unicode MS"/>
+                <a:cs typeface="Arial Unicode MS"/>
+              </a:rPr>
+              <a:t>সাথে</a:t>
+            </a:r>
+            <a:r>
+              <a:rPr lang="en-GB" sz="1800" dirty="0">
+                <a:effectLst/>
+                <a:latin typeface="Arial Unicode MS"/>
+                <a:ea typeface="Arial Unicode MS"/>
+                <a:cs typeface="Arial Unicode MS"/>
+              </a:rPr>
+              <a:t> </a:t>
+            </a:r>
+            <a:r>
+              <a:rPr lang="en-GB" sz="1800" dirty="0" err="1">
+                <a:effectLst/>
+                <a:latin typeface="Arial Unicode MS"/>
+                <a:ea typeface="Arial Unicode MS"/>
+                <a:cs typeface="Arial Unicode MS"/>
+              </a:rPr>
+              <a:t>সাবধানতার</a:t>
+            </a:r>
+            <a:r>
+              <a:rPr lang="en-GB" sz="1800" dirty="0">
+                <a:effectLst/>
+                <a:latin typeface="Arial Unicode MS"/>
+                <a:ea typeface="Arial Unicode MS"/>
+                <a:cs typeface="Arial Unicode MS"/>
+              </a:rPr>
+              <a:t> </a:t>
+            </a:r>
+            <a:r>
+              <a:rPr lang="en-GB" sz="1800" dirty="0" err="1">
+                <a:effectLst/>
+                <a:latin typeface="Arial Unicode MS"/>
+                <a:ea typeface="Arial Unicode MS"/>
+                <a:cs typeface="Arial Unicode MS"/>
+              </a:rPr>
+              <a:t>ব্যাপারটা</a:t>
+            </a:r>
+            <a:r>
+              <a:rPr lang="en-GB" sz="1800" dirty="0">
+                <a:effectLst/>
+                <a:latin typeface="Arial Unicode MS"/>
+                <a:ea typeface="Arial Unicode MS"/>
+                <a:cs typeface="Arial Unicode MS"/>
+              </a:rPr>
+              <a:t> </a:t>
+            </a:r>
+            <a:r>
+              <a:rPr lang="en-GB" sz="1800" dirty="0" err="1">
+                <a:effectLst/>
+                <a:latin typeface="Arial Unicode MS"/>
+                <a:ea typeface="Arial Unicode MS"/>
+                <a:cs typeface="Arial Unicode MS"/>
+              </a:rPr>
+              <a:t>দারুণ</a:t>
+            </a:r>
+            <a:r>
+              <a:rPr lang="en-GB" sz="1800" dirty="0">
+                <a:effectLst/>
+                <a:latin typeface="Arial Unicode MS"/>
+                <a:ea typeface="Arial Unicode MS"/>
+                <a:cs typeface="Arial Unicode MS"/>
+              </a:rPr>
+              <a:t>। </a:t>
+            </a:r>
+          </a:p>
+          <a:p>
+            <a:r>
+              <a:rPr lang="en-GB" sz="1800" dirty="0" err="1">
+                <a:effectLst/>
+                <a:latin typeface="Arial Unicode MS"/>
+                <a:ea typeface="Arial Unicode MS"/>
+                <a:cs typeface="Arial Unicode MS"/>
+              </a:rPr>
+              <a:t>তো</a:t>
+            </a:r>
+            <a:r>
+              <a:rPr lang="en-GB" sz="1800" dirty="0">
+                <a:effectLst/>
+                <a:latin typeface="Arial Unicode MS"/>
+                <a:ea typeface="Arial Unicode MS"/>
+                <a:cs typeface="Arial Unicode MS"/>
+              </a:rPr>
+              <a:t> </a:t>
+            </a:r>
+            <a:r>
+              <a:rPr lang="en-GB" sz="1800" dirty="0" err="1">
+                <a:effectLst/>
+                <a:latin typeface="Arial Unicode MS"/>
+                <a:ea typeface="Arial Unicode MS"/>
+                <a:cs typeface="Arial Unicode MS"/>
+              </a:rPr>
+              <a:t>আমি</a:t>
+            </a:r>
+            <a:r>
+              <a:rPr lang="en-GB" sz="1800" dirty="0">
+                <a:effectLst/>
+                <a:latin typeface="Arial Unicode MS"/>
+                <a:ea typeface="Arial Unicode MS"/>
+                <a:cs typeface="Arial Unicode MS"/>
+              </a:rPr>
+              <a:t> </a:t>
+            </a:r>
+            <a:r>
+              <a:rPr lang="en-GB" sz="1800" dirty="0" err="1">
+                <a:effectLst/>
+                <a:latin typeface="Arial Unicode MS"/>
+                <a:ea typeface="Arial Unicode MS"/>
+                <a:cs typeface="Arial Unicode MS"/>
+              </a:rPr>
+              <a:t>সর্বশেষে</a:t>
+            </a:r>
+            <a:r>
+              <a:rPr lang="en-GB" sz="1800" dirty="0">
+                <a:effectLst/>
+                <a:latin typeface="Arial Unicode MS"/>
+                <a:ea typeface="Arial Unicode MS"/>
+                <a:cs typeface="Arial Unicode MS"/>
+              </a:rPr>
+              <a:t> </a:t>
+            </a:r>
+            <a:r>
+              <a:rPr lang="en-GB" sz="1800" dirty="0" err="1">
+                <a:effectLst/>
+                <a:latin typeface="Arial Unicode MS"/>
+                <a:ea typeface="Arial Unicode MS"/>
+                <a:cs typeface="Arial Unicode MS"/>
+              </a:rPr>
+              <a:t>এই</a:t>
+            </a:r>
+            <a:r>
+              <a:rPr lang="en-GB" sz="1800" dirty="0">
+                <a:effectLst/>
+                <a:latin typeface="Arial Unicode MS"/>
+                <a:ea typeface="Arial Unicode MS"/>
+                <a:cs typeface="Arial Unicode MS"/>
+              </a:rPr>
+              <a:t> </a:t>
+            </a:r>
+            <a:r>
+              <a:rPr lang="en-GB" sz="1800" dirty="0" err="1">
+                <a:effectLst/>
+                <a:latin typeface="Arial Unicode MS"/>
+                <a:ea typeface="Arial Unicode MS"/>
+                <a:cs typeface="Arial Unicode MS"/>
+              </a:rPr>
+              <a:t>বাসে</a:t>
+            </a:r>
+            <a:r>
+              <a:rPr lang="en-GB" sz="1800" dirty="0">
+                <a:effectLst/>
+                <a:latin typeface="Arial Unicode MS"/>
+                <a:ea typeface="Arial Unicode MS"/>
+                <a:cs typeface="Arial Unicode MS"/>
+              </a:rPr>
+              <a:t> </a:t>
+            </a:r>
+            <a:r>
+              <a:rPr lang="en-GB" sz="1800" dirty="0" err="1">
+                <a:effectLst/>
+                <a:latin typeface="Arial Unicode MS"/>
+                <a:ea typeface="Arial Unicode MS"/>
+                <a:cs typeface="Arial Unicode MS"/>
+              </a:rPr>
+              <a:t>ওঠে</a:t>
+            </a:r>
+            <a:r>
+              <a:rPr lang="en-GB" sz="1800" dirty="0">
+                <a:effectLst/>
+                <a:latin typeface="Arial Unicode MS"/>
+                <a:ea typeface="Arial Unicode MS"/>
+                <a:cs typeface="Arial Unicode MS"/>
+              </a:rPr>
+              <a:t> </a:t>
+            </a:r>
+            <a:r>
+              <a:rPr lang="en-GB" sz="1800" dirty="0" err="1">
+                <a:effectLst/>
+                <a:latin typeface="Arial Unicode MS"/>
+                <a:ea typeface="Arial Unicode MS"/>
+                <a:cs typeface="Arial Unicode MS"/>
+              </a:rPr>
+              <a:t>কলেজে</a:t>
+            </a:r>
+            <a:r>
+              <a:rPr lang="en-GB" sz="1800" dirty="0">
+                <a:effectLst/>
+                <a:latin typeface="Arial Unicode MS"/>
+                <a:ea typeface="Arial Unicode MS"/>
+                <a:cs typeface="Arial Unicode MS"/>
+              </a:rPr>
+              <a:t> </a:t>
+            </a:r>
+            <a:r>
+              <a:rPr lang="en-GB" sz="1800" dirty="0" err="1">
+                <a:effectLst/>
+                <a:latin typeface="Arial Unicode MS"/>
+                <a:ea typeface="Arial Unicode MS"/>
+                <a:cs typeface="Arial Unicode MS"/>
+              </a:rPr>
+              <a:t>পৌছালাম</a:t>
+            </a:r>
+            <a:r>
+              <a:rPr lang="en-GB" sz="1800" dirty="0">
+                <a:effectLst/>
+                <a:latin typeface="Arial Unicode MS"/>
+                <a:ea typeface="Arial Unicode MS"/>
+                <a:cs typeface="Arial Unicode MS"/>
+              </a:rPr>
+              <a:t>।</a:t>
+            </a:r>
             <a:endParaRPr lang="en-US" dirty="0"/>
           </a:p>
         </p:txBody>
@@ -9528,7 +12783,7 @@
     </p:spTree>
     <p:extLst>
       <p:ext uri="{BB962C8B-B14F-4D97-AF65-F5344CB8AC3E}">
-        <p14:creationId xmlns:p14="http://schemas.microsoft.com/office/powerpoint/2010/main" val="15370302"/>
+        <p14:creationId xmlns:p14="http://schemas.microsoft.com/office/powerpoint/2010/main" val="3822312331"/>
       </p:ext>
     </p:extLst>
   </p:cSld>
@@ -9539,6 +12794,319 @@
 </file>
 
 <file path=ppt/slides/slide25.xml><?xml version="1.0" encoding="utf-8"?>
+<p:sld xmlns:a="http://schemas.openxmlformats.org/drawingml/2006/main" xmlns:r="http://schemas.openxmlformats.org/officeDocument/2006/relationships" xmlns:p="http://schemas.openxmlformats.org/presentationml/2006/main">
+  <p:cSld>
+    <p:spTree>
+      <p:nvGrpSpPr>
+        <p:cNvPr id="1" name=""/>
+        <p:cNvGrpSpPr/>
+        <p:nvPr/>
+      </p:nvGrpSpPr>
+      <p:grpSpPr>
+        <a:xfrm>
+          <a:off x="0" y="0"/>
+          <a:ext cx="0" cy="0"/>
+          <a:chOff x="0" y="0"/>
+          <a:chExt cx="0" cy="0"/>
+        </a:xfrm>
+      </p:grpSpPr>
+      <p:sp>
+        <p:nvSpPr>
+          <p:cNvPr id="2" name="Title 1">
+            <a:extLst>
+              <a:ext uri="{FF2B5EF4-FFF2-40B4-BE49-F238E27FC236}">
+                <a16:creationId xmlns:a16="http://schemas.microsoft.com/office/drawing/2014/main" id="{970D14A1-A9FF-6251-BBAD-48CEFBFDCC31}"/>
+              </a:ext>
+            </a:extLst>
+          </p:cNvPr>
+          <p:cNvSpPr>
+            <a:spLocks noGrp="1"/>
+          </p:cNvSpPr>
+          <p:nvPr>
+            <p:ph type="title"/>
+          </p:nvPr>
+        </p:nvSpPr>
+        <p:spPr/>
+        <p:txBody>
+          <a:bodyPr/>
+          <a:lstStyle/>
+          <a:p>
+            <a:r>
+              <a:rPr lang="en-US" dirty="0"/>
+              <a:t>Informal probability calculation</a:t>
+            </a:r>
+          </a:p>
+        </p:txBody>
+      </p:sp>
+      <p:sp>
+        <p:nvSpPr>
+          <p:cNvPr id="3" name="Content Placeholder 2">
+            <a:extLst>
+              <a:ext uri="{FF2B5EF4-FFF2-40B4-BE49-F238E27FC236}">
+                <a16:creationId xmlns:a16="http://schemas.microsoft.com/office/drawing/2014/main" id="{80085F13-8816-4298-0475-3C5D1089DFFE}"/>
+              </a:ext>
+            </a:extLst>
+          </p:cNvPr>
+          <p:cNvSpPr>
+            <a:spLocks noGrp="1"/>
+          </p:cNvSpPr>
+          <p:nvPr>
+            <p:ph idx="1"/>
+          </p:nvPr>
+        </p:nvSpPr>
+        <p:spPr/>
+        <p:txBody>
+          <a:bodyPr>
+            <a:normAutofit fontScale="85000" lnSpcReduction="20000"/>
+          </a:bodyPr>
+          <a:lstStyle/>
+          <a:p>
+            <a:endParaRPr lang="en-US" dirty="0"/>
+          </a:p>
+          <a:p>
+            <a:r>
+              <a:rPr lang="en-US" dirty="0"/>
+              <a:t>The decisions we take after calculating these incidents is whether to stay in the class or not. Some of my friends just go out when the see the teacher is not coming and some of them stays in the class. There is always a 50% chance that one period is a gap period. Some them decides to stay and some of them decides to go using probability. </a:t>
+            </a:r>
+          </a:p>
+          <a:p>
+            <a:endParaRPr lang="en-US" dirty="0"/>
+          </a:p>
+          <a:p>
+            <a:pPr>
+              <a:lnSpc>
+                <a:spcPct val="100000"/>
+              </a:lnSpc>
+            </a:pPr>
+            <a:r>
+              <a:rPr lang="en-US" dirty="0"/>
+              <a:t>The class representatives inform us the previous night whether the class is going to happen or not. They call the teachers and our teachers inform them if they are able to take classes. So after their messages I go to the class with a probability value of 1 in my mind that I have to participate in the lectures. But deep down I also know that there is a 25% chance that the teacher can not come to our class or some of the teachers will exchange the classes with another one.</a:t>
+            </a:r>
+          </a:p>
+        </p:txBody>
+      </p:sp>
+    </p:spTree>
+    <p:extLst>
+      <p:ext uri="{BB962C8B-B14F-4D97-AF65-F5344CB8AC3E}">
+        <p14:creationId xmlns:p14="http://schemas.microsoft.com/office/powerpoint/2010/main" val="561830207"/>
+      </p:ext>
+    </p:extLst>
+  </p:cSld>
+  <p:clrMapOvr>
+    <a:masterClrMapping/>
+  </p:clrMapOvr>
+</p:sld>
+</file>
+
+<file path=ppt/slides/slide26.xml><?xml version="1.0" encoding="utf-8"?>
+<p:sld xmlns:a="http://schemas.openxmlformats.org/drawingml/2006/main" xmlns:r="http://schemas.openxmlformats.org/officeDocument/2006/relationships" xmlns:p="http://schemas.openxmlformats.org/presentationml/2006/main">
+  <p:cSld>
+    <p:spTree>
+      <p:nvGrpSpPr>
+        <p:cNvPr id="1" name=""/>
+        <p:cNvGrpSpPr/>
+        <p:nvPr/>
+      </p:nvGrpSpPr>
+      <p:grpSpPr>
+        <a:xfrm>
+          <a:off x="0" y="0"/>
+          <a:ext cx="0" cy="0"/>
+          <a:chOff x="0" y="0"/>
+          <a:chExt cx="0" cy="0"/>
+        </a:xfrm>
+      </p:grpSpPr>
+      <p:sp>
+        <p:nvSpPr>
+          <p:cNvPr id="2" name="Title 1">
+            <a:extLst>
+              <a:ext uri="{FF2B5EF4-FFF2-40B4-BE49-F238E27FC236}">
+                <a16:creationId xmlns:a16="http://schemas.microsoft.com/office/drawing/2014/main" id="{EAF62FF5-B5D0-98DD-3F37-D84AE0DC8B53}"/>
+              </a:ext>
+            </a:extLst>
+          </p:cNvPr>
+          <p:cNvSpPr>
+            <a:spLocks noGrp="1"/>
+          </p:cNvSpPr>
+          <p:nvPr>
+            <p:ph type="title"/>
+          </p:nvPr>
+        </p:nvSpPr>
+        <p:spPr/>
+        <p:txBody>
+          <a:bodyPr/>
+          <a:lstStyle/>
+          <a:p>
+            <a:r>
+              <a:rPr lang="en-US" dirty="0"/>
+              <a:t>Summary </a:t>
+            </a:r>
+          </a:p>
+        </p:txBody>
+      </p:sp>
+      <p:sp>
+        <p:nvSpPr>
+          <p:cNvPr id="3" name="Content Placeholder 2">
+            <a:extLst>
+              <a:ext uri="{FF2B5EF4-FFF2-40B4-BE49-F238E27FC236}">
+                <a16:creationId xmlns:a16="http://schemas.microsoft.com/office/drawing/2014/main" id="{0E95BFB4-ED8C-38CE-F8C7-C984DAD0EB34}"/>
+              </a:ext>
+            </a:extLst>
+          </p:cNvPr>
+          <p:cNvSpPr>
+            <a:spLocks noGrp="1"/>
+          </p:cNvSpPr>
+          <p:nvPr>
+            <p:ph idx="1"/>
+          </p:nvPr>
+        </p:nvSpPr>
+        <p:spPr/>
+        <p:txBody>
+          <a:bodyPr/>
+          <a:lstStyle/>
+          <a:p>
+            <a:r>
+              <a:rPr lang="en-US" dirty="0"/>
+              <a:t>You had data on different possible scenarios: Your experience</a:t>
+            </a:r>
+          </a:p>
+          <a:p>
+            <a:r>
+              <a:rPr lang="en-US" dirty="0"/>
+              <a:t>You had an objective function: Reach college in a shortest possible time</a:t>
+            </a:r>
+          </a:p>
+          <a:p>
+            <a:r>
+              <a:rPr lang="en-US" dirty="0"/>
+              <a:t>You made decision based on automated system of your brain. You brain was trained based on your previous data you observed</a:t>
+            </a:r>
+          </a:p>
+          <a:p>
+            <a:endParaRPr lang="en-US" dirty="0"/>
+          </a:p>
+        </p:txBody>
+      </p:sp>
+    </p:spTree>
+    <p:extLst>
+      <p:ext uri="{BB962C8B-B14F-4D97-AF65-F5344CB8AC3E}">
+        <p14:creationId xmlns:p14="http://schemas.microsoft.com/office/powerpoint/2010/main" val="2278295007"/>
+      </p:ext>
+    </p:extLst>
+  </p:cSld>
+  <p:clrMapOvr>
+    <a:masterClrMapping/>
+  </p:clrMapOvr>
+</p:sld>
+</file>
+
+<file path=ppt/slides/slide27.xml><?xml version="1.0" encoding="utf-8"?>
+<p:sld xmlns:a="http://schemas.openxmlformats.org/drawingml/2006/main" xmlns:r="http://schemas.openxmlformats.org/officeDocument/2006/relationships" xmlns:p="http://schemas.openxmlformats.org/presentationml/2006/main">
+  <p:cSld>
+    <p:spTree>
+      <p:nvGrpSpPr>
+        <p:cNvPr id="1" name=""/>
+        <p:cNvGrpSpPr/>
+        <p:nvPr/>
+      </p:nvGrpSpPr>
+      <p:grpSpPr>
+        <a:xfrm>
+          <a:off x="0" y="0"/>
+          <a:ext cx="0" cy="0"/>
+          <a:chOff x="0" y="0"/>
+          <a:chExt cx="0" cy="0"/>
+        </a:xfrm>
+      </p:grpSpPr>
+      <p:sp>
+        <p:nvSpPr>
+          <p:cNvPr id="2" name="Title 1">
+            <a:extLst>
+              <a:ext uri="{FF2B5EF4-FFF2-40B4-BE49-F238E27FC236}">
+                <a16:creationId xmlns:a16="http://schemas.microsoft.com/office/drawing/2014/main" id="{E8553EAC-E8DD-0382-0E53-C7E27F248404}"/>
+              </a:ext>
+            </a:extLst>
+          </p:cNvPr>
+          <p:cNvSpPr>
+            <a:spLocks noGrp="1"/>
+          </p:cNvSpPr>
+          <p:nvPr>
+            <p:ph type="title"/>
+          </p:nvPr>
+        </p:nvSpPr>
+        <p:spPr/>
+        <p:txBody>
+          <a:bodyPr/>
+          <a:lstStyle/>
+          <a:p>
+            <a:r>
+              <a:rPr lang="en-US" dirty="0"/>
+              <a:t>Questions arises from the solution	</a:t>
+            </a:r>
+          </a:p>
+        </p:txBody>
+      </p:sp>
+      <p:sp>
+        <p:nvSpPr>
+          <p:cNvPr id="3" name="Content Placeholder 2">
+            <a:extLst>
+              <a:ext uri="{FF2B5EF4-FFF2-40B4-BE49-F238E27FC236}">
+                <a16:creationId xmlns:a16="http://schemas.microsoft.com/office/drawing/2014/main" id="{0CE130AF-6F8A-0A65-9527-A511EE130245}"/>
+              </a:ext>
+            </a:extLst>
+          </p:cNvPr>
+          <p:cNvSpPr>
+            <a:spLocks noGrp="1"/>
+          </p:cNvSpPr>
+          <p:nvPr>
+            <p:ph idx="1"/>
+          </p:nvPr>
+        </p:nvSpPr>
+        <p:spPr/>
+        <p:txBody>
+          <a:bodyPr/>
+          <a:lstStyle/>
+          <a:p>
+            <a:r>
+              <a:rPr lang="en-US" dirty="0"/>
+              <a:t>What was the guarantee that your decision was the best</a:t>
+            </a:r>
+          </a:p>
+          <a:p>
+            <a:r>
+              <a:rPr lang="en-US" dirty="0"/>
+              <a:t>Does your decision making system works for all different situations</a:t>
+            </a:r>
+          </a:p>
+          <a:p>
+            <a:r>
+              <a:rPr lang="en-US" dirty="0"/>
+              <a:t>Does another person will in the same situation will agree with your probability?</a:t>
+            </a:r>
+          </a:p>
+          <a:p>
+            <a:r>
+              <a:rPr lang="en-US" dirty="0"/>
+              <a:t>If not, why?</a:t>
+            </a:r>
+          </a:p>
+          <a:p>
+            <a:endParaRPr lang="en-US" dirty="0"/>
+          </a:p>
+        </p:txBody>
+      </p:sp>
+    </p:spTree>
+    <p:extLst>
+      <p:ext uri="{BB962C8B-B14F-4D97-AF65-F5344CB8AC3E}">
+        <p14:creationId xmlns:p14="http://schemas.microsoft.com/office/powerpoint/2010/main" val="372535322"/>
+      </p:ext>
+    </p:extLst>
+  </p:cSld>
+  <p:clrMapOvr>
+    <a:masterClrMapping/>
+  </p:clrMapOvr>
+</p:sld>
+</file>
+
+<file path=ppt/slides/slide28.xml><?xml version="1.0" encoding="utf-8"?>
 <p:sld xmlns:a="http://schemas.openxmlformats.org/drawingml/2006/main" xmlns:r="http://schemas.openxmlformats.org/officeDocument/2006/relationships" xmlns:p="http://schemas.openxmlformats.org/presentationml/2006/main">
   <p:cSld>
     <p:spTree>
@@ -9750,7 +13318,7 @@
 </p:sld>
 </file>
 
-<file path=ppt/slides/slide26.xml><?xml version="1.0" encoding="utf-8"?>
+<file path=ppt/slides/slide29.xml><?xml version="1.0" encoding="utf-8"?>
 <p:sld xmlns:a="http://schemas.openxmlformats.org/drawingml/2006/main" xmlns:r="http://schemas.openxmlformats.org/officeDocument/2006/relationships" xmlns:p="http://schemas.openxmlformats.org/presentationml/2006/main">
   <p:cSld>
     <p:spTree>
@@ -9855,7 +13423,92 @@
 </p:sld>
 </file>
 
-<file path=ppt/slides/slide27.xml><?xml version="1.0" encoding="utf-8"?>
+<file path=ppt/slides/slide3.xml><?xml version="1.0" encoding="utf-8"?>
+<p:sld xmlns:a="http://schemas.openxmlformats.org/drawingml/2006/main" xmlns:r="http://schemas.openxmlformats.org/officeDocument/2006/relationships" xmlns:p="http://schemas.openxmlformats.org/presentationml/2006/main">
+  <p:cSld>
+    <p:spTree>
+      <p:nvGrpSpPr>
+        <p:cNvPr id="1" name=""/>
+        <p:cNvGrpSpPr/>
+        <p:nvPr/>
+      </p:nvGrpSpPr>
+      <p:grpSpPr>
+        <a:xfrm>
+          <a:off x="0" y="0"/>
+          <a:ext cx="0" cy="0"/>
+          <a:chOff x="0" y="0"/>
+          <a:chExt cx="0" cy="0"/>
+        </a:xfrm>
+      </p:grpSpPr>
+      <p:sp>
+        <p:nvSpPr>
+          <p:cNvPr id="2" name="Title 1">
+            <a:extLst>
+              <a:ext uri="{FF2B5EF4-FFF2-40B4-BE49-F238E27FC236}">
+                <a16:creationId xmlns:a16="http://schemas.microsoft.com/office/drawing/2014/main" id="{144B19F0-9902-42F1-97E6-C0EECD94D9B6}"/>
+              </a:ext>
+            </a:extLst>
+          </p:cNvPr>
+          <p:cNvSpPr>
+            <a:spLocks noGrp="1"/>
+          </p:cNvSpPr>
+          <p:nvPr>
+            <p:ph type="ctrTitle"/>
+          </p:nvPr>
+        </p:nvSpPr>
+        <p:spPr/>
+        <p:txBody>
+          <a:bodyPr>
+            <a:normAutofit/>
+          </a:bodyPr>
+          <a:lstStyle/>
+          <a:p>
+            <a:r>
+              <a:rPr lang="en-US" sz="7000" b="1" dirty="0"/>
+              <a:t>?</a:t>
+            </a:r>
+          </a:p>
+        </p:txBody>
+      </p:sp>
+      <p:sp>
+        <p:nvSpPr>
+          <p:cNvPr id="3" name="Subtitle 2">
+            <a:extLst>
+              <a:ext uri="{FF2B5EF4-FFF2-40B4-BE49-F238E27FC236}">
+                <a16:creationId xmlns:a16="http://schemas.microsoft.com/office/drawing/2014/main" id="{8AF097A1-E4EF-4455-BE16-BDF6F13C6C3F}"/>
+              </a:ext>
+            </a:extLst>
+          </p:cNvPr>
+          <p:cNvSpPr>
+            <a:spLocks noGrp="1"/>
+          </p:cNvSpPr>
+          <p:nvPr>
+            <p:ph type="subTitle" idx="1"/>
+          </p:nvPr>
+        </p:nvSpPr>
+        <p:spPr/>
+        <p:txBody>
+          <a:bodyPr/>
+          <a:lstStyle/>
+          <a:p>
+            <a:endParaRPr lang="en-US" dirty="0"/>
+          </a:p>
+        </p:txBody>
+      </p:sp>
+    </p:spTree>
+    <p:extLst>
+      <p:ext uri="{BB962C8B-B14F-4D97-AF65-F5344CB8AC3E}">
+        <p14:creationId xmlns:p14="http://schemas.microsoft.com/office/powerpoint/2010/main" val="703595440"/>
+      </p:ext>
+    </p:extLst>
+  </p:cSld>
+  <p:clrMapOvr>
+    <a:masterClrMapping/>
+  </p:clrMapOvr>
+</p:sld>
+</file>
+
+<file path=ppt/slides/slide30.xml><?xml version="1.0" encoding="utf-8"?>
 <p:sld xmlns:a="http://schemas.openxmlformats.org/drawingml/2006/main" xmlns:r="http://schemas.openxmlformats.org/officeDocument/2006/relationships" xmlns:p="http://schemas.openxmlformats.org/presentationml/2006/main">
   <p:cSld>
     <p:spTree>
@@ -10049,7 +13702,108 @@
 </p:sld>
 </file>
 
-<file path=ppt/slides/slide28.xml><?xml version="1.0" encoding="utf-8"?>
+<file path=ppt/slides/slide31.xml><?xml version="1.0" encoding="utf-8"?>
+<p:sld xmlns:a="http://schemas.openxmlformats.org/drawingml/2006/main" xmlns:r="http://schemas.openxmlformats.org/officeDocument/2006/relationships" xmlns:p="http://schemas.openxmlformats.org/presentationml/2006/main">
+  <p:cSld>
+    <p:spTree>
+      <p:nvGrpSpPr>
+        <p:cNvPr id="1" name=""/>
+        <p:cNvGrpSpPr/>
+        <p:nvPr/>
+      </p:nvGrpSpPr>
+      <p:grpSpPr>
+        <a:xfrm>
+          <a:off x="0" y="0"/>
+          <a:ext cx="0" cy="0"/>
+          <a:chOff x="0" y="0"/>
+          <a:chExt cx="0" cy="0"/>
+        </a:xfrm>
+      </p:grpSpPr>
+      <p:sp>
+        <p:nvSpPr>
+          <p:cNvPr id="2" name="Title 1">
+            <a:extLst>
+              <a:ext uri="{FF2B5EF4-FFF2-40B4-BE49-F238E27FC236}">
+                <a16:creationId xmlns:a16="http://schemas.microsoft.com/office/drawing/2014/main" id="{789338A5-FB2A-8574-4861-13C5A5F0D129}"/>
+              </a:ext>
+            </a:extLst>
+          </p:cNvPr>
+          <p:cNvSpPr>
+            <a:spLocks noGrp="1"/>
+          </p:cNvSpPr>
+          <p:nvPr>
+            <p:ph type="title"/>
+          </p:nvPr>
+        </p:nvSpPr>
+        <p:spPr/>
+        <p:txBody>
+          <a:bodyPr/>
+          <a:lstStyle/>
+          <a:p>
+            <a:r>
+              <a:rPr lang="en-US" dirty="0"/>
+              <a:t>Practice	</a:t>
+            </a:r>
+          </a:p>
+        </p:txBody>
+      </p:sp>
+      <p:sp>
+        <p:nvSpPr>
+          <p:cNvPr id="3" name="Content Placeholder 2">
+            <a:extLst>
+              <a:ext uri="{FF2B5EF4-FFF2-40B4-BE49-F238E27FC236}">
+                <a16:creationId xmlns:a16="http://schemas.microsoft.com/office/drawing/2014/main" id="{A0BA6F1F-D70D-3341-ED54-917B3784771F}"/>
+              </a:ext>
+            </a:extLst>
+          </p:cNvPr>
+          <p:cNvSpPr>
+            <a:spLocks noGrp="1"/>
+          </p:cNvSpPr>
+          <p:nvPr>
+            <p:ph idx="1"/>
+          </p:nvPr>
+        </p:nvSpPr>
+        <p:spPr/>
+        <p:txBody>
+          <a:bodyPr/>
+          <a:lstStyle/>
+          <a:p>
+            <a:r>
+              <a:rPr lang="en-US" dirty="0"/>
+              <a:t>In the bus tacking scenario what would be Experiment?</a:t>
+            </a:r>
+          </a:p>
+          <a:p>
+            <a:r>
+              <a:rPr lang="en-US" dirty="0"/>
+              <a:t>Was the experiments random?</a:t>
+            </a:r>
+          </a:p>
+          <a:p>
+            <a:r>
+              <a:rPr lang="en-US" dirty="0"/>
+              <a:t>What were the events for which you calculated the probability</a:t>
+            </a:r>
+          </a:p>
+          <a:p>
+            <a:endParaRPr lang="en-US" dirty="0"/>
+          </a:p>
+        </p:txBody>
+      </p:sp>
+    </p:spTree>
+    <p:extLst>
+      <p:ext uri="{BB962C8B-B14F-4D97-AF65-F5344CB8AC3E}">
+        <p14:creationId xmlns:p14="http://schemas.microsoft.com/office/powerpoint/2010/main" val="891695480"/>
+      </p:ext>
+    </p:extLst>
+  </p:cSld>
+  <p:clrMapOvr>
+    <a:masterClrMapping/>
+  </p:clrMapOvr>
+</p:sld>
+</file>
+
+<file path=ppt/slides/slide32.xml><?xml version="1.0" encoding="utf-8"?>
 <p:sld xmlns:a="http://schemas.openxmlformats.org/drawingml/2006/main" xmlns:r="http://schemas.openxmlformats.org/officeDocument/2006/relationships" xmlns:p="http://schemas.openxmlformats.org/presentationml/2006/main">
   <p:cSld>
     <p:spTree>
@@ -10223,7 +13977,7 @@
 </p:sld>
 </file>
 
-<file path=ppt/slides/slide29.xml><?xml version="1.0" encoding="utf-8"?>
+<file path=ppt/slides/slide33.xml><?xml version="1.0" encoding="utf-8"?>
 <p:sld xmlns:a="http://schemas.openxmlformats.org/drawingml/2006/main" xmlns:r="http://schemas.openxmlformats.org/officeDocument/2006/relationships" xmlns:p="http://schemas.openxmlformats.org/presentationml/2006/main">
   <p:cSld>
     <p:spTree>
@@ -10483,357 +14237,7 @@
 </p:sld>
 </file>
 
-<file path=ppt/slides/slide3.xml><?xml version="1.0" encoding="utf-8"?>
-<p:sld xmlns:a="http://schemas.openxmlformats.org/drawingml/2006/main" xmlns:r="http://schemas.openxmlformats.org/officeDocument/2006/relationships" xmlns:p="http://schemas.openxmlformats.org/presentationml/2006/main">
-  <p:cSld>
-    <p:spTree>
-      <p:nvGrpSpPr>
-        <p:cNvPr id="1" name=""/>
-        <p:cNvGrpSpPr/>
-        <p:nvPr/>
-      </p:nvGrpSpPr>
-      <p:grpSpPr>
-        <a:xfrm>
-          <a:off x="0" y="0"/>
-          <a:ext cx="0" cy="0"/>
-          <a:chOff x="0" y="0"/>
-          <a:chExt cx="0" cy="0"/>
-        </a:xfrm>
-      </p:grpSpPr>
-      <p:sp>
-        <p:nvSpPr>
-          <p:cNvPr id="2" name="Title 1">
-            <a:extLst>
-              <a:ext uri="{FF2B5EF4-FFF2-40B4-BE49-F238E27FC236}">
-                <a16:creationId xmlns:a16="http://schemas.microsoft.com/office/drawing/2014/main" id="{A1B3240A-35E8-4615-918E-047C063157D9}"/>
-              </a:ext>
-            </a:extLst>
-          </p:cNvPr>
-          <p:cNvSpPr>
-            <a:spLocks noGrp="1"/>
-          </p:cNvSpPr>
-          <p:nvPr>
-            <p:ph type="title"/>
-          </p:nvPr>
-        </p:nvSpPr>
-        <p:spPr/>
-        <p:txBody>
-          <a:bodyPr/>
-          <a:lstStyle/>
-          <a:p>
-            <a:r>
-              <a:rPr lang="en-US" dirty="0"/>
-              <a:t>Use of questions (good things)</a:t>
-            </a:r>
-          </a:p>
-        </p:txBody>
-      </p:sp>
-      <p:sp>
-        <p:nvSpPr>
-          <p:cNvPr id="3" name="Content Placeholder 2">
-            <a:extLst>
-              <a:ext uri="{FF2B5EF4-FFF2-40B4-BE49-F238E27FC236}">
-                <a16:creationId xmlns:a16="http://schemas.microsoft.com/office/drawing/2014/main" id="{4EF6CE26-B55D-4911-B733-109207EA6A89}"/>
-              </a:ext>
-            </a:extLst>
-          </p:cNvPr>
-          <p:cNvSpPr>
-            <a:spLocks noGrp="1"/>
-          </p:cNvSpPr>
-          <p:nvPr>
-            <p:ph idx="1"/>
-          </p:nvPr>
-        </p:nvSpPr>
-        <p:spPr>
-          <a:xfrm>
-            <a:off x="1328853" y="1825625"/>
-            <a:ext cx="4581293" cy="4351338"/>
-          </a:xfrm>
-        </p:spPr>
-        <p:txBody>
-          <a:bodyPr/>
-          <a:lstStyle/>
-          <a:p>
-            <a:pPr marL="0" indent="0">
-              <a:buNone/>
-            </a:pPr>
-            <a:r>
-              <a:rPr lang="en-US" b="1" dirty="0"/>
-              <a:t>Good Use</a:t>
-            </a:r>
-          </a:p>
-          <a:p>
-            <a:r>
-              <a:rPr lang="en-US" dirty="0"/>
-              <a:t>To express interest to learn </a:t>
-            </a:r>
-          </a:p>
-          <a:p>
-            <a:r>
-              <a:rPr lang="en-US" dirty="0"/>
-              <a:t>To get a solutions</a:t>
-            </a:r>
-          </a:p>
-          <a:p>
-            <a:r>
-              <a:rPr lang="en-US" dirty="0"/>
-              <a:t>Questioning improves the intelligence</a:t>
-            </a:r>
-          </a:p>
-          <a:p>
-            <a:r>
-              <a:rPr lang="en-US" dirty="0"/>
-              <a:t>What else?</a:t>
-            </a:r>
-          </a:p>
-        </p:txBody>
-      </p:sp>
-      <p:sp>
-        <p:nvSpPr>
-          <p:cNvPr id="4" name="Content Placeholder 2">
-            <a:extLst>
-              <a:ext uri="{FF2B5EF4-FFF2-40B4-BE49-F238E27FC236}">
-                <a16:creationId xmlns:a16="http://schemas.microsoft.com/office/drawing/2014/main" id="{47DEAE97-2580-4E59-B25F-C1A7870E1E57}"/>
-              </a:ext>
-            </a:extLst>
-          </p:cNvPr>
-          <p:cNvSpPr txBox="1">
-            <a:spLocks/>
-          </p:cNvSpPr>
-          <p:nvPr/>
-        </p:nvSpPr>
-        <p:spPr>
-          <a:xfrm>
-            <a:off x="6224238" y="1825625"/>
-            <a:ext cx="4581293" cy="4351338"/>
-          </a:xfrm>
-          <a:prstGeom prst="rect">
-            <a:avLst/>
-          </a:prstGeom>
-        </p:spPr>
-        <p:txBody>
-          <a:bodyPr vert="horz" lIns="91440" tIns="45720" rIns="91440" bIns="45720" rtlCol="0">
-            <a:normAutofit/>
-          </a:bodyPr>
-          <a:lstStyle>
-            <a:lvl1pPr marL="228600" indent="-228600" algn="l" defTabSz="914400" rtl="0" eaLnBrk="1" latinLnBrk="0" hangingPunct="1">
-              <a:lnSpc>
-                <a:spcPct val="90000"/>
-              </a:lnSpc>
-              <a:spcBef>
-                <a:spcPts val="1000"/>
-              </a:spcBef>
-              <a:buFont typeface="Arial" panose="020B0604020202020204" pitchFamily="34" charset="0"/>
-              <a:buChar char="•"/>
-              <a:defRPr sz="2800" kern="1200">
-                <a:solidFill>
-                  <a:schemeClr val="tx1"/>
-                </a:solidFill>
-                <a:latin typeface="+mn-lt"/>
-                <a:ea typeface="+mn-ea"/>
-                <a:cs typeface="+mn-cs"/>
-              </a:defRPr>
-            </a:lvl1pPr>
-            <a:lvl2pPr marL="685800" indent="-228600" algn="l" defTabSz="914400" rtl="0" eaLnBrk="1" latinLnBrk="0" hangingPunct="1">
-              <a:lnSpc>
-                <a:spcPct val="90000"/>
-              </a:lnSpc>
-              <a:spcBef>
-                <a:spcPts val="500"/>
-              </a:spcBef>
-              <a:buFont typeface="Arial" panose="020B0604020202020204" pitchFamily="34" charset="0"/>
-              <a:buChar char="•"/>
-              <a:defRPr sz="2400" kern="1200">
-                <a:solidFill>
-                  <a:schemeClr val="tx1"/>
-                </a:solidFill>
-                <a:latin typeface="+mn-lt"/>
-                <a:ea typeface="+mn-ea"/>
-                <a:cs typeface="+mn-cs"/>
-              </a:defRPr>
-            </a:lvl2pPr>
-            <a:lvl3pPr marL="1143000" indent="-228600" algn="l" defTabSz="914400" rtl="0" eaLnBrk="1" latinLnBrk="0" hangingPunct="1">
-              <a:lnSpc>
-                <a:spcPct val="90000"/>
-              </a:lnSpc>
-              <a:spcBef>
-                <a:spcPts val="500"/>
-              </a:spcBef>
-              <a:buFont typeface="Arial" panose="020B0604020202020204" pitchFamily="34" charset="0"/>
-              <a:buChar char="•"/>
-              <a:defRPr sz="2000" kern="1200">
-                <a:solidFill>
-                  <a:schemeClr val="tx1"/>
-                </a:solidFill>
-                <a:latin typeface="+mn-lt"/>
-                <a:ea typeface="+mn-ea"/>
-                <a:cs typeface="+mn-cs"/>
-              </a:defRPr>
-            </a:lvl3pPr>
-            <a:lvl4pPr marL="1600200" indent="-228600" algn="l" defTabSz="914400" rtl="0" eaLnBrk="1" latinLnBrk="0" hangingPunct="1">
-              <a:lnSpc>
-                <a:spcPct val="90000"/>
-              </a:lnSpc>
-              <a:spcBef>
-                <a:spcPts val="500"/>
-              </a:spcBef>
-              <a:buFont typeface="Arial" panose="020B0604020202020204" pitchFamily="34" charset="0"/>
-              <a:buChar char="•"/>
-              <a:defRPr sz="1800" kern="1200">
-                <a:solidFill>
-                  <a:schemeClr val="tx1"/>
-                </a:solidFill>
-                <a:latin typeface="+mn-lt"/>
-                <a:ea typeface="+mn-ea"/>
-                <a:cs typeface="+mn-cs"/>
-              </a:defRPr>
-            </a:lvl4pPr>
-            <a:lvl5pPr marL="2057400" indent="-228600" algn="l" defTabSz="914400" rtl="0" eaLnBrk="1" latinLnBrk="0" hangingPunct="1">
-              <a:lnSpc>
-                <a:spcPct val="90000"/>
-              </a:lnSpc>
-              <a:spcBef>
-                <a:spcPts val="500"/>
-              </a:spcBef>
-              <a:buFont typeface="Arial" panose="020B0604020202020204" pitchFamily="34" charset="0"/>
-              <a:buChar char="•"/>
-              <a:defRPr sz="1800" kern="1200">
-                <a:solidFill>
-                  <a:schemeClr val="tx1"/>
-                </a:solidFill>
-                <a:latin typeface="+mn-lt"/>
-                <a:ea typeface="+mn-ea"/>
-                <a:cs typeface="+mn-cs"/>
-              </a:defRPr>
-            </a:lvl5pPr>
-            <a:lvl6pPr marL="2514600" indent="-228600" algn="l" defTabSz="914400" rtl="0" eaLnBrk="1" latinLnBrk="0" hangingPunct="1">
-              <a:lnSpc>
-                <a:spcPct val="90000"/>
-              </a:lnSpc>
-              <a:spcBef>
-                <a:spcPts val="500"/>
-              </a:spcBef>
-              <a:buFont typeface="Arial" panose="020B0604020202020204" pitchFamily="34" charset="0"/>
-              <a:buChar char="•"/>
-              <a:defRPr sz="1800" kern="1200">
-                <a:solidFill>
-                  <a:schemeClr val="tx1"/>
-                </a:solidFill>
-                <a:latin typeface="+mn-lt"/>
-                <a:ea typeface="+mn-ea"/>
-                <a:cs typeface="+mn-cs"/>
-              </a:defRPr>
-            </a:lvl6pPr>
-            <a:lvl7pPr marL="2971800" indent="-228600" algn="l" defTabSz="914400" rtl="0" eaLnBrk="1" latinLnBrk="0" hangingPunct="1">
-              <a:lnSpc>
-                <a:spcPct val="90000"/>
-              </a:lnSpc>
-              <a:spcBef>
-                <a:spcPts val="500"/>
-              </a:spcBef>
-              <a:buFont typeface="Arial" panose="020B0604020202020204" pitchFamily="34" charset="0"/>
-              <a:buChar char="•"/>
-              <a:defRPr sz="1800" kern="1200">
-                <a:solidFill>
-                  <a:schemeClr val="tx1"/>
-                </a:solidFill>
-                <a:latin typeface="+mn-lt"/>
-                <a:ea typeface="+mn-ea"/>
-                <a:cs typeface="+mn-cs"/>
-              </a:defRPr>
-            </a:lvl7pPr>
-            <a:lvl8pPr marL="3429000" indent="-228600" algn="l" defTabSz="914400" rtl="0" eaLnBrk="1" latinLnBrk="0" hangingPunct="1">
-              <a:lnSpc>
-                <a:spcPct val="90000"/>
-              </a:lnSpc>
-              <a:spcBef>
-                <a:spcPts val="500"/>
-              </a:spcBef>
-              <a:buFont typeface="Arial" panose="020B0604020202020204" pitchFamily="34" charset="0"/>
-              <a:buChar char="•"/>
-              <a:defRPr sz="1800" kern="1200">
-                <a:solidFill>
-                  <a:schemeClr val="tx1"/>
-                </a:solidFill>
-                <a:latin typeface="+mn-lt"/>
-                <a:ea typeface="+mn-ea"/>
-                <a:cs typeface="+mn-cs"/>
-              </a:defRPr>
-            </a:lvl8pPr>
-            <a:lvl9pPr marL="3886200" indent="-228600" algn="l" defTabSz="914400" rtl="0" eaLnBrk="1" latinLnBrk="0" hangingPunct="1">
-              <a:lnSpc>
-                <a:spcPct val="90000"/>
-              </a:lnSpc>
-              <a:spcBef>
-                <a:spcPts val="500"/>
-              </a:spcBef>
-              <a:buFont typeface="Arial" panose="020B0604020202020204" pitchFamily="34" charset="0"/>
-              <a:buChar char="•"/>
-              <a:defRPr sz="1800" kern="1200">
-                <a:solidFill>
-                  <a:schemeClr val="tx1"/>
-                </a:solidFill>
-                <a:latin typeface="+mn-lt"/>
-                <a:ea typeface="+mn-ea"/>
-                <a:cs typeface="+mn-cs"/>
-              </a:defRPr>
-            </a:lvl9pPr>
-          </a:lstStyle>
-          <a:p>
-            <a:pPr marL="0" indent="0">
-              <a:buNone/>
-            </a:pPr>
-            <a:r>
-              <a:rPr lang="en-US" b="1" dirty="0"/>
-              <a:t>Problematic use</a:t>
-            </a:r>
-          </a:p>
-          <a:p>
-            <a:r>
-              <a:rPr lang="en-US" dirty="0"/>
-              <a:t>Showing disbelief or doubt</a:t>
-            </a:r>
-          </a:p>
-          <a:p>
-            <a:r>
-              <a:rPr lang="en-US" dirty="0"/>
-              <a:t>Asking private/sensitive information</a:t>
-            </a:r>
-          </a:p>
-          <a:p>
-            <a:r>
-              <a:rPr lang="en-US" dirty="0"/>
-              <a:t>Asking something metaphysical</a:t>
-            </a:r>
-          </a:p>
-          <a:p>
-            <a:r>
-              <a:rPr lang="en-US" dirty="0"/>
-              <a:t>What else?</a:t>
-            </a:r>
-          </a:p>
-          <a:p>
-            <a:pPr marL="0" indent="0">
-              <a:buNone/>
-            </a:pPr>
-            <a:endParaRPr lang="en-US" dirty="0"/>
-          </a:p>
-        </p:txBody>
-      </p:sp>
-    </p:spTree>
-    <p:extLst>
-      <p:ext uri="{BB962C8B-B14F-4D97-AF65-F5344CB8AC3E}">
-        <p14:creationId xmlns:p14="http://schemas.microsoft.com/office/powerpoint/2010/main" val="3686082238"/>
-      </p:ext>
-    </p:extLst>
-  </p:cSld>
-  <p:clrMapOvr>
-    <a:masterClrMapping/>
-  </p:clrMapOvr>
-</p:sld>
-</file>
-
-<file path=ppt/slides/slide30.xml><?xml version="1.0" encoding="utf-8"?>
+<file path=ppt/slides/slide34.xml><?xml version="1.0" encoding="utf-8"?>
 <p:sld xmlns:a="http://schemas.openxmlformats.org/drawingml/2006/main" xmlns:r="http://schemas.openxmlformats.org/officeDocument/2006/relationships" xmlns:p="http://schemas.openxmlformats.org/presentationml/2006/main">
   <p:cSld>
     <p:spTree>
@@ -11168,7 +14572,7 @@
 </p:sld>
 </file>
 
-<file path=ppt/slides/slide31.xml><?xml version="1.0" encoding="utf-8"?>
+<file path=ppt/slides/slide35.xml><?xml version="1.0" encoding="utf-8"?>
 <p:sld xmlns:a="http://schemas.openxmlformats.org/drawingml/2006/main" xmlns:r="http://schemas.openxmlformats.org/officeDocument/2006/relationships" xmlns:p="http://schemas.openxmlformats.org/presentationml/2006/main">
   <p:cSld>
     <p:spTree>
@@ -11304,7 +14708,7 @@
 </p:sld>
 </file>
 
-<file path=ppt/slides/slide32.xml><?xml version="1.0" encoding="utf-8"?>
+<file path=ppt/slides/slide36.xml><?xml version="1.0" encoding="utf-8"?>
 <p:sld xmlns:a="http://schemas.openxmlformats.org/drawingml/2006/main" xmlns:r="http://schemas.openxmlformats.org/officeDocument/2006/relationships" xmlns:p="http://schemas.openxmlformats.org/presentationml/2006/main">
   <p:cSld>
     <p:spTree>
@@ -11626,7 +15030,7 @@
 </p:sld>
 </file>
 
-<file path=ppt/slides/slide33.xml><?xml version="1.0" encoding="utf-8"?>
+<file path=ppt/slides/slide37.xml><?xml version="1.0" encoding="utf-8"?>
 <p:sld xmlns:a="http://schemas.openxmlformats.org/drawingml/2006/main" xmlns:r="http://schemas.openxmlformats.org/officeDocument/2006/relationships" xmlns:p="http://schemas.openxmlformats.org/presentationml/2006/main">
   <p:cSld>
     <p:spTree>
@@ -11954,7 +15358,7 @@
 </p:sld>
 </file>
 
-<file path=ppt/slides/slide34.xml><?xml version="1.0" encoding="utf-8"?>
+<file path=ppt/slides/slide38.xml><?xml version="1.0" encoding="utf-8"?>
 <p:sld xmlns:a="http://schemas.openxmlformats.org/drawingml/2006/main" xmlns:r="http://schemas.openxmlformats.org/officeDocument/2006/relationships" xmlns:p="http://schemas.openxmlformats.org/presentationml/2006/main">
   <p:cSld>
     <p:spTree>
@@ -12174,7 +15578,7 @@
 </p:sld>
 </file>
 
-<file path=ppt/slides/slide35.xml><?xml version="1.0" encoding="utf-8"?>
+<file path=ppt/slides/slide39.xml><?xml version="1.0" encoding="utf-8"?>
 <p:sld xmlns:a="http://schemas.openxmlformats.org/drawingml/2006/main" xmlns:r="http://schemas.openxmlformats.org/officeDocument/2006/relationships" xmlns:p="http://schemas.openxmlformats.org/presentationml/2006/main">
   <p:cSld>
     <p:spTree>
@@ -12364,7 +15768,111 @@
 </p:sld>
 </file>
 
-<file path=ppt/slides/slide36.xml><?xml version="1.0" encoding="utf-8"?>
+<file path=ppt/slides/slide4.xml><?xml version="1.0" encoding="utf-8"?>
+<p:sld xmlns:a="http://schemas.openxmlformats.org/drawingml/2006/main" xmlns:r="http://schemas.openxmlformats.org/officeDocument/2006/relationships" xmlns:p="http://schemas.openxmlformats.org/presentationml/2006/main">
+  <p:cSld>
+    <p:spTree>
+      <p:nvGrpSpPr>
+        <p:cNvPr id="1" name=""/>
+        <p:cNvGrpSpPr/>
+        <p:nvPr/>
+      </p:nvGrpSpPr>
+      <p:grpSpPr>
+        <a:xfrm>
+          <a:off x="0" y="0"/>
+          <a:ext cx="0" cy="0"/>
+          <a:chOff x="0" y="0"/>
+          <a:chExt cx="0" cy="0"/>
+        </a:xfrm>
+      </p:grpSpPr>
+      <p:sp>
+        <p:nvSpPr>
+          <p:cNvPr id="2" name="Title 1">
+            <a:extLst>
+              <a:ext uri="{FF2B5EF4-FFF2-40B4-BE49-F238E27FC236}">
+                <a16:creationId xmlns:a16="http://schemas.microsoft.com/office/drawing/2014/main" id="{A1B3240A-35E8-4615-918E-047C063157D9}"/>
+              </a:ext>
+            </a:extLst>
+          </p:cNvPr>
+          <p:cNvSpPr>
+            <a:spLocks noGrp="1"/>
+          </p:cNvSpPr>
+          <p:nvPr>
+            <p:ph type="title"/>
+          </p:nvPr>
+        </p:nvSpPr>
+        <p:spPr/>
+        <p:txBody>
+          <a:bodyPr/>
+          <a:lstStyle/>
+          <a:p>
+            <a:r>
+              <a:rPr lang="en-US" dirty="0"/>
+              <a:t>What is a question?</a:t>
+            </a:r>
+          </a:p>
+        </p:txBody>
+      </p:sp>
+      <p:sp>
+        <p:nvSpPr>
+          <p:cNvPr id="3" name="Content Placeholder 2">
+            <a:extLst>
+              <a:ext uri="{FF2B5EF4-FFF2-40B4-BE49-F238E27FC236}">
+                <a16:creationId xmlns:a16="http://schemas.microsoft.com/office/drawing/2014/main" id="{4EF6CE26-B55D-4911-B733-109207EA6A89}"/>
+              </a:ext>
+            </a:extLst>
+          </p:cNvPr>
+          <p:cNvSpPr>
+            <a:spLocks noGrp="1"/>
+          </p:cNvSpPr>
+          <p:nvPr>
+            <p:ph idx="1"/>
+          </p:nvPr>
+        </p:nvSpPr>
+        <p:spPr/>
+        <p:txBody>
+          <a:bodyPr/>
+          <a:lstStyle/>
+          <a:p>
+            <a:r>
+              <a:rPr lang="en-US" dirty="0"/>
+              <a:t>Interrogative expression</a:t>
+            </a:r>
+          </a:p>
+          <a:p>
+            <a:r>
+              <a:rPr lang="en-US" dirty="0"/>
+              <a:t>The foundation of knowledge</a:t>
+            </a:r>
+          </a:p>
+          <a:p>
+            <a:r>
+              <a:rPr lang="en-US" dirty="0"/>
+              <a:t>Questioning is a powerful tool to exchange ideas</a:t>
+            </a:r>
+          </a:p>
+          <a:p>
+            <a:r>
+              <a:rPr lang="en-US" dirty="0"/>
+              <a:t>What do you think?</a:t>
+            </a:r>
+          </a:p>
+        </p:txBody>
+      </p:sp>
+    </p:spTree>
+    <p:extLst>
+      <p:ext uri="{BB962C8B-B14F-4D97-AF65-F5344CB8AC3E}">
+        <p14:creationId xmlns:p14="http://schemas.microsoft.com/office/powerpoint/2010/main" val="1065249592"/>
+      </p:ext>
+    </p:extLst>
+  </p:cSld>
+  <p:clrMapOvr>
+    <a:masterClrMapping/>
+  </p:clrMapOvr>
+</p:sld>
+</file>
+
+<file path=ppt/slides/slide40.xml><?xml version="1.0" encoding="utf-8"?>
 <p:sld xmlns:a="http://schemas.openxmlformats.org/drawingml/2006/main" xmlns:r="http://schemas.openxmlformats.org/officeDocument/2006/relationships" xmlns:p="http://schemas.openxmlformats.org/presentationml/2006/main">
   <p:cSld>
     <p:spTree>
@@ -12848,7 +16356,7 @@
 </p:sld>
 </file>
 
-<file path=ppt/slides/slide37.xml><?xml version="1.0" encoding="utf-8"?>
+<file path=ppt/slides/slide41.xml><?xml version="1.0" encoding="utf-8"?>
 <p:sld xmlns:a="http://schemas.openxmlformats.org/drawingml/2006/main" xmlns:r="http://schemas.openxmlformats.org/officeDocument/2006/relationships" xmlns:p="http://schemas.openxmlformats.org/presentationml/2006/main">
   <p:cSld>
     <p:spTree>
@@ -12958,7 +16466,7 @@
 </p:sld>
 </file>
 
-<file path=ppt/slides/slide38.xml><?xml version="1.0" encoding="utf-8"?>
+<file path=ppt/slides/slide42.xml><?xml version="1.0" encoding="utf-8"?>
 <p:sld xmlns:a="http://schemas.openxmlformats.org/drawingml/2006/main" xmlns:r="http://schemas.openxmlformats.org/officeDocument/2006/relationships" xmlns:p="http://schemas.openxmlformats.org/presentationml/2006/main">
   <p:cSld>
     <p:spTree>
@@ -13253,7 +16761,7 @@
 </p:sld>
 </file>
 
-<file path=ppt/slides/slide39.xml><?xml version="1.0" encoding="utf-8"?>
+<file path=ppt/slides/slide43.xml><?xml version="1.0" encoding="utf-8"?>
 <p:sld xmlns:a="http://schemas.openxmlformats.org/drawingml/2006/main" xmlns:r="http://schemas.openxmlformats.org/officeDocument/2006/relationships" xmlns:p="http://schemas.openxmlformats.org/presentationml/2006/main">
   <p:cSld>
     <p:spTree>
@@ -13468,163 +16976,7 @@
 </p:sld>
 </file>
 
-<file path=ppt/slides/slide4.xml><?xml version="1.0" encoding="utf-8"?>
-<p:sld xmlns:a="http://schemas.openxmlformats.org/drawingml/2006/main" xmlns:r="http://schemas.openxmlformats.org/officeDocument/2006/relationships" xmlns:p="http://schemas.openxmlformats.org/presentationml/2006/main">
-  <p:cSld>
-    <p:spTree>
-      <p:nvGrpSpPr>
-        <p:cNvPr id="1" name=""/>
-        <p:cNvGrpSpPr/>
-        <p:nvPr/>
-      </p:nvGrpSpPr>
-      <p:grpSpPr>
-        <a:xfrm>
-          <a:off x="0" y="0"/>
-          <a:ext cx="0" cy="0"/>
-          <a:chOff x="0" y="0"/>
-          <a:chExt cx="0" cy="0"/>
-        </a:xfrm>
-      </p:grpSpPr>
-      <p:sp>
-        <p:nvSpPr>
-          <p:cNvPr id="2" name="Title 1">
-            <a:extLst>
-              <a:ext uri="{FF2B5EF4-FFF2-40B4-BE49-F238E27FC236}">
-                <a16:creationId xmlns:a16="http://schemas.microsoft.com/office/drawing/2014/main" id="{A1B3240A-35E8-4615-918E-047C063157D9}"/>
-              </a:ext>
-            </a:extLst>
-          </p:cNvPr>
-          <p:cNvSpPr>
-            <a:spLocks noGrp="1"/>
-          </p:cNvSpPr>
-          <p:nvPr>
-            <p:ph type="title"/>
-          </p:nvPr>
-        </p:nvSpPr>
-        <p:spPr/>
-        <p:txBody>
-          <a:bodyPr/>
-          <a:lstStyle/>
-          <a:p>
-            <a:r>
-              <a:rPr lang="en-US" dirty="0"/>
-              <a:t>Use of questions (good things)</a:t>
-            </a:r>
-          </a:p>
-        </p:txBody>
-      </p:sp>
-      <p:sp>
-        <p:nvSpPr>
-          <p:cNvPr id="3" name="Content Placeholder 2">
-            <a:extLst>
-              <a:ext uri="{FF2B5EF4-FFF2-40B4-BE49-F238E27FC236}">
-                <a16:creationId xmlns:a16="http://schemas.microsoft.com/office/drawing/2014/main" id="{4EF6CE26-B55D-4911-B733-109207EA6A89}"/>
-              </a:ext>
-            </a:extLst>
-          </p:cNvPr>
-          <p:cNvSpPr>
-            <a:spLocks noGrp="1"/>
-          </p:cNvSpPr>
-          <p:nvPr>
-            <p:ph idx="1"/>
-          </p:nvPr>
-        </p:nvSpPr>
-        <p:spPr>
-          <a:xfrm>
-            <a:off x="1328853" y="1825625"/>
-            <a:ext cx="9632796" cy="4351338"/>
-          </a:xfrm>
-        </p:spPr>
-        <p:txBody>
-          <a:bodyPr/>
-          <a:lstStyle/>
-          <a:p>
-            <a:pPr marL="0" indent="0">
-              <a:buNone/>
-            </a:pPr>
-            <a:r>
-              <a:rPr lang="en-US" b="1" i="0" dirty="0">
-                <a:solidFill>
-                  <a:srgbClr val="282828"/>
-                </a:solidFill>
-                <a:effectLst/>
-                <a:latin typeface="Lava Std"/>
-              </a:rPr>
-              <a:t>“Asking a lot of questions unlocks learning and improves interpersonal bonding.”—Alison and Leslie (2018)</a:t>
-            </a:r>
-          </a:p>
-          <a:p>
-            <a:pPr marL="0" indent="0">
-              <a:buNone/>
-            </a:pPr>
-            <a:endParaRPr lang="en-US" b="1" dirty="0">
-              <a:solidFill>
-                <a:srgbClr val="282828"/>
-              </a:solidFill>
-              <a:latin typeface="Lava Std"/>
-            </a:endParaRPr>
-          </a:p>
-          <a:p>
-            <a:pPr marL="0" indent="0">
-              <a:buNone/>
-            </a:pPr>
-            <a:r>
-              <a:rPr lang="en-US" b="1" dirty="0">
-                <a:solidFill>
-                  <a:srgbClr val="282828"/>
-                </a:solidFill>
-                <a:latin typeface="Lava Std"/>
-              </a:rPr>
-              <a:t>What is your opinion?</a:t>
-            </a:r>
-          </a:p>
-          <a:p>
-            <a:pPr marL="0" indent="0">
-              <a:buNone/>
-            </a:pPr>
-            <a:endParaRPr lang="en-US" b="1" dirty="0">
-              <a:solidFill>
-                <a:srgbClr val="282828"/>
-              </a:solidFill>
-              <a:latin typeface="Lava Std"/>
-            </a:endParaRPr>
-          </a:p>
-          <a:p>
-            <a:pPr marL="0" indent="0">
-              <a:buNone/>
-            </a:pPr>
-            <a:r>
-              <a:rPr lang="en-US" b="1" dirty="0">
-                <a:solidFill>
-                  <a:srgbClr val="282828"/>
-                </a:solidFill>
-                <a:latin typeface="Lava Std"/>
-              </a:rPr>
-              <a:t>What is your experience?</a:t>
-            </a:r>
-          </a:p>
-          <a:p>
-            <a:pPr marL="0" indent="0">
-              <a:buNone/>
-            </a:pPr>
-            <a:endParaRPr lang="en-US" dirty="0"/>
-          </a:p>
-        </p:txBody>
-      </p:sp>
-    </p:spTree>
-    <p:extLst>
-      <p:ext uri="{BB962C8B-B14F-4D97-AF65-F5344CB8AC3E}">
-        <p14:creationId xmlns:p14="http://schemas.microsoft.com/office/powerpoint/2010/main" val="3017822985"/>
-      </p:ext>
-    </p:extLst>
-  </p:cSld>
-  <p:clrMapOvr>
-    <a:masterClrMapping/>
-  </p:clrMapOvr>
-</p:sld>
-</file>
-
-<file path=ppt/slides/slide40.xml><?xml version="1.0" encoding="utf-8"?>
+<file path=ppt/slides/slide44.xml><?xml version="1.0" encoding="utf-8"?>
 <p:sld xmlns:a="http://schemas.openxmlformats.org/drawingml/2006/main" xmlns:r="http://schemas.openxmlformats.org/officeDocument/2006/relationships" xmlns:p="http://schemas.openxmlformats.org/presentationml/2006/main">
   <p:cSld>
     <p:spTree>
@@ -13743,7 +17095,7 @@
 </p:sld>
 </file>
 
-<file path=ppt/slides/slide41.xml><?xml version="1.0" encoding="utf-8"?>
+<file path=ppt/slides/slide45.xml><?xml version="1.0" encoding="utf-8"?>
 <p:sld xmlns:a="http://schemas.openxmlformats.org/drawingml/2006/main" xmlns:r="http://schemas.openxmlformats.org/officeDocument/2006/relationships" xmlns:p="http://schemas.openxmlformats.org/presentationml/2006/main">
   <p:cSld>
     <p:spTree>
@@ -13965,7 +17317,7 @@
 </p:sld>
 </file>
 
-<file path=ppt/slides/slide42.xml><?xml version="1.0" encoding="utf-8"?>
+<file path=ppt/slides/slide46.xml><?xml version="1.0" encoding="utf-8"?>
 <p:sld xmlns:a="http://schemas.openxmlformats.org/drawingml/2006/main" xmlns:r="http://schemas.openxmlformats.org/officeDocument/2006/relationships" xmlns:p="http://schemas.openxmlformats.org/presentationml/2006/main">
   <p:cSld>
     <p:spTree>
@@ -14134,7 +17486,7 @@
 </p:sld>
 </file>
 
-<file path=ppt/slides/slide43.xml><?xml version="1.0" encoding="utf-8"?>
+<file path=ppt/slides/slide47.xml><?xml version="1.0" encoding="utf-8"?>
 <p:sld xmlns:a="http://schemas.openxmlformats.org/drawingml/2006/main" xmlns:r="http://schemas.openxmlformats.org/officeDocument/2006/relationships" xmlns:p="http://schemas.openxmlformats.org/presentationml/2006/main">
   <p:cSld>
     <p:spTree>
@@ -14509,7 +17861,7 @@
 </p:sld>
 </file>
 
-<file path=ppt/slides/slide44.xml><?xml version="1.0" encoding="utf-8"?>
+<file path=ppt/slides/slide48.xml><?xml version="1.0" encoding="utf-8"?>
 <p:sld xmlns:a="http://schemas.openxmlformats.org/drawingml/2006/main" xmlns:r="http://schemas.openxmlformats.org/officeDocument/2006/relationships" xmlns:p="http://schemas.openxmlformats.org/presentationml/2006/main">
   <p:cSld>
     <p:spTree>
@@ -15488,7 +18840,7 @@
 </p:sld>
 </file>
 
-<file path=ppt/slides/slide45.xml><?xml version="1.0" encoding="utf-8"?>
+<file path=ppt/slides/slide49.xml><?xml version="1.0" encoding="utf-8"?>
 <p:sld xmlns:a="http://schemas.openxmlformats.org/drawingml/2006/main" xmlns:r="http://schemas.openxmlformats.org/officeDocument/2006/relationships" xmlns:p="http://schemas.openxmlformats.org/presentationml/2006/main">
   <p:cSld>
     <p:spTree>
@@ -16563,7 +19915,357 @@
 </p:sld>
 </file>
 
-<file path=ppt/slides/slide46.xml><?xml version="1.0" encoding="utf-8"?>
+<file path=ppt/slides/slide5.xml><?xml version="1.0" encoding="utf-8"?>
+<p:sld xmlns:a="http://schemas.openxmlformats.org/drawingml/2006/main" xmlns:r="http://schemas.openxmlformats.org/officeDocument/2006/relationships" xmlns:p="http://schemas.openxmlformats.org/presentationml/2006/main">
+  <p:cSld>
+    <p:spTree>
+      <p:nvGrpSpPr>
+        <p:cNvPr id="1" name=""/>
+        <p:cNvGrpSpPr/>
+        <p:nvPr/>
+      </p:nvGrpSpPr>
+      <p:grpSpPr>
+        <a:xfrm>
+          <a:off x="0" y="0"/>
+          <a:ext cx="0" cy="0"/>
+          <a:chOff x="0" y="0"/>
+          <a:chExt cx="0" cy="0"/>
+        </a:xfrm>
+      </p:grpSpPr>
+      <p:sp>
+        <p:nvSpPr>
+          <p:cNvPr id="2" name="Title 1">
+            <a:extLst>
+              <a:ext uri="{FF2B5EF4-FFF2-40B4-BE49-F238E27FC236}">
+                <a16:creationId xmlns:a16="http://schemas.microsoft.com/office/drawing/2014/main" id="{A1B3240A-35E8-4615-918E-047C063157D9}"/>
+              </a:ext>
+            </a:extLst>
+          </p:cNvPr>
+          <p:cNvSpPr>
+            <a:spLocks noGrp="1"/>
+          </p:cNvSpPr>
+          <p:nvPr>
+            <p:ph type="title"/>
+          </p:nvPr>
+        </p:nvSpPr>
+        <p:spPr/>
+        <p:txBody>
+          <a:bodyPr/>
+          <a:lstStyle/>
+          <a:p>
+            <a:r>
+              <a:rPr lang="en-US" dirty="0"/>
+              <a:t>Use of questions (good things)</a:t>
+            </a:r>
+          </a:p>
+        </p:txBody>
+      </p:sp>
+      <p:sp>
+        <p:nvSpPr>
+          <p:cNvPr id="3" name="Content Placeholder 2">
+            <a:extLst>
+              <a:ext uri="{FF2B5EF4-FFF2-40B4-BE49-F238E27FC236}">
+                <a16:creationId xmlns:a16="http://schemas.microsoft.com/office/drawing/2014/main" id="{4EF6CE26-B55D-4911-B733-109207EA6A89}"/>
+              </a:ext>
+            </a:extLst>
+          </p:cNvPr>
+          <p:cNvSpPr>
+            <a:spLocks noGrp="1"/>
+          </p:cNvSpPr>
+          <p:nvPr>
+            <p:ph idx="1"/>
+          </p:nvPr>
+        </p:nvSpPr>
+        <p:spPr>
+          <a:xfrm>
+            <a:off x="1328853" y="1825625"/>
+            <a:ext cx="4581293" cy="4351338"/>
+          </a:xfrm>
+        </p:spPr>
+        <p:txBody>
+          <a:bodyPr/>
+          <a:lstStyle/>
+          <a:p>
+            <a:pPr marL="0" indent="0">
+              <a:buNone/>
+            </a:pPr>
+            <a:r>
+              <a:rPr lang="en-US" b="1" dirty="0"/>
+              <a:t>Good Use</a:t>
+            </a:r>
+          </a:p>
+          <a:p>
+            <a:r>
+              <a:rPr lang="en-US" dirty="0"/>
+              <a:t>To express interest to learn </a:t>
+            </a:r>
+          </a:p>
+          <a:p>
+            <a:r>
+              <a:rPr lang="en-US" dirty="0"/>
+              <a:t>To get a solutions</a:t>
+            </a:r>
+          </a:p>
+          <a:p>
+            <a:r>
+              <a:rPr lang="en-US" dirty="0"/>
+              <a:t>Questioning improves the intelligence</a:t>
+            </a:r>
+          </a:p>
+          <a:p>
+            <a:r>
+              <a:rPr lang="en-US" dirty="0"/>
+              <a:t>What else?</a:t>
+            </a:r>
+          </a:p>
+        </p:txBody>
+      </p:sp>
+      <p:sp>
+        <p:nvSpPr>
+          <p:cNvPr id="4" name="Content Placeholder 2">
+            <a:extLst>
+              <a:ext uri="{FF2B5EF4-FFF2-40B4-BE49-F238E27FC236}">
+                <a16:creationId xmlns:a16="http://schemas.microsoft.com/office/drawing/2014/main" id="{47DEAE97-2580-4E59-B25F-C1A7870E1E57}"/>
+              </a:ext>
+            </a:extLst>
+          </p:cNvPr>
+          <p:cNvSpPr txBox="1">
+            <a:spLocks/>
+          </p:cNvSpPr>
+          <p:nvPr/>
+        </p:nvSpPr>
+        <p:spPr>
+          <a:xfrm>
+            <a:off x="6224238" y="1825625"/>
+            <a:ext cx="4581293" cy="4351338"/>
+          </a:xfrm>
+          <a:prstGeom prst="rect">
+            <a:avLst/>
+          </a:prstGeom>
+        </p:spPr>
+        <p:txBody>
+          <a:bodyPr vert="horz" lIns="91440" tIns="45720" rIns="91440" bIns="45720" rtlCol="0">
+            <a:normAutofit/>
+          </a:bodyPr>
+          <a:lstStyle>
+            <a:lvl1pPr marL="228600" indent="-228600" algn="l" defTabSz="914400" rtl="0" eaLnBrk="1" latinLnBrk="0" hangingPunct="1">
+              <a:lnSpc>
+                <a:spcPct val="90000"/>
+              </a:lnSpc>
+              <a:spcBef>
+                <a:spcPts val="1000"/>
+              </a:spcBef>
+              <a:buFont typeface="Arial" panose="020B0604020202020204" pitchFamily="34" charset="0"/>
+              <a:buChar char="•"/>
+              <a:defRPr sz="2800" kern="1200">
+                <a:solidFill>
+                  <a:schemeClr val="tx1"/>
+                </a:solidFill>
+                <a:latin typeface="+mn-lt"/>
+                <a:ea typeface="+mn-ea"/>
+                <a:cs typeface="+mn-cs"/>
+              </a:defRPr>
+            </a:lvl1pPr>
+            <a:lvl2pPr marL="685800" indent="-228600" algn="l" defTabSz="914400" rtl="0" eaLnBrk="1" latinLnBrk="0" hangingPunct="1">
+              <a:lnSpc>
+                <a:spcPct val="90000"/>
+              </a:lnSpc>
+              <a:spcBef>
+                <a:spcPts val="500"/>
+              </a:spcBef>
+              <a:buFont typeface="Arial" panose="020B0604020202020204" pitchFamily="34" charset="0"/>
+              <a:buChar char="•"/>
+              <a:defRPr sz="2400" kern="1200">
+                <a:solidFill>
+                  <a:schemeClr val="tx1"/>
+                </a:solidFill>
+                <a:latin typeface="+mn-lt"/>
+                <a:ea typeface="+mn-ea"/>
+                <a:cs typeface="+mn-cs"/>
+              </a:defRPr>
+            </a:lvl2pPr>
+            <a:lvl3pPr marL="1143000" indent="-228600" algn="l" defTabSz="914400" rtl="0" eaLnBrk="1" latinLnBrk="0" hangingPunct="1">
+              <a:lnSpc>
+                <a:spcPct val="90000"/>
+              </a:lnSpc>
+              <a:spcBef>
+                <a:spcPts val="500"/>
+              </a:spcBef>
+              <a:buFont typeface="Arial" panose="020B0604020202020204" pitchFamily="34" charset="0"/>
+              <a:buChar char="•"/>
+              <a:defRPr sz="2000" kern="1200">
+                <a:solidFill>
+                  <a:schemeClr val="tx1"/>
+                </a:solidFill>
+                <a:latin typeface="+mn-lt"/>
+                <a:ea typeface="+mn-ea"/>
+                <a:cs typeface="+mn-cs"/>
+              </a:defRPr>
+            </a:lvl3pPr>
+            <a:lvl4pPr marL="1600200" indent="-228600" algn="l" defTabSz="914400" rtl="0" eaLnBrk="1" latinLnBrk="0" hangingPunct="1">
+              <a:lnSpc>
+                <a:spcPct val="90000"/>
+              </a:lnSpc>
+              <a:spcBef>
+                <a:spcPts val="500"/>
+              </a:spcBef>
+              <a:buFont typeface="Arial" panose="020B0604020202020204" pitchFamily="34" charset="0"/>
+              <a:buChar char="•"/>
+              <a:defRPr sz="1800" kern="1200">
+                <a:solidFill>
+                  <a:schemeClr val="tx1"/>
+                </a:solidFill>
+                <a:latin typeface="+mn-lt"/>
+                <a:ea typeface="+mn-ea"/>
+                <a:cs typeface="+mn-cs"/>
+              </a:defRPr>
+            </a:lvl4pPr>
+            <a:lvl5pPr marL="2057400" indent="-228600" algn="l" defTabSz="914400" rtl="0" eaLnBrk="1" latinLnBrk="0" hangingPunct="1">
+              <a:lnSpc>
+                <a:spcPct val="90000"/>
+              </a:lnSpc>
+              <a:spcBef>
+                <a:spcPts val="500"/>
+              </a:spcBef>
+              <a:buFont typeface="Arial" panose="020B0604020202020204" pitchFamily="34" charset="0"/>
+              <a:buChar char="•"/>
+              <a:defRPr sz="1800" kern="1200">
+                <a:solidFill>
+                  <a:schemeClr val="tx1"/>
+                </a:solidFill>
+                <a:latin typeface="+mn-lt"/>
+                <a:ea typeface="+mn-ea"/>
+                <a:cs typeface="+mn-cs"/>
+              </a:defRPr>
+            </a:lvl5pPr>
+            <a:lvl6pPr marL="2514600" indent="-228600" algn="l" defTabSz="914400" rtl="0" eaLnBrk="1" latinLnBrk="0" hangingPunct="1">
+              <a:lnSpc>
+                <a:spcPct val="90000"/>
+              </a:lnSpc>
+              <a:spcBef>
+                <a:spcPts val="500"/>
+              </a:spcBef>
+              <a:buFont typeface="Arial" panose="020B0604020202020204" pitchFamily="34" charset="0"/>
+              <a:buChar char="•"/>
+              <a:defRPr sz="1800" kern="1200">
+                <a:solidFill>
+                  <a:schemeClr val="tx1"/>
+                </a:solidFill>
+                <a:latin typeface="+mn-lt"/>
+                <a:ea typeface="+mn-ea"/>
+                <a:cs typeface="+mn-cs"/>
+              </a:defRPr>
+            </a:lvl6pPr>
+            <a:lvl7pPr marL="2971800" indent="-228600" algn="l" defTabSz="914400" rtl="0" eaLnBrk="1" latinLnBrk="0" hangingPunct="1">
+              <a:lnSpc>
+                <a:spcPct val="90000"/>
+              </a:lnSpc>
+              <a:spcBef>
+                <a:spcPts val="500"/>
+              </a:spcBef>
+              <a:buFont typeface="Arial" panose="020B0604020202020204" pitchFamily="34" charset="0"/>
+              <a:buChar char="•"/>
+              <a:defRPr sz="1800" kern="1200">
+                <a:solidFill>
+                  <a:schemeClr val="tx1"/>
+                </a:solidFill>
+                <a:latin typeface="+mn-lt"/>
+                <a:ea typeface="+mn-ea"/>
+                <a:cs typeface="+mn-cs"/>
+              </a:defRPr>
+            </a:lvl7pPr>
+            <a:lvl8pPr marL="3429000" indent="-228600" algn="l" defTabSz="914400" rtl="0" eaLnBrk="1" latinLnBrk="0" hangingPunct="1">
+              <a:lnSpc>
+                <a:spcPct val="90000"/>
+              </a:lnSpc>
+              <a:spcBef>
+                <a:spcPts val="500"/>
+              </a:spcBef>
+              <a:buFont typeface="Arial" panose="020B0604020202020204" pitchFamily="34" charset="0"/>
+              <a:buChar char="•"/>
+              <a:defRPr sz="1800" kern="1200">
+                <a:solidFill>
+                  <a:schemeClr val="tx1"/>
+                </a:solidFill>
+                <a:latin typeface="+mn-lt"/>
+                <a:ea typeface="+mn-ea"/>
+                <a:cs typeface="+mn-cs"/>
+              </a:defRPr>
+            </a:lvl8pPr>
+            <a:lvl9pPr marL="3886200" indent="-228600" algn="l" defTabSz="914400" rtl="0" eaLnBrk="1" latinLnBrk="0" hangingPunct="1">
+              <a:lnSpc>
+                <a:spcPct val="90000"/>
+              </a:lnSpc>
+              <a:spcBef>
+                <a:spcPts val="500"/>
+              </a:spcBef>
+              <a:buFont typeface="Arial" panose="020B0604020202020204" pitchFamily="34" charset="0"/>
+              <a:buChar char="•"/>
+              <a:defRPr sz="1800" kern="1200">
+                <a:solidFill>
+                  <a:schemeClr val="tx1"/>
+                </a:solidFill>
+                <a:latin typeface="+mn-lt"/>
+                <a:ea typeface="+mn-ea"/>
+                <a:cs typeface="+mn-cs"/>
+              </a:defRPr>
+            </a:lvl9pPr>
+          </a:lstStyle>
+          <a:p>
+            <a:pPr marL="0" indent="0">
+              <a:buNone/>
+            </a:pPr>
+            <a:r>
+              <a:rPr lang="en-US" b="1" dirty="0"/>
+              <a:t>Problematic use</a:t>
+            </a:r>
+          </a:p>
+          <a:p>
+            <a:r>
+              <a:rPr lang="en-US" dirty="0"/>
+              <a:t>Showing disbelief or doubt</a:t>
+            </a:r>
+          </a:p>
+          <a:p>
+            <a:r>
+              <a:rPr lang="en-US" dirty="0"/>
+              <a:t>Asking private/sensitive information</a:t>
+            </a:r>
+          </a:p>
+          <a:p>
+            <a:r>
+              <a:rPr lang="en-US" dirty="0"/>
+              <a:t>Asking something metaphysical</a:t>
+            </a:r>
+          </a:p>
+          <a:p>
+            <a:r>
+              <a:rPr lang="en-US" dirty="0"/>
+              <a:t>What else?</a:t>
+            </a:r>
+          </a:p>
+          <a:p>
+            <a:pPr marL="0" indent="0">
+              <a:buNone/>
+            </a:pPr>
+            <a:endParaRPr lang="en-US" dirty="0"/>
+          </a:p>
+        </p:txBody>
+      </p:sp>
+    </p:spTree>
+    <p:extLst>
+      <p:ext uri="{BB962C8B-B14F-4D97-AF65-F5344CB8AC3E}">
+        <p14:creationId xmlns:p14="http://schemas.microsoft.com/office/powerpoint/2010/main" val="3686082238"/>
+      </p:ext>
+    </p:extLst>
+  </p:cSld>
+  <p:clrMapOvr>
+    <a:masterClrMapping/>
+  </p:clrMapOvr>
+</p:sld>
+</file>
+
+<file path=ppt/slides/slide50.xml><?xml version="1.0" encoding="utf-8"?>
 <p:sld xmlns:a="http://schemas.openxmlformats.org/drawingml/2006/main" xmlns:r="http://schemas.openxmlformats.org/officeDocument/2006/relationships" xmlns:p="http://schemas.openxmlformats.org/presentationml/2006/main">
   <p:cSld>
     <p:spTree>
@@ -17544,7 +21246,7 @@
 </p:sld>
 </file>
 
-<file path=ppt/slides/slide47.xml><?xml version="1.0" encoding="utf-8"?>
+<file path=ppt/slides/slide51.xml><?xml version="1.0" encoding="utf-8"?>
 <p:sld xmlns:a="http://schemas.openxmlformats.org/drawingml/2006/main" xmlns:r="http://schemas.openxmlformats.org/officeDocument/2006/relationships" xmlns:p="http://schemas.openxmlformats.org/presentationml/2006/main">
   <p:cSld>
     <p:spTree>
@@ -19676,7 +23378,7 @@
 </p:sld>
 </file>
 
-<file path=ppt/slides/slide48.xml><?xml version="1.0" encoding="utf-8"?>
+<file path=ppt/slides/slide52.xml><?xml version="1.0" encoding="utf-8"?>
 <p:sld xmlns:a="http://schemas.openxmlformats.org/drawingml/2006/main" xmlns:r="http://schemas.openxmlformats.org/officeDocument/2006/relationships" xmlns:p="http://schemas.openxmlformats.org/presentationml/2006/main">
   <p:cSld>
     <p:spTree>
@@ -20923,8 +24625,8 @@
           </a:graphicData>
         </a:graphic>
       </p:graphicFrame>
-      <mc:AlternateContent xmlns:mc="http://schemas.openxmlformats.org/markup-compatibility/2006">
-        <mc:Choice xmlns:a14="http://schemas.microsoft.com/office/drawing/2010/main" Requires="a14">
+      <mc:AlternateContent xmlns:mc="http://schemas.openxmlformats.org/markup-compatibility/2006" xmlns:a14="http://schemas.microsoft.com/office/drawing/2010/main">
+        <mc:Choice Requires="a14">
           <p:sp>
             <p:nvSpPr>
               <p:cNvPr id="9" name="Content Placeholder 8">
@@ -21357,7 +25059,7 @@
             </p:txBody>
           </p:sp>
         </mc:Choice>
-        <mc:Fallback>
+        <mc:Fallback xmlns="">
           <p:sp>
             <p:nvSpPr>
               <p:cNvPr id="9" name="Content Placeholder 8">
@@ -21410,173 +25112,6 @@
 </p:sld>
 </file>
 
-<file path=ppt/slides/slide5.xml><?xml version="1.0" encoding="utf-8"?>
-<p:sld xmlns:a="http://schemas.openxmlformats.org/drawingml/2006/main" xmlns:r="http://schemas.openxmlformats.org/officeDocument/2006/relationships" xmlns:p="http://schemas.openxmlformats.org/presentationml/2006/main">
-  <p:cSld>
-    <p:spTree>
-      <p:nvGrpSpPr>
-        <p:cNvPr id="1" name=""/>
-        <p:cNvGrpSpPr/>
-        <p:nvPr/>
-      </p:nvGrpSpPr>
-      <p:grpSpPr>
-        <a:xfrm>
-          <a:off x="0" y="0"/>
-          <a:ext cx="0" cy="0"/>
-          <a:chOff x="0" y="0"/>
-          <a:chExt cx="0" cy="0"/>
-        </a:xfrm>
-      </p:grpSpPr>
-      <p:sp>
-        <p:nvSpPr>
-          <p:cNvPr id="2" name="Title 1">
-            <a:extLst>
-              <a:ext uri="{FF2B5EF4-FFF2-40B4-BE49-F238E27FC236}">
-                <a16:creationId xmlns:a16="http://schemas.microsoft.com/office/drawing/2014/main" id="{A1B3240A-35E8-4615-918E-047C063157D9}"/>
-              </a:ext>
-            </a:extLst>
-          </p:cNvPr>
-          <p:cNvSpPr>
-            <a:spLocks noGrp="1"/>
-          </p:cNvSpPr>
-          <p:nvPr>
-            <p:ph type="title"/>
-          </p:nvPr>
-        </p:nvSpPr>
-        <p:spPr/>
-        <p:txBody>
-          <a:bodyPr/>
-          <a:lstStyle/>
-          <a:p>
-            <a:r>
-              <a:rPr lang="en-US" dirty="0"/>
-              <a:t>Not Asking Anything</a:t>
-            </a:r>
-          </a:p>
-        </p:txBody>
-      </p:sp>
-      <p:sp>
-        <p:nvSpPr>
-          <p:cNvPr id="3" name="Content Placeholder 2">
-            <a:extLst>
-              <a:ext uri="{FF2B5EF4-FFF2-40B4-BE49-F238E27FC236}">
-                <a16:creationId xmlns:a16="http://schemas.microsoft.com/office/drawing/2014/main" id="{4EF6CE26-B55D-4911-B733-109207EA6A89}"/>
-              </a:ext>
-            </a:extLst>
-          </p:cNvPr>
-          <p:cNvSpPr>
-            <a:spLocks noGrp="1"/>
-          </p:cNvSpPr>
-          <p:nvPr>
-            <p:ph idx="1"/>
-          </p:nvPr>
-        </p:nvSpPr>
-        <p:spPr>
-          <a:xfrm>
-            <a:off x="1328853" y="1825625"/>
-            <a:ext cx="9632796" cy="4351338"/>
-          </a:xfrm>
-        </p:spPr>
-        <p:txBody>
-          <a:bodyPr/>
-          <a:lstStyle/>
-          <a:p>
-            <a:pPr marL="0" indent="0" algn="l">
-              <a:buNone/>
-            </a:pPr>
-            <a:r>
-              <a:rPr lang="en-US" b="0" i="0" dirty="0">
-                <a:solidFill>
-                  <a:srgbClr val="282828"/>
-                </a:solidFill>
-                <a:effectLst/>
-                <a:latin typeface="Lava Std"/>
-              </a:rPr>
-              <a:t>“Be a good listener” --Dale Carnegie</a:t>
-            </a:r>
-          </a:p>
-          <a:p>
-            <a:pPr marL="0" indent="0">
-              <a:buNone/>
-            </a:pPr>
-            <a:endParaRPr lang="en-US" b="1" dirty="0">
-              <a:solidFill>
-                <a:srgbClr val="282828"/>
-              </a:solidFill>
-              <a:latin typeface="Lava Std"/>
-            </a:endParaRPr>
-          </a:p>
-          <a:p>
-            <a:pPr marL="0" indent="0">
-              <a:buNone/>
-            </a:pPr>
-            <a:r>
-              <a:rPr lang="en-US" b="1" dirty="0">
-                <a:solidFill>
-                  <a:srgbClr val="282828"/>
-                </a:solidFill>
-                <a:latin typeface="Lava Std"/>
-              </a:rPr>
-              <a:t>What if we don’t ask?</a:t>
-            </a:r>
-          </a:p>
-          <a:p>
-            <a:pPr marL="0" indent="0">
-              <a:buNone/>
-            </a:pPr>
-            <a:endParaRPr lang="en-US" b="1" dirty="0">
-              <a:solidFill>
-                <a:srgbClr val="282828"/>
-              </a:solidFill>
-              <a:latin typeface="Lava Std"/>
-            </a:endParaRPr>
-          </a:p>
-          <a:p>
-            <a:pPr marL="0" indent="0">
-              <a:buNone/>
-            </a:pPr>
-            <a:r>
-              <a:rPr lang="en-US" b="1" dirty="0">
-                <a:solidFill>
-                  <a:srgbClr val="282828"/>
-                </a:solidFill>
-                <a:latin typeface="Lava Std"/>
-              </a:rPr>
-              <a:t>What is your opinion?</a:t>
-            </a:r>
-          </a:p>
-          <a:p>
-            <a:pPr marL="0" indent="0">
-              <a:buNone/>
-            </a:pPr>
-            <a:endParaRPr lang="en-US" b="1" dirty="0">
-              <a:solidFill>
-                <a:srgbClr val="282828"/>
-              </a:solidFill>
-              <a:latin typeface="Lava Std"/>
-            </a:endParaRPr>
-          </a:p>
-          <a:p>
-            <a:pPr marL="0" indent="0">
-              <a:buNone/>
-            </a:pPr>
-            <a:endParaRPr lang="en-US" dirty="0"/>
-          </a:p>
-        </p:txBody>
-      </p:sp>
-    </p:spTree>
-    <p:extLst>
-      <p:ext uri="{BB962C8B-B14F-4D97-AF65-F5344CB8AC3E}">
-        <p14:creationId xmlns:p14="http://schemas.microsoft.com/office/powerpoint/2010/main" val="1262033501"/>
-      </p:ext>
-    </p:extLst>
-  </p:cSld>
-  <p:clrMapOvr>
-    <a:masterClrMapping/>
-  </p:clrMapOvr>
-</p:sld>
-</file>
-
 <file path=ppt/slides/slide6.xml><?xml version="1.0" encoding="utf-8"?>
 <p:sld xmlns:a="http://schemas.openxmlformats.org/drawingml/2006/main" xmlns:r="http://schemas.openxmlformats.org/officeDocument/2006/relationships" xmlns:p="http://schemas.openxmlformats.org/presentationml/2006/main">
   <p:cSld>
@@ -21617,7 +25152,7 @@
           <a:p>
             <a:r>
               <a:rPr lang="en-US" dirty="0"/>
-              <a:t>What we should ask</a:t>
+              <a:t>Ask or don’t ask</a:t>
             </a:r>
           </a:p>
         </p:txBody>
@@ -21638,35 +25173,85 @@
             <p:ph idx="1"/>
           </p:nvPr>
         </p:nvSpPr>
-        <p:spPr/>
+        <p:spPr>
+          <a:xfrm>
+            <a:off x="1328853" y="1825625"/>
+            <a:ext cx="9632796" cy="4351338"/>
+          </a:xfrm>
+        </p:spPr>
         <p:txBody>
           <a:bodyPr/>
           <a:lstStyle/>
           <a:p>
-            <a:r>
-              <a:rPr lang="en-US" dirty="0"/>
-              <a:t>In research ask something about the population (Patterns)</a:t>
-            </a:r>
-          </a:p>
-          <a:p>
-            <a:r>
-              <a:rPr lang="en-US" dirty="0"/>
-              <a:t>In learning, ask something to reach the objective</a:t>
-            </a:r>
-          </a:p>
-          <a:p>
-            <a:r>
-              <a:rPr lang="en-US" dirty="0"/>
-              <a:t>In decision making ask about the uncertainty </a:t>
-            </a:r>
-          </a:p>
-          <a:p>
-            <a:r>
-              <a:rPr lang="en-US" dirty="0"/>
-              <a:t>You can add more</a:t>
-            </a:r>
-          </a:p>
-          <a:p>
+            <a:pPr marL="0" indent="0">
+              <a:buNone/>
+            </a:pPr>
+            <a:r>
+              <a:rPr lang="en-US" b="1" i="0" dirty="0">
+                <a:solidFill>
+                  <a:srgbClr val="282828"/>
+                </a:solidFill>
+                <a:effectLst/>
+                <a:latin typeface="Lava Std"/>
+              </a:rPr>
+              <a:t>“Asking a lot of questions unlocks learning and improves interpersonal bonding.”—Alison and Leslie (2018)</a:t>
+            </a:r>
+          </a:p>
+          <a:p>
+            <a:pPr marL="0" indent="0">
+              <a:buNone/>
+            </a:pPr>
+            <a:endParaRPr lang="en-US" b="1" dirty="0">
+              <a:solidFill>
+                <a:srgbClr val="282828"/>
+              </a:solidFill>
+              <a:latin typeface="Lava Std"/>
+            </a:endParaRPr>
+          </a:p>
+          <a:p>
+            <a:pPr marL="0" indent="0">
+              <a:buNone/>
+            </a:pPr>
+            <a:r>
+              <a:rPr lang="en-US" b="1" dirty="0">
+                <a:solidFill>
+                  <a:srgbClr val="282828"/>
+                </a:solidFill>
+                <a:latin typeface="Lava Std"/>
+              </a:rPr>
+              <a:t>Don’t ask everything</a:t>
+            </a:r>
+          </a:p>
+          <a:p>
+            <a:pPr marL="0" indent="0">
+              <a:buNone/>
+            </a:pPr>
+            <a:r>
+              <a:rPr lang="en-US" b="0" i="0" dirty="0">
+                <a:solidFill>
+                  <a:srgbClr val="282828"/>
+                </a:solidFill>
+                <a:effectLst/>
+                <a:latin typeface="Lava Std"/>
+              </a:rPr>
+              <a:t>“Be a good listener” --Dale Carnegie</a:t>
+            </a:r>
+          </a:p>
+          <a:p>
+            <a:pPr marL="0" indent="0">
+              <a:buNone/>
+            </a:pPr>
+            <a:endParaRPr lang="en-US" dirty="0">
+              <a:solidFill>
+                <a:srgbClr val="282828"/>
+              </a:solidFill>
+              <a:latin typeface="Lava Std"/>
+            </a:endParaRPr>
+          </a:p>
+          <a:p>
+            <a:pPr marL="0" indent="0">
+              <a:buNone/>
+            </a:pPr>
             <a:endParaRPr lang="en-US" dirty="0"/>
           </a:p>
         </p:txBody>
@@ -21674,7 +25259,7 @@
     </p:spTree>
     <p:extLst>
       <p:ext uri="{BB962C8B-B14F-4D97-AF65-F5344CB8AC3E}">
-        <p14:creationId xmlns:p14="http://schemas.microsoft.com/office/powerpoint/2010/main" val="2334011593"/>
+        <p14:creationId xmlns:p14="http://schemas.microsoft.com/office/powerpoint/2010/main" val="3017822985"/>
       </p:ext>
     </p:extLst>
   </p:cSld>
@@ -21724,7 +25309,7 @@
           <a:p>
             <a:r>
               <a:rPr lang="en-US" dirty="0"/>
-              <a:t>Questioning words and norms</a:t>
+              <a:t>What we should ask</a:t>
             </a:r>
           </a:p>
         </p:txBody>
@@ -21745,57 +25330,67 @@
             <p:ph idx="1"/>
           </p:nvPr>
         </p:nvSpPr>
-        <p:spPr>
-          <a:xfrm>
-            <a:off x="838200" y="1825625"/>
-            <a:ext cx="10515600" cy="3002853"/>
-          </a:xfrm>
-        </p:spPr>
+        <p:spPr/>
         <p:txBody>
           <a:bodyPr>
-            <a:normAutofit fontScale="85000" lnSpcReduction="20000"/>
+            <a:normAutofit fontScale="92500"/>
           </a:bodyPr>
           <a:lstStyle/>
           <a:p>
             <a:r>
               <a:rPr lang="en-US" dirty="0"/>
-              <a:t>Ask questions only to meet your thirst of learning</a:t>
+              <a:t>Ask questions only to meet your thirst of learning (Objective)</a:t>
             </a:r>
           </a:p>
           <a:p>
             <a:r>
               <a:rPr lang="en-US" dirty="0"/>
-              <a:t>Think, how the answer to your question will help you</a:t>
-            </a:r>
-          </a:p>
-          <a:p>
+              <a:t>Before asking think, how the answer to your question will help you</a:t>
+            </a:r>
+          </a:p>
+          <a:p>
+            <a:pPr lvl="1"/>
             <a:r>
               <a:rPr lang="en-US" dirty="0"/>
-              <a:t>Ask something precisely focused </a:t>
-            </a:r>
-          </a:p>
-          <a:p>
+              <a:t>In research ask something about the population (Patterns)</a:t>
+            </a:r>
+          </a:p>
+          <a:p>
+            <a:pPr lvl="1"/>
             <a:r>
               <a:rPr lang="en-US" dirty="0"/>
-              <a:t>Use WH questions Who, Which, What, When, How, Why, …</a:t>
-            </a:r>
-          </a:p>
-          <a:p>
-            <a:r>
-              <a:rPr lang="en-US" sz="2800" dirty="0"/>
-              <a:t>An effective research question usually asks about a single parameter, The quantified pattern of the population</a:t>
-            </a:r>
-          </a:p>
-          <a:p>
+              <a:t>In learning, ask something to reach the objective</a:t>
+            </a:r>
+          </a:p>
+          <a:p>
+            <a:pPr lvl="1"/>
             <a:r>
               <a:rPr lang="en-US" dirty="0"/>
-              <a:t>For multiple query, try to get answer one by one.</a:t>
+              <a:t>In decision making ask about the uncertainty </a:t>
             </a:r>
           </a:p>
           <a:p>
             <a:r>
               <a:rPr lang="en-US" dirty="0"/>
-              <a:t>Don’t ask anything sensitive/personal or metaphysical</a:t>
+              <a:t>Ask something precisely. Use WH questions Who, Which, What, When, How, Why, These questions has clear response that can be used further</a:t>
+            </a:r>
+          </a:p>
+          <a:p>
+            <a:r>
+              <a:rPr lang="en-US" dirty="0"/>
+              <a:t>For multiple query, ask and get answer one by one.</a:t>
+            </a:r>
+          </a:p>
+          <a:p>
+            <a:r>
+              <a:rPr lang="en-US" dirty="0"/>
+              <a:t>Don’t ask anything culturally sensitive, personal or metaphysical</a:t>
+            </a:r>
+          </a:p>
+          <a:p>
+            <a:r>
+              <a:rPr lang="en-US" dirty="0"/>
+              <a:t>Be respectful to everybody to ask or respond questions</a:t>
             </a:r>
           </a:p>
           <a:p>
@@ -21806,7 +25401,7 @@
     </p:spTree>
     <p:extLst>
       <p:ext uri="{BB962C8B-B14F-4D97-AF65-F5344CB8AC3E}">
-        <p14:creationId xmlns:p14="http://schemas.microsoft.com/office/powerpoint/2010/main" val="3214870714"/>
+        <p14:creationId xmlns:p14="http://schemas.microsoft.com/office/powerpoint/2010/main" val="2334011593"/>
       </p:ext>
     </p:extLst>
   </p:cSld>
